--- a/MalcolmCarlsonBeerDataEDA.DDS6306.pptx
+++ b/MalcolmCarlsonBeerDataEDA.DDS6306.pptx
@@ -5,20 +5,19 @@
     <p:sldMasterId id="2147483648" r:id="rId1"/>
   </p:sldMasterIdLst>
   <p:notesMasterIdLst>
-    <p:notesMasterId r:id="rId13"/>
+    <p:notesMasterId r:id="rId12"/>
   </p:notesMasterIdLst>
   <p:sldIdLst>
     <p:sldId id="256" r:id="rId2"/>
     <p:sldId id="257" r:id="rId3"/>
-    <p:sldId id="258" r:id="rId4"/>
-    <p:sldId id="259" r:id="rId5"/>
-    <p:sldId id="260" r:id="rId6"/>
-    <p:sldId id="261" r:id="rId7"/>
-    <p:sldId id="262" r:id="rId8"/>
-    <p:sldId id="263" r:id="rId9"/>
-    <p:sldId id="264" r:id="rId10"/>
-    <p:sldId id="266" r:id="rId11"/>
-    <p:sldId id="265" r:id="rId12"/>
+    <p:sldId id="259" r:id="rId4"/>
+    <p:sldId id="260" r:id="rId5"/>
+    <p:sldId id="261" r:id="rId6"/>
+    <p:sldId id="262" r:id="rId7"/>
+    <p:sldId id="263" r:id="rId8"/>
+    <p:sldId id="264" r:id="rId9"/>
+    <p:sldId id="266" r:id="rId10"/>
+    <p:sldId id="265" r:id="rId11"/>
   </p:sldIdLst>
   <p:sldSz cx="12192000" cy="6858000"/>
   <p:notesSz cx="6858000" cy="9144000"/>
@@ -117,6 +116,11 @@
       </a:defRPr>
     </a:lvl9pPr>
   </p:defaultTextStyle>
+  <p:extLst>
+    <p:ext uri="{EFAFB233-063F-42B5-8137-9DF3F51BA10A}">
+      <p15:sldGuideLst xmlns:p15="http://schemas.microsoft.com/office/powerpoint/2012/main"/>
+    </p:ext>
+  </p:extLst>
 </p:presentation>
 </file>
 
@@ -214,7 +218,7 @@
           <a:p>
             <a:fld id="{A6D10619-A5AD-4FBE-8267-47BE2B1199F7}" type="datetimeFigureOut">
               <a:rPr lang="en-US" smtClean="0"/>
-              <a:t>10/16/2019</a:t>
+              <a:t>10/17/2019</a:t>
             </a:fld>
             <a:endParaRPr lang="en-US"/>
           </a:p>
@@ -1204,7 +1208,7 @@
             <a:fld id="{B61BEF0D-F0BB-DE4B-95CE-6DB70DBA9567}" type="datetimeFigureOut">
               <a:rPr lang="en-US" dirty="0"/>
               <a:pPr/>
-              <a:t>10/16/2019</a:t>
+              <a:t>10/17/2019</a:t>
             </a:fld>
             <a:endParaRPr lang="en-US" dirty="0"/>
           </a:p>
@@ -1452,7 +1456,7 @@
             <a:fld id="{B61BEF0D-F0BB-DE4B-95CE-6DB70DBA9567}" type="datetimeFigureOut">
               <a:rPr lang="en-US" dirty="0"/>
               <a:pPr/>
-              <a:t>10/16/2019</a:t>
+              <a:t>10/17/2019</a:t>
             </a:fld>
             <a:endParaRPr lang="en-US" dirty="0"/>
           </a:p>
@@ -1763,7 +1767,7 @@
             <a:fld id="{B61BEF0D-F0BB-DE4B-95CE-6DB70DBA9567}" type="datetimeFigureOut">
               <a:rPr lang="en-US" dirty="0"/>
               <a:pPr/>
-              <a:t>10/16/2019</a:t>
+              <a:t>10/17/2019</a:t>
             </a:fld>
             <a:endParaRPr lang="en-US" dirty="0"/>
           </a:p>
@@ -2101,7 +2105,7 @@
             <a:fld id="{B61BEF0D-F0BB-DE4B-95CE-6DB70DBA9567}" type="datetimeFigureOut">
               <a:rPr lang="en-US" dirty="0"/>
               <a:pPr/>
-              <a:t>10/16/2019</a:t>
+              <a:t>10/17/2019</a:t>
             </a:fld>
             <a:endParaRPr lang="en-US" dirty="0"/>
           </a:p>
@@ -2412,7 +2416,7 @@
             <a:fld id="{B61BEF0D-F0BB-DE4B-95CE-6DB70DBA9567}" type="datetimeFigureOut">
               <a:rPr lang="en-US" dirty="0"/>
               <a:pPr/>
-              <a:t>10/16/2019</a:t>
+              <a:t>10/17/2019</a:t>
             </a:fld>
             <a:endParaRPr lang="en-US" dirty="0"/>
           </a:p>
@@ -2802,7 +2806,7 @@
             <a:fld id="{B61BEF0D-F0BB-DE4B-95CE-6DB70DBA9567}" type="datetimeFigureOut">
               <a:rPr lang="en-US" dirty="0"/>
               <a:pPr/>
-              <a:t>10/16/2019</a:t>
+              <a:t>10/17/2019</a:t>
             </a:fld>
             <a:endParaRPr lang="en-US" dirty="0"/>
           </a:p>
@@ -2968,7 +2972,7 @@
           <a:p>
             <a:fld id="{55C6B4A9-1611-4792-9094-5F34BCA07E0B}" type="datetimeFigureOut">
               <a:rPr lang="en-US" dirty="0"/>
-              <a:t>10/16/2019</a:t>
+              <a:t>10/17/2019</a:t>
             </a:fld>
             <a:endParaRPr lang="en-US" dirty="0"/>
           </a:p>
@@ -3144,7 +3148,7 @@
             <a:fld id="{B61BEF0D-F0BB-DE4B-95CE-6DB70DBA9567}" type="datetimeFigureOut">
               <a:rPr lang="en-US" dirty="0"/>
               <a:pPr/>
-              <a:t>10/16/2019</a:t>
+              <a:t>10/17/2019</a:t>
             </a:fld>
             <a:endParaRPr lang="en-US" dirty="0"/>
           </a:p>
@@ -3317,7 +3321,7 @@
             <a:fld id="{B61BEF0D-F0BB-DE4B-95CE-6DB70DBA9567}" type="datetimeFigureOut">
               <a:rPr lang="en-US" dirty="0"/>
               <a:pPr/>
-              <a:t>10/16/2019</a:t>
+              <a:t>10/17/2019</a:t>
             </a:fld>
             <a:endParaRPr lang="en-US" dirty="0"/>
           </a:p>
@@ -3561,7 +3565,7 @@
             <a:fld id="{B61BEF0D-F0BB-DE4B-95CE-6DB70DBA9567}" type="datetimeFigureOut">
               <a:rPr lang="en-US" dirty="0"/>
               <a:pPr/>
-              <a:t>10/16/2019</a:t>
+              <a:t>10/17/2019</a:t>
             </a:fld>
             <a:endParaRPr lang="en-US" dirty="0"/>
           </a:p>
@@ -3789,7 +3793,7 @@
           <a:p>
             <a:fld id="{EB712588-04B1-427B-82EE-E8DB90309F08}" type="datetimeFigureOut">
               <a:rPr lang="en-US" dirty="0"/>
-              <a:t>10/16/2019</a:t>
+              <a:t>10/17/2019</a:t>
             </a:fld>
             <a:endParaRPr lang="en-US" dirty="0"/>
           </a:p>
@@ -4159,7 +4163,7 @@
             <a:fld id="{B61BEF0D-F0BB-DE4B-95CE-6DB70DBA9567}" type="datetimeFigureOut">
               <a:rPr lang="en-US" dirty="0"/>
               <a:pPr/>
-              <a:t>10/16/2019</a:t>
+              <a:t>10/17/2019</a:t>
             </a:fld>
             <a:endParaRPr lang="en-US" dirty="0"/>
           </a:p>
@@ -4279,7 +4283,7 @@
             <a:fld id="{B61BEF0D-F0BB-DE4B-95CE-6DB70DBA9567}" type="datetimeFigureOut">
               <a:rPr lang="en-US" dirty="0"/>
               <a:pPr/>
-              <a:t>10/16/2019</a:t>
+              <a:t>10/17/2019</a:t>
             </a:fld>
             <a:endParaRPr lang="en-US" dirty="0"/>
           </a:p>
@@ -4371,7 +4375,7 @@
             <a:fld id="{B61BEF0D-F0BB-DE4B-95CE-6DB70DBA9567}" type="datetimeFigureOut">
               <a:rPr lang="en-US" dirty="0"/>
               <a:pPr/>
-              <a:t>10/16/2019</a:t>
+              <a:t>10/17/2019</a:t>
             </a:fld>
             <a:endParaRPr lang="en-US" dirty="0"/>
           </a:p>
@@ -4622,7 +4626,7 @@
           <a:p>
             <a:fld id="{42A54C80-263E-416B-A8E0-580EDEADCBDC}" type="datetimeFigureOut">
               <a:rPr lang="en-US" dirty="0"/>
-              <a:t>10/16/2019</a:t>
+              <a:t>10/17/2019</a:t>
             </a:fld>
             <a:endParaRPr lang="en-US" dirty="0"/>
           </a:p>
@@ -4881,7 +4885,7 @@
             <a:fld id="{B61BEF0D-F0BB-DE4B-95CE-6DB70DBA9567}" type="datetimeFigureOut">
               <a:rPr lang="en-US" dirty="0"/>
               <a:pPr/>
-              <a:t>10/16/2019</a:t>
+              <a:t>10/17/2019</a:t>
             </a:fld>
             <a:endParaRPr lang="en-US" dirty="0"/>
           </a:p>
@@ -5621,7 +5625,7 @@
             <a:fld id="{B61BEF0D-F0BB-DE4B-95CE-6DB70DBA9567}" type="datetimeFigureOut">
               <a:rPr lang="en-US" dirty="0"/>
               <a:pPr/>
-              <a:t>10/16/2019</a:t>
+              <a:t>10/17/2019</a:t>
             </a:fld>
             <a:endParaRPr lang="en-US" dirty="0"/>
           </a:p>
@@ -6167,7 +6171,7 @@
                 <a:latin typeface="Arial" panose="020B0604020202020204" pitchFamily="34" charset="0"/>
                 <a:cs typeface="Arial" panose="020B0604020202020204" pitchFamily="34" charset="0"/>
               </a:rPr>
-              <a:t>Beer Data EDA</a:t>
+              <a:t>Beer Case Study</a:t>
             </a:r>
           </a:p>
         </p:txBody>
@@ -6193,10 +6197,22 @@
           <a:bodyPr/>
           <a:lstStyle/>
           <a:p>
-            <a:endParaRPr lang="en-US" dirty="0">
-              <a:latin typeface="Arial" panose="020B0604020202020204" pitchFamily="34" charset="0"/>
-              <a:cs typeface="Arial" panose="020B0604020202020204" pitchFamily="34" charset="0"/>
-            </a:endParaRPr>
+            <a:r>
+              <a:rPr lang="en-US" dirty="0">
+                <a:latin typeface="Arial" panose="020B0604020202020204" pitchFamily="34" charset="0"/>
+                <a:cs typeface="Arial" panose="020B0604020202020204" pitchFamily="34" charset="0"/>
+              </a:rPr>
+              <a:t>DDS 6306</a:t>
+            </a:r>
+          </a:p>
+          <a:p>
+            <a:r>
+              <a:rPr lang="en-US" dirty="0">
+                <a:latin typeface="Arial" panose="020B0604020202020204" pitchFamily="34" charset="0"/>
+                <a:cs typeface="Arial" panose="020B0604020202020204" pitchFamily="34" charset="0"/>
+              </a:rPr>
+              <a:t>Malcolm Carlson</a:t>
+            </a:r>
           </a:p>
         </p:txBody>
       </p:sp>
@@ -6235,108 +6251,6 @@
           <p:cNvPr id="2" name="Title 1">
             <a:extLst>
               <a:ext uri="{FF2B5EF4-FFF2-40B4-BE49-F238E27FC236}">
-                <a16:creationId xmlns:a16="http://schemas.microsoft.com/office/drawing/2014/main" id="{D9D0F948-B4C6-422F-9E04-43BB3ED65E27}"/>
-              </a:ext>
-            </a:extLst>
-          </p:cNvPr>
-          <p:cNvSpPr>
-            <a:spLocks noGrp="1"/>
-          </p:cNvSpPr>
-          <p:nvPr>
-            <p:ph type="title"/>
-          </p:nvPr>
-        </p:nvSpPr>
-        <p:spPr/>
-        <p:txBody>
-          <a:bodyPr/>
-          <a:lstStyle/>
-          <a:p>
-            <a:r>
-              <a:rPr lang="en-US" dirty="0">
-                <a:latin typeface="Arial" panose="020B0604020202020204" pitchFamily="34" charset="0"/>
-                <a:cs typeface="Arial" panose="020B0604020202020204" pitchFamily="34" charset="0"/>
-              </a:rPr>
-              <a:t>Other Questions of Interest</a:t>
-            </a:r>
-          </a:p>
-        </p:txBody>
-      </p:sp>
-      <p:sp>
-        <p:nvSpPr>
-          <p:cNvPr id="3" name="Content Placeholder 2">
-            <a:extLst>
-              <a:ext uri="{FF2B5EF4-FFF2-40B4-BE49-F238E27FC236}">
-                <a16:creationId xmlns:a16="http://schemas.microsoft.com/office/drawing/2014/main" id="{874FE95F-C200-4854-9E29-A041DAEA740A}"/>
-              </a:ext>
-            </a:extLst>
-          </p:cNvPr>
-          <p:cNvSpPr>
-            <a:spLocks noGrp="1"/>
-          </p:cNvSpPr>
-          <p:nvPr>
-            <p:ph idx="1"/>
-          </p:nvPr>
-        </p:nvSpPr>
-        <p:spPr/>
-        <p:txBody>
-          <a:bodyPr/>
-          <a:lstStyle/>
-          <a:p>
-            <a:r>
-              <a:rPr lang="en-US" dirty="0"/>
-              <a:t>What is the most popular beer style per geographic region?</a:t>
-            </a:r>
-          </a:p>
-          <a:p>
-            <a:r>
-              <a:rPr lang="en-US" dirty="0"/>
-              <a:t>Is there a relationship between style of beer an </a:t>
-            </a:r>
-            <a:r>
-              <a:rPr lang="en-US"/>
-              <a:t>regional population?</a:t>
-            </a:r>
-          </a:p>
-          <a:p>
-            <a:endParaRPr lang="en-US" dirty="0"/>
-          </a:p>
-        </p:txBody>
-      </p:sp>
-    </p:spTree>
-    <p:extLst>
-      <p:ext uri="{BB962C8B-B14F-4D97-AF65-F5344CB8AC3E}">
-        <p14:creationId xmlns:p14="http://schemas.microsoft.com/office/powerpoint/2010/main" val="2389479798"/>
-      </p:ext>
-    </p:extLst>
-  </p:cSld>
-  <p:clrMapOvr>
-    <a:masterClrMapping/>
-  </p:clrMapOvr>
-</p:sld>
-</file>
-
-<file path=ppt/slides/slide11.xml><?xml version="1.0" encoding="utf-8"?>
-<p:sld xmlns:a="http://schemas.openxmlformats.org/drawingml/2006/main" xmlns:r="http://schemas.openxmlformats.org/officeDocument/2006/relationships" xmlns:p="http://schemas.openxmlformats.org/presentationml/2006/main">
-  <p:cSld>
-    <p:spTree>
-      <p:nvGrpSpPr>
-        <p:cNvPr id="1" name=""/>
-        <p:cNvGrpSpPr/>
-        <p:nvPr/>
-      </p:nvGrpSpPr>
-      <p:grpSpPr>
-        <a:xfrm>
-          <a:off x="0" y="0"/>
-          <a:ext cx="0" cy="0"/>
-          <a:chOff x="0" y="0"/>
-          <a:chExt cx="0" cy="0"/>
-        </a:xfrm>
-      </p:grpSpPr>
-      <p:sp>
-        <p:nvSpPr>
-          <p:cNvPr id="2" name="Title 1">
-            <a:extLst>
-              <a:ext uri="{FF2B5EF4-FFF2-40B4-BE49-F238E27FC236}">
                 <a16:creationId xmlns:a16="http://schemas.microsoft.com/office/drawing/2014/main" id="{F69C8142-A23F-4F98-A5BB-4318843625FA}"/>
               </a:ext>
             </a:extLst>
@@ -6448,10 +6362,10 @@
       </p:sp>
       <p:pic>
         <p:nvPicPr>
-          <p:cNvPr id="9" name="Picture 8">
+          <p:cNvPr id="5" name="Picture 4">
             <a:extLst>
               <a:ext uri="{FF2B5EF4-FFF2-40B4-BE49-F238E27FC236}">
-                <a16:creationId xmlns:a16="http://schemas.microsoft.com/office/drawing/2014/main" id="{81F53EBE-C6E8-48D4-80DA-9DAEC4116DAD}"/>
+                <a16:creationId xmlns:a16="http://schemas.microsoft.com/office/drawing/2014/main" id="{C434239E-2D09-40D3-9765-DAFA974E4E33}"/>
               </a:ext>
             </a:extLst>
           </p:cNvPr>
@@ -6468,8 +6382,8 @@
         </p:blipFill>
         <p:spPr>
           <a:xfrm>
-            <a:off x="6892032" y="292492"/>
-            <a:ext cx="5079365" cy="3136508"/>
+            <a:off x="1109206" y="1930399"/>
+            <a:ext cx="4082398" cy="2519423"/>
           </a:xfrm>
           <a:prstGeom prst="rect">
             <a:avLst/>
@@ -6478,10 +6392,10 @@
       </p:pic>
       <p:pic>
         <p:nvPicPr>
-          <p:cNvPr id="13" name="Picture 12">
+          <p:cNvPr id="6" name="Picture 5">
             <a:extLst>
               <a:ext uri="{FF2B5EF4-FFF2-40B4-BE49-F238E27FC236}">
-                <a16:creationId xmlns:a16="http://schemas.microsoft.com/office/drawing/2014/main" id="{5A2194C3-AEFD-4290-BA89-F3D01AD342B2}"/>
+                <a16:creationId xmlns:a16="http://schemas.microsoft.com/office/drawing/2014/main" id="{0439F061-EFF0-46CA-B91E-788E9A452585}"/>
               </a:ext>
             </a:extLst>
           </p:cNvPr>
@@ -6498,703 +6412,14 @@
         </p:blipFill>
         <p:spPr>
           <a:xfrm>
-            <a:off x="6892033" y="3558912"/>
-            <a:ext cx="5079365" cy="3136508"/>
+            <a:off x="5892800" y="1930399"/>
+            <a:ext cx="4082398" cy="2519423"/>
           </a:xfrm>
           <a:prstGeom prst="rect">
             <a:avLst/>
           </a:prstGeom>
         </p:spPr>
       </p:pic>
-      <p:sp>
-        <p:nvSpPr>
-          <p:cNvPr id="15" name="TextBox 14">
-            <a:extLst>
-              <a:ext uri="{FF2B5EF4-FFF2-40B4-BE49-F238E27FC236}">
-                <a16:creationId xmlns:a16="http://schemas.microsoft.com/office/drawing/2014/main" id="{1ABE5DE2-73CC-4B35-8E6E-DE55C89ECA5F}"/>
-              </a:ext>
-            </a:extLst>
-          </p:cNvPr>
-          <p:cNvSpPr txBox="1"/>
-          <p:nvPr/>
-        </p:nvSpPr>
-        <p:spPr>
-          <a:xfrm>
-            <a:off x="705508" y="1397675"/>
-            <a:ext cx="4270160" cy="5016758"/>
-          </a:xfrm>
-          <a:prstGeom prst="rect">
-            <a:avLst/>
-          </a:prstGeom>
-          <a:noFill/>
-        </p:spPr>
-        <p:txBody>
-          <a:bodyPr wrap="square" rtlCol="0">
-            <a:spAutoFit/>
-          </a:bodyPr>
-          <a:lstStyle/>
-          <a:p>
-            <a:r>
-              <a:rPr lang="en-US" sz="1200" dirty="0">
-                <a:latin typeface="Arial" panose="020B0604020202020204" pitchFamily="34" charset="0"/>
-                <a:cs typeface="Arial" panose="020B0604020202020204" pitchFamily="34" charset="0"/>
-              </a:rPr>
-              <a:t>Created data frame with ordered state brewery count:</a:t>
-            </a:r>
-          </a:p>
-          <a:p>
-            <a:r>
-              <a:rPr lang="en-US" sz="1200" dirty="0" err="1">
-                <a:latin typeface="Arial" panose="020B0604020202020204" pitchFamily="34" charset="0"/>
-                <a:cs typeface="Arial" panose="020B0604020202020204" pitchFamily="34" charset="0"/>
-              </a:rPr>
-              <a:t>stateSum</a:t>
-            </a:r>
-            <a:r>
-              <a:rPr lang="en-US" sz="1200" dirty="0">
-                <a:latin typeface="Arial" panose="020B0604020202020204" pitchFamily="34" charset="0"/>
-                <a:cs typeface="Arial" panose="020B0604020202020204" pitchFamily="34" charset="0"/>
-              </a:rPr>
-              <a:t>=</a:t>
-            </a:r>
-            <a:r>
-              <a:rPr lang="en-US" sz="1200" dirty="0" err="1">
-                <a:latin typeface="Arial" panose="020B0604020202020204" pitchFamily="34" charset="0"/>
-                <a:cs typeface="Arial" panose="020B0604020202020204" pitchFamily="34" charset="0"/>
-              </a:rPr>
-              <a:t>nona</a:t>
-            </a:r>
-            <a:r>
-              <a:rPr lang="en-US" sz="1200" dirty="0">
-                <a:latin typeface="Arial" panose="020B0604020202020204" pitchFamily="34" charset="0"/>
-                <a:cs typeface="Arial" panose="020B0604020202020204" pitchFamily="34" charset="0"/>
-              </a:rPr>
-              <a:t>%&gt;%</a:t>
-            </a:r>
-            <a:r>
-              <a:rPr lang="en-US" sz="1200" dirty="0" err="1">
-                <a:latin typeface="Arial" panose="020B0604020202020204" pitchFamily="34" charset="0"/>
-                <a:cs typeface="Arial" panose="020B0604020202020204" pitchFamily="34" charset="0"/>
-              </a:rPr>
-              <a:t>group_by</a:t>
-            </a:r>
-            <a:r>
-              <a:rPr lang="en-US" sz="1200" dirty="0">
-                <a:latin typeface="Arial" panose="020B0604020202020204" pitchFamily="34" charset="0"/>
-                <a:cs typeface="Arial" panose="020B0604020202020204" pitchFamily="34" charset="0"/>
-              </a:rPr>
-              <a:t>(State)%&gt;%</a:t>
-            </a:r>
-            <a:r>
-              <a:rPr lang="en-US" sz="1200" dirty="0" err="1">
-                <a:latin typeface="Arial" panose="020B0604020202020204" pitchFamily="34" charset="0"/>
-                <a:cs typeface="Arial" panose="020B0604020202020204" pitchFamily="34" charset="0"/>
-              </a:rPr>
-              <a:t>summarise</a:t>
-            </a:r>
-            <a:r>
-              <a:rPr lang="en-US" sz="1200" dirty="0">
-                <a:latin typeface="Arial" panose="020B0604020202020204" pitchFamily="34" charset="0"/>
-                <a:cs typeface="Arial" panose="020B0604020202020204" pitchFamily="34" charset="0"/>
-              </a:rPr>
-              <a:t>(</a:t>
-            </a:r>
-            <a:r>
-              <a:rPr lang="en-US" sz="1200" dirty="0" err="1">
-                <a:latin typeface="Arial" panose="020B0604020202020204" pitchFamily="34" charset="0"/>
-                <a:cs typeface="Arial" panose="020B0604020202020204" pitchFamily="34" charset="0"/>
-              </a:rPr>
-              <a:t>Brewery_count</a:t>
-            </a:r>
-            <a:r>
-              <a:rPr lang="en-US" sz="1200" dirty="0">
-                <a:latin typeface="Arial" panose="020B0604020202020204" pitchFamily="34" charset="0"/>
-                <a:cs typeface="Arial" panose="020B0604020202020204" pitchFamily="34" charset="0"/>
-              </a:rPr>
-              <a:t>=n())</a:t>
-            </a:r>
-          </a:p>
-          <a:p>
-            <a:r>
-              <a:rPr lang="en-US" sz="1200" dirty="0" err="1">
-                <a:latin typeface="Arial" panose="020B0604020202020204" pitchFamily="34" charset="0"/>
-                <a:cs typeface="Arial" panose="020B0604020202020204" pitchFamily="34" charset="0"/>
-              </a:rPr>
-              <a:t>orderedstateSum</a:t>
-            </a:r>
-            <a:r>
-              <a:rPr lang="en-US" sz="1200" dirty="0">
-                <a:latin typeface="Arial" panose="020B0604020202020204" pitchFamily="34" charset="0"/>
-                <a:cs typeface="Arial" panose="020B0604020202020204" pitchFamily="34" charset="0"/>
-              </a:rPr>
-              <a:t>&lt;-</a:t>
-            </a:r>
-            <a:r>
-              <a:rPr lang="en-US" sz="1200" dirty="0" err="1">
-                <a:latin typeface="Arial" panose="020B0604020202020204" pitchFamily="34" charset="0"/>
-                <a:cs typeface="Arial" panose="020B0604020202020204" pitchFamily="34" charset="0"/>
-              </a:rPr>
-              <a:t>stateSum</a:t>
-            </a:r>
-            <a:r>
-              <a:rPr lang="en-US" sz="1200" dirty="0">
-                <a:latin typeface="Arial" panose="020B0604020202020204" pitchFamily="34" charset="0"/>
-                <a:cs typeface="Arial" panose="020B0604020202020204" pitchFamily="34" charset="0"/>
-              </a:rPr>
-              <a:t>[order(-</a:t>
-            </a:r>
-            <a:r>
-              <a:rPr lang="en-US" sz="1200" dirty="0" err="1">
-                <a:latin typeface="Arial" panose="020B0604020202020204" pitchFamily="34" charset="0"/>
-                <a:cs typeface="Arial" panose="020B0604020202020204" pitchFamily="34" charset="0"/>
-              </a:rPr>
-              <a:t>stateSum$Brewery_count</a:t>
-            </a:r>
-            <a:r>
-              <a:rPr lang="en-US" sz="1200" dirty="0">
-                <a:latin typeface="Arial" panose="020B0604020202020204" pitchFamily="34" charset="0"/>
-                <a:cs typeface="Arial" panose="020B0604020202020204" pitchFamily="34" charset="0"/>
-              </a:rPr>
-              <a:t>),]</a:t>
-            </a:r>
-          </a:p>
-          <a:p>
-            <a:r>
-              <a:rPr lang="en-US" sz="1200" dirty="0">
-                <a:latin typeface="Arial" panose="020B0604020202020204" pitchFamily="34" charset="0"/>
-                <a:cs typeface="Arial" panose="020B0604020202020204" pitchFamily="34" charset="0"/>
-              </a:rPr>
-              <a:t>head(</a:t>
-            </a:r>
-            <a:r>
-              <a:rPr lang="en-US" sz="1200" dirty="0" err="1">
-                <a:latin typeface="Arial" panose="020B0604020202020204" pitchFamily="34" charset="0"/>
-                <a:cs typeface="Arial" panose="020B0604020202020204" pitchFamily="34" charset="0"/>
-              </a:rPr>
-              <a:t>orderedstateSum</a:t>
-            </a:r>
-            <a:r>
-              <a:rPr lang="en-US" sz="1200" dirty="0">
-                <a:latin typeface="Arial" panose="020B0604020202020204" pitchFamily="34" charset="0"/>
-                <a:cs typeface="Arial" panose="020B0604020202020204" pitchFamily="34" charset="0"/>
-              </a:rPr>
-              <a:t>)</a:t>
-            </a:r>
-          </a:p>
-          <a:p>
-            <a:endParaRPr lang="en-US" sz="1200" dirty="0">
-              <a:latin typeface="Arial" panose="020B0604020202020204" pitchFamily="34" charset="0"/>
-              <a:cs typeface="Arial" panose="020B0604020202020204" pitchFamily="34" charset="0"/>
-            </a:endParaRPr>
-          </a:p>
-          <a:p>
-            <a:r>
-              <a:rPr lang="en-US" sz="1200" dirty="0">
-                <a:latin typeface="Arial" panose="020B0604020202020204" pitchFamily="34" charset="0"/>
-                <a:cs typeface="Arial" panose="020B0604020202020204" pitchFamily="34" charset="0"/>
-              </a:rPr>
-              <a:t>#Top 20 ordered bar chart</a:t>
-            </a:r>
-          </a:p>
-          <a:p>
-            <a:r>
-              <a:rPr lang="en-US" sz="1200" dirty="0">
-                <a:latin typeface="Arial" panose="020B0604020202020204" pitchFamily="34" charset="0"/>
-                <a:cs typeface="Arial" panose="020B0604020202020204" pitchFamily="34" charset="0"/>
-              </a:rPr>
-              <a:t>top20=head(orderedstateSum,20)</a:t>
-            </a:r>
-          </a:p>
-          <a:p>
-            <a:r>
-              <a:rPr lang="en-US" sz="1200" dirty="0">
-                <a:latin typeface="Arial" panose="020B0604020202020204" pitchFamily="34" charset="0"/>
-                <a:cs typeface="Arial" panose="020B0604020202020204" pitchFamily="34" charset="0"/>
-              </a:rPr>
-              <a:t>top20%&gt;%</a:t>
-            </a:r>
-            <a:r>
-              <a:rPr lang="en-US" sz="1200" dirty="0" err="1">
-                <a:latin typeface="Arial" panose="020B0604020202020204" pitchFamily="34" charset="0"/>
-                <a:cs typeface="Arial" panose="020B0604020202020204" pitchFamily="34" charset="0"/>
-              </a:rPr>
-              <a:t>ggplot</a:t>
-            </a:r>
-            <a:r>
-              <a:rPr lang="en-US" sz="1200" dirty="0">
-                <a:latin typeface="Arial" panose="020B0604020202020204" pitchFamily="34" charset="0"/>
-                <a:cs typeface="Arial" panose="020B0604020202020204" pitchFamily="34" charset="0"/>
-              </a:rPr>
-              <a:t>(</a:t>
-            </a:r>
-            <a:r>
-              <a:rPr lang="en-US" sz="1200" dirty="0" err="1">
-                <a:latin typeface="Arial" panose="020B0604020202020204" pitchFamily="34" charset="0"/>
-                <a:cs typeface="Arial" panose="020B0604020202020204" pitchFamily="34" charset="0"/>
-              </a:rPr>
-              <a:t>aes</a:t>
-            </a:r>
-            <a:r>
-              <a:rPr lang="en-US" sz="1200" dirty="0">
-                <a:latin typeface="Arial" panose="020B0604020202020204" pitchFamily="34" charset="0"/>
-                <a:cs typeface="Arial" panose="020B0604020202020204" pitchFamily="34" charset="0"/>
-              </a:rPr>
-              <a:t>(x=reorder(State,-</a:t>
-            </a:r>
-            <a:r>
-              <a:rPr lang="en-US" sz="1200" dirty="0" err="1">
-                <a:latin typeface="Arial" panose="020B0604020202020204" pitchFamily="34" charset="0"/>
-                <a:cs typeface="Arial" panose="020B0604020202020204" pitchFamily="34" charset="0"/>
-              </a:rPr>
-              <a:t>Brewery_count</a:t>
-            </a:r>
-            <a:r>
-              <a:rPr lang="en-US" sz="1200" dirty="0">
-                <a:latin typeface="Arial" panose="020B0604020202020204" pitchFamily="34" charset="0"/>
-                <a:cs typeface="Arial" panose="020B0604020202020204" pitchFamily="34" charset="0"/>
-              </a:rPr>
-              <a:t>),y=</a:t>
-            </a:r>
-            <a:r>
-              <a:rPr lang="en-US" sz="1200" dirty="0" err="1">
-                <a:latin typeface="Arial" panose="020B0604020202020204" pitchFamily="34" charset="0"/>
-                <a:cs typeface="Arial" panose="020B0604020202020204" pitchFamily="34" charset="0"/>
-              </a:rPr>
-              <a:t>Brewery_count</a:t>
-            </a:r>
-            <a:r>
-              <a:rPr lang="en-US" sz="1200" dirty="0">
-                <a:latin typeface="Arial" panose="020B0604020202020204" pitchFamily="34" charset="0"/>
-                <a:cs typeface="Arial" panose="020B0604020202020204" pitchFamily="34" charset="0"/>
-              </a:rPr>
-              <a:t>))+</a:t>
-            </a:r>
-          </a:p>
-          <a:p>
-            <a:r>
-              <a:rPr lang="en-US" sz="1200" dirty="0">
-                <a:latin typeface="Arial" panose="020B0604020202020204" pitchFamily="34" charset="0"/>
-                <a:cs typeface="Arial" panose="020B0604020202020204" pitchFamily="34" charset="0"/>
-              </a:rPr>
-              <a:t>  </a:t>
-            </a:r>
-            <a:r>
-              <a:rPr lang="en-US" sz="1200" dirty="0" err="1">
-                <a:latin typeface="Arial" panose="020B0604020202020204" pitchFamily="34" charset="0"/>
-                <a:cs typeface="Arial" panose="020B0604020202020204" pitchFamily="34" charset="0"/>
-              </a:rPr>
-              <a:t>geom_bar</a:t>
-            </a:r>
-            <a:r>
-              <a:rPr lang="en-US" sz="1200" dirty="0">
-                <a:latin typeface="Arial" panose="020B0604020202020204" pitchFamily="34" charset="0"/>
-                <a:cs typeface="Arial" panose="020B0604020202020204" pitchFamily="34" charset="0"/>
-              </a:rPr>
-              <a:t>(stat="</a:t>
-            </a:r>
-            <a:r>
-              <a:rPr lang="en-US" sz="1200" dirty="0" err="1">
-                <a:latin typeface="Arial" panose="020B0604020202020204" pitchFamily="34" charset="0"/>
-                <a:cs typeface="Arial" panose="020B0604020202020204" pitchFamily="34" charset="0"/>
-              </a:rPr>
-              <a:t>identity",fill</a:t>
-            </a:r>
-            <a:r>
-              <a:rPr lang="en-US" sz="1200" dirty="0">
-                <a:latin typeface="Arial" panose="020B0604020202020204" pitchFamily="34" charset="0"/>
-                <a:cs typeface="Arial" panose="020B0604020202020204" pitchFamily="34" charset="0"/>
-              </a:rPr>
-              <a:t>="</a:t>
-            </a:r>
-            <a:r>
-              <a:rPr lang="en-US" sz="1200" dirty="0" err="1">
-                <a:latin typeface="Arial" panose="020B0604020202020204" pitchFamily="34" charset="0"/>
-                <a:cs typeface="Arial" panose="020B0604020202020204" pitchFamily="34" charset="0"/>
-              </a:rPr>
-              <a:t>steelblue</a:t>
-            </a:r>
-            <a:r>
-              <a:rPr lang="en-US" sz="1200" dirty="0">
-                <a:latin typeface="Arial" panose="020B0604020202020204" pitchFamily="34" charset="0"/>
-                <a:cs typeface="Arial" panose="020B0604020202020204" pitchFamily="34" charset="0"/>
-              </a:rPr>
-              <a:t>")+</a:t>
-            </a:r>
-          </a:p>
-          <a:p>
-            <a:r>
-              <a:rPr lang="en-US" sz="1200" dirty="0">
-                <a:latin typeface="Arial" panose="020B0604020202020204" pitchFamily="34" charset="0"/>
-                <a:cs typeface="Arial" panose="020B0604020202020204" pitchFamily="34" charset="0"/>
-              </a:rPr>
-              <a:t>  </a:t>
-            </a:r>
-            <a:r>
-              <a:rPr lang="en-US" sz="1200" dirty="0" err="1">
-                <a:latin typeface="Arial" panose="020B0604020202020204" pitchFamily="34" charset="0"/>
-                <a:cs typeface="Arial" panose="020B0604020202020204" pitchFamily="34" charset="0"/>
-              </a:rPr>
-              <a:t>geom_text</a:t>
-            </a:r>
-            <a:r>
-              <a:rPr lang="en-US" sz="1200" dirty="0">
-                <a:latin typeface="Arial" panose="020B0604020202020204" pitchFamily="34" charset="0"/>
-                <a:cs typeface="Arial" panose="020B0604020202020204" pitchFamily="34" charset="0"/>
-              </a:rPr>
-              <a:t>(</a:t>
-            </a:r>
-            <a:r>
-              <a:rPr lang="en-US" sz="1200" dirty="0" err="1">
-                <a:latin typeface="Arial" panose="020B0604020202020204" pitchFamily="34" charset="0"/>
-                <a:cs typeface="Arial" panose="020B0604020202020204" pitchFamily="34" charset="0"/>
-              </a:rPr>
-              <a:t>aes</a:t>
-            </a:r>
-            <a:r>
-              <a:rPr lang="en-US" sz="1200" dirty="0">
-                <a:latin typeface="Arial" panose="020B0604020202020204" pitchFamily="34" charset="0"/>
-                <a:cs typeface="Arial" panose="020B0604020202020204" pitchFamily="34" charset="0"/>
-              </a:rPr>
-              <a:t>(label=</a:t>
-            </a:r>
-            <a:r>
-              <a:rPr lang="en-US" sz="1200" dirty="0" err="1">
-                <a:latin typeface="Arial" panose="020B0604020202020204" pitchFamily="34" charset="0"/>
-                <a:cs typeface="Arial" panose="020B0604020202020204" pitchFamily="34" charset="0"/>
-              </a:rPr>
-              <a:t>Brewery_count</a:t>
-            </a:r>
-            <a:r>
-              <a:rPr lang="en-US" sz="1200" dirty="0">
-                <a:latin typeface="Arial" panose="020B0604020202020204" pitchFamily="34" charset="0"/>
-                <a:cs typeface="Arial" panose="020B0604020202020204" pitchFamily="34" charset="0"/>
-              </a:rPr>
-              <a:t>), </a:t>
-            </a:r>
-            <a:r>
-              <a:rPr lang="en-US" sz="1200" dirty="0" err="1">
-                <a:latin typeface="Arial" panose="020B0604020202020204" pitchFamily="34" charset="0"/>
-                <a:cs typeface="Arial" panose="020B0604020202020204" pitchFamily="34" charset="0"/>
-              </a:rPr>
-              <a:t>vjust</a:t>
-            </a:r>
-            <a:r>
-              <a:rPr lang="en-US" sz="1200" dirty="0">
-                <a:latin typeface="Arial" panose="020B0604020202020204" pitchFamily="34" charset="0"/>
-                <a:cs typeface="Arial" panose="020B0604020202020204" pitchFamily="34" charset="0"/>
-              </a:rPr>
-              <a:t>=1.6, color="white", size=3.5)+</a:t>
-            </a:r>
-          </a:p>
-          <a:p>
-            <a:r>
-              <a:rPr lang="en-US" sz="1200" dirty="0">
-                <a:latin typeface="Arial" panose="020B0604020202020204" pitchFamily="34" charset="0"/>
-                <a:cs typeface="Arial" panose="020B0604020202020204" pitchFamily="34" charset="0"/>
-              </a:rPr>
-              <a:t>  </a:t>
-            </a:r>
-            <a:r>
-              <a:rPr lang="en-US" sz="1200" dirty="0" err="1">
-                <a:latin typeface="Arial" panose="020B0604020202020204" pitchFamily="34" charset="0"/>
-                <a:cs typeface="Arial" panose="020B0604020202020204" pitchFamily="34" charset="0"/>
-              </a:rPr>
-              <a:t>ggtitle</a:t>
-            </a:r>
-            <a:r>
-              <a:rPr lang="en-US" sz="1200" dirty="0">
-                <a:latin typeface="Arial" panose="020B0604020202020204" pitchFamily="34" charset="0"/>
-                <a:cs typeface="Arial" panose="020B0604020202020204" pitchFamily="34" charset="0"/>
-              </a:rPr>
-              <a:t>("Top 20 States with most Breweries")+</a:t>
-            </a:r>
-            <a:r>
-              <a:rPr lang="en-US" sz="1200" dirty="0" err="1">
-                <a:latin typeface="Arial" panose="020B0604020202020204" pitchFamily="34" charset="0"/>
-                <a:cs typeface="Arial" panose="020B0604020202020204" pitchFamily="34" charset="0"/>
-              </a:rPr>
-              <a:t>xlab</a:t>
-            </a:r>
-            <a:r>
-              <a:rPr lang="en-US" sz="1200" dirty="0">
-                <a:latin typeface="Arial" panose="020B0604020202020204" pitchFamily="34" charset="0"/>
-                <a:cs typeface="Arial" panose="020B0604020202020204" pitchFamily="34" charset="0"/>
-              </a:rPr>
-              <a:t>("States")+</a:t>
-            </a:r>
-            <a:r>
-              <a:rPr lang="en-US" sz="1200" dirty="0" err="1">
-                <a:latin typeface="Arial" panose="020B0604020202020204" pitchFamily="34" charset="0"/>
-                <a:cs typeface="Arial" panose="020B0604020202020204" pitchFamily="34" charset="0"/>
-              </a:rPr>
-              <a:t>ylab</a:t>
-            </a:r>
-            <a:r>
-              <a:rPr lang="en-US" sz="1200" dirty="0">
-                <a:latin typeface="Arial" panose="020B0604020202020204" pitchFamily="34" charset="0"/>
-                <a:cs typeface="Arial" panose="020B0604020202020204" pitchFamily="34" charset="0"/>
-              </a:rPr>
-              <a:t>("Count of Breweries")</a:t>
-            </a:r>
-          </a:p>
-          <a:p>
-            <a:endParaRPr lang="en-US" dirty="0">
-              <a:latin typeface="Arial" panose="020B0604020202020204" pitchFamily="34" charset="0"/>
-              <a:cs typeface="Arial" panose="020B0604020202020204" pitchFamily="34" charset="0"/>
-            </a:endParaRPr>
-          </a:p>
-          <a:p>
-            <a:r>
-              <a:rPr lang="en-US" sz="1100" dirty="0">
-                <a:latin typeface="Arial" panose="020B0604020202020204" pitchFamily="34" charset="0"/>
-                <a:cs typeface="Arial" panose="020B0604020202020204" pitchFamily="34" charset="0"/>
-              </a:rPr>
-              <a:t>#Bottom 30 ordered bar chart</a:t>
-            </a:r>
-          </a:p>
-          <a:p>
-            <a:r>
-              <a:rPr lang="en-US" sz="1100" dirty="0">
-                <a:latin typeface="Arial" panose="020B0604020202020204" pitchFamily="34" charset="0"/>
-                <a:cs typeface="Arial" panose="020B0604020202020204" pitchFamily="34" charset="0"/>
-              </a:rPr>
-              <a:t>bottom30=tail(orderedstateSum,30)</a:t>
-            </a:r>
-          </a:p>
-          <a:p>
-            <a:r>
-              <a:rPr lang="en-US" sz="1100" dirty="0">
-                <a:latin typeface="Arial" panose="020B0604020202020204" pitchFamily="34" charset="0"/>
-                <a:cs typeface="Arial" panose="020B0604020202020204" pitchFamily="34" charset="0"/>
-              </a:rPr>
-              <a:t>view(bottom30)</a:t>
-            </a:r>
-          </a:p>
-          <a:p>
-            <a:r>
-              <a:rPr lang="en-US" sz="1100" dirty="0">
-                <a:latin typeface="Arial" panose="020B0604020202020204" pitchFamily="34" charset="0"/>
-                <a:cs typeface="Arial" panose="020B0604020202020204" pitchFamily="34" charset="0"/>
-              </a:rPr>
-              <a:t>bottom30%&gt;%</a:t>
-            </a:r>
-            <a:r>
-              <a:rPr lang="en-US" sz="1100" dirty="0" err="1">
-                <a:latin typeface="Arial" panose="020B0604020202020204" pitchFamily="34" charset="0"/>
-                <a:cs typeface="Arial" panose="020B0604020202020204" pitchFamily="34" charset="0"/>
-              </a:rPr>
-              <a:t>ggplot</a:t>
-            </a:r>
-            <a:r>
-              <a:rPr lang="en-US" sz="1100" dirty="0">
-                <a:latin typeface="Arial" panose="020B0604020202020204" pitchFamily="34" charset="0"/>
-                <a:cs typeface="Arial" panose="020B0604020202020204" pitchFamily="34" charset="0"/>
-              </a:rPr>
-              <a:t>(</a:t>
-            </a:r>
-            <a:r>
-              <a:rPr lang="en-US" sz="1100" dirty="0" err="1">
-                <a:latin typeface="Arial" panose="020B0604020202020204" pitchFamily="34" charset="0"/>
-                <a:cs typeface="Arial" panose="020B0604020202020204" pitchFamily="34" charset="0"/>
-              </a:rPr>
-              <a:t>aes</a:t>
-            </a:r>
-            <a:r>
-              <a:rPr lang="en-US" sz="1100" dirty="0">
-                <a:latin typeface="Arial" panose="020B0604020202020204" pitchFamily="34" charset="0"/>
-                <a:cs typeface="Arial" panose="020B0604020202020204" pitchFamily="34" charset="0"/>
-              </a:rPr>
-              <a:t>(x=reorder(State,-</a:t>
-            </a:r>
-            <a:r>
-              <a:rPr lang="en-US" sz="1100" dirty="0" err="1">
-                <a:latin typeface="Arial" panose="020B0604020202020204" pitchFamily="34" charset="0"/>
-                <a:cs typeface="Arial" panose="020B0604020202020204" pitchFamily="34" charset="0"/>
-              </a:rPr>
-              <a:t>Brewery_count</a:t>
-            </a:r>
-            <a:r>
-              <a:rPr lang="en-US" sz="1100" dirty="0">
-                <a:latin typeface="Arial" panose="020B0604020202020204" pitchFamily="34" charset="0"/>
-                <a:cs typeface="Arial" panose="020B0604020202020204" pitchFamily="34" charset="0"/>
-              </a:rPr>
-              <a:t>),y=</a:t>
-            </a:r>
-            <a:r>
-              <a:rPr lang="en-US" sz="1100" dirty="0" err="1">
-                <a:latin typeface="Arial" panose="020B0604020202020204" pitchFamily="34" charset="0"/>
-                <a:cs typeface="Arial" panose="020B0604020202020204" pitchFamily="34" charset="0"/>
-              </a:rPr>
-              <a:t>Brewery_count</a:t>
-            </a:r>
-            <a:r>
-              <a:rPr lang="en-US" sz="1100" dirty="0">
-                <a:latin typeface="Arial" panose="020B0604020202020204" pitchFamily="34" charset="0"/>
-                <a:cs typeface="Arial" panose="020B0604020202020204" pitchFamily="34" charset="0"/>
-              </a:rPr>
-              <a:t>))+</a:t>
-            </a:r>
-          </a:p>
-          <a:p>
-            <a:r>
-              <a:rPr lang="en-US" sz="1100" dirty="0">
-                <a:latin typeface="Arial" panose="020B0604020202020204" pitchFamily="34" charset="0"/>
-                <a:cs typeface="Arial" panose="020B0604020202020204" pitchFamily="34" charset="0"/>
-              </a:rPr>
-              <a:t>  </a:t>
-            </a:r>
-            <a:r>
-              <a:rPr lang="en-US" sz="1100" dirty="0" err="1">
-                <a:latin typeface="Arial" panose="020B0604020202020204" pitchFamily="34" charset="0"/>
-                <a:cs typeface="Arial" panose="020B0604020202020204" pitchFamily="34" charset="0"/>
-              </a:rPr>
-              <a:t>geom_bar</a:t>
-            </a:r>
-            <a:r>
-              <a:rPr lang="en-US" sz="1100" dirty="0">
-                <a:latin typeface="Arial" panose="020B0604020202020204" pitchFamily="34" charset="0"/>
-                <a:cs typeface="Arial" panose="020B0604020202020204" pitchFamily="34" charset="0"/>
-              </a:rPr>
-              <a:t>(stat="</a:t>
-            </a:r>
-            <a:r>
-              <a:rPr lang="en-US" sz="1100" dirty="0" err="1">
-                <a:latin typeface="Arial" panose="020B0604020202020204" pitchFamily="34" charset="0"/>
-                <a:cs typeface="Arial" panose="020B0604020202020204" pitchFamily="34" charset="0"/>
-              </a:rPr>
-              <a:t>identity",fill</a:t>
-            </a:r>
-            <a:r>
-              <a:rPr lang="en-US" sz="1100" dirty="0">
-                <a:latin typeface="Arial" panose="020B0604020202020204" pitchFamily="34" charset="0"/>
-                <a:cs typeface="Arial" panose="020B0604020202020204" pitchFamily="34" charset="0"/>
-              </a:rPr>
-              <a:t>="</a:t>
-            </a:r>
-            <a:r>
-              <a:rPr lang="en-US" sz="1100" dirty="0" err="1">
-                <a:latin typeface="Arial" panose="020B0604020202020204" pitchFamily="34" charset="0"/>
-                <a:cs typeface="Arial" panose="020B0604020202020204" pitchFamily="34" charset="0"/>
-              </a:rPr>
-              <a:t>steelblue</a:t>
-            </a:r>
-            <a:r>
-              <a:rPr lang="en-US" sz="1100" dirty="0">
-                <a:latin typeface="Arial" panose="020B0604020202020204" pitchFamily="34" charset="0"/>
-                <a:cs typeface="Arial" panose="020B0604020202020204" pitchFamily="34" charset="0"/>
-              </a:rPr>
-              <a:t>")+</a:t>
-            </a:r>
-            <a:r>
-              <a:rPr lang="en-US" sz="1100" dirty="0" err="1">
-                <a:latin typeface="Arial" panose="020B0604020202020204" pitchFamily="34" charset="0"/>
-                <a:cs typeface="Arial" panose="020B0604020202020204" pitchFamily="34" charset="0"/>
-              </a:rPr>
-              <a:t>geom_text</a:t>
-            </a:r>
-            <a:r>
-              <a:rPr lang="en-US" sz="1100" dirty="0">
-                <a:latin typeface="Arial" panose="020B0604020202020204" pitchFamily="34" charset="0"/>
-                <a:cs typeface="Arial" panose="020B0604020202020204" pitchFamily="34" charset="0"/>
-              </a:rPr>
-              <a:t>(</a:t>
-            </a:r>
-            <a:r>
-              <a:rPr lang="en-US" sz="1100" dirty="0" err="1">
-                <a:latin typeface="Arial" panose="020B0604020202020204" pitchFamily="34" charset="0"/>
-                <a:cs typeface="Arial" panose="020B0604020202020204" pitchFamily="34" charset="0"/>
-              </a:rPr>
-              <a:t>aes</a:t>
-            </a:r>
-            <a:r>
-              <a:rPr lang="en-US" sz="1100" dirty="0">
-                <a:latin typeface="Arial" panose="020B0604020202020204" pitchFamily="34" charset="0"/>
-                <a:cs typeface="Arial" panose="020B0604020202020204" pitchFamily="34" charset="0"/>
-              </a:rPr>
-              <a:t>(label=</a:t>
-            </a:r>
-            <a:r>
-              <a:rPr lang="en-US" sz="1100" dirty="0" err="1">
-                <a:latin typeface="Arial" panose="020B0604020202020204" pitchFamily="34" charset="0"/>
-                <a:cs typeface="Arial" panose="020B0604020202020204" pitchFamily="34" charset="0"/>
-              </a:rPr>
-              <a:t>Brewery_count</a:t>
-            </a:r>
-            <a:r>
-              <a:rPr lang="en-US" sz="1100" dirty="0">
-                <a:latin typeface="Arial" panose="020B0604020202020204" pitchFamily="34" charset="0"/>
-                <a:cs typeface="Arial" panose="020B0604020202020204" pitchFamily="34" charset="0"/>
-              </a:rPr>
-              <a:t>), </a:t>
-            </a:r>
-            <a:r>
-              <a:rPr lang="en-US" sz="1100" dirty="0" err="1">
-                <a:latin typeface="Arial" panose="020B0604020202020204" pitchFamily="34" charset="0"/>
-                <a:cs typeface="Arial" panose="020B0604020202020204" pitchFamily="34" charset="0"/>
-              </a:rPr>
-              <a:t>vjust</a:t>
-            </a:r>
-            <a:r>
-              <a:rPr lang="en-US" sz="1100" dirty="0">
-                <a:latin typeface="Arial" panose="020B0604020202020204" pitchFamily="34" charset="0"/>
-                <a:cs typeface="Arial" panose="020B0604020202020204" pitchFamily="34" charset="0"/>
-              </a:rPr>
-              <a:t>=1.6, color="white", size=3)+</a:t>
-            </a:r>
-          </a:p>
-          <a:p>
-            <a:r>
-              <a:rPr lang="en-US" sz="1100" dirty="0">
-                <a:latin typeface="Arial" panose="020B0604020202020204" pitchFamily="34" charset="0"/>
-                <a:cs typeface="Arial" panose="020B0604020202020204" pitchFamily="34" charset="0"/>
-              </a:rPr>
-              <a:t>  </a:t>
-            </a:r>
-            <a:r>
-              <a:rPr lang="en-US" sz="1100" dirty="0" err="1">
-                <a:latin typeface="Arial" panose="020B0604020202020204" pitchFamily="34" charset="0"/>
-                <a:cs typeface="Arial" panose="020B0604020202020204" pitchFamily="34" charset="0"/>
-              </a:rPr>
-              <a:t>ggtitle</a:t>
-            </a:r>
-            <a:r>
-              <a:rPr lang="en-US" sz="1100" dirty="0">
-                <a:latin typeface="Arial" panose="020B0604020202020204" pitchFamily="34" charset="0"/>
-                <a:cs typeface="Arial" panose="020B0604020202020204" pitchFamily="34" charset="0"/>
-              </a:rPr>
-              <a:t>("Bottom 30 States w Brewery Count")+</a:t>
-            </a:r>
-            <a:r>
-              <a:rPr lang="en-US" sz="1100" dirty="0" err="1">
-                <a:latin typeface="Arial" panose="020B0604020202020204" pitchFamily="34" charset="0"/>
-                <a:cs typeface="Arial" panose="020B0604020202020204" pitchFamily="34" charset="0"/>
-              </a:rPr>
-              <a:t>xlab</a:t>
-            </a:r>
-            <a:r>
-              <a:rPr lang="en-US" sz="1100" dirty="0">
-                <a:latin typeface="Arial" panose="020B0604020202020204" pitchFamily="34" charset="0"/>
-                <a:cs typeface="Arial" panose="020B0604020202020204" pitchFamily="34" charset="0"/>
-              </a:rPr>
-              <a:t>("States")+</a:t>
-            </a:r>
-            <a:r>
-              <a:rPr lang="en-US" sz="1100" dirty="0" err="1">
-                <a:latin typeface="Arial" panose="020B0604020202020204" pitchFamily="34" charset="0"/>
-                <a:cs typeface="Arial" panose="020B0604020202020204" pitchFamily="34" charset="0"/>
-              </a:rPr>
-              <a:t>ylab</a:t>
-            </a:r>
-            <a:r>
-              <a:rPr lang="en-US" sz="1100" dirty="0">
-                <a:latin typeface="Arial" panose="020B0604020202020204" pitchFamily="34" charset="0"/>
-                <a:cs typeface="Arial" panose="020B0604020202020204" pitchFamily="34" charset="0"/>
-              </a:rPr>
-              <a:t>("Count of Breweries")</a:t>
-            </a:r>
-          </a:p>
-        </p:txBody>
-      </p:sp>
     </p:spTree>
     <p:extLst>
       <p:ext uri="{BB962C8B-B14F-4D97-AF65-F5344CB8AC3E}">
@@ -7230,7 +6455,7 @@
           <p:cNvPr id="2" name="Title 1">
             <a:extLst>
               <a:ext uri="{FF2B5EF4-FFF2-40B4-BE49-F238E27FC236}">
-                <a16:creationId xmlns:a16="http://schemas.microsoft.com/office/drawing/2014/main" id="{75E7247E-78E4-4C00-A484-23900DA52B1D}"/>
+                <a16:creationId xmlns:a16="http://schemas.microsoft.com/office/drawing/2014/main" id="{BCD587EF-8451-427E-9F91-B48BB836CB19}"/>
               </a:ext>
             </a:extLst>
           </p:cNvPr>
@@ -7244,101 +6469,6 @@
         <p:spPr/>
         <p:txBody>
           <a:bodyPr/>
-          <a:lstStyle/>
-          <a:p>
-            <a:r>
-              <a:rPr lang="en-US" dirty="0"/>
-              <a:t>Merged Beer data</a:t>
-            </a:r>
-          </a:p>
-        </p:txBody>
-      </p:sp>
-      <p:pic>
-        <p:nvPicPr>
-          <p:cNvPr id="6" name="Picture 5">
-            <a:extLst>
-              <a:ext uri="{FF2B5EF4-FFF2-40B4-BE49-F238E27FC236}">
-                <a16:creationId xmlns:a16="http://schemas.microsoft.com/office/drawing/2014/main" id="{8C184B7E-973E-450D-9FC1-2CE71D43E5B5}"/>
-              </a:ext>
-            </a:extLst>
-          </p:cNvPr>
-          <p:cNvPicPr>
-            <a:picLocks noChangeAspect="1"/>
-          </p:cNvPicPr>
-          <p:nvPr/>
-        </p:nvPicPr>
-        <p:blipFill>
-          <a:blip r:embed="rId2"/>
-          <a:stretch>
-            <a:fillRect/>
-          </a:stretch>
-        </p:blipFill>
-        <p:spPr>
-          <a:xfrm>
-            <a:off x="5213747" y="1819922"/>
-            <a:ext cx="6884362" cy="1609078"/>
-          </a:xfrm>
-          <a:prstGeom prst="rect">
-            <a:avLst/>
-          </a:prstGeom>
-        </p:spPr>
-      </p:pic>
-      <p:pic>
-        <p:nvPicPr>
-          <p:cNvPr id="8" name="Picture 7">
-            <a:extLst>
-              <a:ext uri="{FF2B5EF4-FFF2-40B4-BE49-F238E27FC236}">
-                <a16:creationId xmlns:a16="http://schemas.microsoft.com/office/drawing/2014/main" id="{1466020C-766A-4F1C-9543-FC05F0472BF3}"/>
-              </a:ext>
-            </a:extLst>
-          </p:cNvPr>
-          <p:cNvPicPr>
-            <a:picLocks noChangeAspect="1"/>
-          </p:cNvPicPr>
-          <p:nvPr/>
-        </p:nvPicPr>
-        <p:blipFill>
-          <a:blip r:embed="rId3"/>
-          <a:stretch>
-            <a:fillRect/>
-          </a:stretch>
-        </p:blipFill>
-        <p:spPr>
-          <a:xfrm>
-            <a:off x="5213747" y="4030462"/>
-            <a:ext cx="6915682" cy="1671391"/>
-          </a:xfrm>
-          <a:prstGeom prst="rect">
-            <a:avLst/>
-          </a:prstGeom>
-        </p:spPr>
-      </p:pic>
-      <p:sp>
-        <p:nvSpPr>
-          <p:cNvPr id="9" name="TextBox 8">
-            <a:extLst>
-              <a:ext uri="{FF2B5EF4-FFF2-40B4-BE49-F238E27FC236}">
-                <a16:creationId xmlns:a16="http://schemas.microsoft.com/office/drawing/2014/main" id="{5ECC5C97-A6CD-4E8A-A0D1-CD65168785C4}"/>
-              </a:ext>
-            </a:extLst>
-          </p:cNvPr>
-          <p:cNvSpPr txBox="1"/>
-          <p:nvPr/>
-        </p:nvSpPr>
-        <p:spPr>
-          <a:xfrm>
-            <a:off x="677334" y="1930400"/>
-            <a:ext cx="4311226" cy="3877985"/>
-          </a:xfrm>
-          <a:prstGeom prst="rect">
-            <a:avLst/>
-          </a:prstGeom>
-          <a:noFill/>
-        </p:spPr>
-        <p:txBody>
-          <a:bodyPr wrap="square" rtlCol="0">
-            <a:spAutoFit/>
-          </a:bodyPr>
           <a:lstStyle/>
           <a:p>
             <a:r>
@@ -7346,291 +6476,84 @@
                 <a:latin typeface="Arial" panose="020B0604020202020204" pitchFamily="34" charset="0"/>
                 <a:cs typeface="Arial" panose="020B0604020202020204" pitchFamily="34" charset="0"/>
               </a:rPr>
-              <a:t>Code for merge:</a:t>
-            </a:r>
-          </a:p>
-          <a:p>
-            <a:r>
-              <a:rPr lang="en-US" sz="1200" dirty="0">
+              <a:t>Data Imputation</a:t>
+            </a:r>
+          </a:p>
+        </p:txBody>
+      </p:sp>
+      <p:sp>
+        <p:nvSpPr>
+          <p:cNvPr id="3" name="Content Placeholder 2">
+            <a:extLst>
+              <a:ext uri="{FF2B5EF4-FFF2-40B4-BE49-F238E27FC236}">
+                <a16:creationId xmlns:a16="http://schemas.microsoft.com/office/drawing/2014/main" id="{B4D9381F-E3D9-40D7-B346-FA786CEF7BFA}"/>
+              </a:ext>
+            </a:extLst>
+          </p:cNvPr>
+          <p:cNvSpPr>
+            <a:spLocks noGrp="1"/>
+          </p:cNvSpPr>
+          <p:nvPr>
+            <p:ph idx="1"/>
+          </p:nvPr>
+        </p:nvSpPr>
+        <p:spPr/>
+        <p:txBody>
+          <a:bodyPr>
+            <a:normAutofit/>
+          </a:bodyPr>
+          <a:lstStyle/>
+          <a:p>
+            <a:pPr marL="0" indent="0">
+              <a:buNone/>
+            </a:pPr>
+            <a:r>
+              <a:rPr lang="en-US" dirty="0">
                 <a:latin typeface="Arial" panose="020B0604020202020204" pitchFamily="34" charset="0"/>
                 <a:cs typeface="Arial" panose="020B0604020202020204" pitchFamily="34" charset="0"/>
               </a:rPr>
-              <a:t>#Cleanup to enable a key with same name</a:t>
-            </a:r>
-          </a:p>
-          <a:p>
-            <a:r>
-              <a:rPr lang="en-US" sz="1200" dirty="0" err="1">
+              <a:t>The ABV and IBU were missing ABV(62) and IBU(1005) values which needed to be resolved to get more accurate data analysis.  </a:t>
+            </a:r>
+          </a:p>
+          <a:p>
+            <a:pPr marL="0" indent="0">
+              <a:buNone/>
+            </a:pPr>
+            <a:r>
+              <a:rPr lang="en-US" dirty="0">
                 <a:latin typeface="Arial" panose="020B0604020202020204" pitchFamily="34" charset="0"/>
                 <a:cs typeface="Arial" panose="020B0604020202020204" pitchFamily="34" charset="0"/>
               </a:rPr>
-              <a:t>breweriesdf</a:t>
-            </a:r>
-            <a:r>
-              <a:rPr lang="en-US" sz="1200" dirty="0">
+              <a:t>The mice library(Multivariate Imputation by Chained Equations) was chosen to address the missing values.  </a:t>
+            </a:r>
+          </a:p>
+          <a:p>
+            <a:pPr marL="0" indent="0">
+              <a:buNone/>
+            </a:pPr>
+            <a:r>
+              <a:rPr lang="en-US" dirty="0">
                 <a:latin typeface="Arial" panose="020B0604020202020204" pitchFamily="34" charset="0"/>
                 <a:cs typeface="Arial" panose="020B0604020202020204" pitchFamily="34" charset="0"/>
               </a:rPr>
-              <a:t> &lt;- </a:t>
-            </a:r>
-            <a:r>
-              <a:rPr lang="en-US" sz="1200" dirty="0" err="1">
-                <a:latin typeface="Arial" panose="020B0604020202020204" pitchFamily="34" charset="0"/>
-                <a:cs typeface="Arial" panose="020B0604020202020204" pitchFamily="34" charset="0"/>
-              </a:rPr>
-              <a:t>breweriesdf</a:t>
-            </a:r>
-            <a:r>
-              <a:rPr lang="en-US" sz="1200" dirty="0">
-                <a:latin typeface="Arial" panose="020B0604020202020204" pitchFamily="34" charset="0"/>
-                <a:cs typeface="Arial" panose="020B0604020202020204" pitchFamily="34" charset="0"/>
-              </a:rPr>
-              <a:t> %&gt;% rename(</a:t>
-            </a:r>
-          </a:p>
-          <a:p>
-            <a:r>
-              <a:rPr lang="en-US" sz="1200" dirty="0">
-                <a:latin typeface="Arial" panose="020B0604020202020204" pitchFamily="34" charset="0"/>
-                <a:cs typeface="Arial" panose="020B0604020202020204" pitchFamily="34" charset="0"/>
-              </a:rPr>
-              <a:t> </a:t>
-            </a:r>
-            <a:r>
-              <a:rPr lang="en-US" sz="1200" dirty="0" err="1">
-                <a:latin typeface="Arial" panose="020B0604020202020204" pitchFamily="34" charset="0"/>
-                <a:cs typeface="Arial" panose="020B0604020202020204" pitchFamily="34" charset="0"/>
-              </a:rPr>
-              <a:t>Brewery_id</a:t>
-            </a:r>
-            <a:r>
-              <a:rPr lang="en-US" sz="1200" dirty="0">
-                <a:latin typeface="Arial" panose="020B0604020202020204" pitchFamily="34" charset="0"/>
-                <a:cs typeface="Arial" panose="020B0604020202020204" pitchFamily="34" charset="0"/>
-              </a:rPr>
-              <a:t> = </a:t>
-            </a:r>
-            <a:r>
-              <a:rPr lang="en-US" sz="1200" dirty="0" err="1">
-                <a:latin typeface="Arial" panose="020B0604020202020204" pitchFamily="34" charset="0"/>
-                <a:cs typeface="Arial" panose="020B0604020202020204" pitchFamily="34" charset="0"/>
-              </a:rPr>
-              <a:t>Brew_ID</a:t>
-            </a:r>
-            <a:r>
-              <a:rPr lang="en-US" sz="1200" dirty="0">
-                <a:latin typeface="Arial" panose="020B0604020202020204" pitchFamily="34" charset="0"/>
-                <a:cs typeface="Arial" panose="020B0604020202020204" pitchFamily="34" charset="0"/>
-              </a:rPr>
-              <a:t>,</a:t>
-            </a:r>
-          </a:p>
-          <a:p>
-            <a:r>
-              <a:rPr lang="en-US" sz="1200" dirty="0">
-                <a:latin typeface="Arial" panose="020B0604020202020204" pitchFamily="34" charset="0"/>
-                <a:cs typeface="Arial" panose="020B0604020202020204" pitchFamily="34" charset="0"/>
-              </a:rPr>
-              <a:t> </a:t>
-            </a:r>
-            <a:r>
-              <a:rPr lang="en-US" sz="1200" dirty="0" err="1">
-                <a:latin typeface="Arial" panose="020B0604020202020204" pitchFamily="34" charset="0"/>
-                <a:cs typeface="Arial" panose="020B0604020202020204" pitchFamily="34" charset="0"/>
-              </a:rPr>
-              <a:t>Brewery_name</a:t>
-            </a:r>
-            <a:r>
-              <a:rPr lang="en-US" sz="1200" dirty="0">
-                <a:latin typeface="Arial" panose="020B0604020202020204" pitchFamily="34" charset="0"/>
-                <a:cs typeface="Arial" panose="020B0604020202020204" pitchFamily="34" charset="0"/>
-              </a:rPr>
-              <a:t> = Name</a:t>
-            </a:r>
-          </a:p>
-          <a:p>
-            <a:r>
-              <a:rPr lang="en-US" sz="1200" dirty="0">
-                <a:latin typeface="Arial" panose="020B0604020202020204" pitchFamily="34" charset="0"/>
-                <a:cs typeface="Arial" panose="020B0604020202020204" pitchFamily="34" charset="0"/>
-              </a:rPr>
-              <a:t>)</a:t>
-            </a:r>
-          </a:p>
-          <a:p>
-            <a:r>
-              <a:rPr lang="en-US" sz="1200" dirty="0">
-                <a:latin typeface="Arial" panose="020B0604020202020204" pitchFamily="34" charset="0"/>
-                <a:cs typeface="Arial" panose="020B0604020202020204" pitchFamily="34" charset="0"/>
-              </a:rPr>
-              <a:t>#Change name to be more unique</a:t>
-            </a:r>
-          </a:p>
-          <a:p>
-            <a:r>
-              <a:rPr lang="nl-NL" sz="1200" dirty="0">
-                <a:latin typeface="Arial" panose="020B0604020202020204" pitchFamily="34" charset="0"/>
-                <a:cs typeface="Arial" panose="020B0604020202020204" pitchFamily="34" charset="0"/>
-              </a:rPr>
-              <a:t>beerdf &lt;- beerdf %&gt;% rename(</a:t>
-            </a:r>
-          </a:p>
-          <a:p>
-            <a:r>
-              <a:rPr lang="nl-NL" sz="1200" dirty="0">
-                <a:latin typeface="Arial" panose="020B0604020202020204" pitchFamily="34" charset="0"/>
-                <a:cs typeface="Arial" panose="020B0604020202020204" pitchFamily="34" charset="0"/>
-              </a:rPr>
-              <a:t> Beer_name = Name</a:t>
-            </a:r>
-          </a:p>
-          <a:p>
-            <a:r>
-              <a:rPr lang="nl-NL" sz="1200" dirty="0">
-                <a:latin typeface="Arial" panose="020B0604020202020204" pitchFamily="34" charset="0"/>
-                <a:cs typeface="Arial" panose="020B0604020202020204" pitchFamily="34" charset="0"/>
-              </a:rPr>
-              <a:t>)</a:t>
-            </a:r>
-          </a:p>
-          <a:p>
-            <a:r>
-              <a:rPr lang="nl-NL" sz="1200" dirty="0">
-                <a:latin typeface="Arial" panose="020B0604020202020204" pitchFamily="34" charset="0"/>
-                <a:cs typeface="Arial" panose="020B0604020202020204" pitchFamily="34" charset="0"/>
-              </a:rPr>
-              <a:t>#Merge step</a:t>
-            </a:r>
-          </a:p>
-          <a:p>
-            <a:r>
-              <a:rPr lang="en-US" sz="1200" dirty="0" err="1">
-                <a:latin typeface="Arial" panose="020B0604020202020204" pitchFamily="34" charset="0"/>
-                <a:cs typeface="Arial" panose="020B0604020202020204" pitchFamily="34" charset="0"/>
-              </a:rPr>
-              <a:t>combineddf</a:t>
-            </a:r>
-            <a:r>
-              <a:rPr lang="en-US" sz="1200" dirty="0">
-                <a:latin typeface="Arial" panose="020B0604020202020204" pitchFamily="34" charset="0"/>
-                <a:cs typeface="Arial" panose="020B0604020202020204" pitchFamily="34" charset="0"/>
-              </a:rPr>
-              <a:t>&lt;-merge(</a:t>
-            </a:r>
-            <a:r>
-              <a:rPr lang="en-US" sz="1200" dirty="0" err="1">
-                <a:latin typeface="Arial" panose="020B0604020202020204" pitchFamily="34" charset="0"/>
-                <a:cs typeface="Arial" panose="020B0604020202020204" pitchFamily="34" charset="0"/>
-              </a:rPr>
-              <a:t>breweriesdf,beerdf</a:t>
-            </a:r>
-            <a:r>
-              <a:rPr lang="en-US" sz="1200" dirty="0">
-                <a:latin typeface="Arial" panose="020B0604020202020204" pitchFamily="34" charset="0"/>
-                <a:cs typeface="Arial" panose="020B0604020202020204" pitchFamily="34" charset="0"/>
-              </a:rPr>
-              <a:t>, by="</a:t>
-            </a:r>
-            <a:r>
-              <a:rPr lang="en-US" sz="1200" dirty="0" err="1">
-                <a:latin typeface="Arial" panose="020B0604020202020204" pitchFamily="34" charset="0"/>
-                <a:cs typeface="Arial" panose="020B0604020202020204" pitchFamily="34" charset="0"/>
-              </a:rPr>
-              <a:t>Brewery_id",all</a:t>
-            </a:r>
-            <a:r>
-              <a:rPr lang="en-US" sz="1200" dirty="0">
-                <a:latin typeface="Arial" panose="020B0604020202020204" pitchFamily="34" charset="0"/>
-                <a:cs typeface="Arial" panose="020B0604020202020204" pitchFamily="34" charset="0"/>
-              </a:rPr>
-              <a:t> = TRUE)</a:t>
-            </a:r>
-          </a:p>
-          <a:p>
-            <a:endParaRPr lang="en-US" sz="1200" dirty="0">
+              <a:t>MICE uses chosen columns to simulate plausible values for the missing data.</a:t>
+            </a:r>
+          </a:p>
+          <a:p>
+            <a:pPr marL="0" indent="0">
+              <a:buNone/>
+            </a:pPr>
+            <a:endParaRPr lang="en-US" dirty="0">
               <a:latin typeface="Arial" panose="020B0604020202020204" pitchFamily="34" charset="0"/>
               <a:cs typeface="Arial" panose="020B0604020202020204" pitchFamily="34" charset="0"/>
             </a:endParaRPr>
           </a:p>
-          <a:p>
-            <a:r>
-              <a:rPr lang="en-US" sz="1200" dirty="0">
-                <a:latin typeface="Arial" panose="020B0604020202020204" pitchFamily="34" charset="0"/>
-                <a:cs typeface="Arial" panose="020B0604020202020204" pitchFamily="34" charset="0"/>
-              </a:rPr>
-              <a:t>#Below is after imputation, fixing the missing data</a:t>
-            </a:r>
-          </a:p>
-          <a:p>
-            <a:r>
-              <a:rPr lang="en-US" sz="1200" dirty="0">
-                <a:latin typeface="Arial" panose="020B0604020202020204" pitchFamily="34" charset="0"/>
-                <a:cs typeface="Arial" panose="020B0604020202020204" pitchFamily="34" charset="0"/>
-              </a:rPr>
-              <a:t>top6merge&lt;-head(</a:t>
-            </a:r>
-            <a:r>
-              <a:rPr lang="en-US" sz="1200" dirty="0" err="1">
-                <a:latin typeface="Arial" panose="020B0604020202020204" pitchFamily="34" charset="0"/>
-                <a:cs typeface="Arial" panose="020B0604020202020204" pitchFamily="34" charset="0"/>
-              </a:rPr>
-              <a:t>nona</a:t>
-            </a:r>
-            <a:r>
-              <a:rPr lang="en-US" sz="1200" dirty="0">
-                <a:latin typeface="Arial" panose="020B0604020202020204" pitchFamily="34" charset="0"/>
-                <a:cs typeface="Arial" panose="020B0604020202020204" pitchFamily="34" charset="0"/>
-              </a:rPr>
-              <a:t>)</a:t>
-            </a:r>
-          </a:p>
-          <a:p>
-            <a:r>
-              <a:rPr lang="en-US" sz="1200" dirty="0">
-                <a:latin typeface="Arial" panose="020B0604020202020204" pitchFamily="34" charset="0"/>
-                <a:cs typeface="Arial" panose="020B0604020202020204" pitchFamily="34" charset="0"/>
-              </a:rPr>
-              <a:t>bottom6merge&lt;-tail(</a:t>
-            </a:r>
-            <a:r>
-              <a:rPr lang="en-US" sz="1200" dirty="0" err="1">
-                <a:latin typeface="Arial" panose="020B0604020202020204" pitchFamily="34" charset="0"/>
-                <a:cs typeface="Arial" panose="020B0604020202020204" pitchFamily="34" charset="0"/>
-              </a:rPr>
-              <a:t>nona</a:t>
-            </a:r>
-            <a:r>
-              <a:rPr lang="en-US" sz="1200" dirty="0">
-                <a:latin typeface="Arial" panose="020B0604020202020204" pitchFamily="34" charset="0"/>
-                <a:cs typeface="Arial" panose="020B0604020202020204" pitchFamily="34" charset="0"/>
-              </a:rPr>
-              <a:t>)</a:t>
-            </a:r>
-          </a:p>
-          <a:p>
-            <a:r>
-              <a:rPr lang="en-US" sz="1200" dirty="0">
-                <a:latin typeface="Arial" panose="020B0604020202020204" pitchFamily="34" charset="0"/>
-                <a:cs typeface="Arial" panose="020B0604020202020204" pitchFamily="34" charset="0"/>
-              </a:rPr>
-              <a:t>view(top6merge,title = "Top 6 head data for merged dataset")</a:t>
-            </a:r>
-          </a:p>
-          <a:p>
-            <a:r>
-              <a:rPr lang="en-US" sz="1200" dirty="0">
-                <a:latin typeface="Arial" panose="020B0604020202020204" pitchFamily="34" charset="0"/>
-                <a:cs typeface="Arial" panose="020B0604020202020204" pitchFamily="34" charset="0"/>
-              </a:rPr>
-              <a:t>view(bottom6merge,title = "Bottom 6 head data for merged dataset")</a:t>
-            </a:r>
-          </a:p>
         </p:txBody>
       </p:sp>
     </p:spTree>
     <p:extLst>
       <p:ext uri="{BB962C8B-B14F-4D97-AF65-F5344CB8AC3E}">
-        <p14:creationId xmlns:p14="http://schemas.microsoft.com/office/powerpoint/2010/main" val="1012267473"/>
+        <p14:creationId xmlns:p14="http://schemas.microsoft.com/office/powerpoint/2010/main" val="3152597938"/>
       </p:ext>
     </p:extLst>
   </p:cSld>
@@ -7662,7 +6585,7 @@
           <p:cNvPr id="2" name="Title 1">
             <a:extLst>
               <a:ext uri="{FF2B5EF4-FFF2-40B4-BE49-F238E27FC236}">
-                <a16:creationId xmlns:a16="http://schemas.microsoft.com/office/drawing/2014/main" id="{BCD587EF-8451-427E-9F91-B48BB836CB19}"/>
+                <a16:creationId xmlns:a16="http://schemas.microsoft.com/office/drawing/2014/main" id="{D5415634-8235-4049-8DF4-D9247E4A570D}"/>
               </a:ext>
             </a:extLst>
           </p:cNvPr>
@@ -7683,381 +6606,75 @@
                 <a:latin typeface="Arial" panose="020B0604020202020204" pitchFamily="34" charset="0"/>
                 <a:cs typeface="Arial" panose="020B0604020202020204" pitchFamily="34" charset="0"/>
               </a:rPr>
-              <a:t>Data Imputation</a:t>
-            </a:r>
-          </a:p>
-        </p:txBody>
-      </p:sp>
-      <p:sp>
-        <p:nvSpPr>
-          <p:cNvPr id="3" name="Content Placeholder 2">
+              <a:t>Median Alcohol by Volume</a:t>
+            </a:r>
+          </a:p>
+        </p:txBody>
+      </p:sp>
+      <p:pic>
+        <p:nvPicPr>
+          <p:cNvPr id="4" name="Picture 3">
             <a:extLst>
               <a:ext uri="{FF2B5EF4-FFF2-40B4-BE49-F238E27FC236}">
-                <a16:creationId xmlns:a16="http://schemas.microsoft.com/office/drawing/2014/main" id="{B4D9381F-E3D9-40D7-B346-FA786CEF7BFA}"/>
+                <a16:creationId xmlns:a16="http://schemas.microsoft.com/office/drawing/2014/main" id="{C5B30003-7FF8-4186-9A40-56C86794CABC}"/>
               </a:ext>
             </a:extLst>
           </p:cNvPr>
-          <p:cNvSpPr>
-            <a:spLocks noGrp="1"/>
-          </p:cNvSpPr>
-          <p:nvPr>
-            <p:ph idx="1"/>
-          </p:nvPr>
-        </p:nvSpPr>
-        <p:spPr/>
-        <p:txBody>
-          <a:bodyPr>
-            <a:normAutofit/>
-          </a:bodyPr>
-          <a:lstStyle/>
-          <a:p>
-            <a:pPr marL="0" indent="0">
-              <a:buNone/>
-            </a:pPr>
-            <a:r>
-              <a:rPr lang="en-US" sz="1200" dirty="0">
-                <a:latin typeface="Arial" panose="020B0604020202020204" pitchFamily="34" charset="0"/>
-                <a:cs typeface="Arial" panose="020B0604020202020204" pitchFamily="34" charset="0"/>
-              </a:rPr>
-              <a:t>The ABV and IBU were missing ABV(62) and IBU(1005) values which needed to be resolved to get more accurate data analysis.  We chose the mice library package to accomplish the imputation.</a:t>
-            </a:r>
-          </a:p>
-          <a:p>
-            <a:pPr marL="0" indent="0">
-              <a:buNone/>
-            </a:pPr>
-            <a:endParaRPr lang="en-US" sz="1200" dirty="0">
-              <a:latin typeface="Arial" panose="020B0604020202020204" pitchFamily="34" charset="0"/>
-              <a:cs typeface="Arial" panose="020B0604020202020204" pitchFamily="34" charset="0"/>
-            </a:endParaRPr>
-          </a:p>
-          <a:p>
-            <a:pPr marL="0" indent="0">
-              <a:buNone/>
-            </a:pPr>
-            <a:r>
-              <a:rPr lang="en-US" sz="1200" dirty="0" err="1">
-                <a:latin typeface="Arial" panose="020B0604020202020204" pitchFamily="34" charset="0"/>
-                <a:cs typeface="Arial" panose="020B0604020202020204" pitchFamily="34" charset="0"/>
-              </a:rPr>
-              <a:t>init</a:t>
-            </a:r>
-            <a:r>
-              <a:rPr lang="en-US" sz="1200" dirty="0">
-                <a:latin typeface="Arial" panose="020B0604020202020204" pitchFamily="34" charset="0"/>
-                <a:cs typeface="Arial" panose="020B0604020202020204" pitchFamily="34" charset="0"/>
-              </a:rPr>
-              <a:t> = mice(</a:t>
-            </a:r>
-            <a:r>
-              <a:rPr lang="en-US" sz="1200" dirty="0" err="1">
-                <a:latin typeface="Arial" panose="020B0604020202020204" pitchFamily="34" charset="0"/>
-                <a:cs typeface="Arial" panose="020B0604020202020204" pitchFamily="34" charset="0"/>
-              </a:rPr>
-              <a:t>combineddf</a:t>
-            </a:r>
-            <a:r>
-              <a:rPr lang="en-US" sz="1200" dirty="0">
-                <a:latin typeface="Arial" panose="020B0604020202020204" pitchFamily="34" charset="0"/>
-                <a:cs typeface="Arial" panose="020B0604020202020204" pitchFamily="34" charset="0"/>
-              </a:rPr>
-              <a:t>, </a:t>
-            </a:r>
-            <a:r>
-              <a:rPr lang="en-US" sz="1200" dirty="0" err="1">
-                <a:latin typeface="Arial" panose="020B0604020202020204" pitchFamily="34" charset="0"/>
-                <a:cs typeface="Arial" panose="020B0604020202020204" pitchFamily="34" charset="0"/>
-              </a:rPr>
-              <a:t>maxit</a:t>
-            </a:r>
-            <a:r>
-              <a:rPr lang="en-US" sz="1200" dirty="0">
-                <a:latin typeface="Arial" panose="020B0604020202020204" pitchFamily="34" charset="0"/>
-                <a:cs typeface="Arial" panose="020B0604020202020204" pitchFamily="34" charset="0"/>
-              </a:rPr>
-              <a:t>=0)</a:t>
-            </a:r>
-          </a:p>
-          <a:p>
-            <a:pPr marL="0" indent="0">
-              <a:buNone/>
-            </a:pPr>
-            <a:r>
-              <a:rPr lang="en-US" sz="1200" dirty="0" err="1">
-                <a:latin typeface="Arial" panose="020B0604020202020204" pitchFamily="34" charset="0"/>
-                <a:cs typeface="Arial" panose="020B0604020202020204" pitchFamily="34" charset="0"/>
-              </a:rPr>
-              <a:t>predM</a:t>
-            </a:r>
-            <a:r>
-              <a:rPr lang="en-US" sz="1200" dirty="0">
-                <a:latin typeface="Arial" panose="020B0604020202020204" pitchFamily="34" charset="0"/>
-                <a:cs typeface="Arial" panose="020B0604020202020204" pitchFamily="34" charset="0"/>
-              </a:rPr>
-              <a:t> = </a:t>
-            </a:r>
-            <a:r>
-              <a:rPr lang="en-US" sz="1200" dirty="0" err="1">
-                <a:latin typeface="Arial" panose="020B0604020202020204" pitchFamily="34" charset="0"/>
-                <a:cs typeface="Arial" panose="020B0604020202020204" pitchFamily="34" charset="0"/>
-              </a:rPr>
-              <a:t>init$predictorMatrix</a:t>
-            </a:r>
-            <a:endParaRPr lang="en-US" sz="1200" dirty="0">
-              <a:latin typeface="Arial" panose="020B0604020202020204" pitchFamily="34" charset="0"/>
-              <a:cs typeface="Arial" panose="020B0604020202020204" pitchFamily="34" charset="0"/>
-            </a:endParaRPr>
-          </a:p>
-          <a:p>
-            <a:pPr marL="0" indent="0">
-              <a:buNone/>
-            </a:pPr>
-            <a:r>
-              <a:rPr lang="en-US" sz="1200" dirty="0" err="1">
-                <a:latin typeface="Arial" panose="020B0604020202020204" pitchFamily="34" charset="0"/>
-                <a:cs typeface="Arial" panose="020B0604020202020204" pitchFamily="34" charset="0"/>
-              </a:rPr>
-              <a:t>predM</a:t>
-            </a:r>
-            <a:r>
-              <a:rPr lang="en-US" sz="1200" dirty="0">
-                <a:latin typeface="Arial" panose="020B0604020202020204" pitchFamily="34" charset="0"/>
-                <a:cs typeface="Arial" panose="020B0604020202020204" pitchFamily="34" charset="0"/>
-              </a:rPr>
-              <a:t>[, c("</a:t>
-            </a:r>
-            <a:r>
-              <a:rPr lang="en-US" sz="1200" dirty="0" err="1">
-                <a:latin typeface="Arial" panose="020B0604020202020204" pitchFamily="34" charset="0"/>
-                <a:cs typeface="Arial" panose="020B0604020202020204" pitchFamily="34" charset="0"/>
-              </a:rPr>
-              <a:t>Beer_name</a:t>
-            </a:r>
-            <a:r>
-              <a:rPr lang="en-US" sz="1200" dirty="0">
-                <a:latin typeface="Arial" panose="020B0604020202020204" pitchFamily="34" charset="0"/>
-                <a:cs typeface="Arial" panose="020B0604020202020204" pitchFamily="34" charset="0"/>
-              </a:rPr>
-              <a:t>", "</a:t>
-            </a:r>
-            <a:r>
-              <a:rPr lang="en-US" sz="1200" dirty="0" err="1">
-                <a:latin typeface="Arial" panose="020B0604020202020204" pitchFamily="34" charset="0"/>
-                <a:cs typeface="Arial" panose="020B0604020202020204" pitchFamily="34" charset="0"/>
-              </a:rPr>
-              <a:t>Beer_ID</a:t>
-            </a:r>
-            <a:r>
-              <a:rPr lang="en-US" sz="1200" dirty="0">
-                <a:latin typeface="Arial" panose="020B0604020202020204" pitchFamily="34" charset="0"/>
-                <a:cs typeface="Arial" panose="020B0604020202020204" pitchFamily="34" charset="0"/>
-              </a:rPr>
-              <a:t>", "Ounces", "</a:t>
-            </a:r>
-            <a:r>
-              <a:rPr lang="en-US" sz="1200" dirty="0" err="1">
-                <a:latin typeface="Arial" panose="020B0604020202020204" pitchFamily="34" charset="0"/>
-                <a:cs typeface="Arial" panose="020B0604020202020204" pitchFamily="34" charset="0"/>
-              </a:rPr>
-              <a:t>Brewery_name</a:t>
-            </a:r>
-            <a:r>
-              <a:rPr lang="en-US" sz="1200" dirty="0">
-                <a:latin typeface="Arial" panose="020B0604020202020204" pitchFamily="34" charset="0"/>
-                <a:cs typeface="Arial" panose="020B0604020202020204" pitchFamily="34" charset="0"/>
-              </a:rPr>
-              <a:t>")]=0</a:t>
-            </a:r>
-          </a:p>
-          <a:p>
-            <a:pPr marL="0" indent="0">
-              <a:buNone/>
-            </a:pPr>
-            <a:r>
-              <a:rPr lang="en-US" sz="1200" dirty="0">
-                <a:latin typeface="Arial" panose="020B0604020202020204" pitchFamily="34" charset="0"/>
-                <a:cs typeface="Arial" panose="020B0604020202020204" pitchFamily="34" charset="0"/>
-              </a:rPr>
-              <a:t>imp&lt;-mice(</a:t>
-            </a:r>
-            <a:r>
-              <a:rPr lang="en-US" sz="1200" dirty="0" err="1">
-                <a:latin typeface="Arial" panose="020B0604020202020204" pitchFamily="34" charset="0"/>
-                <a:cs typeface="Arial" panose="020B0604020202020204" pitchFamily="34" charset="0"/>
-              </a:rPr>
-              <a:t>combineddf</a:t>
-            </a:r>
-            <a:r>
-              <a:rPr lang="en-US" sz="1200" dirty="0">
-                <a:latin typeface="Arial" panose="020B0604020202020204" pitchFamily="34" charset="0"/>
-                <a:cs typeface="Arial" panose="020B0604020202020204" pitchFamily="34" charset="0"/>
-              </a:rPr>
-              <a:t>, m=5, </a:t>
-            </a:r>
-            <a:r>
-              <a:rPr lang="en-US" sz="1200" dirty="0" err="1">
-                <a:latin typeface="Arial" panose="020B0604020202020204" pitchFamily="34" charset="0"/>
-                <a:cs typeface="Arial" panose="020B0604020202020204" pitchFamily="34" charset="0"/>
-              </a:rPr>
-              <a:t>predictorMatrix</a:t>
-            </a:r>
-            <a:r>
-              <a:rPr lang="en-US" sz="1200" dirty="0">
-                <a:latin typeface="Arial" panose="020B0604020202020204" pitchFamily="34" charset="0"/>
-                <a:cs typeface="Arial" panose="020B0604020202020204" pitchFamily="34" charset="0"/>
-              </a:rPr>
-              <a:t> = </a:t>
-            </a:r>
-            <a:r>
-              <a:rPr lang="en-US" sz="1200" dirty="0" err="1">
-                <a:latin typeface="Arial" panose="020B0604020202020204" pitchFamily="34" charset="0"/>
-                <a:cs typeface="Arial" panose="020B0604020202020204" pitchFamily="34" charset="0"/>
-              </a:rPr>
-              <a:t>predM</a:t>
-            </a:r>
-            <a:r>
-              <a:rPr lang="en-US" sz="1200" dirty="0">
-                <a:latin typeface="Arial" panose="020B0604020202020204" pitchFamily="34" charset="0"/>
-                <a:cs typeface="Arial" panose="020B0604020202020204" pitchFamily="34" charset="0"/>
-              </a:rPr>
-              <a:t>)</a:t>
-            </a:r>
-          </a:p>
-          <a:p>
-            <a:pPr marL="0" indent="0">
-              <a:buNone/>
-            </a:pPr>
-            <a:r>
-              <a:rPr lang="en-US" sz="1200" dirty="0" err="1">
-                <a:latin typeface="Arial" panose="020B0604020202020204" pitchFamily="34" charset="0"/>
-                <a:cs typeface="Arial" panose="020B0604020202020204" pitchFamily="34" charset="0"/>
-              </a:rPr>
-              <a:t>nona</a:t>
-            </a:r>
-            <a:r>
-              <a:rPr lang="en-US" sz="1200" dirty="0">
-                <a:latin typeface="Arial" panose="020B0604020202020204" pitchFamily="34" charset="0"/>
-                <a:cs typeface="Arial" panose="020B0604020202020204" pitchFamily="34" charset="0"/>
-              </a:rPr>
-              <a:t> &lt;- complete(imp)</a:t>
-            </a:r>
-          </a:p>
-          <a:p>
-            <a:pPr marL="0" indent="0">
-              <a:buNone/>
-            </a:pPr>
-            <a:r>
-              <a:rPr lang="en-US" sz="1200" dirty="0" err="1">
-                <a:latin typeface="Arial" panose="020B0604020202020204" pitchFamily="34" charset="0"/>
-                <a:cs typeface="Arial" panose="020B0604020202020204" pitchFamily="34" charset="0"/>
-              </a:rPr>
-              <a:t>nona$State</a:t>
-            </a:r>
-            <a:r>
-              <a:rPr lang="en-US" sz="1200" dirty="0">
-                <a:latin typeface="Arial" panose="020B0604020202020204" pitchFamily="34" charset="0"/>
-                <a:cs typeface="Arial" panose="020B0604020202020204" pitchFamily="34" charset="0"/>
-              </a:rPr>
-              <a:t>&lt;-</a:t>
-            </a:r>
-            <a:r>
-              <a:rPr lang="en-US" sz="1200" dirty="0" err="1">
-                <a:latin typeface="Arial" panose="020B0604020202020204" pitchFamily="34" charset="0"/>
-                <a:cs typeface="Arial" panose="020B0604020202020204" pitchFamily="34" charset="0"/>
-              </a:rPr>
-              <a:t>trimws</a:t>
-            </a:r>
-            <a:r>
-              <a:rPr lang="en-US" sz="1200" dirty="0">
-                <a:latin typeface="Arial" panose="020B0604020202020204" pitchFamily="34" charset="0"/>
-                <a:cs typeface="Arial" panose="020B0604020202020204" pitchFamily="34" charset="0"/>
-              </a:rPr>
-              <a:t>(</a:t>
-            </a:r>
-            <a:r>
-              <a:rPr lang="en-US" sz="1200" dirty="0" err="1">
-                <a:latin typeface="Arial" panose="020B0604020202020204" pitchFamily="34" charset="0"/>
-                <a:cs typeface="Arial" panose="020B0604020202020204" pitchFamily="34" charset="0"/>
-              </a:rPr>
-              <a:t>nona$State</a:t>
-            </a:r>
-            <a:r>
-              <a:rPr lang="en-US" sz="1200" dirty="0">
-                <a:latin typeface="Arial" panose="020B0604020202020204" pitchFamily="34" charset="0"/>
-                <a:cs typeface="Arial" panose="020B0604020202020204" pitchFamily="34" charset="0"/>
-              </a:rPr>
-              <a:t>)</a:t>
-            </a:r>
-          </a:p>
-          <a:p>
-            <a:pPr marL="0" indent="0">
-              <a:buNone/>
-            </a:pPr>
-            <a:r>
-              <a:rPr lang="en-US" sz="1200" dirty="0">
-                <a:latin typeface="Arial" panose="020B0604020202020204" pitchFamily="34" charset="0"/>
-                <a:cs typeface="Arial" panose="020B0604020202020204" pitchFamily="34" charset="0"/>
-              </a:rPr>
-              <a:t>write.csv(</a:t>
-            </a:r>
-            <a:r>
-              <a:rPr lang="en-US" sz="1200" dirty="0" err="1">
-                <a:latin typeface="Arial" panose="020B0604020202020204" pitchFamily="34" charset="0"/>
-                <a:cs typeface="Arial" panose="020B0604020202020204" pitchFamily="34" charset="0"/>
-              </a:rPr>
-              <a:t>nona,file</a:t>
-            </a:r>
-            <a:r>
-              <a:rPr lang="en-US" sz="1200" dirty="0">
-                <a:latin typeface="Arial" panose="020B0604020202020204" pitchFamily="34" charset="0"/>
-                <a:cs typeface="Arial" panose="020B0604020202020204" pitchFamily="34" charset="0"/>
-              </a:rPr>
-              <a:t>="/Users/</a:t>
-            </a:r>
-            <a:r>
-              <a:rPr lang="en-US" sz="1200" dirty="0" err="1">
-                <a:latin typeface="Arial" panose="020B0604020202020204" pitchFamily="34" charset="0"/>
-                <a:cs typeface="Arial" panose="020B0604020202020204" pitchFamily="34" charset="0"/>
-              </a:rPr>
-              <a:t>malco</a:t>
-            </a:r>
-            <a:r>
-              <a:rPr lang="en-US" sz="1200" dirty="0">
-                <a:latin typeface="Arial" panose="020B0604020202020204" pitchFamily="34" charset="0"/>
-                <a:cs typeface="Arial" panose="020B0604020202020204" pitchFamily="34" charset="0"/>
-              </a:rPr>
-              <a:t>/Documents/MDS/MDS_6306_DDS/CaseStudy1/nona.csv",</a:t>
-            </a:r>
-            <a:r>
-              <a:rPr lang="en-US" sz="1200" dirty="0" err="1">
-                <a:latin typeface="Arial" panose="020B0604020202020204" pitchFamily="34" charset="0"/>
-                <a:cs typeface="Arial" panose="020B0604020202020204" pitchFamily="34" charset="0"/>
-              </a:rPr>
-              <a:t>row.names</a:t>
-            </a:r>
-            <a:r>
-              <a:rPr lang="en-US" sz="1200" dirty="0">
-                <a:latin typeface="Arial" panose="020B0604020202020204" pitchFamily="34" charset="0"/>
-                <a:cs typeface="Arial" panose="020B0604020202020204" pitchFamily="34" charset="0"/>
-              </a:rPr>
-              <a:t>=FALSE)</a:t>
-            </a:r>
-          </a:p>
-          <a:p>
-            <a:pPr marL="0" indent="0">
-              <a:buNone/>
-            </a:pPr>
-            <a:endParaRPr lang="en-US" sz="1200" dirty="0">
-              <a:latin typeface="Arial" panose="020B0604020202020204" pitchFamily="34" charset="0"/>
-              <a:cs typeface="Arial" panose="020B0604020202020204" pitchFamily="34" charset="0"/>
-            </a:endParaRPr>
-          </a:p>
-        </p:txBody>
-      </p:sp>
+          <p:cNvPicPr>
+            <a:picLocks noChangeAspect="1"/>
+          </p:cNvPicPr>
+          <p:nvPr/>
+        </p:nvPicPr>
+        <p:blipFill>
+          <a:blip r:embed="rId2"/>
+          <a:stretch>
+            <a:fillRect/>
+          </a:stretch>
+        </p:blipFill>
+        <p:spPr>
+          <a:xfrm>
+            <a:off x="5701358" y="1481511"/>
+            <a:ext cx="4583013" cy="2828374"/>
+          </a:xfrm>
+          <a:prstGeom prst="rect">
+            <a:avLst/>
+          </a:prstGeom>
+        </p:spPr>
+      </p:pic>
+      <p:pic>
+        <p:nvPicPr>
+          <p:cNvPr id="6" name="Picture 5">
+            <a:extLst>
+              <a:ext uri="{FF2B5EF4-FFF2-40B4-BE49-F238E27FC236}">
+                <a16:creationId xmlns:a16="http://schemas.microsoft.com/office/drawing/2014/main" id="{C4DFF84A-CA38-4426-9310-67023A079140}"/>
+              </a:ext>
+            </a:extLst>
+          </p:cNvPr>
+          <p:cNvPicPr>
+            <a:picLocks noChangeAspect="1"/>
+          </p:cNvPicPr>
+          <p:nvPr/>
+        </p:nvPicPr>
+        <p:blipFill>
+          <a:blip r:embed="rId3"/>
+          <a:stretch>
+            <a:fillRect/>
+          </a:stretch>
+        </p:blipFill>
+        <p:spPr>
+          <a:xfrm>
+            <a:off x="782319" y="1564836"/>
+            <a:ext cx="4447996" cy="2745049"/>
+          </a:xfrm>
+          <a:prstGeom prst="rect">
+            <a:avLst/>
+          </a:prstGeom>
+        </p:spPr>
+      </p:pic>
     </p:spTree>
     <p:extLst>
       <p:ext uri="{BB962C8B-B14F-4D97-AF65-F5344CB8AC3E}">
-        <p14:creationId xmlns:p14="http://schemas.microsoft.com/office/powerpoint/2010/main" val="3152597938"/>
+        <p14:creationId xmlns:p14="http://schemas.microsoft.com/office/powerpoint/2010/main" val="1510032252"/>
       </p:ext>
     </p:extLst>
   </p:cSld>
@@ -8089,975 +6706,6 @@
           <p:cNvPr id="2" name="Title 1">
             <a:extLst>
               <a:ext uri="{FF2B5EF4-FFF2-40B4-BE49-F238E27FC236}">
-                <a16:creationId xmlns:a16="http://schemas.microsoft.com/office/drawing/2014/main" id="{D5415634-8235-4049-8DF4-D9247E4A570D}"/>
-              </a:ext>
-            </a:extLst>
-          </p:cNvPr>
-          <p:cNvSpPr>
-            <a:spLocks noGrp="1"/>
-          </p:cNvSpPr>
-          <p:nvPr>
-            <p:ph type="title"/>
-          </p:nvPr>
-        </p:nvSpPr>
-        <p:spPr/>
-        <p:txBody>
-          <a:bodyPr/>
-          <a:lstStyle/>
-          <a:p>
-            <a:r>
-              <a:rPr lang="en-US" dirty="0">
-                <a:latin typeface="Arial" panose="020B0604020202020204" pitchFamily="34" charset="0"/>
-                <a:cs typeface="Arial" panose="020B0604020202020204" pitchFamily="34" charset="0"/>
-              </a:rPr>
-              <a:t>Median Alcohol by Volume</a:t>
-            </a:r>
-          </a:p>
-        </p:txBody>
-      </p:sp>
-      <p:sp>
-        <p:nvSpPr>
-          <p:cNvPr id="3" name="Content Placeholder 2">
-            <a:extLst>
-              <a:ext uri="{FF2B5EF4-FFF2-40B4-BE49-F238E27FC236}">
-                <a16:creationId xmlns:a16="http://schemas.microsoft.com/office/drawing/2014/main" id="{6A5B8FCC-07A9-4558-A73D-941CBEF24BFF}"/>
-              </a:ext>
-            </a:extLst>
-          </p:cNvPr>
-          <p:cNvSpPr>
-            <a:spLocks noGrp="1"/>
-          </p:cNvSpPr>
-          <p:nvPr>
-            <p:ph idx="1"/>
-          </p:nvPr>
-        </p:nvSpPr>
-        <p:spPr>
-          <a:xfrm>
-            <a:off x="677334" y="2160589"/>
-            <a:ext cx="3521804" cy="3880773"/>
-          </a:xfrm>
-        </p:spPr>
-        <p:txBody>
-          <a:bodyPr>
-            <a:normAutofit fontScale="25000" lnSpcReduction="20000"/>
-          </a:bodyPr>
-          <a:lstStyle/>
-          <a:p>
-            <a:pPr marL="0" indent="0">
-              <a:lnSpc>
-                <a:spcPct val="120000"/>
-              </a:lnSpc>
-              <a:buNone/>
-            </a:pPr>
-            <a:r>
-              <a:rPr lang="en-US" sz="1200" dirty="0">
-                <a:latin typeface="Arial" panose="020B0604020202020204" pitchFamily="34" charset="0"/>
-                <a:cs typeface="Arial" panose="020B0604020202020204" pitchFamily="34" charset="0"/>
-              </a:rPr>
-              <a:t>The median Alcohol by Volume data is ordered in ascending order by State.</a:t>
-            </a:r>
-          </a:p>
-          <a:p>
-            <a:pPr marL="0" indent="0">
-              <a:lnSpc>
-                <a:spcPct val="120000"/>
-              </a:lnSpc>
-              <a:buNone/>
-            </a:pPr>
-            <a:r>
-              <a:rPr lang="en-US" sz="1200" dirty="0">
-                <a:latin typeface="Arial" panose="020B0604020202020204" pitchFamily="34" charset="0"/>
-                <a:cs typeface="Arial" panose="020B0604020202020204" pitchFamily="34" charset="0"/>
-              </a:rPr>
-              <a:t>#</a:t>
-            </a:r>
-            <a:r>
-              <a:rPr lang="en-US" sz="2000" dirty="0" err="1">
-                <a:latin typeface="Arial" panose="020B0604020202020204" pitchFamily="34" charset="0"/>
-                <a:cs typeface="Arial" panose="020B0604020202020204" pitchFamily="34" charset="0"/>
-              </a:rPr>
-              <a:t>Dataframe</a:t>
-            </a:r>
-            <a:r>
-              <a:rPr lang="en-US" sz="2000" dirty="0">
-                <a:latin typeface="Arial" panose="020B0604020202020204" pitchFamily="34" charset="0"/>
-                <a:cs typeface="Arial" panose="020B0604020202020204" pitchFamily="34" charset="0"/>
-              </a:rPr>
-              <a:t> of just </a:t>
-            </a:r>
-            <a:r>
-              <a:rPr lang="en-US" sz="2000" dirty="0" err="1">
-                <a:latin typeface="Arial" panose="020B0604020202020204" pitchFamily="34" charset="0"/>
-                <a:cs typeface="Arial" panose="020B0604020202020204" pitchFamily="34" charset="0"/>
-              </a:rPr>
-              <a:t>State,ABV,IBU</a:t>
-            </a:r>
-            <a:endParaRPr lang="en-US" sz="2000" dirty="0">
-              <a:latin typeface="Arial" panose="020B0604020202020204" pitchFamily="34" charset="0"/>
-              <a:cs typeface="Arial" panose="020B0604020202020204" pitchFamily="34" charset="0"/>
-            </a:endParaRPr>
-          </a:p>
-          <a:p>
-            <a:pPr marL="0" indent="0">
-              <a:lnSpc>
-                <a:spcPct val="120000"/>
-              </a:lnSpc>
-              <a:buNone/>
-            </a:pPr>
-            <a:r>
-              <a:rPr lang="en-US" sz="2000" dirty="0" err="1">
-                <a:latin typeface="Arial" panose="020B0604020202020204" pitchFamily="34" charset="0"/>
-                <a:cs typeface="Arial" panose="020B0604020202020204" pitchFamily="34" charset="0"/>
-              </a:rPr>
-              <a:t>medianABVIBU</a:t>
-            </a:r>
-            <a:r>
-              <a:rPr lang="en-US" sz="2000" dirty="0">
-                <a:latin typeface="Arial" panose="020B0604020202020204" pitchFamily="34" charset="0"/>
-                <a:cs typeface="Arial" panose="020B0604020202020204" pitchFamily="34" charset="0"/>
-              </a:rPr>
-              <a:t>&lt;-</a:t>
-            </a:r>
-            <a:r>
-              <a:rPr lang="en-US" sz="2000" dirty="0" err="1">
-                <a:latin typeface="Arial" panose="020B0604020202020204" pitchFamily="34" charset="0"/>
-                <a:cs typeface="Arial" panose="020B0604020202020204" pitchFamily="34" charset="0"/>
-              </a:rPr>
-              <a:t>nona</a:t>
-            </a:r>
-            <a:r>
-              <a:rPr lang="en-US" sz="2000" dirty="0">
-                <a:latin typeface="Arial" panose="020B0604020202020204" pitchFamily="34" charset="0"/>
-                <a:cs typeface="Arial" panose="020B0604020202020204" pitchFamily="34" charset="0"/>
-              </a:rPr>
-              <a:t>%&gt;%</a:t>
-            </a:r>
-            <a:r>
-              <a:rPr lang="en-US" sz="2000" dirty="0" err="1">
-                <a:latin typeface="Arial" panose="020B0604020202020204" pitchFamily="34" charset="0"/>
-                <a:cs typeface="Arial" panose="020B0604020202020204" pitchFamily="34" charset="0"/>
-              </a:rPr>
-              <a:t>group_by</a:t>
-            </a:r>
-            <a:r>
-              <a:rPr lang="en-US" sz="2000" dirty="0">
-                <a:latin typeface="Arial" panose="020B0604020202020204" pitchFamily="34" charset="0"/>
-                <a:cs typeface="Arial" panose="020B0604020202020204" pitchFamily="34" charset="0"/>
-              </a:rPr>
-              <a:t>(State)%&gt;%summarize(</a:t>
-            </a:r>
-            <a:r>
-              <a:rPr lang="en-US" sz="2000" dirty="0" err="1">
-                <a:latin typeface="Arial" panose="020B0604020202020204" pitchFamily="34" charset="0"/>
-                <a:cs typeface="Arial" panose="020B0604020202020204" pitchFamily="34" charset="0"/>
-              </a:rPr>
-              <a:t>medianABV</a:t>
-            </a:r>
-            <a:r>
-              <a:rPr lang="en-US" sz="2000" dirty="0">
-                <a:latin typeface="Arial" panose="020B0604020202020204" pitchFamily="34" charset="0"/>
-                <a:cs typeface="Arial" panose="020B0604020202020204" pitchFamily="34" charset="0"/>
-              </a:rPr>
-              <a:t>=median(ABV),</a:t>
-            </a:r>
-            <a:r>
-              <a:rPr lang="en-US" sz="2000" dirty="0" err="1">
-                <a:latin typeface="Arial" panose="020B0604020202020204" pitchFamily="34" charset="0"/>
-                <a:cs typeface="Arial" panose="020B0604020202020204" pitchFamily="34" charset="0"/>
-              </a:rPr>
-              <a:t>medianIBU</a:t>
-            </a:r>
-            <a:r>
-              <a:rPr lang="en-US" sz="2000" dirty="0">
-                <a:latin typeface="Arial" panose="020B0604020202020204" pitchFamily="34" charset="0"/>
-                <a:cs typeface="Arial" panose="020B0604020202020204" pitchFamily="34" charset="0"/>
-              </a:rPr>
-              <a:t>=median(IBU))</a:t>
-            </a:r>
-          </a:p>
-          <a:p>
-            <a:pPr marL="0" indent="0">
-              <a:lnSpc>
-                <a:spcPct val="120000"/>
-              </a:lnSpc>
-              <a:buNone/>
-            </a:pPr>
-            <a:endParaRPr lang="en-US" sz="2000" dirty="0">
-              <a:latin typeface="Arial" panose="020B0604020202020204" pitchFamily="34" charset="0"/>
-              <a:cs typeface="Arial" panose="020B0604020202020204" pitchFamily="34" charset="0"/>
-            </a:endParaRPr>
-          </a:p>
-          <a:p>
-            <a:pPr marL="0" indent="0">
-              <a:lnSpc>
-                <a:spcPct val="120000"/>
-              </a:lnSpc>
-              <a:buNone/>
-            </a:pPr>
-            <a:r>
-              <a:rPr lang="en-US" sz="2000" dirty="0">
-                <a:latin typeface="Arial" panose="020B0604020202020204" pitchFamily="34" charset="0"/>
-                <a:cs typeface="Arial" panose="020B0604020202020204" pitchFamily="34" charset="0"/>
-              </a:rPr>
-              <a:t>#Code for Top 20 </a:t>
-            </a:r>
-            <a:r>
-              <a:rPr lang="en-US" sz="2000" dirty="0" err="1">
-                <a:latin typeface="Arial" panose="020B0604020202020204" pitchFamily="34" charset="0"/>
-                <a:cs typeface="Arial" panose="020B0604020202020204" pitchFamily="34" charset="0"/>
-              </a:rPr>
-              <a:t>highes</a:t>
-            </a:r>
-            <a:r>
-              <a:rPr lang="en-US" sz="2000" dirty="0">
-                <a:latin typeface="Arial" panose="020B0604020202020204" pitchFamily="34" charset="0"/>
-                <a:cs typeface="Arial" panose="020B0604020202020204" pitchFamily="34" charset="0"/>
-              </a:rPr>
-              <a:t> ABV by State                                    </a:t>
-            </a:r>
-          </a:p>
-          <a:p>
-            <a:pPr marL="0" indent="0">
-              <a:lnSpc>
-                <a:spcPct val="120000"/>
-              </a:lnSpc>
-              <a:buNone/>
-            </a:pPr>
-            <a:r>
-              <a:rPr lang="en-US" sz="2000" dirty="0">
-                <a:latin typeface="Arial" panose="020B0604020202020204" pitchFamily="34" charset="0"/>
-                <a:cs typeface="Arial" panose="020B0604020202020204" pitchFamily="34" charset="0"/>
-              </a:rPr>
-              <a:t>top20medABV=head(medianABVIBU,20)</a:t>
-            </a:r>
-          </a:p>
-          <a:p>
-            <a:pPr marL="0" indent="0">
-              <a:lnSpc>
-                <a:spcPct val="120000"/>
-              </a:lnSpc>
-              <a:buNone/>
-            </a:pPr>
-            <a:r>
-              <a:rPr lang="en-US" sz="2000" dirty="0">
-                <a:latin typeface="Arial" panose="020B0604020202020204" pitchFamily="34" charset="0"/>
-                <a:cs typeface="Arial" panose="020B0604020202020204" pitchFamily="34" charset="0"/>
-              </a:rPr>
-              <a:t>top20medABV&lt;-top20medABV%&gt;%select(</a:t>
-            </a:r>
-            <a:r>
-              <a:rPr lang="en-US" sz="2000" dirty="0" err="1">
-                <a:latin typeface="Arial" panose="020B0604020202020204" pitchFamily="34" charset="0"/>
-                <a:cs typeface="Arial" panose="020B0604020202020204" pitchFamily="34" charset="0"/>
-              </a:rPr>
-              <a:t>State,medianABV</a:t>
-            </a:r>
-            <a:r>
-              <a:rPr lang="en-US" sz="2000" dirty="0">
-                <a:latin typeface="Arial" panose="020B0604020202020204" pitchFamily="34" charset="0"/>
-                <a:cs typeface="Arial" panose="020B0604020202020204" pitchFamily="34" charset="0"/>
-              </a:rPr>
-              <a:t>)</a:t>
-            </a:r>
-          </a:p>
-          <a:p>
-            <a:pPr marL="0" indent="0">
-              <a:lnSpc>
-                <a:spcPct val="120000"/>
-              </a:lnSpc>
-              <a:buNone/>
-            </a:pPr>
-            <a:r>
-              <a:rPr lang="en-US" sz="2000" dirty="0">
-                <a:latin typeface="Arial" panose="020B0604020202020204" pitchFamily="34" charset="0"/>
-                <a:cs typeface="Arial" panose="020B0604020202020204" pitchFamily="34" charset="0"/>
-              </a:rPr>
-              <a:t>head(top20medABV)</a:t>
-            </a:r>
-          </a:p>
-          <a:p>
-            <a:pPr marL="0" indent="0">
-              <a:lnSpc>
-                <a:spcPct val="120000"/>
-              </a:lnSpc>
-              <a:buNone/>
-            </a:pPr>
-            <a:r>
-              <a:rPr lang="en-US" sz="2000" dirty="0">
-                <a:latin typeface="Arial" panose="020B0604020202020204" pitchFamily="34" charset="0"/>
-                <a:cs typeface="Arial" panose="020B0604020202020204" pitchFamily="34" charset="0"/>
-              </a:rPr>
-              <a:t>top20medABV%&gt;%</a:t>
-            </a:r>
-            <a:r>
-              <a:rPr lang="en-US" sz="2000" dirty="0" err="1">
-                <a:latin typeface="Arial" panose="020B0604020202020204" pitchFamily="34" charset="0"/>
-                <a:cs typeface="Arial" panose="020B0604020202020204" pitchFamily="34" charset="0"/>
-              </a:rPr>
-              <a:t>ggplot</a:t>
-            </a:r>
-            <a:r>
-              <a:rPr lang="en-US" sz="2000" dirty="0">
-                <a:latin typeface="Arial" panose="020B0604020202020204" pitchFamily="34" charset="0"/>
-                <a:cs typeface="Arial" panose="020B0604020202020204" pitchFamily="34" charset="0"/>
-              </a:rPr>
-              <a:t>(</a:t>
-            </a:r>
-            <a:r>
-              <a:rPr lang="en-US" sz="2000" dirty="0" err="1">
-                <a:latin typeface="Arial" panose="020B0604020202020204" pitchFamily="34" charset="0"/>
-                <a:cs typeface="Arial" panose="020B0604020202020204" pitchFamily="34" charset="0"/>
-              </a:rPr>
-              <a:t>aes</a:t>
-            </a:r>
-            <a:r>
-              <a:rPr lang="en-US" sz="2000" dirty="0">
-                <a:latin typeface="Arial" panose="020B0604020202020204" pitchFamily="34" charset="0"/>
-                <a:cs typeface="Arial" panose="020B0604020202020204" pitchFamily="34" charset="0"/>
-              </a:rPr>
-              <a:t>(x=reorder(State,-</a:t>
-            </a:r>
-            <a:r>
-              <a:rPr lang="en-US" sz="2000" dirty="0" err="1">
-                <a:latin typeface="Arial" panose="020B0604020202020204" pitchFamily="34" charset="0"/>
-                <a:cs typeface="Arial" panose="020B0604020202020204" pitchFamily="34" charset="0"/>
-              </a:rPr>
-              <a:t>medianABV</a:t>
-            </a:r>
-            <a:r>
-              <a:rPr lang="en-US" sz="2000" dirty="0">
-                <a:latin typeface="Arial" panose="020B0604020202020204" pitchFamily="34" charset="0"/>
-                <a:cs typeface="Arial" panose="020B0604020202020204" pitchFamily="34" charset="0"/>
-              </a:rPr>
-              <a:t>),y=</a:t>
-            </a:r>
-            <a:r>
-              <a:rPr lang="en-US" sz="2000" dirty="0" err="1">
-                <a:latin typeface="Arial" panose="020B0604020202020204" pitchFamily="34" charset="0"/>
-                <a:cs typeface="Arial" panose="020B0604020202020204" pitchFamily="34" charset="0"/>
-              </a:rPr>
-              <a:t>medianABV</a:t>
-            </a:r>
-            <a:r>
-              <a:rPr lang="en-US" sz="2000" dirty="0">
-                <a:latin typeface="Arial" panose="020B0604020202020204" pitchFamily="34" charset="0"/>
-                <a:cs typeface="Arial" panose="020B0604020202020204" pitchFamily="34" charset="0"/>
-              </a:rPr>
-              <a:t>))+</a:t>
-            </a:r>
-          </a:p>
-          <a:p>
-            <a:pPr marL="0" indent="0">
-              <a:lnSpc>
-                <a:spcPct val="120000"/>
-              </a:lnSpc>
-              <a:buNone/>
-            </a:pPr>
-            <a:r>
-              <a:rPr lang="en-US" sz="2000" dirty="0">
-                <a:latin typeface="Arial" panose="020B0604020202020204" pitchFamily="34" charset="0"/>
-                <a:cs typeface="Arial" panose="020B0604020202020204" pitchFamily="34" charset="0"/>
-              </a:rPr>
-              <a:t>  </a:t>
-            </a:r>
-            <a:r>
-              <a:rPr lang="en-US" sz="2000" dirty="0" err="1">
-                <a:latin typeface="Arial" panose="020B0604020202020204" pitchFamily="34" charset="0"/>
-                <a:cs typeface="Arial" panose="020B0604020202020204" pitchFamily="34" charset="0"/>
-              </a:rPr>
-              <a:t>geom_bar</a:t>
-            </a:r>
-            <a:r>
-              <a:rPr lang="en-US" sz="2000" dirty="0">
-                <a:latin typeface="Arial" panose="020B0604020202020204" pitchFamily="34" charset="0"/>
-                <a:cs typeface="Arial" panose="020B0604020202020204" pitchFamily="34" charset="0"/>
-              </a:rPr>
-              <a:t>(stat="</a:t>
-            </a:r>
-            <a:r>
-              <a:rPr lang="en-US" sz="2000" dirty="0" err="1">
-                <a:latin typeface="Arial" panose="020B0604020202020204" pitchFamily="34" charset="0"/>
-                <a:cs typeface="Arial" panose="020B0604020202020204" pitchFamily="34" charset="0"/>
-              </a:rPr>
-              <a:t>identity",fill</a:t>
-            </a:r>
-            <a:r>
-              <a:rPr lang="en-US" sz="2000" dirty="0">
-                <a:latin typeface="Arial" panose="020B0604020202020204" pitchFamily="34" charset="0"/>
-                <a:cs typeface="Arial" panose="020B0604020202020204" pitchFamily="34" charset="0"/>
-              </a:rPr>
-              <a:t>="</a:t>
-            </a:r>
-            <a:r>
-              <a:rPr lang="en-US" sz="2000" dirty="0" err="1">
-                <a:latin typeface="Arial" panose="020B0604020202020204" pitchFamily="34" charset="0"/>
-                <a:cs typeface="Arial" panose="020B0604020202020204" pitchFamily="34" charset="0"/>
-              </a:rPr>
-              <a:t>steelblue</a:t>
-            </a:r>
-            <a:r>
-              <a:rPr lang="en-US" sz="2000" dirty="0">
-                <a:latin typeface="Arial" panose="020B0604020202020204" pitchFamily="34" charset="0"/>
-                <a:cs typeface="Arial" panose="020B0604020202020204" pitchFamily="34" charset="0"/>
-              </a:rPr>
-              <a:t>")+</a:t>
-            </a:r>
-            <a:r>
-              <a:rPr lang="en-US" sz="2000" dirty="0" err="1">
-                <a:latin typeface="Arial" panose="020B0604020202020204" pitchFamily="34" charset="0"/>
-                <a:cs typeface="Arial" panose="020B0604020202020204" pitchFamily="34" charset="0"/>
-              </a:rPr>
-              <a:t>geom_text</a:t>
-            </a:r>
-            <a:r>
-              <a:rPr lang="en-US" sz="2000" dirty="0">
-                <a:latin typeface="Arial" panose="020B0604020202020204" pitchFamily="34" charset="0"/>
-                <a:cs typeface="Arial" panose="020B0604020202020204" pitchFamily="34" charset="0"/>
-              </a:rPr>
-              <a:t>(</a:t>
-            </a:r>
-            <a:r>
-              <a:rPr lang="en-US" sz="2000" dirty="0" err="1">
-                <a:latin typeface="Arial" panose="020B0604020202020204" pitchFamily="34" charset="0"/>
-                <a:cs typeface="Arial" panose="020B0604020202020204" pitchFamily="34" charset="0"/>
-              </a:rPr>
-              <a:t>aes</a:t>
-            </a:r>
-            <a:r>
-              <a:rPr lang="en-US" sz="2000" dirty="0">
-                <a:latin typeface="Arial" panose="020B0604020202020204" pitchFamily="34" charset="0"/>
-                <a:cs typeface="Arial" panose="020B0604020202020204" pitchFamily="34" charset="0"/>
-              </a:rPr>
-              <a:t>(label=</a:t>
-            </a:r>
-            <a:r>
-              <a:rPr lang="en-US" sz="2000" dirty="0" err="1">
-                <a:latin typeface="Arial" panose="020B0604020202020204" pitchFamily="34" charset="0"/>
-                <a:cs typeface="Arial" panose="020B0604020202020204" pitchFamily="34" charset="0"/>
-              </a:rPr>
-              <a:t>medianABV</a:t>
-            </a:r>
-            <a:r>
-              <a:rPr lang="en-US" sz="2000" dirty="0">
-                <a:latin typeface="Arial" panose="020B0604020202020204" pitchFamily="34" charset="0"/>
-                <a:cs typeface="Arial" panose="020B0604020202020204" pitchFamily="34" charset="0"/>
-              </a:rPr>
-              <a:t>), </a:t>
-            </a:r>
-            <a:r>
-              <a:rPr lang="en-US" sz="2000" dirty="0" err="1">
-                <a:latin typeface="Arial" panose="020B0604020202020204" pitchFamily="34" charset="0"/>
-                <a:cs typeface="Arial" panose="020B0604020202020204" pitchFamily="34" charset="0"/>
-              </a:rPr>
-              <a:t>vjust</a:t>
-            </a:r>
-            <a:r>
-              <a:rPr lang="en-US" sz="2000" dirty="0">
-                <a:latin typeface="Arial" panose="020B0604020202020204" pitchFamily="34" charset="0"/>
-                <a:cs typeface="Arial" panose="020B0604020202020204" pitchFamily="34" charset="0"/>
-              </a:rPr>
-              <a:t>=1.6, color="white", size=3)+</a:t>
-            </a:r>
-          </a:p>
-          <a:p>
-            <a:pPr marL="0" indent="0">
-              <a:lnSpc>
-                <a:spcPct val="120000"/>
-              </a:lnSpc>
-              <a:buNone/>
-            </a:pPr>
-            <a:r>
-              <a:rPr lang="en-US" sz="2000" dirty="0" err="1">
-                <a:latin typeface="Arial" panose="020B0604020202020204" pitchFamily="34" charset="0"/>
-                <a:cs typeface="Arial" panose="020B0604020202020204" pitchFamily="34" charset="0"/>
-              </a:rPr>
-              <a:t>ggtitle</a:t>
-            </a:r>
-            <a:r>
-              <a:rPr lang="en-US" sz="2000" dirty="0">
-                <a:latin typeface="Arial" panose="020B0604020202020204" pitchFamily="34" charset="0"/>
-                <a:cs typeface="Arial" panose="020B0604020202020204" pitchFamily="34" charset="0"/>
-              </a:rPr>
-              <a:t>("Top highest Alcohol by Volumes by State")+</a:t>
-            </a:r>
-            <a:r>
-              <a:rPr lang="en-US" sz="2000" dirty="0" err="1">
-                <a:latin typeface="Arial" panose="020B0604020202020204" pitchFamily="34" charset="0"/>
-                <a:cs typeface="Arial" panose="020B0604020202020204" pitchFamily="34" charset="0"/>
-              </a:rPr>
-              <a:t>xlab</a:t>
-            </a:r>
-            <a:r>
-              <a:rPr lang="en-US" sz="2000" dirty="0">
-                <a:latin typeface="Arial" panose="020B0604020202020204" pitchFamily="34" charset="0"/>
-                <a:cs typeface="Arial" panose="020B0604020202020204" pitchFamily="34" charset="0"/>
-              </a:rPr>
-              <a:t>("States")+</a:t>
-            </a:r>
-            <a:r>
-              <a:rPr lang="en-US" sz="2000" dirty="0" err="1">
-                <a:latin typeface="Arial" panose="020B0604020202020204" pitchFamily="34" charset="0"/>
-                <a:cs typeface="Arial" panose="020B0604020202020204" pitchFamily="34" charset="0"/>
-              </a:rPr>
-              <a:t>ylab</a:t>
-            </a:r>
-            <a:r>
-              <a:rPr lang="en-US" sz="2000" dirty="0">
-                <a:latin typeface="Arial" panose="020B0604020202020204" pitchFamily="34" charset="0"/>
-                <a:cs typeface="Arial" panose="020B0604020202020204" pitchFamily="34" charset="0"/>
-              </a:rPr>
-              <a:t>("Alcohol by Volume")</a:t>
-            </a:r>
-          </a:p>
-          <a:p>
-            <a:pPr marL="0" indent="0">
-              <a:lnSpc>
-                <a:spcPct val="120000"/>
-              </a:lnSpc>
-              <a:buNone/>
-            </a:pPr>
-            <a:endParaRPr lang="en-US" sz="2000" dirty="0">
-              <a:latin typeface="Arial" panose="020B0604020202020204" pitchFamily="34" charset="0"/>
-              <a:cs typeface="Arial" panose="020B0604020202020204" pitchFamily="34" charset="0"/>
-            </a:endParaRPr>
-          </a:p>
-          <a:p>
-            <a:pPr marL="0" indent="0">
-              <a:lnSpc>
-                <a:spcPct val="120000"/>
-              </a:lnSpc>
-              <a:buNone/>
-            </a:pPr>
-            <a:r>
-              <a:rPr lang="en-US" sz="2000" dirty="0">
-                <a:latin typeface="Arial" panose="020B0604020202020204" pitchFamily="34" charset="0"/>
-                <a:cs typeface="Arial" panose="020B0604020202020204" pitchFamily="34" charset="0"/>
-              </a:rPr>
-              <a:t>#Code for ascending ordered ABV by State</a:t>
-            </a:r>
-          </a:p>
-          <a:p>
-            <a:pPr marL="0" indent="0">
-              <a:lnSpc>
-                <a:spcPct val="120000"/>
-              </a:lnSpc>
-              <a:buNone/>
-            </a:pPr>
-            <a:r>
-              <a:rPr lang="en-US" sz="2000" dirty="0" err="1">
-                <a:latin typeface="Arial" panose="020B0604020202020204" pitchFamily="34" charset="0"/>
-                <a:cs typeface="Arial" panose="020B0604020202020204" pitchFamily="34" charset="0"/>
-              </a:rPr>
-              <a:t>remainingABV</a:t>
-            </a:r>
-            <a:r>
-              <a:rPr lang="en-US" sz="2000" dirty="0">
-                <a:latin typeface="Arial" panose="020B0604020202020204" pitchFamily="34" charset="0"/>
-                <a:cs typeface="Arial" panose="020B0604020202020204" pitchFamily="34" charset="0"/>
-              </a:rPr>
-              <a:t>=tail(medianABVIBU,30)</a:t>
-            </a:r>
-          </a:p>
-          <a:p>
-            <a:pPr marL="0" indent="0">
-              <a:lnSpc>
-                <a:spcPct val="120000"/>
-              </a:lnSpc>
-              <a:buNone/>
-            </a:pPr>
-            <a:r>
-              <a:rPr lang="en-US" sz="2000" dirty="0" err="1">
-                <a:latin typeface="Arial" panose="020B0604020202020204" pitchFamily="34" charset="0"/>
-                <a:cs typeface="Arial" panose="020B0604020202020204" pitchFamily="34" charset="0"/>
-              </a:rPr>
-              <a:t>remainingABV</a:t>
-            </a:r>
-            <a:r>
-              <a:rPr lang="en-US" sz="2000" dirty="0">
-                <a:latin typeface="Arial" panose="020B0604020202020204" pitchFamily="34" charset="0"/>
-                <a:cs typeface="Arial" panose="020B0604020202020204" pitchFamily="34" charset="0"/>
-              </a:rPr>
-              <a:t>&lt;-</a:t>
-            </a:r>
-            <a:r>
-              <a:rPr lang="en-US" sz="2000" dirty="0" err="1">
-                <a:latin typeface="Arial" panose="020B0604020202020204" pitchFamily="34" charset="0"/>
-                <a:cs typeface="Arial" panose="020B0604020202020204" pitchFamily="34" charset="0"/>
-              </a:rPr>
-              <a:t>remainingABV</a:t>
-            </a:r>
-            <a:r>
-              <a:rPr lang="en-US" sz="2000" dirty="0">
-                <a:latin typeface="Arial" panose="020B0604020202020204" pitchFamily="34" charset="0"/>
-                <a:cs typeface="Arial" panose="020B0604020202020204" pitchFamily="34" charset="0"/>
-              </a:rPr>
-              <a:t>%&gt;%select(</a:t>
-            </a:r>
-            <a:r>
-              <a:rPr lang="en-US" sz="2000" dirty="0" err="1">
-                <a:latin typeface="Arial" panose="020B0604020202020204" pitchFamily="34" charset="0"/>
-                <a:cs typeface="Arial" panose="020B0604020202020204" pitchFamily="34" charset="0"/>
-              </a:rPr>
-              <a:t>State,medianABV</a:t>
-            </a:r>
-            <a:r>
-              <a:rPr lang="en-US" sz="2000" dirty="0">
-                <a:latin typeface="Arial" panose="020B0604020202020204" pitchFamily="34" charset="0"/>
-                <a:cs typeface="Arial" panose="020B0604020202020204" pitchFamily="34" charset="0"/>
-              </a:rPr>
-              <a:t>)</a:t>
-            </a:r>
-          </a:p>
-          <a:p>
-            <a:pPr marL="0" indent="0">
-              <a:lnSpc>
-                <a:spcPct val="120000"/>
-              </a:lnSpc>
-              <a:buNone/>
-            </a:pPr>
-            <a:r>
-              <a:rPr lang="en-US" sz="2000" dirty="0" err="1">
-                <a:latin typeface="Arial" panose="020B0604020202020204" pitchFamily="34" charset="0"/>
-                <a:cs typeface="Arial" panose="020B0604020202020204" pitchFamily="34" charset="0"/>
-              </a:rPr>
-              <a:t>remainingABV</a:t>
-            </a:r>
-            <a:r>
-              <a:rPr lang="en-US" sz="2000" dirty="0">
-                <a:latin typeface="Arial" panose="020B0604020202020204" pitchFamily="34" charset="0"/>
-                <a:cs typeface="Arial" panose="020B0604020202020204" pitchFamily="34" charset="0"/>
-              </a:rPr>
-              <a:t>%&gt;%</a:t>
-            </a:r>
-            <a:r>
-              <a:rPr lang="en-US" sz="2000" dirty="0" err="1">
-                <a:latin typeface="Arial" panose="020B0604020202020204" pitchFamily="34" charset="0"/>
-                <a:cs typeface="Arial" panose="020B0604020202020204" pitchFamily="34" charset="0"/>
-              </a:rPr>
-              <a:t>ggplot</a:t>
-            </a:r>
-            <a:r>
-              <a:rPr lang="en-US" sz="2000" dirty="0">
-                <a:latin typeface="Arial" panose="020B0604020202020204" pitchFamily="34" charset="0"/>
-                <a:cs typeface="Arial" panose="020B0604020202020204" pitchFamily="34" charset="0"/>
-              </a:rPr>
-              <a:t>(</a:t>
-            </a:r>
-            <a:r>
-              <a:rPr lang="en-US" sz="2000" dirty="0" err="1">
-                <a:latin typeface="Arial" panose="020B0604020202020204" pitchFamily="34" charset="0"/>
-                <a:cs typeface="Arial" panose="020B0604020202020204" pitchFamily="34" charset="0"/>
-              </a:rPr>
-              <a:t>aes</a:t>
-            </a:r>
-            <a:r>
-              <a:rPr lang="en-US" sz="2000" dirty="0">
-                <a:latin typeface="Arial" panose="020B0604020202020204" pitchFamily="34" charset="0"/>
-                <a:cs typeface="Arial" panose="020B0604020202020204" pitchFamily="34" charset="0"/>
-              </a:rPr>
-              <a:t>(x=reorder(State,-</a:t>
-            </a:r>
-            <a:r>
-              <a:rPr lang="en-US" sz="2000" dirty="0" err="1">
-                <a:latin typeface="Arial" panose="020B0604020202020204" pitchFamily="34" charset="0"/>
-                <a:cs typeface="Arial" panose="020B0604020202020204" pitchFamily="34" charset="0"/>
-              </a:rPr>
-              <a:t>medianABV</a:t>
-            </a:r>
-            <a:r>
-              <a:rPr lang="en-US" sz="2000" dirty="0">
-                <a:latin typeface="Arial" panose="020B0604020202020204" pitchFamily="34" charset="0"/>
-                <a:cs typeface="Arial" panose="020B0604020202020204" pitchFamily="34" charset="0"/>
-              </a:rPr>
-              <a:t>),y=</a:t>
-            </a:r>
-            <a:r>
-              <a:rPr lang="en-US" sz="2000" dirty="0" err="1">
-                <a:latin typeface="Arial" panose="020B0604020202020204" pitchFamily="34" charset="0"/>
-                <a:cs typeface="Arial" panose="020B0604020202020204" pitchFamily="34" charset="0"/>
-              </a:rPr>
-              <a:t>medianABV</a:t>
-            </a:r>
-            <a:r>
-              <a:rPr lang="en-US" sz="2000" dirty="0">
-                <a:latin typeface="Arial" panose="020B0604020202020204" pitchFamily="34" charset="0"/>
-                <a:cs typeface="Arial" panose="020B0604020202020204" pitchFamily="34" charset="0"/>
-              </a:rPr>
-              <a:t>))+</a:t>
-            </a:r>
-          </a:p>
-          <a:p>
-            <a:pPr marL="0" indent="0">
-              <a:lnSpc>
-                <a:spcPct val="120000"/>
-              </a:lnSpc>
-              <a:buNone/>
-            </a:pPr>
-            <a:r>
-              <a:rPr lang="en-US" sz="2000" dirty="0">
-                <a:latin typeface="Arial" panose="020B0604020202020204" pitchFamily="34" charset="0"/>
-                <a:cs typeface="Arial" panose="020B0604020202020204" pitchFamily="34" charset="0"/>
-              </a:rPr>
-              <a:t>  </a:t>
-            </a:r>
-            <a:r>
-              <a:rPr lang="en-US" sz="2000" dirty="0" err="1">
-                <a:latin typeface="Arial" panose="020B0604020202020204" pitchFamily="34" charset="0"/>
-                <a:cs typeface="Arial" panose="020B0604020202020204" pitchFamily="34" charset="0"/>
-              </a:rPr>
-              <a:t>geom_bar</a:t>
-            </a:r>
-            <a:r>
-              <a:rPr lang="en-US" sz="2000" dirty="0">
-                <a:latin typeface="Arial" panose="020B0604020202020204" pitchFamily="34" charset="0"/>
-                <a:cs typeface="Arial" panose="020B0604020202020204" pitchFamily="34" charset="0"/>
-              </a:rPr>
-              <a:t>(stat="</a:t>
-            </a:r>
-            <a:r>
-              <a:rPr lang="en-US" sz="2000" dirty="0" err="1">
-                <a:latin typeface="Arial" panose="020B0604020202020204" pitchFamily="34" charset="0"/>
-                <a:cs typeface="Arial" panose="020B0604020202020204" pitchFamily="34" charset="0"/>
-              </a:rPr>
-              <a:t>identity",fill</a:t>
-            </a:r>
-            <a:r>
-              <a:rPr lang="en-US" sz="2000" dirty="0">
-                <a:latin typeface="Arial" panose="020B0604020202020204" pitchFamily="34" charset="0"/>
-                <a:cs typeface="Arial" panose="020B0604020202020204" pitchFamily="34" charset="0"/>
-              </a:rPr>
-              <a:t>="</a:t>
-            </a:r>
-            <a:r>
-              <a:rPr lang="en-US" sz="2000" dirty="0" err="1">
-                <a:latin typeface="Arial" panose="020B0604020202020204" pitchFamily="34" charset="0"/>
-                <a:cs typeface="Arial" panose="020B0604020202020204" pitchFamily="34" charset="0"/>
-              </a:rPr>
-              <a:t>steelblue</a:t>
-            </a:r>
-            <a:r>
-              <a:rPr lang="en-US" sz="2000" dirty="0">
-                <a:latin typeface="Arial" panose="020B0604020202020204" pitchFamily="34" charset="0"/>
-                <a:cs typeface="Arial" panose="020B0604020202020204" pitchFamily="34" charset="0"/>
-              </a:rPr>
-              <a:t>")+</a:t>
-            </a:r>
-            <a:r>
-              <a:rPr lang="en-US" sz="2000" dirty="0" err="1">
-                <a:latin typeface="Arial" panose="020B0604020202020204" pitchFamily="34" charset="0"/>
-                <a:cs typeface="Arial" panose="020B0604020202020204" pitchFamily="34" charset="0"/>
-              </a:rPr>
-              <a:t>geom_text</a:t>
-            </a:r>
-            <a:r>
-              <a:rPr lang="en-US" sz="2000" dirty="0">
-                <a:latin typeface="Arial" panose="020B0604020202020204" pitchFamily="34" charset="0"/>
-                <a:cs typeface="Arial" panose="020B0604020202020204" pitchFamily="34" charset="0"/>
-              </a:rPr>
-              <a:t>(</a:t>
-            </a:r>
-            <a:r>
-              <a:rPr lang="en-US" sz="2000" dirty="0" err="1">
-                <a:latin typeface="Arial" panose="020B0604020202020204" pitchFamily="34" charset="0"/>
-                <a:cs typeface="Arial" panose="020B0604020202020204" pitchFamily="34" charset="0"/>
-              </a:rPr>
-              <a:t>aes</a:t>
-            </a:r>
-            <a:r>
-              <a:rPr lang="en-US" sz="2000" dirty="0">
-                <a:latin typeface="Arial" panose="020B0604020202020204" pitchFamily="34" charset="0"/>
-                <a:cs typeface="Arial" panose="020B0604020202020204" pitchFamily="34" charset="0"/>
-              </a:rPr>
-              <a:t>(label=</a:t>
-            </a:r>
-            <a:r>
-              <a:rPr lang="en-US" sz="2000" dirty="0" err="1">
-                <a:latin typeface="Arial" panose="020B0604020202020204" pitchFamily="34" charset="0"/>
-                <a:cs typeface="Arial" panose="020B0604020202020204" pitchFamily="34" charset="0"/>
-              </a:rPr>
-              <a:t>medianABV</a:t>
-            </a:r>
-            <a:r>
-              <a:rPr lang="en-US" sz="2000" dirty="0">
-                <a:latin typeface="Arial" panose="020B0604020202020204" pitchFamily="34" charset="0"/>
-                <a:cs typeface="Arial" panose="020B0604020202020204" pitchFamily="34" charset="0"/>
-              </a:rPr>
-              <a:t>), </a:t>
-            </a:r>
-            <a:r>
-              <a:rPr lang="en-US" sz="2000" dirty="0" err="1">
-                <a:latin typeface="Arial" panose="020B0604020202020204" pitchFamily="34" charset="0"/>
-                <a:cs typeface="Arial" panose="020B0604020202020204" pitchFamily="34" charset="0"/>
-              </a:rPr>
-              <a:t>vjust</a:t>
-            </a:r>
-            <a:r>
-              <a:rPr lang="en-US" sz="2000" dirty="0">
-                <a:latin typeface="Arial" panose="020B0604020202020204" pitchFamily="34" charset="0"/>
-                <a:cs typeface="Arial" panose="020B0604020202020204" pitchFamily="34" charset="0"/>
-              </a:rPr>
-              <a:t>=1.6, color="white", size=3)+</a:t>
-            </a:r>
-          </a:p>
-          <a:p>
-            <a:pPr marL="0" indent="0">
-              <a:lnSpc>
-                <a:spcPct val="120000"/>
-              </a:lnSpc>
-              <a:buNone/>
-            </a:pPr>
-            <a:r>
-              <a:rPr lang="en-US" sz="2000" dirty="0" err="1">
-                <a:latin typeface="Arial" panose="020B0604020202020204" pitchFamily="34" charset="0"/>
-                <a:cs typeface="Arial" panose="020B0604020202020204" pitchFamily="34" charset="0"/>
-              </a:rPr>
-              <a:t>ggtitle</a:t>
-            </a:r>
-            <a:r>
-              <a:rPr lang="en-US" sz="2000" dirty="0">
-                <a:latin typeface="Arial" panose="020B0604020202020204" pitchFamily="34" charset="0"/>
-                <a:cs typeface="Arial" panose="020B0604020202020204" pitchFamily="34" charset="0"/>
-              </a:rPr>
-              <a:t>("Remaining States by Alcohol by Volume")+</a:t>
-            </a:r>
-            <a:r>
-              <a:rPr lang="en-US" sz="2000" dirty="0" err="1">
-                <a:latin typeface="Arial" panose="020B0604020202020204" pitchFamily="34" charset="0"/>
-                <a:cs typeface="Arial" panose="020B0604020202020204" pitchFamily="34" charset="0"/>
-              </a:rPr>
-              <a:t>xlab</a:t>
-            </a:r>
-            <a:r>
-              <a:rPr lang="en-US" sz="2000" dirty="0">
-                <a:latin typeface="Arial" panose="020B0604020202020204" pitchFamily="34" charset="0"/>
-                <a:cs typeface="Arial" panose="020B0604020202020204" pitchFamily="34" charset="0"/>
-              </a:rPr>
-              <a:t>("States")+</a:t>
-            </a:r>
-            <a:r>
-              <a:rPr lang="en-US" sz="2000" dirty="0" err="1">
-                <a:latin typeface="Arial" panose="020B0604020202020204" pitchFamily="34" charset="0"/>
-                <a:cs typeface="Arial" panose="020B0604020202020204" pitchFamily="34" charset="0"/>
-              </a:rPr>
-              <a:t>ylab</a:t>
-            </a:r>
-            <a:r>
-              <a:rPr lang="en-US" sz="2000" dirty="0">
-                <a:latin typeface="Arial" panose="020B0604020202020204" pitchFamily="34" charset="0"/>
-                <a:cs typeface="Arial" panose="020B0604020202020204" pitchFamily="34" charset="0"/>
-              </a:rPr>
-              <a:t>("Alcohol by Volume")</a:t>
-            </a:r>
-          </a:p>
-          <a:p>
-            <a:pPr marL="0" indent="0">
-              <a:lnSpc>
-                <a:spcPct val="120000"/>
-              </a:lnSpc>
-              <a:buNone/>
-            </a:pPr>
-            <a:endParaRPr lang="en-US" sz="1200" dirty="0">
-              <a:latin typeface="Arial" panose="020B0604020202020204" pitchFamily="34" charset="0"/>
-              <a:cs typeface="Arial" panose="020B0604020202020204" pitchFamily="34" charset="0"/>
-            </a:endParaRPr>
-          </a:p>
-        </p:txBody>
-      </p:sp>
-      <p:pic>
-        <p:nvPicPr>
-          <p:cNvPr id="5" name="Picture 4">
-            <a:extLst>
-              <a:ext uri="{FF2B5EF4-FFF2-40B4-BE49-F238E27FC236}">
-                <a16:creationId xmlns:a16="http://schemas.microsoft.com/office/drawing/2014/main" id="{BD611B8D-7EF4-429E-9270-720F53C6D433}"/>
-              </a:ext>
-            </a:extLst>
-          </p:cNvPr>
-          <p:cNvPicPr>
-            <a:picLocks noChangeAspect="1"/>
-          </p:cNvPicPr>
-          <p:nvPr/>
-        </p:nvPicPr>
-        <p:blipFill>
-          <a:blip r:embed="rId2"/>
-          <a:stretch>
-            <a:fillRect/>
-          </a:stretch>
-        </p:blipFill>
-        <p:spPr>
-          <a:xfrm>
-            <a:off x="5290276" y="2074406"/>
-            <a:ext cx="3521804" cy="2173953"/>
-          </a:xfrm>
-          <a:prstGeom prst="rect">
-            <a:avLst/>
-          </a:prstGeom>
-        </p:spPr>
-      </p:pic>
-      <p:pic>
-        <p:nvPicPr>
-          <p:cNvPr id="7" name="Picture 6">
-            <a:extLst>
-              <a:ext uri="{FF2B5EF4-FFF2-40B4-BE49-F238E27FC236}">
-                <a16:creationId xmlns:a16="http://schemas.microsoft.com/office/drawing/2014/main" id="{6AE9337D-4C0E-43B6-8014-CFA4AA8E3608}"/>
-              </a:ext>
-            </a:extLst>
-          </p:cNvPr>
-          <p:cNvPicPr>
-            <a:picLocks noChangeAspect="1"/>
-          </p:cNvPicPr>
-          <p:nvPr/>
-        </p:nvPicPr>
-        <p:blipFill>
-          <a:blip r:embed="rId3"/>
-          <a:stretch>
-            <a:fillRect/>
-          </a:stretch>
-        </p:blipFill>
-        <p:spPr>
-          <a:xfrm>
-            <a:off x="5290276" y="4100975"/>
-            <a:ext cx="3521804" cy="2173953"/>
-          </a:xfrm>
-          <a:prstGeom prst="rect">
-            <a:avLst/>
-          </a:prstGeom>
-        </p:spPr>
-      </p:pic>
-    </p:spTree>
-    <p:extLst>
-      <p:ext uri="{BB962C8B-B14F-4D97-AF65-F5344CB8AC3E}">
-        <p14:creationId xmlns:p14="http://schemas.microsoft.com/office/powerpoint/2010/main" val="1510032252"/>
-      </p:ext>
-    </p:extLst>
-  </p:cSld>
-  <p:clrMapOvr>
-    <a:masterClrMapping/>
-  </p:clrMapOvr>
-</p:sld>
-</file>
-
-<file path=ppt/slides/slide6.xml><?xml version="1.0" encoding="utf-8"?>
-<p:sld xmlns:a="http://schemas.openxmlformats.org/drawingml/2006/main" xmlns:r="http://schemas.openxmlformats.org/officeDocument/2006/relationships" xmlns:p="http://schemas.openxmlformats.org/presentationml/2006/main">
-  <p:cSld>
-    <p:spTree>
-      <p:nvGrpSpPr>
-        <p:cNvPr id="1" name=""/>
-        <p:cNvGrpSpPr/>
-        <p:nvPr/>
-      </p:nvGrpSpPr>
-      <p:grpSpPr>
-        <a:xfrm>
-          <a:off x="0" y="0"/>
-          <a:ext cx="0" cy="0"/>
-          <a:chOff x="0" y="0"/>
-          <a:chExt cx="0" cy="0"/>
-        </a:xfrm>
-      </p:grpSpPr>
-      <p:sp>
-        <p:nvSpPr>
-          <p:cNvPr id="2" name="Title 1">
-            <a:extLst>
-              <a:ext uri="{FF2B5EF4-FFF2-40B4-BE49-F238E27FC236}">
                 <a16:creationId xmlns:a16="http://schemas.microsoft.com/office/drawing/2014/main" id="{194BF98C-AE5E-4C8A-A63C-6F967E657FBF}"/>
               </a:ext>
             </a:extLst>
@@ -9082,277 +6730,6 @@
                 <a:cs typeface="Arial" panose="020B0604020202020204" pitchFamily="34" charset="0"/>
               </a:rPr>
               <a:t>The most extreme Alcohol by Volume and International Bitterness Unit State</a:t>
-            </a:r>
-          </a:p>
-        </p:txBody>
-      </p:sp>
-      <p:sp>
-        <p:nvSpPr>
-          <p:cNvPr id="3" name="Content Placeholder 2">
-            <a:extLst>
-              <a:ext uri="{FF2B5EF4-FFF2-40B4-BE49-F238E27FC236}">
-                <a16:creationId xmlns:a16="http://schemas.microsoft.com/office/drawing/2014/main" id="{B812386C-739A-48E0-8F14-D73A73FD3F9E}"/>
-              </a:ext>
-            </a:extLst>
-          </p:cNvPr>
-          <p:cNvSpPr>
-            <a:spLocks noGrp="1"/>
-          </p:cNvSpPr>
-          <p:nvPr>
-            <p:ph idx="1"/>
-          </p:nvPr>
-        </p:nvSpPr>
-        <p:spPr>
-          <a:xfrm>
-            <a:off x="677334" y="2160589"/>
-            <a:ext cx="2953633" cy="3880773"/>
-          </a:xfrm>
-        </p:spPr>
-        <p:txBody>
-          <a:bodyPr>
-            <a:normAutofit/>
-          </a:bodyPr>
-          <a:lstStyle/>
-          <a:p>
-            <a:pPr marL="0" indent="0">
-              <a:buNone/>
-            </a:pPr>
-            <a:r>
-              <a:rPr lang="en-US" sz="1200" dirty="0">
-                <a:latin typeface="Arial" panose="020B0604020202020204" pitchFamily="34" charset="0"/>
-                <a:cs typeface="Arial" panose="020B0604020202020204" pitchFamily="34" charset="0"/>
-              </a:rPr>
-              <a:t>#Code to </a:t>
-            </a:r>
-            <a:r>
-              <a:rPr lang="en-US" sz="1200" dirty="0" err="1">
-                <a:latin typeface="Arial" panose="020B0604020202020204" pitchFamily="34" charset="0"/>
-                <a:cs typeface="Arial" panose="020B0604020202020204" pitchFamily="34" charset="0"/>
-              </a:rPr>
-              <a:t>selct</a:t>
-            </a:r>
-            <a:r>
-              <a:rPr lang="en-US" sz="1200" dirty="0">
-                <a:latin typeface="Arial" panose="020B0604020202020204" pitchFamily="34" charset="0"/>
-                <a:cs typeface="Arial" panose="020B0604020202020204" pitchFamily="34" charset="0"/>
-              </a:rPr>
-              <a:t> by ABV and IBU and find max value</a:t>
-            </a:r>
-          </a:p>
-          <a:p>
-            <a:pPr marL="0" indent="0">
-              <a:buNone/>
-            </a:pPr>
-            <a:r>
-              <a:rPr lang="en-US" sz="1200" dirty="0" err="1">
-                <a:latin typeface="Arial" panose="020B0604020202020204" pitchFamily="34" charset="0"/>
-                <a:cs typeface="Arial" panose="020B0604020202020204" pitchFamily="34" charset="0"/>
-              </a:rPr>
-              <a:t>maxABV</a:t>
-            </a:r>
-            <a:r>
-              <a:rPr lang="en-US" sz="1200" dirty="0">
-                <a:latin typeface="Arial" panose="020B0604020202020204" pitchFamily="34" charset="0"/>
-                <a:cs typeface="Arial" panose="020B0604020202020204" pitchFamily="34" charset="0"/>
-              </a:rPr>
-              <a:t>&lt;-</a:t>
-            </a:r>
-            <a:r>
-              <a:rPr lang="en-US" sz="1200" dirty="0" err="1">
-                <a:latin typeface="Arial" panose="020B0604020202020204" pitchFamily="34" charset="0"/>
-                <a:cs typeface="Arial" panose="020B0604020202020204" pitchFamily="34" charset="0"/>
-              </a:rPr>
-              <a:t>nona</a:t>
-            </a:r>
-            <a:r>
-              <a:rPr lang="en-US" sz="1200" dirty="0">
-                <a:latin typeface="Arial" panose="020B0604020202020204" pitchFamily="34" charset="0"/>
-                <a:cs typeface="Arial" panose="020B0604020202020204" pitchFamily="34" charset="0"/>
-              </a:rPr>
-              <a:t>%&gt;%</a:t>
-            </a:r>
-            <a:r>
-              <a:rPr lang="en-US" sz="1200" dirty="0" err="1">
-                <a:latin typeface="Arial" panose="020B0604020202020204" pitchFamily="34" charset="0"/>
-                <a:cs typeface="Arial" panose="020B0604020202020204" pitchFamily="34" charset="0"/>
-              </a:rPr>
-              <a:t>group_by</a:t>
-            </a:r>
-            <a:r>
-              <a:rPr lang="en-US" sz="1200" dirty="0">
-                <a:latin typeface="Arial" panose="020B0604020202020204" pitchFamily="34" charset="0"/>
-                <a:cs typeface="Arial" panose="020B0604020202020204" pitchFamily="34" charset="0"/>
-              </a:rPr>
-              <a:t>(State)%&gt;%select(</a:t>
-            </a:r>
-            <a:r>
-              <a:rPr lang="en-US" sz="1200" dirty="0" err="1">
-                <a:latin typeface="Arial" panose="020B0604020202020204" pitchFamily="34" charset="0"/>
-                <a:cs typeface="Arial" panose="020B0604020202020204" pitchFamily="34" charset="0"/>
-              </a:rPr>
-              <a:t>State,ABV</a:t>
-            </a:r>
-            <a:r>
-              <a:rPr lang="en-US" sz="1200" dirty="0">
-                <a:latin typeface="Arial" panose="020B0604020202020204" pitchFamily="34" charset="0"/>
-                <a:cs typeface="Arial" panose="020B0604020202020204" pitchFamily="34" charset="0"/>
-              </a:rPr>
-              <a:t>)</a:t>
-            </a:r>
-          </a:p>
-          <a:p>
-            <a:pPr marL="0" indent="0">
-              <a:buNone/>
-            </a:pPr>
-            <a:r>
-              <a:rPr lang="en-US" sz="1200" dirty="0" err="1">
-                <a:latin typeface="Arial" panose="020B0604020202020204" pitchFamily="34" charset="0"/>
-                <a:cs typeface="Arial" panose="020B0604020202020204" pitchFamily="34" charset="0"/>
-              </a:rPr>
-              <a:t>maxIBU</a:t>
-            </a:r>
-            <a:r>
-              <a:rPr lang="en-US" sz="1200" dirty="0">
-                <a:latin typeface="Arial" panose="020B0604020202020204" pitchFamily="34" charset="0"/>
-                <a:cs typeface="Arial" panose="020B0604020202020204" pitchFamily="34" charset="0"/>
-              </a:rPr>
-              <a:t>&lt;-</a:t>
-            </a:r>
-            <a:r>
-              <a:rPr lang="en-US" sz="1200" dirty="0" err="1">
-                <a:latin typeface="Arial" panose="020B0604020202020204" pitchFamily="34" charset="0"/>
-                <a:cs typeface="Arial" panose="020B0604020202020204" pitchFamily="34" charset="0"/>
-              </a:rPr>
-              <a:t>nona</a:t>
-            </a:r>
-            <a:r>
-              <a:rPr lang="en-US" sz="1200" dirty="0">
-                <a:latin typeface="Arial" panose="020B0604020202020204" pitchFamily="34" charset="0"/>
-                <a:cs typeface="Arial" panose="020B0604020202020204" pitchFamily="34" charset="0"/>
-              </a:rPr>
-              <a:t>%&gt;%</a:t>
-            </a:r>
-            <a:r>
-              <a:rPr lang="en-US" sz="1200" dirty="0" err="1">
-                <a:latin typeface="Arial" panose="020B0604020202020204" pitchFamily="34" charset="0"/>
-                <a:cs typeface="Arial" panose="020B0604020202020204" pitchFamily="34" charset="0"/>
-              </a:rPr>
-              <a:t>group_by</a:t>
-            </a:r>
-            <a:r>
-              <a:rPr lang="en-US" sz="1200" dirty="0">
-                <a:latin typeface="Arial" panose="020B0604020202020204" pitchFamily="34" charset="0"/>
-                <a:cs typeface="Arial" panose="020B0604020202020204" pitchFamily="34" charset="0"/>
-              </a:rPr>
-              <a:t>(State)%&gt;%select(</a:t>
-            </a:r>
-            <a:r>
-              <a:rPr lang="en-US" sz="1200" dirty="0" err="1">
-                <a:latin typeface="Arial" panose="020B0604020202020204" pitchFamily="34" charset="0"/>
-                <a:cs typeface="Arial" panose="020B0604020202020204" pitchFamily="34" charset="0"/>
-              </a:rPr>
-              <a:t>State,IBU</a:t>
-            </a:r>
-            <a:r>
-              <a:rPr lang="en-US" sz="1200" dirty="0">
-                <a:latin typeface="Arial" panose="020B0604020202020204" pitchFamily="34" charset="0"/>
-                <a:cs typeface="Arial" panose="020B0604020202020204" pitchFamily="34" charset="0"/>
-              </a:rPr>
-              <a:t>)</a:t>
-            </a:r>
-          </a:p>
-          <a:p>
-            <a:pPr marL="0" indent="0">
-              <a:buNone/>
-            </a:pPr>
-            <a:r>
-              <a:rPr lang="en-US" sz="1200" dirty="0" err="1">
-                <a:latin typeface="Arial" panose="020B0604020202020204" pitchFamily="34" charset="0"/>
-                <a:cs typeface="Arial" panose="020B0604020202020204" pitchFamily="34" charset="0"/>
-              </a:rPr>
-              <a:t>maxABV</a:t>
-            </a:r>
-            <a:r>
-              <a:rPr lang="en-US" sz="1200" dirty="0">
-                <a:latin typeface="Arial" panose="020B0604020202020204" pitchFamily="34" charset="0"/>
-                <a:cs typeface="Arial" panose="020B0604020202020204" pitchFamily="34" charset="0"/>
-              </a:rPr>
-              <a:t>[</a:t>
-            </a:r>
-            <a:r>
-              <a:rPr lang="en-US" sz="1200" dirty="0" err="1">
-                <a:latin typeface="Arial" panose="020B0604020202020204" pitchFamily="34" charset="0"/>
-                <a:cs typeface="Arial" panose="020B0604020202020204" pitchFamily="34" charset="0"/>
-              </a:rPr>
-              <a:t>which.max</a:t>
-            </a:r>
-            <a:r>
-              <a:rPr lang="en-US" sz="1200" dirty="0">
-                <a:latin typeface="Arial" panose="020B0604020202020204" pitchFamily="34" charset="0"/>
-                <a:cs typeface="Arial" panose="020B0604020202020204" pitchFamily="34" charset="0"/>
-              </a:rPr>
-              <a:t>(</a:t>
-            </a:r>
-            <a:r>
-              <a:rPr lang="en-US" sz="1200" dirty="0" err="1">
-                <a:latin typeface="Arial" panose="020B0604020202020204" pitchFamily="34" charset="0"/>
-                <a:cs typeface="Arial" panose="020B0604020202020204" pitchFamily="34" charset="0"/>
-              </a:rPr>
-              <a:t>maxABV$ABV</a:t>
-            </a:r>
-            <a:r>
-              <a:rPr lang="en-US" sz="1200" dirty="0">
-                <a:latin typeface="Arial" panose="020B0604020202020204" pitchFamily="34" charset="0"/>
-                <a:cs typeface="Arial" panose="020B0604020202020204" pitchFamily="34" charset="0"/>
-              </a:rPr>
-              <a:t>), ]</a:t>
-            </a:r>
-          </a:p>
-          <a:p>
-            <a:pPr marL="0" indent="0">
-              <a:buNone/>
-            </a:pPr>
-            <a:r>
-              <a:rPr lang="en-US" sz="1200" dirty="0" err="1">
-                <a:latin typeface="Arial" panose="020B0604020202020204" pitchFamily="34" charset="0"/>
-                <a:cs typeface="Arial" panose="020B0604020202020204" pitchFamily="34" charset="0"/>
-              </a:rPr>
-              <a:t>maxIBU</a:t>
-            </a:r>
-            <a:r>
-              <a:rPr lang="en-US" sz="1200" dirty="0">
-                <a:latin typeface="Arial" panose="020B0604020202020204" pitchFamily="34" charset="0"/>
-                <a:cs typeface="Arial" panose="020B0604020202020204" pitchFamily="34" charset="0"/>
-              </a:rPr>
-              <a:t>[</a:t>
-            </a:r>
-            <a:r>
-              <a:rPr lang="en-US" sz="1200" dirty="0" err="1">
-                <a:latin typeface="Arial" panose="020B0604020202020204" pitchFamily="34" charset="0"/>
-                <a:cs typeface="Arial" panose="020B0604020202020204" pitchFamily="34" charset="0"/>
-              </a:rPr>
-              <a:t>which.max</a:t>
-            </a:r>
-            <a:r>
-              <a:rPr lang="en-US" sz="1200" dirty="0">
-                <a:latin typeface="Arial" panose="020B0604020202020204" pitchFamily="34" charset="0"/>
-                <a:cs typeface="Arial" panose="020B0604020202020204" pitchFamily="34" charset="0"/>
-              </a:rPr>
-              <a:t>(</a:t>
-            </a:r>
-            <a:r>
-              <a:rPr lang="en-US" sz="1200" dirty="0" err="1">
-                <a:latin typeface="Arial" panose="020B0604020202020204" pitchFamily="34" charset="0"/>
-                <a:cs typeface="Arial" panose="020B0604020202020204" pitchFamily="34" charset="0"/>
-              </a:rPr>
-              <a:t>maxIBU$IBU</a:t>
-            </a:r>
-            <a:r>
-              <a:rPr lang="en-US" sz="1200" dirty="0">
-                <a:latin typeface="Arial" panose="020B0604020202020204" pitchFamily="34" charset="0"/>
-                <a:cs typeface="Arial" panose="020B0604020202020204" pitchFamily="34" charset="0"/>
-              </a:rPr>
-              <a:t>), ]</a:t>
             </a:r>
           </a:p>
         </p:txBody>
@@ -9372,14 +6749,14 @@
           <p:nvPr>
             <p:extLst>
               <p:ext uri="{D42A27DB-BD31-4B8C-83A1-F6EECF244321}">
-                <p14:modId xmlns:p14="http://schemas.microsoft.com/office/powerpoint/2010/main" val="712544104"/>
+                <p14:modId xmlns:p14="http://schemas.microsoft.com/office/powerpoint/2010/main" val="3181262740"/>
               </p:ext>
             </p:extLst>
           </p:nvPr>
         </p:nvGraphicFramePr>
         <p:xfrm>
-          <a:off x="4669655" y="2160589"/>
-          <a:ext cx="5206260" cy="741680"/>
+          <a:off x="889739" y="2489063"/>
+          <a:ext cx="4578905" cy="1010920"/>
         </p:xfrm>
         <a:graphic>
           <a:graphicData uri="http://schemas.openxmlformats.org/drawingml/2006/table">
@@ -9388,14 +6765,14 @@
                 <a:tableStyleId>{5C22544A-7EE6-4342-B048-85BDC9FD1C3A}</a:tableStyleId>
               </a:tblPr>
               <a:tblGrid>
-                <a:gridCol w="2603130">
+                <a:gridCol w="3059947">
                   <a:extLst>
                     <a:ext uri="{9D8B030D-6E8A-4147-A177-3AD203B41FA5}">
                       <a16:colId xmlns:a16="http://schemas.microsoft.com/office/drawing/2014/main" val="3890387489"/>
                     </a:ext>
                   </a:extLst>
                 </a:gridCol>
-                <a:gridCol w="2603130">
+                <a:gridCol w="1518958">
                   <a:extLst>
                     <a:ext uri="{9D8B030D-6E8A-4147-A177-3AD203B41FA5}">
                       <a16:colId xmlns:a16="http://schemas.microsoft.com/office/drawing/2014/main" val="134722026"/>
@@ -9488,14 +6865,14 @@
           <p:nvPr>
             <p:extLst>
               <p:ext uri="{D42A27DB-BD31-4B8C-83A1-F6EECF244321}">
-                <p14:modId xmlns:p14="http://schemas.microsoft.com/office/powerpoint/2010/main" val="918157073"/>
+                <p14:modId xmlns:p14="http://schemas.microsoft.com/office/powerpoint/2010/main" val="2849353981"/>
               </p:ext>
             </p:extLst>
           </p:nvPr>
         </p:nvGraphicFramePr>
         <p:xfrm>
-          <a:off x="4669655" y="3359295"/>
-          <a:ext cx="5206260" cy="1010920"/>
+          <a:off x="5648170" y="2489063"/>
+          <a:ext cx="4578906" cy="1010920"/>
         </p:xfrm>
         <a:graphic>
           <a:graphicData uri="http://schemas.openxmlformats.org/drawingml/2006/table">
@@ -9504,14 +6881,14 @@
                 <a:tableStyleId>{5C22544A-7EE6-4342-B048-85BDC9FD1C3A}</a:tableStyleId>
               </a:tblPr>
               <a:tblGrid>
-                <a:gridCol w="2603130">
+                <a:gridCol w="2289453">
                   <a:extLst>
                     <a:ext uri="{9D8B030D-6E8A-4147-A177-3AD203B41FA5}">
                       <a16:colId xmlns:a16="http://schemas.microsoft.com/office/drawing/2014/main" val="3890387489"/>
                     </a:ext>
                   </a:extLst>
                 </a:gridCol>
-                <a:gridCol w="2603130">
+                <a:gridCol w="2289453">
                   <a:extLst>
                     <a:ext uri="{9D8B030D-6E8A-4147-A177-3AD203B41FA5}">
                       <a16:colId xmlns:a16="http://schemas.microsoft.com/office/drawing/2014/main" val="134722026"/>
@@ -9519,7 +6896,7 @@
                   </a:extLst>
                 </a:gridCol>
               </a:tblGrid>
-              <a:tr h="370840">
+              <a:tr h="296761">
                 <a:tc>
                   <a:txBody>
                     <a:bodyPr/>
@@ -9602,7 +6979,7 @@
 </p:sld>
 </file>
 
-<file path=ppt/slides/slide7.xml><?xml version="1.0" encoding="utf-8"?>
+<file path=ppt/slides/slide6.xml><?xml version="1.0" encoding="utf-8"?>
 <p:sld xmlns:a="http://schemas.openxmlformats.org/drawingml/2006/main" xmlns:r="http://schemas.openxmlformats.org/officeDocument/2006/relationships" xmlns:p="http://schemas.openxmlformats.org/presentationml/2006/main">
   <p:cSld>
     <p:bg>
@@ -9689,7 +7066,7 @@
         </p:spPr>
         <p:txBody>
           <a:bodyPr>
-            <a:normAutofit fontScale="62500" lnSpcReduction="20000"/>
+            <a:normAutofit/>
           </a:bodyPr>
           <a:lstStyle/>
           <a:p>
@@ -9697,7 +7074,7 @@
               <a:buNone/>
             </a:pPr>
             <a:r>
-              <a:rPr lang="en-US" sz="1900" dirty="0">
+              <a:rPr lang="en-US" dirty="0">
                 <a:latin typeface="Arial" panose="020B0604020202020204" pitchFamily="34" charset="0"/>
                 <a:cs typeface="Arial" panose="020B0604020202020204" pitchFamily="34" charset="0"/>
               </a:rPr>
@@ -9717,393 +7094,7 @@
             <a:pPr marL="0" indent="0">
               <a:buNone/>
             </a:pPr>
-            <a:r>
-              <a:rPr lang="en-US" dirty="0" err="1">
-                <a:latin typeface="Arial" panose="020B0604020202020204" pitchFamily="34" charset="0"/>
-                <a:cs typeface="Arial" panose="020B0604020202020204" pitchFamily="34" charset="0"/>
-              </a:rPr>
-              <a:t>justABV</a:t>
-            </a:r>
-            <a:r>
-              <a:rPr lang="en-US" dirty="0">
-                <a:latin typeface="Arial" panose="020B0604020202020204" pitchFamily="34" charset="0"/>
-                <a:cs typeface="Arial" panose="020B0604020202020204" pitchFamily="34" charset="0"/>
-              </a:rPr>
-              <a:t>&lt;-</a:t>
-            </a:r>
-            <a:r>
-              <a:rPr lang="en-US" dirty="0" err="1">
-                <a:latin typeface="Arial" panose="020B0604020202020204" pitchFamily="34" charset="0"/>
-                <a:cs typeface="Arial" panose="020B0604020202020204" pitchFamily="34" charset="0"/>
-              </a:rPr>
-              <a:t>nona</a:t>
-            </a:r>
-            <a:r>
-              <a:rPr lang="en-US" dirty="0">
-                <a:latin typeface="Arial" panose="020B0604020202020204" pitchFamily="34" charset="0"/>
-                <a:cs typeface="Arial" panose="020B0604020202020204" pitchFamily="34" charset="0"/>
-              </a:rPr>
-              <a:t>%&gt;%select(ABV)</a:t>
-            </a:r>
-          </a:p>
-          <a:p>
-            <a:pPr marL="0" indent="0">
-              <a:buNone/>
-            </a:pPr>
-            <a:r>
-              <a:rPr lang="en-US" dirty="0">
-                <a:latin typeface="Arial" panose="020B0604020202020204" pitchFamily="34" charset="0"/>
-                <a:cs typeface="Arial" panose="020B0604020202020204" pitchFamily="34" charset="0"/>
-              </a:rPr>
-              <a:t>summary(</a:t>
-            </a:r>
-            <a:r>
-              <a:rPr lang="en-US" dirty="0" err="1">
-                <a:latin typeface="Arial" panose="020B0604020202020204" pitchFamily="34" charset="0"/>
-                <a:cs typeface="Arial" panose="020B0604020202020204" pitchFamily="34" charset="0"/>
-              </a:rPr>
-              <a:t>justABV</a:t>
-            </a:r>
-            <a:r>
-              <a:rPr lang="en-US" dirty="0">
-                <a:latin typeface="Arial" panose="020B0604020202020204" pitchFamily="34" charset="0"/>
-                <a:cs typeface="Arial" panose="020B0604020202020204" pitchFamily="34" charset="0"/>
-              </a:rPr>
-              <a:t>)</a:t>
-            </a:r>
-          </a:p>
-          <a:p>
-            <a:pPr marL="0" indent="0">
-              <a:buNone/>
-            </a:pPr>
-            <a:r>
-              <a:rPr lang="en-US" dirty="0">
-                <a:latin typeface="Arial" panose="020B0604020202020204" pitchFamily="34" charset="0"/>
-                <a:cs typeface="Arial" panose="020B0604020202020204" pitchFamily="34" charset="0"/>
-              </a:rPr>
-              <a:t>hist(</a:t>
-            </a:r>
-            <a:r>
-              <a:rPr lang="en-US" dirty="0" err="1">
-                <a:latin typeface="Arial" panose="020B0604020202020204" pitchFamily="34" charset="0"/>
-                <a:cs typeface="Arial" panose="020B0604020202020204" pitchFamily="34" charset="0"/>
-              </a:rPr>
-              <a:t>justABV$ABV</a:t>
-            </a:r>
-            <a:r>
-              <a:rPr lang="en-US" dirty="0">
-                <a:latin typeface="Arial" panose="020B0604020202020204" pitchFamily="34" charset="0"/>
-                <a:cs typeface="Arial" panose="020B0604020202020204" pitchFamily="34" charset="0"/>
-              </a:rPr>
-              <a:t>,</a:t>
-            </a:r>
-          </a:p>
-          <a:p>
-            <a:pPr marL="0" indent="0">
-              <a:buNone/>
-            </a:pPr>
-            <a:r>
-              <a:rPr lang="en-US" dirty="0">
-                <a:latin typeface="Arial" panose="020B0604020202020204" pitchFamily="34" charset="0"/>
-                <a:cs typeface="Arial" panose="020B0604020202020204" pitchFamily="34" charset="0"/>
-              </a:rPr>
-              <a:t>     main="Histogram of Alcohol by Volume of beer population",</a:t>
-            </a:r>
-          </a:p>
-          <a:p>
-            <a:pPr marL="0" indent="0">
-              <a:buNone/>
-            </a:pPr>
-            <a:r>
-              <a:rPr lang="en-US" dirty="0">
-                <a:latin typeface="Arial" panose="020B0604020202020204" pitchFamily="34" charset="0"/>
-                <a:cs typeface="Arial" panose="020B0604020202020204" pitchFamily="34" charset="0"/>
-              </a:rPr>
-              <a:t>     </a:t>
-            </a:r>
-            <a:r>
-              <a:rPr lang="en-US" dirty="0" err="1">
-                <a:latin typeface="Arial" panose="020B0604020202020204" pitchFamily="34" charset="0"/>
-                <a:cs typeface="Arial" panose="020B0604020202020204" pitchFamily="34" charset="0"/>
-              </a:rPr>
-              <a:t>xlab</a:t>
-            </a:r>
-            <a:r>
-              <a:rPr lang="en-US" dirty="0">
-                <a:latin typeface="Arial" panose="020B0604020202020204" pitchFamily="34" charset="0"/>
-                <a:cs typeface="Arial" panose="020B0604020202020204" pitchFamily="34" charset="0"/>
-              </a:rPr>
-              <a:t>="Alcohol by Volume",</a:t>
-            </a:r>
-          </a:p>
-          <a:p>
-            <a:pPr marL="0" indent="0">
-              <a:buNone/>
-            </a:pPr>
-            <a:r>
-              <a:rPr lang="en-US" dirty="0">
-                <a:latin typeface="Arial" panose="020B0604020202020204" pitchFamily="34" charset="0"/>
-                <a:cs typeface="Arial" panose="020B0604020202020204" pitchFamily="34" charset="0"/>
-              </a:rPr>
-              <a:t>     </a:t>
-            </a:r>
-            <a:r>
-              <a:rPr lang="en-US" dirty="0" err="1">
-                <a:latin typeface="Arial" panose="020B0604020202020204" pitchFamily="34" charset="0"/>
-                <a:cs typeface="Arial" panose="020B0604020202020204" pitchFamily="34" charset="0"/>
-              </a:rPr>
-              <a:t>ylab</a:t>
-            </a:r>
-            <a:r>
-              <a:rPr lang="en-US" dirty="0">
-                <a:latin typeface="Arial" panose="020B0604020202020204" pitchFamily="34" charset="0"/>
-                <a:cs typeface="Arial" panose="020B0604020202020204" pitchFamily="34" charset="0"/>
-              </a:rPr>
-              <a:t>="Beer population",</a:t>
-            </a:r>
-          </a:p>
-          <a:p>
-            <a:pPr marL="0" indent="0">
-              <a:buNone/>
-            </a:pPr>
-            <a:r>
-              <a:rPr lang="en-US" dirty="0">
-                <a:latin typeface="Arial" panose="020B0604020202020204" pitchFamily="34" charset="0"/>
-                <a:cs typeface="Arial" panose="020B0604020202020204" pitchFamily="34" charset="0"/>
-              </a:rPr>
-              <a:t>     col="blue",</a:t>
-            </a:r>
-          </a:p>
-          <a:p>
-            <a:pPr marL="0" indent="0">
-              <a:buNone/>
-            </a:pPr>
-            <a:r>
-              <a:rPr lang="en-US" dirty="0">
-                <a:latin typeface="Arial" panose="020B0604020202020204" pitchFamily="34" charset="0"/>
-                <a:cs typeface="Arial" panose="020B0604020202020204" pitchFamily="34" charset="0"/>
-              </a:rPr>
-              <a:t>     border="black")</a:t>
-            </a:r>
-          </a:p>
-          <a:p>
-            <a:pPr marL="0" indent="0">
-              <a:buNone/>
-            </a:pPr>
-            <a:r>
-              <a:rPr lang="en-US" dirty="0" err="1">
-                <a:latin typeface="Arial" panose="020B0604020202020204" pitchFamily="34" charset="0"/>
-                <a:cs typeface="Arial" panose="020B0604020202020204" pitchFamily="34" charset="0"/>
-              </a:rPr>
-              <a:t>nona</a:t>
-            </a:r>
-            <a:r>
-              <a:rPr lang="en-US" dirty="0">
-                <a:latin typeface="Arial" panose="020B0604020202020204" pitchFamily="34" charset="0"/>
-                <a:cs typeface="Arial" panose="020B0604020202020204" pitchFamily="34" charset="0"/>
-              </a:rPr>
-              <a:t>%&gt;%</a:t>
-            </a:r>
-            <a:r>
-              <a:rPr lang="en-US" dirty="0" err="1">
-                <a:latin typeface="Arial" panose="020B0604020202020204" pitchFamily="34" charset="0"/>
-                <a:cs typeface="Arial" panose="020B0604020202020204" pitchFamily="34" charset="0"/>
-              </a:rPr>
-              <a:t>ggplot</a:t>
-            </a:r>
-            <a:r>
-              <a:rPr lang="en-US" dirty="0">
-                <a:latin typeface="Arial" panose="020B0604020202020204" pitchFamily="34" charset="0"/>
-                <a:cs typeface="Arial" panose="020B0604020202020204" pitchFamily="34" charset="0"/>
-              </a:rPr>
-              <a:t>(</a:t>
-            </a:r>
-            <a:r>
-              <a:rPr lang="en-US" dirty="0" err="1">
-                <a:latin typeface="Arial" panose="020B0604020202020204" pitchFamily="34" charset="0"/>
-                <a:cs typeface="Arial" panose="020B0604020202020204" pitchFamily="34" charset="0"/>
-              </a:rPr>
-              <a:t>aes</a:t>
-            </a:r>
-            <a:r>
-              <a:rPr lang="en-US" dirty="0">
-                <a:latin typeface="Arial" panose="020B0604020202020204" pitchFamily="34" charset="0"/>
-                <a:cs typeface="Arial" panose="020B0604020202020204" pitchFamily="34" charset="0"/>
-              </a:rPr>
-              <a:t>(x=</a:t>
-            </a:r>
-            <a:r>
-              <a:rPr lang="en-US" dirty="0" err="1">
-                <a:latin typeface="Arial" panose="020B0604020202020204" pitchFamily="34" charset="0"/>
-                <a:cs typeface="Arial" panose="020B0604020202020204" pitchFamily="34" charset="0"/>
-              </a:rPr>
-              <a:t>ABV,fill</a:t>
-            </a:r>
-            <a:r>
-              <a:rPr lang="en-US" dirty="0">
-                <a:latin typeface="Arial" panose="020B0604020202020204" pitchFamily="34" charset="0"/>
-                <a:cs typeface="Arial" panose="020B0604020202020204" pitchFamily="34" charset="0"/>
-              </a:rPr>
-              <a:t>=State))+</a:t>
-            </a:r>
-            <a:r>
-              <a:rPr lang="en-US" dirty="0" err="1">
-                <a:latin typeface="Arial" panose="020B0604020202020204" pitchFamily="34" charset="0"/>
-                <a:cs typeface="Arial" panose="020B0604020202020204" pitchFamily="34" charset="0"/>
-              </a:rPr>
-              <a:t>geom_histogram</a:t>
-            </a:r>
-            <a:r>
-              <a:rPr lang="en-US" dirty="0">
-                <a:latin typeface="Arial" panose="020B0604020202020204" pitchFamily="34" charset="0"/>
-                <a:cs typeface="Arial" panose="020B0604020202020204" pitchFamily="34" charset="0"/>
-              </a:rPr>
-              <a:t>(bins=30)+</a:t>
-            </a:r>
-            <a:r>
-              <a:rPr lang="en-US" dirty="0" err="1">
-                <a:latin typeface="Arial" panose="020B0604020202020204" pitchFamily="34" charset="0"/>
-                <a:cs typeface="Arial" panose="020B0604020202020204" pitchFamily="34" charset="0"/>
-              </a:rPr>
-              <a:t>ggtitle</a:t>
-            </a:r>
-            <a:r>
-              <a:rPr lang="en-US" dirty="0">
-                <a:latin typeface="Arial" panose="020B0604020202020204" pitchFamily="34" charset="0"/>
-                <a:cs typeface="Arial" panose="020B0604020202020204" pitchFamily="34" charset="0"/>
-              </a:rPr>
-              <a:t>("Alcohol by Volume Distribution of Beer population")+</a:t>
-            </a:r>
-            <a:r>
-              <a:rPr lang="en-US" dirty="0" err="1">
-                <a:latin typeface="Arial" panose="020B0604020202020204" pitchFamily="34" charset="0"/>
-                <a:cs typeface="Arial" panose="020B0604020202020204" pitchFamily="34" charset="0"/>
-              </a:rPr>
-              <a:t>xlab</a:t>
-            </a:r>
-            <a:r>
-              <a:rPr lang="en-US" dirty="0">
-                <a:latin typeface="Arial" panose="020B0604020202020204" pitchFamily="34" charset="0"/>
-                <a:cs typeface="Arial" panose="020B0604020202020204" pitchFamily="34" charset="0"/>
-              </a:rPr>
-              <a:t>("ABV Content")+</a:t>
-            </a:r>
-            <a:r>
-              <a:rPr lang="en-US" dirty="0" err="1">
-                <a:latin typeface="Arial" panose="020B0604020202020204" pitchFamily="34" charset="0"/>
-                <a:cs typeface="Arial" panose="020B0604020202020204" pitchFamily="34" charset="0"/>
-              </a:rPr>
-              <a:t>ylab</a:t>
-            </a:r>
-            <a:r>
-              <a:rPr lang="en-US" dirty="0">
-                <a:latin typeface="Arial" panose="020B0604020202020204" pitchFamily="34" charset="0"/>
-                <a:cs typeface="Arial" panose="020B0604020202020204" pitchFamily="34" charset="0"/>
-              </a:rPr>
-              <a:t>("Number of Beers")</a:t>
-            </a:r>
-          </a:p>
-          <a:p>
-            <a:pPr marL="0" indent="0">
-              <a:buNone/>
-            </a:pPr>
-            <a:r>
-              <a:rPr lang="en-US" dirty="0">
-                <a:latin typeface="Arial" panose="020B0604020202020204" pitchFamily="34" charset="0"/>
-                <a:cs typeface="Arial" panose="020B0604020202020204" pitchFamily="34" charset="0"/>
-              </a:rPr>
-              <a:t>#1 sample t-test of ABV data</a:t>
-            </a:r>
-          </a:p>
-          <a:p>
-            <a:pPr marL="0" indent="0">
-              <a:buNone/>
-            </a:pPr>
-            <a:r>
-              <a:rPr lang="en-US" dirty="0" err="1">
-                <a:latin typeface="Arial" panose="020B0604020202020204" pitchFamily="34" charset="0"/>
-                <a:cs typeface="Arial" panose="020B0604020202020204" pitchFamily="34" charset="0"/>
-              </a:rPr>
-              <a:t>logjustABV</a:t>
-            </a:r>
-            <a:r>
-              <a:rPr lang="en-US" dirty="0">
-                <a:latin typeface="Arial" panose="020B0604020202020204" pitchFamily="34" charset="0"/>
-                <a:cs typeface="Arial" panose="020B0604020202020204" pitchFamily="34" charset="0"/>
-              </a:rPr>
-              <a:t>&lt;-log(</a:t>
-            </a:r>
-            <a:r>
-              <a:rPr lang="en-US" dirty="0" err="1">
-                <a:latin typeface="Arial" panose="020B0604020202020204" pitchFamily="34" charset="0"/>
-                <a:cs typeface="Arial" panose="020B0604020202020204" pitchFamily="34" charset="0"/>
-              </a:rPr>
-              <a:t>justABV</a:t>
-            </a:r>
-            <a:r>
-              <a:rPr lang="en-US" dirty="0">
-                <a:latin typeface="Arial" panose="020B0604020202020204" pitchFamily="34" charset="0"/>
-                <a:cs typeface="Arial" panose="020B0604020202020204" pitchFamily="34" charset="0"/>
-              </a:rPr>
-              <a:t>)</a:t>
-            </a:r>
-          </a:p>
-          <a:p>
-            <a:pPr marL="0" indent="0">
-              <a:buNone/>
-            </a:pPr>
-            <a:r>
-              <a:rPr lang="en-US" dirty="0" err="1">
-                <a:latin typeface="Arial" panose="020B0604020202020204" pitchFamily="34" charset="0"/>
-                <a:cs typeface="Arial" panose="020B0604020202020204" pitchFamily="34" charset="0"/>
-              </a:rPr>
-              <a:t>t.test</a:t>
-            </a:r>
-            <a:r>
-              <a:rPr lang="en-US" dirty="0">
-                <a:latin typeface="Arial" panose="020B0604020202020204" pitchFamily="34" charset="0"/>
-                <a:cs typeface="Arial" panose="020B0604020202020204" pitchFamily="34" charset="0"/>
-              </a:rPr>
-              <a:t>(x=</a:t>
-            </a:r>
-            <a:r>
-              <a:rPr lang="en-US" dirty="0" err="1">
-                <a:latin typeface="Arial" panose="020B0604020202020204" pitchFamily="34" charset="0"/>
-                <a:cs typeface="Arial" panose="020B0604020202020204" pitchFamily="34" charset="0"/>
-              </a:rPr>
-              <a:t>justABV</a:t>
-            </a:r>
-            <a:r>
-              <a:rPr lang="en-US" dirty="0">
-                <a:latin typeface="Arial" panose="020B0604020202020204" pitchFamily="34" charset="0"/>
-                <a:cs typeface="Arial" panose="020B0604020202020204" pitchFamily="34" charset="0"/>
-              </a:rPr>
-              <a:t>, conf.int = "TRUE", alternative = "</a:t>
-            </a:r>
-            <a:r>
-              <a:rPr lang="en-US" dirty="0" err="1">
-                <a:latin typeface="Arial" panose="020B0604020202020204" pitchFamily="34" charset="0"/>
-                <a:cs typeface="Arial" panose="020B0604020202020204" pitchFamily="34" charset="0"/>
-              </a:rPr>
-              <a:t>two.sided</a:t>
-            </a:r>
-            <a:r>
-              <a:rPr lang="en-US" dirty="0">
-                <a:latin typeface="Arial" panose="020B0604020202020204" pitchFamily="34" charset="0"/>
-                <a:cs typeface="Arial" panose="020B0604020202020204" pitchFamily="34" charset="0"/>
-              </a:rPr>
-              <a:t>")</a:t>
-            </a:r>
-            <a:endParaRPr lang="en-US" sz="1800" dirty="0">
-              <a:latin typeface="Arial" panose="020B0604020202020204" pitchFamily="34" charset="0"/>
-              <a:cs typeface="Arial" panose="020B0604020202020204" pitchFamily="34" charset="0"/>
-            </a:endParaRPr>
-          </a:p>
-          <a:p>
-            <a:pPr marL="0" indent="0">
-              <a:buNone/>
-            </a:pPr>
-            <a:endParaRPr lang="en-US" sz="1800" dirty="0">
+            <a:endParaRPr lang="en-US" dirty="0">
               <a:latin typeface="Arial" panose="020B0604020202020204" pitchFamily="34" charset="0"/>
               <a:cs typeface="Arial" panose="020B0604020202020204" pitchFamily="34" charset="0"/>
             </a:endParaRPr>
@@ -10121,7 +7112,7 @@
             <a:pPr marL="0" indent="0">
               <a:buNone/>
             </a:pPr>
-            <a:endParaRPr lang="en-US" sz="1800" dirty="0">
+            <a:endParaRPr lang="en-US" dirty="0">
               <a:latin typeface="Arial" panose="020B0604020202020204" pitchFamily="34" charset="0"/>
               <a:cs typeface="Arial" panose="020B0604020202020204" pitchFamily="34" charset="0"/>
             </a:endParaRPr>
@@ -10130,16 +7121,7 @@
             <a:pPr marL="0" indent="0">
               <a:buNone/>
             </a:pPr>
-            <a:endParaRPr lang="en-US" sz="1800" dirty="0">
-              <a:latin typeface="Arial" panose="020B0604020202020204" pitchFamily="34" charset="0"/>
-              <a:cs typeface="Arial" panose="020B0604020202020204" pitchFamily="34" charset="0"/>
-            </a:endParaRPr>
-          </a:p>
-          <a:p>
-            <a:pPr marL="0" indent="0">
-              <a:buNone/>
-            </a:pPr>
-            <a:endParaRPr lang="en-US" sz="1800" dirty="0">
+            <a:endParaRPr lang="en-US" dirty="0">
               <a:latin typeface="Arial" panose="020B0604020202020204" pitchFamily="34" charset="0"/>
               <a:cs typeface="Arial" panose="020B0604020202020204" pitchFamily="34" charset="0"/>
             </a:endParaRPr>
@@ -10773,104 +7755,12 @@
           </a:fontRef>
         </p:style>
       </p:sp>
-      <p:sp>
-        <p:nvSpPr>
-          <p:cNvPr id="5" name="TextBox 4">
+      <p:pic>
+        <p:nvPicPr>
+          <p:cNvPr id="14" name="Picture 13">
             <a:extLst>
               <a:ext uri="{FF2B5EF4-FFF2-40B4-BE49-F238E27FC236}">
-                <a16:creationId xmlns:a16="http://schemas.microsoft.com/office/drawing/2014/main" id="{EF5EF3BE-4314-42D8-9D8E-3F26986373B4}"/>
-              </a:ext>
-            </a:extLst>
-          </p:cNvPr>
-          <p:cNvSpPr txBox="1"/>
-          <p:nvPr/>
-        </p:nvSpPr>
-        <p:spPr>
-          <a:xfrm>
-            <a:off x="5796499" y="786480"/>
-            <a:ext cx="1824889" cy="1384995"/>
-          </a:xfrm>
-          <a:prstGeom prst="rect">
-            <a:avLst/>
-          </a:prstGeom>
-          <a:noFill/>
-        </p:spPr>
-        <p:txBody>
-          <a:bodyPr wrap="square" rtlCol="0">
-            <a:spAutoFit/>
-          </a:bodyPr>
-          <a:lstStyle/>
-          <a:p>
-            <a:r>
-              <a:rPr lang="en-US" sz="1200" dirty="0">
-                <a:latin typeface="Arial" panose="020B0604020202020204" pitchFamily="34" charset="0"/>
-                <a:cs typeface="Arial" panose="020B0604020202020204" pitchFamily="34" charset="0"/>
-              </a:rPr>
-              <a:t>Summary Statistics</a:t>
-            </a:r>
-          </a:p>
-          <a:p>
-            <a:r>
-              <a:rPr lang="en-US" sz="1200" dirty="0">
-                <a:latin typeface="Arial" panose="020B0604020202020204" pitchFamily="34" charset="0"/>
-                <a:cs typeface="Arial" panose="020B0604020202020204" pitchFamily="34" charset="0"/>
-              </a:rPr>
-              <a:t>Min.   :0.00100  </a:t>
-            </a:r>
-          </a:p>
-          <a:p>
-            <a:r>
-              <a:rPr lang="en-US" sz="1200" dirty="0">
-                <a:latin typeface="Arial" panose="020B0604020202020204" pitchFamily="34" charset="0"/>
-                <a:cs typeface="Arial" panose="020B0604020202020204" pitchFamily="34" charset="0"/>
-              </a:rPr>
-              <a:t>1st Qu.:0.05000  </a:t>
-            </a:r>
-          </a:p>
-          <a:p>
-            <a:r>
-              <a:rPr lang="en-US" sz="1200" dirty="0">
-                <a:latin typeface="Arial" panose="020B0604020202020204" pitchFamily="34" charset="0"/>
-                <a:cs typeface="Arial" panose="020B0604020202020204" pitchFamily="34" charset="0"/>
-              </a:rPr>
-              <a:t>Median :0.05600  </a:t>
-            </a:r>
-          </a:p>
-          <a:p>
-            <a:r>
-              <a:rPr lang="en-US" sz="1200" dirty="0">
-                <a:latin typeface="Arial" panose="020B0604020202020204" pitchFamily="34" charset="0"/>
-                <a:cs typeface="Arial" panose="020B0604020202020204" pitchFamily="34" charset="0"/>
-              </a:rPr>
-              <a:t>Mean   :0.05933  </a:t>
-            </a:r>
-          </a:p>
-          <a:p>
-            <a:r>
-              <a:rPr lang="en-US" sz="1200" dirty="0">
-                <a:latin typeface="Arial" panose="020B0604020202020204" pitchFamily="34" charset="0"/>
-                <a:cs typeface="Arial" panose="020B0604020202020204" pitchFamily="34" charset="0"/>
-              </a:rPr>
-              <a:t>3rd Qu.:0.06700  </a:t>
-            </a:r>
-          </a:p>
-          <a:p>
-            <a:r>
-              <a:rPr lang="en-US" sz="1200" dirty="0">
-                <a:latin typeface="Arial" panose="020B0604020202020204" pitchFamily="34" charset="0"/>
-                <a:cs typeface="Arial" panose="020B0604020202020204" pitchFamily="34" charset="0"/>
-              </a:rPr>
-              <a:t>Max.   :0.12800 </a:t>
-            </a:r>
-          </a:p>
-        </p:txBody>
-      </p:sp>
-      <p:pic>
-        <p:nvPicPr>
-          <p:cNvPr id="10" name="Picture 9">
-            <a:extLst>
-              <a:ext uri="{FF2B5EF4-FFF2-40B4-BE49-F238E27FC236}">
-                <a16:creationId xmlns:a16="http://schemas.microsoft.com/office/drawing/2014/main" id="{1FFCDACB-0E22-450C-A4CC-423804044CB2}"/>
+                <a16:creationId xmlns:a16="http://schemas.microsoft.com/office/drawing/2014/main" id="{C8553E9F-D6F6-4950-9C68-F52193BCA7CA}"/>
               </a:ext>
             </a:extLst>
           </p:cNvPr>
@@ -10887,20 +7777,390 @@
         </p:blipFill>
         <p:spPr>
           <a:xfrm>
-            <a:off x="8207978" y="646694"/>
-            <a:ext cx="3909467" cy="2412224"/>
+            <a:off x="8082549" y="3539904"/>
+            <a:ext cx="4054088" cy="2501458"/>
           </a:xfrm>
           <a:prstGeom prst="rect">
             <a:avLst/>
           </a:prstGeom>
         </p:spPr>
       </p:pic>
+      <p:graphicFrame>
+        <p:nvGraphicFramePr>
+          <p:cNvPr id="4" name="Table 3">
+            <a:extLst>
+              <a:ext uri="{FF2B5EF4-FFF2-40B4-BE49-F238E27FC236}">
+                <a16:creationId xmlns:a16="http://schemas.microsoft.com/office/drawing/2014/main" id="{D94FA96A-0765-4025-AFB4-53E8602269F1}"/>
+              </a:ext>
+            </a:extLst>
+          </p:cNvPr>
+          <p:cNvGraphicFramePr>
+            <a:graphicFrameLocks noGrp="1"/>
+          </p:cNvGraphicFramePr>
+          <p:nvPr>
+            <p:extLst>
+              <p:ext uri="{D42A27DB-BD31-4B8C-83A1-F6EECF244321}">
+                <p14:modId xmlns:p14="http://schemas.microsoft.com/office/powerpoint/2010/main" val="4098428260"/>
+              </p:ext>
+            </p:extLst>
+          </p:nvPr>
+        </p:nvGraphicFramePr>
+        <p:xfrm>
+          <a:off x="4801469" y="2004977"/>
+          <a:ext cx="2842528" cy="2560320"/>
+        </p:xfrm>
+        <a:graphic>
+          <a:graphicData uri="http://schemas.openxmlformats.org/drawingml/2006/table">
+            <a:tbl>
+              <a:tblPr firstRow="1" bandRow="1">
+                <a:tableStyleId>{5C22544A-7EE6-4342-B048-85BDC9FD1C3A}</a:tableStyleId>
+              </a:tblPr>
+              <a:tblGrid>
+                <a:gridCol w="1421264">
+                  <a:extLst>
+                    <a:ext uri="{9D8B030D-6E8A-4147-A177-3AD203B41FA5}">
+                      <a16:colId xmlns:a16="http://schemas.microsoft.com/office/drawing/2014/main" val="461675407"/>
+                    </a:ext>
+                  </a:extLst>
+                </a:gridCol>
+                <a:gridCol w="1421264">
+                  <a:extLst>
+                    <a:ext uri="{9D8B030D-6E8A-4147-A177-3AD203B41FA5}">
+                      <a16:colId xmlns:a16="http://schemas.microsoft.com/office/drawing/2014/main" val="4033762415"/>
+                    </a:ext>
+                  </a:extLst>
+                </a:gridCol>
+              </a:tblGrid>
+              <a:tr h="293145">
+                <a:tc gridSpan="2">
+                  <a:txBody>
+                    <a:bodyPr/>
+                    <a:lstStyle/>
+                    <a:p>
+                      <a:pPr algn="ctr"/>
+                      <a:r>
+                        <a:rPr lang="en-US" dirty="0"/>
+                        <a:t>Summary Statistics</a:t>
+                      </a:r>
+                    </a:p>
+                  </a:txBody>
+                  <a:tcPr/>
+                </a:tc>
+                <a:tc hMerge="1">
+                  <a:txBody>
+                    <a:bodyPr/>
+                    <a:lstStyle/>
+                    <a:p>
+                      <a:endParaRPr lang="en-US" dirty="0"/>
+                    </a:p>
+                  </a:txBody>
+                  <a:tcPr/>
+                </a:tc>
+                <a:extLst>
+                  <a:ext uri="{0D108BD9-81ED-4DB2-BD59-A6C34878D82A}">
+                    <a16:rowId xmlns:a16="http://schemas.microsoft.com/office/drawing/2014/main" val="2309065376"/>
+                  </a:ext>
+                </a:extLst>
+              </a:tr>
+              <a:tr h="293145">
+                <a:tc>
+                  <a:txBody>
+                    <a:bodyPr/>
+                    <a:lstStyle/>
+                    <a:p>
+                      <a:r>
+                        <a:rPr lang="en-US" dirty="0"/>
+                        <a:t>Min</a:t>
+                      </a:r>
+                    </a:p>
+                  </a:txBody>
+                  <a:tcPr/>
+                </a:tc>
+                <a:tc>
+                  <a:txBody>
+                    <a:bodyPr/>
+                    <a:lstStyle/>
+                    <a:p>
+                      <a:r>
+                        <a:rPr lang="en-US" sz="1800" dirty="0">
+                          <a:latin typeface="Arial" panose="020B0604020202020204" pitchFamily="34" charset="0"/>
+                          <a:cs typeface="Arial" panose="020B0604020202020204" pitchFamily="34" charset="0"/>
+                        </a:rPr>
+                        <a:t>.00100</a:t>
+                      </a:r>
+                      <a:endParaRPr lang="en-US" b="1" dirty="0"/>
+                    </a:p>
+                  </a:txBody>
+                  <a:tcPr/>
+                </a:tc>
+                <a:extLst>
+                  <a:ext uri="{0D108BD9-81ED-4DB2-BD59-A6C34878D82A}">
+                    <a16:rowId xmlns:a16="http://schemas.microsoft.com/office/drawing/2014/main" val="3552336859"/>
+                  </a:ext>
+                </a:extLst>
+              </a:tr>
+              <a:tr h="293145">
+                <a:tc>
+                  <a:txBody>
+                    <a:bodyPr/>
+                    <a:lstStyle/>
+                    <a:p>
+                      <a:r>
+                        <a:rPr lang="en-US" dirty="0"/>
+                        <a:t>1</a:t>
+                      </a:r>
+                      <a:r>
+                        <a:rPr lang="en-US" baseline="30000" dirty="0"/>
+                        <a:t>st</a:t>
+                      </a:r>
+                      <a:r>
+                        <a:rPr lang="en-US" dirty="0"/>
+                        <a:t> Quartile</a:t>
+                      </a:r>
+                    </a:p>
+                  </a:txBody>
+                  <a:tcPr/>
+                </a:tc>
+                <a:tc>
+                  <a:txBody>
+                    <a:bodyPr/>
+                    <a:lstStyle/>
+                    <a:p>
+                      <a:r>
+                        <a:rPr lang="en-US" sz="1800" dirty="0">
+                          <a:latin typeface="Arial" panose="020B0604020202020204" pitchFamily="34" charset="0"/>
+                          <a:cs typeface="Arial" panose="020B0604020202020204" pitchFamily="34" charset="0"/>
+                        </a:rPr>
+                        <a:t>.05600</a:t>
+                      </a:r>
+                      <a:endParaRPr lang="en-US" dirty="0"/>
+                    </a:p>
+                  </a:txBody>
+                  <a:tcPr/>
+                </a:tc>
+                <a:extLst>
+                  <a:ext uri="{0D108BD9-81ED-4DB2-BD59-A6C34878D82A}">
+                    <a16:rowId xmlns:a16="http://schemas.microsoft.com/office/drawing/2014/main" val="1464203332"/>
+                  </a:ext>
+                </a:extLst>
+              </a:tr>
+              <a:tr h="293145">
+                <a:tc>
+                  <a:txBody>
+                    <a:bodyPr/>
+                    <a:lstStyle/>
+                    <a:p>
+                      <a:r>
+                        <a:rPr lang="en-US" dirty="0"/>
+                        <a:t>Median</a:t>
+                      </a:r>
+                    </a:p>
+                  </a:txBody>
+                  <a:tcPr/>
+                </a:tc>
+                <a:tc>
+                  <a:txBody>
+                    <a:bodyPr/>
+                    <a:lstStyle/>
+                    <a:p>
+                      <a:r>
+                        <a:rPr lang="en-US" sz="1800" dirty="0">
+                          <a:latin typeface="Arial" panose="020B0604020202020204" pitchFamily="34" charset="0"/>
+                          <a:cs typeface="Arial" panose="020B0604020202020204" pitchFamily="34" charset="0"/>
+                        </a:rPr>
+                        <a:t>.05600 </a:t>
+                      </a:r>
+                      <a:endParaRPr lang="en-US" dirty="0"/>
+                    </a:p>
+                  </a:txBody>
+                  <a:tcPr/>
+                </a:tc>
+                <a:extLst>
+                  <a:ext uri="{0D108BD9-81ED-4DB2-BD59-A6C34878D82A}">
+                    <a16:rowId xmlns:a16="http://schemas.microsoft.com/office/drawing/2014/main" val="675258789"/>
+                  </a:ext>
+                </a:extLst>
+              </a:tr>
+              <a:tr h="293145">
+                <a:tc>
+                  <a:txBody>
+                    <a:bodyPr/>
+                    <a:lstStyle/>
+                    <a:p>
+                      <a:r>
+                        <a:rPr lang="en-US" dirty="0"/>
+                        <a:t>Mean</a:t>
+                      </a:r>
+                    </a:p>
+                  </a:txBody>
+                  <a:tcPr/>
+                </a:tc>
+                <a:tc>
+                  <a:txBody>
+                    <a:bodyPr/>
+                    <a:lstStyle/>
+                    <a:p>
+                      <a:pPr marL="0" marR="0" lvl="0" indent="0" algn="l" defTabSz="457200" rtl="0" eaLnBrk="1" fontAlgn="auto" latinLnBrk="0" hangingPunct="1">
+                        <a:lnSpc>
+                          <a:spcPct val="100000"/>
+                        </a:lnSpc>
+                        <a:spcBef>
+                          <a:spcPts val="0"/>
+                        </a:spcBef>
+                        <a:spcAft>
+                          <a:spcPts val="0"/>
+                        </a:spcAft>
+                        <a:buClrTx/>
+                        <a:buSzTx/>
+                        <a:buFontTx/>
+                        <a:buNone/>
+                        <a:tabLst/>
+                        <a:defRPr/>
+                      </a:pPr>
+                      <a:r>
+                        <a:rPr lang="en-US" sz="1800" dirty="0">
+                          <a:latin typeface="Arial" panose="020B0604020202020204" pitchFamily="34" charset="0"/>
+                          <a:cs typeface="Arial" panose="020B0604020202020204" pitchFamily="34" charset="0"/>
+                        </a:rPr>
+                        <a:t>.05933</a:t>
+                      </a:r>
+                      <a:endParaRPr lang="en-US" dirty="0"/>
+                    </a:p>
+                  </a:txBody>
+                  <a:tcPr/>
+                </a:tc>
+                <a:extLst>
+                  <a:ext uri="{0D108BD9-81ED-4DB2-BD59-A6C34878D82A}">
+                    <a16:rowId xmlns:a16="http://schemas.microsoft.com/office/drawing/2014/main" val="4206532118"/>
+                  </a:ext>
+                </a:extLst>
+              </a:tr>
+              <a:tr h="293145">
+                <a:tc>
+                  <a:txBody>
+                    <a:bodyPr/>
+                    <a:lstStyle/>
+                    <a:p>
+                      <a:r>
+                        <a:rPr lang="en-US" dirty="0"/>
+                        <a:t>3</a:t>
+                      </a:r>
+                      <a:r>
+                        <a:rPr lang="en-US" baseline="30000" dirty="0"/>
+                        <a:t>rd</a:t>
+                      </a:r>
+                      <a:r>
+                        <a:rPr lang="en-US" dirty="0"/>
+                        <a:t> Quartile</a:t>
+                      </a:r>
+                    </a:p>
+                  </a:txBody>
+                  <a:tcPr/>
+                </a:tc>
+                <a:tc>
+                  <a:txBody>
+                    <a:bodyPr/>
+                    <a:lstStyle/>
+                    <a:p>
+                      <a:pPr marL="0" marR="0" lvl="0" indent="0" algn="l" defTabSz="457200" rtl="0" eaLnBrk="1" fontAlgn="auto" latinLnBrk="0" hangingPunct="1">
+                        <a:lnSpc>
+                          <a:spcPct val="100000"/>
+                        </a:lnSpc>
+                        <a:spcBef>
+                          <a:spcPts val="0"/>
+                        </a:spcBef>
+                        <a:spcAft>
+                          <a:spcPts val="0"/>
+                        </a:spcAft>
+                        <a:buClrTx/>
+                        <a:buSzTx/>
+                        <a:buFontTx/>
+                        <a:buNone/>
+                        <a:tabLst/>
+                        <a:defRPr/>
+                      </a:pPr>
+                      <a:r>
+                        <a:rPr lang="en-US" sz="1800" dirty="0">
+                          <a:latin typeface="Arial" panose="020B0604020202020204" pitchFamily="34" charset="0"/>
+                          <a:cs typeface="Arial" panose="020B0604020202020204" pitchFamily="34" charset="0"/>
+                        </a:rPr>
+                        <a:t>.06700</a:t>
+                      </a:r>
+                      <a:endParaRPr lang="en-US" dirty="0"/>
+                    </a:p>
+                  </a:txBody>
+                  <a:tcPr/>
+                </a:tc>
+                <a:extLst>
+                  <a:ext uri="{0D108BD9-81ED-4DB2-BD59-A6C34878D82A}">
+                    <a16:rowId xmlns:a16="http://schemas.microsoft.com/office/drawing/2014/main" val="1762085853"/>
+                  </a:ext>
+                </a:extLst>
+              </a:tr>
+              <a:tr h="293145">
+                <a:tc>
+                  <a:txBody>
+                    <a:bodyPr/>
+                    <a:lstStyle/>
+                    <a:p>
+                      <a:r>
+                        <a:rPr lang="en-US" dirty="0"/>
+                        <a:t>Max</a:t>
+                      </a:r>
+                    </a:p>
+                  </a:txBody>
+                  <a:tcPr/>
+                </a:tc>
+                <a:tc>
+                  <a:txBody>
+                    <a:bodyPr/>
+                    <a:lstStyle/>
+                    <a:p>
+                      <a:pPr marL="0" marR="0" lvl="0" indent="0" algn="l" defTabSz="457200" rtl="0" eaLnBrk="1" fontAlgn="auto" latinLnBrk="0" hangingPunct="1">
+                        <a:lnSpc>
+                          <a:spcPct val="100000"/>
+                        </a:lnSpc>
+                        <a:spcBef>
+                          <a:spcPts val="0"/>
+                        </a:spcBef>
+                        <a:spcAft>
+                          <a:spcPts val="0"/>
+                        </a:spcAft>
+                        <a:buClrTx/>
+                        <a:buSzTx/>
+                        <a:buFontTx/>
+                        <a:buNone/>
+                        <a:tabLst/>
+                        <a:defRPr/>
+                      </a:pPr>
+                      <a:r>
+                        <a:rPr lang="en-US" sz="1800" dirty="0">
+                          <a:latin typeface="Arial" panose="020B0604020202020204" pitchFamily="34" charset="0"/>
+                          <a:cs typeface="Arial" panose="020B0604020202020204" pitchFamily="34" charset="0"/>
+                        </a:rPr>
+                        <a:t>.12800</a:t>
+                      </a:r>
+                      <a:endParaRPr lang="en-US" dirty="0"/>
+                    </a:p>
+                  </a:txBody>
+                  <a:tcPr/>
+                </a:tc>
+                <a:extLst>
+                  <a:ext uri="{0D108BD9-81ED-4DB2-BD59-A6C34878D82A}">
+                    <a16:rowId xmlns:a16="http://schemas.microsoft.com/office/drawing/2014/main" val="56146931"/>
+                  </a:ext>
+                </a:extLst>
+              </a:tr>
+            </a:tbl>
+          </a:graphicData>
+        </a:graphic>
+      </p:graphicFrame>
       <p:pic>
         <p:nvPicPr>
-          <p:cNvPr id="14" name="Picture 13">
+          <p:cNvPr id="6" name="Picture 5">
             <a:extLst>
               <a:ext uri="{FF2B5EF4-FFF2-40B4-BE49-F238E27FC236}">
-                <a16:creationId xmlns:a16="http://schemas.microsoft.com/office/drawing/2014/main" id="{C8553E9F-D6F6-4950-9C68-F52193BCA7CA}"/>
+                <a16:creationId xmlns:a16="http://schemas.microsoft.com/office/drawing/2014/main" id="{9215E3CF-0FB1-4FE6-BD19-55B6AEB18A49}"/>
               </a:ext>
             </a:extLst>
           </p:cNvPr>
@@ -10917,141 +8177,14 @@
         </p:blipFill>
         <p:spPr>
           <a:xfrm>
-            <a:off x="8082549" y="3539904"/>
-            <a:ext cx="4054088" cy="2501458"/>
+            <a:off x="8110224" y="332044"/>
+            <a:ext cx="4001428" cy="2469453"/>
           </a:xfrm>
           <a:prstGeom prst="rect">
             <a:avLst/>
           </a:prstGeom>
         </p:spPr>
       </p:pic>
-      <p:sp>
-        <p:nvSpPr>
-          <p:cNvPr id="16" name="TextBox 15">
-            <a:extLst>
-              <a:ext uri="{FF2B5EF4-FFF2-40B4-BE49-F238E27FC236}">
-                <a16:creationId xmlns:a16="http://schemas.microsoft.com/office/drawing/2014/main" id="{622D041B-FF18-498C-8473-95A90E329DE6}"/>
-              </a:ext>
-            </a:extLst>
-          </p:cNvPr>
-          <p:cNvSpPr txBox="1"/>
-          <p:nvPr/>
-        </p:nvSpPr>
-        <p:spPr>
-          <a:xfrm>
-            <a:off x="4843714" y="3624697"/>
-            <a:ext cx="3387646" cy="2123658"/>
-          </a:xfrm>
-          <a:prstGeom prst="rect">
-            <a:avLst/>
-          </a:prstGeom>
-          <a:noFill/>
-        </p:spPr>
-        <p:txBody>
-          <a:bodyPr wrap="square" rtlCol="0">
-            <a:spAutoFit/>
-          </a:bodyPr>
-          <a:lstStyle/>
-          <a:p>
-            <a:r>
-              <a:rPr lang="en-US" sz="1200" dirty="0">
-                <a:latin typeface="Arial" panose="020B0604020202020204" pitchFamily="34" charset="0"/>
-                <a:cs typeface="Arial" panose="020B0604020202020204" pitchFamily="34" charset="0"/>
-              </a:rPr>
-              <a:t>One Sample t-test</a:t>
-            </a:r>
-          </a:p>
-          <a:p>
-            <a:endParaRPr lang="en-US" sz="1200" dirty="0">
-              <a:latin typeface="Arial" panose="020B0604020202020204" pitchFamily="34" charset="0"/>
-              <a:cs typeface="Arial" panose="020B0604020202020204" pitchFamily="34" charset="0"/>
-            </a:endParaRPr>
-          </a:p>
-          <a:p>
-            <a:r>
-              <a:rPr lang="en-US" sz="1200" dirty="0">
-                <a:latin typeface="Arial" panose="020B0604020202020204" pitchFamily="34" charset="0"/>
-                <a:cs typeface="Arial" panose="020B0604020202020204" pitchFamily="34" charset="0"/>
-              </a:rPr>
-              <a:t>data:  </a:t>
-            </a:r>
-            <a:r>
-              <a:rPr lang="en-US" sz="1200" dirty="0" err="1">
-                <a:latin typeface="Arial" panose="020B0604020202020204" pitchFamily="34" charset="0"/>
-                <a:cs typeface="Arial" panose="020B0604020202020204" pitchFamily="34" charset="0"/>
-              </a:rPr>
-              <a:t>justABV</a:t>
-            </a:r>
-            <a:endParaRPr lang="en-US" sz="1200" dirty="0">
-              <a:latin typeface="Arial" panose="020B0604020202020204" pitchFamily="34" charset="0"/>
-              <a:cs typeface="Arial" panose="020B0604020202020204" pitchFamily="34" charset="0"/>
-            </a:endParaRPr>
-          </a:p>
-          <a:p>
-            <a:r>
-              <a:rPr lang="en-US" sz="1200" dirty="0">
-                <a:latin typeface="Arial" panose="020B0604020202020204" pitchFamily="34" charset="0"/>
-                <a:cs typeface="Arial" panose="020B0604020202020204" pitchFamily="34" charset="0"/>
-              </a:rPr>
-              <a:t>t = 202.43, df = 2409, p-value &lt; 2.2e-16</a:t>
-            </a:r>
-          </a:p>
-          <a:p>
-            <a:r>
-              <a:rPr lang="en-US" sz="1200" dirty="0">
-                <a:latin typeface="Arial" panose="020B0604020202020204" pitchFamily="34" charset="0"/>
-                <a:cs typeface="Arial" panose="020B0604020202020204" pitchFamily="34" charset="0"/>
-              </a:rPr>
-              <a:t>alternative hypothesis: true mean is not equal to 0</a:t>
-            </a:r>
-          </a:p>
-          <a:p>
-            <a:r>
-              <a:rPr lang="en-US" sz="1200" dirty="0">
-                <a:latin typeface="Arial" panose="020B0604020202020204" pitchFamily="34" charset="0"/>
-                <a:cs typeface="Arial" panose="020B0604020202020204" pitchFamily="34" charset="0"/>
-              </a:rPr>
-              <a:t>95 percent confidence interval:</a:t>
-            </a:r>
-          </a:p>
-          <a:p>
-            <a:r>
-              <a:rPr lang="en-US" sz="1200" dirty="0">
-                <a:latin typeface="Arial" panose="020B0604020202020204" pitchFamily="34" charset="0"/>
-                <a:cs typeface="Arial" panose="020B0604020202020204" pitchFamily="34" charset="0"/>
-              </a:rPr>
-              <a:t> 0.05875595 0.05990546</a:t>
-            </a:r>
-          </a:p>
-          <a:p>
-            <a:r>
-              <a:rPr lang="en-US" sz="1200" dirty="0">
-                <a:latin typeface="Arial" panose="020B0604020202020204" pitchFamily="34" charset="0"/>
-                <a:cs typeface="Arial" panose="020B0604020202020204" pitchFamily="34" charset="0"/>
-              </a:rPr>
-              <a:t>sample estimates:</a:t>
-            </a:r>
-          </a:p>
-          <a:p>
-            <a:r>
-              <a:rPr lang="en-US" sz="1200" dirty="0">
-                <a:latin typeface="Arial" panose="020B0604020202020204" pitchFamily="34" charset="0"/>
-                <a:cs typeface="Arial" panose="020B0604020202020204" pitchFamily="34" charset="0"/>
-              </a:rPr>
-              <a:t> mean of x </a:t>
-            </a:r>
-          </a:p>
-          <a:p>
-            <a:r>
-              <a:rPr lang="en-US" sz="1200" dirty="0">
-                <a:latin typeface="Arial" panose="020B0604020202020204" pitchFamily="34" charset="0"/>
-                <a:cs typeface="Arial" panose="020B0604020202020204" pitchFamily="34" charset="0"/>
-              </a:rPr>
-              <a:t>0.05933071 </a:t>
-            </a:r>
-          </a:p>
-        </p:txBody>
-      </p:sp>
     </p:spTree>
     <p:extLst>
       <p:ext uri="{BB962C8B-B14F-4D97-AF65-F5344CB8AC3E}">
@@ -11065,7 +8198,7 @@
 </p:sld>
 </file>
 
-<file path=ppt/slides/slide8.xml><?xml version="1.0" encoding="utf-8"?>
+<file path=ppt/slides/slide7.xml><?xml version="1.0" encoding="utf-8"?>
 <p:sld xmlns:a="http://schemas.openxmlformats.org/drawingml/2006/main" xmlns:r="http://schemas.openxmlformats.org/officeDocument/2006/relationships" xmlns:p="http://schemas.openxmlformats.org/presentationml/2006/main">
   <p:cSld>
     <p:spTree>
@@ -11134,7 +8267,7 @@
         <p:spPr>
           <a:xfrm>
             <a:off x="677334" y="2160589"/>
-            <a:ext cx="3491895" cy="3880773"/>
+            <a:ext cx="3491895" cy="3379077"/>
           </a:xfrm>
         </p:spPr>
         <p:txBody>
@@ -11147,7 +8280,7 @@
               <a:buNone/>
             </a:pPr>
             <a:r>
-              <a:rPr lang="en-US" sz="1200" dirty="0">
+              <a:rPr lang="en-US" dirty="0">
                 <a:latin typeface="Arial" panose="020B0604020202020204" pitchFamily="34" charset="0"/>
                 <a:cs typeface="Arial" panose="020B0604020202020204" pitchFamily="34" charset="0"/>
               </a:rPr>
@@ -11159,7 +8292,7 @@
               <a:buNone/>
             </a:pPr>
             <a:r>
-              <a:rPr lang="en-US" sz="1200" dirty="0">
+              <a:rPr lang="en-US" dirty="0">
                 <a:latin typeface="Arial" panose="020B0604020202020204" pitchFamily="34" charset="0"/>
                 <a:cs typeface="Arial" panose="020B0604020202020204" pitchFamily="34" charset="0"/>
               </a:rPr>
@@ -11171,185 +8304,11 @@
               <a:buNone/>
             </a:pPr>
             <a:r>
-              <a:rPr lang="en-US" sz="1200" dirty="0">
+              <a:rPr lang="en-US" dirty="0">
                 <a:latin typeface="Arial" panose="020B0604020202020204" pitchFamily="34" charset="0"/>
                 <a:cs typeface="Arial" panose="020B0604020202020204" pitchFamily="34" charset="0"/>
               </a:rPr>
               <a:t>A linear regression was used to test if there was a relationship between ABV and IBU. </a:t>
-            </a:r>
-          </a:p>
-          <a:p>
-            <a:pPr marL="0" indent="0">
-              <a:buNone/>
-            </a:pPr>
-            <a:r>
-              <a:rPr lang="en-US" sz="1200" dirty="0">
-                <a:latin typeface="Arial" panose="020B0604020202020204" pitchFamily="34" charset="0"/>
-                <a:cs typeface="Arial" panose="020B0604020202020204" pitchFamily="34" charset="0"/>
-              </a:rPr>
-              <a:t>#Code for linear </a:t>
-            </a:r>
-            <a:r>
-              <a:rPr lang="en-US" sz="1200" dirty="0" err="1">
-                <a:latin typeface="Arial" panose="020B0604020202020204" pitchFamily="34" charset="0"/>
-                <a:cs typeface="Arial" panose="020B0604020202020204" pitchFamily="34" charset="0"/>
-              </a:rPr>
-              <a:t>regressionnona</a:t>
-            </a:r>
-            <a:r>
-              <a:rPr lang="en-US" sz="1200" dirty="0">
-                <a:latin typeface="Arial" panose="020B0604020202020204" pitchFamily="34" charset="0"/>
-                <a:cs typeface="Arial" panose="020B0604020202020204" pitchFamily="34" charset="0"/>
-              </a:rPr>
-              <a:t>%&gt;%</a:t>
-            </a:r>
-            <a:r>
-              <a:rPr lang="en-US" sz="1200" dirty="0" err="1">
-                <a:latin typeface="Arial" panose="020B0604020202020204" pitchFamily="34" charset="0"/>
-                <a:cs typeface="Arial" panose="020B0604020202020204" pitchFamily="34" charset="0"/>
-              </a:rPr>
-              <a:t>ggplot</a:t>
-            </a:r>
-            <a:r>
-              <a:rPr lang="en-US" sz="1200" dirty="0">
-                <a:latin typeface="Arial" panose="020B0604020202020204" pitchFamily="34" charset="0"/>
-                <a:cs typeface="Arial" panose="020B0604020202020204" pitchFamily="34" charset="0"/>
-              </a:rPr>
-              <a:t>(</a:t>
-            </a:r>
-            <a:r>
-              <a:rPr lang="en-US" sz="1200" dirty="0" err="1">
-                <a:latin typeface="Arial" panose="020B0604020202020204" pitchFamily="34" charset="0"/>
-                <a:cs typeface="Arial" panose="020B0604020202020204" pitchFamily="34" charset="0"/>
-              </a:rPr>
-              <a:t>aes</a:t>
-            </a:r>
-            <a:r>
-              <a:rPr lang="en-US" sz="1200" dirty="0">
-                <a:latin typeface="Arial" panose="020B0604020202020204" pitchFamily="34" charset="0"/>
-                <a:cs typeface="Arial" panose="020B0604020202020204" pitchFamily="34" charset="0"/>
-              </a:rPr>
-              <a:t>(x=</a:t>
-            </a:r>
-            <a:r>
-              <a:rPr lang="en-US" sz="1200" dirty="0" err="1">
-                <a:latin typeface="Arial" panose="020B0604020202020204" pitchFamily="34" charset="0"/>
-                <a:cs typeface="Arial" panose="020B0604020202020204" pitchFamily="34" charset="0"/>
-              </a:rPr>
-              <a:t>ABV,y</a:t>
-            </a:r>
-            <a:r>
-              <a:rPr lang="en-US" sz="1200" dirty="0">
-                <a:latin typeface="Arial" panose="020B0604020202020204" pitchFamily="34" charset="0"/>
-                <a:cs typeface="Arial" panose="020B0604020202020204" pitchFamily="34" charset="0"/>
-              </a:rPr>
-              <a:t>=IBU))+</a:t>
-            </a:r>
-            <a:r>
-              <a:rPr lang="en-US" sz="1200" dirty="0" err="1">
-                <a:latin typeface="Arial" panose="020B0604020202020204" pitchFamily="34" charset="0"/>
-                <a:cs typeface="Arial" panose="020B0604020202020204" pitchFamily="34" charset="0"/>
-              </a:rPr>
-              <a:t>geom_point</a:t>
-            </a:r>
-            <a:r>
-              <a:rPr lang="en-US" sz="1200" dirty="0">
-                <a:latin typeface="Arial" panose="020B0604020202020204" pitchFamily="34" charset="0"/>
-                <a:cs typeface="Arial" panose="020B0604020202020204" pitchFamily="34" charset="0"/>
-              </a:rPr>
-              <a:t>()+</a:t>
-            </a:r>
-            <a:r>
-              <a:rPr lang="en-US" sz="1200" dirty="0" err="1">
-                <a:latin typeface="Arial" panose="020B0604020202020204" pitchFamily="34" charset="0"/>
-                <a:cs typeface="Arial" panose="020B0604020202020204" pitchFamily="34" charset="0"/>
-              </a:rPr>
-              <a:t>geom_smooth</a:t>
-            </a:r>
-            <a:r>
-              <a:rPr lang="en-US" sz="1200" dirty="0">
-                <a:latin typeface="Arial" panose="020B0604020202020204" pitchFamily="34" charset="0"/>
-                <a:cs typeface="Arial" panose="020B0604020202020204" pitchFamily="34" charset="0"/>
-              </a:rPr>
-              <a:t>(method="</a:t>
-            </a:r>
-            <a:r>
-              <a:rPr lang="en-US" sz="1200" dirty="0" err="1">
-                <a:latin typeface="Arial" panose="020B0604020202020204" pitchFamily="34" charset="0"/>
-                <a:cs typeface="Arial" panose="020B0604020202020204" pitchFamily="34" charset="0"/>
-              </a:rPr>
-              <a:t>lm</a:t>
-            </a:r>
-            <a:r>
-              <a:rPr lang="en-US" sz="1200" dirty="0">
-                <a:latin typeface="Arial" panose="020B0604020202020204" pitchFamily="34" charset="0"/>
-                <a:cs typeface="Arial" panose="020B0604020202020204" pitchFamily="34" charset="0"/>
-              </a:rPr>
-              <a:t>")</a:t>
-            </a:r>
-          </a:p>
-          <a:p>
-            <a:pPr marL="0" indent="0">
-              <a:buNone/>
-            </a:pPr>
-            <a:r>
-              <a:rPr lang="en-US" sz="1200" dirty="0">
-                <a:latin typeface="Arial" panose="020B0604020202020204" pitchFamily="34" charset="0"/>
-                <a:cs typeface="Arial" panose="020B0604020202020204" pitchFamily="34" charset="0"/>
-              </a:rPr>
-              <a:t>#+ ABV*Style</a:t>
-            </a:r>
-          </a:p>
-          <a:p>
-            <a:pPr marL="0" indent="0">
-              <a:buNone/>
-            </a:pPr>
-            <a:r>
-              <a:rPr lang="en-US" sz="1200" dirty="0">
-                <a:latin typeface="Arial" panose="020B0604020202020204" pitchFamily="34" charset="0"/>
-                <a:cs typeface="Arial" panose="020B0604020202020204" pitchFamily="34" charset="0"/>
-              </a:rPr>
-              <a:t>fit = </a:t>
-            </a:r>
-            <a:r>
-              <a:rPr lang="en-US" sz="1200" dirty="0" err="1">
-                <a:latin typeface="Arial" panose="020B0604020202020204" pitchFamily="34" charset="0"/>
-                <a:cs typeface="Arial" panose="020B0604020202020204" pitchFamily="34" charset="0"/>
-              </a:rPr>
-              <a:t>lm</a:t>
-            </a:r>
-            <a:r>
-              <a:rPr lang="en-US" sz="1200" dirty="0">
-                <a:latin typeface="Arial" panose="020B0604020202020204" pitchFamily="34" charset="0"/>
-                <a:cs typeface="Arial" panose="020B0604020202020204" pitchFamily="34" charset="0"/>
-              </a:rPr>
-              <a:t>(IBU~ABV, data = </a:t>
-            </a:r>
-            <a:r>
-              <a:rPr lang="en-US" sz="1200" dirty="0" err="1">
-                <a:latin typeface="Arial" panose="020B0604020202020204" pitchFamily="34" charset="0"/>
-                <a:cs typeface="Arial" panose="020B0604020202020204" pitchFamily="34" charset="0"/>
-              </a:rPr>
-              <a:t>nona</a:t>
-            </a:r>
-            <a:r>
-              <a:rPr lang="en-US" sz="1200" dirty="0">
-                <a:latin typeface="Arial" panose="020B0604020202020204" pitchFamily="34" charset="0"/>
-                <a:cs typeface="Arial" panose="020B0604020202020204" pitchFamily="34" charset="0"/>
-              </a:rPr>
-              <a:t>) </a:t>
-            </a:r>
-          </a:p>
-          <a:p>
-            <a:pPr marL="0" indent="0">
-              <a:buNone/>
-            </a:pPr>
-            <a:r>
-              <a:rPr lang="en-US" sz="1200" dirty="0">
-                <a:latin typeface="Arial" panose="020B0604020202020204" pitchFamily="34" charset="0"/>
-                <a:cs typeface="Arial" panose="020B0604020202020204" pitchFamily="34" charset="0"/>
-              </a:rPr>
-              <a:t>summary(fit)</a:t>
             </a:r>
           </a:p>
         </p:txBody>
@@ -11397,7 +8356,7 @@
 </p:sld>
 </file>
 
-<file path=ppt/slides/slide9.xml><?xml version="1.0" encoding="utf-8"?>
+<file path=ppt/slides/slide8.xml><?xml version="1.0" encoding="utf-8"?>
 <p:sld xmlns:a="http://schemas.openxmlformats.org/drawingml/2006/main" xmlns:r="http://schemas.openxmlformats.org/officeDocument/2006/relationships" xmlns:p="http://schemas.openxmlformats.org/presentationml/2006/main">
   <p:cSld>
     <p:spTree>
@@ -11464,7 +8423,7 @@
         </p:blipFill>
         <p:spPr>
           <a:xfrm>
-            <a:off x="5497287" y="2120556"/>
+            <a:off x="5736983" y="1930400"/>
             <a:ext cx="6272336" cy="3796632"/>
           </a:xfrm>
           <a:prstGeom prst="rect">
@@ -11474,10 +8433,10 @@
       </p:pic>
       <p:sp>
         <p:nvSpPr>
-          <p:cNvPr id="5" name="TextBox 4">
+          <p:cNvPr id="6" name="TextBox 5">
             <a:extLst>
               <a:ext uri="{FF2B5EF4-FFF2-40B4-BE49-F238E27FC236}">
-                <a16:creationId xmlns:a16="http://schemas.microsoft.com/office/drawing/2014/main" id="{51FBAA3F-B6F3-43CF-9FA8-88D9579EB06E}"/>
+                <a16:creationId xmlns:a16="http://schemas.microsoft.com/office/drawing/2014/main" id="{B3B5174C-868B-4D84-ADCE-AE2FA0BB292A}"/>
               </a:ext>
             </a:extLst>
           </p:cNvPr>
@@ -11486,8 +8445,8 @@
         </p:nvSpPr>
         <p:spPr>
           <a:xfrm>
-            <a:off x="641692" y="2120556"/>
-            <a:ext cx="4855594" cy="3416320"/>
+            <a:off x="677334" y="2092417"/>
+            <a:ext cx="4855594" cy="1754326"/>
           </a:xfrm>
           <a:prstGeom prst="rect">
             <a:avLst/>
@@ -11500,195 +8459,27 @@
           </a:bodyPr>
           <a:lstStyle/>
           <a:p>
-            <a:endParaRPr lang="en-US" sz="1200" dirty="0">
+            <a:r>
+              <a:rPr lang="en-US" dirty="0">
+                <a:latin typeface="Arial" panose="020B0604020202020204" pitchFamily="34" charset="0"/>
+                <a:cs typeface="Arial" panose="020B0604020202020204" pitchFamily="34" charset="0"/>
+              </a:rPr>
+              <a:t>Results form Linear Regression Test</a:t>
+            </a:r>
+          </a:p>
+          <a:p>
+            <a:endParaRPr lang="en-US" dirty="0">
               <a:latin typeface="Arial" panose="020B0604020202020204" pitchFamily="34" charset="0"/>
               <a:cs typeface="Arial" panose="020B0604020202020204" pitchFamily="34" charset="0"/>
             </a:endParaRPr>
           </a:p>
           <a:p>
             <a:r>
-              <a:rPr lang="en-US" sz="1200" dirty="0">
+              <a:rPr lang="en-US" dirty="0">
                 <a:latin typeface="Arial" panose="020B0604020202020204" pitchFamily="34" charset="0"/>
                 <a:cs typeface="Arial" panose="020B0604020202020204" pitchFamily="34" charset="0"/>
               </a:rPr>
-              <a:t>Call:</a:t>
-            </a:r>
-          </a:p>
-          <a:p>
-            <a:r>
-              <a:rPr lang="en-US" sz="1200" dirty="0" err="1">
-                <a:latin typeface="Arial" panose="020B0604020202020204" pitchFamily="34" charset="0"/>
-                <a:cs typeface="Arial" panose="020B0604020202020204" pitchFamily="34" charset="0"/>
-              </a:rPr>
-              <a:t>lm</a:t>
-            </a:r>
-            <a:r>
-              <a:rPr lang="en-US" sz="1200" dirty="0">
-                <a:latin typeface="Arial" panose="020B0604020202020204" pitchFamily="34" charset="0"/>
-                <a:cs typeface="Arial" panose="020B0604020202020204" pitchFamily="34" charset="0"/>
-              </a:rPr>
-              <a:t>(formula = IBU ~ ABV, data = </a:t>
-            </a:r>
-            <a:r>
-              <a:rPr lang="en-US" sz="1200" dirty="0" err="1">
-                <a:latin typeface="Arial" panose="020B0604020202020204" pitchFamily="34" charset="0"/>
-                <a:cs typeface="Arial" panose="020B0604020202020204" pitchFamily="34" charset="0"/>
-              </a:rPr>
-              <a:t>nona</a:t>
-            </a:r>
-            <a:r>
-              <a:rPr lang="en-US" sz="1200" dirty="0">
-                <a:latin typeface="Arial" panose="020B0604020202020204" pitchFamily="34" charset="0"/>
-                <a:cs typeface="Arial" panose="020B0604020202020204" pitchFamily="34" charset="0"/>
-              </a:rPr>
-              <a:t>)</a:t>
-            </a:r>
-          </a:p>
-          <a:p>
-            <a:endParaRPr lang="en-US" sz="1200" dirty="0">
-              <a:latin typeface="Arial" panose="020B0604020202020204" pitchFamily="34" charset="0"/>
-              <a:cs typeface="Arial" panose="020B0604020202020204" pitchFamily="34" charset="0"/>
-            </a:endParaRPr>
-          </a:p>
-          <a:p>
-            <a:r>
-              <a:rPr lang="en-US" sz="1200" dirty="0">
-                <a:latin typeface="Arial" panose="020B0604020202020204" pitchFamily="34" charset="0"/>
-                <a:cs typeface="Arial" panose="020B0604020202020204" pitchFamily="34" charset="0"/>
-              </a:rPr>
-              <a:t>Residuals:</a:t>
-            </a:r>
-          </a:p>
-          <a:p>
-            <a:r>
-              <a:rPr lang="en-US" sz="1200" dirty="0">
-                <a:latin typeface="Arial" panose="020B0604020202020204" pitchFamily="34" charset="0"/>
-                <a:cs typeface="Arial" panose="020B0604020202020204" pitchFamily="34" charset="0"/>
-              </a:rPr>
-              <a:t>    Min      1Q  Median      3Q     Max </a:t>
-            </a:r>
-          </a:p>
-          <a:p>
-            <a:r>
-              <a:rPr lang="en-US" sz="1200" dirty="0">
-                <a:latin typeface="Arial" panose="020B0604020202020204" pitchFamily="34" charset="0"/>
-                <a:cs typeface="Arial" panose="020B0604020202020204" pitchFamily="34" charset="0"/>
-              </a:rPr>
-              <a:t>-69.361 -20.887  -5.503  16.270 106.920 </a:t>
-            </a:r>
-          </a:p>
-          <a:p>
-            <a:endParaRPr lang="en-US" sz="1200" dirty="0">
-              <a:latin typeface="Arial" panose="020B0604020202020204" pitchFamily="34" charset="0"/>
-              <a:cs typeface="Arial" panose="020B0604020202020204" pitchFamily="34" charset="0"/>
-            </a:endParaRPr>
-          </a:p>
-          <a:p>
-            <a:r>
-              <a:rPr lang="en-US" sz="1200" dirty="0">
-                <a:latin typeface="Arial" panose="020B0604020202020204" pitchFamily="34" charset="0"/>
-                <a:cs typeface="Arial" panose="020B0604020202020204" pitchFamily="34" charset="0"/>
-              </a:rPr>
-              <a:t>Coefficients:</a:t>
-            </a:r>
-          </a:p>
-          <a:p>
-            <a:r>
-              <a:rPr lang="en-US" sz="1200" dirty="0">
-                <a:latin typeface="Arial" panose="020B0604020202020204" pitchFamily="34" charset="0"/>
-                <a:cs typeface="Arial" panose="020B0604020202020204" pitchFamily="34" charset="0"/>
-              </a:rPr>
-              <a:t>            Estimate Std. Error t value </a:t>
-            </a:r>
-            <a:r>
-              <a:rPr lang="en-US" sz="1200" dirty="0" err="1">
-                <a:latin typeface="Arial" panose="020B0604020202020204" pitchFamily="34" charset="0"/>
-                <a:cs typeface="Arial" panose="020B0604020202020204" pitchFamily="34" charset="0"/>
-              </a:rPr>
-              <a:t>Pr</a:t>
-            </a:r>
-            <a:r>
-              <a:rPr lang="en-US" sz="1200" dirty="0">
-                <a:latin typeface="Arial" panose="020B0604020202020204" pitchFamily="34" charset="0"/>
-                <a:cs typeface="Arial" panose="020B0604020202020204" pitchFamily="34" charset="0"/>
-              </a:rPr>
-              <a:t>(&gt;|t|)    </a:t>
-            </a:r>
-          </a:p>
-          <a:p>
-            <a:r>
-              <a:rPr lang="en-US" sz="1200" dirty="0">
-                <a:latin typeface="Arial" panose="020B0604020202020204" pitchFamily="34" charset="0"/>
-                <a:cs typeface="Arial" panose="020B0604020202020204" pitchFamily="34" charset="0"/>
-              </a:rPr>
-              <a:t>(Intercept)  -0.9706     2.4945  -0.389    0.697    </a:t>
-            </a:r>
-          </a:p>
-          <a:p>
-            <a:r>
-              <a:rPr lang="en-US" sz="1200" dirty="0">
-                <a:latin typeface="Arial" panose="020B0604020202020204" pitchFamily="34" charset="0"/>
-                <a:cs typeface="Arial" panose="020B0604020202020204" pitchFamily="34" charset="0"/>
-              </a:rPr>
-              <a:t>ABV         801.2621    40.8601  19.610   &lt;2e-16 ***</a:t>
-            </a:r>
-          </a:p>
-          <a:p>
-            <a:r>
-              <a:rPr lang="en-US" sz="1200" dirty="0">
-                <a:latin typeface="Arial" panose="020B0604020202020204" pitchFamily="34" charset="0"/>
-                <a:cs typeface="Arial" panose="020B0604020202020204" pitchFamily="34" charset="0"/>
-              </a:rPr>
-              <a:t>---</a:t>
-            </a:r>
-          </a:p>
-          <a:p>
-            <a:r>
-              <a:rPr lang="en-US" sz="1200" dirty="0" err="1">
-                <a:latin typeface="Arial" panose="020B0604020202020204" pitchFamily="34" charset="0"/>
-                <a:cs typeface="Arial" panose="020B0604020202020204" pitchFamily="34" charset="0"/>
-              </a:rPr>
-              <a:t>Signif</a:t>
-            </a:r>
-            <a:r>
-              <a:rPr lang="en-US" sz="1200" dirty="0">
-                <a:latin typeface="Arial" panose="020B0604020202020204" pitchFamily="34" charset="0"/>
-                <a:cs typeface="Arial" panose="020B0604020202020204" pitchFamily="34" charset="0"/>
-              </a:rPr>
-              <a:t>. codes:  0 ‘***’ 0.001 ‘**’ 0.01 ‘*’ 0.05 ‘.’ 0.1 ‘ ’ 1</a:t>
-            </a:r>
-          </a:p>
-          <a:p>
-            <a:endParaRPr lang="en-US" sz="1200" dirty="0">
-              <a:latin typeface="Arial" panose="020B0604020202020204" pitchFamily="34" charset="0"/>
-              <a:cs typeface="Arial" panose="020B0604020202020204" pitchFamily="34" charset="0"/>
-            </a:endParaRPr>
-          </a:p>
-          <a:p>
-            <a:r>
-              <a:rPr lang="en-US" sz="1200" dirty="0">
-                <a:latin typeface="Arial" panose="020B0604020202020204" pitchFamily="34" charset="0"/>
-                <a:cs typeface="Arial" panose="020B0604020202020204" pitchFamily="34" charset="0"/>
-              </a:rPr>
-              <a:t>Residual standard error: 28.86 on 2408 degrees of freedom</a:t>
-            </a:r>
-          </a:p>
-          <a:p>
-            <a:r>
-              <a:rPr lang="en-US" sz="1200" dirty="0">
-                <a:latin typeface="Arial" panose="020B0604020202020204" pitchFamily="34" charset="0"/>
-                <a:cs typeface="Arial" panose="020B0604020202020204" pitchFamily="34" charset="0"/>
-              </a:rPr>
-              <a:t>Multiple R-squared:  0.1377,	Adjusted R-squared:  0.1373 </a:t>
-            </a:r>
-          </a:p>
-          <a:p>
-            <a:r>
-              <a:rPr lang="en-US" sz="1200" dirty="0">
-                <a:latin typeface="Arial" panose="020B0604020202020204" pitchFamily="34" charset="0"/>
-                <a:cs typeface="Arial" panose="020B0604020202020204" pitchFamily="34" charset="0"/>
-              </a:rPr>
-              <a:t>F-statistic: 384.5 on 1 and 2408 DF,  p-value: &lt; 2.2e-16</a:t>
+              <a:t>Reject the Null hypothesis that there is a relationship between Alcohol by Volume and International Bitterness Units with a P-value significantly less than an alpha of .05.</a:t>
             </a:r>
           </a:p>
         </p:txBody>
@@ -11697,6 +8488,114 @@
     <p:extLst>
       <p:ext uri="{BB962C8B-B14F-4D97-AF65-F5344CB8AC3E}">
         <p14:creationId xmlns:p14="http://schemas.microsoft.com/office/powerpoint/2010/main" val="4059305275"/>
+      </p:ext>
+    </p:extLst>
+  </p:cSld>
+  <p:clrMapOvr>
+    <a:masterClrMapping/>
+  </p:clrMapOvr>
+</p:sld>
+</file>
+
+<file path=ppt/slides/slide9.xml><?xml version="1.0" encoding="utf-8"?>
+<p:sld xmlns:a="http://schemas.openxmlformats.org/drawingml/2006/main" xmlns:r="http://schemas.openxmlformats.org/officeDocument/2006/relationships" xmlns:p="http://schemas.openxmlformats.org/presentationml/2006/main">
+  <p:cSld>
+    <p:spTree>
+      <p:nvGrpSpPr>
+        <p:cNvPr id="1" name=""/>
+        <p:cNvGrpSpPr/>
+        <p:nvPr/>
+      </p:nvGrpSpPr>
+      <p:grpSpPr>
+        <a:xfrm>
+          <a:off x="0" y="0"/>
+          <a:ext cx="0" cy="0"/>
+          <a:chOff x="0" y="0"/>
+          <a:chExt cx="0" cy="0"/>
+        </a:xfrm>
+      </p:grpSpPr>
+      <p:sp>
+        <p:nvSpPr>
+          <p:cNvPr id="2" name="Title 1">
+            <a:extLst>
+              <a:ext uri="{FF2B5EF4-FFF2-40B4-BE49-F238E27FC236}">
+                <a16:creationId xmlns:a16="http://schemas.microsoft.com/office/drawing/2014/main" id="{D9D0F948-B4C6-422F-9E04-43BB3ED65E27}"/>
+              </a:ext>
+            </a:extLst>
+          </p:cNvPr>
+          <p:cNvSpPr>
+            <a:spLocks noGrp="1"/>
+          </p:cNvSpPr>
+          <p:nvPr>
+            <p:ph type="title"/>
+          </p:nvPr>
+        </p:nvSpPr>
+        <p:spPr/>
+        <p:txBody>
+          <a:bodyPr/>
+          <a:lstStyle/>
+          <a:p>
+            <a:r>
+              <a:rPr lang="en-US" dirty="0">
+                <a:latin typeface="Arial" panose="020B0604020202020204" pitchFamily="34" charset="0"/>
+                <a:cs typeface="Arial" panose="020B0604020202020204" pitchFamily="34" charset="0"/>
+              </a:rPr>
+              <a:t>Other Questions of Interest</a:t>
+            </a:r>
+          </a:p>
+        </p:txBody>
+      </p:sp>
+      <p:sp>
+        <p:nvSpPr>
+          <p:cNvPr id="3" name="Content Placeholder 2">
+            <a:extLst>
+              <a:ext uri="{FF2B5EF4-FFF2-40B4-BE49-F238E27FC236}">
+                <a16:creationId xmlns:a16="http://schemas.microsoft.com/office/drawing/2014/main" id="{874FE95F-C200-4854-9E29-A041DAEA740A}"/>
+              </a:ext>
+            </a:extLst>
+          </p:cNvPr>
+          <p:cNvSpPr>
+            <a:spLocks noGrp="1"/>
+          </p:cNvSpPr>
+          <p:nvPr>
+            <p:ph idx="1"/>
+          </p:nvPr>
+        </p:nvSpPr>
+        <p:spPr/>
+        <p:txBody>
+          <a:bodyPr/>
+          <a:lstStyle/>
+          <a:p>
+            <a:r>
+              <a:rPr lang="en-US" dirty="0"/>
+              <a:t>What is the most popular beer style per geographic region?</a:t>
+            </a:r>
+          </a:p>
+          <a:p>
+            <a:r>
+              <a:rPr lang="en-US" dirty="0"/>
+              <a:t>Is there a relationship between style of beer an regional population?</a:t>
+            </a:r>
+          </a:p>
+          <a:p>
+            <a:r>
+              <a:rPr lang="en-US" dirty="0"/>
+              <a:t>Is there an opportunity for investing in high IBU beer supplier in </a:t>
+            </a:r>
+            <a:r>
+              <a:rPr lang="en-US"/>
+              <a:t>the West?</a:t>
+            </a:r>
+          </a:p>
+          <a:p>
+            <a:endParaRPr lang="en-US" dirty="0"/>
+          </a:p>
+        </p:txBody>
+      </p:sp>
+    </p:spTree>
+    <p:extLst>
+      <p:ext uri="{BB962C8B-B14F-4D97-AF65-F5344CB8AC3E}">
+        <p14:creationId xmlns:p14="http://schemas.microsoft.com/office/powerpoint/2010/main" val="2389479798"/>
       </p:ext>
     </p:extLst>
   </p:cSld>

--- a/MalcolmCarlsonBeerDataEDA.DDS6306.pptx
+++ b/MalcolmCarlsonBeerDataEDA.DDS6306.pptx
@@ -5,19 +5,22 @@
     <p:sldMasterId id="2147483648" r:id="rId1"/>
   </p:sldMasterIdLst>
   <p:notesMasterIdLst>
-    <p:notesMasterId r:id="rId12"/>
+    <p:notesMasterId r:id="rId15"/>
   </p:notesMasterIdLst>
   <p:sldIdLst>
     <p:sldId id="256" r:id="rId2"/>
     <p:sldId id="257" r:id="rId3"/>
     <p:sldId id="259" r:id="rId4"/>
     <p:sldId id="260" r:id="rId5"/>
-    <p:sldId id="261" r:id="rId6"/>
-    <p:sldId id="262" r:id="rId7"/>
-    <p:sldId id="263" r:id="rId8"/>
-    <p:sldId id="264" r:id="rId9"/>
-    <p:sldId id="266" r:id="rId10"/>
-    <p:sldId id="265" r:id="rId11"/>
+    <p:sldId id="268" r:id="rId6"/>
+    <p:sldId id="261" r:id="rId7"/>
+    <p:sldId id="262" r:id="rId8"/>
+    <p:sldId id="269" r:id="rId9"/>
+    <p:sldId id="263" r:id="rId10"/>
+    <p:sldId id="264" r:id="rId11"/>
+    <p:sldId id="266" r:id="rId12"/>
+    <p:sldId id="265" r:id="rId13"/>
+    <p:sldId id="267" r:id="rId14"/>
   </p:sldIdLst>
   <p:sldSz cx="12192000" cy="6858000"/>
   <p:notesSz cx="6858000" cy="9144000"/>
@@ -6171,8 +6174,25 @@
                 <a:latin typeface="Arial" panose="020B0604020202020204" pitchFamily="34" charset="0"/>
                 <a:cs typeface="Arial" panose="020B0604020202020204" pitchFamily="34" charset="0"/>
               </a:rPr>
-              <a:t>Beer Case Study</a:t>
+              <a:t>Case Study 1</a:t>
             </a:r>
+            <a:br>
+              <a:rPr lang="en-US" dirty="0">
+                <a:latin typeface="Arial" panose="020B0604020202020204" pitchFamily="34" charset="0"/>
+                <a:cs typeface="Arial" panose="020B0604020202020204" pitchFamily="34" charset="0"/>
+              </a:rPr>
+            </a:br>
+            <a:r>
+              <a:rPr lang="en-US">
+                <a:latin typeface="Arial" panose="020B0604020202020204" pitchFamily="34" charset="0"/>
+                <a:cs typeface="Arial" panose="020B0604020202020204" pitchFamily="34" charset="0"/>
+              </a:rPr>
+              <a:t>US Craft Beer</a:t>
+            </a:r>
+            <a:endParaRPr lang="en-US" dirty="0">
+              <a:latin typeface="Arial" panose="020B0604020202020204" pitchFamily="34" charset="0"/>
+              <a:cs typeface="Arial" panose="020B0604020202020204" pitchFamily="34" charset="0"/>
+            </a:endParaRPr>
           </a:p>
         </p:txBody>
       </p:sp>
@@ -6251,6 +6271,255 @@
           <p:cNvPr id="2" name="Title 1">
             <a:extLst>
               <a:ext uri="{FF2B5EF4-FFF2-40B4-BE49-F238E27FC236}">
+                <a16:creationId xmlns:a16="http://schemas.microsoft.com/office/drawing/2014/main" id="{73F40B17-B4A1-4352-9413-B62CFC7787E1}"/>
+              </a:ext>
+            </a:extLst>
+          </p:cNvPr>
+          <p:cNvSpPr>
+            <a:spLocks noGrp="1"/>
+          </p:cNvSpPr>
+          <p:nvPr>
+            <p:ph type="title"/>
+          </p:nvPr>
+        </p:nvSpPr>
+        <p:spPr/>
+        <p:txBody>
+          <a:bodyPr/>
+          <a:lstStyle/>
+          <a:p>
+            <a:r>
+              <a:rPr lang="en-US" dirty="0"/>
+              <a:t>Linear Regression to test for Relationship</a:t>
+            </a:r>
+          </a:p>
+        </p:txBody>
+      </p:sp>
+      <p:pic>
+        <p:nvPicPr>
+          <p:cNvPr id="4" name="Picture 3">
+            <a:extLst>
+              <a:ext uri="{FF2B5EF4-FFF2-40B4-BE49-F238E27FC236}">
+                <a16:creationId xmlns:a16="http://schemas.microsoft.com/office/drawing/2014/main" id="{068800BD-CF6E-4613-AEF7-EB2A0B99D39A}"/>
+              </a:ext>
+            </a:extLst>
+          </p:cNvPr>
+          <p:cNvPicPr>
+            <a:picLocks noChangeAspect="1"/>
+          </p:cNvPicPr>
+          <p:nvPr/>
+        </p:nvPicPr>
+        <p:blipFill>
+          <a:blip r:embed="rId2"/>
+          <a:stretch>
+            <a:fillRect/>
+          </a:stretch>
+        </p:blipFill>
+        <p:spPr>
+          <a:xfrm>
+            <a:off x="5736983" y="1930400"/>
+            <a:ext cx="6272336" cy="3796632"/>
+          </a:xfrm>
+          <a:prstGeom prst="rect">
+            <a:avLst/>
+          </a:prstGeom>
+        </p:spPr>
+      </p:pic>
+      <p:sp>
+        <p:nvSpPr>
+          <p:cNvPr id="6" name="TextBox 5">
+            <a:extLst>
+              <a:ext uri="{FF2B5EF4-FFF2-40B4-BE49-F238E27FC236}">
+                <a16:creationId xmlns:a16="http://schemas.microsoft.com/office/drawing/2014/main" id="{B3B5174C-868B-4D84-ADCE-AE2FA0BB292A}"/>
+              </a:ext>
+            </a:extLst>
+          </p:cNvPr>
+          <p:cNvSpPr txBox="1"/>
+          <p:nvPr/>
+        </p:nvSpPr>
+        <p:spPr>
+          <a:xfrm>
+            <a:off x="677334" y="2092417"/>
+            <a:ext cx="4855594" cy="1754326"/>
+          </a:xfrm>
+          <a:prstGeom prst="rect">
+            <a:avLst/>
+          </a:prstGeom>
+          <a:noFill/>
+        </p:spPr>
+        <p:txBody>
+          <a:bodyPr wrap="square" rtlCol="0">
+            <a:spAutoFit/>
+          </a:bodyPr>
+          <a:lstStyle/>
+          <a:p>
+            <a:r>
+              <a:rPr lang="en-US" dirty="0">
+                <a:latin typeface="Arial" panose="020B0604020202020204" pitchFamily="34" charset="0"/>
+                <a:cs typeface="Arial" panose="020B0604020202020204" pitchFamily="34" charset="0"/>
+              </a:rPr>
+              <a:t>Results form Linear Regression Test</a:t>
+            </a:r>
+          </a:p>
+          <a:p>
+            <a:endParaRPr lang="en-US" dirty="0">
+              <a:latin typeface="Arial" panose="020B0604020202020204" pitchFamily="34" charset="0"/>
+              <a:cs typeface="Arial" panose="020B0604020202020204" pitchFamily="34" charset="0"/>
+            </a:endParaRPr>
+          </a:p>
+          <a:p>
+            <a:r>
+              <a:rPr lang="en-US" dirty="0">
+                <a:latin typeface="Arial" panose="020B0604020202020204" pitchFamily="34" charset="0"/>
+                <a:cs typeface="Arial" panose="020B0604020202020204" pitchFamily="34" charset="0"/>
+              </a:rPr>
+              <a:t>Reject the Null hypothesis that there is a relationship between Alcohol by Volume and International Bitterness Units with a P-value significantly less than an alpha of .05.</a:t>
+            </a:r>
+          </a:p>
+        </p:txBody>
+      </p:sp>
+    </p:spTree>
+    <p:extLst>
+      <p:ext uri="{BB962C8B-B14F-4D97-AF65-F5344CB8AC3E}">
+        <p14:creationId xmlns:p14="http://schemas.microsoft.com/office/powerpoint/2010/main" val="4059305275"/>
+      </p:ext>
+    </p:extLst>
+  </p:cSld>
+  <p:clrMapOvr>
+    <a:masterClrMapping/>
+  </p:clrMapOvr>
+</p:sld>
+</file>
+
+<file path=ppt/slides/slide11.xml><?xml version="1.0" encoding="utf-8"?>
+<p:sld xmlns:a="http://schemas.openxmlformats.org/drawingml/2006/main" xmlns:r="http://schemas.openxmlformats.org/officeDocument/2006/relationships" xmlns:p="http://schemas.openxmlformats.org/presentationml/2006/main">
+  <p:cSld>
+    <p:spTree>
+      <p:nvGrpSpPr>
+        <p:cNvPr id="1" name=""/>
+        <p:cNvGrpSpPr/>
+        <p:nvPr/>
+      </p:nvGrpSpPr>
+      <p:grpSpPr>
+        <a:xfrm>
+          <a:off x="0" y="0"/>
+          <a:ext cx="0" cy="0"/>
+          <a:chOff x="0" y="0"/>
+          <a:chExt cx="0" cy="0"/>
+        </a:xfrm>
+      </p:grpSpPr>
+      <p:sp>
+        <p:nvSpPr>
+          <p:cNvPr id="2" name="Title 1">
+            <a:extLst>
+              <a:ext uri="{FF2B5EF4-FFF2-40B4-BE49-F238E27FC236}">
+                <a16:creationId xmlns:a16="http://schemas.microsoft.com/office/drawing/2014/main" id="{D9D0F948-B4C6-422F-9E04-43BB3ED65E27}"/>
+              </a:ext>
+            </a:extLst>
+          </p:cNvPr>
+          <p:cNvSpPr>
+            <a:spLocks noGrp="1"/>
+          </p:cNvSpPr>
+          <p:nvPr>
+            <p:ph type="title"/>
+          </p:nvPr>
+        </p:nvSpPr>
+        <p:spPr/>
+        <p:txBody>
+          <a:bodyPr/>
+          <a:lstStyle/>
+          <a:p>
+            <a:r>
+              <a:rPr lang="en-US" dirty="0">
+                <a:latin typeface="Arial" panose="020B0604020202020204" pitchFamily="34" charset="0"/>
+                <a:cs typeface="Arial" panose="020B0604020202020204" pitchFamily="34" charset="0"/>
+              </a:rPr>
+              <a:t>Other Questions of Interest</a:t>
+            </a:r>
+          </a:p>
+        </p:txBody>
+      </p:sp>
+      <p:sp>
+        <p:nvSpPr>
+          <p:cNvPr id="3" name="Content Placeholder 2">
+            <a:extLst>
+              <a:ext uri="{FF2B5EF4-FFF2-40B4-BE49-F238E27FC236}">
+                <a16:creationId xmlns:a16="http://schemas.microsoft.com/office/drawing/2014/main" id="{874FE95F-C200-4854-9E29-A041DAEA740A}"/>
+              </a:ext>
+            </a:extLst>
+          </p:cNvPr>
+          <p:cNvSpPr>
+            <a:spLocks noGrp="1"/>
+          </p:cNvSpPr>
+          <p:nvPr>
+            <p:ph idx="1"/>
+          </p:nvPr>
+        </p:nvSpPr>
+        <p:spPr/>
+        <p:txBody>
+          <a:bodyPr/>
+          <a:lstStyle/>
+          <a:p>
+            <a:r>
+              <a:rPr lang="en-US" dirty="0"/>
+              <a:t>What is the most popular beer style per geographic region?</a:t>
+            </a:r>
+          </a:p>
+          <a:p>
+            <a:r>
+              <a:rPr lang="en-US" dirty="0"/>
+              <a:t>Is there a relationship between style of beer an regional population?</a:t>
+            </a:r>
+          </a:p>
+          <a:p>
+            <a:r>
+              <a:rPr lang="en-US" dirty="0"/>
+              <a:t>Is there an opportunity for investing in high IBU beer supplier in </a:t>
+            </a:r>
+            <a:r>
+              <a:rPr lang="en-US"/>
+              <a:t>the West?</a:t>
+            </a:r>
+          </a:p>
+          <a:p>
+            <a:endParaRPr lang="en-US" dirty="0"/>
+          </a:p>
+        </p:txBody>
+      </p:sp>
+    </p:spTree>
+    <p:extLst>
+      <p:ext uri="{BB962C8B-B14F-4D97-AF65-F5344CB8AC3E}">
+        <p14:creationId xmlns:p14="http://schemas.microsoft.com/office/powerpoint/2010/main" val="2389479798"/>
+      </p:ext>
+    </p:extLst>
+  </p:cSld>
+  <p:clrMapOvr>
+    <a:masterClrMapping/>
+  </p:clrMapOvr>
+</p:sld>
+</file>
+
+<file path=ppt/slides/slide12.xml><?xml version="1.0" encoding="utf-8"?>
+<p:sld xmlns:a="http://schemas.openxmlformats.org/drawingml/2006/main" xmlns:r="http://schemas.openxmlformats.org/officeDocument/2006/relationships" xmlns:p="http://schemas.openxmlformats.org/presentationml/2006/main">
+  <p:cSld>
+    <p:spTree>
+      <p:nvGrpSpPr>
+        <p:cNvPr id="1" name=""/>
+        <p:cNvGrpSpPr/>
+        <p:nvPr/>
+      </p:nvGrpSpPr>
+      <p:grpSpPr>
+        <a:xfrm>
+          <a:off x="0" y="0"/>
+          <a:ext cx="0" cy="0"/>
+          <a:chOff x="0" y="0"/>
+          <a:chExt cx="0" cy="0"/>
+        </a:xfrm>
+      </p:grpSpPr>
+      <p:sp>
+        <p:nvSpPr>
+          <p:cNvPr id="2" name="Title 1">
+            <a:extLst>
+              <a:ext uri="{FF2B5EF4-FFF2-40B4-BE49-F238E27FC236}">
                 <a16:creationId xmlns:a16="http://schemas.microsoft.com/office/drawing/2014/main" id="{F69C8142-A23F-4F98-A5BB-4318843625FA}"/>
               </a:ext>
             </a:extLst>
@@ -6303,6 +6572,89 @@
     <p:extLst>
       <p:ext uri="{BB962C8B-B14F-4D97-AF65-F5344CB8AC3E}">
         <p14:creationId xmlns:p14="http://schemas.microsoft.com/office/powerpoint/2010/main" val="2620854637"/>
+      </p:ext>
+    </p:extLst>
+  </p:cSld>
+  <p:clrMapOvr>
+    <a:masterClrMapping/>
+  </p:clrMapOvr>
+</p:sld>
+</file>
+
+<file path=ppt/slides/slide13.xml><?xml version="1.0" encoding="utf-8"?>
+<p:sld xmlns:a="http://schemas.openxmlformats.org/drawingml/2006/main" xmlns:r="http://schemas.openxmlformats.org/officeDocument/2006/relationships" xmlns:p="http://schemas.openxmlformats.org/presentationml/2006/main">
+  <p:cSld>
+    <p:spTree>
+      <p:nvGrpSpPr>
+        <p:cNvPr id="1" name=""/>
+        <p:cNvGrpSpPr/>
+        <p:nvPr/>
+      </p:nvGrpSpPr>
+      <p:grpSpPr>
+        <a:xfrm>
+          <a:off x="0" y="0"/>
+          <a:ext cx="0" cy="0"/>
+          <a:chOff x="0" y="0"/>
+          <a:chExt cx="0" cy="0"/>
+        </a:xfrm>
+      </p:grpSpPr>
+      <p:sp>
+        <p:nvSpPr>
+          <p:cNvPr id="2" name="Title 1">
+            <a:extLst>
+              <a:ext uri="{FF2B5EF4-FFF2-40B4-BE49-F238E27FC236}">
+                <a16:creationId xmlns:a16="http://schemas.microsoft.com/office/drawing/2014/main" id="{BA749432-A29A-4F12-8BE8-C8FBC3068259}"/>
+              </a:ext>
+            </a:extLst>
+          </p:cNvPr>
+          <p:cNvSpPr>
+            <a:spLocks noGrp="1"/>
+          </p:cNvSpPr>
+          <p:nvPr>
+            <p:ph type="title"/>
+          </p:nvPr>
+        </p:nvSpPr>
+        <p:spPr/>
+        <p:txBody>
+          <a:bodyPr/>
+          <a:lstStyle/>
+          <a:p>
+            <a:r>
+              <a:rPr lang="en-US" dirty="0"/>
+              <a:t>Feedback</a:t>
+            </a:r>
+          </a:p>
+        </p:txBody>
+      </p:sp>
+      <p:sp>
+        <p:nvSpPr>
+          <p:cNvPr id="3" name="Content Placeholder 2">
+            <a:extLst>
+              <a:ext uri="{FF2B5EF4-FFF2-40B4-BE49-F238E27FC236}">
+                <a16:creationId xmlns:a16="http://schemas.microsoft.com/office/drawing/2014/main" id="{C18616BF-1EE1-4D1D-B109-7232B6B652F3}"/>
+              </a:ext>
+            </a:extLst>
+          </p:cNvPr>
+          <p:cNvSpPr>
+            <a:spLocks noGrp="1"/>
+          </p:cNvSpPr>
+          <p:nvPr>
+            <p:ph idx="1"/>
+          </p:nvPr>
+        </p:nvSpPr>
+        <p:spPr/>
+        <p:txBody>
+          <a:bodyPr/>
+          <a:lstStyle/>
+          <a:p>
+            <a:endParaRPr lang="en-US" dirty="0"/>
+          </a:p>
+        </p:txBody>
+      </p:sp>
+    </p:spTree>
+    <p:extLst>
+      <p:ext uri="{BB962C8B-B14F-4D97-AF65-F5344CB8AC3E}">
+        <p14:creationId xmlns:p14="http://schemas.microsoft.com/office/powerpoint/2010/main" val="746624713"/>
       </p:ext>
     </p:extLst>
   </p:cSld>
@@ -6382,44 +6734,6466 @@
         </p:blipFill>
         <p:spPr>
           <a:xfrm>
-            <a:off x="1109206" y="1930399"/>
-            <a:ext cx="4082398" cy="2519423"/>
+            <a:off x="5388242" y="1930400"/>
+            <a:ext cx="4469485" cy="2758311"/>
           </a:xfrm>
           <a:prstGeom prst="rect">
             <a:avLst/>
           </a:prstGeom>
         </p:spPr>
       </p:pic>
-      <p:pic>
-        <p:nvPicPr>
-          <p:cNvPr id="6" name="Picture 5">
+      <p:graphicFrame>
+        <p:nvGraphicFramePr>
+          <p:cNvPr id="3" name="Table 2">
             <a:extLst>
               <a:ext uri="{FF2B5EF4-FFF2-40B4-BE49-F238E27FC236}">
-                <a16:creationId xmlns:a16="http://schemas.microsoft.com/office/drawing/2014/main" id="{0439F061-EFF0-46CA-B91E-788E9A452585}"/>
+                <a16:creationId xmlns:a16="http://schemas.microsoft.com/office/drawing/2014/main" id="{92378B3C-A873-45AB-90D3-F8CE794B58F7}"/>
               </a:ext>
             </a:extLst>
           </p:cNvPr>
-          <p:cNvPicPr>
-            <a:picLocks noChangeAspect="1"/>
-          </p:cNvPicPr>
-          <p:nvPr/>
-        </p:nvPicPr>
-        <p:blipFill>
-          <a:blip r:embed="rId3"/>
-          <a:stretch>
-            <a:fillRect/>
-          </a:stretch>
-        </p:blipFill>
-        <p:spPr>
-          <a:xfrm>
-            <a:off x="5892800" y="1930399"/>
-            <a:ext cx="4082398" cy="2519423"/>
-          </a:xfrm>
-          <a:prstGeom prst="rect">
-            <a:avLst/>
-          </a:prstGeom>
-        </p:spPr>
-      </p:pic>
+          <p:cNvGraphicFramePr>
+            <a:graphicFrameLocks noGrp="1"/>
+          </p:cNvGraphicFramePr>
+          <p:nvPr>
+            <p:extLst>
+              <p:ext uri="{D42A27DB-BD31-4B8C-83A1-F6EECF244321}">
+                <p14:modId xmlns:p14="http://schemas.microsoft.com/office/powerpoint/2010/main" val="2422140657"/>
+              </p:ext>
+            </p:extLst>
+          </p:nvPr>
+        </p:nvGraphicFramePr>
+        <p:xfrm>
+          <a:off x="941556" y="1930400"/>
+          <a:ext cx="3952884" cy="2899476"/>
+        </p:xfrm>
+        <a:graphic>
+          <a:graphicData uri="http://schemas.openxmlformats.org/drawingml/2006/table">
+            <a:tbl>
+              <a:tblPr/>
+              <a:tblGrid>
+                <a:gridCol w="460674">
+                  <a:extLst>
+                    <a:ext uri="{9D8B030D-6E8A-4147-A177-3AD203B41FA5}">
+                      <a16:colId xmlns:a16="http://schemas.microsoft.com/office/drawing/2014/main" val="3176456712"/>
+                    </a:ext>
+                  </a:extLst>
+                </a:gridCol>
+                <a:gridCol w="416093">
+                  <a:extLst>
+                    <a:ext uri="{9D8B030D-6E8A-4147-A177-3AD203B41FA5}">
+                      <a16:colId xmlns:a16="http://schemas.microsoft.com/office/drawing/2014/main" val="974884439"/>
+                    </a:ext>
+                  </a:extLst>
+                </a:gridCol>
+                <a:gridCol w="475535">
+                  <a:extLst>
+                    <a:ext uri="{9D8B030D-6E8A-4147-A177-3AD203B41FA5}">
+                      <a16:colId xmlns:a16="http://schemas.microsoft.com/office/drawing/2014/main" val="2897707145"/>
+                    </a:ext>
+                  </a:extLst>
+                </a:gridCol>
+                <a:gridCol w="312070">
+                  <a:extLst>
+                    <a:ext uri="{9D8B030D-6E8A-4147-A177-3AD203B41FA5}">
+                      <a16:colId xmlns:a16="http://schemas.microsoft.com/office/drawing/2014/main" val="4223699687"/>
+                    </a:ext>
+                  </a:extLst>
+                </a:gridCol>
+                <a:gridCol w="430954">
+                  <a:extLst>
+                    <a:ext uri="{9D8B030D-6E8A-4147-A177-3AD203B41FA5}">
+                      <a16:colId xmlns:a16="http://schemas.microsoft.com/office/drawing/2014/main" val="539320464"/>
+                    </a:ext>
+                  </a:extLst>
+                </a:gridCol>
+                <a:gridCol w="312070">
+                  <a:extLst>
+                    <a:ext uri="{9D8B030D-6E8A-4147-A177-3AD203B41FA5}">
+                      <a16:colId xmlns:a16="http://schemas.microsoft.com/office/drawing/2014/main" val="1903485265"/>
+                    </a:ext>
+                  </a:extLst>
+                </a:gridCol>
+                <a:gridCol w="460674">
+                  <a:extLst>
+                    <a:ext uri="{9D8B030D-6E8A-4147-A177-3AD203B41FA5}">
+                      <a16:colId xmlns:a16="http://schemas.microsoft.com/office/drawing/2014/main" val="843193713"/>
+                    </a:ext>
+                  </a:extLst>
+                </a:gridCol>
+                <a:gridCol w="312070">
+                  <a:extLst>
+                    <a:ext uri="{9D8B030D-6E8A-4147-A177-3AD203B41FA5}">
+                      <a16:colId xmlns:a16="http://schemas.microsoft.com/office/drawing/2014/main" val="1227244234"/>
+                    </a:ext>
+                  </a:extLst>
+                </a:gridCol>
+                <a:gridCol w="460674">
+                  <a:extLst>
+                    <a:ext uri="{9D8B030D-6E8A-4147-A177-3AD203B41FA5}">
+                      <a16:colId xmlns:a16="http://schemas.microsoft.com/office/drawing/2014/main" val="620892033"/>
+                    </a:ext>
+                  </a:extLst>
+                </a:gridCol>
+                <a:gridCol w="312070">
+                  <a:extLst>
+                    <a:ext uri="{9D8B030D-6E8A-4147-A177-3AD203B41FA5}">
+                      <a16:colId xmlns:a16="http://schemas.microsoft.com/office/drawing/2014/main" val="3871882472"/>
+                    </a:ext>
+                  </a:extLst>
+                </a:gridCol>
+              </a:tblGrid>
+              <a:tr h="238472">
+                <a:tc gridSpan="10">
+                  <a:txBody>
+                    <a:bodyPr/>
+                    <a:lstStyle/>
+                    <a:p>
+                      <a:pPr algn="ctr" fontAlgn="b"/>
+                      <a:r>
+                        <a:rPr lang="en-US" sz="1100" b="0" i="0" u="none" strike="noStrike">
+                          <a:solidFill>
+                            <a:srgbClr val="000000"/>
+                          </a:solidFill>
+                          <a:effectLst/>
+                          <a:latin typeface="Calibri" panose="020F0502020204030204" pitchFamily="34" charset="0"/>
+                        </a:rPr>
+                        <a:t>Brewries by State - Ascending Order</a:t>
+                      </a:r>
+                    </a:p>
+                  </a:txBody>
+                  <a:tcPr marL="6350" marR="6350" marT="6350" marB="0" anchor="b">
+                    <a:lnL w="6350" cap="flat" cmpd="sng" algn="ctr">
+                      <a:solidFill>
+                        <a:srgbClr val="000000"/>
+                      </a:solidFill>
+                      <a:prstDash val="solid"/>
+                      <a:round/>
+                      <a:headEnd type="none" w="med" len="med"/>
+                      <a:tailEnd type="none" w="med" len="med"/>
+                    </a:lnL>
+                    <a:lnR w="6350" cap="flat" cmpd="sng" algn="ctr">
+                      <a:solidFill>
+                        <a:srgbClr val="000000"/>
+                      </a:solidFill>
+                      <a:prstDash val="solid"/>
+                      <a:round/>
+                      <a:headEnd type="none" w="med" len="med"/>
+                      <a:tailEnd type="none" w="med" len="med"/>
+                    </a:lnR>
+                    <a:lnT w="6350" cap="flat" cmpd="sng" algn="ctr">
+                      <a:solidFill>
+                        <a:srgbClr val="000000"/>
+                      </a:solidFill>
+                      <a:prstDash val="solid"/>
+                      <a:round/>
+                      <a:headEnd type="none" w="med" len="med"/>
+                      <a:tailEnd type="none" w="med" len="med"/>
+                    </a:lnT>
+                    <a:lnB w="6350" cap="flat" cmpd="sng" algn="ctr">
+                      <a:solidFill>
+                        <a:srgbClr val="000000"/>
+                      </a:solidFill>
+                      <a:prstDash val="solid"/>
+                      <a:round/>
+                      <a:headEnd type="none" w="med" len="med"/>
+                      <a:tailEnd type="none" w="med" len="med"/>
+                    </a:lnB>
+                    <a:solidFill>
+                      <a:srgbClr val="E7E6E6"/>
+                    </a:solidFill>
+                  </a:tcPr>
+                </a:tc>
+                <a:tc hMerge="1">
+                  <a:txBody>
+                    <a:bodyPr/>
+                    <a:lstStyle/>
+                    <a:p>
+                      <a:endParaRPr lang="en-US"/>
+                    </a:p>
+                  </a:txBody>
+                  <a:tcPr/>
+                </a:tc>
+                <a:tc hMerge="1">
+                  <a:txBody>
+                    <a:bodyPr/>
+                    <a:lstStyle/>
+                    <a:p>
+                      <a:endParaRPr lang="en-US"/>
+                    </a:p>
+                  </a:txBody>
+                  <a:tcPr/>
+                </a:tc>
+                <a:tc hMerge="1">
+                  <a:txBody>
+                    <a:bodyPr/>
+                    <a:lstStyle/>
+                    <a:p>
+                      <a:endParaRPr lang="en-US"/>
+                    </a:p>
+                  </a:txBody>
+                  <a:tcPr/>
+                </a:tc>
+                <a:tc hMerge="1">
+                  <a:txBody>
+                    <a:bodyPr/>
+                    <a:lstStyle/>
+                    <a:p>
+                      <a:endParaRPr lang="en-US"/>
+                    </a:p>
+                  </a:txBody>
+                  <a:tcPr/>
+                </a:tc>
+                <a:tc hMerge="1">
+                  <a:txBody>
+                    <a:bodyPr/>
+                    <a:lstStyle/>
+                    <a:p>
+                      <a:endParaRPr lang="en-US"/>
+                    </a:p>
+                  </a:txBody>
+                  <a:tcPr/>
+                </a:tc>
+                <a:tc hMerge="1">
+                  <a:txBody>
+                    <a:bodyPr/>
+                    <a:lstStyle/>
+                    <a:p>
+                      <a:endParaRPr lang="en-US"/>
+                    </a:p>
+                  </a:txBody>
+                  <a:tcPr/>
+                </a:tc>
+                <a:tc hMerge="1">
+                  <a:txBody>
+                    <a:bodyPr/>
+                    <a:lstStyle/>
+                    <a:p>
+                      <a:endParaRPr lang="en-US"/>
+                    </a:p>
+                  </a:txBody>
+                  <a:tcPr/>
+                </a:tc>
+                <a:tc hMerge="1">
+                  <a:txBody>
+                    <a:bodyPr/>
+                    <a:lstStyle/>
+                    <a:p>
+                      <a:endParaRPr lang="en-US"/>
+                    </a:p>
+                  </a:txBody>
+                  <a:tcPr/>
+                </a:tc>
+                <a:tc hMerge="1">
+                  <a:txBody>
+                    <a:bodyPr/>
+                    <a:lstStyle/>
+                    <a:p>
+                      <a:endParaRPr lang="en-US"/>
+                    </a:p>
+                  </a:txBody>
+                  <a:tcPr/>
+                </a:tc>
+                <a:extLst>
+                  <a:ext uri="{0D108BD9-81ED-4DB2-BD59-A6C34878D82A}">
+                    <a16:rowId xmlns:a16="http://schemas.microsoft.com/office/drawing/2014/main" val="2070439369"/>
+                  </a:ext>
+                </a:extLst>
+              </a:tr>
+              <a:tr h="238472">
+                <a:tc>
+                  <a:txBody>
+                    <a:bodyPr/>
+                    <a:lstStyle/>
+                    <a:p>
+                      <a:pPr algn="l" fontAlgn="b"/>
+                      <a:r>
+                        <a:rPr lang="en-US" sz="1100" b="0" i="0" u="none" strike="noStrike">
+                          <a:solidFill>
+                            <a:srgbClr val="000000"/>
+                          </a:solidFill>
+                          <a:effectLst/>
+                          <a:latin typeface="Calibri" panose="020F0502020204030204" pitchFamily="34" charset="0"/>
+                        </a:rPr>
+                        <a:t> CO</a:t>
+                      </a:r>
+                    </a:p>
+                  </a:txBody>
+                  <a:tcPr marL="6350" marR="6350" marT="6350" marB="0" anchor="b">
+                    <a:lnL w="6350" cap="flat" cmpd="sng" algn="ctr">
+                      <a:solidFill>
+                        <a:srgbClr val="000000"/>
+                      </a:solidFill>
+                      <a:prstDash val="solid"/>
+                      <a:round/>
+                      <a:headEnd type="none" w="med" len="med"/>
+                      <a:tailEnd type="none" w="med" len="med"/>
+                    </a:lnL>
+                    <a:lnR w="6350" cap="flat" cmpd="sng" algn="ctr">
+                      <a:solidFill>
+                        <a:srgbClr val="000000"/>
+                      </a:solidFill>
+                      <a:prstDash val="solid"/>
+                      <a:round/>
+                      <a:headEnd type="none" w="med" len="med"/>
+                      <a:tailEnd type="none" w="med" len="med"/>
+                    </a:lnR>
+                    <a:lnT w="6350" cap="flat" cmpd="sng" algn="ctr">
+                      <a:solidFill>
+                        <a:srgbClr val="000000"/>
+                      </a:solidFill>
+                      <a:prstDash val="solid"/>
+                      <a:round/>
+                      <a:headEnd type="none" w="med" len="med"/>
+                      <a:tailEnd type="none" w="med" len="med"/>
+                    </a:lnT>
+                    <a:lnB w="6350" cap="flat" cmpd="sng" algn="ctr">
+                      <a:solidFill>
+                        <a:srgbClr val="000000"/>
+                      </a:solidFill>
+                      <a:prstDash val="solid"/>
+                      <a:round/>
+                      <a:headEnd type="none" w="med" len="med"/>
+                      <a:tailEnd type="none" w="med" len="med"/>
+                    </a:lnB>
+                  </a:tcPr>
+                </a:tc>
+                <a:tc>
+                  <a:txBody>
+                    <a:bodyPr/>
+                    <a:lstStyle/>
+                    <a:p>
+                      <a:pPr algn="r" fontAlgn="b"/>
+                      <a:r>
+                        <a:rPr lang="en-US" sz="1100" b="0" i="0" u="none" strike="noStrike">
+                          <a:solidFill>
+                            <a:srgbClr val="000000"/>
+                          </a:solidFill>
+                          <a:effectLst/>
+                          <a:latin typeface="Calibri" panose="020F0502020204030204" pitchFamily="34" charset="0"/>
+                        </a:rPr>
+                        <a:t>265</a:t>
+                      </a:r>
+                    </a:p>
+                  </a:txBody>
+                  <a:tcPr marL="6350" marR="6350" marT="6350" marB="0" anchor="b">
+                    <a:lnL w="6350" cap="flat" cmpd="sng" algn="ctr">
+                      <a:solidFill>
+                        <a:srgbClr val="000000"/>
+                      </a:solidFill>
+                      <a:prstDash val="solid"/>
+                      <a:round/>
+                      <a:headEnd type="none" w="med" len="med"/>
+                      <a:tailEnd type="none" w="med" len="med"/>
+                    </a:lnL>
+                    <a:lnR w="6350" cap="flat" cmpd="sng" algn="ctr">
+                      <a:solidFill>
+                        <a:srgbClr val="000000"/>
+                      </a:solidFill>
+                      <a:prstDash val="solid"/>
+                      <a:round/>
+                      <a:headEnd type="none" w="med" len="med"/>
+                      <a:tailEnd type="none" w="med" len="med"/>
+                    </a:lnR>
+                    <a:lnT w="6350" cap="flat" cmpd="sng" algn="ctr">
+                      <a:solidFill>
+                        <a:srgbClr val="000000"/>
+                      </a:solidFill>
+                      <a:prstDash val="solid"/>
+                      <a:round/>
+                      <a:headEnd type="none" w="med" len="med"/>
+                      <a:tailEnd type="none" w="med" len="med"/>
+                    </a:lnT>
+                    <a:lnB w="6350" cap="flat" cmpd="sng" algn="ctr">
+                      <a:solidFill>
+                        <a:srgbClr val="000000"/>
+                      </a:solidFill>
+                      <a:prstDash val="solid"/>
+                      <a:round/>
+                      <a:headEnd type="none" w="med" len="med"/>
+                      <a:tailEnd type="none" w="med" len="med"/>
+                    </a:lnB>
+                  </a:tcPr>
+                </a:tc>
+                <a:tc>
+                  <a:txBody>
+                    <a:bodyPr/>
+                    <a:lstStyle/>
+                    <a:p>
+                      <a:pPr algn="l" fontAlgn="b"/>
+                      <a:r>
+                        <a:rPr lang="en-US" sz="1100" b="0" i="0" u="none" strike="noStrike">
+                          <a:solidFill>
+                            <a:srgbClr val="000000"/>
+                          </a:solidFill>
+                          <a:effectLst/>
+                          <a:latin typeface="Calibri" panose="020F0502020204030204" pitchFamily="34" charset="0"/>
+                        </a:rPr>
+                        <a:t> NY</a:t>
+                      </a:r>
+                    </a:p>
+                  </a:txBody>
+                  <a:tcPr marL="6350" marR="6350" marT="6350" marB="0" anchor="b">
+                    <a:lnL w="6350" cap="flat" cmpd="sng" algn="ctr">
+                      <a:solidFill>
+                        <a:srgbClr val="000000"/>
+                      </a:solidFill>
+                      <a:prstDash val="solid"/>
+                      <a:round/>
+                      <a:headEnd type="none" w="med" len="med"/>
+                      <a:tailEnd type="none" w="med" len="med"/>
+                    </a:lnL>
+                    <a:lnR w="6350" cap="flat" cmpd="sng" algn="ctr">
+                      <a:solidFill>
+                        <a:srgbClr val="000000"/>
+                      </a:solidFill>
+                      <a:prstDash val="solid"/>
+                      <a:round/>
+                      <a:headEnd type="none" w="med" len="med"/>
+                      <a:tailEnd type="none" w="med" len="med"/>
+                    </a:lnR>
+                    <a:lnT w="6350" cap="flat" cmpd="sng" algn="ctr">
+                      <a:solidFill>
+                        <a:srgbClr val="000000"/>
+                      </a:solidFill>
+                      <a:prstDash val="solid"/>
+                      <a:round/>
+                      <a:headEnd type="none" w="med" len="med"/>
+                      <a:tailEnd type="none" w="med" len="med"/>
+                    </a:lnT>
+                    <a:lnB w="6350" cap="flat" cmpd="sng" algn="ctr">
+                      <a:solidFill>
+                        <a:srgbClr val="000000"/>
+                      </a:solidFill>
+                      <a:prstDash val="solid"/>
+                      <a:round/>
+                      <a:headEnd type="none" w="med" len="med"/>
+                      <a:tailEnd type="none" w="med" len="med"/>
+                    </a:lnB>
+                  </a:tcPr>
+                </a:tc>
+                <a:tc>
+                  <a:txBody>
+                    <a:bodyPr/>
+                    <a:lstStyle/>
+                    <a:p>
+                      <a:pPr algn="r" fontAlgn="b"/>
+                      <a:r>
+                        <a:rPr lang="en-US" sz="1100" b="0" i="0" u="none" strike="noStrike">
+                          <a:solidFill>
+                            <a:srgbClr val="000000"/>
+                          </a:solidFill>
+                          <a:effectLst/>
+                          <a:latin typeface="Calibri" panose="020F0502020204030204" pitchFamily="34" charset="0"/>
+                        </a:rPr>
+                        <a:t>74</a:t>
+                      </a:r>
+                    </a:p>
+                  </a:txBody>
+                  <a:tcPr marL="6350" marR="6350" marT="6350" marB="0" anchor="b">
+                    <a:lnL w="6350" cap="flat" cmpd="sng" algn="ctr">
+                      <a:solidFill>
+                        <a:srgbClr val="000000"/>
+                      </a:solidFill>
+                      <a:prstDash val="solid"/>
+                      <a:round/>
+                      <a:headEnd type="none" w="med" len="med"/>
+                      <a:tailEnd type="none" w="med" len="med"/>
+                    </a:lnL>
+                    <a:lnR w="6350" cap="flat" cmpd="sng" algn="ctr">
+                      <a:solidFill>
+                        <a:srgbClr val="000000"/>
+                      </a:solidFill>
+                      <a:prstDash val="solid"/>
+                      <a:round/>
+                      <a:headEnd type="none" w="med" len="med"/>
+                      <a:tailEnd type="none" w="med" len="med"/>
+                    </a:lnR>
+                    <a:lnT w="6350" cap="flat" cmpd="sng" algn="ctr">
+                      <a:solidFill>
+                        <a:srgbClr val="000000"/>
+                      </a:solidFill>
+                      <a:prstDash val="solid"/>
+                      <a:round/>
+                      <a:headEnd type="none" w="med" len="med"/>
+                      <a:tailEnd type="none" w="med" len="med"/>
+                    </a:lnT>
+                    <a:lnB w="6350" cap="flat" cmpd="sng" algn="ctr">
+                      <a:solidFill>
+                        <a:srgbClr val="000000"/>
+                      </a:solidFill>
+                      <a:prstDash val="solid"/>
+                      <a:round/>
+                      <a:headEnd type="none" w="med" len="med"/>
+                      <a:tailEnd type="none" w="med" len="med"/>
+                    </a:lnB>
+                  </a:tcPr>
+                </a:tc>
+                <a:tc>
+                  <a:txBody>
+                    <a:bodyPr/>
+                    <a:lstStyle/>
+                    <a:p>
+                      <a:pPr algn="l" fontAlgn="b"/>
+                      <a:r>
+                        <a:rPr lang="en-US" sz="1100" b="0" i="0" u="none" strike="noStrike">
+                          <a:solidFill>
+                            <a:srgbClr val="000000"/>
+                          </a:solidFill>
+                          <a:effectLst/>
+                          <a:latin typeface="Calibri" panose="020F0502020204030204" pitchFamily="34" charset="0"/>
+                        </a:rPr>
+                        <a:t> IA</a:t>
+                      </a:r>
+                    </a:p>
+                  </a:txBody>
+                  <a:tcPr marL="6350" marR="6350" marT="6350" marB="0" anchor="b">
+                    <a:lnL w="6350" cap="flat" cmpd="sng" algn="ctr">
+                      <a:solidFill>
+                        <a:srgbClr val="000000"/>
+                      </a:solidFill>
+                      <a:prstDash val="solid"/>
+                      <a:round/>
+                      <a:headEnd type="none" w="med" len="med"/>
+                      <a:tailEnd type="none" w="med" len="med"/>
+                    </a:lnL>
+                    <a:lnR w="6350" cap="flat" cmpd="sng" algn="ctr">
+                      <a:solidFill>
+                        <a:srgbClr val="000000"/>
+                      </a:solidFill>
+                      <a:prstDash val="solid"/>
+                      <a:round/>
+                      <a:headEnd type="none" w="med" len="med"/>
+                      <a:tailEnd type="none" w="med" len="med"/>
+                    </a:lnR>
+                    <a:lnT w="6350" cap="flat" cmpd="sng" algn="ctr">
+                      <a:solidFill>
+                        <a:srgbClr val="000000"/>
+                      </a:solidFill>
+                      <a:prstDash val="solid"/>
+                      <a:round/>
+                      <a:headEnd type="none" w="med" len="med"/>
+                      <a:tailEnd type="none" w="med" len="med"/>
+                    </a:lnT>
+                    <a:lnB w="6350" cap="flat" cmpd="sng" algn="ctr">
+                      <a:solidFill>
+                        <a:srgbClr val="000000"/>
+                      </a:solidFill>
+                      <a:prstDash val="solid"/>
+                      <a:round/>
+                      <a:headEnd type="none" w="med" len="med"/>
+                      <a:tailEnd type="none" w="med" len="med"/>
+                    </a:lnB>
+                  </a:tcPr>
+                </a:tc>
+                <a:tc>
+                  <a:txBody>
+                    <a:bodyPr/>
+                    <a:lstStyle/>
+                    <a:p>
+                      <a:pPr algn="r" fontAlgn="b"/>
+                      <a:r>
+                        <a:rPr lang="en-US" sz="1100" b="0" i="0" u="none" strike="noStrike">
+                          <a:solidFill>
+                            <a:srgbClr val="000000"/>
+                          </a:solidFill>
+                          <a:effectLst/>
+                          <a:latin typeface="Calibri" panose="020F0502020204030204" pitchFamily="34" charset="0"/>
+                        </a:rPr>
+                        <a:t>30</a:t>
+                      </a:r>
+                    </a:p>
+                  </a:txBody>
+                  <a:tcPr marL="6350" marR="6350" marT="6350" marB="0" anchor="b">
+                    <a:lnL w="6350" cap="flat" cmpd="sng" algn="ctr">
+                      <a:solidFill>
+                        <a:srgbClr val="000000"/>
+                      </a:solidFill>
+                      <a:prstDash val="solid"/>
+                      <a:round/>
+                      <a:headEnd type="none" w="med" len="med"/>
+                      <a:tailEnd type="none" w="med" len="med"/>
+                    </a:lnL>
+                    <a:lnR w="6350" cap="flat" cmpd="sng" algn="ctr">
+                      <a:solidFill>
+                        <a:srgbClr val="000000"/>
+                      </a:solidFill>
+                      <a:prstDash val="solid"/>
+                      <a:round/>
+                      <a:headEnd type="none" w="med" len="med"/>
+                      <a:tailEnd type="none" w="med" len="med"/>
+                    </a:lnR>
+                    <a:lnT w="6350" cap="flat" cmpd="sng" algn="ctr">
+                      <a:solidFill>
+                        <a:srgbClr val="000000"/>
+                      </a:solidFill>
+                      <a:prstDash val="solid"/>
+                      <a:round/>
+                      <a:headEnd type="none" w="med" len="med"/>
+                      <a:tailEnd type="none" w="med" len="med"/>
+                    </a:lnT>
+                    <a:lnB w="6350" cap="flat" cmpd="sng" algn="ctr">
+                      <a:solidFill>
+                        <a:srgbClr val="000000"/>
+                      </a:solidFill>
+                      <a:prstDash val="solid"/>
+                      <a:round/>
+                      <a:headEnd type="none" w="med" len="med"/>
+                      <a:tailEnd type="none" w="med" len="med"/>
+                    </a:lnB>
+                  </a:tcPr>
+                </a:tc>
+                <a:tc>
+                  <a:txBody>
+                    <a:bodyPr/>
+                    <a:lstStyle/>
+                    <a:p>
+                      <a:pPr algn="l" fontAlgn="b"/>
+                      <a:r>
+                        <a:rPr lang="en-US" sz="1100" b="0" i="0" u="none" strike="noStrike">
+                          <a:solidFill>
+                            <a:srgbClr val="000000"/>
+                          </a:solidFill>
+                          <a:effectLst/>
+                          <a:latin typeface="Calibri" panose="020F0502020204030204" pitchFamily="34" charset="0"/>
+                        </a:rPr>
+                        <a:t> KS</a:t>
+                      </a:r>
+                    </a:p>
+                  </a:txBody>
+                  <a:tcPr marL="6350" marR="6350" marT="6350" marB="0" anchor="b">
+                    <a:lnL w="6350" cap="flat" cmpd="sng" algn="ctr">
+                      <a:solidFill>
+                        <a:srgbClr val="000000"/>
+                      </a:solidFill>
+                      <a:prstDash val="solid"/>
+                      <a:round/>
+                      <a:headEnd type="none" w="med" len="med"/>
+                      <a:tailEnd type="none" w="med" len="med"/>
+                    </a:lnL>
+                    <a:lnR w="6350" cap="flat" cmpd="sng" algn="ctr">
+                      <a:solidFill>
+                        <a:srgbClr val="000000"/>
+                      </a:solidFill>
+                      <a:prstDash val="solid"/>
+                      <a:round/>
+                      <a:headEnd type="none" w="med" len="med"/>
+                      <a:tailEnd type="none" w="med" len="med"/>
+                    </a:lnR>
+                    <a:lnT w="6350" cap="flat" cmpd="sng" algn="ctr">
+                      <a:solidFill>
+                        <a:srgbClr val="000000"/>
+                      </a:solidFill>
+                      <a:prstDash val="solid"/>
+                      <a:round/>
+                      <a:headEnd type="none" w="med" len="med"/>
+                      <a:tailEnd type="none" w="med" len="med"/>
+                    </a:lnT>
+                    <a:lnB w="6350" cap="flat" cmpd="sng" algn="ctr">
+                      <a:solidFill>
+                        <a:srgbClr val="000000"/>
+                      </a:solidFill>
+                      <a:prstDash val="solid"/>
+                      <a:round/>
+                      <a:headEnd type="none" w="med" len="med"/>
+                      <a:tailEnd type="none" w="med" len="med"/>
+                    </a:lnB>
+                  </a:tcPr>
+                </a:tc>
+                <a:tc>
+                  <a:txBody>
+                    <a:bodyPr/>
+                    <a:lstStyle/>
+                    <a:p>
+                      <a:pPr algn="r" fontAlgn="b"/>
+                      <a:r>
+                        <a:rPr lang="en-US" sz="1100" b="0" i="0" u="none" strike="noStrike">
+                          <a:solidFill>
+                            <a:srgbClr val="000000"/>
+                          </a:solidFill>
+                          <a:effectLst/>
+                          <a:latin typeface="Calibri" panose="020F0502020204030204" pitchFamily="34" charset="0"/>
+                        </a:rPr>
+                        <a:t>23</a:t>
+                      </a:r>
+                    </a:p>
+                  </a:txBody>
+                  <a:tcPr marL="6350" marR="6350" marT="6350" marB="0" anchor="b">
+                    <a:lnL w="6350" cap="flat" cmpd="sng" algn="ctr">
+                      <a:solidFill>
+                        <a:srgbClr val="000000"/>
+                      </a:solidFill>
+                      <a:prstDash val="solid"/>
+                      <a:round/>
+                      <a:headEnd type="none" w="med" len="med"/>
+                      <a:tailEnd type="none" w="med" len="med"/>
+                    </a:lnL>
+                    <a:lnR w="6350" cap="flat" cmpd="sng" algn="ctr">
+                      <a:solidFill>
+                        <a:srgbClr val="000000"/>
+                      </a:solidFill>
+                      <a:prstDash val="solid"/>
+                      <a:round/>
+                      <a:headEnd type="none" w="med" len="med"/>
+                      <a:tailEnd type="none" w="med" len="med"/>
+                    </a:lnR>
+                    <a:lnT w="6350" cap="flat" cmpd="sng" algn="ctr">
+                      <a:solidFill>
+                        <a:srgbClr val="000000"/>
+                      </a:solidFill>
+                      <a:prstDash val="solid"/>
+                      <a:round/>
+                      <a:headEnd type="none" w="med" len="med"/>
+                      <a:tailEnd type="none" w="med" len="med"/>
+                    </a:lnT>
+                    <a:lnB w="6350" cap="flat" cmpd="sng" algn="ctr">
+                      <a:solidFill>
+                        <a:srgbClr val="000000"/>
+                      </a:solidFill>
+                      <a:prstDash val="solid"/>
+                      <a:round/>
+                      <a:headEnd type="none" w="med" len="med"/>
+                      <a:tailEnd type="none" w="med" len="med"/>
+                    </a:lnB>
+                  </a:tcPr>
+                </a:tc>
+                <a:tc>
+                  <a:txBody>
+                    <a:bodyPr/>
+                    <a:lstStyle/>
+                    <a:p>
+                      <a:pPr algn="l" fontAlgn="b"/>
+                      <a:r>
+                        <a:rPr lang="en-US" sz="1100" b="0" i="0" u="none" strike="noStrike">
+                          <a:solidFill>
+                            <a:srgbClr val="000000"/>
+                          </a:solidFill>
+                          <a:effectLst/>
+                          <a:latin typeface="Calibri" panose="020F0502020204030204" pitchFamily="34" charset="0"/>
+                        </a:rPr>
+                        <a:t> NV</a:t>
+                      </a:r>
+                    </a:p>
+                  </a:txBody>
+                  <a:tcPr marL="6350" marR="6350" marT="6350" marB="0" anchor="b">
+                    <a:lnL w="6350" cap="flat" cmpd="sng" algn="ctr">
+                      <a:solidFill>
+                        <a:srgbClr val="000000"/>
+                      </a:solidFill>
+                      <a:prstDash val="solid"/>
+                      <a:round/>
+                      <a:headEnd type="none" w="med" len="med"/>
+                      <a:tailEnd type="none" w="med" len="med"/>
+                    </a:lnL>
+                    <a:lnR w="6350" cap="flat" cmpd="sng" algn="ctr">
+                      <a:solidFill>
+                        <a:srgbClr val="000000"/>
+                      </a:solidFill>
+                      <a:prstDash val="solid"/>
+                      <a:round/>
+                      <a:headEnd type="none" w="med" len="med"/>
+                      <a:tailEnd type="none" w="med" len="med"/>
+                    </a:lnR>
+                    <a:lnT w="6350" cap="flat" cmpd="sng" algn="ctr">
+                      <a:solidFill>
+                        <a:srgbClr val="000000"/>
+                      </a:solidFill>
+                      <a:prstDash val="solid"/>
+                      <a:round/>
+                      <a:headEnd type="none" w="med" len="med"/>
+                      <a:tailEnd type="none" w="med" len="med"/>
+                    </a:lnT>
+                    <a:lnB w="6350" cap="flat" cmpd="sng" algn="ctr">
+                      <a:solidFill>
+                        <a:srgbClr val="000000"/>
+                      </a:solidFill>
+                      <a:prstDash val="solid"/>
+                      <a:round/>
+                      <a:headEnd type="none" w="med" len="med"/>
+                      <a:tailEnd type="none" w="med" len="med"/>
+                    </a:lnB>
+                  </a:tcPr>
+                </a:tc>
+                <a:tc>
+                  <a:txBody>
+                    <a:bodyPr/>
+                    <a:lstStyle/>
+                    <a:p>
+                      <a:pPr algn="r" fontAlgn="b"/>
+                      <a:r>
+                        <a:rPr lang="en-US" sz="1100" b="0" i="0" u="none" strike="noStrike">
+                          <a:solidFill>
+                            <a:srgbClr val="000000"/>
+                          </a:solidFill>
+                          <a:effectLst/>
+                          <a:latin typeface="Calibri" panose="020F0502020204030204" pitchFamily="34" charset="0"/>
+                        </a:rPr>
+                        <a:t>11</a:t>
+                      </a:r>
+                    </a:p>
+                  </a:txBody>
+                  <a:tcPr marL="6350" marR="6350" marT="6350" marB="0" anchor="b">
+                    <a:lnL w="6350" cap="flat" cmpd="sng" algn="ctr">
+                      <a:solidFill>
+                        <a:srgbClr val="000000"/>
+                      </a:solidFill>
+                      <a:prstDash val="solid"/>
+                      <a:round/>
+                      <a:headEnd type="none" w="med" len="med"/>
+                      <a:tailEnd type="none" w="med" len="med"/>
+                    </a:lnL>
+                    <a:lnR w="6350" cap="flat" cmpd="sng" algn="ctr">
+                      <a:solidFill>
+                        <a:srgbClr val="000000"/>
+                      </a:solidFill>
+                      <a:prstDash val="solid"/>
+                      <a:round/>
+                      <a:headEnd type="none" w="med" len="med"/>
+                      <a:tailEnd type="none" w="med" len="med"/>
+                    </a:lnR>
+                    <a:lnT w="6350" cap="flat" cmpd="sng" algn="ctr">
+                      <a:solidFill>
+                        <a:srgbClr val="000000"/>
+                      </a:solidFill>
+                      <a:prstDash val="solid"/>
+                      <a:round/>
+                      <a:headEnd type="none" w="med" len="med"/>
+                      <a:tailEnd type="none" w="med" len="med"/>
+                    </a:lnT>
+                    <a:lnB w="6350" cap="flat" cmpd="sng" algn="ctr">
+                      <a:solidFill>
+                        <a:srgbClr val="000000"/>
+                      </a:solidFill>
+                      <a:prstDash val="solid"/>
+                      <a:round/>
+                      <a:headEnd type="none" w="med" len="med"/>
+                      <a:tailEnd type="none" w="med" len="med"/>
+                    </a:lnB>
+                  </a:tcPr>
+                </a:tc>
+                <a:extLst>
+                  <a:ext uri="{0D108BD9-81ED-4DB2-BD59-A6C34878D82A}">
+                    <a16:rowId xmlns:a16="http://schemas.microsoft.com/office/drawing/2014/main" val="76097343"/>
+                  </a:ext>
+                </a:extLst>
+              </a:tr>
+              <a:tr h="238472">
+                <a:tc>
+                  <a:txBody>
+                    <a:bodyPr/>
+                    <a:lstStyle/>
+                    <a:p>
+                      <a:pPr algn="l" fontAlgn="b"/>
+                      <a:r>
+                        <a:rPr lang="en-US" sz="1100" b="0" i="0" u="none" strike="noStrike">
+                          <a:solidFill>
+                            <a:srgbClr val="000000"/>
+                          </a:solidFill>
+                          <a:effectLst/>
+                          <a:latin typeface="Calibri" panose="020F0502020204030204" pitchFamily="34" charset="0"/>
+                        </a:rPr>
+                        <a:t> CA</a:t>
+                      </a:r>
+                    </a:p>
+                  </a:txBody>
+                  <a:tcPr marL="6350" marR="6350" marT="6350" marB="0" anchor="b">
+                    <a:lnL w="6350" cap="flat" cmpd="sng" algn="ctr">
+                      <a:solidFill>
+                        <a:srgbClr val="000000"/>
+                      </a:solidFill>
+                      <a:prstDash val="solid"/>
+                      <a:round/>
+                      <a:headEnd type="none" w="med" len="med"/>
+                      <a:tailEnd type="none" w="med" len="med"/>
+                    </a:lnL>
+                    <a:lnR w="6350" cap="flat" cmpd="sng" algn="ctr">
+                      <a:solidFill>
+                        <a:srgbClr val="000000"/>
+                      </a:solidFill>
+                      <a:prstDash val="solid"/>
+                      <a:round/>
+                      <a:headEnd type="none" w="med" len="med"/>
+                      <a:tailEnd type="none" w="med" len="med"/>
+                    </a:lnR>
+                    <a:lnT w="6350" cap="flat" cmpd="sng" algn="ctr">
+                      <a:solidFill>
+                        <a:srgbClr val="000000"/>
+                      </a:solidFill>
+                      <a:prstDash val="solid"/>
+                      <a:round/>
+                      <a:headEnd type="none" w="med" len="med"/>
+                      <a:tailEnd type="none" w="med" len="med"/>
+                    </a:lnT>
+                    <a:lnB w="6350" cap="flat" cmpd="sng" algn="ctr">
+                      <a:solidFill>
+                        <a:srgbClr val="000000"/>
+                      </a:solidFill>
+                      <a:prstDash val="solid"/>
+                      <a:round/>
+                      <a:headEnd type="none" w="med" len="med"/>
+                      <a:tailEnd type="none" w="med" len="med"/>
+                    </a:lnB>
+                  </a:tcPr>
+                </a:tc>
+                <a:tc>
+                  <a:txBody>
+                    <a:bodyPr/>
+                    <a:lstStyle/>
+                    <a:p>
+                      <a:pPr algn="r" fontAlgn="b"/>
+                      <a:r>
+                        <a:rPr lang="en-US" sz="1100" b="0" i="0" u="none" strike="noStrike">
+                          <a:solidFill>
+                            <a:srgbClr val="000000"/>
+                          </a:solidFill>
+                          <a:effectLst/>
+                          <a:latin typeface="Calibri" panose="020F0502020204030204" pitchFamily="34" charset="0"/>
+                        </a:rPr>
+                        <a:t>183</a:t>
+                      </a:r>
+                    </a:p>
+                  </a:txBody>
+                  <a:tcPr marL="6350" marR="6350" marT="6350" marB="0" anchor="b">
+                    <a:lnL w="6350" cap="flat" cmpd="sng" algn="ctr">
+                      <a:solidFill>
+                        <a:srgbClr val="000000"/>
+                      </a:solidFill>
+                      <a:prstDash val="solid"/>
+                      <a:round/>
+                      <a:headEnd type="none" w="med" len="med"/>
+                      <a:tailEnd type="none" w="med" len="med"/>
+                    </a:lnL>
+                    <a:lnR w="6350" cap="flat" cmpd="sng" algn="ctr">
+                      <a:solidFill>
+                        <a:srgbClr val="000000"/>
+                      </a:solidFill>
+                      <a:prstDash val="solid"/>
+                      <a:round/>
+                      <a:headEnd type="none" w="med" len="med"/>
+                      <a:tailEnd type="none" w="med" len="med"/>
+                    </a:lnR>
+                    <a:lnT w="6350" cap="flat" cmpd="sng" algn="ctr">
+                      <a:solidFill>
+                        <a:srgbClr val="000000"/>
+                      </a:solidFill>
+                      <a:prstDash val="solid"/>
+                      <a:round/>
+                      <a:headEnd type="none" w="med" len="med"/>
+                      <a:tailEnd type="none" w="med" len="med"/>
+                    </a:lnT>
+                    <a:lnB w="6350" cap="flat" cmpd="sng" algn="ctr">
+                      <a:solidFill>
+                        <a:srgbClr val="000000"/>
+                      </a:solidFill>
+                      <a:prstDash val="solid"/>
+                      <a:round/>
+                      <a:headEnd type="none" w="med" len="med"/>
+                      <a:tailEnd type="none" w="med" len="med"/>
+                    </a:lnB>
+                  </a:tcPr>
+                </a:tc>
+                <a:tc>
+                  <a:txBody>
+                    <a:bodyPr/>
+                    <a:lstStyle/>
+                    <a:p>
+                      <a:pPr algn="l" fontAlgn="b"/>
+                      <a:r>
+                        <a:rPr lang="en-US" sz="1100" b="0" i="0" u="none" strike="noStrike">
+                          <a:solidFill>
+                            <a:srgbClr val="000000"/>
+                          </a:solidFill>
+                          <a:effectLst/>
+                          <a:latin typeface="Calibri" panose="020F0502020204030204" pitchFamily="34" charset="0"/>
+                        </a:rPr>
+                        <a:t> WA</a:t>
+                      </a:r>
+                    </a:p>
+                  </a:txBody>
+                  <a:tcPr marL="6350" marR="6350" marT="6350" marB="0" anchor="b">
+                    <a:lnL w="6350" cap="flat" cmpd="sng" algn="ctr">
+                      <a:solidFill>
+                        <a:srgbClr val="000000"/>
+                      </a:solidFill>
+                      <a:prstDash val="solid"/>
+                      <a:round/>
+                      <a:headEnd type="none" w="med" len="med"/>
+                      <a:tailEnd type="none" w="med" len="med"/>
+                    </a:lnL>
+                    <a:lnR w="6350" cap="flat" cmpd="sng" algn="ctr">
+                      <a:solidFill>
+                        <a:srgbClr val="000000"/>
+                      </a:solidFill>
+                      <a:prstDash val="solid"/>
+                      <a:round/>
+                      <a:headEnd type="none" w="med" len="med"/>
+                      <a:tailEnd type="none" w="med" len="med"/>
+                    </a:lnR>
+                    <a:lnT w="6350" cap="flat" cmpd="sng" algn="ctr">
+                      <a:solidFill>
+                        <a:srgbClr val="000000"/>
+                      </a:solidFill>
+                      <a:prstDash val="solid"/>
+                      <a:round/>
+                      <a:headEnd type="none" w="med" len="med"/>
+                      <a:tailEnd type="none" w="med" len="med"/>
+                    </a:lnT>
+                    <a:lnB w="6350" cap="flat" cmpd="sng" algn="ctr">
+                      <a:solidFill>
+                        <a:srgbClr val="000000"/>
+                      </a:solidFill>
+                      <a:prstDash val="solid"/>
+                      <a:round/>
+                      <a:headEnd type="none" w="med" len="med"/>
+                      <a:tailEnd type="none" w="med" len="med"/>
+                    </a:lnB>
+                  </a:tcPr>
+                </a:tc>
+                <a:tc>
+                  <a:txBody>
+                    <a:bodyPr/>
+                    <a:lstStyle/>
+                    <a:p>
+                      <a:pPr algn="r" fontAlgn="b"/>
+                      <a:r>
+                        <a:rPr lang="en-US" sz="1100" b="0" i="0" u="none" strike="noStrike">
+                          <a:solidFill>
+                            <a:srgbClr val="000000"/>
+                          </a:solidFill>
+                          <a:effectLst/>
+                          <a:latin typeface="Calibri" panose="020F0502020204030204" pitchFamily="34" charset="0"/>
+                        </a:rPr>
+                        <a:t>68</a:t>
+                      </a:r>
+                    </a:p>
+                  </a:txBody>
+                  <a:tcPr marL="6350" marR="6350" marT="6350" marB="0" anchor="b">
+                    <a:lnL w="6350" cap="flat" cmpd="sng" algn="ctr">
+                      <a:solidFill>
+                        <a:srgbClr val="000000"/>
+                      </a:solidFill>
+                      <a:prstDash val="solid"/>
+                      <a:round/>
+                      <a:headEnd type="none" w="med" len="med"/>
+                      <a:tailEnd type="none" w="med" len="med"/>
+                    </a:lnL>
+                    <a:lnR w="6350" cap="flat" cmpd="sng" algn="ctr">
+                      <a:solidFill>
+                        <a:srgbClr val="000000"/>
+                      </a:solidFill>
+                      <a:prstDash val="solid"/>
+                      <a:round/>
+                      <a:headEnd type="none" w="med" len="med"/>
+                      <a:tailEnd type="none" w="med" len="med"/>
+                    </a:lnR>
+                    <a:lnT w="6350" cap="flat" cmpd="sng" algn="ctr">
+                      <a:solidFill>
+                        <a:srgbClr val="000000"/>
+                      </a:solidFill>
+                      <a:prstDash val="solid"/>
+                      <a:round/>
+                      <a:headEnd type="none" w="med" len="med"/>
+                      <a:tailEnd type="none" w="med" len="med"/>
+                    </a:lnT>
+                    <a:lnB w="6350" cap="flat" cmpd="sng" algn="ctr">
+                      <a:solidFill>
+                        <a:srgbClr val="000000"/>
+                      </a:solidFill>
+                      <a:prstDash val="solid"/>
+                      <a:round/>
+                      <a:headEnd type="none" w="med" len="med"/>
+                      <a:tailEnd type="none" w="med" len="med"/>
+                    </a:lnB>
+                  </a:tcPr>
+                </a:tc>
+                <a:tc>
+                  <a:txBody>
+                    <a:bodyPr/>
+                    <a:lstStyle/>
+                    <a:p>
+                      <a:pPr algn="l" fontAlgn="b"/>
+                      <a:r>
+                        <a:rPr lang="en-US" sz="1100" b="0" i="0" u="none" strike="noStrike">
+                          <a:solidFill>
+                            <a:srgbClr val="000000"/>
+                          </a:solidFill>
+                          <a:effectLst/>
+                          <a:latin typeface="Calibri" panose="020F0502020204030204" pitchFamily="34" charset="0"/>
+                        </a:rPr>
+                        <a:t> ID</a:t>
+                      </a:r>
+                    </a:p>
+                  </a:txBody>
+                  <a:tcPr marL="6350" marR="6350" marT="6350" marB="0" anchor="b">
+                    <a:lnL w="6350" cap="flat" cmpd="sng" algn="ctr">
+                      <a:solidFill>
+                        <a:srgbClr val="000000"/>
+                      </a:solidFill>
+                      <a:prstDash val="solid"/>
+                      <a:round/>
+                      <a:headEnd type="none" w="med" len="med"/>
+                      <a:tailEnd type="none" w="med" len="med"/>
+                    </a:lnL>
+                    <a:lnR w="6350" cap="flat" cmpd="sng" algn="ctr">
+                      <a:solidFill>
+                        <a:srgbClr val="000000"/>
+                      </a:solidFill>
+                      <a:prstDash val="solid"/>
+                      <a:round/>
+                      <a:headEnd type="none" w="med" len="med"/>
+                      <a:tailEnd type="none" w="med" len="med"/>
+                    </a:lnR>
+                    <a:lnT w="6350" cap="flat" cmpd="sng" algn="ctr">
+                      <a:solidFill>
+                        <a:srgbClr val="000000"/>
+                      </a:solidFill>
+                      <a:prstDash val="solid"/>
+                      <a:round/>
+                      <a:headEnd type="none" w="med" len="med"/>
+                      <a:tailEnd type="none" w="med" len="med"/>
+                    </a:lnT>
+                    <a:lnB w="6350" cap="flat" cmpd="sng" algn="ctr">
+                      <a:solidFill>
+                        <a:srgbClr val="000000"/>
+                      </a:solidFill>
+                      <a:prstDash val="solid"/>
+                      <a:round/>
+                      <a:headEnd type="none" w="med" len="med"/>
+                      <a:tailEnd type="none" w="med" len="med"/>
+                    </a:lnB>
+                  </a:tcPr>
+                </a:tc>
+                <a:tc>
+                  <a:txBody>
+                    <a:bodyPr/>
+                    <a:lstStyle/>
+                    <a:p>
+                      <a:pPr algn="r" fontAlgn="b"/>
+                      <a:r>
+                        <a:rPr lang="en-US" sz="1100" b="0" i="0" u="none" strike="noStrike">
+                          <a:solidFill>
+                            <a:srgbClr val="000000"/>
+                          </a:solidFill>
+                          <a:effectLst/>
+                          <a:latin typeface="Calibri" panose="020F0502020204030204" pitchFamily="34" charset="0"/>
+                        </a:rPr>
+                        <a:t>30</a:t>
+                      </a:r>
+                    </a:p>
+                  </a:txBody>
+                  <a:tcPr marL="6350" marR="6350" marT="6350" marB="0" anchor="b">
+                    <a:lnL w="6350" cap="flat" cmpd="sng" algn="ctr">
+                      <a:solidFill>
+                        <a:srgbClr val="000000"/>
+                      </a:solidFill>
+                      <a:prstDash val="solid"/>
+                      <a:round/>
+                      <a:headEnd type="none" w="med" len="med"/>
+                      <a:tailEnd type="none" w="med" len="med"/>
+                    </a:lnL>
+                    <a:lnR w="6350" cap="flat" cmpd="sng" algn="ctr">
+                      <a:solidFill>
+                        <a:srgbClr val="000000"/>
+                      </a:solidFill>
+                      <a:prstDash val="solid"/>
+                      <a:round/>
+                      <a:headEnd type="none" w="med" len="med"/>
+                      <a:tailEnd type="none" w="med" len="med"/>
+                    </a:lnR>
+                    <a:lnT w="6350" cap="flat" cmpd="sng" algn="ctr">
+                      <a:solidFill>
+                        <a:srgbClr val="000000"/>
+                      </a:solidFill>
+                      <a:prstDash val="solid"/>
+                      <a:round/>
+                      <a:headEnd type="none" w="med" len="med"/>
+                      <a:tailEnd type="none" w="med" len="med"/>
+                    </a:lnT>
+                    <a:lnB w="6350" cap="flat" cmpd="sng" algn="ctr">
+                      <a:solidFill>
+                        <a:srgbClr val="000000"/>
+                      </a:solidFill>
+                      <a:prstDash val="solid"/>
+                      <a:round/>
+                      <a:headEnd type="none" w="med" len="med"/>
+                      <a:tailEnd type="none" w="med" len="med"/>
+                    </a:lnB>
+                  </a:tcPr>
+                </a:tc>
+                <a:tc>
+                  <a:txBody>
+                    <a:bodyPr/>
+                    <a:lstStyle/>
+                    <a:p>
+                      <a:pPr algn="l" fontAlgn="b"/>
+                      <a:r>
+                        <a:rPr lang="en-US" sz="1100" b="0" i="0" u="none" strike="noStrike">
+                          <a:solidFill>
+                            <a:srgbClr val="000000"/>
+                          </a:solidFill>
+                          <a:effectLst/>
+                          <a:latin typeface="Calibri" panose="020F0502020204030204" pitchFamily="34" charset="0"/>
+                        </a:rPr>
+                        <a:t> KY</a:t>
+                      </a:r>
+                    </a:p>
+                  </a:txBody>
+                  <a:tcPr marL="6350" marR="6350" marT="6350" marB="0" anchor="b">
+                    <a:lnL w="6350" cap="flat" cmpd="sng" algn="ctr">
+                      <a:solidFill>
+                        <a:srgbClr val="000000"/>
+                      </a:solidFill>
+                      <a:prstDash val="solid"/>
+                      <a:round/>
+                      <a:headEnd type="none" w="med" len="med"/>
+                      <a:tailEnd type="none" w="med" len="med"/>
+                    </a:lnL>
+                    <a:lnR w="6350" cap="flat" cmpd="sng" algn="ctr">
+                      <a:solidFill>
+                        <a:srgbClr val="000000"/>
+                      </a:solidFill>
+                      <a:prstDash val="solid"/>
+                      <a:round/>
+                      <a:headEnd type="none" w="med" len="med"/>
+                      <a:tailEnd type="none" w="med" len="med"/>
+                    </a:lnR>
+                    <a:lnT w="6350" cap="flat" cmpd="sng" algn="ctr">
+                      <a:solidFill>
+                        <a:srgbClr val="000000"/>
+                      </a:solidFill>
+                      <a:prstDash val="solid"/>
+                      <a:round/>
+                      <a:headEnd type="none" w="med" len="med"/>
+                      <a:tailEnd type="none" w="med" len="med"/>
+                    </a:lnT>
+                    <a:lnB w="6350" cap="flat" cmpd="sng" algn="ctr">
+                      <a:solidFill>
+                        <a:srgbClr val="000000"/>
+                      </a:solidFill>
+                      <a:prstDash val="solid"/>
+                      <a:round/>
+                      <a:headEnd type="none" w="med" len="med"/>
+                      <a:tailEnd type="none" w="med" len="med"/>
+                    </a:lnB>
+                  </a:tcPr>
+                </a:tc>
+                <a:tc>
+                  <a:txBody>
+                    <a:bodyPr/>
+                    <a:lstStyle/>
+                    <a:p>
+                      <a:pPr algn="r" fontAlgn="b"/>
+                      <a:r>
+                        <a:rPr lang="en-US" sz="1100" b="0" i="0" u="none" strike="noStrike">
+                          <a:solidFill>
+                            <a:srgbClr val="000000"/>
+                          </a:solidFill>
+                          <a:effectLst/>
+                          <a:latin typeface="Calibri" panose="020F0502020204030204" pitchFamily="34" charset="0"/>
+                        </a:rPr>
+                        <a:t>21</a:t>
+                      </a:r>
+                    </a:p>
+                  </a:txBody>
+                  <a:tcPr marL="6350" marR="6350" marT="6350" marB="0" anchor="b">
+                    <a:lnL w="6350" cap="flat" cmpd="sng" algn="ctr">
+                      <a:solidFill>
+                        <a:srgbClr val="000000"/>
+                      </a:solidFill>
+                      <a:prstDash val="solid"/>
+                      <a:round/>
+                      <a:headEnd type="none" w="med" len="med"/>
+                      <a:tailEnd type="none" w="med" len="med"/>
+                    </a:lnL>
+                    <a:lnR w="6350" cap="flat" cmpd="sng" algn="ctr">
+                      <a:solidFill>
+                        <a:srgbClr val="000000"/>
+                      </a:solidFill>
+                      <a:prstDash val="solid"/>
+                      <a:round/>
+                      <a:headEnd type="none" w="med" len="med"/>
+                      <a:tailEnd type="none" w="med" len="med"/>
+                    </a:lnR>
+                    <a:lnT w="6350" cap="flat" cmpd="sng" algn="ctr">
+                      <a:solidFill>
+                        <a:srgbClr val="000000"/>
+                      </a:solidFill>
+                      <a:prstDash val="solid"/>
+                      <a:round/>
+                      <a:headEnd type="none" w="med" len="med"/>
+                      <a:tailEnd type="none" w="med" len="med"/>
+                    </a:lnT>
+                    <a:lnB w="6350" cap="flat" cmpd="sng" algn="ctr">
+                      <a:solidFill>
+                        <a:srgbClr val="000000"/>
+                      </a:solidFill>
+                      <a:prstDash val="solid"/>
+                      <a:round/>
+                      <a:headEnd type="none" w="med" len="med"/>
+                      <a:tailEnd type="none" w="med" len="med"/>
+                    </a:lnB>
+                  </a:tcPr>
+                </a:tc>
+                <a:tc>
+                  <a:txBody>
+                    <a:bodyPr/>
+                    <a:lstStyle/>
+                    <a:p>
+                      <a:pPr algn="l" fontAlgn="b"/>
+                      <a:r>
+                        <a:rPr lang="en-US" sz="1100" b="0" i="0" u="none" strike="noStrike">
+                          <a:solidFill>
+                            <a:srgbClr val="000000"/>
+                          </a:solidFill>
+                          <a:effectLst/>
+                          <a:latin typeface="Calibri" panose="020F0502020204030204" pitchFamily="34" charset="0"/>
+                        </a:rPr>
+                        <a:t> AL</a:t>
+                      </a:r>
+                    </a:p>
+                  </a:txBody>
+                  <a:tcPr marL="6350" marR="6350" marT="6350" marB="0" anchor="b">
+                    <a:lnL w="6350" cap="flat" cmpd="sng" algn="ctr">
+                      <a:solidFill>
+                        <a:srgbClr val="000000"/>
+                      </a:solidFill>
+                      <a:prstDash val="solid"/>
+                      <a:round/>
+                      <a:headEnd type="none" w="med" len="med"/>
+                      <a:tailEnd type="none" w="med" len="med"/>
+                    </a:lnL>
+                    <a:lnR w="6350" cap="flat" cmpd="sng" algn="ctr">
+                      <a:solidFill>
+                        <a:srgbClr val="000000"/>
+                      </a:solidFill>
+                      <a:prstDash val="solid"/>
+                      <a:round/>
+                      <a:headEnd type="none" w="med" len="med"/>
+                      <a:tailEnd type="none" w="med" len="med"/>
+                    </a:lnR>
+                    <a:lnT w="6350" cap="flat" cmpd="sng" algn="ctr">
+                      <a:solidFill>
+                        <a:srgbClr val="000000"/>
+                      </a:solidFill>
+                      <a:prstDash val="solid"/>
+                      <a:round/>
+                      <a:headEnd type="none" w="med" len="med"/>
+                      <a:tailEnd type="none" w="med" len="med"/>
+                    </a:lnT>
+                    <a:lnB w="6350" cap="flat" cmpd="sng" algn="ctr">
+                      <a:solidFill>
+                        <a:srgbClr val="000000"/>
+                      </a:solidFill>
+                      <a:prstDash val="solid"/>
+                      <a:round/>
+                      <a:headEnd type="none" w="med" len="med"/>
+                      <a:tailEnd type="none" w="med" len="med"/>
+                    </a:lnB>
+                  </a:tcPr>
+                </a:tc>
+                <a:tc>
+                  <a:txBody>
+                    <a:bodyPr/>
+                    <a:lstStyle/>
+                    <a:p>
+                      <a:pPr algn="r" fontAlgn="b"/>
+                      <a:r>
+                        <a:rPr lang="en-US" sz="1100" b="0" i="0" u="none" strike="noStrike">
+                          <a:solidFill>
+                            <a:srgbClr val="000000"/>
+                          </a:solidFill>
+                          <a:effectLst/>
+                          <a:latin typeface="Calibri" panose="020F0502020204030204" pitchFamily="34" charset="0"/>
+                        </a:rPr>
+                        <a:t>10</a:t>
+                      </a:r>
+                    </a:p>
+                  </a:txBody>
+                  <a:tcPr marL="6350" marR="6350" marT="6350" marB="0" anchor="b">
+                    <a:lnL w="6350" cap="flat" cmpd="sng" algn="ctr">
+                      <a:solidFill>
+                        <a:srgbClr val="000000"/>
+                      </a:solidFill>
+                      <a:prstDash val="solid"/>
+                      <a:round/>
+                      <a:headEnd type="none" w="med" len="med"/>
+                      <a:tailEnd type="none" w="med" len="med"/>
+                    </a:lnL>
+                    <a:lnR w="6350" cap="flat" cmpd="sng" algn="ctr">
+                      <a:solidFill>
+                        <a:srgbClr val="000000"/>
+                      </a:solidFill>
+                      <a:prstDash val="solid"/>
+                      <a:round/>
+                      <a:headEnd type="none" w="med" len="med"/>
+                      <a:tailEnd type="none" w="med" len="med"/>
+                    </a:lnR>
+                    <a:lnT w="6350" cap="flat" cmpd="sng" algn="ctr">
+                      <a:solidFill>
+                        <a:srgbClr val="000000"/>
+                      </a:solidFill>
+                      <a:prstDash val="solid"/>
+                      <a:round/>
+                      <a:headEnd type="none" w="med" len="med"/>
+                      <a:tailEnd type="none" w="med" len="med"/>
+                    </a:lnT>
+                    <a:lnB w="6350" cap="flat" cmpd="sng" algn="ctr">
+                      <a:solidFill>
+                        <a:srgbClr val="000000"/>
+                      </a:solidFill>
+                      <a:prstDash val="solid"/>
+                      <a:round/>
+                      <a:headEnd type="none" w="med" len="med"/>
+                      <a:tailEnd type="none" w="med" len="med"/>
+                    </a:lnB>
+                  </a:tcPr>
+                </a:tc>
+                <a:extLst>
+                  <a:ext uri="{0D108BD9-81ED-4DB2-BD59-A6C34878D82A}">
+                    <a16:rowId xmlns:a16="http://schemas.microsoft.com/office/drawing/2014/main" val="703269881"/>
+                  </a:ext>
+                </a:extLst>
+              </a:tr>
+              <a:tr h="238472">
+                <a:tc>
+                  <a:txBody>
+                    <a:bodyPr/>
+                    <a:lstStyle/>
+                    <a:p>
+                      <a:pPr algn="l" fontAlgn="b"/>
+                      <a:r>
+                        <a:rPr lang="en-US" sz="1100" b="0" i="0" u="none" strike="noStrike">
+                          <a:solidFill>
+                            <a:srgbClr val="000000"/>
+                          </a:solidFill>
+                          <a:effectLst/>
+                          <a:latin typeface="Calibri" panose="020F0502020204030204" pitchFamily="34" charset="0"/>
+                        </a:rPr>
+                        <a:t> MI</a:t>
+                      </a:r>
+                    </a:p>
+                  </a:txBody>
+                  <a:tcPr marL="6350" marR="6350" marT="6350" marB="0" anchor="b">
+                    <a:lnL w="6350" cap="flat" cmpd="sng" algn="ctr">
+                      <a:solidFill>
+                        <a:srgbClr val="000000"/>
+                      </a:solidFill>
+                      <a:prstDash val="solid"/>
+                      <a:round/>
+                      <a:headEnd type="none" w="med" len="med"/>
+                      <a:tailEnd type="none" w="med" len="med"/>
+                    </a:lnL>
+                    <a:lnR w="6350" cap="flat" cmpd="sng" algn="ctr">
+                      <a:solidFill>
+                        <a:srgbClr val="000000"/>
+                      </a:solidFill>
+                      <a:prstDash val="solid"/>
+                      <a:round/>
+                      <a:headEnd type="none" w="med" len="med"/>
+                      <a:tailEnd type="none" w="med" len="med"/>
+                    </a:lnR>
+                    <a:lnT w="6350" cap="flat" cmpd="sng" algn="ctr">
+                      <a:solidFill>
+                        <a:srgbClr val="000000"/>
+                      </a:solidFill>
+                      <a:prstDash val="solid"/>
+                      <a:round/>
+                      <a:headEnd type="none" w="med" len="med"/>
+                      <a:tailEnd type="none" w="med" len="med"/>
+                    </a:lnT>
+                    <a:lnB w="6350" cap="flat" cmpd="sng" algn="ctr">
+                      <a:solidFill>
+                        <a:srgbClr val="000000"/>
+                      </a:solidFill>
+                      <a:prstDash val="solid"/>
+                      <a:round/>
+                      <a:headEnd type="none" w="med" len="med"/>
+                      <a:tailEnd type="none" w="med" len="med"/>
+                    </a:lnB>
+                  </a:tcPr>
+                </a:tc>
+                <a:tc>
+                  <a:txBody>
+                    <a:bodyPr/>
+                    <a:lstStyle/>
+                    <a:p>
+                      <a:pPr algn="r" fontAlgn="b"/>
+                      <a:r>
+                        <a:rPr lang="en-US" sz="1100" b="0" i="0" u="none" strike="noStrike">
+                          <a:solidFill>
+                            <a:srgbClr val="000000"/>
+                          </a:solidFill>
+                          <a:effectLst/>
+                          <a:latin typeface="Calibri" panose="020F0502020204030204" pitchFamily="34" charset="0"/>
+                        </a:rPr>
+                        <a:t>162</a:t>
+                      </a:r>
+                    </a:p>
+                  </a:txBody>
+                  <a:tcPr marL="6350" marR="6350" marT="6350" marB="0" anchor="b">
+                    <a:lnL w="6350" cap="flat" cmpd="sng" algn="ctr">
+                      <a:solidFill>
+                        <a:srgbClr val="000000"/>
+                      </a:solidFill>
+                      <a:prstDash val="solid"/>
+                      <a:round/>
+                      <a:headEnd type="none" w="med" len="med"/>
+                      <a:tailEnd type="none" w="med" len="med"/>
+                    </a:lnL>
+                    <a:lnR w="6350" cap="flat" cmpd="sng" algn="ctr">
+                      <a:solidFill>
+                        <a:srgbClr val="000000"/>
+                      </a:solidFill>
+                      <a:prstDash val="solid"/>
+                      <a:round/>
+                      <a:headEnd type="none" w="med" len="med"/>
+                      <a:tailEnd type="none" w="med" len="med"/>
+                    </a:lnR>
+                    <a:lnT w="6350" cap="flat" cmpd="sng" algn="ctr">
+                      <a:solidFill>
+                        <a:srgbClr val="000000"/>
+                      </a:solidFill>
+                      <a:prstDash val="solid"/>
+                      <a:round/>
+                      <a:headEnd type="none" w="med" len="med"/>
+                      <a:tailEnd type="none" w="med" len="med"/>
+                    </a:lnT>
+                    <a:lnB w="6350" cap="flat" cmpd="sng" algn="ctr">
+                      <a:solidFill>
+                        <a:srgbClr val="000000"/>
+                      </a:solidFill>
+                      <a:prstDash val="solid"/>
+                      <a:round/>
+                      <a:headEnd type="none" w="med" len="med"/>
+                      <a:tailEnd type="none" w="med" len="med"/>
+                    </a:lnB>
+                  </a:tcPr>
+                </a:tc>
+                <a:tc>
+                  <a:txBody>
+                    <a:bodyPr/>
+                    <a:lstStyle/>
+                    <a:p>
+                      <a:pPr algn="l" fontAlgn="b"/>
+                      <a:r>
+                        <a:rPr lang="en-US" sz="1100" b="0" i="0" u="none" strike="noStrike">
+                          <a:solidFill>
+                            <a:srgbClr val="000000"/>
+                          </a:solidFill>
+                          <a:effectLst/>
+                          <a:latin typeface="Calibri" panose="020F0502020204030204" pitchFamily="34" charset="0"/>
+                        </a:rPr>
+                        <a:t> NC</a:t>
+                      </a:r>
+                    </a:p>
+                  </a:txBody>
+                  <a:tcPr marL="6350" marR="6350" marT="6350" marB="0" anchor="b">
+                    <a:lnL w="6350" cap="flat" cmpd="sng" algn="ctr">
+                      <a:solidFill>
+                        <a:srgbClr val="000000"/>
+                      </a:solidFill>
+                      <a:prstDash val="solid"/>
+                      <a:round/>
+                      <a:headEnd type="none" w="med" len="med"/>
+                      <a:tailEnd type="none" w="med" len="med"/>
+                    </a:lnL>
+                    <a:lnR w="6350" cap="flat" cmpd="sng" algn="ctr">
+                      <a:solidFill>
+                        <a:srgbClr val="000000"/>
+                      </a:solidFill>
+                      <a:prstDash val="solid"/>
+                      <a:round/>
+                      <a:headEnd type="none" w="med" len="med"/>
+                      <a:tailEnd type="none" w="med" len="med"/>
+                    </a:lnR>
+                    <a:lnT w="6350" cap="flat" cmpd="sng" algn="ctr">
+                      <a:solidFill>
+                        <a:srgbClr val="000000"/>
+                      </a:solidFill>
+                      <a:prstDash val="solid"/>
+                      <a:round/>
+                      <a:headEnd type="none" w="med" len="med"/>
+                      <a:tailEnd type="none" w="med" len="med"/>
+                    </a:lnT>
+                    <a:lnB w="6350" cap="flat" cmpd="sng" algn="ctr">
+                      <a:solidFill>
+                        <a:srgbClr val="000000"/>
+                      </a:solidFill>
+                      <a:prstDash val="solid"/>
+                      <a:round/>
+                      <a:headEnd type="none" w="med" len="med"/>
+                      <a:tailEnd type="none" w="med" len="med"/>
+                    </a:lnB>
+                  </a:tcPr>
+                </a:tc>
+                <a:tc>
+                  <a:txBody>
+                    <a:bodyPr/>
+                    <a:lstStyle/>
+                    <a:p>
+                      <a:pPr algn="r" fontAlgn="b"/>
+                      <a:r>
+                        <a:rPr lang="en-US" sz="1100" b="0" i="0" u="none" strike="noStrike">
+                          <a:solidFill>
+                            <a:srgbClr val="000000"/>
+                          </a:solidFill>
+                          <a:effectLst/>
+                          <a:latin typeface="Calibri" panose="020F0502020204030204" pitchFamily="34" charset="0"/>
+                        </a:rPr>
+                        <a:t>59</a:t>
+                      </a:r>
+                    </a:p>
+                  </a:txBody>
+                  <a:tcPr marL="6350" marR="6350" marT="6350" marB="0" anchor="b">
+                    <a:lnL w="6350" cap="flat" cmpd="sng" algn="ctr">
+                      <a:solidFill>
+                        <a:srgbClr val="000000"/>
+                      </a:solidFill>
+                      <a:prstDash val="solid"/>
+                      <a:round/>
+                      <a:headEnd type="none" w="med" len="med"/>
+                      <a:tailEnd type="none" w="med" len="med"/>
+                    </a:lnL>
+                    <a:lnR w="6350" cap="flat" cmpd="sng" algn="ctr">
+                      <a:solidFill>
+                        <a:srgbClr val="000000"/>
+                      </a:solidFill>
+                      <a:prstDash val="solid"/>
+                      <a:round/>
+                      <a:headEnd type="none" w="med" len="med"/>
+                      <a:tailEnd type="none" w="med" len="med"/>
+                    </a:lnR>
+                    <a:lnT w="6350" cap="flat" cmpd="sng" algn="ctr">
+                      <a:solidFill>
+                        <a:srgbClr val="000000"/>
+                      </a:solidFill>
+                      <a:prstDash val="solid"/>
+                      <a:round/>
+                      <a:headEnd type="none" w="med" len="med"/>
+                      <a:tailEnd type="none" w="med" len="med"/>
+                    </a:lnT>
+                    <a:lnB w="6350" cap="flat" cmpd="sng" algn="ctr">
+                      <a:solidFill>
+                        <a:srgbClr val="000000"/>
+                      </a:solidFill>
+                      <a:prstDash val="solid"/>
+                      <a:round/>
+                      <a:headEnd type="none" w="med" len="med"/>
+                      <a:tailEnd type="none" w="med" len="med"/>
+                    </a:lnB>
+                  </a:tcPr>
+                </a:tc>
+                <a:tc>
+                  <a:txBody>
+                    <a:bodyPr/>
+                    <a:lstStyle/>
+                    <a:p>
+                      <a:pPr algn="l" fontAlgn="b"/>
+                      <a:r>
+                        <a:rPr lang="en-US" sz="1100" b="0" i="0" u="none" strike="noStrike">
+                          <a:solidFill>
+                            <a:srgbClr val="000000"/>
+                          </a:solidFill>
+                          <a:effectLst/>
+                          <a:latin typeface="Calibri" panose="020F0502020204030204" pitchFamily="34" charset="0"/>
+                        </a:rPr>
+                        <a:t> CT</a:t>
+                      </a:r>
+                    </a:p>
+                  </a:txBody>
+                  <a:tcPr marL="6350" marR="6350" marT="6350" marB="0" anchor="b">
+                    <a:lnL w="6350" cap="flat" cmpd="sng" algn="ctr">
+                      <a:solidFill>
+                        <a:srgbClr val="000000"/>
+                      </a:solidFill>
+                      <a:prstDash val="solid"/>
+                      <a:round/>
+                      <a:headEnd type="none" w="med" len="med"/>
+                      <a:tailEnd type="none" w="med" len="med"/>
+                    </a:lnL>
+                    <a:lnR w="6350" cap="flat" cmpd="sng" algn="ctr">
+                      <a:solidFill>
+                        <a:srgbClr val="000000"/>
+                      </a:solidFill>
+                      <a:prstDash val="solid"/>
+                      <a:round/>
+                      <a:headEnd type="none" w="med" len="med"/>
+                      <a:tailEnd type="none" w="med" len="med"/>
+                    </a:lnR>
+                    <a:lnT w="6350" cap="flat" cmpd="sng" algn="ctr">
+                      <a:solidFill>
+                        <a:srgbClr val="000000"/>
+                      </a:solidFill>
+                      <a:prstDash val="solid"/>
+                      <a:round/>
+                      <a:headEnd type="none" w="med" len="med"/>
+                      <a:tailEnd type="none" w="med" len="med"/>
+                    </a:lnT>
+                    <a:lnB w="6350" cap="flat" cmpd="sng" algn="ctr">
+                      <a:solidFill>
+                        <a:srgbClr val="000000"/>
+                      </a:solidFill>
+                      <a:prstDash val="solid"/>
+                      <a:round/>
+                      <a:headEnd type="none" w="med" len="med"/>
+                      <a:tailEnd type="none" w="med" len="med"/>
+                    </a:lnB>
+                  </a:tcPr>
+                </a:tc>
+                <a:tc>
+                  <a:txBody>
+                    <a:bodyPr/>
+                    <a:lstStyle/>
+                    <a:p>
+                      <a:pPr algn="r" fontAlgn="b"/>
+                      <a:r>
+                        <a:rPr lang="en-US" sz="1100" b="0" i="0" u="none" strike="noStrike">
+                          <a:solidFill>
+                            <a:srgbClr val="000000"/>
+                          </a:solidFill>
+                          <a:effectLst/>
+                          <a:latin typeface="Calibri" panose="020F0502020204030204" pitchFamily="34" charset="0"/>
+                        </a:rPr>
+                        <a:t>27</a:t>
+                      </a:r>
+                    </a:p>
+                  </a:txBody>
+                  <a:tcPr marL="6350" marR="6350" marT="6350" marB="0" anchor="b">
+                    <a:lnL w="6350" cap="flat" cmpd="sng" algn="ctr">
+                      <a:solidFill>
+                        <a:srgbClr val="000000"/>
+                      </a:solidFill>
+                      <a:prstDash val="solid"/>
+                      <a:round/>
+                      <a:headEnd type="none" w="med" len="med"/>
+                      <a:tailEnd type="none" w="med" len="med"/>
+                    </a:lnL>
+                    <a:lnR w="6350" cap="flat" cmpd="sng" algn="ctr">
+                      <a:solidFill>
+                        <a:srgbClr val="000000"/>
+                      </a:solidFill>
+                      <a:prstDash val="solid"/>
+                      <a:round/>
+                      <a:headEnd type="none" w="med" len="med"/>
+                      <a:tailEnd type="none" w="med" len="med"/>
+                    </a:lnR>
+                    <a:lnT w="6350" cap="flat" cmpd="sng" algn="ctr">
+                      <a:solidFill>
+                        <a:srgbClr val="000000"/>
+                      </a:solidFill>
+                      <a:prstDash val="solid"/>
+                      <a:round/>
+                      <a:headEnd type="none" w="med" len="med"/>
+                      <a:tailEnd type="none" w="med" len="med"/>
+                    </a:lnT>
+                    <a:lnB w="6350" cap="flat" cmpd="sng" algn="ctr">
+                      <a:solidFill>
+                        <a:srgbClr val="000000"/>
+                      </a:solidFill>
+                      <a:prstDash val="solid"/>
+                      <a:round/>
+                      <a:headEnd type="none" w="med" len="med"/>
+                      <a:tailEnd type="none" w="med" len="med"/>
+                    </a:lnB>
+                  </a:tcPr>
+                </a:tc>
+                <a:tc>
+                  <a:txBody>
+                    <a:bodyPr/>
+                    <a:lstStyle/>
+                    <a:p>
+                      <a:pPr algn="l" fontAlgn="b"/>
+                      <a:r>
+                        <a:rPr lang="en-US" sz="1100" b="0" i="0" u="none" strike="noStrike">
+                          <a:solidFill>
+                            <a:srgbClr val="000000"/>
+                          </a:solidFill>
+                          <a:effectLst/>
+                          <a:latin typeface="Calibri" panose="020F0502020204030204" pitchFamily="34" charset="0"/>
+                        </a:rPr>
+                        <a:t> MD</a:t>
+                      </a:r>
+                    </a:p>
+                  </a:txBody>
+                  <a:tcPr marL="6350" marR="6350" marT="6350" marB="0" anchor="b">
+                    <a:lnL w="6350" cap="flat" cmpd="sng" algn="ctr">
+                      <a:solidFill>
+                        <a:srgbClr val="000000"/>
+                      </a:solidFill>
+                      <a:prstDash val="solid"/>
+                      <a:round/>
+                      <a:headEnd type="none" w="med" len="med"/>
+                      <a:tailEnd type="none" w="med" len="med"/>
+                    </a:lnL>
+                    <a:lnR w="6350" cap="flat" cmpd="sng" algn="ctr">
+                      <a:solidFill>
+                        <a:srgbClr val="000000"/>
+                      </a:solidFill>
+                      <a:prstDash val="solid"/>
+                      <a:round/>
+                      <a:headEnd type="none" w="med" len="med"/>
+                      <a:tailEnd type="none" w="med" len="med"/>
+                    </a:lnR>
+                    <a:lnT w="6350" cap="flat" cmpd="sng" algn="ctr">
+                      <a:solidFill>
+                        <a:srgbClr val="000000"/>
+                      </a:solidFill>
+                      <a:prstDash val="solid"/>
+                      <a:round/>
+                      <a:headEnd type="none" w="med" len="med"/>
+                      <a:tailEnd type="none" w="med" len="med"/>
+                    </a:lnT>
+                    <a:lnB w="6350" cap="flat" cmpd="sng" algn="ctr">
+                      <a:solidFill>
+                        <a:srgbClr val="000000"/>
+                      </a:solidFill>
+                      <a:prstDash val="solid"/>
+                      <a:round/>
+                      <a:headEnd type="none" w="med" len="med"/>
+                      <a:tailEnd type="none" w="med" len="med"/>
+                    </a:lnB>
+                  </a:tcPr>
+                </a:tc>
+                <a:tc>
+                  <a:txBody>
+                    <a:bodyPr/>
+                    <a:lstStyle/>
+                    <a:p>
+                      <a:pPr algn="r" fontAlgn="b"/>
+                      <a:r>
+                        <a:rPr lang="en-US" sz="1100" b="0" i="0" u="none" strike="noStrike">
+                          <a:solidFill>
+                            <a:srgbClr val="000000"/>
+                          </a:solidFill>
+                          <a:effectLst/>
+                          <a:latin typeface="Calibri" panose="020F0502020204030204" pitchFamily="34" charset="0"/>
+                        </a:rPr>
+                        <a:t>21</a:t>
+                      </a:r>
+                    </a:p>
+                  </a:txBody>
+                  <a:tcPr marL="6350" marR="6350" marT="6350" marB="0" anchor="b">
+                    <a:lnL w="6350" cap="flat" cmpd="sng" algn="ctr">
+                      <a:solidFill>
+                        <a:srgbClr val="000000"/>
+                      </a:solidFill>
+                      <a:prstDash val="solid"/>
+                      <a:round/>
+                      <a:headEnd type="none" w="med" len="med"/>
+                      <a:tailEnd type="none" w="med" len="med"/>
+                    </a:lnL>
+                    <a:lnR w="6350" cap="flat" cmpd="sng" algn="ctr">
+                      <a:solidFill>
+                        <a:srgbClr val="000000"/>
+                      </a:solidFill>
+                      <a:prstDash val="solid"/>
+                      <a:round/>
+                      <a:headEnd type="none" w="med" len="med"/>
+                      <a:tailEnd type="none" w="med" len="med"/>
+                    </a:lnR>
+                    <a:lnT w="6350" cap="flat" cmpd="sng" algn="ctr">
+                      <a:solidFill>
+                        <a:srgbClr val="000000"/>
+                      </a:solidFill>
+                      <a:prstDash val="solid"/>
+                      <a:round/>
+                      <a:headEnd type="none" w="med" len="med"/>
+                      <a:tailEnd type="none" w="med" len="med"/>
+                    </a:lnT>
+                    <a:lnB w="6350" cap="flat" cmpd="sng" algn="ctr">
+                      <a:solidFill>
+                        <a:srgbClr val="000000"/>
+                      </a:solidFill>
+                      <a:prstDash val="solid"/>
+                      <a:round/>
+                      <a:headEnd type="none" w="med" len="med"/>
+                      <a:tailEnd type="none" w="med" len="med"/>
+                    </a:lnB>
+                  </a:tcPr>
+                </a:tc>
+                <a:tc>
+                  <a:txBody>
+                    <a:bodyPr/>
+                    <a:lstStyle/>
+                    <a:p>
+                      <a:pPr algn="l" fontAlgn="b"/>
+                      <a:r>
+                        <a:rPr lang="en-US" sz="1100" b="0" i="0" u="none" strike="noStrike">
+                          <a:solidFill>
+                            <a:srgbClr val="000000"/>
+                          </a:solidFill>
+                          <a:effectLst/>
+                          <a:latin typeface="Calibri" panose="020F0502020204030204" pitchFamily="34" charset="0"/>
+                        </a:rPr>
+                        <a:t> NH</a:t>
+                      </a:r>
+                    </a:p>
+                  </a:txBody>
+                  <a:tcPr marL="6350" marR="6350" marT="6350" marB="0" anchor="b">
+                    <a:lnL w="6350" cap="flat" cmpd="sng" algn="ctr">
+                      <a:solidFill>
+                        <a:srgbClr val="000000"/>
+                      </a:solidFill>
+                      <a:prstDash val="solid"/>
+                      <a:round/>
+                      <a:headEnd type="none" w="med" len="med"/>
+                      <a:tailEnd type="none" w="med" len="med"/>
+                    </a:lnL>
+                    <a:lnR w="6350" cap="flat" cmpd="sng" algn="ctr">
+                      <a:solidFill>
+                        <a:srgbClr val="000000"/>
+                      </a:solidFill>
+                      <a:prstDash val="solid"/>
+                      <a:round/>
+                      <a:headEnd type="none" w="med" len="med"/>
+                      <a:tailEnd type="none" w="med" len="med"/>
+                    </a:lnR>
+                    <a:lnT w="6350" cap="flat" cmpd="sng" algn="ctr">
+                      <a:solidFill>
+                        <a:srgbClr val="000000"/>
+                      </a:solidFill>
+                      <a:prstDash val="solid"/>
+                      <a:round/>
+                      <a:headEnd type="none" w="med" len="med"/>
+                      <a:tailEnd type="none" w="med" len="med"/>
+                    </a:lnT>
+                    <a:lnB w="6350" cap="flat" cmpd="sng" algn="ctr">
+                      <a:solidFill>
+                        <a:srgbClr val="000000"/>
+                      </a:solidFill>
+                      <a:prstDash val="solid"/>
+                      <a:round/>
+                      <a:headEnd type="none" w="med" len="med"/>
+                      <a:tailEnd type="none" w="med" len="med"/>
+                    </a:lnB>
+                  </a:tcPr>
+                </a:tc>
+                <a:tc>
+                  <a:txBody>
+                    <a:bodyPr/>
+                    <a:lstStyle/>
+                    <a:p>
+                      <a:pPr algn="r" fontAlgn="b"/>
+                      <a:r>
+                        <a:rPr lang="en-US" sz="1100" b="0" i="0" u="none" strike="noStrike">
+                          <a:solidFill>
+                            <a:srgbClr val="000000"/>
+                          </a:solidFill>
+                          <a:effectLst/>
+                          <a:latin typeface="Calibri" panose="020F0502020204030204" pitchFamily="34" charset="0"/>
+                        </a:rPr>
+                        <a:t>8</a:t>
+                      </a:r>
+                    </a:p>
+                  </a:txBody>
+                  <a:tcPr marL="6350" marR="6350" marT="6350" marB="0" anchor="b">
+                    <a:lnL w="6350" cap="flat" cmpd="sng" algn="ctr">
+                      <a:solidFill>
+                        <a:srgbClr val="000000"/>
+                      </a:solidFill>
+                      <a:prstDash val="solid"/>
+                      <a:round/>
+                      <a:headEnd type="none" w="med" len="med"/>
+                      <a:tailEnd type="none" w="med" len="med"/>
+                    </a:lnL>
+                    <a:lnR w="6350" cap="flat" cmpd="sng" algn="ctr">
+                      <a:solidFill>
+                        <a:srgbClr val="000000"/>
+                      </a:solidFill>
+                      <a:prstDash val="solid"/>
+                      <a:round/>
+                      <a:headEnd type="none" w="med" len="med"/>
+                      <a:tailEnd type="none" w="med" len="med"/>
+                    </a:lnR>
+                    <a:lnT w="6350" cap="flat" cmpd="sng" algn="ctr">
+                      <a:solidFill>
+                        <a:srgbClr val="000000"/>
+                      </a:solidFill>
+                      <a:prstDash val="solid"/>
+                      <a:round/>
+                      <a:headEnd type="none" w="med" len="med"/>
+                      <a:tailEnd type="none" w="med" len="med"/>
+                    </a:lnT>
+                    <a:lnB w="6350" cap="flat" cmpd="sng" algn="ctr">
+                      <a:solidFill>
+                        <a:srgbClr val="000000"/>
+                      </a:solidFill>
+                      <a:prstDash val="solid"/>
+                      <a:round/>
+                      <a:headEnd type="none" w="med" len="med"/>
+                      <a:tailEnd type="none" w="med" len="med"/>
+                    </a:lnB>
+                  </a:tcPr>
+                </a:tc>
+                <a:extLst>
+                  <a:ext uri="{0D108BD9-81ED-4DB2-BD59-A6C34878D82A}">
+                    <a16:rowId xmlns:a16="http://schemas.microsoft.com/office/drawing/2014/main" val="3045188786"/>
+                  </a:ext>
+                </a:extLst>
+              </a:tr>
+              <a:tr h="238472">
+                <a:tc>
+                  <a:txBody>
+                    <a:bodyPr/>
+                    <a:lstStyle/>
+                    <a:p>
+                      <a:pPr algn="l" fontAlgn="b"/>
+                      <a:r>
+                        <a:rPr lang="en-US" sz="1100" b="0" i="0" u="none" strike="noStrike">
+                          <a:solidFill>
+                            <a:srgbClr val="000000"/>
+                          </a:solidFill>
+                          <a:effectLst/>
+                          <a:latin typeface="Calibri" panose="020F0502020204030204" pitchFamily="34" charset="0"/>
+                        </a:rPr>
+                        <a:t> IN</a:t>
+                      </a:r>
+                    </a:p>
+                  </a:txBody>
+                  <a:tcPr marL="6350" marR="6350" marT="6350" marB="0" anchor="b">
+                    <a:lnL w="6350" cap="flat" cmpd="sng" algn="ctr">
+                      <a:solidFill>
+                        <a:srgbClr val="000000"/>
+                      </a:solidFill>
+                      <a:prstDash val="solid"/>
+                      <a:round/>
+                      <a:headEnd type="none" w="med" len="med"/>
+                      <a:tailEnd type="none" w="med" len="med"/>
+                    </a:lnL>
+                    <a:lnR w="6350" cap="flat" cmpd="sng" algn="ctr">
+                      <a:solidFill>
+                        <a:srgbClr val="000000"/>
+                      </a:solidFill>
+                      <a:prstDash val="solid"/>
+                      <a:round/>
+                      <a:headEnd type="none" w="med" len="med"/>
+                      <a:tailEnd type="none" w="med" len="med"/>
+                    </a:lnR>
+                    <a:lnT w="6350" cap="flat" cmpd="sng" algn="ctr">
+                      <a:solidFill>
+                        <a:srgbClr val="000000"/>
+                      </a:solidFill>
+                      <a:prstDash val="solid"/>
+                      <a:round/>
+                      <a:headEnd type="none" w="med" len="med"/>
+                      <a:tailEnd type="none" w="med" len="med"/>
+                    </a:lnT>
+                    <a:lnB w="6350" cap="flat" cmpd="sng" algn="ctr">
+                      <a:solidFill>
+                        <a:srgbClr val="000000"/>
+                      </a:solidFill>
+                      <a:prstDash val="solid"/>
+                      <a:round/>
+                      <a:headEnd type="none" w="med" len="med"/>
+                      <a:tailEnd type="none" w="med" len="med"/>
+                    </a:lnB>
+                  </a:tcPr>
+                </a:tc>
+                <a:tc>
+                  <a:txBody>
+                    <a:bodyPr/>
+                    <a:lstStyle/>
+                    <a:p>
+                      <a:pPr algn="r" fontAlgn="b"/>
+                      <a:r>
+                        <a:rPr lang="en-US" sz="1100" b="0" i="0" u="none" strike="noStrike">
+                          <a:solidFill>
+                            <a:srgbClr val="000000"/>
+                          </a:solidFill>
+                          <a:effectLst/>
+                          <a:latin typeface="Calibri" panose="020F0502020204030204" pitchFamily="34" charset="0"/>
+                        </a:rPr>
+                        <a:t>139</a:t>
+                      </a:r>
+                    </a:p>
+                  </a:txBody>
+                  <a:tcPr marL="6350" marR="6350" marT="6350" marB="0" anchor="b">
+                    <a:lnL w="6350" cap="flat" cmpd="sng" algn="ctr">
+                      <a:solidFill>
+                        <a:srgbClr val="000000"/>
+                      </a:solidFill>
+                      <a:prstDash val="solid"/>
+                      <a:round/>
+                      <a:headEnd type="none" w="med" len="med"/>
+                      <a:tailEnd type="none" w="med" len="med"/>
+                    </a:lnL>
+                    <a:lnR w="6350" cap="flat" cmpd="sng" algn="ctr">
+                      <a:solidFill>
+                        <a:srgbClr val="000000"/>
+                      </a:solidFill>
+                      <a:prstDash val="solid"/>
+                      <a:round/>
+                      <a:headEnd type="none" w="med" len="med"/>
+                      <a:tailEnd type="none" w="med" len="med"/>
+                    </a:lnR>
+                    <a:lnT w="6350" cap="flat" cmpd="sng" algn="ctr">
+                      <a:solidFill>
+                        <a:srgbClr val="000000"/>
+                      </a:solidFill>
+                      <a:prstDash val="solid"/>
+                      <a:round/>
+                      <a:headEnd type="none" w="med" len="med"/>
+                      <a:tailEnd type="none" w="med" len="med"/>
+                    </a:lnT>
+                    <a:lnB w="6350" cap="flat" cmpd="sng" algn="ctr">
+                      <a:solidFill>
+                        <a:srgbClr val="000000"/>
+                      </a:solidFill>
+                      <a:prstDash val="solid"/>
+                      <a:round/>
+                      <a:headEnd type="none" w="med" len="med"/>
+                      <a:tailEnd type="none" w="med" len="med"/>
+                    </a:lnB>
+                  </a:tcPr>
+                </a:tc>
+                <a:tc>
+                  <a:txBody>
+                    <a:bodyPr/>
+                    <a:lstStyle/>
+                    <a:p>
+                      <a:pPr algn="l" fontAlgn="b"/>
+                      <a:r>
+                        <a:rPr lang="en-US" sz="1100" b="0" i="0" u="none" strike="noStrike">
+                          <a:solidFill>
+                            <a:srgbClr val="000000"/>
+                          </a:solidFill>
+                          <a:effectLst/>
+                          <a:latin typeface="Calibri" panose="020F0502020204030204" pitchFamily="34" charset="0"/>
+                        </a:rPr>
+                        <a:t> FL</a:t>
+                      </a:r>
+                    </a:p>
+                  </a:txBody>
+                  <a:tcPr marL="6350" marR="6350" marT="6350" marB="0" anchor="b">
+                    <a:lnL w="6350" cap="flat" cmpd="sng" algn="ctr">
+                      <a:solidFill>
+                        <a:srgbClr val="000000"/>
+                      </a:solidFill>
+                      <a:prstDash val="solid"/>
+                      <a:round/>
+                      <a:headEnd type="none" w="med" len="med"/>
+                      <a:tailEnd type="none" w="med" len="med"/>
+                    </a:lnL>
+                    <a:lnR w="6350" cap="flat" cmpd="sng" algn="ctr">
+                      <a:solidFill>
+                        <a:srgbClr val="000000"/>
+                      </a:solidFill>
+                      <a:prstDash val="solid"/>
+                      <a:round/>
+                      <a:headEnd type="none" w="med" len="med"/>
+                      <a:tailEnd type="none" w="med" len="med"/>
+                    </a:lnR>
+                    <a:lnT w="6350" cap="flat" cmpd="sng" algn="ctr">
+                      <a:solidFill>
+                        <a:srgbClr val="000000"/>
+                      </a:solidFill>
+                      <a:prstDash val="solid"/>
+                      <a:round/>
+                      <a:headEnd type="none" w="med" len="med"/>
+                      <a:tailEnd type="none" w="med" len="med"/>
+                    </a:lnT>
+                    <a:lnB w="6350" cap="flat" cmpd="sng" algn="ctr">
+                      <a:solidFill>
+                        <a:srgbClr val="000000"/>
+                      </a:solidFill>
+                      <a:prstDash val="solid"/>
+                      <a:round/>
+                      <a:headEnd type="none" w="med" len="med"/>
+                      <a:tailEnd type="none" w="med" len="med"/>
+                    </a:lnB>
+                  </a:tcPr>
+                </a:tc>
+                <a:tc>
+                  <a:txBody>
+                    <a:bodyPr/>
+                    <a:lstStyle/>
+                    <a:p>
+                      <a:pPr algn="r" fontAlgn="b"/>
+                      <a:r>
+                        <a:rPr lang="en-US" sz="1100" b="0" i="0" u="none" strike="noStrike">
+                          <a:solidFill>
+                            <a:srgbClr val="000000"/>
+                          </a:solidFill>
+                          <a:effectLst/>
+                          <a:latin typeface="Calibri" panose="020F0502020204030204" pitchFamily="34" charset="0"/>
+                        </a:rPr>
+                        <a:t>58</a:t>
+                      </a:r>
+                    </a:p>
+                  </a:txBody>
+                  <a:tcPr marL="6350" marR="6350" marT="6350" marB="0" anchor="b">
+                    <a:lnL w="6350" cap="flat" cmpd="sng" algn="ctr">
+                      <a:solidFill>
+                        <a:srgbClr val="000000"/>
+                      </a:solidFill>
+                      <a:prstDash val="solid"/>
+                      <a:round/>
+                      <a:headEnd type="none" w="med" len="med"/>
+                      <a:tailEnd type="none" w="med" len="med"/>
+                    </a:lnL>
+                    <a:lnR w="6350" cap="flat" cmpd="sng" algn="ctr">
+                      <a:solidFill>
+                        <a:srgbClr val="000000"/>
+                      </a:solidFill>
+                      <a:prstDash val="solid"/>
+                      <a:round/>
+                      <a:headEnd type="none" w="med" len="med"/>
+                      <a:tailEnd type="none" w="med" len="med"/>
+                    </a:lnR>
+                    <a:lnT w="6350" cap="flat" cmpd="sng" algn="ctr">
+                      <a:solidFill>
+                        <a:srgbClr val="000000"/>
+                      </a:solidFill>
+                      <a:prstDash val="solid"/>
+                      <a:round/>
+                      <a:headEnd type="none" w="med" len="med"/>
+                      <a:tailEnd type="none" w="med" len="med"/>
+                    </a:lnT>
+                    <a:lnB w="6350" cap="flat" cmpd="sng" algn="ctr">
+                      <a:solidFill>
+                        <a:srgbClr val="000000"/>
+                      </a:solidFill>
+                      <a:prstDash val="solid"/>
+                      <a:round/>
+                      <a:headEnd type="none" w="med" len="med"/>
+                      <a:tailEnd type="none" w="med" len="med"/>
+                    </a:lnB>
+                  </a:tcPr>
+                </a:tc>
+                <a:tc>
+                  <a:txBody>
+                    <a:bodyPr/>
+                    <a:lstStyle/>
+                    <a:p>
+                      <a:pPr algn="l" fontAlgn="b"/>
+                      <a:r>
+                        <a:rPr lang="en-US" sz="1100" b="0" i="0" u="none" strike="noStrike">
+                          <a:solidFill>
+                            <a:srgbClr val="000000"/>
+                          </a:solidFill>
+                          <a:effectLst/>
+                          <a:latin typeface="Calibri" panose="020F0502020204030204" pitchFamily="34" charset="0"/>
+                        </a:rPr>
+                        <a:t> HI</a:t>
+                      </a:r>
+                    </a:p>
+                  </a:txBody>
+                  <a:tcPr marL="6350" marR="6350" marT="6350" marB="0" anchor="b">
+                    <a:lnL w="6350" cap="flat" cmpd="sng" algn="ctr">
+                      <a:solidFill>
+                        <a:srgbClr val="000000"/>
+                      </a:solidFill>
+                      <a:prstDash val="solid"/>
+                      <a:round/>
+                      <a:headEnd type="none" w="med" len="med"/>
+                      <a:tailEnd type="none" w="med" len="med"/>
+                    </a:lnL>
+                    <a:lnR w="6350" cap="flat" cmpd="sng" algn="ctr">
+                      <a:solidFill>
+                        <a:srgbClr val="000000"/>
+                      </a:solidFill>
+                      <a:prstDash val="solid"/>
+                      <a:round/>
+                      <a:headEnd type="none" w="med" len="med"/>
+                      <a:tailEnd type="none" w="med" len="med"/>
+                    </a:lnR>
+                    <a:lnT w="6350" cap="flat" cmpd="sng" algn="ctr">
+                      <a:solidFill>
+                        <a:srgbClr val="000000"/>
+                      </a:solidFill>
+                      <a:prstDash val="solid"/>
+                      <a:round/>
+                      <a:headEnd type="none" w="med" len="med"/>
+                      <a:tailEnd type="none" w="med" len="med"/>
+                    </a:lnT>
+                    <a:lnB w="6350" cap="flat" cmpd="sng" algn="ctr">
+                      <a:solidFill>
+                        <a:srgbClr val="000000"/>
+                      </a:solidFill>
+                      <a:prstDash val="solid"/>
+                      <a:round/>
+                      <a:headEnd type="none" w="med" len="med"/>
+                      <a:tailEnd type="none" w="med" len="med"/>
+                    </a:lnB>
+                  </a:tcPr>
+                </a:tc>
+                <a:tc>
+                  <a:txBody>
+                    <a:bodyPr/>
+                    <a:lstStyle/>
+                    <a:p>
+                      <a:pPr algn="r" fontAlgn="b"/>
+                      <a:r>
+                        <a:rPr lang="en-US" sz="1100" b="0" i="0" u="none" strike="noStrike">
+                          <a:solidFill>
+                            <a:srgbClr val="000000"/>
+                          </a:solidFill>
+                          <a:effectLst/>
+                          <a:latin typeface="Calibri" panose="020F0502020204030204" pitchFamily="34" charset="0"/>
+                        </a:rPr>
+                        <a:t>27</a:t>
+                      </a:r>
+                    </a:p>
+                  </a:txBody>
+                  <a:tcPr marL="6350" marR="6350" marT="6350" marB="0" anchor="b">
+                    <a:lnL w="6350" cap="flat" cmpd="sng" algn="ctr">
+                      <a:solidFill>
+                        <a:srgbClr val="000000"/>
+                      </a:solidFill>
+                      <a:prstDash val="solid"/>
+                      <a:round/>
+                      <a:headEnd type="none" w="med" len="med"/>
+                      <a:tailEnd type="none" w="med" len="med"/>
+                    </a:lnL>
+                    <a:lnR w="6350" cap="flat" cmpd="sng" algn="ctr">
+                      <a:solidFill>
+                        <a:srgbClr val="000000"/>
+                      </a:solidFill>
+                      <a:prstDash val="solid"/>
+                      <a:round/>
+                      <a:headEnd type="none" w="med" len="med"/>
+                      <a:tailEnd type="none" w="med" len="med"/>
+                    </a:lnR>
+                    <a:lnT w="6350" cap="flat" cmpd="sng" algn="ctr">
+                      <a:solidFill>
+                        <a:srgbClr val="000000"/>
+                      </a:solidFill>
+                      <a:prstDash val="solid"/>
+                      <a:round/>
+                      <a:headEnd type="none" w="med" len="med"/>
+                      <a:tailEnd type="none" w="med" len="med"/>
+                    </a:lnT>
+                    <a:lnB w="6350" cap="flat" cmpd="sng" algn="ctr">
+                      <a:solidFill>
+                        <a:srgbClr val="000000"/>
+                      </a:solidFill>
+                      <a:prstDash val="solid"/>
+                      <a:round/>
+                      <a:headEnd type="none" w="med" len="med"/>
+                      <a:tailEnd type="none" w="med" len="med"/>
+                    </a:lnB>
+                  </a:tcPr>
+                </a:tc>
+                <a:tc>
+                  <a:txBody>
+                    <a:bodyPr/>
+                    <a:lstStyle/>
+                    <a:p>
+                      <a:pPr algn="l" fontAlgn="b"/>
+                      <a:r>
+                        <a:rPr lang="en-US" sz="1100" b="0" i="0" u="none" strike="noStrike">
+                          <a:solidFill>
+                            <a:srgbClr val="000000"/>
+                          </a:solidFill>
+                          <a:effectLst/>
+                          <a:latin typeface="Calibri" panose="020F0502020204030204" pitchFamily="34" charset="0"/>
+                        </a:rPr>
+                        <a:t> LA</a:t>
+                      </a:r>
+                    </a:p>
+                  </a:txBody>
+                  <a:tcPr marL="6350" marR="6350" marT="6350" marB="0" anchor="b">
+                    <a:lnL w="6350" cap="flat" cmpd="sng" algn="ctr">
+                      <a:solidFill>
+                        <a:srgbClr val="000000"/>
+                      </a:solidFill>
+                      <a:prstDash val="solid"/>
+                      <a:round/>
+                      <a:headEnd type="none" w="med" len="med"/>
+                      <a:tailEnd type="none" w="med" len="med"/>
+                    </a:lnL>
+                    <a:lnR w="6350" cap="flat" cmpd="sng" algn="ctr">
+                      <a:solidFill>
+                        <a:srgbClr val="000000"/>
+                      </a:solidFill>
+                      <a:prstDash val="solid"/>
+                      <a:round/>
+                      <a:headEnd type="none" w="med" len="med"/>
+                      <a:tailEnd type="none" w="med" len="med"/>
+                    </a:lnR>
+                    <a:lnT w="6350" cap="flat" cmpd="sng" algn="ctr">
+                      <a:solidFill>
+                        <a:srgbClr val="000000"/>
+                      </a:solidFill>
+                      <a:prstDash val="solid"/>
+                      <a:round/>
+                      <a:headEnd type="none" w="med" len="med"/>
+                      <a:tailEnd type="none" w="med" len="med"/>
+                    </a:lnT>
+                    <a:lnB w="6350" cap="flat" cmpd="sng" algn="ctr">
+                      <a:solidFill>
+                        <a:srgbClr val="000000"/>
+                      </a:solidFill>
+                      <a:prstDash val="solid"/>
+                      <a:round/>
+                      <a:headEnd type="none" w="med" len="med"/>
+                      <a:tailEnd type="none" w="med" len="med"/>
+                    </a:lnB>
+                  </a:tcPr>
+                </a:tc>
+                <a:tc>
+                  <a:txBody>
+                    <a:bodyPr/>
+                    <a:lstStyle/>
+                    <a:p>
+                      <a:pPr algn="r" fontAlgn="b"/>
+                      <a:r>
+                        <a:rPr lang="en-US" sz="1100" b="0" i="0" u="none" strike="noStrike">
+                          <a:solidFill>
+                            <a:srgbClr val="000000"/>
+                          </a:solidFill>
+                          <a:effectLst/>
+                          <a:latin typeface="Calibri" panose="020F0502020204030204" pitchFamily="34" charset="0"/>
+                        </a:rPr>
+                        <a:t>19</a:t>
+                      </a:r>
+                    </a:p>
+                  </a:txBody>
+                  <a:tcPr marL="6350" marR="6350" marT="6350" marB="0" anchor="b">
+                    <a:lnL w="6350" cap="flat" cmpd="sng" algn="ctr">
+                      <a:solidFill>
+                        <a:srgbClr val="000000"/>
+                      </a:solidFill>
+                      <a:prstDash val="solid"/>
+                      <a:round/>
+                      <a:headEnd type="none" w="med" len="med"/>
+                      <a:tailEnd type="none" w="med" len="med"/>
+                    </a:lnL>
+                    <a:lnR w="6350" cap="flat" cmpd="sng" algn="ctr">
+                      <a:solidFill>
+                        <a:srgbClr val="000000"/>
+                      </a:solidFill>
+                      <a:prstDash val="solid"/>
+                      <a:round/>
+                      <a:headEnd type="none" w="med" len="med"/>
+                      <a:tailEnd type="none" w="med" len="med"/>
+                    </a:lnR>
+                    <a:lnT w="6350" cap="flat" cmpd="sng" algn="ctr">
+                      <a:solidFill>
+                        <a:srgbClr val="000000"/>
+                      </a:solidFill>
+                      <a:prstDash val="solid"/>
+                      <a:round/>
+                      <a:headEnd type="none" w="med" len="med"/>
+                      <a:tailEnd type="none" w="med" len="med"/>
+                    </a:lnT>
+                    <a:lnB w="6350" cap="flat" cmpd="sng" algn="ctr">
+                      <a:solidFill>
+                        <a:srgbClr val="000000"/>
+                      </a:solidFill>
+                      <a:prstDash val="solid"/>
+                      <a:round/>
+                      <a:headEnd type="none" w="med" len="med"/>
+                      <a:tailEnd type="none" w="med" len="med"/>
+                    </a:lnB>
+                  </a:tcPr>
+                </a:tc>
+                <a:tc>
+                  <a:txBody>
+                    <a:bodyPr/>
+                    <a:lstStyle/>
+                    <a:p>
+                      <a:pPr algn="l" fontAlgn="b"/>
+                      <a:r>
+                        <a:rPr lang="en-US" sz="1100" b="0" i="0" u="none" strike="noStrike">
+                          <a:solidFill>
+                            <a:srgbClr val="000000"/>
+                          </a:solidFill>
+                          <a:effectLst/>
+                          <a:latin typeface="Calibri" panose="020F0502020204030204" pitchFamily="34" charset="0"/>
+                        </a:rPr>
+                        <a:t> NJ</a:t>
+                      </a:r>
+                    </a:p>
+                  </a:txBody>
+                  <a:tcPr marL="6350" marR="6350" marT="6350" marB="0" anchor="b">
+                    <a:lnL w="6350" cap="flat" cmpd="sng" algn="ctr">
+                      <a:solidFill>
+                        <a:srgbClr val="000000"/>
+                      </a:solidFill>
+                      <a:prstDash val="solid"/>
+                      <a:round/>
+                      <a:headEnd type="none" w="med" len="med"/>
+                      <a:tailEnd type="none" w="med" len="med"/>
+                    </a:lnL>
+                    <a:lnR w="6350" cap="flat" cmpd="sng" algn="ctr">
+                      <a:solidFill>
+                        <a:srgbClr val="000000"/>
+                      </a:solidFill>
+                      <a:prstDash val="solid"/>
+                      <a:round/>
+                      <a:headEnd type="none" w="med" len="med"/>
+                      <a:tailEnd type="none" w="med" len="med"/>
+                    </a:lnR>
+                    <a:lnT w="6350" cap="flat" cmpd="sng" algn="ctr">
+                      <a:solidFill>
+                        <a:srgbClr val="000000"/>
+                      </a:solidFill>
+                      <a:prstDash val="solid"/>
+                      <a:round/>
+                      <a:headEnd type="none" w="med" len="med"/>
+                      <a:tailEnd type="none" w="med" len="med"/>
+                    </a:lnT>
+                    <a:lnB w="6350" cap="flat" cmpd="sng" algn="ctr">
+                      <a:solidFill>
+                        <a:srgbClr val="000000"/>
+                      </a:solidFill>
+                      <a:prstDash val="solid"/>
+                      <a:round/>
+                      <a:headEnd type="none" w="med" len="med"/>
+                      <a:tailEnd type="none" w="med" len="med"/>
+                    </a:lnB>
+                  </a:tcPr>
+                </a:tc>
+                <a:tc>
+                  <a:txBody>
+                    <a:bodyPr/>
+                    <a:lstStyle/>
+                    <a:p>
+                      <a:pPr algn="r" fontAlgn="b"/>
+                      <a:r>
+                        <a:rPr lang="en-US" sz="1100" b="0" i="0" u="none" strike="noStrike">
+                          <a:solidFill>
+                            <a:srgbClr val="000000"/>
+                          </a:solidFill>
+                          <a:effectLst/>
+                          <a:latin typeface="Calibri" panose="020F0502020204030204" pitchFamily="34" charset="0"/>
+                        </a:rPr>
+                        <a:t>8</a:t>
+                      </a:r>
+                    </a:p>
+                  </a:txBody>
+                  <a:tcPr marL="6350" marR="6350" marT="6350" marB="0" anchor="b">
+                    <a:lnL w="6350" cap="flat" cmpd="sng" algn="ctr">
+                      <a:solidFill>
+                        <a:srgbClr val="000000"/>
+                      </a:solidFill>
+                      <a:prstDash val="solid"/>
+                      <a:round/>
+                      <a:headEnd type="none" w="med" len="med"/>
+                      <a:tailEnd type="none" w="med" len="med"/>
+                    </a:lnL>
+                    <a:lnR w="6350" cap="flat" cmpd="sng" algn="ctr">
+                      <a:solidFill>
+                        <a:srgbClr val="000000"/>
+                      </a:solidFill>
+                      <a:prstDash val="solid"/>
+                      <a:round/>
+                      <a:headEnd type="none" w="med" len="med"/>
+                      <a:tailEnd type="none" w="med" len="med"/>
+                    </a:lnR>
+                    <a:lnT w="6350" cap="flat" cmpd="sng" algn="ctr">
+                      <a:solidFill>
+                        <a:srgbClr val="000000"/>
+                      </a:solidFill>
+                      <a:prstDash val="solid"/>
+                      <a:round/>
+                      <a:headEnd type="none" w="med" len="med"/>
+                      <a:tailEnd type="none" w="med" len="med"/>
+                    </a:lnT>
+                    <a:lnB w="6350" cap="flat" cmpd="sng" algn="ctr">
+                      <a:solidFill>
+                        <a:srgbClr val="000000"/>
+                      </a:solidFill>
+                      <a:prstDash val="solid"/>
+                      <a:round/>
+                      <a:headEnd type="none" w="med" len="med"/>
+                      <a:tailEnd type="none" w="med" len="med"/>
+                    </a:lnB>
+                  </a:tcPr>
+                </a:tc>
+                <a:extLst>
+                  <a:ext uri="{0D108BD9-81ED-4DB2-BD59-A6C34878D82A}">
+                    <a16:rowId xmlns:a16="http://schemas.microsoft.com/office/drawing/2014/main" val="431243273"/>
+                  </a:ext>
+                </a:extLst>
+              </a:tr>
+              <a:tr h="238472">
+                <a:tc>
+                  <a:txBody>
+                    <a:bodyPr/>
+                    <a:lstStyle/>
+                    <a:p>
+                      <a:pPr algn="l" fontAlgn="b"/>
+                      <a:r>
+                        <a:rPr lang="en-US" sz="1100" b="0" i="0" u="none" strike="noStrike">
+                          <a:solidFill>
+                            <a:srgbClr val="000000"/>
+                          </a:solidFill>
+                          <a:effectLst/>
+                          <a:latin typeface="Calibri" panose="020F0502020204030204" pitchFamily="34" charset="0"/>
+                        </a:rPr>
+                        <a:t> TX</a:t>
+                      </a:r>
+                    </a:p>
+                  </a:txBody>
+                  <a:tcPr marL="6350" marR="6350" marT="6350" marB="0" anchor="b">
+                    <a:lnL w="6350" cap="flat" cmpd="sng" algn="ctr">
+                      <a:solidFill>
+                        <a:srgbClr val="000000"/>
+                      </a:solidFill>
+                      <a:prstDash val="solid"/>
+                      <a:round/>
+                      <a:headEnd type="none" w="med" len="med"/>
+                      <a:tailEnd type="none" w="med" len="med"/>
+                    </a:lnL>
+                    <a:lnR w="6350" cap="flat" cmpd="sng" algn="ctr">
+                      <a:solidFill>
+                        <a:srgbClr val="000000"/>
+                      </a:solidFill>
+                      <a:prstDash val="solid"/>
+                      <a:round/>
+                      <a:headEnd type="none" w="med" len="med"/>
+                      <a:tailEnd type="none" w="med" len="med"/>
+                    </a:lnR>
+                    <a:lnT w="6350" cap="flat" cmpd="sng" algn="ctr">
+                      <a:solidFill>
+                        <a:srgbClr val="000000"/>
+                      </a:solidFill>
+                      <a:prstDash val="solid"/>
+                      <a:round/>
+                      <a:headEnd type="none" w="med" len="med"/>
+                      <a:tailEnd type="none" w="med" len="med"/>
+                    </a:lnT>
+                    <a:lnB w="6350" cap="flat" cmpd="sng" algn="ctr">
+                      <a:solidFill>
+                        <a:srgbClr val="000000"/>
+                      </a:solidFill>
+                      <a:prstDash val="solid"/>
+                      <a:round/>
+                      <a:headEnd type="none" w="med" len="med"/>
+                      <a:tailEnd type="none" w="med" len="med"/>
+                    </a:lnB>
+                  </a:tcPr>
+                </a:tc>
+                <a:tc>
+                  <a:txBody>
+                    <a:bodyPr/>
+                    <a:lstStyle/>
+                    <a:p>
+                      <a:pPr algn="r" fontAlgn="b"/>
+                      <a:r>
+                        <a:rPr lang="en-US" sz="1100" b="0" i="0" u="none" strike="noStrike">
+                          <a:solidFill>
+                            <a:srgbClr val="000000"/>
+                          </a:solidFill>
+                          <a:effectLst/>
+                          <a:latin typeface="Calibri" panose="020F0502020204030204" pitchFamily="34" charset="0"/>
+                        </a:rPr>
+                        <a:t>130</a:t>
+                      </a:r>
+                    </a:p>
+                  </a:txBody>
+                  <a:tcPr marL="6350" marR="6350" marT="6350" marB="0" anchor="b">
+                    <a:lnL w="6350" cap="flat" cmpd="sng" algn="ctr">
+                      <a:solidFill>
+                        <a:srgbClr val="000000"/>
+                      </a:solidFill>
+                      <a:prstDash val="solid"/>
+                      <a:round/>
+                      <a:headEnd type="none" w="med" len="med"/>
+                      <a:tailEnd type="none" w="med" len="med"/>
+                    </a:lnL>
+                    <a:lnR w="6350" cap="flat" cmpd="sng" algn="ctr">
+                      <a:solidFill>
+                        <a:srgbClr val="000000"/>
+                      </a:solidFill>
+                      <a:prstDash val="solid"/>
+                      <a:round/>
+                      <a:headEnd type="none" w="med" len="med"/>
+                      <a:tailEnd type="none" w="med" len="med"/>
+                    </a:lnR>
+                    <a:lnT w="6350" cap="flat" cmpd="sng" algn="ctr">
+                      <a:solidFill>
+                        <a:srgbClr val="000000"/>
+                      </a:solidFill>
+                      <a:prstDash val="solid"/>
+                      <a:round/>
+                      <a:headEnd type="none" w="med" len="med"/>
+                      <a:tailEnd type="none" w="med" len="med"/>
+                    </a:lnT>
+                    <a:lnB w="6350" cap="flat" cmpd="sng" algn="ctr">
+                      <a:solidFill>
+                        <a:srgbClr val="000000"/>
+                      </a:solidFill>
+                      <a:prstDash val="solid"/>
+                      <a:round/>
+                      <a:headEnd type="none" w="med" len="med"/>
+                      <a:tailEnd type="none" w="med" len="med"/>
+                    </a:lnB>
+                  </a:tcPr>
+                </a:tc>
+                <a:tc>
+                  <a:txBody>
+                    <a:bodyPr/>
+                    <a:lstStyle/>
+                    <a:p>
+                      <a:pPr algn="l" fontAlgn="b"/>
+                      <a:r>
+                        <a:rPr lang="en-US" sz="1100" b="0" i="0" u="none" strike="noStrike">
+                          <a:solidFill>
+                            <a:srgbClr val="000000"/>
+                          </a:solidFill>
+                          <a:effectLst/>
+                          <a:latin typeface="Calibri" panose="020F0502020204030204" pitchFamily="34" charset="0"/>
+                        </a:rPr>
+                        <a:t> MN</a:t>
+                      </a:r>
+                    </a:p>
+                  </a:txBody>
+                  <a:tcPr marL="6350" marR="6350" marT="6350" marB="0" anchor="b">
+                    <a:lnL w="6350" cap="flat" cmpd="sng" algn="ctr">
+                      <a:solidFill>
+                        <a:srgbClr val="000000"/>
+                      </a:solidFill>
+                      <a:prstDash val="solid"/>
+                      <a:round/>
+                      <a:headEnd type="none" w="med" len="med"/>
+                      <a:tailEnd type="none" w="med" len="med"/>
+                    </a:lnL>
+                    <a:lnR w="6350" cap="flat" cmpd="sng" algn="ctr">
+                      <a:solidFill>
+                        <a:srgbClr val="000000"/>
+                      </a:solidFill>
+                      <a:prstDash val="solid"/>
+                      <a:round/>
+                      <a:headEnd type="none" w="med" len="med"/>
+                      <a:tailEnd type="none" w="med" len="med"/>
+                    </a:lnR>
+                    <a:lnT w="6350" cap="flat" cmpd="sng" algn="ctr">
+                      <a:solidFill>
+                        <a:srgbClr val="000000"/>
+                      </a:solidFill>
+                      <a:prstDash val="solid"/>
+                      <a:round/>
+                      <a:headEnd type="none" w="med" len="med"/>
+                      <a:tailEnd type="none" w="med" len="med"/>
+                    </a:lnT>
+                    <a:lnB w="6350" cap="flat" cmpd="sng" algn="ctr">
+                      <a:solidFill>
+                        <a:srgbClr val="000000"/>
+                      </a:solidFill>
+                      <a:prstDash val="solid"/>
+                      <a:round/>
+                      <a:headEnd type="none" w="med" len="med"/>
+                      <a:tailEnd type="none" w="med" len="med"/>
+                    </a:lnB>
+                  </a:tcPr>
+                </a:tc>
+                <a:tc>
+                  <a:txBody>
+                    <a:bodyPr/>
+                    <a:lstStyle/>
+                    <a:p>
+                      <a:pPr algn="r" fontAlgn="b"/>
+                      <a:r>
+                        <a:rPr lang="en-US" sz="1100" b="0" i="0" u="none" strike="noStrike">
+                          <a:solidFill>
+                            <a:srgbClr val="000000"/>
+                          </a:solidFill>
+                          <a:effectLst/>
+                          <a:latin typeface="Calibri" panose="020F0502020204030204" pitchFamily="34" charset="0"/>
+                        </a:rPr>
+                        <a:t>55</a:t>
+                      </a:r>
+                    </a:p>
+                  </a:txBody>
+                  <a:tcPr marL="6350" marR="6350" marT="6350" marB="0" anchor="b">
+                    <a:lnL w="6350" cap="flat" cmpd="sng" algn="ctr">
+                      <a:solidFill>
+                        <a:srgbClr val="000000"/>
+                      </a:solidFill>
+                      <a:prstDash val="solid"/>
+                      <a:round/>
+                      <a:headEnd type="none" w="med" len="med"/>
+                      <a:tailEnd type="none" w="med" len="med"/>
+                    </a:lnL>
+                    <a:lnR w="6350" cap="flat" cmpd="sng" algn="ctr">
+                      <a:solidFill>
+                        <a:srgbClr val="000000"/>
+                      </a:solidFill>
+                      <a:prstDash val="solid"/>
+                      <a:round/>
+                      <a:headEnd type="none" w="med" len="med"/>
+                      <a:tailEnd type="none" w="med" len="med"/>
+                    </a:lnR>
+                    <a:lnT w="6350" cap="flat" cmpd="sng" algn="ctr">
+                      <a:solidFill>
+                        <a:srgbClr val="000000"/>
+                      </a:solidFill>
+                      <a:prstDash val="solid"/>
+                      <a:round/>
+                      <a:headEnd type="none" w="med" len="med"/>
+                      <a:tailEnd type="none" w="med" len="med"/>
+                    </a:lnT>
+                    <a:lnB w="6350" cap="flat" cmpd="sng" algn="ctr">
+                      <a:solidFill>
+                        <a:srgbClr val="000000"/>
+                      </a:solidFill>
+                      <a:prstDash val="solid"/>
+                      <a:round/>
+                      <a:headEnd type="none" w="med" len="med"/>
+                      <a:tailEnd type="none" w="med" len="med"/>
+                    </a:lnB>
+                  </a:tcPr>
+                </a:tc>
+                <a:tc>
+                  <a:txBody>
+                    <a:bodyPr/>
+                    <a:lstStyle/>
+                    <a:p>
+                      <a:pPr algn="l" fontAlgn="b"/>
+                      <a:r>
+                        <a:rPr lang="en-US" sz="1100" b="0" i="0" u="none" strike="noStrike">
+                          <a:solidFill>
+                            <a:srgbClr val="000000"/>
+                          </a:solidFill>
+                          <a:effectLst/>
+                          <a:latin typeface="Calibri" panose="020F0502020204030204" pitchFamily="34" charset="0"/>
+                        </a:rPr>
+                        <a:t> ME</a:t>
+                      </a:r>
+                    </a:p>
+                  </a:txBody>
+                  <a:tcPr marL="6350" marR="6350" marT="6350" marB="0" anchor="b">
+                    <a:lnL w="6350" cap="flat" cmpd="sng" algn="ctr">
+                      <a:solidFill>
+                        <a:srgbClr val="000000"/>
+                      </a:solidFill>
+                      <a:prstDash val="solid"/>
+                      <a:round/>
+                      <a:headEnd type="none" w="med" len="med"/>
+                      <a:tailEnd type="none" w="med" len="med"/>
+                    </a:lnL>
+                    <a:lnR w="6350" cap="flat" cmpd="sng" algn="ctr">
+                      <a:solidFill>
+                        <a:srgbClr val="000000"/>
+                      </a:solidFill>
+                      <a:prstDash val="solid"/>
+                      <a:round/>
+                      <a:headEnd type="none" w="med" len="med"/>
+                      <a:tailEnd type="none" w="med" len="med"/>
+                    </a:lnR>
+                    <a:lnT w="6350" cap="flat" cmpd="sng" algn="ctr">
+                      <a:solidFill>
+                        <a:srgbClr val="000000"/>
+                      </a:solidFill>
+                      <a:prstDash val="solid"/>
+                      <a:round/>
+                      <a:headEnd type="none" w="med" len="med"/>
+                      <a:tailEnd type="none" w="med" len="med"/>
+                    </a:lnT>
+                    <a:lnB w="6350" cap="flat" cmpd="sng" algn="ctr">
+                      <a:solidFill>
+                        <a:srgbClr val="000000"/>
+                      </a:solidFill>
+                      <a:prstDash val="solid"/>
+                      <a:round/>
+                      <a:headEnd type="none" w="med" len="med"/>
+                      <a:tailEnd type="none" w="med" len="med"/>
+                    </a:lnB>
+                  </a:tcPr>
+                </a:tc>
+                <a:tc>
+                  <a:txBody>
+                    <a:bodyPr/>
+                    <a:lstStyle/>
+                    <a:p>
+                      <a:pPr algn="r" fontAlgn="b"/>
+                      <a:r>
+                        <a:rPr lang="en-US" sz="1100" b="0" i="0" u="none" strike="noStrike">
+                          <a:solidFill>
+                            <a:srgbClr val="000000"/>
+                          </a:solidFill>
+                          <a:effectLst/>
+                          <a:latin typeface="Calibri" panose="020F0502020204030204" pitchFamily="34" charset="0"/>
+                        </a:rPr>
+                        <a:t>27</a:t>
+                      </a:r>
+                    </a:p>
+                  </a:txBody>
+                  <a:tcPr marL="6350" marR="6350" marT="6350" marB="0" anchor="b">
+                    <a:lnL w="6350" cap="flat" cmpd="sng" algn="ctr">
+                      <a:solidFill>
+                        <a:srgbClr val="000000"/>
+                      </a:solidFill>
+                      <a:prstDash val="solid"/>
+                      <a:round/>
+                      <a:headEnd type="none" w="med" len="med"/>
+                      <a:tailEnd type="none" w="med" len="med"/>
+                    </a:lnL>
+                    <a:lnR w="6350" cap="flat" cmpd="sng" algn="ctr">
+                      <a:solidFill>
+                        <a:srgbClr val="000000"/>
+                      </a:solidFill>
+                      <a:prstDash val="solid"/>
+                      <a:round/>
+                      <a:headEnd type="none" w="med" len="med"/>
+                      <a:tailEnd type="none" w="med" len="med"/>
+                    </a:lnR>
+                    <a:lnT w="6350" cap="flat" cmpd="sng" algn="ctr">
+                      <a:solidFill>
+                        <a:srgbClr val="000000"/>
+                      </a:solidFill>
+                      <a:prstDash val="solid"/>
+                      <a:round/>
+                      <a:headEnd type="none" w="med" len="med"/>
+                      <a:tailEnd type="none" w="med" len="med"/>
+                    </a:lnT>
+                    <a:lnB w="6350" cap="flat" cmpd="sng" algn="ctr">
+                      <a:solidFill>
+                        <a:srgbClr val="000000"/>
+                      </a:solidFill>
+                      <a:prstDash val="solid"/>
+                      <a:round/>
+                      <a:headEnd type="none" w="med" len="med"/>
+                      <a:tailEnd type="none" w="med" len="med"/>
+                    </a:lnB>
+                  </a:tcPr>
+                </a:tc>
+                <a:tc>
+                  <a:txBody>
+                    <a:bodyPr/>
+                    <a:lstStyle/>
+                    <a:p>
+                      <a:pPr algn="l" fontAlgn="b"/>
+                      <a:r>
+                        <a:rPr lang="en-US" sz="1100" b="0" i="0" u="none" strike="noStrike">
+                          <a:solidFill>
+                            <a:srgbClr val="000000"/>
+                          </a:solidFill>
+                          <a:effectLst/>
+                          <a:latin typeface="Calibri" panose="020F0502020204030204" pitchFamily="34" charset="0"/>
+                        </a:rPr>
+                        <a:t> OK</a:t>
+                      </a:r>
+                    </a:p>
+                  </a:txBody>
+                  <a:tcPr marL="6350" marR="6350" marT="6350" marB="0" anchor="b">
+                    <a:lnL w="6350" cap="flat" cmpd="sng" algn="ctr">
+                      <a:solidFill>
+                        <a:srgbClr val="000000"/>
+                      </a:solidFill>
+                      <a:prstDash val="solid"/>
+                      <a:round/>
+                      <a:headEnd type="none" w="med" len="med"/>
+                      <a:tailEnd type="none" w="med" len="med"/>
+                    </a:lnL>
+                    <a:lnR w="6350" cap="flat" cmpd="sng" algn="ctr">
+                      <a:solidFill>
+                        <a:srgbClr val="000000"/>
+                      </a:solidFill>
+                      <a:prstDash val="solid"/>
+                      <a:round/>
+                      <a:headEnd type="none" w="med" len="med"/>
+                      <a:tailEnd type="none" w="med" len="med"/>
+                    </a:lnR>
+                    <a:lnT w="6350" cap="flat" cmpd="sng" algn="ctr">
+                      <a:solidFill>
+                        <a:srgbClr val="000000"/>
+                      </a:solidFill>
+                      <a:prstDash val="solid"/>
+                      <a:round/>
+                      <a:headEnd type="none" w="med" len="med"/>
+                      <a:tailEnd type="none" w="med" len="med"/>
+                    </a:lnT>
+                    <a:lnB w="6350" cap="flat" cmpd="sng" algn="ctr">
+                      <a:solidFill>
+                        <a:srgbClr val="000000"/>
+                      </a:solidFill>
+                      <a:prstDash val="solid"/>
+                      <a:round/>
+                      <a:headEnd type="none" w="med" len="med"/>
+                      <a:tailEnd type="none" w="med" len="med"/>
+                    </a:lnB>
+                  </a:tcPr>
+                </a:tc>
+                <a:tc>
+                  <a:txBody>
+                    <a:bodyPr/>
+                    <a:lstStyle/>
+                    <a:p>
+                      <a:pPr algn="r" fontAlgn="b"/>
+                      <a:r>
+                        <a:rPr lang="en-US" sz="1100" b="0" i="0" u="none" strike="noStrike">
+                          <a:solidFill>
+                            <a:srgbClr val="000000"/>
+                          </a:solidFill>
+                          <a:effectLst/>
+                          <a:latin typeface="Calibri" panose="020F0502020204030204" pitchFamily="34" charset="0"/>
+                        </a:rPr>
+                        <a:t>19</a:t>
+                      </a:r>
+                    </a:p>
+                  </a:txBody>
+                  <a:tcPr marL="6350" marR="6350" marT="6350" marB="0" anchor="b">
+                    <a:lnL w="6350" cap="flat" cmpd="sng" algn="ctr">
+                      <a:solidFill>
+                        <a:srgbClr val="000000"/>
+                      </a:solidFill>
+                      <a:prstDash val="solid"/>
+                      <a:round/>
+                      <a:headEnd type="none" w="med" len="med"/>
+                      <a:tailEnd type="none" w="med" len="med"/>
+                    </a:lnL>
+                    <a:lnR w="6350" cap="flat" cmpd="sng" algn="ctr">
+                      <a:solidFill>
+                        <a:srgbClr val="000000"/>
+                      </a:solidFill>
+                      <a:prstDash val="solid"/>
+                      <a:round/>
+                      <a:headEnd type="none" w="med" len="med"/>
+                      <a:tailEnd type="none" w="med" len="med"/>
+                    </a:lnR>
+                    <a:lnT w="6350" cap="flat" cmpd="sng" algn="ctr">
+                      <a:solidFill>
+                        <a:srgbClr val="000000"/>
+                      </a:solidFill>
+                      <a:prstDash val="solid"/>
+                      <a:round/>
+                      <a:headEnd type="none" w="med" len="med"/>
+                      <a:tailEnd type="none" w="med" len="med"/>
+                    </a:lnT>
+                    <a:lnB w="6350" cap="flat" cmpd="sng" algn="ctr">
+                      <a:solidFill>
+                        <a:srgbClr val="000000"/>
+                      </a:solidFill>
+                      <a:prstDash val="solid"/>
+                      <a:round/>
+                      <a:headEnd type="none" w="med" len="med"/>
+                      <a:tailEnd type="none" w="med" len="med"/>
+                    </a:lnB>
+                  </a:tcPr>
+                </a:tc>
+                <a:tc>
+                  <a:txBody>
+                    <a:bodyPr/>
+                    <a:lstStyle/>
+                    <a:p>
+                      <a:pPr algn="l" fontAlgn="b"/>
+                      <a:r>
+                        <a:rPr lang="en-US" sz="1100" b="0" i="0" u="none" strike="noStrike">
+                          <a:solidFill>
+                            <a:srgbClr val="000000"/>
+                          </a:solidFill>
+                          <a:effectLst/>
+                          <a:latin typeface="Calibri" panose="020F0502020204030204" pitchFamily="34" charset="0"/>
+                        </a:rPr>
+                        <a:t> SD</a:t>
+                      </a:r>
+                    </a:p>
+                  </a:txBody>
+                  <a:tcPr marL="6350" marR="6350" marT="6350" marB="0" anchor="b">
+                    <a:lnL w="6350" cap="flat" cmpd="sng" algn="ctr">
+                      <a:solidFill>
+                        <a:srgbClr val="000000"/>
+                      </a:solidFill>
+                      <a:prstDash val="solid"/>
+                      <a:round/>
+                      <a:headEnd type="none" w="med" len="med"/>
+                      <a:tailEnd type="none" w="med" len="med"/>
+                    </a:lnL>
+                    <a:lnR w="6350" cap="flat" cmpd="sng" algn="ctr">
+                      <a:solidFill>
+                        <a:srgbClr val="000000"/>
+                      </a:solidFill>
+                      <a:prstDash val="solid"/>
+                      <a:round/>
+                      <a:headEnd type="none" w="med" len="med"/>
+                      <a:tailEnd type="none" w="med" len="med"/>
+                    </a:lnR>
+                    <a:lnT w="6350" cap="flat" cmpd="sng" algn="ctr">
+                      <a:solidFill>
+                        <a:srgbClr val="000000"/>
+                      </a:solidFill>
+                      <a:prstDash val="solid"/>
+                      <a:round/>
+                      <a:headEnd type="none" w="med" len="med"/>
+                      <a:tailEnd type="none" w="med" len="med"/>
+                    </a:lnT>
+                    <a:lnB w="6350" cap="flat" cmpd="sng" algn="ctr">
+                      <a:solidFill>
+                        <a:srgbClr val="000000"/>
+                      </a:solidFill>
+                      <a:prstDash val="solid"/>
+                      <a:round/>
+                      <a:headEnd type="none" w="med" len="med"/>
+                      <a:tailEnd type="none" w="med" len="med"/>
+                    </a:lnB>
+                  </a:tcPr>
+                </a:tc>
+                <a:tc>
+                  <a:txBody>
+                    <a:bodyPr/>
+                    <a:lstStyle/>
+                    <a:p>
+                      <a:pPr algn="r" fontAlgn="b"/>
+                      <a:r>
+                        <a:rPr lang="en-US" sz="1100" b="0" i="0" u="none" strike="noStrike">
+                          <a:solidFill>
+                            <a:srgbClr val="000000"/>
+                          </a:solidFill>
+                          <a:effectLst/>
+                          <a:latin typeface="Calibri" panose="020F0502020204030204" pitchFamily="34" charset="0"/>
+                        </a:rPr>
+                        <a:t>7</a:t>
+                      </a:r>
+                    </a:p>
+                  </a:txBody>
+                  <a:tcPr marL="6350" marR="6350" marT="6350" marB="0" anchor="b">
+                    <a:lnL w="6350" cap="flat" cmpd="sng" algn="ctr">
+                      <a:solidFill>
+                        <a:srgbClr val="000000"/>
+                      </a:solidFill>
+                      <a:prstDash val="solid"/>
+                      <a:round/>
+                      <a:headEnd type="none" w="med" len="med"/>
+                      <a:tailEnd type="none" w="med" len="med"/>
+                    </a:lnL>
+                    <a:lnR w="6350" cap="flat" cmpd="sng" algn="ctr">
+                      <a:solidFill>
+                        <a:srgbClr val="000000"/>
+                      </a:solidFill>
+                      <a:prstDash val="solid"/>
+                      <a:round/>
+                      <a:headEnd type="none" w="med" len="med"/>
+                      <a:tailEnd type="none" w="med" len="med"/>
+                    </a:lnR>
+                    <a:lnT w="6350" cap="flat" cmpd="sng" algn="ctr">
+                      <a:solidFill>
+                        <a:srgbClr val="000000"/>
+                      </a:solidFill>
+                      <a:prstDash val="solid"/>
+                      <a:round/>
+                      <a:headEnd type="none" w="med" len="med"/>
+                      <a:tailEnd type="none" w="med" len="med"/>
+                    </a:lnT>
+                    <a:lnB w="6350" cap="flat" cmpd="sng" algn="ctr">
+                      <a:solidFill>
+                        <a:srgbClr val="000000"/>
+                      </a:solidFill>
+                      <a:prstDash val="solid"/>
+                      <a:round/>
+                      <a:headEnd type="none" w="med" len="med"/>
+                      <a:tailEnd type="none" w="med" len="med"/>
+                    </a:lnB>
+                  </a:tcPr>
+                </a:tc>
+                <a:extLst>
+                  <a:ext uri="{0D108BD9-81ED-4DB2-BD59-A6C34878D82A}">
+                    <a16:rowId xmlns:a16="http://schemas.microsoft.com/office/drawing/2014/main" val="3919744288"/>
+                  </a:ext>
+                </a:extLst>
+              </a:tr>
+              <a:tr h="276284">
+                <a:tc>
+                  <a:txBody>
+                    <a:bodyPr/>
+                    <a:lstStyle/>
+                    <a:p>
+                      <a:pPr algn="l" fontAlgn="b"/>
+                      <a:r>
+                        <a:rPr lang="en-US" sz="1100" b="0" i="0" u="none" strike="noStrike">
+                          <a:solidFill>
+                            <a:srgbClr val="000000"/>
+                          </a:solidFill>
+                          <a:effectLst/>
+                          <a:latin typeface="Calibri" panose="020F0502020204030204" pitchFamily="34" charset="0"/>
+                        </a:rPr>
+                        <a:t> OR</a:t>
+                      </a:r>
+                    </a:p>
+                  </a:txBody>
+                  <a:tcPr marL="6350" marR="6350" marT="6350" marB="0" anchor="b">
+                    <a:lnL w="6350" cap="flat" cmpd="sng" algn="ctr">
+                      <a:solidFill>
+                        <a:srgbClr val="000000"/>
+                      </a:solidFill>
+                      <a:prstDash val="solid"/>
+                      <a:round/>
+                      <a:headEnd type="none" w="med" len="med"/>
+                      <a:tailEnd type="none" w="med" len="med"/>
+                    </a:lnL>
+                    <a:lnR w="6350" cap="flat" cmpd="sng" algn="ctr">
+                      <a:solidFill>
+                        <a:srgbClr val="000000"/>
+                      </a:solidFill>
+                      <a:prstDash val="solid"/>
+                      <a:round/>
+                      <a:headEnd type="none" w="med" len="med"/>
+                      <a:tailEnd type="none" w="med" len="med"/>
+                    </a:lnR>
+                    <a:lnT w="6350" cap="flat" cmpd="sng" algn="ctr">
+                      <a:solidFill>
+                        <a:srgbClr val="000000"/>
+                      </a:solidFill>
+                      <a:prstDash val="solid"/>
+                      <a:round/>
+                      <a:headEnd type="none" w="med" len="med"/>
+                      <a:tailEnd type="none" w="med" len="med"/>
+                    </a:lnT>
+                    <a:lnB w="6350" cap="flat" cmpd="sng" algn="ctr">
+                      <a:solidFill>
+                        <a:srgbClr val="000000"/>
+                      </a:solidFill>
+                      <a:prstDash val="solid"/>
+                      <a:round/>
+                      <a:headEnd type="none" w="med" len="med"/>
+                      <a:tailEnd type="none" w="med" len="med"/>
+                    </a:lnB>
+                  </a:tcPr>
+                </a:tc>
+                <a:tc>
+                  <a:txBody>
+                    <a:bodyPr/>
+                    <a:lstStyle/>
+                    <a:p>
+                      <a:pPr algn="r" fontAlgn="b"/>
+                      <a:r>
+                        <a:rPr lang="en-US" sz="1100" b="0" i="0" u="none" strike="noStrike">
+                          <a:solidFill>
+                            <a:srgbClr val="000000"/>
+                          </a:solidFill>
+                          <a:effectLst/>
+                          <a:latin typeface="Calibri" panose="020F0502020204030204" pitchFamily="34" charset="0"/>
+                        </a:rPr>
+                        <a:t>125</a:t>
+                      </a:r>
+                    </a:p>
+                  </a:txBody>
+                  <a:tcPr marL="6350" marR="6350" marT="6350" marB="0" anchor="b">
+                    <a:lnL w="6350" cap="flat" cmpd="sng" algn="ctr">
+                      <a:solidFill>
+                        <a:srgbClr val="000000"/>
+                      </a:solidFill>
+                      <a:prstDash val="solid"/>
+                      <a:round/>
+                      <a:headEnd type="none" w="med" len="med"/>
+                      <a:tailEnd type="none" w="med" len="med"/>
+                    </a:lnL>
+                    <a:lnR w="6350" cap="flat" cmpd="sng" algn="ctr">
+                      <a:solidFill>
+                        <a:srgbClr val="000000"/>
+                      </a:solidFill>
+                      <a:prstDash val="solid"/>
+                      <a:round/>
+                      <a:headEnd type="none" w="med" len="med"/>
+                      <a:tailEnd type="none" w="med" len="med"/>
+                    </a:lnR>
+                    <a:lnT w="6350" cap="flat" cmpd="sng" algn="ctr">
+                      <a:solidFill>
+                        <a:srgbClr val="000000"/>
+                      </a:solidFill>
+                      <a:prstDash val="solid"/>
+                      <a:round/>
+                      <a:headEnd type="none" w="med" len="med"/>
+                      <a:tailEnd type="none" w="med" len="med"/>
+                    </a:lnT>
+                    <a:lnB w="6350" cap="flat" cmpd="sng" algn="ctr">
+                      <a:solidFill>
+                        <a:srgbClr val="000000"/>
+                      </a:solidFill>
+                      <a:prstDash val="solid"/>
+                      <a:round/>
+                      <a:headEnd type="none" w="med" len="med"/>
+                      <a:tailEnd type="none" w="med" len="med"/>
+                    </a:lnB>
+                  </a:tcPr>
+                </a:tc>
+                <a:tc>
+                  <a:txBody>
+                    <a:bodyPr/>
+                    <a:lstStyle/>
+                    <a:p>
+                      <a:pPr algn="l" fontAlgn="b"/>
+                      <a:r>
+                        <a:rPr lang="en-US" sz="1100" b="0" i="0" u="none" strike="noStrike">
+                          <a:solidFill>
+                            <a:srgbClr val="000000"/>
+                          </a:solidFill>
+                          <a:effectLst/>
+                          <a:latin typeface="Calibri" panose="020F0502020204030204" pitchFamily="34" charset="0"/>
+                        </a:rPr>
+                        <a:t> OH</a:t>
+                      </a:r>
+                    </a:p>
+                  </a:txBody>
+                  <a:tcPr marL="6350" marR="6350" marT="6350" marB="0" anchor="b">
+                    <a:lnL w="6350" cap="flat" cmpd="sng" algn="ctr">
+                      <a:solidFill>
+                        <a:srgbClr val="000000"/>
+                      </a:solidFill>
+                      <a:prstDash val="solid"/>
+                      <a:round/>
+                      <a:headEnd type="none" w="med" len="med"/>
+                      <a:tailEnd type="none" w="med" len="med"/>
+                    </a:lnL>
+                    <a:lnR w="6350" cap="flat" cmpd="sng" algn="ctr">
+                      <a:solidFill>
+                        <a:srgbClr val="000000"/>
+                      </a:solidFill>
+                      <a:prstDash val="solid"/>
+                      <a:round/>
+                      <a:headEnd type="none" w="med" len="med"/>
+                      <a:tailEnd type="none" w="med" len="med"/>
+                    </a:lnR>
+                    <a:lnT w="6350" cap="flat" cmpd="sng" algn="ctr">
+                      <a:solidFill>
+                        <a:srgbClr val="000000"/>
+                      </a:solidFill>
+                      <a:prstDash val="solid"/>
+                      <a:round/>
+                      <a:headEnd type="none" w="med" len="med"/>
+                      <a:tailEnd type="none" w="med" len="med"/>
+                    </a:lnT>
+                    <a:lnB w="6350" cap="flat" cmpd="sng" algn="ctr">
+                      <a:solidFill>
+                        <a:srgbClr val="000000"/>
+                      </a:solidFill>
+                      <a:prstDash val="solid"/>
+                      <a:round/>
+                      <a:headEnd type="none" w="med" len="med"/>
+                      <a:tailEnd type="none" w="med" len="med"/>
+                    </a:lnB>
+                  </a:tcPr>
+                </a:tc>
+                <a:tc>
+                  <a:txBody>
+                    <a:bodyPr/>
+                    <a:lstStyle/>
+                    <a:p>
+                      <a:pPr algn="r" fontAlgn="b"/>
+                      <a:r>
+                        <a:rPr lang="en-US" sz="1100" b="0" i="0" u="none" strike="noStrike">
+                          <a:solidFill>
+                            <a:srgbClr val="000000"/>
+                          </a:solidFill>
+                          <a:effectLst/>
+                          <a:latin typeface="Calibri" panose="020F0502020204030204" pitchFamily="34" charset="0"/>
+                        </a:rPr>
+                        <a:t>49</a:t>
+                      </a:r>
+                    </a:p>
+                  </a:txBody>
+                  <a:tcPr marL="6350" marR="6350" marT="6350" marB="0" anchor="b">
+                    <a:lnL w="6350" cap="flat" cmpd="sng" algn="ctr">
+                      <a:solidFill>
+                        <a:srgbClr val="000000"/>
+                      </a:solidFill>
+                      <a:prstDash val="solid"/>
+                      <a:round/>
+                      <a:headEnd type="none" w="med" len="med"/>
+                      <a:tailEnd type="none" w="med" len="med"/>
+                    </a:lnL>
+                    <a:lnR w="6350" cap="flat" cmpd="sng" algn="ctr">
+                      <a:solidFill>
+                        <a:srgbClr val="000000"/>
+                      </a:solidFill>
+                      <a:prstDash val="solid"/>
+                      <a:round/>
+                      <a:headEnd type="none" w="med" len="med"/>
+                      <a:tailEnd type="none" w="med" len="med"/>
+                    </a:lnR>
+                    <a:lnT w="6350" cap="flat" cmpd="sng" algn="ctr">
+                      <a:solidFill>
+                        <a:srgbClr val="000000"/>
+                      </a:solidFill>
+                      <a:prstDash val="solid"/>
+                      <a:round/>
+                      <a:headEnd type="none" w="med" len="med"/>
+                      <a:tailEnd type="none" w="med" len="med"/>
+                    </a:lnT>
+                    <a:lnB w="6350" cap="flat" cmpd="sng" algn="ctr">
+                      <a:solidFill>
+                        <a:srgbClr val="000000"/>
+                      </a:solidFill>
+                      <a:prstDash val="solid"/>
+                      <a:round/>
+                      <a:headEnd type="none" w="med" len="med"/>
+                      <a:tailEnd type="none" w="med" len="med"/>
+                    </a:lnB>
+                  </a:tcPr>
+                </a:tc>
+                <a:tc>
+                  <a:txBody>
+                    <a:bodyPr/>
+                    <a:lstStyle/>
+                    <a:p>
+                      <a:pPr algn="l" fontAlgn="b"/>
+                      <a:r>
+                        <a:rPr lang="en-US" sz="1100" b="0" i="0" u="none" strike="noStrike">
+                          <a:solidFill>
+                            <a:srgbClr val="000000"/>
+                          </a:solidFill>
+                          <a:effectLst/>
+                          <a:latin typeface="Calibri" panose="020F0502020204030204" pitchFamily="34" charset="0"/>
+                        </a:rPr>
+                        <a:t> RI</a:t>
+                      </a:r>
+                    </a:p>
+                  </a:txBody>
+                  <a:tcPr marL="6350" marR="6350" marT="6350" marB="0" anchor="b">
+                    <a:lnL w="6350" cap="flat" cmpd="sng" algn="ctr">
+                      <a:solidFill>
+                        <a:srgbClr val="000000"/>
+                      </a:solidFill>
+                      <a:prstDash val="solid"/>
+                      <a:round/>
+                      <a:headEnd type="none" w="med" len="med"/>
+                      <a:tailEnd type="none" w="med" len="med"/>
+                    </a:lnL>
+                    <a:lnR w="6350" cap="flat" cmpd="sng" algn="ctr">
+                      <a:solidFill>
+                        <a:srgbClr val="000000"/>
+                      </a:solidFill>
+                      <a:prstDash val="solid"/>
+                      <a:round/>
+                      <a:headEnd type="none" w="med" len="med"/>
+                      <a:tailEnd type="none" w="med" len="med"/>
+                    </a:lnR>
+                    <a:lnT w="6350" cap="flat" cmpd="sng" algn="ctr">
+                      <a:solidFill>
+                        <a:srgbClr val="000000"/>
+                      </a:solidFill>
+                      <a:prstDash val="solid"/>
+                      <a:round/>
+                      <a:headEnd type="none" w="med" len="med"/>
+                      <a:tailEnd type="none" w="med" len="med"/>
+                    </a:lnT>
+                    <a:lnB w="6350" cap="flat" cmpd="sng" algn="ctr">
+                      <a:solidFill>
+                        <a:srgbClr val="000000"/>
+                      </a:solidFill>
+                      <a:prstDash val="solid"/>
+                      <a:round/>
+                      <a:headEnd type="none" w="med" len="med"/>
+                      <a:tailEnd type="none" w="med" len="med"/>
+                    </a:lnB>
+                  </a:tcPr>
+                </a:tc>
+                <a:tc>
+                  <a:txBody>
+                    <a:bodyPr/>
+                    <a:lstStyle/>
+                    <a:p>
+                      <a:pPr algn="r" fontAlgn="b"/>
+                      <a:r>
+                        <a:rPr lang="en-US" sz="1100" b="0" i="0" u="none" strike="noStrike">
+                          <a:solidFill>
+                            <a:srgbClr val="000000"/>
+                          </a:solidFill>
+                          <a:effectLst/>
+                          <a:latin typeface="Calibri" panose="020F0502020204030204" pitchFamily="34" charset="0"/>
+                        </a:rPr>
+                        <a:t>27</a:t>
+                      </a:r>
+                    </a:p>
+                  </a:txBody>
+                  <a:tcPr marL="6350" marR="6350" marT="6350" marB="0" anchor="b">
+                    <a:lnL w="6350" cap="flat" cmpd="sng" algn="ctr">
+                      <a:solidFill>
+                        <a:srgbClr val="000000"/>
+                      </a:solidFill>
+                      <a:prstDash val="solid"/>
+                      <a:round/>
+                      <a:headEnd type="none" w="med" len="med"/>
+                      <a:tailEnd type="none" w="med" len="med"/>
+                    </a:lnL>
+                    <a:lnR w="6350" cap="flat" cmpd="sng" algn="ctr">
+                      <a:solidFill>
+                        <a:srgbClr val="000000"/>
+                      </a:solidFill>
+                      <a:prstDash val="solid"/>
+                      <a:round/>
+                      <a:headEnd type="none" w="med" len="med"/>
+                      <a:tailEnd type="none" w="med" len="med"/>
+                    </a:lnR>
+                    <a:lnT w="6350" cap="flat" cmpd="sng" algn="ctr">
+                      <a:solidFill>
+                        <a:srgbClr val="000000"/>
+                      </a:solidFill>
+                      <a:prstDash val="solid"/>
+                      <a:round/>
+                      <a:headEnd type="none" w="med" len="med"/>
+                      <a:tailEnd type="none" w="med" len="med"/>
+                    </a:lnT>
+                    <a:lnB w="6350" cap="flat" cmpd="sng" algn="ctr">
+                      <a:solidFill>
+                        <a:srgbClr val="000000"/>
+                      </a:solidFill>
+                      <a:prstDash val="solid"/>
+                      <a:round/>
+                      <a:headEnd type="none" w="med" len="med"/>
+                      <a:tailEnd type="none" w="med" len="med"/>
+                    </a:lnB>
+                  </a:tcPr>
+                </a:tc>
+                <a:tc>
+                  <a:txBody>
+                    <a:bodyPr/>
+                    <a:lstStyle/>
+                    <a:p>
+                      <a:pPr algn="l" fontAlgn="b"/>
+                      <a:r>
+                        <a:rPr lang="en-US" sz="1100" b="0" i="0" u="none" strike="noStrike">
+                          <a:solidFill>
+                            <a:srgbClr val="000000"/>
+                          </a:solidFill>
+                          <a:effectLst/>
+                          <a:latin typeface="Calibri" panose="020F0502020204030204" pitchFamily="34" charset="0"/>
+                        </a:rPr>
+                        <a:t> GA</a:t>
+                      </a:r>
+                    </a:p>
+                  </a:txBody>
+                  <a:tcPr marL="6350" marR="6350" marT="6350" marB="0" anchor="b">
+                    <a:lnL w="6350" cap="flat" cmpd="sng" algn="ctr">
+                      <a:solidFill>
+                        <a:srgbClr val="000000"/>
+                      </a:solidFill>
+                      <a:prstDash val="solid"/>
+                      <a:round/>
+                      <a:headEnd type="none" w="med" len="med"/>
+                      <a:tailEnd type="none" w="med" len="med"/>
+                    </a:lnL>
+                    <a:lnR w="6350" cap="flat" cmpd="sng" algn="ctr">
+                      <a:solidFill>
+                        <a:srgbClr val="000000"/>
+                      </a:solidFill>
+                      <a:prstDash val="solid"/>
+                      <a:round/>
+                      <a:headEnd type="none" w="med" len="med"/>
+                      <a:tailEnd type="none" w="med" len="med"/>
+                    </a:lnR>
+                    <a:lnT w="6350" cap="flat" cmpd="sng" algn="ctr">
+                      <a:solidFill>
+                        <a:srgbClr val="000000"/>
+                      </a:solidFill>
+                      <a:prstDash val="solid"/>
+                      <a:round/>
+                      <a:headEnd type="none" w="med" len="med"/>
+                      <a:tailEnd type="none" w="med" len="med"/>
+                    </a:lnT>
+                    <a:lnB w="6350" cap="flat" cmpd="sng" algn="ctr">
+                      <a:solidFill>
+                        <a:srgbClr val="000000"/>
+                      </a:solidFill>
+                      <a:prstDash val="solid"/>
+                      <a:round/>
+                      <a:headEnd type="none" w="med" len="med"/>
+                      <a:tailEnd type="none" w="med" len="med"/>
+                    </a:lnB>
+                  </a:tcPr>
+                </a:tc>
+                <a:tc>
+                  <a:txBody>
+                    <a:bodyPr/>
+                    <a:lstStyle/>
+                    <a:p>
+                      <a:pPr algn="r" fontAlgn="b"/>
+                      <a:r>
+                        <a:rPr lang="en-US" sz="1100" b="0" i="0" u="none" strike="noStrike" dirty="0">
+                          <a:solidFill>
+                            <a:srgbClr val="000000"/>
+                          </a:solidFill>
+                          <a:effectLst/>
+                          <a:latin typeface="Calibri" panose="020F0502020204030204" pitchFamily="34" charset="0"/>
+                        </a:rPr>
+                        <a:t>16</a:t>
+                      </a:r>
+                    </a:p>
+                  </a:txBody>
+                  <a:tcPr marL="6350" marR="6350" marT="6350" marB="0" anchor="b">
+                    <a:lnL w="6350" cap="flat" cmpd="sng" algn="ctr">
+                      <a:solidFill>
+                        <a:srgbClr val="000000"/>
+                      </a:solidFill>
+                      <a:prstDash val="solid"/>
+                      <a:round/>
+                      <a:headEnd type="none" w="med" len="med"/>
+                      <a:tailEnd type="none" w="med" len="med"/>
+                    </a:lnL>
+                    <a:lnR w="6350" cap="flat" cmpd="sng" algn="ctr">
+                      <a:solidFill>
+                        <a:srgbClr val="000000"/>
+                      </a:solidFill>
+                      <a:prstDash val="solid"/>
+                      <a:round/>
+                      <a:headEnd type="none" w="med" len="med"/>
+                      <a:tailEnd type="none" w="med" len="med"/>
+                    </a:lnR>
+                    <a:lnT w="6350" cap="flat" cmpd="sng" algn="ctr">
+                      <a:solidFill>
+                        <a:srgbClr val="000000"/>
+                      </a:solidFill>
+                      <a:prstDash val="solid"/>
+                      <a:round/>
+                      <a:headEnd type="none" w="med" len="med"/>
+                      <a:tailEnd type="none" w="med" len="med"/>
+                    </a:lnT>
+                    <a:lnB w="6350" cap="flat" cmpd="sng" algn="ctr">
+                      <a:solidFill>
+                        <a:srgbClr val="000000"/>
+                      </a:solidFill>
+                      <a:prstDash val="solid"/>
+                      <a:round/>
+                      <a:headEnd type="none" w="med" len="med"/>
+                      <a:tailEnd type="none" w="med" len="med"/>
+                    </a:lnB>
+                  </a:tcPr>
+                </a:tc>
+                <a:tc>
+                  <a:txBody>
+                    <a:bodyPr/>
+                    <a:lstStyle/>
+                    <a:p>
+                      <a:pPr algn="l" fontAlgn="b"/>
+                      <a:r>
+                        <a:rPr lang="en-US" sz="1100" b="0" i="0" u="none" strike="noStrike">
+                          <a:solidFill>
+                            <a:srgbClr val="000000"/>
+                          </a:solidFill>
+                          <a:effectLst/>
+                          <a:latin typeface="Calibri" panose="020F0502020204030204" pitchFamily="34" charset="0"/>
+                        </a:rPr>
+                        <a:t> TN</a:t>
+                      </a:r>
+                    </a:p>
+                  </a:txBody>
+                  <a:tcPr marL="6350" marR="6350" marT="6350" marB="0" anchor="b">
+                    <a:lnL w="6350" cap="flat" cmpd="sng" algn="ctr">
+                      <a:solidFill>
+                        <a:srgbClr val="000000"/>
+                      </a:solidFill>
+                      <a:prstDash val="solid"/>
+                      <a:round/>
+                      <a:headEnd type="none" w="med" len="med"/>
+                      <a:tailEnd type="none" w="med" len="med"/>
+                    </a:lnL>
+                    <a:lnR w="6350" cap="flat" cmpd="sng" algn="ctr">
+                      <a:solidFill>
+                        <a:srgbClr val="000000"/>
+                      </a:solidFill>
+                      <a:prstDash val="solid"/>
+                      <a:round/>
+                      <a:headEnd type="none" w="med" len="med"/>
+                      <a:tailEnd type="none" w="med" len="med"/>
+                    </a:lnR>
+                    <a:lnT w="6350" cap="flat" cmpd="sng" algn="ctr">
+                      <a:solidFill>
+                        <a:srgbClr val="000000"/>
+                      </a:solidFill>
+                      <a:prstDash val="solid"/>
+                      <a:round/>
+                      <a:headEnd type="none" w="med" len="med"/>
+                      <a:tailEnd type="none" w="med" len="med"/>
+                    </a:lnT>
+                    <a:lnB w="6350" cap="flat" cmpd="sng" algn="ctr">
+                      <a:solidFill>
+                        <a:srgbClr val="000000"/>
+                      </a:solidFill>
+                      <a:prstDash val="solid"/>
+                      <a:round/>
+                      <a:headEnd type="none" w="med" len="med"/>
+                      <a:tailEnd type="none" w="med" len="med"/>
+                    </a:lnB>
+                  </a:tcPr>
+                </a:tc>
+                <a:tc>
+                  <a:txBody>
+                    <a:bodyPr/>
+                    <a:lstStyle/>
+                    <a:p>
+                      <a:pPr algn="r" fontAlgn="b"/>
+                      <a:r>
+                        <a:rPr lang="en-US" sz="1100" b="0" i="0" u="none" strike="noStrike">
+                          <a:solidFill>
+                            <a:srgbClr val="000000"/>
+                          </a:solidFill>
+                          <a:effectLst/>
+                          <a:latin typeface="Calibri" panose="020F0502020204030204" pitchFamily="34" charset="0"/>
+                        </a:rPr>
+                        <a:t>6</a:t>
+                      </a:r>
+                    </a:p>
+                  </a:txBody>
+                  <a:tcPr marL="6350" marR="6350" marT="6350" marB="0" anchor="b">
+                    <a:lnL w="6350" cap="flat" cmpd="sng" algn="ctr">
+                      <a:solidFill>
+                        <a:srgbClr val="000000"/>
+                      </a:solidFill>
+                      <a:prstDash val="solid"/>
+                      <a:round/>
+                      <a:headEnd type="none" w="med" len="med"/>
+                      <a:tailEnd type="none" w="med" len="med"/>
+                    </a:lnL>
+                    <a:lnR w="6350" cap="flat" cmpd="sng" algn="ctr">
+                      <a:solidFill>
+                        <a:srgbClr val="000000"/>
+                      </a:solidFill>
+                      <a:prstDash val="solid"/>
+                      <a:round/>
+                      <a:headEnd type="none" w="med" len="med"/>
+                      <a:tailEnd type="none" w="med" len="med"/>
+                    </a:lnR>
+                    <a:lnT w="6350" cap="flat" cmpd="sng" algn="ctr">
+                      <a:solidFill>
+                        <a:srgbClr val="000000"/>
+                      </a:solidFill>
+                      <a:prstDash val="solid"/>
+                      <a:round/>
+                      <a:headEnd type="none" w="med" len="med"/>
+                      <a:tailEnd type="none" w="med" len="med"/>
+                    </a:lnT>
+                    <a:lnB w="6350" cap="flat" cmpd="sng" algn="ctr">
+                      <a:solidFill>
+                        <a:srgbClr val="000000"/>
+                      </a:solidFill>
+                      <a:prstDash val="solid"/>
+                      <a:round/>
+                      <a:headEnd type="none" w="med" len="med"/>
+                      <a:tailEnd type="none" w="med" len="med"/>
+                    </a:lnB>
+                  </a:tcPr>
+                </a:tc>
+                <a:extLst>
+                  <a:ext uri="{0D108BD9-81ED-4DB2-BD59-A6C34878D82A}">
+                    <a16:rowId xmlns:a16="http://schemas.microsoft.com/office/drawing/2014/main" val="914401312"/>
+                  </a:ext>
+                </a:extLst>
+              </a:tr>
+              <a:tr h="238472">
+                <a:tc>
+                  <a:txBody>
+                    <a:bodyPr/>
+                    <a:lstStyle/>
+                    <a:p>
+                      <a:pPr algn="l" fontAlgn="b"/>
+                      <a:r>
+                        <a:rPr lang="en-US" sz="1100" b="0" i="0" u="none" strike="noStrike">
+                          <a:solidFill>
+                            <a:srgbClr val="000000"/>
+                          </a:solidFill>
+                          <a:effectLst/>
+                          <a:latin typeface="Calibri" panose="020F0502020204030204" pitchFamily="34" charset="0"/>
+                        </a:rPr>
+                        <a:t> PA</a:t>
+                      </a:r>
+                    </a:p>
+                  </a:txBody>
+                  <a:tcPr marL="6350" marR="6350" marT="6350" marB="0" anchor="b">
+                    <a:lnL w="6350" cap="flat" cmpd="sng" algn="ctr">
+                      <a:solidFill>
+                        <a:srgbClr val="000000"/>
+                      </a:solidFill>
+                      <a:prstDash val="solid"/>
+                      <a:round/>
+                      <a:headEnd type="none" w="med" len="med"/>
+                      <a:tailEnd type="none" w="med" len="med"/>
+                    </a:lnL>
+                    <a:lnR w="6350" cap="flat" cmpd="sng" algn="ctr">
+                      <a:solidFill>
+                        <a:srgbClr val="000000"/>
+                      </a:solidFill>
+                      <a:prstDash val="solid"/>
+                      <a:round/>
+                      <a:headEnd type="none" w="med" len="med"/>
+                      <a:tailEnd type="none" w="med" len="med"/>
+                    </a:lnR>
+                    <a:lnT w="6350" cap="flat" cmpd="sng" algn="ctr">
+                      <a:solidFill>
+                        <a:srgbClr val="000000"/>
+                      </a:solidFill>
+                      <a:prstDash val="solid"/>
+                      <a:round/>
+                      <a:headEnd type="none" w="med" len="med"/>
+                      <a:tailEnd type="none" w="med" len="med"/>
+                    </a:lnT>
+                    <a:lnB w="6350" cap="flat" cmpd="sng" algn="ctr">
+                      <a:solidFill>
+                        <a:srgbClr val="000000"/>
+                      </a:solidFill>
+                      <a:prstDash val="solid"/>
+                      <a:round/>
+                      <a:headEnd type="none" w="med" len="med"/>
+                      <a:tailEnd type="none" w="med" len="med"/>
+                    </a:lnB>
+                  </a:tcPr>
+                </a:tc>
+                <a:tc>
+                  <a:txBody>
+                    <a:bodyPr/>
+                    <a:lstStyle/>
+                    <a:p>
+                      <a:pPr algn="r" fontAlgn="b"/>
+                      <a:r>
+                        <a:rPr lang="en-US" sz="1100" b="0" i="0" u="none" strike="noStrike">
+                          <a:solidFill>
+                            <a:srgbClr val="000000"/>
+                          </a:solidFill>
+                          <a:effectLst/>
+                          <a:latin typeface="Calibri" panose="020F0502020204030204" pitchFamily="34" charset="0"/>
+                        </a:rPr>
+                        <a:t>100</a:t>
+                      </a:r>
+                    </a:p>
+                  </a:txBody>
+                  <a:tcPr marL="6350" marR="6350" marT="6350" marB="0" anchor="b">
+                    <a:lnL w="6350" cap="flat" cmpd="sng" algn="ctr">
+                      <a:solidFill>
+                        <a:srgbClr val="000000"/>
+                      </a:solidFill>
+                      <a:prstDash val="solid"/>
+                      <a:round/>
+                      <a:headEnd type="none" w="med" len="med"/>
+                      <a:tailEnd type="none" w="med" len="med"/>
+                    </a:lnL>
+                    <a:lnR w="6350" cap="flat" cmpd="sng" algn="ctr">
+                      <a:solidFill>
+                        <a:srgbClr val="000000"/>
+                      </a:solidFill>
+                      <a:prstDash val="solid"/>
+                      <a:round/>
+                      <a:headEnd type="none" w="med" len="med"/>
+                      <a:tailEnd type="none" w="med" len="med"/>
+                    </a:lnR>
+                    <a:lnT w="6350" cap="flat" cmpd="sng" algn="ctr">
+                      <a:solidFill>
+                        <a:srgbClr val="000000"/>
+                      </a:solidFill>
+                      <a:prstDash val="solid"/>
+                      <a:round/>
+                      <a:headEnd type="none" w="med" len="med"/>
+                      <a:tailEnd type="none" w="med" len="med"/>
+                    </a:lnT>
+                    <a:lnB w="6350" cap="flat" cmpd="sng" algn="ctr">
+                      <a:solidFill>
+                        <a:srgbClr val="000000"/>
+                      </a:solidFill>
+                      <a:prstDash val="solid"/>
+                      <a:round/>
+                      <a:headEnd type="none" w="med" len="med"/>
+                      <a:tailEnd type="none" w="med" len="med"/>
+                    </a:lnB>
+                  </a:tcPr>
+                </a:tc>
+                <a:tc>
+                  <a:txBody>
+                    <a:bodyPr/>
+                    <a:lstStyle/>
+                    <a:p>
+                      <a:pPr algn="l" fontAlgn="b"/>
+                      <a:r>
+                        <a:rPr lang="en-US" sz="1100" b="0" i="0" u="none" strike="noStrike">
+                          <a:solidFill>
+                            <a:srgbClr val="000000"/>
+                          </a:solidFill>
+                          <a:effectLst/>
+                          <a:latin typeface="Calibri" panose="020F0502020204030204" pitchFamily="34" charset="0"/>
+                        </a:rPr>
+                        <a:t> AZ</a:t>
+                      </a:r>
+                    </a:p>
+                  </a:txBody>
+                  <a:tcPr marL="6350" marR="6350" marT="6350" marB="0" anchor="b">
+                    <a:lnL w="6350" cap="flat" cmpd="sng" algn="ctr">
+                      <a:solidFill>
+                        <a:srgbClr val="000000"/>
+                      </a:solidFill>
+                      <a:prstDash val="solid"/>
+                      <a:round/>
+                      <a:headEnd type="none" w="med" len="med"/>
+                      <a:tailEnd type="none" w="med" len="med"/>
+                    </a:lnL>
+                    <a:lnR w="6350" cap="flat" cmpd="sng" algn="ctr">
+                      <a:solidFill>
+                        <a:srgbClr val="000000"/>
+                      </a:solidFill>
+                      <a:prstDash val="solid"/>
+                      <a:round/>
+                      <a:headEnd type="none" w="med" len="med"/>
+                      <a:tailEnd type="none" w="med" len="med"/>
+                    </a:lnR>
+                    <a:lnT w="6350" cap="flat" cmpd="sng" algn="ctr">
+                      <a:solidFill>
+                        <a:srgbClr val="000000"/>
+                      </a:solidFill>
+                      <a:prstDash val="solid"/>
+                      <a:round/>
+                      <a:headEnd type="none" w="med" len="med"/>
+                      <a:tailEnd type="none" w="med" len="med"/>
+                    </a:lnT>
+                    <a:lnB w="6350" cap="flat" cmpd="sng" algn="ctr">
+                      <a:solidFill>
+                        <a:srgbClr val="000000"/>
+                      </a:solidFill>
+                      <a:prstDash val="solid"/>
+                      <a:round/>
+                      <a:headEnd type="none" w="med" len="med"/>
+                      <a:tailEnd type="none" w="med" len="med"/>
+                    </a:lnB>
+                  </a:tcPr>
+                </a:tc>
+                <a:tc>
+                  <a:txBody>
+                    <a:bodyPr/>
+                    <a:lstStyle/>
+                    <a:p>
+                      <a:pPr algn="r" fontAlgn="b"/>
+                      <a:r>
+                        <a:rPr lang="en-US" sz="1100" b="0" i="0" u="none" strike="noStrike">
+                          <a:solidFill>
+                            <a:srgbClr val="000000"/>
+                          </a:solidFill>
+                          <a:effectLst/>
+                          <a:latin typeface="Calibri" panose="020F0502020204030204" pitchFamily="34" charset="0"/>
+                        </a:rPr>
+                        <a:t>47</a:t>
+                      </a:r>
+                    </a:p>
+                  </a:txBody>
+                  <a:tcPr marL="6350" marR="6350" marT="6350" marB="0" anchor="b">
+                    <a:lnL w="6350" cap="flat" cmpd="sng" algn="ctr">
+                      <a:solidFill>
+                        <a:srgbClr val="000000"/>
+                      </a:solidFill>
+                      <a:prstDash val="solid"/>
+                      <a:round/>
+                      <a:headEnd type="none" w="med" len="med"/>
+                      <a:tailEnd type="none" w="med" len="med"/>
+                    </a:lnL>
+                    <a:lnR w="6350" cap="flat" cmpd="sng" algn="ctr">
+                      <a:solidFill>
+                        <a:srgbClr val="000000"/>
+                      </a:solidFill>
+                      <a:prstDash val="solid"/>
+                      <a:round/>
+                      <a:headEnd type="none" w="med" len="med"/>
+                      <a:tailEnd type="none" w="med" len="med"/>
+                    </a:lnR>
+                    <a:lnT w="6350" cap="flat" cmpd="sng" algn="ctr">
+                      <a:solidFill>
+                        <a:srgbClr val="000000"/>
+                      </a:solidFill>
+                      <a:prstDash val="solid"/>
+                      <a:round/>
+                      <a:headEnd type="none" w="med" len="med"/>
+                      <a:tailEnd type="none" w="med" len="med"/>
+                    </a:lnT>
+                    <a:lnB w="6350" cap="flat" cmpd="sng" algn="ctr">
+                      <a:solidFill>
+                        <a:srgbClr val="000000"/>
+                      </a:solidFill>
+                      <a:prstDash val="solid"/>
+                      <a:round/>
+                      <a:headEnd type="none" w="med" len="med"/>
+                      <a:tailEnd type="none" w="med" len="med"/>
+                    </a:lnB>
+                  </a:tcPr>
+                </a:tc>
+                <a:tc>
+                  <a:txBody>
+                    <a:bodyPr/>
+                    <a:lstStyle/>
+                    <a:p>
+                      <a:pPr algn="l" fontAlgn="b"/>
+                      <a:r>
+                        <a:rPr lang="en-US" sz="1100" b="0" i="0" u="none" strike="noStrike">
+                          <a:solidFill>
+                            <a:srgbClr val="000000"/>
+                          </a:solidFill>
+                          <a:effectLst/>
+                          <a:latin typeface="Calibri" panose="020F0502020204030204" pitchFamily="34" charset="0"/>
+                        </a:rPr>
+                        <a:t> VT</a:t>
+                      </a:r>
+                    </a:p>
+                  </a:txBody>
+                  <a:tcPr marL="6350" marR="6350" marT="6350" marB="0" anchor="b">
+                    <a:lnL w="6350" cap="flat" cmpd="sng" algn="ctr">
+                      <a:solidFill>
+                        <a:srgbClr val="000000"/>
+                      </a:solidFill>
+                      <a:prstDash val="solid"/>
+                      <a:round/>
+                      <a:headEnd type="none" w="med" len="med"/>
+                      <a:tailEnd type="none" w="med" len="med"/>
+                    </a:lnL>
+                    <a:lnR w="6350" cap="flat" cmpd="sng" algn="ctr">
+                      <a:solidFill>
+                        <a:srgbClr val="000000"/>
+                      </a:solidFill>
+                      <a:prstDash val="solid"/>
+                      <a:round/>
+                      <a:headEnd type="none" w="med" len="med"/>
+                      <a:tailEnd type="none" w="med" len="med"/>
+                    </a:lnR>
+                    <a:lnT w="6350" cap="flat" cmpd="sng" algn="ctr">
+                      <a:solidFill>
+                        <a:srgbClr val="000000"/>
+                      </a:solidFill>
+                      <a:prstDash val="solid"/>
+                      <a:round/>
+                      <a:headEnd type="none" w="med" len="med"/>
+                      <a:tailEnd type="none" w="med" len="med"/>
+                    </a:lnT>
+                    <a:lnB w="6350" cap="flat" cmpd="sng" algn="ctr">
+                      <a:solidFill>
+                        <a:srgbClr val="000000"/>
+                      </a:solidFill>
+                      <a:prstDash val="solid"/>
+                      <a:round/>
+                      <a:headEnd type="none" w="med" len="med"/>
+                      <a:tailEnd type="none" w="med" len="med"/>
+                    </a:lnB>
+                  </a:tcPr>
+                </a:tc>
+                <a:tc>
+                  <a:txBody>
+                    <a:bodyPr/>
+                    <a:lstStyle/>
+                    <a:p>
+                      <a:pPr algn="r" fontAlgn="b"/>
+                      <a:r>
+                        <a:rPr lang="en-US" sz="1100" b="0" i="0" u="none" strike="noStrike">
+                          <a:solidFill>
+                            <a:srgbClr val="000000"/>
+                          </a:solidFill>
+                          <a:effectLst/>
+                          <a:latin typeface="Calibri" panose="020F0502020204030204" pitchFamily="34" charset="0"/>
+                        </a:rPr>
+                        <a:t>27</a:t>
+                      </a:r>
+                    </a:p>
+                  </a:txBody>
+                  <a:tcPr marL="6350" marR="6350" marT="6350" marB="0" anchor="b">
+                    <a:lnL w="6350" cap="flat" cmpd="sng" algn="ctr">
+                      <a:solidFill>
+                        <a:srgbClr val="000000"/>
+                      </a:solidFill>
+                      <a:prstDash val="solid"/>
+                      <a:round/>
+                      <a:headEnd type="none" w="med" len="med"/>
+                      <a:tailEnd type="none" w="med" len="med"/>
+                    </a:lnL>
+                    <a:lnR w="6350" cap="flat" cmpd="sng" algn="ctr">
+                      <a:solidFill>
+                        <a:srgbClr val="000000"/>
+                      </a:solidFill>
+                      <a:prstDash val="solid"/>
+                      <a:round/>
+                      <a:headEnd type="none" w="med" len="med"/>
+                      <a:tailEnd type="none" w="med" len="med"/>
+                    </a:lnR>
+                    <a:lnT w="6350" cap="flat" cmpd="sng" algn="ctr">
+                      <a:solidFill>
+                        <a:srgbClr val="000000"/>
+                      </a:solidFill>
+                      <a:prstDash val="solid"/>
+                      <a:round/>
+                      <a:headEnd type="none" w="med" len="med"/>
+                      <a:tailEnd type="none" w="med" len="med"/>
+                    </a:lnT>
+                    <a:lnB w="6350" cap="flat" cmpd="sng" algn="ctr">
+                      <a:solidFill>
+                        <a:srgbClr val="000000"/>
+                      </a:solidFill>
+                      <a:prstDash val="solid"/>
+                      <a:round/>
+                      <a:headEnd type="none" w="med" len="med"/>
+                      <a:tailEnd type="none" w="med" len="med"/>
+                    </a:lnB>
+                  </a:tcPr>
+                </a:tc>
+                <a:tc>
+                  <a:txBody>
+                    <a:bodyPr/>
+                    <a:lstStyle/>
+                    <a:p>
+                      <a:pPr algn="l" fontAlgn="b"/>
+                      <a:r>
+                        <a:rPr lang="en-US" sz="1100" b="0" i="0" u="none" strike="noStrike">
+                          <a:solidFill>
+                            <a:srgbClr val="000000"/>
+                          </a:solidFill>
+                          <a:effectLst/>
+                          <a:latin typeface="Calibri" panose="020F0502020204030204" pitchFamily="34" charset="0"/>
+                        </a:rPr>
+                        <a:t> WY</a:t>
+                      </a:r>
+                    </a:p>
+                  </a:txBody>
+                  <a:tcPr marL="6350" marR="6350" marT="6350" marB="0" anchor="b">
+                    <a:lnL w="6350" cap="flat" cmpd="sng" algn="ctr">
+                      <a:solidFill>
+                        <a:srgbClr val="000000"/>
+                      </a:solidFill>
+                      <a:prstDash val="solid"/>
+                      <a:round/>
+                      <a:headEnd type="none" w="med" len="med"/>
+                      <a:tailEnd type="none" w="med" len="med"/>
+                    </a:lnL>
+                    <a:lnR w="6350" cap="flat" cmpd="sng" algn="ctr">
+                      <a:solidFill>
+                        <a:srgbClr val="000000"/>
+                      </a:solidFill>
+                      <a:prstDash val="solid"/>
+                      <a:round/>
+                      <a:headEnd type="none" w="med" len="med"/>
+                      <a:tailEnd type="none" w="med" len="med"/>
+                    </a:lnR>
+                    <a:lnT w="6350" cap="flat" cmpd="sng" algn="ctr">
+                      <a:solidFill>
+                        <a:srgbClr val="000000"/>
+                      </a:solidFill>
+                      <a:prstDash val="solid"/>
+                      <a:round/>
+                      <a:headEnd type="none" w="med" len="med"/>
+                      <a:tailEnd type="none" w="med" len="med"/>
+                    </a:lnT>
+                    <a:lnB w="6350" cap="flat" cmpd="sng" algn="ctr">
+                      <a:solidFill>
+                        <a:srgbClr val="000000"/>
+                      </a:solidFill>
+                      <a:prstDash val="solid"/>
+                      <a:round/>
+                      <a:headEnd type="none" w="med" len="med"/>
+                      <a:tailEnd type="none" w="med" len="med"/>
+                    </a:lnB>
+                  </a:tcPr>
+                </a:tc>
+                <a:tc>
+                  <a:txBody>
+                    <a:bodyPr/>
+                    <a:lstStyle/>
+                    <a:p>
+                      <a:pPr algn="r" fontAlgn="b"/>
+                      <a:r>
+                        <a:rPr lang="en-US" sz="1100" b="0" i="0" u="none" strike="noStrike">
+                          <a:solidFill>
+                            <a:srgbClr val="000000"/>
+                          </a:solidFill>
+                          <a:effectLst/>
+                          <a:latin typeface="Calibri" panose="020F0502020204030204" pitchFamily="34" charset="0"/>
+                        </a:rPr>
+                        <a:t>15</a:t>
+                      </a:r>
+                    </a:p>
+                  </a:txBody>
+                  <a:tcPr marL="6350" marR="6350" marT="6350" marB="0" anchor="b">
+                    <a:lnL w="6350" cap="flat" cmpd="sng" algn="ctr">
+                      <a:solidFill>
+                        <a:srgbClr val="000000"/>
+                      </a:solidFill>
+                      <a:prstDash val="solid"/>
+                      <a:round/>
+                      <a:headEnd type="none" w="med" len="med"/>
+                      <a:tailEnd type="none" w="med" len="med"/>
+                    </a:lnL>
+                    <a:lnR w="6350" cap="flat" cmpd="sng" algn="ctr">
+                      <a:solidFill>
+                        <a:srgbClr val="000000"/>
+                      </a:solidFill>
+                      <a:prstDash val="solid"/>
+                      <a:round/>
+                      <a:headEnd type="none" w="med" len="med"/>
+                      <a:tailEnd type="none" w="med" len="med"/>
+                    </a:lnR>
+                    <a:lnT w="6350" cap="flat" cmpd="sng" algn="ctr">
+                      <a:solidFill>
+                        <a:srgbClr val="000000"/>
+                      </a:solidFill>
+                      <a:prstDash val="solid"/>
+                      <a:round/>
+                      <a:headEnd type="none" w="med" len="med"/>
+                      <a:tailEnd type="none" w="med" len="med"/>
+                    </a:lnT>
+                    <a:lnB w="6350" cap="flat" cmpd="sng" algn="ctr">
+                      <a:solidFill>
+                        <a:srgbClr val="000000"/>
+                      </a:solidFill>
+                      <a:prstDash val="solid"/>
+                      <a:round/>
+                      <a:headEnd type="none" w="med" len="med"/>
+                      <a:tailEnd type="none" w="med" len="med"/>
+                    </a:lnB>
+                  </a:tcPr>
+                </a:tc>
+                <a:tc>
+                  <a:txBody>
+                    <a:bodyPr/>
+                    <a:lstStyle/>
+                    <a:p>
+                      <a:pPr algn="l" fontAlgn="b"/>
+                      <a:r>
+                        <a:rPr lang="en-US" sz="1100" b="0" i="0" u="none" strike="noStrike">
+                          <a:solidFill>
+                            <a:srgbClr val="000000"/>
+                          </a:solidFill>
+                          <a:effectLst/>
+                          <a:latin typeface="Calibri" panose="020F0502020204030204" pitchFamily="34" charset="0"/>
+                        </a:rPr>
+                        <a:t> AR</a:t>
+                      </a:r>
+                    </a:p>
+                  </a:txBody>
+                  <a:tcPr marL="6350" marR="6350" marT="6350" marB="0" anchor="b">
+                    <a:lnL w="6350" cap="flat" cmpd="sng" algn="ctr">
+                      <a:solidFill>
+                        <a:srgbClr val="000000"/>
+                      </a:solidFill>
+                      <a:prstDash val="solid"/>
+                      <a:round/>
+                      <a:headEnd type="none" w="med" len="med"/>
+                      <a:tailEnd type="none" w="med" len="med"/>
+                    </a:lnL>
+                    <a:lnR w="6350" cap="flat" cmpd="sng" algn="ctr">
+                      <a:solidFill>
+                        <a:srgbClr val="000000"/>
+                      </a:solidFill>
+                      <a:prstDash val="solid"/>
+                      <a:round/>
+                      <a:headEnd type="none" w="med" len="med"/>
+                      <a:tailEnd type="none" w="med" len="med"/>
+                    </a:lnR>
+                    <a:lnT w="6350" cap="flat" cmpd="sng" algn="ctr">
+                      <a:solidFill>
+                        <a:srgbClr val="000000"/>
+                      </a:solidFill>
+                      <a:prstDash val="solid"/>
+                      <a:round/>
+                      <a:headEnd type="none" w="med" len="med"/>
+                      <a:tailEnd type="none" w="med" len="med"/>
+                    </a:lnT>
+                    <a:lnB w="6350" cap="flat" cmpd="sng" algn="ctr">
+                      <a:solidFill>
+                        <a:srgbClr val="000000"/>
+                      </a:solidFill>
+                      <a:prstDash val="solid"/>
+                      <a:round/>
+                      <a:headEnd type="none" w="med" len="med"/>
+                      <a:tailEnd type="none" w="med" len="med"/>
+                    </a:lnB>
+                  </a:tcPr>
+                </a:tc>
+                <a:tc>
+                  <a:txBody>
+                    <a:bodyPr/>
+                    <a:lstStyle/>
+                    <a:p>
+                      <a:pPr algn="r" fontAlgn="b"/>
+                      <a:r>
+                        <a:rPr lang="en-US" sz="1100" b="0" i="0" u="none" strike="noStrike">
+                          <a:solidFill>
+                            <a:srgbClr val="000000"/>
+                          </a:solidFill>
+                          <a:effectLst/>
+                          <a:latin typeface="Calibri" panose="020F0502020204030204" pitchFamily="34" charset="0"/>
+                        </a:rPr>
+                        <a:t>5</a:t>
+                      </a:r>
+                    </a:p>
+                  </a:txBody>
+                  <a:tcPr marL="6350" marR="6350" marT="6350" marB="0" anchor="b">
+                    <a:lnL w="6350" cap="flat" cmpd="sng" algn="ctr">
+                      <a:solidFill>
+                        <a:srgbClr val="000000"/>
+                      </a:solidFill>
+                      <a:prstDash val="solid"/>
+                      <a:round/>
+                      <a:headEnd type="none" w="med" len="med"/>
+                      <a:tailEnd type="none" w="med" len="med"/>
+                    </a:lnL>
+                    <a:lnR w="6350" cap="flat" cmpd="sng" algn="ctr">
+                      <a:solidFill>
+                        <a:srgbClr val="000000"/>
+                      </a:solidFill>
+                      <a:prstDash val="solid"/>
+                      <a:round/>
+                      <a:headEnd type="none" w="med" len="med"/>
+                      <a:tailEnd type="none" w="med" len="med"/>
+                    </a:lnR>
+                    <a:lnT w="6350" cap="flat" cmpd="sng" algn="ctr">
+                      <a:solidFill>
+                        <a:srgbClr val="000000"/>
+                      </a:solidFill>
+                      <a:prstDash val="solid"/>
+                      <a:round/>
+                      <a:headEnd type="none" w="med" len="med"/>
+                      <a:tailEnd type="none" w="med" len="med"/>
+                    </a:lnT>
+                    <a:lnB w="6350" cap="flat" cmpd="sng" algn="ctr">
+                      <a:solidFill>
+                        <a:srgbClr val="000000"/>
+                      </a:solidFill>
+                      <a:prstDash val="solid"/>
+                      <a:round/>
+                      <a:headEnd type="none" w="med" len="med"/>
+                      <a:tailEnd type="none" w="med" len="med"/>
+                    </a:lnB>
+                  </a:tcPr>
+                </a:tc>
+                <a:extLst>
+                  <a:ext uri="{0D108BD9-81ED-4DB2-BD59-A6C34878D82A}">
+                    <a16:rowId xmlns:a16="http://schemas.microsoft.com/office/drawing/2014/main" val="3721106200"/>
+                  </a:ext>
+                </a:extLst>
+              </a:tr>
+              <a:tr h="238472">
+                <a:tc>
+                  <a:txBody>
+                    <a:bodyPr/>
+                    <a:lstStyle/>
+                    <a:p>
+                      <a:pPr algn="l" fontAlgn="b"/>
+                      <a:r>
+                        <a:rPr lang="en-US" sz="1100" b="0" i="0" u="none" strike="noStrike">
+                          <a:solidFill>
+                            <a:srgbClr val="000000"/>
+                          </a:solidFill>
+                          <a:effectLst/>
+                          <a:latin typeface="Calibri" panose="020F0502020204030204" pitchFamily="34" charset="0"/>
+                        </a:rPr>
+                        <a:t> IL</a:t>
+                      </a:r>
+                    </a:p>
+                  </a:txBody>
+                  <a:tcPr marL="6350" marR="6350" marT="6350" marB="0" anchor="b">
+                    <a:lnL w="6350" cap="flat" cmpd="sng" algn="ctr">
+                      <a:solidFill>
+                        <a:srgbClr val="000000"/>
+                      </a:solidFill>
+                      <a:prstDash val="solid"/>
+                      <a:round/>
+                      <a:headEnd type="none" w="med" len="med"/>
+                      <a:tailEnd type="none" w="med" len="med"/>
+                    </a:lnL>
+                    <a:lnR w="6350" cap="flat" cmpd="sng" algn="ctr">
+                      <a:solidFill>
+                        <a:srgbClr val="000000"/>
+                      </a:solidFill>
+                      <a:prstDash val="solid"/>
+                      <a:round/>
+                      <a:headEnd type="none" w="med" len="med"/>
+                      <a:tailEnd type="none" w="med" len="med"/>
+                    </a:lnR>
+                    <a:lnT w="6350" cap="flat" cmpd="sng" algn="ctr">
+                      <a:solidFill>
+                        <a:srgbClr val="000000"/>
+                      </a:solidFill>
+                      <a:prstDash val="solid"/>
+                      <a:round/>
+                      <a:headEnd type="none" w="med" len="med"/>
+                      <a:tailEnd type="none" w="med" len="med"/>
+                    </a:lnT>
+                    <a:lnB w="6350" cap="flat" cmpd="sng" algn="ctr">
+                      <a:solidFill>
+                        <a:srgbClr val="000000"/>
+                      </a:solidFill>
+                      <a:prstDash val="solid"/>
+                      <a:round/>
+                      <a:headEnd type="none" w="med" len="med"/>
+                      <a:tailEnd type="none" w="med" len="med"/>
+                    </a:lnB>
+                  </a:tcPr>
+                </a:tc>
+                <a:tc>
+                  <a:txBody>
+                    <a:bodyPr/>
+                    <a:lstStyle/>
+                    <a:p>
+                      <a:pPr algn="r" fontAlgn="b"/>
+                      <a:r>
+                        <a:rPr lang="en-US" sz="1100" b="0" i="0" u="none" strike="noStrike">
+                          <a:solidFill>
+                            <a:srgbClr val="000000"/>
+                          </a:solidFill>
+                          <a:effectLst/>
+                          <a:latin typeface="Calibri" panose="020F0502020204030204" pitchFamily="34" charset="0"/>
+                        </a:rPr>
+                        <a:t>91</a:t>
+                      </a:r>
+                    </a:p>
+                  </a:txBody>
+                  <a:tcPr marL="6350" marR="6350" marT="6350" marB="0" anchor="b">
+                    <a:lnL w="6350" cap="flat" cmpd="sng" algn="ctr">
+                      <a:solidFill>
+                        <a:srgbClr val="000000"/>
+                      </a:solidFill>
+                      <a:prstDash val="solid"/>
+                      <a:round/>
+                      <a:headEnd type="none" w="med" len="med"/>
+                      <a:tailEnd type="none" w="med" len="med"/>
+                    </a:lnL>
+                    <a:lnR w="6350" cap="flat" cmpd="sng" algn="ctr">
+                      <a:solidFill>
+                        <a:srgbClr val="000000"/>
+                      </a:solidFill>
+                      <a:prstDash val="solid"/>
+                      <a:round/>
+                      <a:headEnd type="none" w="med" len="med"/>
+                      <a:tailEnd type="none" w="med" len="med"/>
+                    </a:lnR>
+                    <a:lnT w="6350" cap="flat" cmpd="sng" algn="ctr">
+                      <a:solidFill>
+                        <a:srgbClr val="000000"/>
+                      </a:solidFill>
+                      <a:prstDash val="solid"/>
+                      <a:round/>
+                      <a:headEnd type="none" w="med" len="med"/>
+                      <a:tailEnd type="none" w="med" len="med"/>
+                    </a:lnT>
+                    <a:lnB w="6350" cap="flat" cmpd="sng" algn="ctr">
+                      <a:solidFill>
+                        <a:srgbClr val="000000"/>
+                      </a:solidFill>
+                      <a:prstDash val="solid"/>
+                      <a:round/>
+                      <a:headEnd type="none" w="med" len="med"/>
+                      <a:tailEnd type="none" w="med" len="med"/>
+                    </a:lnB>
+                  </a:tcPr>
+                </a:tc>
+                <a:tc>
+                  <a:txBody>
+                    <a:bodyPr/>
+                    <a:lstStyle/>
+                    <a:p>
+                      <a:pPr algn="l" fontAlgn="b"/>
+                      <a:r>
+                        <a:rPr lang="en-US" sz="1100" b="0" i="0" u="none" strike="noStrike">
+                          <a:solidFill>
+                            <a:srgbClr val="000000"/>
+                          </a:solidFill>
+                          <a:effectLst/>
+                          <a:latin typeface="Calibri" panose="020F0502020204030204" pitchFamily="34" charset="0"/>
+                        </a:rPr>
+                        <a:t> MO</a:t>
+                      </a:r>
+                    </a:p>
+                  </a:txBody>
+                  <a:tcPr marL="6350" marR="6350" marT="6350" marB="0" anchor="b">
+                    <a:lnL w="6350" cap="flat" cmpd="sng" algn="ctr">
+                      <a:solidFill>
+                        <a:srgbClr val="000000"/>
+                      </a:solidFill>
+                      <a:prstDash val="solid"/>
+                      <a:round/>
+                      <a:headEnd type="none" w="med" len="med"/>
+                      <a:tailEnd type="none" w="med" len="med"/>
+                    </a:lnL>
+                    <a:lnR w="6350" cap="flat" cmpd="sng" algn="ctr">
+                      <a:solidFill>
+                        <a:srgbClr val="000000"/>
+                      </a:solidFill>
+                      <a:prstDash val="solid"/>
+                      <a:round/>
+                      <a:headEnd type="none" w="med" len="med"/>
+                      <a:tailEnd type="none" w="med" len="med"/>
+                    </a:lnR>
+                    <a:lnT w="6350" cap="flat" cmpd="sng" algn="ctr">
+                      <a:solidFill>
+                        <a:srgbClr val="000000"/>
+                      </a:solidFill>
+                      <a:prstDash val="solid"/>
+                      <a:round/>
+                      <a:headEnd type="none" w="med" len="med"/>
+                      <a:tailEnd type="none" w="med" len="med"/>
+                    </a:lnT>
+                    <a:lnB w="6350" cap="flat" cmpd="sng" algn="ctr">
+                      <a:solidFill>
+                        <a:srgbClr val="000000"/>
+                      </a:solidFill>
+                      <a:prstDash val="solid"/>
+                      <a:round/>
+                      <a:headEnd type="none" w="med" len="med"/>
+                      <a:tailEnd type="none" w="med" len="med"/>
+                    </a:lnB>
+                  </a:tcPr>
+                </a:tc>
+                <a:tc>
+                  <a:txBody>
+                    <a:bodyPr/>
+                    <a:lstStyle/>
+                    <a:p>
+                      <a:pPr algn="r" fontAlgn="b"/>
+                      <a:r>
+                        <a:rPr lang="en-US" sz="1100" b="0" i="0" u="none" strike="noStrike">
+                          <a:solidFill>
+                            <a:srgbClr val="000000"/>
+                          </a:solidFill>
+                          <a:effectLst/>
+                          <a:latin typeface="Calibri" panose="020F0502020204030204" pitchFamily="34" charset="0"/>
+                        </a:rPr>
+                        <a:t>42</a:t>
+                      </a:r>
+                    </a:p>
+                  </a:txBody>
+                  <a:tcPr marL="6350" marR="6350" marT="6350" marB="0" anchor="b">
+                    <a:lnL w="6350" cap="flat" cmpd="sng" algn="ctr">
+                      <a:solidFill>
+                        <a:srgbClr val="000000"/>
+                      </a:solidFill>
+                      <a:prstDash val="solid"/>
+                      <a:round/>
+                      <a:headEnd type="none" w="med" len="med"/>
+                      <a:tailEnd type="none" w="med" len="med"/>
+                    </a:lnL>
+                    <a:lnR w="6350" cap="flat" cmpd="sng" algn="ctr">
+                      <a:solidFill>
+                        <a:srgbClr val="000000"/>
+                      </a:solidFill>
+                      <a:prstDash val="solid"/>
+                      <a:round/>
+                      <a:headEnd type="none" w="med" len="med"/>
+                      <a:tailEnd type="none" w="med" len="med"/>
+                    </a:lnR>
+                    <a:lnT w="6350" cap="flat" cmpd="sng" algn="ctr">
+                      <a:solidFill>
+                        <a:srgbClr val="000000"/>
+                      </a:solidFill>
+                      <a:prstDash val="solid"/>
+                      <a:round/>
+                      <a:headEnd type="none" w="med" len="med"/>
+                      <a:tailEnd type="none" w="med" len="med"/>
+                    </a:lnT>
+                    <a:lnB w="6350" cap="flat" cmpd="sng" algn="ctr">
+                      <a:solidFill>
+                        <a:srgbClr val="000000"/>
+                      </a:solidFill>
+                      <a:prstDash val="solid"/>
+                      <a:round/>
+                      <a:headEnd type="none" w="med" len="med"/>
+                      <a:tailEnd type="none" w="med" len="med"/>
+                    </a:lnB>
+                  </a:tcPr>
+                </a:tc>
+                <a:tc>
+                  <a:txBody>
+                    <a:bodyPr/>
+                    <a:lstStyle/>
+                    <a:p>
+                      <a:pPr algn="l" fontAlgn="b"/>
+                      <a:r>
+                        <a:rPr lang="en-US" sz="1100" b="0" i="0" u="none" strike="noStrike">
+                          <a:solidFill>
+                            <a:srgbClr val="000000"/>
+                          </a:solidFill>
+                          <a:effectLst/>
+                          <a:latin typeface="Calibri" panose="020F0502020204030204" pitchFamily="34" charset="0"/>
+                        </a:rPr>
+                        <a:t> UT</a:t>
+                      </a:r>
+                    </a:p>
+                  </a:txBody>
+                  <a:tcPr marL="6350" marR="6350" marT="6350" marB="0" anchor="b">
+                    <a:lnL w="6350" cap="flat" cmpd="sng" algn="ctr">
+                      <a:solidFill>
+                        <a:srgbClr val="000000"/>
+                      </a:solidFill>
+                      <a:prstDash val="solid"/>
+                      <a:round/>
+                      <a:headEnd type="none" w="med" len="med"/>
+                      <a:tailEnd type="none" w="med" len="med"/>
+                    </a:lnL>
+                    <a:lnR w="6350" cap="flat" cmpd="sng" algn="ctr">
+                      <a:solidFill>
+                        <a:srgbClr val="000000"/>
+                      </a:solidFill>
+                      <a:prstDash val="solid"/>
+                      <a:round/>
+                      <a:headEnd type="none" w="med" len="med"/>
+                      <a:tailEnd type="none" w="med" len="med"/>
+                    </a:lnR>
+                    <a:lnT w="6350" cap="flat" cmpd="sng" algn="ctr">
+                      <a:solidFill>
+                        <a:srgbClr val="000000"/>
+                      </a:solidFill>
+                      <a:prstDash val="solid"/>
+                      <a:round/>
+                      <a:headEnd type="none" w="med" len="med"/>
+                      <a:tailEnd type="none" w="med" len="med"/>
+                    </a:lnT>
+                    <a:lnB w="6350" cap="flat" cmpd="sng" algn="ctr">
+                      <a:solidFill>
+                        <a:srgbClr val="000000"/>
+                      </a:solidFill>
+                      <a:prstDash val="solid"/>
+                      <a:round/>
+                      <a:headEnd type="none" w="med" len="med"/>
+                      <a:tailEnd type="none" w="med" len="med"/>
+                    </a:lnB>
+                  </a:tcPr>
+                </a:tc>
+                <a:tc>
+                  <a:txBody>
+                    <a:bodyPr/>
+                    <a:lstStyle/>
+                    <a:p>
+                      <a:pPr algn="r" fontAlgn="b"/>
+                      <a:r>
+                        <a:rPr lang="en-US" sz="1100" b="0" i="0" u="none" strike="noStrike">
+                          <a:solidFill>
+                            <a:srgbClr val="000000"/>
+                          </a:solidFill>
+                          <a:effectLst/>
+                          <a:latin typeface="Calibri" panose="020F0502020204030204" pitchFamily="34" charset="0"/>
+                        </a:rPr>
+                        <a:t>26</a:t>
+                      </a:r>
+                    </a:p>
+                  </a:txBody>
+                  <a:tcPr marL="6350" marR="6350" marT="6350" marB="0" anchor="b">
+                    <a:lnL w="6350" cap="flat" cmpd="sng" algn="ctr">
+                      <a:solidFill>
+                        <a:srgbClr val="000000"/>
+                      </a:solidFill>
+                      <a:prstDash val="solid"/>
+                      <a:round/>
+                      <a:headEnd type="none" w="med" len="med"/>
+                      <a:tailEnd type="none" w="med" len="med"/>
+                    </a:lnL>
+                    <a:lnR w="6350" cap="flat" cmpd="sng" algn="ctr">
+                      <a:solidFill>
+                        <a:srgbClr val="000000"/>
+                      </a:solidFill>
+                      <a:prstDash val="solid"/>
+                      <a:round/>
+                      <a:headEnd type="none" w="med" len="med"/>
+                      <a:tailEnd type="none" w="med" len="med"/>
+                    </a:lnR>
+                    <a:lnT w="6350" cap="flat" cmpd="sng" algn="ctr">
+                      <a:solidFill>
+                        <a:srgbClr val="000000"/>
+                      </a:solidFill>
+                      <a:prstDash val="solid"/>
+                      <a:round/>
+                      <a:headEnd type="none" w="med" len="med"/>
+                      <a:tailEnd type="none" w="med" len="med"/>
+                    </a:lnT>
+                    <a:lnB w="6350" cap="flat" cmpd="sng" algn="ctr">
+                      <a:solidFill>
+                        <a:srgbClr val="000000"/>
+                      </a:solidFill>
+                      <a:prstDash val="solid"/>
+                      <a:round/>
+                      <a:headEnd type="none" w="med" len="med"/>
+                      <a:tailEnd type="none" w="med" len="med"/>
+                    </a:lnB>
+                  </a:tcPr>
+                </a:tc>
+                <a:tc>
+                  <a:txBody>
+                    <a:bodyPr/>
+                    <a:lstStyle/>
+                    <a:p>
+                      <a:pPr algn="l" fontAlgn="b"/>
+                      <a:r>
+                        <a:rPr lang="en-US" sz="1100" b="0" i="0" u="none" strike="noStrike">
+                          <a:solidFill>
+                            <a:srgbClr val="000000"/>
+                          </a:solidFill>
+                          <a:effectLst/>
+                          <a:latin typeface="Calibri" panose="020F0502020204030204" pitchFamily="34" charset="0"/>
+                        </a:rPr>
+                        <a:t> NM</a:t>
+                      </a:r>
+                    </a:p>
+                  </a:txBody>
+                  <a:tcPr marL="6350" marR="6350" marT="6350" marB="0" anchor="b">
+                    <a:lnL w="6350" cap="flat" cmpd="sng" algn="ctr">
+                      <a:solidFill>
+                        <a:srgbClr val="000000"/>
+                      </a:solidFill>
+                      <a:prstDash val="solid"/>
+                      <a:round/>
+                      <a:headEnd type="none" w="med" len="med"/>
+                      <a:tailEnd type="none" w="med" len="med"/>
+                    </a:lnL>
+                    <a:lnR w="6350" cap="flat" cmpd="sng" algn="ctr">
+                      <a:solidFill>
+                        <a:srgbClr val="000000"/>
+                      </a:solidFill>
+                      <a:prstDash val="solid"/>
+                      <a:round/>
+                      <a:headEnd type="none" w="med" len="med"/>
+                      <a:tailEnd type="none" w="med" len="med"/>
+                    </a:lnR>
+                    <a:lnT w="6350" cap="flat" cmpd="sng" algn="ctr">
+                      <a:solidFill>
+                        <a:srgbClr val="000000"/>
+                      </a:solidFill>
+                      <a:prstDash val="solid"/>
+                      <a:round/>
+                      <a:headEnd type="none" w="med" len="med"/>
+                      <a:tailEnd type="none" w="med" len="med"/>
+                    </a:lnT>
+                    <a:lnB w="6350" cap="flat" cmpd="sng" algn="ctr">
+                      <a:solidFill>
+                        <a:srgbClr val="000000"/>
+                      </a:solidFill>
+                      <a:prstDash val="solid"/>
+                      <a:round/>
+                      <a:headEnd type="none" w="med" len="med"/>
+                      <a:tailEnd type="none" w="med" len="med"/>
+                    </a:lnB>
+                  </a:tcPr>
+                </a:tc>
+                <a:tc>
+                  <a:txBody>
+                    <a:bodyPr/>
+                    <a:lstStyle/>
+                    <a:p>
+                      <a:pPr algn="r" fontAlgn="b"/>
+                      <a:r>
+                        <a:rPr lang="en-US" sz="1100" b="0" i="0" u="none" strike="noStrike">
+                          <a:solidFill>
+                            <a:srgbClr val="000000"/>
+                          </a:solidFill>
+                          <a:effectLst/>
+                          <a:latin typeface="Calibri" panose="020F0502020204030204" pitchFamily="34" charset="0"/>
+                        </a:rPr>
+                        <a:t>14</a:t>
+                      </a:r>
+                    </a:p>
+                  </a:txBody>
+                  <a:tcPr marL="6350" marR="6350" marT="6350" marB="0" anchor="b">
+                    <a:lnL w="6350" cap="flat" cmpd="sng" algn="ctr">
+                      <a:solidFill>
+                        <a:srgbClr val="000000"/>
+                      </a:solidFill>
+                      <a:prstDash val="solid"/>
+                      <a:round/>
+                      <a:headEnd type="none" w="med" len="med"/>
+                      <a:tailEnd type="none" w="med" len="med"/>
+                    </a:lnL>
+                    <a:lnR w="6350" cap="flat" cmpd="sng" algn="ctr">
+                      <a:solidFill>
+                        <a:srgbClr val="000000"/>
+                      </a:solidFill>
+                      <a:prstDash val="solid"/>
+                      <a:round/>
+                      <a:headEnd type="none" w="med" len="med"/>
+                      <a:tailEnd type="none" w="med" len="med"/>
+                    </a:lnR>
+                    <a:lnT w="6350" cap="flat" cmpd="sng" algn="ctr">
+                      <a:solidFill>
+                        <a:srgbClr val="000000"/>
+                      </a:solidFill>
+                      <a:prstDash val="solid"/>
+                      <a:round/>
+                      <a:headEnd type="none" w="med" len="med"/>
+                      <a:tailEnd type="none" w="med" len="med"/>
+                    </a:lnT>
+                    <a:lnB w="6350" cap="flat" cmpd="sng" algn="ctr">
+                      <a:solidFill>
+                        <a:srgbClr val="000000"/>
+                      </a:solidFill>
+                      <a:prstDash val="solid"/>
+                      <a:round/>
+                      <a:headEnd type="none" w="med" len="med"/>
+                      <a:tailEnd type="none" w="med" len="med"/>
+                    </a:lnB>
+                  </a:tcPr>
+                </a:tc>
+                <a:tc>
+                  <a:txBody>
+                    <a:bodyPr/>
+                    <a:lstStyle/>
+                    <a:p>
+                      <a:pPr algn="l" fontAlgn="b"/>
+                      <a:r>
+                        <a:rPr lang="en-US" sz="1100" b="0" i="0" u="none" strike="noStrike">
+                          <a:solidFill>
+                            <a:srgbClr val="000000"/>
+                          </a:solidFill>
+                          <a:effectLst/>
+                          <a:latin typeface="Calibri" panose="020F0502020204030204" pitchFamily="34" charset="0"/>
+                        </a:rPr>
+                        <a:t> ND</a:t>
+                      </a:r>
+                    </a:p>
+                  </a:txBody>
+                  <a:tcPr marL="6350" marR="6350" marT="6350" marB="0" anchor="b">
+                    <a:lnL w="6350" cap="flat" cmpd="sng" algn="ctr">
+                      <a:solidFill>
+                        <a:srgbClr val="000000"/>
+                      </a:solidFill>
+                      <a:prstDash val="solid"/>
+                      <a:round/>
+                      <a:headEnd type="none" w="med" len="med"/>
+                      <a:tailEnd type="none" w="med" len="med"/>
+                    </a:lnL>
+                    <a:lnR w="6350" cap="flat" cmpd="sng" algn="ctr">
+                      <a:solidFill>
+                        <a:srgbClr val="000000"/>
+                      </a:solidFill>
+                      <a:prstDash val="solid"/>
+                      <a:round/>
+                      <a:headEnd type="none" w="med" len="med"/>
+                      <a:tailEnd type="none" w="med" len="med"/>
+                    </a:lnR>
+                    <a:lnT w="6350" cap="flat" cmpd="sng" algn="ctr">
+                      <a:solidFill>
+                        <a:srgbClr val="000000"/>
+                      </a:solidFill>
+                      <a:prstDash val="solid"/>
+                      <a:round/>
+                      <a:headEnd type="none" w="med" len="med"/>
+                      <a:tailEnd type="none" w="med" len="med"/>
+                    </a:lnT>
+                    <a:lnB w="6350" cap="flat" cmpd="sng" algn="ctr">
+                      <a:solidFill>
+                        <a:srgbClr val="000000"/>
+                      </a:solidFill>
+                      <a:prstDash val="solid"/>
+                      <a:round/>
+                      <a:headEnd type="none" w="med" len="med"/>
+                      <a:tailEnd type="none" w="med" len="med"/>
+                    </a:lnB>
+                  </a:tcPr>
+                </a:tc>
+                <a:tc>
+                  <a:txBody>
+                    <a:bodyPr/>
+                    <a:lstStyle/>
+                    <a:p>
+                      <a:pPr algn="r" fontAlgn="b"/>
+                      <a:r>
+                        <a:rPr lang="en-US" sz="1100" b="0" i="0" u="none" strike="noStrike">
+                          <a:solidFill>
+                            <a:srgbClr val="000000"/>
+                          </a:solidFill>
+                          <a:effectLst/>
+                          <a:latin typeface="Calibri" panose="020F0502020204030204" pitchFamily="34" charset="0"/>
+                        </a:rPr>
+                        <a:t>3</a:t>
+                      </a:r>
+                    </a:p>
+                  </a:txBody>
+                  <a:tcPr marL="6350" marR="6350" marT="6350" marB="0" anchor="b">
+                    <a:lnL w="6350" cap="flat" cmpd="sng" algn="ctr">
+                      <a:solidFill>
+                        <a:srgbClr val="000000"/>
+                      </a:solidFill>
+                      <a:prstDash val="solid"/>
+                      <a:round/>
+                      <a:headEnd type="none" w="med" len="med"/>
+                      <a:tailEnd type="none" w="med" len="med"/>
+                    </a:lnL>
+                    <a:lnR w="6350" cap="flat" cmpd="sng" algn="ctr">
+                      <a:solidFill>
+                        <a:srgbClr val="000000"/>
+                      </a:solidFill>
+                      <a:prstDash val="solid"/>
+                      <a:round/>
+                      <a:headEnd type="none" w="med" len="med"/>
+                      <a:tailEnd type="none" w="med" len="med"/>
+                    </a:lnR>
+                    <a:lnT w="6350" cap="flat" cmpd="sng" algn="ctr">
+                      <a:solidFill>
+                        <a:srgbClr val="000000"/>
+                      </a:solidFill>
+                      <a:prstDash val="solid"/>
+                      <a:round/>
+                      <a:headEnd type="none" w="med" len="med"/>
+                      <a:tailEnd type="none" w="med" len="med"/>
+                    </a:lnT>
+                    <a:lnB w="6350" cap="flat" cmpd="sng" algn="ctr">
+                      <a:solidFill>
+                        <a:srgbClr val="000000"/>
+                      </a:solidFill>
+                      <a:prstDash val="solid"/>
+                      <a:round/>
+                      <a:headEnd type="none" w="med" len="med"/>
+                      <a:tailEnd type="none" w="med" len="med"/>
+                    </a:lnB>
+                  </a:tcPr>
+                </a:tc>
+                <a:extLst>
+                  <a:ext uri="{0D108BD9-81ED-4DB2-BD59-A6C34878D82A}">
+                    <a16:rowId xmlns:a16="http://schemas.microsoft.com/office/drawing/2014/main" val="816190145"/>
+                  </a:ext>
+                </a:extLst>
+              </a:tr>
+              <a:tr h="238472">
+                <a:tc>
+                  <a:txBody>
+                    <a:bodyPr/>
+                    <a:lstStyle/>
+                    <a:p>
+                      <a:pPr algn="l" fontAlgn="b"/>
+                      <a:r>
+                        <a:rPr lang="en-US" sz="1100" b="0" i="0" u="none" strike="noStrike">
+                          <a:solidFill>
+                            <a:srgbClr val="000000"/>
+                          </a:solidFill>
+                          <a:effectLst/>
+                          <a:latin typeface="Calibri" panose="020F0502020204030204" pitchFamily="34" charset="0"/>
+                        </a:rPr>
+                        <a:t> WI</a:t>
+                      </a:r>
+                    </a:p>
+                  </a:txBody>
+                  <a:tcPr marL="6350" marR="6350" marT="6350" marB="0" anchor="b">
+                    <a:lnL w="6350" cap="flat" cmpd="sng" algn="ctr">
+                      <a:solidFill>
+                        <a:srgbClr val="000000"/>
+                      </a:solidFill>
+                      <a:prstDash val="solid"/>
+                      <a:round/>
+                      <a:headEnd type="none" w="med" len="med"/>
+                      <a:tailEnd type="none" w="med" len="med"/>
+                    </a:lnL>
+                    <a:lnR w="6350" cap="flat" cmpd="sng" algn="ctr">
+                      <a:solidFill>
+                        <a:srgbClr val="000000"/>
+                      </a:solidFill>
+                      <a:prstDash val="solid"/>
+                      <a:round/>
+                      <a:headEnd type="none" w="med" len="med"/>
+                      <a:tailEnd type="none" w="med" len="med"/>
+                    </a:lnR>
+                    <a:lnT w="6350" cap="flat" cmpd="sng" algn="ctr">
+                      <a:solidFill>
+                        <a:srgbClr val="000000"/>
+                      </a:solidFill>
+                      <a:prstDash val="solid"/>
+                      <a:round/>
+                      <a:headEnd type="none" w="med" len="med"/>
+                      <a:tailEnd type="none" w="med" len="med"/>
+                    </a:lnT>
+                    <a:lnB w="6350" cap="flat" cmpd="sng" algn="ctr">
+                      <a:solidFill>
+                        <a:srgbClr val="000000"/>
+                      </a:solidFill>
+                      <a:prstDash val="solid"/>
+                      <a:round/>
+                      <a:headEnd type="none" w="med" len="med"/>
+                      <a:tailEnd type="none" w="med" len="med"/>
+                    </a:lnB>
+                  </a:tcPr>
+                </a:tc>
+                <a:tc>
+                  <a:txBody>
+                    <a:bodyPr/>
+                    <a:lstStyle/>
+                    <a:p>
+                      <a:pPr algn="r" fontAlgn="b"/>
+                      <a:r>
+                        <a:rPr lang="en-US" sz="1100" b="0" i="0" u="none" strike="noStrike">
+                          <a:solidFill>
+                            <a:srgbClr val="000000"/>
+                          </a:solidFill>
+                          <a:effectLst/>
+                          <a:latin typeface="Calibri" panose="020F0502020204030204" pitchFamily="34" charset="0"/>
+                        </a:rPr>
+                        <a:t>87</a:t>
+                      </a:r>
+                    </a:p>
+                  </a:txBody>
+                  <a:tcPr marL="6350" marR="6350" marT="6350" marB="0" anchor="b">
+                    <a:lnL w="6350" cap="flat" cmpd="sng" algn="ctr">
+                      <a:solidFill>
+                        <a:srgbClr val="000000"/>
+                      </a:solidFill>
+                      <a:prstDash val="solid"/>
+                      <a:round/>
+                      <a:headEnd type="none" w="med" len="med"/>
+                      <a:tailEnd type="none" w="med" len="med"/>
+                    </a:lnL>
+                    <a:lnR w="6350" cap="flat" cmpd="sng" algn="ctr">
+                      <a:solidFill>
+                        <a:srgbClr val="000000"/>
+                      </a:solidFill>
+                      <a:prstDash val="solid"/>
+                      <a:round/>
+                      <a:headEnd type="none" w="med" len="med"/>
+                      <a:tailEnd type="none" w="med" len="med"/>
+                    </a:lnR>
+                    <a:lnT w="6350" cap="flat" cmpd="sng" algn="ctr">
+                      <a:solidFill>
+                        <a:srgbClr val="000000"/>
+                      </a:solidFill>
+                      <a:prstDash val="solid"/>
+                      <a:round/>
+                      <a:headEnd type="none" w="med" len="med"/>
+                      <a:tailEnd type="none" w="med" len="med"/>
+                    </a:lnT>
+                    <a:lnB w="6350" cap="flat" cmpd="sng" algn="ctr">
+                      <a:solidFill>
+                        <a:srgbClr val="000000"/>
+                      </a:solidFill>
+                      <a:prstDash val="solid"/>
+                      <a:round/>
+                      <a:headEnd type="none" w="med" len="med"/>
+                      <a:tailEnd type="none" w="med" len="med"/>
+                    </a:lnB>
+                  </a:tcPr>
+                </a:tc>
+                <a:tc>
+                  <a:txBody>
+                    <a:bodyPr/>
+                    <a:lstStyle/>
+                    <a:p>
+                      <a:pPr algn="l" fontAlgn="b"/>
+                      <a:r>
+                        <a:rPr lang="en-US" sz="1100" b="0" i="0" u="none" strike="noStrike">
+                          <a:solidFill>
+                            <a:srgbClr val="000000"/>
+                          </a:solidFill>
+                          <a:effectLst/>
+                          <a:latin typeface="Calibri" panose="020F0502020204030204" pitchFamily="34" charset="0"/>
+                        </a:rPr>
+                        <a:t> MT</a:t>
+                      </a:r>
+                    </a:p>
+                  </a:txBody>
+                  <a:tcPr marL="6350" marR="6350" marT="6350" marB="0" anchor="b">
+                    <a:lnL w="6350" cap="flat" cmpd="sng" algn="ctr">
+                      <a:solidFill>
+                        <a:srgbClr val="000000"/>
+                      </a:solidFill>
+                      <a:prstDash val="solid"/>
+                      <a:round/>
+                      <a:headEnd type="none" w="med" len="med"/>
+                      <a:tailEnd type="none" w="med" len="med"/>
+                    </a:lnL>
+                    <a:lnR w="6350" cap="flat" cmpd="sng" algn="ctr">
+                      <a:solidFill>
+                        <a:srgbClr val="000000"/>
+                      </a:solidFill>
+                      <a:prstDash val="solid"/>
+                      <a:round/>
+                      <a:headEnd type="none" w="med" len="med"/>
+                      <a:tailEnd type="none" w="med" len="med"/>
+                    </a:lnR>
+                    <a:lnT w="6350" cap="flat" cmpd="sng" algn="ctr">
+                      <a:solidFill>
+                        <a:srgbClr val="000000"/>
+                      </a:solidFill>
+                      <a:prstDash val="solid"/>
+                      <a:round/>
+                      <a:headEnd type="none" w="med" len="med"/>
+                      <a:tailEnd type="none" w="med" len="med"/>
+                    </a:lnT>
+                    <a:lnB w="6350" cap="flat" cmpd="sng" algn="ctr">
+                      <a:solidFill>
+                        <a:srgbClr val="000000"/>
+                      </a:solidFill>
+                      <a:prstDash val="solid"/>
+                      <a:round/>
+                      <a:headEnd type="none" w="med" len="med"/>
+                      <a:tailEnd type="none" w="med" len="med"/>
+                    </a:lnB>
+                  </a:tcPr>
+                </a:tc>
+                <a:tc>
+                  <a:txBody>
+                    <a:bodyPr/>
+                    <a:lstStyle/>
+                    <a:p>
+                      <a:pPr algn="r" fontAlgn="b"/>
+                      <a:r>
+                        <a:rPr lang="en-US" sz="1100" b="0" i="0" u="none" strike="noStrike">
+                          <a:solidFill>
+                            <a:srgbClr val="000000"/>
+                          </a:solidFill>
+                          <a:effectLst/>
+                          <a:latin typeface="Calibri" panose="020F0502020204030204" pitchFamily="34" charset="0"/>
+                        </a:rPr>
+                        <a:t>40</a:t>
+                      </a:r>
+                    </a:p>
+                  </a:txBody>
+                  <a:tcPr marL="6350" marR="6350" marT="6350" marB="0" anchor="b">
+                    <a:lnL w="6350" cap="flat" cmpd="sng" algn="ctr">
+                      <a:solidFill>
+                        <a:srgbClr val="000000"/>
+                      </a:solidFill>
+                      <a:prstDash val="solid"/>
+                      <a:round/>
+                      <a:headEnd type="none" w="med" len="med"/>
+                      <a:tailEnd type="none" w="med" len="med"/>
+                    </a:lnL>
+                    <a:lnR w="6350" cap="flat" cmpd="sng" algn="ctr">
+                      <a:solidFill>
+                        <a:srgbClr val="000000"/>
+                      </a:solidFill>
+                      <a:prstDash val="solid"/>
+                      <a:round/>
+                      <a:headEnd type="none" w="med" len="med"/>
+                      <a:tailEnd type="none" w="med" len="med"/>
+                    </a:lnR>
+                    <a:lnT w="6350" cap="flat" cmpd="sng" algn="ctr">
+                      <a:solidFill>
+                        <a:srgbClr val="000000"/>
+                      </a:solidFill>
+                      <a:prstDash val="solid"/>
+                      <a:round/>
+                      <a:headEnd type="none" w="med" len="med"/>
+                      <a:tailEnd type="none" w="med" len="med"/>
+                    </a:lnT>
+                    <a:lnB w="6350" cap="flat" cmpd="sng" algn="ctr">
+                      <a:solidFill>
+                        <a:srgbClr val="000000"/>
+                      </a:solidFill>
+                      <a:prstDash val="solid"/>
+                      <a:round/>
+                      <a:headEnd type="none" w="med" len="med"/>
+                      <a:tailEnd type="none" w="med" len="med"/>
+                    </a:lnB>
+                  </a:tcPr>
+                </a:tc>
+                <a:tc>
+                  <a:txBody>
+                    <a:bodyPr/>
+                    <a:lstStyle/>
+                    <a:p>
+                      <a:pPr algn="l" fontAlgn="b"/>
+                      <a:r>
+                        <a:rPr lang="en-US" sz="1100" b="0" i="0" u="none" strike="noStrike">
+                          <a:solidFill>
+                            <a:srgbClr val="000000"/>
+                          </a:solidFill>
+                          <a:effectLst/>
+                          <a:latin typeface="Calibri" panose="020F0502020204030204" pitchFamily="34" charset="0"/>
+                        </a:rPr>
+                        <a:t> AK</a:t>
+                      </a:r>
+                    </a:p>
+                  </a:txBody>
+                  <a:tcPr marL="6350" marR="6350" marT="6350" marB="0" anchor="b">
+                    <a:lnL w="6350" cap="flat" cmpd="sng" algn="ctr">
+                      <a:solidFill>
+                        <a:srgbClr val="000000"/>
+                      </a:solidFill>
+                      <a:prstDash val="solid"/>
+                      <a:round/>
+                      <a:headEnd type="none" w="med" len="med"/>
+                      <a:tailEnd type="none" w="med" len="med"/>
+                    </a:lnL>
+                    <a:lnR w="6350" cap="flat" cmpd="sng" algn="ctr">
+                      <a:solidFill>
+                        <a:srgbClr val="000000"/>
+                      </a:solidFill>
+                      <a:prstDash val="solid"/>
+                      <a:round/>
+                      <a:headEnd type="none" w="med" len="med"/>
+                      <a:tailEnd type="none" w="med" len="med"/>
+                    </a:lnR>
+                    <a:lnT w="6350" cap="flat" cmpd="sng" algn="ctr">
+                      <a:solidFill>
+                        <a:srgbClr val="000000"/>
+                      </a:solidFill>
+                      <a:prstDash val="solid"/>
+                      <a:round/>
+                      <a:headEnd type="none" w="med" len="med"/>
+                      <a:tailEnd type="none" w="med" len="med"/>
+                    </a:lnT>
+                    <a:lnB w="6350" cap="flat" cmpd="sng" algn="ctr">
+                      <a:solidFill>
+                        <a:srgbClr val="000000"/>
+                      </a:solidFill>
+                      <a:prstDash val="solid"/>
+                      <a:round/>
+                      <a:headEnd type="none" w="med" len="med"/>
+                      <a:tailEnd type="none" w="med" len="med"/>
+                    </a:lnB>
+                  </a:tcPr>
+                </a:tc>
+                <a:tc>
+                  <a:txBody>
+                    <a:bodyPr/>
+                    <a:lstStyle/>
+                    <a:p>
+                      <a:pPr algn="r" fontAlgn="b"/>
+                      <a:r>
+                        <a:rPr lang="en-US" sz="1100" b="0" i="0" u="none" strike="noStrike">
+                          <a:solidFill>
+                            <a:srgbClr val="000000"/>
+                          </a:solidFill>
+                          <a:effectLst/>
+                          <a:latin typeface="Calibri" panose="020F0502020204030204" pitchFamily="34" charset="0"/>
+                        </a:rPr>
+                        <a:t>25</a:t>
+                      </a:r>
+                    </a:p>
+                  </a:txBody>
+                  <a:tcPr marL="6350" marR="6350" marT="6350" marB="0" anchor="b">
+                    <a:lnL w="6350" cap="flat" cmpd="sng" algn="ctr">
+                      <a:solidFill>
+                        <a:srgbClr val="000000"/>
+                      </a:solidFill>
+                      <a:prstDash val="solid"/>
+                      <a:round/>
+                      <a:headEnd type="none" w="med" len="med"/>
+                      <a:tailEnd type="none" w="med" len="med"/>
+                    </a:lnL>
+                    <a:lnR w="6350" cap="flat" cmpd="sng" algn="ctr">
+                      <a:solidFill>
+                        <a:srgbClr val="000000"/>
+                      </a:solidFill>
+                      <a:prstDash val="solid"/>
+                      <a:round/>
+                      <a:headEnd type="none" w="med" len="med"/>
+                      <a:tailEnd type="none" w="med" len="med"/>
+                    </a:lnR>
+                    <a:lnT w="6350" cap="flat" cmpd="sng" algn="ctr">
+                      <a:solidFill>
+                        <a:srgbClr val="000000"/>
+                      </a:solidFill>
+                      <a:prstDash val="solid"/>
+                      <a:round/>
+                      <a:headEnd type="none" w="med" len="med"/>
+                      <a:tailEnd type="none" w="med" len="med"/>
+                    </a:lnT>
+                    <a:lnB w="6350" cap="flat" cmpd="sng" algn="ctr">
+                      <a:solidFill>
+                        <a:srgbClr val="000000"/>
+                      </a:solidFill>
+                      <a:prstDash val="solid"/>
+                      <a:round/>
+                      <a:headEnd type="none" w="med" len="med"/>
+                      <a:tailEnd type="none" w="med" len="med"/>
+                    </a:lnB>
+                  </a:tcPr>
+                </a:tc>
+                <a:tc>
+                  <a:txBody>
+                    <a:bodyPr/>
+                    <a:lstStyle/>
+                    <a:p>
+                      <a:pPr algn="l" fontAlgn="b"/>
+                      <a:r>
+                        <a:rPr lang="en-US" sz="1100" b="0" i="0" u="none" strike="noStrike">
+                          <a:solidFill>
+                            <a:srgbClr val="000000"/>
+                          </a:solidFill>
+                          <a:effectLst/>
+                          <a:latin typeface="Calibri" panose="020F0502020204030204" pitchFamily="34" charset="0"/>
+                        </a:rPr>
+                        <a:t> SC</a:t>
+                      </a:r>
+                    </a:p>
+                  </a:txBody>
+                  <a:tcPr marL="6350" marR="6350" marT="6350" marB="0" anchor="b">
+                    <a:lnL w="6350" cap="flat" cmpd="sng" algn="ctr">
+                      <a:solidFill>
+                        <a:srgbClr val="000000"/>
+                      </a:solidFill>
+                      <a:prstDash val="solid"/>
+                      <a:round/>
+                      <a:headEnd type="none" w="med" len="med"/>
+                      <a:tailEnd type="none" w="med" len="med"/>
+                    </a:lnL>
+                    <a:lnR w="6350" cap="flat" cmpd="sng" algn="ctr">
+                      <a:solidFill>
+                        <a:srgbClr val="000000"/>
+                      </a:solidFill>
+                      <a:prstDash val="solid"/>
+                      <a:round/>
+                      <a:headEnd type="none" w="med" len="med"/>
+                      <a:tailEnd type="none" w="med" len="med"/>
+                    </a:lnR>
+                    <a:lnT w="6350" cap="flat" cmpd="sng" algn="ctr">
+                      <a:solidFill>
+                        <a:srgbClr val="000000"/>
+                      </a:solidFill>
+                      <a:prstDash val="solid"/>
+                      <a:round/>
+                      <a:headEnd type="none" w="med" len="med"/>
+                      <a:tailEnd type="none" w="med" len="med"/>
+                    </a:lnT>
+                    <a:lnB w="6350" cap="flat" cmpd="sng" algn="ctr">
+                      <a:solidFill>
+                        <a:srgbClr val="000000"/>
+                      </a:solidFill>
+                      <a:prstDash val="solid"/>
+                      <a:round/>
+                      <a:headEnd type="none" w="med" len="med"/>
+                      <a:tailEnd type="none" w="med" len="med"/>
+                    </a:lnB>
+                  </a:tcPr>
+                </a:tc>
+                <a:tc>
+                  <a:txBody>
+                    <a:bodyPr/>
+                    <a:lstStyle/>
+                    <a:p>
+                      <a:pPr algn="r" fontAlgn="b"/>
+                      <a:r>
+                        <a:rPr lang="en-US" sz="1100" b="0" i="0" u="none" strike="noStrike">
+                          <a:solidFill>
+                            <a:srgbClr val="000000"/>
+                          </a:solidFill>
+                          <a:effectLst/>
+                          <a:latin typeface="Calibri" panose="020F0502020204030204" pitchFamily="34" charset="0"/>
+                        </a:rPr>
+                        <a:t>14</a:t>
+                      </a:r>
+                    </a:p>
+                  </a:txBody>
+                  <a:tcPr marL="6350" marR="6350" marT="6350" marB="0" anchor="b">
+                    <a:lnL w="6350" cap="flat" cmpd="sng" algn="ctr">
+                      <a:solidFill>
+                        <a:srgbClr val="000000"/>
+                      </a:solidFill>
+                      <a:prstDash val="solid"/>
+                      <a:round/>
+                      <a:headEnd type="none" w="med" len="med"/>
+                      <a:tailEnd type="none" w="med" len="med"/>
+                    </a:lnL>
+                    <a:lnR w="6350" cap="flat" cmpd="sng" algn="ctr">
+                      <a:solidFill>
+                        <a:srgbClr val="000000"/>
+                      </a:solidFill>
+                      <a:prstDash val="solid"/>
+                      <a:round/>
+                      <a:headEnd type="none" w="med" len="med"/>
+                      <a:tailEnd type="none" w="med" len="med"/>
+                    </a:lnR>
+                    <a:lnT w="6350" cap="flat" cmpd="sng" algn="ctr">
+                      <a:solidFill>
+                        <a:srgbClr val="000000"/>
+                      </a:solidFill>
+                      <a:prstDash val="solid"/>
+                      <a:round/>
+                      <a:headEnd type="none" w="med" len="med"/>
+                      <a:tailEnd type="none" w="med" len="med"/>
+                    </a:lnT>
+                    <a:lnB w="6350" cap="flat" cmpd="sng" algn="ctr">
+                      <a:solidFill>
+                        <a:srgbClr val="000000"/>
+                      </a:solidFill>
+                      <a:prstDash val="solid"/>
+                      <a:round/>
+                      <a:headEnd type="none" w="med" len="med"/>
+                      <a:tailEnd type="none" w="med" len="med"/>
+                    </a:lnB>
+                  </a:tcPr>
+                </a:tc>
+                <a:tc>
+                  <a:txBody>
+                    <a:bodyPr/>
+                    <a:lstStyle/>
+                    <a:p>
+                      <a:pPr algn="l" fontAlgn="b"/>
+                      <a:r>
+                        <a:rPr lang="en-US" sz="1100" b="0" i="0" u="none" strike="noStrike">
+                          <a:solidFill>
+                            <a:srgbClr val="000000"/>
+                          </a:solidFill>
+                          <a:effectLst/>
+                          <a:latin typeface="Calibri" panose="020F0502020204030204" pitchFamily="34" charset="0"/>
+                        </a:rPr>
+                        <a:t> DE</a:t>
+                      </a:r>
+                    </a:p>
+                  </a:txBody>
+                  <a:tcPr marL="6350" marR="6350" marT="6350" marB="0" anchor="b">
+                    <a:lnL w="6350" cap="flat" cmpd="sng" algn="ctr">
+                      <a:solidFill>
+                        <a:srgbClr val="000000"/>
+                      </a:solidFill>
+                      <a:prstDash val="solid"/>
+                      <a:round/>
+                      <a:headEnd type="none" w="med" len="med"/>
+                      <a:tailEnd type="none" w="med" len="med"/>
+                    </a:lnL>
+                    <a:lnR w="6350" cap="flat" cmpd="sng" algn="ctr">
+                      <a:solidFill>
+                        <a:srgbClr val="000000"/>
+                      </a:solidFill>
+                      <a:prstDash val="solid"/>
+                      <a:round/>
+                      <a:headEnd type="none" w="med" len="med"/>
+                      <a:tailEnd type="none" w="med" len="med"/>
+                    </a:lnR>
+                    <a:lnT w="6350" cap="flat" cmpd="sng" algn="ctr">
+                      <a:solidFill>
+                        <a:srgbClr val="000000"/>
+                      </a:solidFill>
+                      <a:prstDash val="solid"/>
+                      <a:round/>
+                      <a:headEnd type="none" w="med" len="med"/>
+                      <a:tailEnd type="none" w="med" len="med"/>
+                    </a:lnT>
+                    <a:lnB w="6350" cap="flat" cmpd="sng" algn="ctr">
+                      <a:solidFill>
+                        <a:srgbClr val="000000"/>
+                      </a:solidFill>
+                      <a:prstDash val="solid"/>
+                      <a:round/>
+                      <a:headEnd type="none" w="med" len="med"/>
+                      <a:tailEnd type="none" w="med" len="med"/>
+                    </a:lnB>
+                  </a:tcPr>
+                </a:tc>
+                <a:tc>
+                  <a:txBody>
+                    <a:bodyPr/>
+                    <a:lstStyle/>
+                    <a:p>
+                      <a:pPr algn="r" fontAlgn="b"/>
+                      <a:r>
+                        <a:rPr lang="en-US" sz="1100" b="0" i="0" u="none" strike="noStrike">
+                          <a:solidFill>
+                            <a:srgbClr val="000000"/>
+                          </a:solidFill>
+                          <a:effectLst/>
+                          <a:latin typeface="Calibri" panose="020F0502020204030204" pitchFamily="34" charset="0"/>
+                        </a:rPr>
+                        <a:t>2</a:t>
+                      </a:r>
+                    </a:p>
+                  </a:txBody>
+                  <a:tcPr marL="6350" marR="6350" marT="6350" marB="0" anchor="b">
+                    <a:lnL w="6350" cap="flat" cmpd="sng" algn="ctr">
+                      <a:solidFill>
+                        <a:srgbClr val="000000"/>
+                      </a:solidFill>
+                      <a:prstDash val="solid"/>
+                      <a:round/>
+                      <a:headEnd type="none" w="med" len="med"/>
+                      <a:tailEnd type="none" w="med" len="med"/>
+                    </a:lnL>
+                    <a:lnR w="6350" cap="flat" cmpd="sng" algn="ctr">
+                      <a:solidFill>
+                        <a:srgbClr val="000000"/>
+                      </a:solidFill>
+                      <a:prstDash val="solid"/>
+                      <a:round/>
+                      <a:headEnd type="none" w="med" len="med"/>
+                      <a:tailEnd type="none" w="med" len="med"/>
+                    </a:lnR>
+                    <a:lnT w="6350" cap="flat" cmpd="sng" algn="ctr">
+                      <a:solidFill>
+                        <a:srgbClr val="000000"/>
+                      </a:solidFill>
+                      <a:prstDash val="solid"/>
+                      <a:round/>
+                      <a:headEnd type="none" w="med" len="med"/>
+                      <a:tailEnd type="none" w="med" len="med"/>
+                    </a:lnT>
+                    <a:lnB w="6350" cap="flat" cmpd="sng" algn="ctr">
+                      <a:solidFill>
+                        <a:srgbClr val="000000"/>
+                      </a:solidFill>
+                      <a:prstDash val="solid"/>
+                      <a:round/>
+                      <a:headEnd type="none" w="med" len="med"/>
+                      <a:tailEnd type="none" w="med" len="med"/>
+                    </a:lnB>
+                  </a:tcPr>
+                </a:tc>
+                <a:extLst>
+                  <a:ext uri="{0D108BD9-81ED-4DB2-BD59-A6C34878D82A}">
+                    <a16:rowId xmlns:a16="http://schemas.microsoft.com/office/drawing/2014/main" val="69153005"/>
+                  </a:ext>
+                </a:extLst>
+              </a:tr>
+              <a:tr h="238472">
+                <a:tc>
+                  <a:txBody>
+                    <a:bodyPr/>
+                    <a:lstStyle/>
+                    <a:p>
+                      <a:pPr algn="l" fontAlgn="b"/>
+                      <a:r>
+                        <a:rPr lang="en-US" sz="1100" b="0" i="0" u="none" strike="noStrike">
+                          <a:solidFill>
+                            <a:srgbClr val="000000"/>
+                          </a:solidFill>
+                          <a:effectLst/>
+                          <a:latin typeface="Calibri" panose="020F0502020204030204" pitchFamily="34" charset="0"/>
+                        </a:rPr>
+                        <a:t> MA</a:t>
+                      </a:r>
+                    </a:p>
+                  </a:txBody>
+                  <a:tcPr marL="6350" marR="6350" marT="6350" marB="0" anchor="b">
+                    <a:lnL w="6350" cap="flat" cmpd="sng" algn="ctr">
+                      <a:solidFill>
+                        <a:srgbClr val="000000"/>
+                      </a:solidFill>
+                      <a:prstDash val="solid"/>
+                      <a:round/>
+                      <a:headEnd type="none" w="med" len="med"/>
+                      <a:tailEnd type="none" w="med" len="med"/>
+                    </a:lnL>
+                    <a:lnR w="6350" cap="flat" cmpd="sng" algn="ctr">
+                      <a:solidFill>
+                        <a:srgbClr val="000000"/>
+                      </a:solidFill>
+                      <a:prstDash val="solid"/>
+                      <a:round/>
+                      <a:headEnd type="none" w="med" len="med"/>
+                      <a:tailEnd type="none" w="med" len="med"/>
+                    </a:lnR>
+                    <a:lnT w="6350" cap="flat" cmpd="sng" algn="ctr">
+                      <a:solidFill>
+                        <a:srgbClr val="000000"/>
+                      </a:solidFill>
+                      <a:prstDash val="solid"/>
+                      <a:round/>
+                      <a:headEnd type="none" w="med" len="med"/>
+                      <a:tailEnd type="none" w="med" len="med"/>
+                    </a:lnT>
+                    <a:lnB w="6350" cap="flat" cmpd="sng" algn="ctr">
+                      <a:solidFill>
+                        <a:srgbClr val="000000"/>
+                      </a:solidFill>
+                      <a:prstDash val="solid"/>
+                      <a:round/>
+                      <a:headEnd type="none" w="med" len="med"/>
+                      <a:tailEnd type="none" w="med" len="med"/>
+                    </a:lnB>
+                  </a:tcPr>
+                </a:tc>
+                <a:tc>
+                  <a:txBody>
+                    <a:bodyPr/>
+                    <a:lstStyle/>
+                    <a:p>
+                      <a:pPr algn="r" fontAlgn="b"/>
+                      <a:r>
+                        <a:rPr lang="en-US" sz="1100" b="0" i="0" u="none" strike="noStrike">
+                          <a:solidFill>
+                            <a:srgbClr val="000000"/>
+                          </a:solidFill>
+                          <a:effectLst/>
+                          <a:latin typeface="Calibri" panose="020F0502020204030204" pitchFamily="34" charset="0"/>
+                        </a:rPr>
+                        <a:t>82</a:t>
+                      </a:r>
+                    </a:p>
+                  </a:txBody>
+                  <a:tcPr marL="6350" marR="6350" marT="6350" marB="0" anchor="b">
+                    <a:lnL w="6350" cap="flat" cmpd="sng" algn="ctr">
+                      <a:solidFill>
+                        <a:srgbClr val="000000"/>
+                      </a:solidFill>
+                      <a:prstDash val="solid"/>
+                      <a:round/>
+                      <a:headEnd type="none" w="med" len="med"/>
+                      <a:tailEnd type="none" w="med" len="med"/>
+                    </a:lnL>
+                    <a:lnR w="6350" cap="flat" cmpd="sng" algn="ctr">
+                      <a:solidFill>
+                        <a:srgbClr val="000000"/>
+                      </a:solidFill>
+                      <a:prstDash val="solid"/>
+                      <a:round/>
+                      <a:headEnd type="none" w="med" len="med"/>
+                      <a:tailEnd type="none" w="med" len="med"/>
+                    </a:lnR>
+                    <a:lnT w="6350" cap="flat" cmpd="sng" algn="ctr">
+                      <a:solidFill>
+                        <a:srgbClr val="000000"/>
+                      </a:solidFill>
+                      <a:prstDash val="solid"/>
+                      <a:round/>
+                      <a:headEnd type="none" w="med" len="med"/>
+                      <a:tailEnd type="none" w="med" len="med"/>
+                    </a:lnT>
+                    <a:lnB w="6350" cap="flat" cmpd="sng" algn="ctr">
+                      <a:solidFill>
+                        <a:srgbClr val="000000"/>
+                      </a:solidFill>
+                      <a:prstDash val="solid"/>
+                      <a:round/>
+                      <a:headEnd type="none" w="med" len="med"/>
+                      <a:tailEnd type="none" w="med" len="med"/>
+                    </a:lnB>
+                  </a:tcPr>
+                </a:tc>
+                <a:tc>
+                  <a:txBody>
+                    <a:bodyPr/>
+                    <a:lstStyle/>
+                    <a:p>
+                      <a:pPr algn="l" fontAlgn="b"/>
+                      <a:r>
+                        <a:rPr lang="en-US" sz="1100" b="0" i="0" u="none" strike="noStrike">
+                          <a:solidFill>
+                            <a:srgbClr val="000000"/>
+                          </a:solidFill>
+                          <a:effectLst/>
+                          <a:latin typeface="Calibri" panose="020F0502020204030204" pitchFamily="34" charset="0"/>
+                        </a:rPr>
+                        <a:t> VA</a:t>
+                      </a:r>
+                    </a:p>
+                  </a:txBody>
+                  <a:tcPr marL="6350" marR="6350" marT="6350" marB="0" anchor="b">
+                    <a:lnL w="6350" cap="flat" cmpd="sng" algn="ctr">
+                      <a:solidFill>
+                        <a:srgbClr val="000000"/>
+                      </a:solidFill>
+                      <a:prstDash val="solid"/>
+                      <a:round/>
+                      <a:headEnd type="none" w="med" len="med"/>
+                      <a:tailEnd type="none" w="med" len="med"/>
+                    </a:lnL>
+                    <a:lnR w="6350" cap="flat" cmpd="sng" algn="ctr">
+                      <a:solidFill>
+                        <a:srgbClr val="000000"/>
+                      </a:solidFill>
+                      <a:prstDash val="solid"/>
+                      <a:round/>
+                      <a:headEnd type="none" w="med" len="med"/>
+                      <a:tailEnd type="none" w="med" len="med"/>
+                    </a:lnR>
+                    <a:lnT w="6350" cap="flat" cmpd="sng" algn="ctr">
+                      <a:solidFill>
+                        <a:srgbClr val="000000"/>
+                      </a:solidFill>
+                      <a:prstDash val="solid"/>
+                      <a:round/>
+                      <a:headEnd type="none" w="med" len="med"/>
+                      <a:tailEnd type="none" w="med" len="med"/>
+                    </a:lnT>
+                    <a:lnB w="6350" cap="flat" cmpd="sng" algn="ctr">
+                      <a:solidFill>
+                        <a:srgbClr val="000000"/>
+                      </a:solidFill>
+                      <a:prstDash val="solid"/>
+                      <a:round/>
+                      <a:headEnd type="none" w="med" len="med"/>
+                      <a:tailEnd type="none" w="med" len="med"/>
+                    </a:lnB>
+                  </a:tcPr>
+                </a:tc>
+                <a:tc>
+                  <a:txBody>
+                    <a:bodyPr/>
+                    <a:lstStyle/>
+                    <a:p>
+                      <a:pPr algn="r" fontAlgn="b"/>
+                      <a:r>
+                        <a:rPr lang="en-US" sz="1100" b="0" i="0" u="none" strike="noStrike">
+                          <a:solidFill>
+                            <a:srgbClr val="000000"/>
+                          </a:solidFill>
+                          <a:effectLst/>
+                          <a:latin typeface="Calibri" panose="020F0502020204030204" pitchFamily="34" charset="0"/>
+                        </a:rPr>
+                        <a:t>40</a:t>
+                      </a:r>
+                    </a:p>
+                  </a:txBody>
+                  <a:tcPr marL="6350" marR="6350" marT="6350" marB="0" anchor="b">
+                    <a:lnL w="6350" cap="flat" cmpd="sng" algn="ctr">
+                      <a:solidFill>
+                        <a:srgbClr val="000000"/>
+                      </a:solidFill>
+                      <a:prstDash val="solid"/>
+                      <a:round/>
+                      <a:headEnd type="none" w="med" len="med"/>
+                      <a:tailEnd type="none" w="med" len="med"/>
+                    </a:lnL>
+                    <a:lnR w="6350" cap="flat" cmpd="sng" algn="ctr">
+                      <a:solidFill>
+                        <a:srgbClr val="000000"/>
+                      </a:solidFill>
+                      <a:prstDash val="solid"/>
+                      <a:round/>
+                      <a:headEnd type="none" w="med" len="med"/>
+                      <a:tailEnd type="none" w="med" len="med"/>
+                    </a:lnR>
+                    <a:lnT w="6350" cap="flat" cmpd="sng" algn="ctr">
+                      <a:solidFill>
+                        <a:srgbClr val="000000"/>
+                      </a:solidFill>
+                      <a:prstDash val="solid"/>
+                      <a:round/>
+                      <a:headEnd type="none" w="med" len="med"/>
+                      <a:tailEnd type="none" w="med" len="med"/>
+                    </a:lnT>
+                    <a:lnB w="6350" cap="flat" cmpd="sng" algn="ctr">
+                      <a:solidFill>
+                        <a:srgbClr val="000000"/>
+                      </a:solidFill>
+                      <a:prstDash val="solid"/>
+                      <a:round/>
+                      <a:headEnd type="none" w="med" len="med"/>
+                      <a:tailEnd type="none" w="med" len="med"/>
+                    </a:lnB>
+                  </a:tcPr>
+                </a:tc>
+                <a:tc>
+                  <a:txBody>
+                    <a:bodyPr/>
+                    <a:lstStyle/>
+                    <a:p>
+                      <a:pPr algn="l" fontAlgn="b"/>
+                      <a:r>
+                        <a:rPr lang="en-US" sz="1100" b="0" i="0" u="none" strike="noStrike">
+                          <a:solidFill>
+                            <a:srgbClr val="000000"/>
+                          </a:solidFill>
+                          <a:effectLst/>
+                          <a:latin typeface="Calibri" panose="020F0502020204030204" pitchFamily="34" charset="0"/>
+                        </a:rPr>
+                        <a:t> NE</a:t>
+                      </a:r>
+                    </a:p>
+                  </a:txBody>
+                  <a:tcPr marL="6350" marR="6350" marT="6350" marB="0" anchor="b">
+                    <a:lnL w="6350" cap="flat" cmpd="sng" algn="ctr">
+                      <a:solidFill>
+                        <a:srgbClr val="000000"/>
+                      </a:solidFill>
+                      <a:prstDash val="solid"/>
+                      <a:round/>
+                      <a:headEnd type="none" w="med" len="med"/>
+                      <a:tailEnd type="none" w="med" len="med"/>
+                    </a:lnL>
+                    <a:lnR w="6350" cap="flat" cmpd="sng" algn="ctr">
+                      <a:solidFill>
+                        <a:srgbClr val="000000"/>
+                      </a:solidFill>
+                      <a:prstDash val="solid"/>
+                      <a:round/>
+                      <a:headEnd type="none" w="med" len="med"/>
+                      <a:tailEnd type="none" w="med" len="med"/>
+                    </a:lnR>
+                    <a:lnT w="6350" cap="flat" cmpd="sng" algn="ctr">
+                      <a:solidFill>
+                        <a:srgbClr val="000000"/>
+                      </a:solidFill>
+                      <a:prstDash val="solid"/>
+                      <a:round/>
+                      <a:headEnd type="none" w="med" len="med"/>
+                      <a:tailEnd type="none" w="med" len="med"/>
+                    </a:lnT>
+                    <a:lnB w="6350" cap="flat" cmpd="sng" algn="ctr">
+                      <a:solidFill>
+                        <a:srgbClr val="000000"/>
+                      </a:solidFill>
+                      <a:prstDash val="solid"/>
+                      <a:round/>
+                      <a:headEnd type="none" w="med" len="med"/>
+                      <a:tailEnd type="none" w="med" len="med"/>
+                    </a:lnB>
+                  </a:tcPr>
+                </a:tc>
+                <a:tc>
+                  <a:txBody>
+                    <a:bodyPr/>
+                    <a:lstStyle/>
+                    <a:p>
+                      <a:pPr algn="r" fontAlgn="b"/>
+                      <a:r>
+                        <a:rPr lang="en-US" sz="1100" b="0" i="0" u="none" strike="noStrike">
+                          <a:solidFill>
+                            <a:srgbClr val="000000"/>
+                          </a:solidFill>
+                          <a:effectLst/>
+                          <a:latin typeface="Calibri" panose="020F0502020204030204" pitchFamily="34" charset="0"/>
+                        </a:rPr>
+                        <a:t>25</a:t>
+                      </a:r>
+                    </a:p>
+                  </a:txBody>
+                  <a:tcPr marL="6350" marR="6350" marT="6350" marB="0" anchor="b">
+                    <a:lnL w="6350" cap="flat" cmpd="sng" algn="ctr">
+                      <a:solidFill>
+                        <a:srgbClr val="000000"/>
+                      </a:solidFill>
+                      <a:prstDash val="solid"/>
+                      <a:round/>
+                      <a:headEnd type="none" w="med" len="med"/>
+                      <a:tailEnd type="none" w="med" len="med"/>
+                    </a:lnL>
+                    <a:lnR w="6350" cap="flat" cmpd="sng" algn="ctr">
+                      <a:solidFill>
+                        <a:srgbClr val="000000"/>
+                      </a:solidFill>
+                      <a:prstDash val="solid"/>
+                      <a:round/>
+                      <a:headEnd type="none" w="med" len="med"/>
+                      <a:tailEnd type="none" w="med" len="med"/>
+                    </a:lnR>
+                    <a:lnT w="6350" cap="flat" cmpd="sng" algn="ctr">
+                      <a:solidFill>
+                        <a:srgbClr val="000000"/>
+                      </a:solidFill>
+                      <a:prstDash val="solid"/>
+                      <a:round/>
+                      <a:headEnd type="none" w="med" len="med"/>
+                      <a:tailEnd type="none" w="med" len="med"/>
+                    </a:lnT>
+                    <a:lnB w="6350" cap="flat" cmpd="sng" algn="ctr">
+                      <a:solidFill>
+                        <a:srgbClr val="000000"/>
+                      </a:solidFill>
+                      <a:prstDash val="solid"/>
+                      <a:round/>
+                      <a:headEnd type="none" w="med" len="med"/>
+                      <a:tailEnd type="none" w="med" len="med"/>
+                    </a:lnB>
+                  </a:tcPr>
+                </a:tc>
+                <a:tc>
+                  <a:txBody>
+                    <a:bodyPr/>
+                    <a:lstStyle/>
+                    <a:p>
+                      <a:pPr algn="l" fontAlgn="b"/>
+                      <a:r>
+                        <a:rPr lang="en-US" sz="1100" b="0" i="0" u="none" strike="noStrike">
+                          <a:solidFill>
+                            <a:srgbClr val="000000"/>
+                          </a:solidFill>
+                          <a:effectLst/>
+                          <a:latin typeface="Calibri" panose="020F0502020204030204" pitchFamily="34" charset="0"/>
+                        </a:rPr>
+                        <a:t> MS</a:t>
+                      </a:r>
+                    </a:p>
+                  </a:txBody>
+                  <a:tcPr marL="6350" marR="6350" marT="6350" marB="0" anchor="b">
+                    <a:lnL w="6350" cap="flat" cmpd="sng" algn="ctr">
+                      <a:solidFill>
+                        <a:srgbClr val="000000"/>
+                      </a:solidFill>
+                      <a:prstDash val="solid"/>
+                      <a:round/>
+                      <a:headEnd type="none" w="med" len="med"/>
+                      <a:tailEnd type="none" w="med" len="med"/>
+                    </a:lnL>
+                    <a:lnR w="6350" cap="flat" cmpd="sng" algn="ctr">
+                      <a:solidFill>
+                        <a:srgbClr val="000000"/>
+                      </a:solidFill>
+                      <a:prstDash val="solid"/>
+                      <a:round/>
+                      <a:headEnd type="none" w="med" len="med"/>
+                      <a:tailEnd type="none" w="med" len="med"/>
+                    </a:lnR>
+                    <a:lnT w="6350" cap="flat" cmpd="sng" algn="ctr">
+                      <a:solidFill>
+                        <a:srgbClr val="000000"/>
+                      </a:solidFill>
+                      <a:prstDash val="solid"/>
+                      <a:round/>
+                      <a:headEnd type="none" w="med" len="med"/>
+                      <a:tailEnd type="none" w="med" len="med"/>
+                    </a:lnT>
+                    <a:lnB w="6350" cap="flat" cmpd="sng" algn="ctr">
+                      <a:solidFill>
+                        <a:srgbClr val="000000"/>
+                      </a:solidFill>
+                      <a:prstDash val="solid"/>
+                      <a:round/>
+                      <a:headEnd type="none" w="med" len="med"/>
+                      <a:tailEnd type="none" w="med" len="med"/>
+                    </a:lnB>
+                  </a:tcPr>
+                </a:tc>
+                <a:tc>
+                  <a:txBody>
+                    <a:bodyPr/>
+                    <a:lstStyle/>
+                    <a:p>
+                      <a:pPr algn="r" fontAlgn="b"/>
+                      <a:r>
+                        <a:rPr lang="en-US" sz="1100" b="0" i="0" u="none" strike="noStrike">
+                          <a:solidFill>
+                            <a:srgbClr val="000000"/>
+                          </a:solidFill>
+                          <a:effectLst/>
+                          <a:latin typeface="Calibri" panose="020F0502020204030204" pitchFamily="34" charset="0"/>
+                        </a:rPr>
+                        <a:t>11</a:t>
+                      </a:r>
+                    </a:p>
+                  </a:txBody>
+                  <a:tcPr marL="6350" marR="6350" marT="6350" marB="0" anchor="b">
+                    <a:lnL w="6350" cap="flat" cmpd="sng" algn="ctr">
+                      <a:solidFill>
+                        <a:srgbClr val="000000"/>
+                      </a:solidFill>
+                      <a:prstDash val="solid"/>
+                      <a:round/>
+                      <a:headEnd type="none" w="med" len="med"/>
+                      <a:tailEnd type="none" w="med" len="med"/>
+                    </a:lnL>
+                    <a:lnR w="6350" cap="flat" cmpd="sng" algn="ctr">
+                      <a:solidFill>
+                        <a:srgbClr val="000000"/>
+                      </a:solidFill>
+                      <a:prstDash val="solid"/>
+                      <a:round/>
+                      <a:headEnd type="none" w="med" len="med"/>
+                      <a:tailEnd type="none" w="med" len="med"/>
+                    </a:lnR>
+                    <a:lnT w="6350" cap="flat" cmpd="sng" algn="ctr">
+                      <a:solidFill>
+                        <a:srgbClr val="000000"/>
+                      </a:solidFill>
+                      <a:prstDash val="solid"/>
+                      <a:round/>
+                      <a:headEnd type="none" w="med" len="med"/>
+                      <a:tailEnd type="none" w="med" len="med"/>
+                    </a:lnT>
+                    <a:lnB w="6350" cap="flat" cmpd="sng" algn="ctr">
+                      <a:solidFill>
+                        <a:srgbClr val="000000"/>
+                      </a:solidFill>
+                      <a:prstDash val="solid"/>
+                      <a:round/>
+                      <a:headEnd type="none" w="med" len="med"/>
+                      <a:tailEnd type="none" w="med" len="med"/>
+                    </a:lnB>
+                  </a:tcPr>
+                </a:tc>
+                <a:tc>
+                  <a:txBody>
+                    <a:bodyPr/>
+                    <a:lstStyle/>
+                    <a:p>
+                      <a:pPr algn="l" fontAlgn="b"/>
+                      <a:r>
+                        <a:rPr lang="en-US" sz="1100" b="0" i="0" u="none" strike="noStrike">
+                          <a:solidFill>
+                            <a:srgbClr val="000000"/>
+                          </a:solidFill>
+                          <a:effectLst/>
+                          <a:latin typeface="Calibri" panose="020F0502020204030204" pitchFamily="34" charset="0"/>
+                        </a:rPr>
+                        <a:t> WV</a:t>
+                      </a:r>
+                    </a:p>
+                  </a:txBody>
+                  <a:tcPr marL="6350" marR="6350" marT="6350" marB="0" anchor="b">
+                    <a:lnL w="6350" cap="flat" cmpd="sng" algn="ctr">
+                      <a:solidFill>
+                        <a:srgbClr val="000000"/>
+                      </a:solidFill>
+                      <a:prstDash val="solid"/>
+                      <a:round/>
+                      <a:headEnd type="none" w="med" len="med"/>
+                      <a:tailEnd type="none" w="med" len="med"/>
+                    </a:lnL>
+                    <a:lnR w="6350" cap="flat" cmpd="sng" algn="ctr">
+                      <a:solidFill>
+                        <a:srgbClr val="000000"/>
+                      </a:solidFill>
+                      <a:prstDash val="solid"/>
+                      <a:round/>
+                      <a:headEnd type="none" w="med" len="med"/>
+                      <a:tailEnd type="none" w="med" len="med"/>
+                    </a:lnR>
+                    <a:lnT w="6350" cap="flat" cmpd="sng" algn="ctr">
+                      <a:solidFill>
+                        <a:srgbClr val="000000"/>
+                      </a:solidFill>
+                      <a:prstDash val="solid"/>
+                      <a:round/>
+                      <a:headEnd type="none" w="med" len="med"/>
+                      <a:tailEnd type="none" w="med" len="med"/>
+                    </a:lnT>
+                    <a:lnB w="6350" cap="flat" cmpd="sng" algn="ctr">
+                      <a:solidFill>
+                        <a:srgbClr val="000000"/>
+                      </a:solidFill>
+                      <a:prstDash val="solid"/>
+                      <a:round/>
+                      <a:headEnd type="none" w="med" len="med"/>
+                      <a:tailEnd type="none" w="med" len="med"/>
+                    </a:lnB>
+                  </a:tcPr>
+                </a:tc>
+                <a:tc>
+                  <a:txBody>
+                    <a:bodyPr/>
+                    <a:lstStyle/>
+                    <a:p>
+                      <a:pPr algn="r" fontAlgn="b"/>
+                      <a:r>
+                        <a:rPr lang="en-US" sz="1100" b="0" i="0" u="none" strike="noStrike">
+                          <a:solidFill>
+                            <a:srgbClr val="000000"/>
+                          </a:solidFill>
+                          <a:effectLst/>
+                          <a:latin typeface="Calibri" panose="020F0502020204030204" pitchFamily="34" charset="0"/>
+                        </a:rPr>
+                        <a:t>2</a:t>
+                      </a:r>
+                    </a:p>
+                  </a:txBody>
+                  <a:tcPr marL="6350" marR="6350" marT="6350" marB="0" anchor="b">
+                    <a:lnL w="6350" cap="flat" cmpd="sng" algn="ctr">
+                      <a:solidFill>
+                        <a:srgbClr val="000000"/>
+                      </a:solidFill>
+                      <a:prstDash val="solid"/>
+                      <a:round/>
+                      <a:headEnd type="none" w="med" len="med"/>
+                      <a:tailEnd type="none" w="med" len="med"/>
+                    </a:lnL>
+                    <a:lnR w="6350" cap="flat" cmpd="sng" algn="ctr">
+                      <a:solidFill>
+                        <a:srgbClr val="000000"/>
+                      </a:solidFill>
+                      <a:prstDash val="solid"/>
+                      <a:round/>
+                      <a:headEnd type="none" w="med" len="med"/>
+                      <a:tailEnd type="none" w="med" len="med"/>
+                    </a:lnR>
+                    <a:lnT w="6350" cap="flat" cmpd="sng" algn="ctr">
+                      <a:solidFill>
+                        <a:srgbClr val="000000"/>
+                      </a:solidFill>
+                      <a:prstDash val="solid"/>
+                      <a:round/>
+                      <a:headEnd type="none" w="med" len="med"/>
+                      <a:tailEnd type="none" w="med" len="med"/>
+                    </a:lnT>
+                    <a:lnB w="6350" cap="flat" cmpd="sng" algn="ctr">
+                      <a:solidFill>
+                        <a:srgbClr val="000000"/>
+                      </a:solidFill>
+                      <a:prstDash val="solid"/>
+                      <a:round/>
+                      <a:headEnd type="none" w="med" len="med"/>
+                      <a:tailEnd type="none" w="med" len="med"/>
+                    </a:lnB>
+                  </a:tcPr>
+                </a:tc>
+                <a:extLst>
+                  <a:ext uri="{0D108BD9-81ED-4DB2-BD59-A6C34878D82A}">
+                    <a16:rowId xmlns:a16="http://schemas.microsoft.com/office/drawing/2014/main" val="3220578478"/>
+                  </a:ext>
+                </a:extLst>
+              </a:tr>
+              <a:tr h="238472">
+                <a:tc>
+                  <a:txBody>
+                    <a:bodyPr/>
+                    <a:lstStyle/>
+                    <a:p>
+                      <a:pPr algn="l" fontAlgn="b"/>
+                      <a:endParaRPr lang="en-US" sz="1100" b="0" i="0" u="none" strike="noStrike">
+                        <a:solidFill>
+                          <a:srgbClr val="000000"/>
+                        </a:solidFill>
+                        <a:effectLst/>
+                        <a:latin typeface="Calibri" panose="020F0502020204030204" pitchFamily="34" charset="0"/>
+                      </a:endParaRPr>
+                    </a:p>
+                  </a:txBody>
+                  <a:tcPr marL="6350" marR="6350" marT="6350" marB="0" anchor="b">
+                    <a:lnL>
+                      <a:noFill/>
+                    </a:lnL>
+                    <a:lnR>
+                      <a:noFill/>
+                    </a:lnR>
+                    <a:lnT w="6350" cap="flat" cmpd="sng" algn="ctr">
+                      <a:solidFill>
+                        <a:srgbClr val="000000"/>
+                      </a:solidFill>
+                      <a:prstDash val="solid"/>
+                      <a:round/>
+                      <a:headEnd type="none" w="med" len="med"/>
+                      <a:tailEnd type="none" w="med" len="med"/>
+                    </a:lnT>
+                    <a:lnB>
+                      <a:noFill/>
+                    </a:lnB>
+                  </a:tcPr>
+                </a:tc>
+                <a:tc>
+                  <a:txBody>
+                    <a:bodyPr/>
+                    <a:lstStyle/>
+                    <a:p>
+                      <a:pPr algn="l" fontAlgn="b"/>
+                      <a:endParaRPr lang="en-US" sz="1100" b="0" i="0" u="none" strike="noStrike">
+                        <a:solidFill>
+                          <a:srgbClr val="000000"/>
+                        </a:solidFill>
+                        <a:effectLst/>
+                        <a:latin typeface="Calibri" panose="020F0502020204030204" pitchFamily="34" charset="0"/>
+                      </a:endParaRPr>
+                    </a:p>
+                  </a:txBody>
+                  <a:tcPr marL="6350" marR="6350" marT="6350" marB="0" anchor="b">
+                    <a:lnL>
+                      <a:noFill/>
+                    </a:lnL>
+                    <a:lnR>
+                      <a:noFill/>
+                    </a:lnR>
+                    <a:lnT w="6350" cap="flat" cmpd="sng" algn="ctr">
+                      <a:solidFill>
+                        <a:srgbClr val="000000"/>
+                      </a:solidFill>
+                      <a:prstDash val="solid"/>
+                      <a:round/>
+                      <a:headEnd type="none" w="med" len="med"/>
+                      <a:tailEnd type="none" w="med" len="med"/>
+                    </a:lnT>
+                    <a:lnB>
+                      <a:noFill/>
+                    </a:lnB>
+                  </a:tcPr>
+                </a:tc>
+                <a:tc>
+                  <a:txBody>
+                    <a:bodyPr/>
+                    <a:lstStyle/>
+                    <a:p>
+                      <a:pPr algn="l" fontAlgn="b"/>
+                      <a:endParaRPr lang="en-US" sz="1100" b="0" i="0" u="none" strike="noStrike">
+                        <a:solidFill>
+                          <a:srgbClr val="000000"/>
+                        </a:solidFill>
+                        <a:effectLst/>
+                        <a:latin typeface="Calibri" panose="020F0502020204030204" pitchFamily="34" charset="0"/>
+                      </a:endParaRPr>
+                    </a:p>
+                  </a:txBody>
+                  <a:tcPr marL="6350" marR="6350" marT="6350" marB="0" anchor="b">
+                    <a:lnL>
+                      <a:noFill/>
+                    </a:lnL>
+                    <a:lnR>
+                      <a:noFill/>
+                    </a:lnR>
+                    <a:lnT w="6350" cap="flat" cmpd="sng" algn="ctr">
+                      <a:solidFill>
+                        <a:srgbClr val="000000"/>
+                      </a:solidFill>
+                      <a:prstDash val="solid"/>
+                      <a:round/>
+                      <a:headEnd type="none" w="med" len="med"/>
+                      <a:tailEnd type="none" w="med" len="med"/>
+                    </a:lnT>
+                    <a:lnB>
+                      <a:noFill/>
+                    </a:lnB>
+                  </a:tcPr>
+                </a:tc>
+                <a:tc>
+                  <a:txBody>
+                    <a:bodyPr/>
+                    <a:lstStyle/>
+                    <a:p>
+                      <a:pPr algn="l" fontAlgn="b"/>
+                      <a:endParaRPr lang="en-US" sz="1100" b="0" i="0" u="none" strike="noStrike">
+                        <a:solidFill>
+                          <a:srgbClr val="000000"/>
+                        </a:solidFill>
+                        <a:effectLst/>
+                        <a:latin typeface="Calibri" panose="020F0502020204030204" pitchFamily="34" charset="0"/>
+                      </a:endParaRPr>
+                    </a:p>
+                  </a:txBody>
+                  <a:tcPr marL="6350" marR="6350" marT="6350" marB="0" anchor="b">
+                    <a:lnL>
+                      <a:noFill/>
+                    </a:lnL>
+                    <a:lnR>
+                      <a:noFill/>
+                    </a:lnR>
+                    <a:lnT w="6350" cap="flat" cmpd="sng" algn="ctr">
+                      <a:solidFill>
+                        <a:srgbClr val="000000"/>
+                      </a:solidFill>
+                      <a:prstDash val="solid"/>
+                      <a:round/>
+                      <a:headEnd type="none" w="med" len="med"/>
+                      <a:tailEnd type="none" w="med" len="med"/>
+                    </a:lnT>
+                    <a:lnB>
+                      <a:noFill/>
+                    </a:lnB>
+                  </a:tcPr>
+                </a:tc>
+                <a:tc>
+                  <a:txBody>
+                    <a:bodyPr/>
+                    <a:lstStyle/>
+                    <a:p>
+                      <a:pPr algn="l" fontAlgn="b"/>
+                      <a:endParaRPr lang="en-US" sz="1100" b="0" i="0" u="none" strike="noStrike">
+                        <a:solidFill>
+                          <a:srgbClr val="000000"/>
+                        </a:solidFill>
+                        <a:effectLst/>
+                        <a:latin typeface="Calibri" panose="020F0502020204030204" pitchFamily="34" charset="0"/>
+                      </a:endParaRPr>
+                    </a:p>
+                  </a:txBody>
+                  <a:tcPr marL="6350" marR="6350" marT="6350" marB="0" anchor="b">
+                    <a:lnL>
+                      <a:noFill/>
+                    </a:lnL>
+                    <a:lnR>
+                      <a:noFill/>
+                    </a:lnR>
+                    <a:lnT w="6350" cap="flat" cmpd="sng" algn="ctr">
+                      <a:solidFill>
+                        <a:srgbClr val="000000"/>
+                      </a:solidFill>
+                      <a:prstDash val="solid"/>
+                      <a:round/>
+                      <a:headEnd type="none" w="med" len="med"/>
+                      <a:tailEnd type="none" w="med" len="med"/>
+                    </a:lnT>
+                    <a:lnB>
+                      <a:noFill/>
+                    </a:lnB>
+                  </a:tcPr>
+                </a:tc>
+                <a:tc>
+                  <a:txBody>
+                    <a:bodyPr/>
+                    <a:lstStyle/>
+                    <a:p>
+                      <a:pPr algn="l" fontAlgn="b"/>
+                      <a:endParaRPr lang="en-US" sz="1100" b="0" i="0" u="none" strike="noStrike">
+                        <a:solidFill>
+                          <a:srgbClr val="000000"/>
+                        </a:solidFill>
+                        <a:effectLst/>
+                        <a:latin typeface="Calibri" panose="020F0502020204030204" pitchFamily="34" charset="0"/>
+                      </a:endParaRPr>
+                    </a:p>
+                  </a:txBody>
+                  <a:tcPr marL="6350" marR="6350" marT="6350" marB="0" anchor="b">
+                    <a:lnL>
+                      <a:noFill/>
+                    </a:lnL>
+                    <a:lnR>
+                      <a:noFill/>
+                    </a:lnR>
+                    <a:lnT w="6350" cap="flat" cmpd="sng" algn="ctr">
+                      <a:solidFill>
+                        <a:srgbClr val="000000"/>
+                      </a:solidFill>
+                      <a:prstDash val="solid"/>
+                      <a:round/>
+                      <a:headEnd type="none" w="med" len="med"/>
+                      <a:tailEnd type="none" w="med" len="med"/>
+                    </a:lnT>
+                    <a:lnB>
+                      <a:noFill/>
+                    </a:lnB>
+                  </a:tcPr>
+                </a:tc>
+                <a:tc>
+                  <a:txBody>
+                    <a:bodyPr/>
+                    <a:lstStyle/>
+                    <a:p>
+                      <a:pPr algn="l" fontAlgn="b"/>
+                      <a:endParaRPr lang="en-US" sz="1100" b="0" i="0" u="none" strike="noStrike">
+                        <a:solidFill>
+                          <a:srgbClr val="000000"/>
+                        </a:solidFill>
+                        <a:effectLst/>
+                        <a:latin typeface="Calibri" panose="020F0502020204030204" pitchFamily="34" charset="0"/>
+                      </a:endParaRPr>
+                    </a:p>
+                  </a:txBody>
+                  <a:tcPr marL="6350" marR="6350" marT="6350" marB="0" anchor="b">
+                    <a:lnL>
+                      <a:noFill/>
+                    </a:lnL>
+                    <a:lnR>
+                      <a:noFill/>
+                    </a:lnR>
+                    <a:lnT w="6350" cap="flat" cmpd="sng" algn="ctr">
+                      <a:solidFill>
+                        <a:srgbClr val="000000"/>
+                      </a:solidFill>
+                      <a:prstDash val="solid"/>
+                      <a:round/>
+                      <a:headEnd type="none" w="med" len="med"/>
+                      <a:tailEnd type="none" w="med" len="med"/>
+                    </a:lnT>
+                    <a:lnB>
+                      <a:noFill/>
+                    </a:lnB>
+                  </a:tcPr>
+                </a:tc>
+                <a:tc>
+                  <a:txBody>
+                    <a:bodyPr/>
+                    <a:lstStyle/>
+                    <a:p>
+                      <a:pPr algn="l" fontAlgn="b"/>
+                      <a:endParaRPr lang="en-US" sz="1100" b="0" i="0" u="none" strike="noStrike">
+                        <a:solidFill>
+                          <a:srgbClr val="000000"/>
+                        </a:solidFill>
+                        <a:effectLst/>
+                        <a:latin typeface="Calibri" panose="020F0502020204030204" pitchFamily="34" charset="0"/>
+                      </a:endParaRPr>
+                    </a:p>
+                  </a:txBody>
+                  <a:tcPr marL="6350" marR="6350" marT="6350" marB="0" anchor="b">
+                    <a:lnL>
+                      <a:noFill/>
+                    </a:lnL>
+                    <a:lnR w="6350" cap="flat" cmpd="sng" algn="ctr">
+                      <a:solidFill>
+                        <a:srgbClr val="000000"/>
+                      </a:solidFill>
+                      <a:prstDash val="solid"/>
+                      <a:round/>
+                      <a:headEnd type="none" w="med" len="med"/>
+                      <a:tailEnd type="none" w="med" len="med"/>
+                    </a:lnR>
+                    <a:lnT w="6350" cap="flat" cmpd="sng" algn="ctr">
+                      <a:solidFill>
+                        <a:srgbClr val="000000"/>
+                      </a:solidFill>
+                      <a:prstDash val="solid"/>
+                      <a:round/>
+                      <a:headEnd type="none" w="med" len="med"/>
+                      <a:tailEnd type="none" w="med" len="med"/>
+                    </a:lnT>
+                    <a:lnB>
+                      <a:noFill/>
+                    </a:lnB>
+                  </a:tcPr>
+                </a:tc>
+                <a:tc>
+                  <a:txBody>
+                    <a:bodyPr/>
+                    <a:lstStyle/>
+                    <a:p>
+                      <a:pPr algn="l" fontAlgn="b"/>
+                      <a:r>
+                        <a:rPr lang="en-US" sz="1100" b="0" i="0" u="none" strike="noStrike">
+                          <a:solidFill>
+                            <a:srgbClr val="000000"/>
+                          </a:solidFill>
+                          <a:effectLst/>
+                          <a:latin typeface="Calibri" panose="020F0502020204030204" pitchFamily="34" charset="0"/>
+                        </a:rPr>
+                        <a:t> DC</a:t>
+                      </a:r>
+                    </a:p>
+                  </a:txBody>
+                  <a:tcPr marL="6350" marR="6350" marT="6350" marB="0" anchor="b">
+                    <a:lnL w="6350" cap="flat" cmpd="sng" algn="ctr">
+                      <a:solidFill>
+                        <a:srgbClr val="000000"/>
+                      </a:solidFill>
+                      <a:prstDash val="solid"/>
+                      <a:round/>
+                      <a:headEnd type="none" w="med" len="med"/>
+                      <a:tailEnd type="none" w="med" len="med"/>
+                    </a:lnL>
+                    <a:lnR w="6350" cap="flat" cmpd="sng" algn="ctr">
+                      <a:solidFill>
+                        <a:srgbClr val="000000"/>
+                      </a:solidFill>
+                      <a:prstDash val="solid"/>
+                      <a:round/>
+                      <a:headEnd type="none" w="med" len="med"/>
+                      <a:tailEnd type="none" w="med" len="med"/>
+                    </a:lnR>
+                    <a:lnT w="6350" cap="flat" cmpd="sng" algn="ctr">
+                      <a:solidFill>
+                        <a:srgbClr val="000000"/>
+                      </a:solidFill>
+                      <a:prstDash val="solid"/>
+                      <a:round/>
+                      <a:headEnd type="none" w="med" len="med"/>
+                      <a:tailEnd type="none" w="med" len="med"/>
+                    </a:lnT>
+                    <a:lnB w="6350" cap="flat" cmpd="sng" algn="ctr">
+                      <a:solidFill>
+                        <a:srgbClr val="000000"/>
+                      </a:solidFill>
+                      <a:prstDash val="solid"/>
+                      <a:round/>
+                      <a:headEnd type="none" w="med" len="med"/>
+                      <a:tailEnd type="none" w="med" len="med"/>
+                    </a:lnB>
+                    <a:solidFill>
+                      <a:srgbClr val="E7E6E6"/>
+                    </a:solidFill>
+                  </a:tcPr>
+                </a:tc>
+                <a:tc>
+                  <a:txBody>
+                    <a:bodyPr/>
+                    <a:lstStyle/>
+                    <a:p>
+                      <a:pPr algn="r" fontAlgn="b"/>
+                      <a:r>
+                        <a:rPr lang="en-US" sz="1100" b="0" i="0" u="none" strike="noStrike" dirty="0">
+                          <a:solidFill>
+                            <a:srgbClr val="000000"/>
+                          </a:solidFill>
+                          <a:effectLst/>
+                          <a:latin typeface="Calibri" panose="020F0502020204030204" pitchFamily="34" charset="0"/>
+                        </a:rPr>
+                        <a:t>8</a:t>
+                      </a:r>
+                    </a:p>
+                  </a:txBody>
+                  <a:tcPr marL="6350" marR="6350" marT="6350" marB="0" anchor="b">
+                    <a:lnL w="6350" cap="flat" cmpd="sng" algn="ctr">
+                      <a:solidFill>
+                        <a:srgbClr val="000000"/>
+                      </a:solidFill>
+                      <a:prstDash val="solid"/>
+                      <a:round/>
+                      <a:headEnd type="none" w="med" len="med"/>
+                      <a:tailEnd type="none" w="med" len="med"/>
+                    </a:lnL>
+                    <a:lnR w="6350" cap="flat" cmpd="sng" algn="ctr">
+                      <a:solidFill>
+                        <a:srgbClr val="000000"/>
+                      </a:solidFill>
+                      <a:prstDash val="solid"/>
+                      <a:round/>
+                      <a:headEnd type="none" w="med" len="med"/>
+                      <a:tailEnd type="none" w="med" len="med"/>
+                    </a:lnR>
+                    <a:lnT w="6350" cap="flat" cmpd="sng" algn="ctr">
+                      <a:solidFill>
+                        <a:srgbClr val="000000"/>
+                      </a:solidFill>
+                      <a:prstDash val="solid"/>
+                      <a:round/>
+                      <a:headEnd type="none" w="med" len="med"/>
+                      <a:tailEnd type="none" w="med" len="med"/>
+                    </a:lnT>
+                    <a:lnB w="6350" cap="flat" cmpd="sng" algn="ctr">
+                      <a:solidFill>
+                        <a:srgbClr val="000000"/>
+                      </a:solidFill>
+                      <a:prstDash val="solid"/>
+                      <a:round/>
+                      <a:headEnd type="none" w="med" len="med"/>
+                      <a:tailEnd type="none" w="med" len="med"/>
+                    </a:lnB>
+                    <a:solidFill>
+                      <a:srgbClr val="E7E6E6"/>
+                    </a:solidFill>
+                  </a:tcPr>
+                </a:tc>
+                <a:extLst>
+                  <a:ext uri="{0D108BD9-81ED-4DB2-BD59-A6C34878D82A}">
+                    <a16:rowId xmlns:a16="http://schemas.microsoft.com/office/drawing/2014/main" val="4261975936"/>
+                  </a:ext>
+                </a:extLst>
+              </a:tr>
+            </a:tbl>
+          </a:graphicData>
+        </a:graphic>
+      </p:graphicFrame>
     </p:spTree>
     <p:extLst>
       <p:ext uri="{BB962C8B-B14F-4D97-AF65-F5344CB8AC3E}">
@@ -6706,6 +13480,124 @@
           <p:cNvPr id="2" name="Title 1">
             <a:extLst>
               <a:ext uri="{FF2B5EF4-FFF2-40B4-BE49-F238E27FC236}">
+                <a16:creationId xmlns:a16="http://schemas.microsoft.com/office/drawing/2014/main" id="{288CE608-A1DE-45A7-9C83-DAF08AB9DA67}"/>
+              </a:ext>
+            </a:extLst>
+          </p:cNvPr>
+          <p:cNvSpPr>
+            <a:spLocks noGrp="1"/>
+          </p:cNvSpPr>
+          <p:nvPr>
+            <p:ph type="title"/>
+          </p:nvPr>
+        </p:nvSpPr>
+        <p:spPr/>
+        <p:txBody>
+          <a:bodyPr/>
+          <a:lstStyle/>
+          <a:p>
+            <a:r>
+              <a:rPr lang="en-US" dirty="0"/>
+              <a:t>Median IBU by State</a:t>
+            </a:r>
+          </a:p>
+        </p:txBody>
+      </p:sp>
+      <p:pic>
+        <p:nvPicPr>
+          <p:cNvPr id="4" name="Picture 3">
+            <a:extLst>
+              <a:ext uri="{FF2B5EF4-FFF2-40B4-BE49-F238E27FC236}">
+                <a16:creationId xmlns:a16="http://schemas.microsoft.com/office/drawing/2014/main" id="{5B7839B6-655A-4AE6-887A-6AD3F90F2177}"/>
+              </a:ext>
+            </a:extLst>
+          </p:cNvPr>
+          <p:cNvPicPr>
+            <a:picLocks noChangeAspect="1"/>
+          </p:cNvPicPr>
+          <p:nvPr/>
+        </p:nvPicPr>
+        <p:blipFill>
+          <a:blip r:embed="rId2"/>
+          <a:stretch>
+            <a:fillRect/>
+          </a:stretch>
+        </p:blipFill>
+        <p:spPr>
+          <a:xfrm>
+            <a:off x="6220074" y="2413000"/>
+            <a:ext cx="4982925" cy="3075176"/>
+          </a:xfrm>
+          <a:prstGeom prst="rect">
+            <a:avLst/>
+          </a:prstGeom>
+        </p:spPr>
+      </p:pic>
+      <p:pic>
+        <p:nvPicPr>
+          <p:cNvPr id="7" name="Picture 6">
+            <a:extLst>
+              <a:ext uri="{FF2B5EF4-FFF2-40B4-BE49-F238E27FC236}">
+                <a16:creationId xmlns:a16="http://schemas.microsoft.com/office/drawing/2014/main" id="{5817296D-14D1-4EAA-9767-D2351006BB91}"/>
+              </a:ext>
+            </a:extLst>
+          </p:cNvPr>
+          <p:cNvPicPr>
+            <a:picLocks noChangeAspect="1"/>
+          </p:cNvPicPr>
+          <p:nvPr/>
+        </p:nvPicPr>
+        <p:blipFill>
+          <a:blip r:embed="rId3"/>
+          <a:stretch>
+            <a:fillRect/>
+          </a:stretch>
+        </p:blipFill>
+        <p:spPr>
+          <a:xfrm>
+            <a:off x="581661" y="2413000"/>
+            <a:ext cx="5390266" cy="3326564"/>
+          </a:xfrm>
+          <a:prstGeom prst="rect">
+            <a:avLst/>
+          </a:prstGeom>
+        </p:spPr>
+      </p:pic>
+    </p:spTree>
+    <p:extLst>
+      <p:ext uri="{BB962C8B-B14F-4D97-AF65-F5344CB8AC3E}">
+        <p14:creationId xmlns:p14="http://schemas.microsoft.com/office/powerpoint/2010/main" val="3980475663"/>
+      </p:ext>
+    </p:extLst>
+  </p:cSld>
+  <p:clrMapOvr>
+    <a:masterClrMapping/>
+  </p:clrMapOvr>
+</p:sld>
+</file>
+
+<file path=ppt/slides/slide6.xml><?xml version="1.0" encoding="utf-8"?>
+<p:sld xmlns:a="http://schemas.openxmlformats.org/drawingml/2006/main" xmlns:r="http://schemas.openxmlformats.org/officeDocument/2006/relationships" xmlns:p="http://schemas.openxmlformats.org/presentationml/2006/main">
+  <p:cSld>
+    <p:spTree>
+      <p:nvGrpSpPr>
+        <p:cNvPr id="1" name=""/>
+        <p:cNvGrpSpPr/>
+        <p:nvPr/>
+      </p:nvGrpSpPr>
+      <p:grpSpPr>
+        <a:xfrm>
+          <a:off x="0" y="0"/>
+          <a:ext cx="0" cy="0"/>
+          <a:chOff x="0" y="0"/>
+          <a:chExt cx="0" cy="0"/>
+        </a:xfrm>
+      </p:grpSpPr>
+      <p:sp>
+        <p:nvSpPr>
+          <p:cNvPr id="2" name="Title 1">
+            <a:extLst>
+              <a:ext uri="{FF2B5EF4-FFF2-40B4-BE49-F238E27FC236}">
                 <a16:creationId xmlns:a16="http://schemas.microsoft.com/office/drawing/2014/main" id="{194BF98C-AE5E-4C8A-A63C-6F967E657FBF}"/>
               </a:ext>
             </a:extLst>
@@ -6749,7 +13641,7 @@
           <p:nvPr>
             <p:extLst>
               <p:ext uri="{D42A27DB-BD31-4B8C-83A1-F6EECF244321}">
-                <p14:modId xmlns:p14="http://schemas.microsoft.com/office/powerpoint/2010/main" val="3181262740"/>
+                <p14:modId xmlns:p14="http://schemas.microsoft.com/office/powerpoint/2010/main" val="1150861079"/>
               </p:ext>
             </p:extLst>
           </p:nvPr>
@@ -6834,7 +13726,7 @@
                     <a:p>
                       <a:r>
                         <a:rPr lang="en-US" dirty="0"/>
-                        <a:t>.128</a:t>
+                        <a:t>13%</a:t>
                       </a:r>
                     </a:p>
                   </a:txBody>
@@ -6979,7 +13871,7 @@
 </p:sld>
 </file>
 
-<file path=ppt/slides/slide6.xml><?xml version="1.0" encoding="utf-8"?>
+<file path=ppt/slides/slide7.xml><?xml version="1.0" encoding="utf-8"?>
 <p:sld xmlns:a="http://schemas.openxmlformats.org/drawingml/2006/main" xmlns:r="http://schemas.openxmlformats.org/officeDocument/2006/relationships" xmlns:p="http://schemas.openxmlformats.org/presentationml/2006/main">
   <p:cSld>
     <p:bg>
@@ -8198,7 +15090,544 @@
 </p:sld>
 </file>
 
-<file path=ppt/slides/slide7.xml><?xml version="1.0" encoding="utf-8"?>
+<file path=ppt/slides/slide8.xml><?xml version="1.0" encoding="utf-8"?>
+<p:sld xmlns:a="http://schemas.openxmlformats.org/drawingml/2006/main" xmlns:r="http://schemas.openxmlformats.org/officeDocument/2006/relationships" xmlns:p="http://schemas.openxmlformats.org/presentationml/2006/main">
+  <p:cSld>
+    <p:spTree>
+      <p:nvGrpSpPr>
+        <p:cNvPr id="1" name=""/>
+        <p:cNvGrpSpPr/>
+        <p:nvPr/>
+      </p:nvGrpSpPr>
+      <p:grpSpPr>
+        <a:xfrm>
+          <a:off x="0" y="0"/>
+          <a:ext cx="0" cy="0"/>
+          <a:chOff x="0" y="0"/>
+          <a:chExt cx="0" cy="0"/>
+        </a:xfrm>
+      </p:grpSpPr>
+      <p:sp>
+        <p:nvSpPr>
+          <p:cNvPr id="2" name="Title 1">
+            <a:extLst>
+              <a:ext uri="{FF2B5EF4-FFF2-40B4-BE49-F238E27FC236}">
+                <a16:creationId xmlns:a16="http://schemas.microsoft.com/office/drawing/2014/main" id="{356AB69A-AA1C-4A9C-B97E-8E133BA197AB}"/>
+              </a:ext>
+            </a:extLst>
+          </p:cNvPr>
+          <p:cNvSpPr>
+            <a:spLocks noGrp="1"/>
+          </p:cNvSpPr>
+          <p:nvPr>
+            <p:ph type="title"/>
+          </p:nvPr>
+        </p:nvSpPr>
+        <p:spPr>
+          <a:xfrm>
+            <a:off x="677334" y="609600"/>
+            <a:ext cx="5075396" cy="1320800"/>
+          </a:xfrm>
+        </p:spPr>
+        <p:txBody>
+          <a:bodyPr/>
+          <a:lstStyle/>
+          <a:p>
+            <a:r>
+              <a:rPr lang="en-US" dirty="0"/>
+              <a:t>IBU </a:t>
+            </a:r>
+            <a:r>
+              <a:rPr lang="en-US" dirty="0">
+                <a:latin typeface="Arial" panose="020B0604020202020204" pitchFamily="34" charset="0"/>
+                <a:cs typeface="Arial" panose="020B0604020202020204" pitchFamily="34" charset="0"/>
+              </a:rPr>
+              <a:t>Analysis</a:t>
+            </a:r>
+            <a:endParaRPr lang="en-US" dirty="0"/>
+          </a:p>
+        </p:txBody>
+      </p:sp>
+      <p:sp>
+        <p:nvSpPr>
+          <p:cNvPr id="3" name="Content Placeholder 2">
+            <a:extLst>
+              <a:ext uri="{FF2B5EF4-FFF2-40B4-BE49-F238E27FC236}">
+                <a16:creationId xmlns:a16="http://schemas.microsoft.com/office/drawing/2014/main" id="{F93A736B-886F-4010-8A71-6CDA2D06B444}"/>
+              </a:ext>
+            </a:extLst>
+          </p:cNvPr>
+          <p:cNvSpPr>
+            <a:spLocks noGrp="1"/>
+          </p:cNvSpPr>
+          <p:nvPr>
+            <p:ph idx="1"/>
+          </p:nvPr>
+        </p:nvSpPr>
+        <p:spPr>
+          <a:xfrm>
+            <a:off x="677334" y="2160589"/>
+            <a:ext cx="2971388" cy="3880773"/>
+          </a:xfrm>
+        </p:spPr>
+        <p:txBody>
+          <a:bodyPr/>
+          <a:lstStyle/>
+          <a:p>
+            <a:pPr marL="0" indent="0">
+              <a:buNone/>
+            </a:pPr>
+            <a:r>
+              <a:rPr lang="en-US" dirty="0"/>
+              <a:t>The distribution for IBU is very right skewed but could also be cleaned up by CLT.</a:t>
+            </a:r>
+          </a:p>
+        </p:txBody>
+      </p:sp>
+      <p:graphicFrame>
+        <p:nvGraphicFramePr>
+          <p:cNvPr id="4" name="Table 3">
+            <a:extLst>
+              <a:ext uri="{FF2B5EF4-FFF2-40B4-BE49-F238E27FC236}">
+                <a16:creationId xmlns:a16="http://schemas.microsoft.com/office/drawing/2014/main" id="{A7D88474-FF05-4603-833D-36DE785E26E1}"/>
+              </a:ext>
+            </a:extLst>
+          </p:cNvPr>
+          <p:cNvGraphicFramePr>
+            <a:graphicFrameLocks noGrp="1"/>
+          </p:cNvGraphicFramePr>
+          <p:nvPr>
+            <p:extLst>
+              <p:ext uri="{D42A27DB-BD31-4B8C-83A1-F6EECF244321}">
+                <p14:modId xmlns:p14="http://schemas.microsoft.com/office/powerpoint/2010/main" val="3878271384"/>
+              </p:ext>
+            </p:extLst>
+          </p:nvPr>
+        </p:nvGraphicFramePr>
+        <p:xfrm>
+          <a:off x="3950108" y="2310326"/>
+          <a:ext cx="2842528" cy="2560320"/>
+        </p:xfrm>
+        <a:graphic>
+          <a:graphicData uri="http://schemas.openxmlformats.org/drawingml/2006/table">
+            <a:tbl>
+              <a:tblPr firstRow="1" bandRow="1">
+                <a:tableStyleId>{5C22544A-7EE6-4342-B048-85BDC9FD1C3A}</a:tableStyleId>
+              </a:tblPr>
+              <a:tblGrid>
+                <a:gridCol w="1421264">
+                  <a:extLst>
+                    <a:ext uri="{9D8B030D-6E8A-4147-A177-3AD203B41FA5}">
+                      <a16:colId xmlns:a16="http://schemas.microsoft.com/office/drawing/2014/main" val="461675407"/>
+                    </a:ext>
+                  </a:extLst>
+                </a:gridCol>
+                <a:gridCol w="1421264">
+                  <a:extLst>
+                    <a:ext uri="{9D8B030D-6E8A-4147-A177-3AD203B41FA5}">
+                      <a16:colId xmlns:a16="http://schemas.microsoft.com/office/drawing/2014/main" val="4033762415"/>
+                    </a:ext>
+                  </a:extLst>
+                </a:gridCol>
+              </a:tblGrid>
+              <a:tr h="293145">
+                <a:tc gridSpan="2">
+                  <a:txBody>
+                    <a:bodyPr/>
+                    <a:lstStyle/>
+                    <a:p>
+                      <a:pPr algn="ctr"/>
+                      <a:r>
+                        <a:rPr lang="en-US" dirty="0"/>
+                        <a:t>Summary Statistics</a:t>
+                      </a:r>
+                    </a:p>
+                  </a:txBody>
+                  <a:tcPr/>
+                </a:tc>
+                <a:tc hMerge="1">
+                  <a:txBody>
+                    <a:bodyPr/>
+                    <a:lstStyle/>
+                    <a:p>
+                      <a:endParaRPr lang="en-US" dirty="0"/>
+                    </a:p>
+                  </a:txBody>
+                  <a:tcPr/>
+                </a:tc>
+                <a:extLst>
+                  <a:ext uri="{0D108BD9-81ED-4DB2-BD59-A6C34878D82A}">
+                    <a16:rowId xmlns:a16="http://schemas.microsoft.com/office/drawing/2014/main" val="2309065376"/>
+                  </a:ext>
+                </a:extLst>
+              </a:tr>
+              <a:tr h="293145">
+                <a:tc>
+                  <a:txBody>
+                    <a:bodyPr/>
+                    <a:lstStyle/>
+                    <a:p>
+                      <a:r>
+                        <a:rPr lang="en-US" dirty="0"/>
+                        <a:t>Min</a:t>
+                      </a:r>
+                    </a:p>
+                  </a:txBody>
+                  <a:tcPr/>
+                </a:tc>
+                <a:tc>
+                  <a:txBody>
+                    <a:bodyPr/>
+                    <a:lstStyle/>
+                    <a:p>
+                      <a:r>
+                        <a:rPr lang="en-US" sz="1800" dirty="0">
+                          <a:latin typeface="Arial" panose="020B0604020202020204" pitchFamily="34" charset="0"/>
+                          <a:cs typeface="Arial" panose="020B0604020202020204" pitchFamily="34" charset="0"/>
+                        </a:rPr>
+                        <a:t>4</a:t>
+                      </a:r>
+                      <a:endParaRPr lang="en-US" b="1" dirty="0"/>
+                    </a:p>
+                  </a:txBody>
+                  <a:tcPr/>
+                </a:tc>
+                <a:extLst>
+                  <a:ext uri="{0D108BD9-81ED-4DB2-BD59-A6C34878D82A}">
+                    <a16:rowId xmlns:a16="http://schemas.microsoft.com/office/drawing/2014/main" val="3552336859"/>
+                  </a:ext>
+                </a:extLst>
+              </a:tr>
+              <a:tr h="293145">
+                <a:tc>
+                  <a:txBody>
+                    <a:bodyPr/>
+                    <a:lstStyle/>
+                    <a:p>
+                      <a:r>
+                        <a:rPr lang="en-US" dirty="0"/>
+                        <a:t>1</a:t>
+                      </a:r>
+                      <a:r>
+                        <a:rPr lang="en-US" baseline="30000" dirty="0"/>
+                        <a:t>st</a:t>
+                      </a:r>
+                      <a:r>
+                        <a:rPr lang="en-US" dirty="0"/>
+                        <a:t> Quartile</a:t>
+                      </a:r>
+                    </a:p>
+                  </a:txBody>
+                  <a:tcPr/>
+                </a:tc>
+                <a:tc>
+                  <a:txBody>
+                    <a:bodyPr/>
+                    <a:lstStyle/>
+                    <a:p>
+                      <a:r>
+                        <a:rPr lang="en-US" sz="1800" dirty="0">
+                          <a:latin typeface="Arial" panose="020B0604020202020204" pitchFamily="34" charset="0"/>
+                          <a:cs typeface="Arial" panose="020B0604020202020204" pitchFamily="34" charset="0"/>
+                        </a:rPr>
+                        <a:t>20</a:t>
+                      </a:r>
+                      <a:endParaRPr lang="en-US" dirty="0"/>
+                    </a:p>
+                  </a:txBody>
+                  <a:tcPr/>
+                </a:tc>
+                <a:extLst>
+                  <a:ext uri="{0D108BD9-81ED-4DB2-BD59-A6C34878D82A}">
+                    <a16:rowId xmlns:a16="http://schemas.microsoft.com/office/drawing/2014/main" val="1464203332"/>
+                  </a:ext>
+                </a:extLst>
+              </a:tr>
+              <a:tr h="293145">
+                <a:tc>
+                  <a:txBody>
+                    <a:bodyPr/>
+                    <a:lstStyle/>
+                    <a:p>
+                      <a:r>
+                        <a:rPr lang="en-US" dirty="0"/>
+                        <a:t>Median</a:t>
+                      </a:r>
+                    </a:p>
+                  </a:txBody>
+                  <a:tcPr/>
+                </a:tc>
+                <a:tc>
+                  <a:txBody>
+                    <a:bodyPr/>
+                    <a:lstStyle/>
+                    <a:p>
+                      <a:r>
+                        <a:rPr lang="en-US" sz="1800" dirty="0">
+                          <a:latin typeface="Arial" panose="020B0604020202020204" pitchFamily="34" charset="0"/>
+                          <a:cs typeface="Arial" panose="020B0604020202020204" pitchFamily="34" charset="0"/>
+                        </a:rPr>
+                        <a:t>38</a:t>
+                      </a:r>
+                      <a:endParaRPr lang="en-US" dirty="0"/>
+                    </a:p>
+                  </a:txBody>
+                  <a:tcPr/>
+                </a:tc>
+                <a:extLst>
+                  <a:ext uri="{0D108BD9-81ED-4DB2-BD59-A6C34878D82A}">
+                    <a16:rowId xmlns:a16="http://schemas.microsoft.com/office/drawing/2014/main" val="675258789"/>
+                  </a:ext>
+                </a:extLst>
+              </a:tr>
+              <a:tr h="293145">
+                <a:tc>
+                  <a:txBody>
+                    <a:bodyPr/>
+                    <a:lstStyle/>
+                    <a:p>
+                      <a:r>
+                        <a:rPr lang="en-US" dirty="0"/>
+                        <a:t>Mean</a:t>
+                      </a:r>
+                    </a:p>
+                  </a:txBody>
+                  <a:tcPr/>
+                </a:tc>
+                <a:tc>
+                  <a:txBody>
+                    <a:bodyPr/>
+                    <a:lstStyle/>
+                    <a:p>
+                      <a:pPr marL="0" marR="0" lvl="0" indent="0" algn="l" defTabSz="457200" rtl="0" eaLnBrk="1" fontAlgn="auto" latinLnBrk="0" hangingPunct="1">
+                        <a:lnSpc>
+                          <a:spcPct val="100000"/>
+                        </a:lnSpc>
+                        <a:spcBef>
+                          <a:spcPts val="0"/>
+                        </a:spcBef>
+                        <a:spcAft>
+                          <a:spcPts val="0"/>
+                        </a:spcAft>
+                        <a:buClrTx/>
+                        <a:buSzTx/>
+                        <a:buFontTx/>
+                        <a:buNone/>
+                        <a:tabLst/>
+                        <a:defRPr/>
+                      </a:pPr>
+                      <a:r>
+                        <a:rPr lang="en-US" sz="1800" dirty="0">
+                          <a:latin typeface="Arial" panose="020B0604020202020204" pitchFamily="34" charset="0"/>
+                          <a:cs typeface="Arial" panose="020B0604020202020204" pitchFamily="34" charset="0"/>
+                        </a:rPr>
+                        <a:t>47</a:t>
+                      </a:r>
+                      <a:endParaRPr lang="en-US" dirty="0"/>
+                    </a:p>
+                  </a:txBody>
+                  <a:tcPr/>
+                </a:tc>
+                <a:extLst>
+                  <a:ext uri="{0D108BD9-81ED-4DB2-BD59-A6C34878D82A}">
+                    <a16:rowId xmlns:a16="http://schemas.microsoft.com/office/drawing/2014/main" val="4206532118"/>
+                  </a:ext>
+                </a:extLst>
+              </a:tr>
+              <a:tr h="293145">
+                <a:tc>
+                  <a:txBody>
+                    <a:bodyPr/>
+                    <a:lstStyle/>
+                    <a:p>
+                      <a:r>
+                        <a:rPr lang="en-US" dirty="0"/>
+                        <a:t>3</a:t>
+                      </a:r>
+                      <a:r>
+                        <a:rPr lang="en-US" baseline="30000" dirty="0"/>
+                        <a:t>rd</a:t>
+                      </a:r>
+                      <a:r>
+                        <a:rPr lang="en-US" dirty="0"/>
+                        <a:t> Quartile</a:t>
+                      </a:r>
+                    </a:p>
+                  </a:txBody>
+                  <a:tcPr/>
+                </a:tc>
+                <a:tc>
+                  <a:txBody>
+                    <a:bodyPr/>
+                    <a:lstStyle/>
+                    <a:p>
+                      <a:pPr marL="0" marR="0" lvl="0" indent="0" algn="l" defTabSz="457200" rtl="0" eaLnBrk="1" fontAlgn="auto" latinLnBrk="0" hangingPunct="1">
+                        <a:lnSpc>
+                          <a:spcPct val="100000"/>
+                        </a:lnSpc>
+                        <a:spcBef>
+                          <a:spcPts val="0"/>
+                        </a:spcBef>
+                        <a:spcAft>
+                          <a:spcPts val="0"/>
+                        </a:spcAft>
+                        <a:buClrTx/>
+                        <a:buSzTx/>
+                        <a:buFontTx/>
+                        <a:buNone/>
+                        <a:tabLst/>
+                        <a:defRPr/>
+                      </a:pPr>
+                      <a:r>
+                        <a:rPr lang="en-US" sz="1800" dirty="0">
+                          <a:latin typeface="Arial" panose="020B0604020202020204" pitchFamily="34" charset="0"/>
+                          <a:cs typeface="Arial" panose="020B0604020202020204" pitchFamily="34" charset="0"/>
+                        </a:rPr>
+                        <a:t>66</a:t>
+                      </a:r>
+                      <a:endParaRPr lang="en-US" dirty="0"/>
+                    </a:p>
+                  </a:txBody>
+                  <a:tcPr/>
+                </a:tc>
+                <a:extLst>
+                  <a:ext uri="{0D108BD9-81ED-4DB2-BD59-A6C34878D82A}">
+                    <a16:rowId xmlns:a16="http://schemas.microsoft.com/office/drawing/2014/main" val="1762085853"/>
+                  </a:ext>
+                </a:extLst>
+              </a:tr>
+              <a:tr h="293145">
+                <a:tc>
+                  <a:txBody>
+                    <a:bodyPr/>
+                    <a:lstStyle/>
+                    <a:p>
+                      <a:r>
+                        <a:rPr lang="en-US" dirty="0"/>
+                        <a:t>Max</a:t>
+                      </a:r>
+                    </a:p>
+                  </a:txBody>
+                  <a:tcPr/>
+                </a:tc>
+                <a:tc>
+                  <a:txBody>
+                    <a:bodyPr/>
+                    <a:lstStyle/>
+                    <a:p>
+                      <a:pPr marL="0" marR="0" lvl="0" indent="0" algn="l" defTabSz="457200" rtl="0" eaLnBrk="1" fontAlgn="auto" latinLnBrk="0" hangingPunct="1">
+                        <a:lnSpc>
+                          <a:spcPct val="100000"/>
+                        </a:lnSpc>
+                        <a:spcBef>
+                          <a:spcPts val="0"/>
+                        </a:spcBef>
+                        <a:spcAft>
+                          <a:spcPts val="0"/>
+                        </a:spcAft>
+                        <a:buClrTx/>
+                        <a:buSzTx/>
+                        <a:buFontTx/>
+                        <a:buNone/>
+                        <a:tabLst/>
+                        <a:defRPr/>
+                      </a:pPr>
+                      <a:r>
+                        <a:rPr lang="en-US" sz="1800" dirty="0">
+                          <a:latin typeface="Arial" panose="020B0604020202020204" pitchFamily="34" charset="0"/>
+                          <a:cs typeface="Arial" panose="020B0604020202020204" pitchFamily="34" charset="0"/>
+                        </a:rPr>
+                        <a:t>138</a:t>
+                      </a:r>
+                      <a:endParaRPr lang="en-US" dirty="0"/>
+                    </a:p>
+                  </a:txBody>
+                  <a:tcPr/>
+                </a:tc>
+                <a:extLst>
+                  <a:ext uri="{0D108BD9-81ED-4DB2-BD59-A6C34878D82A}">
+                    <a16:rowId xmlns:a16="http://schemas.microsoft.com/office/drawing/2014/main" val="56146931"/>
+                  </a:ext>
+                </a:extLst>
+              </a:tr>
+            </a:tbl>
+          </a:graphicData>
+        </a:graphic>
+      </p:graphicFrame>
+      <p:pic>
+        <p:nvPicPr>
+          <p:cNvPr id="7" name="Picture 6">
+            <a:extLst>
+              <a:ext uri="{FF2B5EF4-FFF2-40B4-BE49-F238E27FC236}">
+                <a16:creationId xmlns:a16="http://schemas.microsoft.com/office/drawing/2014/main" id="{59B81C43-9BDB-41ED-913A-CCA5B28956F6}"/>
+              </a:ext>
+            </a:extLst>
+          </p:cNvPr>
+          <p:cNvPicPr>
+            <a:picLocks noChangeAspect="1"/>
+          </p:cNvPicPr>
+          <p:nvPr/>
+        </p:nvPicPr>
+        <p:blipFill>
+          <a:blip r:embed="rId2"/>
+          <a:stretch>
+            <a:fillRect/>
+          </a:stretch>
+        </p:blipFill>
+        <p:spPr>
+          <a:xfrm>
+            <a:off x="7269786" y="1026851"/>
+            <a:ext cx="4148667" cy="2560320"/>
+          </a:xfrm>
+          <a:prstGeom prst="rect">
+            <a:avLst/>
+          </a:prstGeom>
+        </p:spPr>
+      </p:pic>
+      <p:pic>
+        <p:nvPicPr>
+          <p:cNvPr id="10" name="Picture 9">
+            <a:extLst>
+              <a:ext uri="{FF2B5EF4-FFF2-40B4-BE49-F238E27FC236}">
+                <a16:creationId xmlns:a16="http://schemas.microsoft.com/office/drawing/2014/main" id="{3945883C-5700-4968-A4AE-F46379B8A2EB}"/>
+              </a:ext>
+            </a:extLst>
+          </p:cNvPr>
+          <p:cNvPicPr>
+            <a:picLocks noChangeAspect="1"/>
+          </p:cNvPicPr>
+          <p:nvPr/>
+        </p:nvPicPr>
+        <p:blipFill>
+          <a:blip r:embed="rId3"/>
+          <a:stretch>
+            <a:fillRect/>
+          </a:stretch>
+        </p:blipFill>
+        <p:spPr>
+          <a:xfrm>
+            <a:off x="7445551" y="3861306"/>
+            <a:ext cx="4000439" cy="2468842"/>
+          </a:xfrm>
+          <a:prstGeom prst="rect">
+            <a:avLst/>
+          </a:prstGeom>
+        </p:spPr>
+      </p:pic>
+    </p:spTree>
+    <p:extLst>
+      <p:ext uri="{BB962C8B-B14F-4D97-AF65-F5344CB8AC3E}">
+        <p14:creationId xmlns:p14="http://schemas.microsoft.com/office/powerpoint/2010/main" val="4108676287"/>
+      </p:ext>
+    </p:extLst>
+  </p:cSld>
+  <p:clrMapOvr>
+    <a:masterClrMapping/>
+  </p:clrMapOvr>
+</p:sld>
+</file>
+
+<file path=ppt/slides/slide9.xml><?xml version="1.0" encoding="utf-8"?>
 <p:sld xmlns:a="http://schemas.openxmlformats.org/drawingml/2006/main" xmlns:r="http://schemas.openxmlformats.org/officeDocument/2006/relationships" xmlns:p="http://schemas.openxmlformats.org/presentationml/2006/main">
   <p:cSld>
     <p:spTree>
@@ -8347,255 +15776,6 @@
     <p:extLst>
       <p:ext uri="{BB962C8B-B14F-4D97-AF65-F5344CB8AC3E}">
         <p14:creationId xmlns:p14="http://schemas.microsoft.com/office/powerpoint/2010/main" val="3504272927"/>
-      </p:ext>
-    </p:extLst>
-  </p:cSld>
-  <p:clrMapOvr>
-    <a:masterClrMapping/>
-  </p:clrMapOvr>
-</p:sld>
-</file>
-
-<file path=ppt/slides/slide8.xml><?xml version="1.0" encoding="utf-8"?>
-<p:sld xmlns:a="http://schemas.openxmlformats.org/drawingml/2006/main" xmlns:r="http://schemas.openxmlformats.org/officeDocument/2006/relationships" xmlns:p="http://schemas.openxmlformats.org/presentationml/2006/main">
-  <p:cSld>
-    <p:spTree>
-      <p:nvGrpSpPr>
-        <p:cNvPr id="1" name=""/>
-        <p:cNvGrpSpPr/>
-        <p:nvPr/>
-      </p:nvGrpSpPr>
-      <p:grpSpPr>
-        <a:xfrm>
-          <a:off x="0" y="0"/>
-          <a:ext cx="0" cy="0"/>
-          <a:chOff x="0" y="0"/>
-          <a:chExt cx="0" cy="0"/>
-        </a:xfrm>
-      </p:grpSpPr>
-      <p:sp>
-        <p:nvSpPr>
-          <p:cNvPr id="2" name="Title 1">
-            <a:extLst>
-              <a:ext uri="{FF2B5EF4-FFF2-40B4-BE49-F238E27FC236}">
-                <a16:creationId xmlns:a16="http://schemas.microsoft.com/office/drawing/2014/main" id="{73F40B17-B4A1-4352-9413-B62CFC7787E1}"/>
-              </a:ext>
-            </a:extLst>
-          </p:cNvPr>
-          <p:cNvSpPr>
-            <a:spLocks noGrp="1"/>
-          </p:cNvSpPr>
-          <p:nvPr>
-            <p:ph type="title"/>
-          </p:nvPr>
-        </p:nvSpPr>
-        <p:spPr/>
-        <p:txBody>
-          <a:bodyPr/>
-          <a:lstStyle/>
-          <a:p>
-            <a:r>
-              <a:rPr lang="en-US" dirty="0"/>
-              <a:t>Linear Regression to test for Relationship</a:t>
-            </a:r>
-          </a:p>
-        </p:txBody>
-      </p:sp>
-      <p:pic>
-        <p:nvPicPr>
-          <p:cNvPr id="4" name="Picture 3">
-            <a:extLst>
-              <a:ext uri="{FF2B5EF4-FFF2-40B4-BE49-F238E27FC236}">
-                <a16:creationId xmlns:a16="http://schemas.microsoft.com/office/drawing/2014/main" id="{068800BD-CF6E-4613-AEF7-EB2A0B99D39A}"/>
-              </a:ext>
-            </a:extLst>
-          </p:cNvPr>
-          <p:cNvPicPr>
-            <a:picLocks noChangeAspect="1"/>
-          </p:cNvPicPr>
-          <p:nvPr/>
-        </p:nvPicPr>
-        <p:blipFill>
-          <a:blip r:embed="rId2"/>
-          <a:stretch>
-            <a:fillRect/>
-          </a:stretch>
-        </p:blipFill>
-        <p:spPr>
-          <a:xfrm>
-            <a:off x="5736983" y="1930400"/>
-            <a:ext cx="6272336" cy="3796632"/>
-          </a:xfrm>
-          <a:prstGeom prst="rect">
-            <a:avLst/>
-          </a:prstGeom>
-        </p:spPr>
-      </p:pic>
-      <p:sp>
-        <p:nvSpPr>
-          <p:cNvPr id="6" name="TextBox 5">
-            <a:extLst>
-              <a:ext uri="{FF2B5EF4-FFF2-40B4-BE49-F238E27FC236}">
-                <a16:creationId xmlns:a16="http://schemas.microsoft.com/office/drawing/2014/main" id="{B3B5174C-868B-4D84-ADCE-AE2FA0BB292A}"/>
-              </a:ext>
-            </a:extLst>
-          </p:cNvPr>
-          <p:cNvSpPr txBox="1"/>
-          <p:nvPr/>
-        </p:nvSpPr>
-        <p:spPr>
-          <a:xfrm>
-            <a:off x="677334" y="2092417"/>
-            <a:ext cx="4855594" cy="1754326"/>
-          </a:xfrm>
-          <a:prstGeom prst="rect">
-            <a:avLst/>
-          </a:prstGeom>
-          <a:noFill/>
-        </p:spPr>
-        <p:txBody>
-          <a:bodyPr wrap="square" rtlCol="0">
-            <a:spAutoFit/>
-          </a:bodyPr>
-          <a:lstStyle/>
-          <a:p>
-            <a:r>
-              <a:rPr lang="en-US" dirty="0">
-                <a:latin typeface="Arial" panose="020B0604020202020204" pitchFamily="34" charset="0"/>
-                <a:cs typeface="Arial" panose="020B0604020202020204" pitchFamily="34" charset="0"/>
-              </a:rPr>
-              <a:t>Results form Linear Regression Test</a:t>
-            </a:r>
-          </a:p>
-          <a:p>
-            <a:endParaRPr lang="en-US" dirty="0">
-              <a:latin typeface="Arial" panose="020B0604020202020204" pitchFamily="34" charset="0"/>
-              <a:cs typeface="Arial" panose="020B0604020202020204" pitchFamily="34" charset="0"/>
-            </a:endParaRPr>
-          </a:p>
-          <a:p>
-            <a:r>
-              <a:rPr lang="en-US" dirty="0">
-                <a:latin typeface="Arial" panose="020B0604020202020204" pitchFamily="34" charset="0"/>
-                <a:cs typeface="Arial" panose="020B0604020202020204" pitchFamily="34" charset="0"/>
-              </a:rPr>
-              <a:t>Reject the Null hypothesis that there is a relationship between Alcohol by Volume and International Bitterness Units with a P-value significantly less than an alpha of .05.</a:t>
-            </a:r>
-          </a:p>
-        </p:txBody>
-      </p:sp>
-    </p:spTree>
-    <p:extLst>
-      <p:ext uri="{BB962C8B-B14F-4D97-AF65-F5344CB8AC3E}">
-        <p14:creationId xmlns:p14="http://schemas.microsoft.com/office/powerpoint/2010/main" val="4059305275"/>
-      </p:ext>
-    </p:extLst>
-  </p:cSld>
-  <p:clrMapOvr>
-    <a:masterClrMapping/>
-  </p:clrMapOvr>
-</p:sld>
-</file>
-
-<file path=ppt/slides/slide9.xml><?xml version="1.0" encoding="utf-8"?>
-<p:sld xmlns:a="http://schemas.openxmlformats.org/drawingml/2006/main" xmlns:r="http://schemas.openxmlformats.org/officeDocument/2006/relationships" xmlns:p="http://schemas.openxmlformats.org/presentationml/2006/main">
-  <p:cSld>
-    <p:spTree>
-      <p:nvGrpSpPr>
-        <p:cNvPr id="1" name=""/>
-        <p:cNvGrpSpPr/>
-        <p:nvPr/>
-      </p:nvGrpSpPr>
-      <p:grpSpPr>
-        <a:xfrm>
-          <a:off x="0" y="0"/>
-          <a:ext cx="0" cy="0"/>
-          <a:chOff x="0" y="0"/>
-          <a:chExt cx="0" cy="0"/>
-        </a:xfrm>
-      </p:grpSpPr>
-      <p:sp>
-        <p:nvSpPr>
-          <p:cNvPr id="2" name="Title 1">
-            <a:extLst>
-              <a:ext uri="{FF2B5EF4-FFF2-40B4-BE49-F238E27FC236}">
-                <a16:creationId xmlns:a16="http://schemas.microsoft.com/office/drawing/2014/main" id="{D9D0F948-B4C6-422F-9E04-43BB3ED65E27}"/>
-              </a:ext>
-            </a:extLst>
-          </p:cNvPr>
-          <p:cNvSpPr>
-            <a:spLocks noGrp="1"/>
-          </p:cNvSpPr>
-          <p:nvPr>
-            <p:ph type="title"/>
-          </p:nvPr>
-        </p:nvSpPr>
-        <p:spPr/>
-        <p:txBody>
-          <a:bodyPr/>
-          <a:lstStyle/>
-          <a:p>
-            <a:r>
-              <a:rPr lang="en-US" dirty="0">
-                <a:latin typeface="Arial" panose="020B0604020202020204" pitchFamily="34" charset="0"/>
-                <a:cs typeface="Arial" panose="020B0604020202020204" pitchFamily="34" charset="0"/>
-              </a:rPr>
-              <a:t>Other Questions of Interest</a:t>
-            </a:r>
-          </a:p>
-        </p:txBody>
-      </p:sp>
-      <p:sp>
-        <p:nvSpPr>
-          <p:cNvPr id="3" name="Content Placeholder 2">
-            <a:extLst>
-              <a:ext uri="{FF2B5EF4-FFF2-40B4-BE49-F238E27FC236}">
-                <a16:creationId xmlns:a16="http://schemas.microsoft.com/office/drawing/2014/main" id="{874FE95F-C200-4854-9E29-A041DAEA740A}"/>
-              </a:ext>
-            </a:extLst>
-          </p:cNvPr>
-          <p:cNvSpPr>
-            <a:spLocks noGrp="1"/>
-          </p:cNvSpPr>
-          <p:nvPr>
-            <p:ph idx="1"/>
-          </p:nvPr>
-        </p:nvSpPr>
-        <p:spPr/>
-        <p:txBody>
-          <a:bodyPr/>
-          <a:lstStyle/>
-          <a:p>
-            <a:r>
-              <a:rPr lang="en-US" dirty="0"/>
-              <a:t>What is the most popular beer style per geographic region?</a:t>
-            </a:r>
-          </a:p>
-          <a:p>
-            <a:r>
-              <a:rPr lang="en-US" dirty="0"/>
-              <a:t>Is there a relationship between style of beer an regional population?</a:t>
-            </a:r>
-          </a:p>
-          <a:p>
-            <a:r>
-              <a:rPr lang="en-US" dirty="0"/>
-              <a:t>Is there an opportunity for investing in high IBU beer supplier in </a:t>
-            </a:r>
-            <a:r>
-              <a:rPr lang="en-US"/>
-              <a:t>the West?</a:t>
-            </a:r>
-          </a:p>
-          <a:p>
-            <a:endParaRPr lang="en-US" dirty="0"/>
-          </a:p>
-        </p:txBody>
-      </p:sp>
-    </p:spTree>
-    <p:extLst>
-      <p:ext uri="{BB962C8B-B14F-4D97-AF65-F5344CB8AC3E}">
-        <p14:creationId xmlns:p14="http://schemas.microsoft.com/office/powerpoint/2010/main" val="2389479798"/>
       </p:ext>
     </p:extLst>
   </p:cSld>

--- a/MalcolmCarlsonBeerDataEDA.DDS6306.pptx
+++ b/MalcolmCarlsonBeerDataEDA.DDS6306.pptx
@@ -5,22 +5,27 @@
     <p:sldMasterId id="2147483648" r:id="rId1"/>
   </p:sldMasterIdLst>
   <p:notesMasterIdLst>
-    <p:notesMasterId r:id="rId15"/>
+    <p:notesMasterId r:id="rId20"/>
   </p:notesMasterIdLst>
   <p:sldIdLst>
     <p:sldId id="256" r:id="rId2"/>
     <p:sldId id="257" r:id="rId3"/>
     <p:sldId id="259" r:id="rId4"/>
-    <p:sldId id="260" r:id="rId5"/>
-    <p:sldId id="268" r:id="rId6"/>
+    <p:sldId id="268" r:id="rId5"/>
+    <p:sldId id="260" r:id="rId6"/>
     <p:sldId id="261" r:id="rId7"/>
-    <p:sldId id="262" r:id="rId8"/>
-    <p:sldId id="269" r:id="rId9"/>
-    <p:sldId id="263" r:id="rId10"/>
-    <p:sldId id="264" r:id="rId11"/>
-    <p:sldId id="266" r:id="rId12"/>
-    <p:sldId id="265" r:id="rId13"/>
-    <p:sldId id="267" r:id="rId14"/>
+    <p:sldId id="274" r:id="rId8"/>
+    <p:sldId id="262" r:id="rId9"/>
+    <p:sldId id="269" r:id="rId10"/>
+    <p:sldId id="271" r:id="rId11"/>
+    <p:sldId id="272" r:id="rId12"/>
+    <p:sldId id="273" r:id="rId13"/>
+    <p:sldId id="265" r:id="rId14"/>
+    <p:sldId id="270" r:id="rId15"/>
+    <p:sldId id="266" r:id="rId16"/>
+    <p:sldId id="264" r:id="rId17"/>
+    <p:sldId id="263" r:id="rId18"/>
+    <p:sldId id="267" r:id="rId19"/>
   </p:sldIdLst>
   <p:sldSz cx="12192000" cy="6858000"/>
   <p:notesSz cx="6858000" cy="9144000"/>
@@ -221,7 +226,7 @@
           <a:p>
             <a:fld id="{A6D10619-A5AD-4FBE-8267-47BE2B1199F7}" type="datetimeFigureOut">
               <a:rPr lang="en-US" smtClean="0"/>
-              <a:t>10/17/2019</a:t>
+              <a:t>10/21/2019</a:t>
             </a:fld>
             <a:endParaRPr lang="en-US"/>
           </a:p>
@@ -1211,7 +1216,7 @@
             <a:fld id="{B61BEF0D-F0BB-DE4B-95CE-6DB70DBA9567}" type="datetimeFigureOut">
               <a:rPr lang="en-US" dirty="0"/>
               <a:pPr/>
-              <a:t>10/17/2019</a:t>
+              <a:t>10/21/2019</a:t>
             </a:fld>
             <a:endParaRPr lang="en-US" dirty="0"/>
           </a:p>
@@ -1459,7 +1464,7 @@
             <a:fld id="{B61BEF0D-F0BB-DE4B-95CE-6DB70DBA9567}" type="datetimeFigureOut">
               <a:rPr lang="en-US" dirty="0"/>
               <a:pPr/>
-              <a:t>10/17/2019</a:t>
+              <a:t>10/21/2019</a:t>
             </a:fld>
             <a:endParaRPr lang="en-US" dirty="0"/>
           </a:p>
@@ -1770,7 +1775,7 @@
             <a:fld id="{B61BEF0D-F0BB-DE4B-95CE-6DB70DBA9567}" type="datetimeFigureOut">
               <a:rPr lang="en-US" dirty="0"/>
               <a:pPr/>
-              <a:t>10/17/2019</a:t>
+              <a:t>10/21/2019</a:t>
             </a:fld>
             <a:endParaRPr lang="en-US" dirty="0"/>
           </a:p>
@@ -2108,7 +2113,7 @@
             <a:fld id="{B61BEF0D-F0BB-DE4B-95CE-6DB70DBA9567}" type="datetimeFigureOut">
               <a:rPr lang="en-US" dirty="0"/>
               <a:pPr/>
-              <a:t>10/17/2019</a:t>
+              <a:t>10/21/2019</a:t>
             </a:fld>
             <a:endParaRPr lang="en-US" dirty="0"/>
           </a:p>
@@ -2419,7 +2424,7 @@
             <a:fld id="{B61BEF0D-F0BB-DE4B-95CE-6DB70DBA9567}" type="datetimeFigureOut">
               <a:rPr lang="en-US" dirty="0"/>
               <a:pPr/>
-              <a:t>10/17/2019</a:t>
+              <a:t>10/21/2019</a:t>
             </a:fld>
             <a:endParaRPr lang="en-US" dirty="0"/>
           </a:p>
@@ -2809,7 +2814,7 @@
             <a:fld id="{B61BEF0D-F0BB-DE4B-95CE-6DB70DBA9567}" type="datetimeFigureOut">
               <a:rPr lang="en-US" dirty="0"/>
               <a:pPr/>
-              <a:t>10/17/2019</a:t>
+              <a:t>10/21/2019</a:t>
             </a:fld>
             <a:endParaRPr lang="en-US" dirty="0"/>
           </a:p>
@@ -2975,7 +2980,7 @@
           <a:p>
             <a:fld id="{55C6B4A9-1611-4792-9094-5F34BCA07E0B}" type="datetimeFigureOut">
               <a:rPr lang="en-US" dirty="0"/>
-              <a:t>10/17/2019</a:t>
+              <a:t>10/21/2019</a:t>
             </a:fld>
             <a:endParaRPr lang="en-US" dirty="0"/>
           </a:p>
@@ -3151,7 +3156,7 @@
             <a:fld id="{B61BEF0D-F0BB-DE4B-95CE-6DB70DBA9567}" type="datetimeFigureOut">
               <a:rPr lang="en-US" dirty="0"/>
               <a:pPr/>
-              <a:t>10/17/2019</a:t>
+              <a:t>10/21/2019</a:t>
             </a:fld>
             <a:endParaRPr lang="en-US" dirty="0"/>
           </a:p>
@@ -3324,7 +3329,7 @@
             <a:fld id="{B61BEF0D-F0BB-DE4B-95CE-6DB70DBA9567}" type="datetimeFigureOut">
               <a:rPr lang="en-US" dirty="0"/>
               <a:pPr/>
-              <a:t>10/17/2019</a:t>
+              <a:t>10/21/2019</a:t>
             </a:fld>
             <a:endParaRPr lang="en-US" dirty="0"/>
           </a:p>
@@ -3568,7 +3573,7 @@
             <a:fld id="{B61BEF0D-F0BB-DE4B-95CE-6DB70DBA9567}" type="datetimeFigureOut">
               <a:rPr lang="en-US" dirty="0"/>
               <a:pPr/>
-              <a:t>10/17/2019</a:t>
+              <a:t>10/21/2019</a:t>
             </a:fld>
             <a:endParaRPr lang="en-US" dirty="0"/>
           </a:p>
@@ -3796,7 +3801,7 @@
           <a:p>
             <a:fld id="{EB712588-04B1-427B-82EE-E8DB90309F08}" type="datetimeFigureOut">
               <a:rPr lang="en-US" dirty="0"/>
-              <a:t>10/17/2019</a:t>
+              <a:t>10/21/2019</a:t>
             </a:fld>
             <a:endParaRPr lang="en-US" dirty="0"/>
           </a:p>
@@ -4166,7 +4171,7 @@
             <a:fld id="{B61BEF0D-F0BB-DE4B-95CE-6DB70DBA9567}" type="datetimeFigureOut">
               <a:rPr lang="en-US" dirty="0"/>
               <a:pPr/>
-              <a:t>10/17/2019</a:t>
+              <a:t>10/21/2019</a:t>
             </a:fld>
             <a:endParaRPr lang="en-US" dirty="0"/>
           </a:p>
@@ -4286,7 +4291,7 @@
             <a:fld id="{B61BEF0D-F0BB-DE4B-95CE-6DB70DBA9567}" type="datetimeFigureOut">
               <a:rPr lang="en-US" dirty="0"/>
               <a:pPr/>
-              <a:t>10/17/2019</a:t>
+              <a:t>10/21/2019</a:t>
             </a:fld>
             <a:endParaRPr lang="en-US" dirty="0"/>
           </a:p>
@@ -4378,7 +4383,7 @@
             <a:fld id="{B61BEF0D-F0BB-DE4B-95CE-6DB70DBA9567}" type="datetimeFigureOut">
               <a:rPr lang="en-US" dirty="0"/>
               <a:pPr/>
-              <a:t>10/17/2019</a:t>
+              <a:t>10/21/2019</a:t>
             </a:fld>
             <a:endParaRPr lang="en-US" dirty="0"/>
           </a:p>
@@ -4629,7 +4634,7 @@
           <a:p>
             <a:fld id="{42A54C80-263E-416B-A8E0-580EDEADCBDC}" type="datetimeFigureOut">
               <a:rPr lang="en-US" dirty="0"/>
-              <a:t>10/17/2019</a:t>
+              <a:t>10/21/2019</a:t>
             </a:fld>
             <a:endParaRPr lang="en-US" dirty="0"/>
           </a:p>
@@ -4888,7 +4893,7 @@
             <a:fld id="{B61BEF0D-F0BB-DE4B-95CE-6DB70DBA9567}" type="datetimeFigureOut">
               <a:rPr lang="en-US" dirty="0"/>
               <a:pPr/>
-              <a:t>10/17/2019</a:t>
+              <a:t>10/21/2019</a:t>
             </a:fld>
             <a:endParaRPr lang="en-US" dirty="0"/>
           </a:p>
@@ -5628,7 +5633,7 @@
             <a:fld id="{B61BEF0D-F0BB-DE4B-95CE-6DB70DBA9567}" type="datetimeFigureOut">
               <a:rPr lang="en-US" dirty="0"/>
               <a:pPr/>
-              <a:t>10/17/2019</a:t>
+              <a:t>10/21/2019</a:t>
             </a:fld>
             <a:endParaRPr lang="en-US" dirty="0"/>
           </a:p>
@@ -6164,7 +6169,12 @@
             <p:ph type="ctrTitle"/>
           </p:nvPr>
         </p:nvSpPr>
-        <p:spPr/>
+        <p:spPr>
+          <a:xfrm>
+            <a:off x="1507067" y="2404531"/>
+            <a:ext cx="7766936" cy="1646302"/>
+          </a:xfrm>
+        </p:spPr>
         <p:txBody>
           <a:bodyPr/>
           <a:lstStyle/>
@@ -6174,25 +6184,8 @@
                 <a:latin typeface="Arial" panose="020B0604020202020204" pitchFamily="34" charset="0"/>
                 <a:cs typeface="Arial" panose="020B0604020202020204" pitchFamily="34" charset="0"/>
               </a:rPr>
-              <a:t>Case Study 1</a:t>
-            </a:r>
-            <a:br>
-              <a:rPr lang="en-US" dirty="0">
-                <a:latin typeface="Arial" panose="020B0604020202020204" pitchFamily="34" charset="0"/>
-                <a:cs typeface="Arial" panose="020B0604020202020204" pitchFamily="34" charset="0"/>
-              </a:rPr>
-            </a:br>
-            <a:r>
-              <a:rPr lang="en-US">
-                <a:latin typeface="Arial" panose="020B0604020202020204" pitchFamily="34" charset="0"/>
-                <a:cs typeface="Arial" panose="020B0604020202020204" pitchFamily="34" charset="0"/>
-              </a:rPr>
-              <a:t>US Craft Beer</a:t>
-            </a:r>
-            <a:endParaRPr lang="en-US" dirty="0">
-              <a:latin typeface="Arial" panose="020B0604020202020204" pitchFamily="34" charset="0"/>
-              <a:cs typeface="Arial" panose="020B0604020202020204" pitchFamily="34" charset="0"/>
-            </a:endParaRPr>
+              <a:t>Craft Beer Study</a:t>
+            </a:r>
           </a:p>
         </p:txBody>
       </p:sp>
@@ -6214,7 +6207,9 @@
         </p:nvSpPr>
         <p:spPr/>
         <p:txBody>
-          <a:bodyPr/>
+          <a:bodyPr>
+            <a:normAutofit lnSpcReduction="10000"/>
+          </a:bodyPr>
           <a:lstStyle/>
           <a:p>
             <a:r>
@@ -6223,6 +6218,15 @@
                 <a:cs typeface="Arial" panose="020B0604020202020204" pitchFamily="34" charset="0"/>
               </a:rPr>
               <a:t>DDS 6306</a:t>
+            </a:r>
+          </a:p>
+          <a:p>
+            <a:r>
+              <a:rPr lang="en-US" dirty="0">
+                <a:latin typeface="Arial" panose="020B0604020202020204" pitchFamily="34" charset="0"/>
+                <a:cs typeface="Arial" panose="020B0604020202020204" pitchFamily="34" charset="0"/>
+              </a:rPr>
+              <a:t>Jason Burk</a:t>
             </a:r>
           </a:p>
           <a:p>
@@ -6271,6 +6275,576 @@
           <p:cNvPr id="2" name="Title 1">
             <a:extLst>
               <a:ext uri="{FF2B5EF4-FFF2-40B4-BE49-F238E27FC236}">
+                <a16:creationId xmlns:a16="http://schemas.microsoft.com/office/drawing/2014/main" id="{9A80211F-D10D-461A-9C13-62348DA09BF3}"/>
+              </a:ext>
+            </a:extLst>
+          </p:cNvPr>
+          <p:cNvSpPr>
+            <a:spLocks noGrp="1"/>
+          </p:cNvSpPr>
+          <p:nvPr>
+            <p:ph type="title"/>
+          </p:nvPr>
+        </p:nvSpPr>
+        <p:spPr/>
+        <p:txBody>
+          <a:bodyPr/>
+          <a:lstStyle/>
+          <a:p>
+            <a:r>
+              <a:rPr lang="en-US" dirty="0"/>
+              <a:t>Alcohol by Volume and </a:t>
+            </a:r>
+            <a:br>
+              <a:rPr lang="en-US" dirty="0"/>
+            </a:br>
+            <a:r>
+              <a:rPr lang="en-US" dirty="0"/>
+              <a:t>International Bitterness Units by Style</a:t>
+            </a:r>
+          </a:p>
+        </p:txBody>
+      </p:sp>
+      <p:pic>
+        <p:nvPicPr>
+          <p:cNvPr id="4" name="Content Placeholder 4" descr="A screenshot of a cell phone&#10;&#10;Description automatically generated">
+            <a:extLst>
+              <a:ext uri="{FF2B5EF4-FFF2-40B4-BE49-F238E27FC236}">
+                <a16:creationId xmlns:a16="http://schemas.microsoft.com/office/drawing/2014/main" id="{636F93D3-8DBE-411A-BFEE-DAE8908DD57E}"/>
+              </a:ext>
+            </a:extLst>
+          </p:cNvPr>
+          <p:cNvPicPr>
+            <a:picLocks noGrp="1" noChangeAspect="1"/>
+          </p:cNvPicPr>
+          <p:nvPr>
+            <p:ph idx="1"/>
+          </p:nvPr>
+        </p:nvPicPr>
+        <p:blipFill>
+          <a:blip r:embed="rId2">
+            <a:extLst>
+              <a:ext uri="{28A0092B-C50C-407E-A947-70E740481C1C}">
+                <a14:useLocalDpi xmlns:a14="http://schemas.microsoft.com/office/drawing/2010/main" val="0"/>
+              </a:ext>
+            </a:extLst>
+          </a:blip>
+          <a:stretch>
+            <a:fillRect/>
+          </a:stretch>
+        </p:blipFill>
+        <p:spPr>
+          <a:xfrm>
+            <a:off x="1692075" y="2450661"/>
+            <a:ext cx="6567185" cy="3797739"/>
+          </a:xfrm>
+        </p:spPr>
+      </p:pic>
+    </p:spTree>
+    <p:extLst>
+      <p:ext uri="{BB962C8B-B14F-4D97-AF65-F5344CB8AC3E}">
+        <p14:creationId xmlns:p14="http://schemas.microsoft.com/office/powerpoint/2010/main" val="1598884026"/>
+      </p:ext>
+    </p:extLst>
+  </p:cSld>
+  <p:clrMapOvr>
+    <a:masterClrMapping/>
+  </p:clrMapOvr>
+</p:sld>
+</file>
+
+<file path=ppt/slides/slide11.xml><?xml version="1.0" encoding="utf-8"?>
+<p:sld xmlns:a="http://schemas.openxmlformats.org/drawingml/2006/main" xmlns:r="http://schemas.openxmlformats.org/officeDocument/2006/relationships" xmlns:p="http://schemas.openxmlformats.org/presentationml/2006/main">
+  <p:cSld>
+    <p:spTree>
+      <p:nvGrpSpPr>
+        <p:cNvPr id="1" name=""/>
+        <p:cNvGrpSpPr/>
+        <p:nvPr/>
+      </p:nvGrpSpPr>
+      <p:grpSpPr>
+        <a:xfrm>
+          <a:off x="0" y="0"/>
+          <a:ext cx="0" cy="0"/>
+          <a:chOff x="0" y="0"/>
+          <a:chExt cx="0" cy="0"/>
+        </a:xfrm>
+      </p:grpSpPr>
+      <p:sp>
+        <p:nvSpPr>
+          <p:cNvPr id="2" name="Title 1">
+            <a:extLst>
+              <a:ext uri="{FF2B5EF4-FFF2-40B4-BE49-F238E27FC236}">
+                <a16:creationId xmlns:a16="http://schemas.microsoft.com/office/drawing/2014/main" id="{60F64C4D-1802-413A-ABAD-782AE74CB4A4}"/>
+              </a:ext>
+            </a:extLst>
+          </p:cNvPr>
+          <p:cNvSpPr>
+            <a:spLocks noGrp="1"/>
+          </p:cNvSpPr>
+          <p:nvPr>
+            <p:ph type="title"/>
+          </p:nvPr>
+        </p:nvSpPr>
+        <p:spPr/>
+        <p:txBody>
+          <a:bodyPr/>
+          <a:lstStyle/>
+          <a:p>
+            <a:r>
+              <a:rPr lang="en-US" dirty="0"/>
+              <a:t>KNN Investigation between IPAs and other ALEs</a:t>
+            </a:r>
+          </a:p>
+        </p:txBody>
+      </p:sp>
+      <p:sp>
+        <p:nvSpPr>
+          <p:cNvPr id="3" name="Content Placeholder 2">
+            <a:extLst>
+              <a:ext uri="{FF2B5EF4-FFF2-40B4-BE49-F238E27FC236}">
+                <a16:creationId xmlns:a16="http://schemas.microsoft.com/office/drawing/2014/main" id="{794A5E61-C420-444D-94D9-9A1CEBF3B1C1}"/>
+              </a:ext>
+            </a:extLst>
+          </p:cNvPr>
+          <p:cNvSpPr>
+            <a:spLocks noGrp="1"/>
+          </p:cNvSpPr>
+          <p:nvPr>
+            <p:ph idx="1"/>
+          </p:nvPr>
+        </p:nvSpPr>
+        <p:spPr/>
+        <p:txBody>
+          <a:bodyPr/>
+          <a:lstStyle/>
+          <a:p>
+            <a:endParaRPr lang="en-US" dirty="0"/>
+          </a:p>
+        </p:txBody>
+      </p:sp>
+    </p:spTree>
+    <p:extLst>
+      <p:ext uri="{BB962C8B-B14F-4D97-AF65-F5344CB8AC3E}">
+        <p14:creationId xmlns:p14="http://schemas.microsoft.com/office/powerpoint/2010/main" val="2540766281"/>
+      </p:ext>
+    </p:extLst>
+  </p:cSld>
+  <p:clrMapOvr>
+    <a:masterClrMapping/>
+  </p:clrMapOvr>
+</p:sld>
+</file>
+
+<file path=ppt/slides/slide12.xml><?xml version="1.0" encoding="utf-8"?>
+<p:sld xmlns:a="http://schemas.openxmlformats.org/drawingml/2006/main" xmlns:r="http://schemas.openxmlformats.org/officeDocument/2006/relationships" xmlns:p="http://schemas.openxmlformats.org/presentationml/2006/main">
+  <p:cSld>
+    <p:spTree>
+      <p:nvGrpSpPr>
+        <p:cNvPr id="1" name=""/>
+        <p:cNvGrpSpPr/>
+        <p:nvPr/>
+      </p:nvGrpSpPr>
+      <p:grpSpPr>
+        <a:xfrm>
+          <a:off x="0" y="0"/>
+          <a:ext cx="0" cy="0"/>
+          <a:chOff x="0" y="0"/>
+          <a:chExt cx="0" cy="0"/>
+        </a:xfrm>
+      </p:grpSpPr>
+      <p:sp>
+        <p:nvSpPr>
+          <p:cNvPr id="2" name="Title 1">
+            <a:extLst>
+              <a:ext uri="{FF2B5EF4-FFF2-40B4-BE49-F238E27FC236}">
+                <a16:creationId xmlns:a16="http://schemas.microsoft.com/office/drawing/2014/main" id="{7D6FC849-78FF-4EAD-9778-F385D6B86F75}"/>
+              </a:ext>
+            </a:extLst>
+          </p:cNvPr>
+          <p:cNvSpPr>
+            <a:spLocks noGrp="1"/>
+          </p:cNvSpPr>
+          <p:nvPr>
+            <p:ph type="title"/>
+          </p:nvPr>
+        </p:nvSpPr>
+        <p:spPr/>
+        <p:txBody>
+          <a:bodyPr/>
+          <a:lstStyle/>
+          <a:p>
+            <a:r>
+              <a:rPr lang="en-US" dirty="0"/>
+              <a:t>Regional Study:  Beer Styles, ABV and IBU</a:t>
+            </a:r>
+          </a:p>
+        </p:txBody>
+      </p:sp>
+      <p:sp>
+        <p:nvSpPr>
+          <p:cNvPr id="3" name="Content Placeholder 2">
+            <a:extLst>
+              <a:ext uri="{FF2B5EF4-FFF2-40B4-BE49-F238E27FC236}">
+                <a16:creationId xmlns:a16="http://schemas.microsoft.com/office/drawing/2014/main" id="{7BBB27BC-A03B-4BBB-BF11-48DDB5D54DDA}"/>
+              </a:ext>
+            </a:extLst>
+          </p:cNvPr>
+          <p:cNvSpPr>
+            <a:spLocks noGrp="1"/>
+          </p:cNvSpPr>
+          <p:nvPr>
+            <p:ph idx="1"/>
+          </p:nvPr>
+        </p:nvSpPr>
+        <p:spPr/>
+        <p:txBody>
+          <a:bodyPr/>
+          <a:lstStyle/>
+          <a:p>
+            <a:r>
+              <a:rPr lang="en-US" dirty="0"/>
+              <a:t>The beer data was broken up into five regions:  Northeast, North Central, Midwest, South and West.</a:t>
+            </a:r>
+          </a:p>
+          <a:p>
+            <a:r>
+              <a:rPr lang="en-US" dirty="0"/>
+              <a:t>Key metrics</a:t>
+            </a:r>
+          </a:p>
+          <a:p>
+            <a:pPr lvl="1"/>
+            <a:r>
+              <a:rPr lang="en-US" dirty="0"/>
+              <a:t>Northeast</a:t>
+            </a:r>
+          </a:p>
+          <a:p>
+            <a:pPr lvl="2"/>
+            <a:r>
+              <a:rPr lang="en-US" dirty="0"/>
+              <a:t>Most popular beer style(as measured by number of offerings)</a:t>
+            </a:r>
+          </a:p>
+          <a:p>
+            <a:pPr lvl="2"/>
+            <a:r>
+              <a:rPr lang="en-US" dirty="0"/>
+              <a:t>Leas popular</a:t>
+            </a:r>
+          </a:p>
+        </p:txBody>
+      </p:sp>
+    </p:spTree>
+    <p:extLst>
+      <p:ext uri="{BB962C8B-B14F-4D97-AF65-F5344CB8AC3E}">
+        <p14:creationId xmlns:p14="http://schemas.microsoft.com/office/powerpoint/2010/main" val="625987431"/>
+      </p:ext>
+    </p:extLst>
+  </p:cSld>
+  <p:clrMapOvr>
+    <a:masterClrMapping/>
+  </p:clrMapOvr>
+</p:sld>
+</file>
+
+<file path=ppt/slides/slide13.xml><?xml version="1.0" encoding="utf-8"?>
+<p:sld xmlns:a="http://schemas.openxmlformats.org/drawingml/2006/main" xmlns:r="http://schemas.openxmlformats.org/officeDocument/2006/relationships" xmlns:p="http://schemas.openxmlformats.org/presentationml/2006/main">
+  <p:cSld>
+    <p:spTree>
+      <p:nvGrpSpPr>
+        <p:cNvPr id="1" name=""/>
+        <p:cNvGrpSpPr/>
+        <p:nvPr/>
+      </p:nvGrpSpPr>
+      <p:grpSpPr>
+        <a:xfrm>
+          <a:off x="0" y="0"/>
+          <a:ext cx="0" cy="0"/>
+          <a:chOff x="0" y="0"/>
+          <a:chExt cx="0" cy="0"/>
+        </a:xfrm>
+      </p:grpSpPr>
+      <p:sp>
+        <p:nvSpPr>
+          <p:cNvPr id="2" name="Title 1">
+            <a:extLst>
+              <a:ext uri="{FF2B5EF4-FFF2-40B4-BE49-F238E27FC236}">
+                <a16:creationId xmlns:a16="http://schemas.microsoft.com/office/drawing/2014/main" id="{F69C8142-A23F-4F98-A5BB-4318843625FA}"/>
+              </a:ext>
+            </a:extLst>
+          </p:cNvPr>
+          <p:cNvSpPr>
+            <a:spLocks noGrp="1"/>
+          </p:cNvSpPr>
+          <p:nvPr>
+            <p:ph type="title"/>
+          </p:nvPr>
+        </p:nvSpPr>
+        <p:spPr/>
+        <p:txBody>
+          <a:bodyPr/>
+          <a:lstStyle/>
+          <a:p>
+            <a:r>
+              <a:rPr lang="en-US" dirty="0"/>
+              <a:t>Thank You for your Time!</a:t>
+            </a:r>
+          </a:p>
+        </p:txBody>
+      </p:sp>
+      <p:sp>
+        <p:nvSpPr>
+          <p:cNvPr id="3" name="Content Placeholder 2">
+            <a:extLst>
+              <a:ext uri="{FF2B5EF4-FFF2-40B4-BE49-F238E27FC236}">
+                <a16:creationId xmlns:a16="http://schemas.microsoft.com/office/drawing/2014/main" id="{8C0C09CA-ACFC-4500-92FC-07CAF0572B09}"/>
+              </a:ext>
+            </a:extLst>
+          </p:cNvPr>
+          <p:cNvSpPr>
+            <a:spLocks noGrp="1"/>
+          </p:cNvSpPr>
+          <p:nvPr>
+            <p:ph idx="1"/>
+          </p:nvPr>
+        </p:nvSpPr>
+        <p:spPr/>
+        <p:txBody>
+          <a:bodyPr/>
+          <a:lstStyle/>
+          <a:p>
+            <a:endParaRPr lang="en-US"/>
+          </a:p>
+        </p:txBody>
+      </p:sp>
+    </p:spTree>
+    <p:extLst>
+      <p:ext uri="{BB962C8B-B14F-4D97-AF65-F5344CB8AC3E}">
+        <p14:creationId xmlns:p14="http://schemas.microsoft.com/office/powerpoint/2010/main" val="2620854637"/>
+      </p:ext>
+    </p:extLst>
+  </p:cSld>
+  <p:clrMapOvr>
+    <a:masterClrMapping/>
+  </p:clrMapOvr>
+</p:sld>
+</file>
+
+<file path=ppt/slides/slide14.xml><?xml version="1.0" encoding="utf-8"?>
+<p:sld xmlns:a="http://schemas.openxmlformats.org/drawingml/2006/main" xmlns:r="http://schemas.openxmlformats.org/officeDocument/2006/relationships" xmlns:p="http://schemas.openxmlformats.org/presentationml/2006/main">
+  <p:cSld>
+    <p:spTree>
+      <p:nvGrpSpPr>
+        <p:cNvPr id="1" name=""/>
+        <p:cNvGrpSpPr/>
+        <p:nvPr/>
+      </p:nvGrpSpPr>
+      <p:grpSpPr>
+        <a:xfrm>
+          <a:off x="0" y="0"/>
+          <a:ext cx="0" cy="0"/>
+          <a:chOff x="0" y="0"/>
+          <a:chExt cx="0" cy="0"/>
+        </a:xfrm>
+      </p:grpSpPr>
+      <p:sp>
+        <p:nvSpPr>
+          <p:cNvPr id="2" name="Title 1">
+            <a:extLst>
+              <a:ext uri="{FF2B5EF4-FFF2-40B4-BE49-F238E27FC236}">
+                <a16:creationId xmlns:a16="http://schemas.microsoft.com/office/drawing/2014/main" id="{A51CAD72-9D39-4447-9D33-E6C0849A74F0}"/>
+              </a:ext>
+            </a:extLst>
+          </p:cNvPr>
+          <p:cNvSpPr>
+            <a:spLocks noGrp="1"/>
+          </p:cNvSpPr>
+          <p:nvPr>
+            <p:ph type="title"/>
+          </p:nvPr>
+        </p:nvSpPr>
+        <p:spPr/>
+        <p:txBody>
+          <a:bodyPr/>
+          <a:lstStyle/>
+          <a:p>
+            <a:r>
+              <a:rPr lang="en-US" dirty="0"/>
+              <a:t>Backup</a:t>
+            </a:r>
+          </a:p>
+        </p:txBody>
+      </p:sp>
+      <p:sp>
+        <p:nvSpPr>
+          <p:cNvPr id="3" name="Content Placeholder 2">
+            <a:extLst>
+              <a:ext uri="{FF2B5EF4-FFF2-40B4-BE49-F238E27FC236}">
+                <a16:creationId xmlns:a16="http://schemas.microsoft.com/office/drawing/2014/main" id="{161CB13F-AB08-4B5E-B535-EDEE9F95A8D1}"/>
+              </a:ext>
+            </a:extLst>
+          </p:cNvPr>
+          <p:cNvSpPr>
+            <a:spLocks noGrp="1"/>
+          </p:cNvSpPr>
+          <p:nvPr>
+            <p:ph idx="1"/>
+          </p:nvPr>
+        </p:nvSpPr>
+        <p:spPr/>
+        <p:txBody>
+          <a:bodyPr/>
+          <a:lstStyle/>
+          <a:p>
+            <a:endParaRPr lang="en-US"/>
+          </a:p>
+        </p:txBody>
+      </p:sp>
+    </p:spTree>
+    <p:extLst>
+      <p:ext uri="{BB962C8B-B14F-4D97-AF65-F5344CB8AC3E}">
+        <p14:creationId xmlns:p14="http://schemas.microsoft.com/office/powerpoint/2010/main" val="798485300"/>
+      </p:ext>
+    </p:extLst>
+  </p:cSld>
+  <p:clrMapOvr>
+    <a:masterClrMapping/>
+  </p:clrMapOvr>
+</p:sld>
+</file>
+
+<file path=ppt/slides/slide15.xml><?xml version="1.0" encoding="utf-8"?>
+<p:sld xmlns:a="http://schemas.openxmlformats.org/drawingml/2006/main" xmlns:r="http://schemas.openxmlformats.org/officeDocument/2006/relationships" xmlns:p="http://schemas.openxmlformats.org/presentationml/2006/main">
+  <p:cSld>
+    <p:spTree>
+      <p:nvGrpSpPr>
+        <p:cNvPr id="1" name=""/>
+        <p:cNvGrpSpPr/>
+        <p:nvPr/>
+      </p:nvGrpSpPr>
+      <p:grpSpPr>
+        <a:xfrm>
+          <a:off x="0" y="0"/>
+          <a:ext cx="0" cy="0"/>
+          <a:chOff x="0" y="0"/>
+          <a:chExt cx="0" cy="0"/>
+        </a:xfrm>
+      </p:grpSpPr>
+      <p:sp>
+        <p:nvSpPr>
+          <p:cNvPr id="2" name="Title 1">
+            <a:extLst>
+              <a:ext uri="{FF2B5EF4-FFF2-40B4-BE49-F238E27FC236}">
+                <a16:creationId xmlns:a16="http://schemas.microsoft.com/office/drawing/2014/main" id="{D9D0F948-B4C6-422F-9E04-43BB3ED65E27}"/>
+              </a:ext>
+            </a:extLst>
+          </p:cNvPr>
+          <p:cNvSpPr>
+            <a:spLocks noGrp="1"/>
+          </p:cNvSpPr>
+          <p:nvPr>
+            <p:ph type="title"/>
+          </p:nvPr>
+        </p:nvSpPr>
+        <p:spPr/>
+        <p:txBody>
+          <a:bodyPr/>
+          <a:lstStyle/>
+          <a:p>
+            <a:r>
+              <a:rPr lang="en-US" dirty="0">
+                <a:latin typeface="Arial" panose="020B0604020202020204" pitchFamily="34" charset="0"/>
+                <a:cs typeface="Arial" panose="020B0604020202020204" pitchFamily="34" charset="0"/>
+              </a:rPr>
+              <a:t>Other Questions of Interest</a:t>
+            </a:r>
+          </a:p>
+        </p:txBody>
+      </p:sp>
+      <p:sp>
+        <p:nvSpPr>
+          <p:cNvPr id="3" name="Content Placeholder 2">
+            <a:extLst>
+              <a:ext uri="{FF2B5EF4-FFF2-40B4-BE49-F238E27FC236}">
+                <a16:creationId xmlns:a16="http://schemas.microsoft.com/office/drawing/2014/main" id="{874FE95F-C200-4854-9E29-A041DAEA740A}"/>
+              </a:ext>
+            </a:extLst>
+          </p:cNvPr>
+          <p:cNvSpPr>
+            <a:spLocks noGrp="1"/>
+          </p:cNvSpPr>
+          <p:nvPr>
+            <p:ph idx="1"/>
+          </p:nvPr>
+        </p:nvSpPr>
+        <p:spPr/>
+        <p:txBody>
+          <a:bodyPr/>
+          <a:lstStyle/>
+          <a:p>
+            <a:r>
+              <a:rPr lang="en-US" dirty="0"/>
+              <a:t>What is the most popular beer style per geographic region?</a:t>
+            </a:r>
+          </a:p>
+          <a:p>
+            <a:r>
+              <a:rPr lang="en-US" dirty="0"/>
+              <a:t>Is there a relationship between style of beer an regional population?</a:t>
+            </a:r>
+          </a:p>
+          <a:p>
+            <a:r>
+              <a:rPr lang="en-US" dirty="0"/>
+              <a:t>Is there an opportunity for investing in high IBU beer supplier in </a:t>
+            </a:r>
+            <a:r>
+              <a:rPr lang="en-US"/>
+              <a:t>the West?</a:t>
+            </a:r>
+          </a:p>
+          <a:p>
+            <a:endParaRPr lang="en-US" dirty="0"/>
+          </a:p>
+        </p:txBody>
+      </p:sp>
+    </p:spTree>
+    <p:extLst>
+      <p:ext uri="{BB962C8B-B14F-4D97-AF65-F5344CB8AC3E}">
+        <p14:creationId xmlns:p14="http://schemas.microsoft.com/office/powerpoint/2010/main" val="2389479798"/>
+      </p:ext>
+    </p:extLst>
+  </p:cSld>
+  <p:clrMapOvr>
+    <a:masterClrMapping/>
+  </p:clrMapOvr>
+</p:sld>
+</file>
+
+<file path=ppt/slides/slide16.xml><?xml version="1.0" encoding="utf-8"?>
+<p:sld xmlns:a="http://schemas.openxmlformats.org/drawingml/2006/main" xmlns:r="http://schemas.openxmlformats.org/officeDocument/2006/relationships" xmlns:p="http://schemas.openxmlformats.org/presentationml/2006/main">
+  <p:cSld>
+    <p:spTree>
+      <p:nvGrpSpPr>
+        <p:cNvPr id="1" name=""/>
+        <p:cNvGrpSpPr/>
+        <p:nvPr/>
+      </p:nvGrpSpPr>
+      <p:grpSpPr>
+        <a:xfrm>
+          <a:off x="0" y="0"/>
+          <a:ext cx="0" cy="0"/>
+          <a:chOff x="0" y="0"/>
+          <a:chExt cx="0" cy="0"/>
+        </a:xfrm>
+      </p:grpSpPr>
+      <p:sp>
+        <p:nvSpPr>
+          <p:cNvPr id="2" name="Title 1">
+            <a:extLst>
+              <a:ext uri="{FF2B5EF4-FFF2-40B4-BE49-F238E27FC236}">
                 <a16:creationId xmlns:a16="http://schemas.microsoft.com/office/drawing/2014/main" id="{73F40B17-B4A1-4352-9413-B62CFC7787E1}"/>
               </a:ext>
             </a:extLst>
@@ -6390,7 +6964,7 @@
 </p:sld>
 </file>
 
-<file path=ppt/slides/slide11.xml><?xml version="1.0" encoding="utf-8"?>
+<file path=ppt/slides/slide17.xml><?xml version="1.0" encoding="utf-8"?>
 <p:sld xmlns:a="http://schemas.openxmlformats.org/drawingml/2006/main" xmlns:r="http://schemas.openxmlformats.org/officeDocument/2006/relationships" xmlns:p="http://schemas.openxmlformats.org/presentationml/2006/main">
   <p:cSld>
     <p:spTree>
@@ -6412,7 +6986,7 @@
           <p:cNvPr id="2" name="Title 1">
             <a:extLst>
               <a:ext uri="{FF2B5EF4-FFF2-40B4-BE49-F238E27FC236}">
-                <a16:creationId xmlns:a16="http://schemas.microsoft.com/office/drawing/2014/main" id="{D9D0F948-B4C6-422F-9E04-43BB3ED65E27}"/>
+                <a16:creationId xmlns:a16="http://schemas.microsoft.com/office/drawing/2014/main" id="{2A8A4ABE-5343-4348-8236-6BC0C27406A1}"/>
               </a:ext>
             </a:extLst>
           </p:cNvPr>
@@ -6425,7 +6999,9 @@
         </p:nvSpPr>
         <p:spPr/>
         <p:txBody>
-          <a:bodyPr/>
+          <a:bodyPr>
+            <a:normAutofit fontScale="90000"/>
+          </a:bodyPr>
           <a:lstStyle/>
           <a:p>
             <a:r>
@@ -6433,7 +7009,7 @@
                 <a:latin typeface="Arial" panose="020B0604020202020204" pitchFamily="34" charset="0"/>
                 <a:cs typeface="Arial" panose="020B0604020202020204" pitchFamily="34" charset="0"/>
               </a:rPr>
-              <a:t>Other Questions of Interest</a:t>
+              <a:t>Question of Interest:  A relationship exists between Alcohol by Volume and International Bitterness Units.</a:t>
             </a:r>
           </a:p>
         </p:txBody>
@@ -6443,7 +7019,7 @@
           <p:cNvPr id="3" name="Content Placeholder 2">
             <a:extLst>
               <a:ext uri="{FF2B5EF4-FFF2-40B4-BE49-F238E27FC236}">
-                <a16:creationId xmlns:a16="http://schemas.microsoft.com/office/drawing/2014/main" id="{874FE95F-C200-4854-9E29-A041DAEA740A}"/>
+                <a16:creationId xmlns:a16="http://schemas.microsoft.com/office/drawing/2014/main" id="{20F2F60B-6F4B-4E43-8E80-7EE872BE35CF}"/>
               </a:ext>
             </a:extLst>
           </p:cNvPr>
@@ -6454,41 +7030,89 @@
             <p:ph idx="1"/>
           </p:nvPr>
         </p:nvSpPr>
-        <p:spPr/>
-        <p:txBody>
-          <a:bodyPr/>
+        <p:spPr>
+          <a:xfrm>
+            <a:off x="677334" y="2160589"/>
+            <a:ext cx="3491895" cy="3379077"/>
+          </a:xfrm>
+        </p:spPr>
+        <p:txBody>
+          <a:bodyPr>
+            <a:normAutofit/>
+          </a:bodyPr>
           <a:lstStyle/>
           <a:p>
-            <a:r>
-              <a:rPr lang="en-US" dirty="0"/>
-              <a:t>What is the most popular beer style per geographic region?</a:t>
-            </a:r>
-          </a:p>
-          <a:p>
-            <a:r>
-              <a:rPr lang="en-US" dirty="0"/>
-              <a:t>Is there a relationship between style of beer an regional population?</a:t>
-            </a:r>
-          </a:p>
-          <a:p>
-            <a:r>
-              <a:rPr lang="en-US" dirty="0"/>
-              <a:t>Is there an opportunity for investing in high IBU beer supplier in </a:t>
-            </a:r>
-            <a:r>
-              <a:rPr lang="en-US"/>
-              <a:t>the West?</a:t>
-            </a:r>
-          </a:p>
-          <a:p>
-            <a:endParaRPr lang="en-US" dirty="0"/>
-          </a:p>
-        </p:txBody>
-      </p:sp>
+            <a:pPr marL="0" indent="0">
+              <a:buNone/>
+            </a:pPr>
+            <a:r>
+              <a:rPr lang="en-US" dirty="0">
+                <a:latin typeface="Arial" panose="020B0604020202020204" pitchFamily="34" charset="0"/>
+                <a:cs typeface="Arial" panose="020B0604020202020204" pitchFamily="34" charset="0"/>
+              </a:rPr>
+              <a:t>A scatter plot of Alcohol by Volume and International Bitterness Unit does not appear to have a relationship.  </a:t>
+            </a:r>
+          </a:p>
+          <a:p>
+            <a:pPr marL="0" indent="0">
+              <a:buNone/>
+            </a:pPr>
+            <a:r>
+              <a:rPr lang="en-US" dirty="0">
+                <a:latin typeface="Arial" panose="020B0604020202020204" pitchFamily="34" charset="0"/>
+                <a:cs typeface="Arial" panose="020B0604020202020204" pitchFamily="34" charset="0"/>
+              </a:rPr>
+              <a:t>The scatter plots of ABV and IBU do not show much of a pattern.</a:t>
+            </a:r>
+          </a:p>
+          <a:p>
+            <a:pPr marL="0" indent="0">
+              <a:buNone/>
+            </a:pPr>
+            <a:r>
+              <a:rPr lang="en-US" dirty="0">
+                <a:latin typeface="Arial" panose="020B0604020202020204" pitchFamily="34" charset="0"/>
+                <a:cs typeface="Arial" panose="020B0604020202020204" pitchFamily="34" charset="0"/>
+              </a:rPr>
+              <a:t>A linear regression was used to test if there was a relationship between ABV and IBU. </a:t>
+            </a:r>
+          </a:p>
+        </p:txBody>
+      </p:sp>
+      <p:pic>
+        <p:nvPicPr>
+          <p:cNvPr id="4" name="Picture 3">
+            <a:extLst>
+              <a:ext uri="{FF2B5EF4-FFF2-40B4-BE49-F238E27FC236}">
+                <a16:creationId xmlns:a16="http://schemas.microsoft.com/office/drawing/2014/main" id="{DF0AE0DA-992B-4C8E-86CB-ACE29FC114AD}"/>
+              </a:ext>
+            </a:extLst>
+          </p:cNvPr>
+          <p:cNvPicPr>
+            <a:picLocks noChangeAspect="1"/>
+          </p:cNvPicPr>
+          <p:nvPr/>
+        </p:nvPicPr>
+        <p:blipFill>
+          <a:blip r:embed="rId2"/>
+          <a:stretch>
+            <a:fillRect/>
+          </a:stretch>
+        </p:blipFill>
+        <p:spPr>
+          <a:xfrm>
+            <a:off x="4528458" y="2160589"/>
+            <a:ext cx="5741536" cy="3542649"/>
+          </a:xfrm>
+          <a:prstGeom prst="rect">
+            <a:avLst/>
+          </a:prstGeom>
+        </p:spPr>
+      </p:pic>
     </p:spTree>
     <p:extLst>
       <p:ext uri="{BB962C8B-B14F-4D97-AF65-F5344CB8AC3E}">
-        <p14:creationId xmlns:p14="http://schemas.microsoft.com/office/powerpoint/2010/main" val="2389479798"/>
+        <p14:creationId xmlns:p14="http://schemas.microsoft.com/office/powerpoint/2010/main" val="3504272927"/>
       </p:ext>
     </p:extLst>
   </p:cSld>
@@ -6498,7 +7122,7 @@
 </p:sld>
 </file>
 
-<file path=ppt/slides/slide12.xml><?xml version="1.0" encoding="utf-8"?>
+<file path=ppt/slides/slide18.xml><?xml version="1.0" encoding="utf-8"?>
 <p:sld xmlns:a="http://schemas.openxmlformats.org/drawingml/2006/main" xmlns:r="http://schemas.openxmlformats.org/officeDocument/2006/relationships" xmlns:p="http://schemas.openxmlformats.org/presentationml/2006/main">
   <p:cSld>
     <p:spTree>
@@ -6520,89 +7144,6 @@
           <p:cNvPr id="2" name="Title 1">
             <a:extLst>
               <a:ext uri="{FF2B5EF4-FFF2-40B4-BE49-F238E27FC236}">
-                <a16:creationId xmlns:a16="http://schemas.microsoft.com/office/drawing/2014/main" id="{F69C8142-A23F-4F98-A5BB-4318843625FA}"/>
-              </a:ext>
-            </a:extLst>
-          </p:cNvPr>
-          <p:cNvSpPr>
-            <a:spLocks noGrp="1"/>
-          </p:cNvSpPr>
-          <p:nvPr>
-            <p:ph type="title"/>
-          </p:nvPr>
-        </p:nvSpPr>
-        <p:spPr/>
-        <p:txBody>
-          <a:bodyPr/>
-          <a:lstStyle/>
-          <a:p>
-            <a:r>
-              <a:rPr lang="en-US" dirty="0"/>
-              <a:t>Thank You for your Time!</a:t>
-            </a:r>
-          </a:p>
-        </p:txBody>
-      </p:sp>
-      <p:sp>
-        <p:nvSpPr>
-          <p:cNvPr id="3" name="Content Placeholder 2">
-            <a:extLst>
-              <a:ext uri="{FF2B5EF4-FFF2-40B4-BE49-F238E27FC236}">
-                <a16:creationId xmlns:a16="http://schemas.microsoft.com/office/drawing/2014/main" id="{8C0C09CA-ACFC-4500-92FC-07CAF0572B09}"/>
-              </a:ext>
-            </a:extLst>
-          </p:cNvPr>
-          <p:cNvSpPr>
-            <a:spLocks noGrp="1"/>
-          </p:cNvSpPr>
-          <p:nvPr>
-            <p:ph idx="1"/>
-          </p:nvPr>
-        </p:nvSpPr>
-        <p:spPr/>
-        <p:txBody>
-          <a:bodyPr/>
-          <a:lstStyle/>
-          <a:p>
-            <a:endParaRPr lang="en-US"/>
-          </a:p>
-        </p:txBody>
-      </p:sp>
-    </p:spTree>
-    <p:extLst>
-      <p:ext uri="{BB962C8B-B14F-4D97-AF65-F5344CB8AC3E}">
-        <p14:creationId xmlns:p14="http://schemas.microsoft.com/office/powerpoint/2010/main" val="2620854637"/>
-      </p:ext>
-    </p:extLst>
-  </p:cSld>
-  <p:clrMapOvr>
-    <a:masterClrMapping/>
-  </p:clrMapOvr>
-</p:sld>
-</file>
-
-<file path=ppt/slides/slide13.xml><?xml version="1.0" encoding="utf-8"?>
-<p:sld xmlns:a="http://schemas.openxmlformats.org/drawingml/2006/main" xmlns:r="http://schemas.openxmlformats.org/officeDocument/2006/relationships" xmlns:p="http://schemas.openxmlformats.org/presentationml/2006/main">
-  <p:cSld>
-    <p:spTree>
-      <p:nvGrpSpPr>
-        <p:cNvPr id="1" name=""/>
-        <p:cNvGrpSpPr/>
-        <p:nvPr/>
-      </p:nvGrpSpPr>
-      <p:grpSpPr>
-        <a:xfrm>
-          <a:off x="0" y="0"/>
-          <a:ext cx="0" cy="0"/>
-          <a:chOff x="0" y="0"/>
-          <a:chExt cx="0" cy="0"/>
-        </a:xfrm>
-      </p:grpSpPr>
-      <p:sp>
-        <p:nvSpPr>
-          <p:cNvPr id="2" name="Title 1">
-            <a:extLst>
-              <a:ext uri="{FF2B5EF4-FFF2-40B4-BE49-F238E27FC236}">
                 <a16:creationId xmlns:a16="http://schemas.microsoft.com/office/drawing/2014/main" id="{BA749432-A29A-4F12-8BE8-C8FBC3068259}"/>
               </a:ext>
             </a:extLst>
@@ -6647,7 +7188,10 @@
           <a:bodyPr/>
           <a:lstStyle/>
           <a:p>
-            <a:endParaRPr lang="en-US" dirty="0"/>
+            <a:r>
+              <a:rPr lang="en-US" dirty="0"/>
+              <a:t>Box plot for summary data</a:t>
+            </a:r>
           </a:p>
         </p:txBody>
       </p:sp>
@@ -6702,6 +7246,7 @@
           <a:bodyPr/>
           <a:lstStyle/>
           <a:p>
+            <a:pPr algn="ctr"/>
             <a:r>
               <a:rPr lang="en-US" dirty="0">
                 <a:latin typeface="Arial" panose="020B0604020202020204" pitchFamily="34" charset="0"/>
@@ -6714,10 +7259,10 @@
       </p:sp>
       <p:pic>
         <p:nvPicPr>
-          <p:cNvPr id="5" name="Picture 4">
+          <p:cNvPr id="7" name="Picture 6">
             <a:extLst>
               <a:ext uri="{FF2B5EF4-FFF2-40B4-BE49-F238E27FC236}">
-                <a16:creationId xmlns:a16="http://schemas.microsoft.com/office/drawing/2014/main" id="{C434239E-2D09-40D3-9765-DAFA974E4E33}"/>
+                <a16:creationId xmlns:a16="http://schemas.microsoft.com/office/drawing/2014/main" id="{D6C59739-6B34-4A0B-8F98-22315E70F426}"/>
               </a:ext>
             </a:extLst>
           </p:cNvPr>
@@ -6734,6466 +7279,44 @@
         </p:blipFill>
         <p:spPr>
           <a:xfrm>
-            <a:off x="5388242" y="1930400"/>
-            <a:ext cx="4469485" cy="2758311"/>
+            <a:off x="5383085" y="1532528"/>
+            <a:ext cx="6310210" cy="3891859"/>
           </a:xfrm>
           <a:prstGeom prst="rect">
             <a:avLst/>
           </a:prstGeom>
         </p:spPr>
       </p:pic>
-      <p:graphicFrame>
-        <p:nvGraphicFramePr>
-          <p:cNvPr id="3" name="Table 2">
+      <p:pic>
+        <p:nvPicPr>
+          <p:cNvPr id="9" name="Picture 8">
             <a:extLst>
               <a:ext uri="{FF2B5EF4-FFF2-40B4-BE49-F238E27FC236}">
-                <a16:creationId xmlns:a16="http://schemas.microsoft.com/office/drawing/2014/main" id="{92378B3C-A873-45AB-90D3-F8CE794B58F7}"/>
+                <a16:creationId xmlns:a16="http://schemas.microsoft.com/office/drawing/2014/main" id="{586500B1-6500-4489-8040-D194539074C7}"/>
               </a:ext>
             </a:extLst>
           </p:cNvPr>
-          <p:cNvGraphicFramePr>
-            <a:graphicFrameLocks noGrp="1"/>
-          </p:cNvGraphicFramePr>
-          <p:nvPr>
-            <p:extLst>
-              <p:ext uri="{D42A27DB-BD31-4B8C-83A1-F6EECF244321}">
-                <p14:modId xmlns:p14="http://schemas.microsoft.com/office/powerpoint/2010/main" val="2422140657"/>
-              </p:ext>
-            </p:extLst>
-          </p:nvPr>
-        </p:nvGraphicFramePr>
-        <p:xfrm>
-          <a:off x="941556" y="1930400"/>
-          <a:ext cx="3952884" cy="2899476"/>
-        </p:xfrm>
-        <a:graphic>
-          <a:graphicData uri="http://schemas.openxmlformats.org/drawingml/2006/table">
-            <a:tbl>
-              <a:tblPr/>
-              <a:tblGrid>
-                <a:gridCol w="460674">
-                  <a:extLst>
-                    <a:ext uri="{9D8B030D-6E8A-4147-A177-3AD203B41FA5}">
-                      <a16:colId xmlns:a16="http://schemas.microsoft.com/office/drawing/2014/main" val="3176456712"/>
-                    </a:ext>
-                  </a:extLst>
-                </a:gridCol>
-                <a:gridCol w="416093">
-                  <a:extLst>
-                    <a:ext uri="{9D8B030D-6E8A-4147-A177-3AD203B41FA5}">
-                      <a16:colId xmlns:a16="http://schemas.microsoft.com/office/drawing/2014/main" val="974884439"/>
-                    </a:ext>
-                  </a:extLst>
-                </a:gridCol>
-                <a:gridCol w="475535">
-                  <a:extLst>
-                    <a:ext uri="{9D8B030D-6E8A-4147-A177-3AD203B41FA5}">
-                      <a16:colId xmlns:a16="http://schemas.microsoft.com/office/drawing/2014/main" val="2897707145"/>
-                    </a:ext>
-                  </a:extLst>
-                </a:gridCol>
-                <a:gridCol w="312070">
-                  <a:extLst>
-                    <a:ext uri="{9D8B030D-6E8A-4147-A177-3AD203B41FA5}">
-                      <a16:colId xmlns:a16="http://schemas.microsoft.com/office/drawing/2014/main" val="4223699687"/>
-                    </a:ext>
-                  </a:extLst>
-                </a:gridCol>
-                <a:gridCol w="430954">
-                  <a:extLst>
-                    <a:ext uri="{9D8B030D-6E8A-4147-A177-3AD203B41FA5}">
-                      <a16:colId xmlns:a16="http://schemas.microsoft.com/office/drawing/2014/main" val="539320464"/>
-                    </a:ext>
-                  </a:extLst>
-                </a:gridCol>
-                <a:gridCol w="312070">
-                  <a:extLst>
-                    <a:ext uri="{9D8B030D-6E8A-4147-A177-3AD203B41FA5}">
-                      <a16:colId xmlns:a16="http://schemas.microsoft.com/office/drawing/2014/main" val="1903485265"/>
-                    </a:ext>
-                  </a:extLst>
-                </a:gridCol>
-                <a:gridCol w="460674">
-                  <a:extLst>
-                    <a:ext uri="{9D8B030D-6E8A-4147-A177-3AD203B41FA5}">
-                      <a16:colId xmlns:a16="http://schemas.microsoft.com/office/drawing/2014/main" val="843193713"/>
-                    </a:ext>
-                  </a:extLst>
-                </a:gridCol>
-                <a:gridCol w="312070">
-                  <a:extLst>
-                    <a:ext uri="{9D8B030D-6E8A-4147-A177-3AD203B41FA5}">
-                      <a16:colId xmlns:a16="http://schemas.microsoft.com/office/drawing/2014/main" val="1227244234"/>
-                    </a:ext>
-                  </a:extLst>
-                </a:gridCol>
-                <a:gridCol w="460674">
-                  <a:extLst>
-                    <a:ext uri="{9D8B030D-6E8A-4147-A177-3AD203B41FA5}">
-                      <a16:colId xmlns:a16="http://schemas.microsoft.com/office/drawing/2014/main" val="620892033"/>
-                    </a:ext>
-                  </a:extLst>
-                </a:gridCol>
-                <a:gridCol w="312070">
-                  <a:extLst>
-                    <a:ext uri="{9D8B030D-6E8A-4147-A177-3AD203B41FA5}">
-                      <a16:colId xmlns:a16="http://schemas.microsoft.com/office/drawing/2014/main" val="3871882472"/>
-                    </a:ext>
-                  </a:extLst>
-                </a:gridCol>
-              </a:tblGrid>
-              <a:tr h="238472">
-                <a:tc gridSpan="10">
-                  <a:txBody>
-                    <a:bodyPr/>
-                    <a:lstStyle/>
-                    <a:p>
-                      <a:pPr algn="ctr" fontAlgn="b"/>
-                      <a:r>
-                        <a:rPr lang="en-US" sz="1100" b="0" i="0" u="none" strike="noStrike">
-                          <a:solidFill>
-                            <a:srgbClr val="000000"/>
-                          </a:solidFill>
-                          <a:effectLst/>
-                          <a:latin typeface="Calibri" panose="020F0502020204030204" pitchFamily="34" charset="0"/>
-                        </a:rPr>
-                        <a:t>Brewries by State - Ascending Order</a:t>
-                      </a:r>
-                    </a:p>
-                  </a:txBody>
-                  <a:tcPr marL="6350" marR="6350" marT="6350" marB="0" anchor="b">
-                    <a:lnL w="6350" cap="flat" cmpd="sng" algn="ctr">
-                      <a:solidFill>
-                        <a:srgbClr val="000000"/>
-                      </a:solidFill>
-                      <a:prstDash val="solid"/>
-                      <a:round/>
-                      <a:headEnd type="none" w="med" len="med"/>
-                      <a:tailEnd type="none" w="med" len="med"/>
-                    </a:lnL>
-                    <a:lnR w="6350" cap="flat" cmpd="sng" algn="ctr">
-                      <a:solidFill>
-                        <a:srgbClr val="000000"/>
-                      </a:solidFill>
-                      <a:prstDash val="solid"/>
-                      <a:round/>
-                      <a:headEnd type="none" w="med" len="med"/>
-                      <a:tailEnd type="none" w="med" len="med"/>
-                    </a:lnR>
-                    <a:lnT w="6350" cap="flat" cmpd="sng" algn="ctr">
-                      <a:solidFill>
-                        <a:srgbClr val="000000"/>
-                      </a:solidFill>
-                      <a:prstDash val="solid"/>
-                      <a:round/>
-                      <a:headEnd type="none" w="med" len="med"/>
-                      <a:tailEnd type="none" w="med" len="med"/>
-                    </a:lnT>
-                    <a:lnB w="6350" cap="flat" cmpd="sng" algn="ctr">
-                      <a:solidFill>
-                        <a:srgbClr val="000000"/>
-                      </a:solidFill>
-                      <a:prstDash val="solid"/>
-                      <a:round/>
-                      <a:headEnd type="none" w="med" len="med"/>
-                      <a:tailEnd type="none" w="med" len="med"/>
-                    </a:lnB>
-                    <a:solidFill>
-                      <a:srgbClr val="E7E6E6"/>
-                    </a:solidFill>
-                  </a:tcPr>
-                </a:tc>
-                <a:tc hMerge="1">
-                  <a:txBody>
-                    <a:bodyPr/>
-                    <a:lstStyle/>
-                    <a:p>
-                      <a:endParaRPr lang="en-US"/>
-                    </a:p>
-                  </a:txBody>
-                  <a:tcPr/>
-                </a:tc>
-                <a:tc hMerge="1">
-                  <a:txBody>
-                    <a:bodyPr/>
-                    <a:lstStyle/>
-                    <a:p>
-                      <a:endParaRPr lang="en-US"/>
-                    </a:p>
-                  </a:txBody>
-                  <a:tcPr/>
-                </a:tc>
-                <a:tc hMerge="1">
-                  <a:txBody>
-                    <a:bodyPr/>
-                    <a:lstStyle/>
-                    <a:p>
-                      <a:endParaRPr lang="en-US"/>
-                    </a:p>
-                  </a:txBody>
-                  <a:tcPr/>
-                </a:tc>
-                <a:tc hMerge="1">
-                  <a:txBody>
-                    <a:bodyPr/>
-                    <a:lstStyle/>
-                    <a:p>
-                      <a:endParaRPr lang="en-US"/>
-                    </a:p>
-                  </a:txBody>
-                  <a:tcPr/>
-                </a:tc>
-                <a:tc hMerge="1">
-                  <a:txBody>
-                    <a:bodyPr/>
-                    <a:lstStyle/>
-                    <a:p>
-                      <a:endParaRPr lang="en-US"/>
-                    </a:p>
-                  </a:txBody>
-                  <a:tcPr/>
-                </a:tc>
-                <a:tc hMerge="1">
-                  <a:txBody>
-                    <a:bodyPr/>
-                    <a:lstStyle/>
-                    <a:p>
-                      <a:endParaRPr lang="en-US"/>
-                    </a:p>
-                  </a:txBody>
-                  <a:tcPr/>
-                </a:tc>
-                <a:tc hMerge="1">
-                  <a:txBody>
-                    <a:bodyPr/>
-                    <a:lstStyle/>
-                    <a:p>
-                      <a:endParaRPr lang="en-US"/>
-                    </a:p>
-                  </a:txBody>
-                  <a:tcPr/>
-                </a:tc>
-                <a:tc hMerge="1">
-                  <a:txBody>
-                    <a:bodyPr/>
-                    <a:lstStyle/>
-                    <a:p>
-                      <a:endParaRPr lang="en-US"/>
-                    </a:p>
-                  </a:txBody>
-                  <a:tcPr/>
-                </a:tc>
-                <a:tc hMerge="1">
-                  <a:txBody>
-                    <a:bodyPr/>
-                    <a:lstStyle/>
-                    <a:p>
-                      <a:endParaRPr lang="en-US"/>
-                    </a:p>
-                  </a:txBody>
-                  <a:tcPr/>
-                </a:tc>
-                <a:extLst>
-                  <a:ext uri="{0D108BD9-81ED-4DB2-BD59-A6C34878D82A}">
-                    <a16:rowId xmlns:a16="http://schemas.microsoft.com/office/drawing/2014/main" val="2070439369"/>
-                  </a:ext>
-                </a:extLst>
-              </a:tr>
-              <a:tr h="238472">
-                <a:tc>
-                  <a:txBody>
-                    <a:bodyPr/>
-                    <a:lstStyle/>
-                    <a:p>
-                      <a:pPr algn="l" fontAlgn="b"/>
-                      <a:r>
-                        <a:rPr lang="en-US" sz="1100" b="0" i="0" u="none" strike="noStrike">
-                          <a:solidFill>
-                            <a:srgbClr val="000000"/>
-                          </a:solidFill>
-                          <a:effectLst/>
-                          <a:latin typeface="Calibri" panose="020F0502020204030204" pitchFamily="34" charset="0"/>
-                        </a:rPr>
-                        <a:t> CO</a:t>
-                      </a:r>
-                    </a:p>
-                  </a:txBody>
-                  <a:tcPr marL="6350" marR="6350" marT="6350" marB="0" anchor="b">
-                    <a:lnL w="6350" cap="flat" cmpd="sng" algn="ctr">
-                      <a:solidFill>
-                        <a:srgbClr val="000000"/>
-                      </a:solidFill>
-                      <a:prstDash val="solid"/>
-                      <a:round/>
-                      <a:headEnd type="none" w="med" len="med"/>
-                      <a:tailEnd type="none" w="med" len="med"/>
-                    </a:lnL>
-                    <a:lnR w="6350" cap="flat" cmpd="sng" algn="ctr">
-                      <a:solidFill>
-                        <a:srgbClr val="000000"/>
-                      </a:solidFill>
-                      <a:prstDash val="solid"/>
-                      <a:round/>
-                      <a:headEnd type="none" w="med" len="med"/>
-                      <a:tailEnd type="none" w="med" len="med"/>
-                    </a:lnR>
-                    <a:lnT w="6350" cap="flat" cmpd="sng" algn="ctr">
-                      <a:solidFill>
-                        <a:srgbClr val="000000"/>
-                      </a:solidFill>
-                      <a:prstDash val="solid"/>
-                      <a:round/>
-                      <a:headEnd type="none" w="med" len="med"/>
-                      <a:tailEnd type="none" w="med" len="med"/>
-                    </a:lnT>
-                    <a:lnB w="6350" cap="flat" cmpd="sng" algn="ctr">
-                      <a:solidFill>
-                        <a:srgbClr val="000000"/>
-                      </a:solidFill>
-                      <a:prstDash val="solid"/>
-                      <a:round/>
-                      <a:headEnd type="none" w="med" len="med"/>
-                      <a:tailEnd type="none" w="med" len="med"/>
-                    </a:lnB>
-                  </a:tcPr>
-                </a:tc>
-                <a:tc>
-                  <a:txBody>
-                    <a:bodyPr/>
-                    <a:lstStyle/>
-                    <a:p>
-                      <a:pPr algn="r" fontAlgn="b"/>
-                      <a:r>
-                        <a:rPr lang="en-US" sz="1100" b="0" i="0" u="none" strike="noStrike">
-                          <a:solidFill>
-                            <a:srgbClr val="000000"/>
-                          </a:solidFill>
-                          <a:effectLst/>
-                          <a:latin typeface="Calibri" panose="020F0502020204030204" pitchFamily="34" charset="0"/>
-                        </a:rPr>
-                        <a:t>265</a:t>
-                      </a:r>
-                    </a:p>
-                  </a:txBody>
-                  <a:tcPr marL="6350" marR="6350" marT="6350" marB="0" anchor="b">
-                    <a:lnL w="6350" cap="flat" cmpd="sng" algn="ctr">
-                      <a:solidFill>
-                        <a:srgbClr val="000000"/>
-                      </a:solidFill>
-                      <a:prstDash val="solid"/>
-                      <a:round/>
-                      <a:headEnd type="none" w="med" len="med"/>
-                      <a:tailEnd type="none" w="med" len="med"/>
-                    </a:lnL>
-                    <a:lnR w="6350" cap="flat" cmpd="sng" algn="ctr">
-                      <a:solidFill>
-                        <a:srgbClr val="000000"/>
-                      </a:solidFill>
-                      <a:prstDash val="solid"/>
-                      <a:round/>
-                      <a:headEnd type="none" w="med" len="med"/>
-                      <a:tailEnd type="none" w="med" len="med"/>
-                    </a:lnR>
-                    <a:lnT w="6350" cap="flat" cmpd="sng" algn="ctr">
-                      <a:solidFill>
-                        <a:srgbClr val="000000"/>
-                      </a:solidFill>
-                      <a:prstDash val="solid"/>
-                      <a:round/>
-                      <a:headEnd type="none" w="med" len="med"/>
-                      <a:tailEnd type="none" w="med" len="med"/>
-                    </a:lnT>
-                    <a:lnB w="6350" cap="flat" cmpd="sng" algn="ctr">
-                      <a:solidFill>
-                        <a:srgbClr val="000000"/>
-                      </a:solidFill>
-                      <a:prstDash val="solid"/>
-                      <a:round/>
-                      <a:headEnd type="none" w="med" len="med"/>
-                      <a:tailEnd type="none" w="med" len="med"/>
-                    </a:lnB>
-                  </a:tcPr>
-                </a:tc>
-                <a:tc>
-                  <a:txBody>
-                    <a:bodyPr/>
-                    <a:lstStyle/>
-                    <a:p>
-                      <a:pPr algn="l" fontAlgn="b"/>
-                      <a:r>
-                        <a:rPr lang="en-US" sz="1100" b="0" i="0" u="none" strike="noStrike">
-                          <a:solidFill>
-                            <a:srgbClr val="000000"/>
-                          </a:solidFill>
-                          <a:effectLst/>
-                          <a:latin typeface="Calibri" panose="020F0502020204030204" pitchFamily="34" charset="0"/>
-                        </a:rPr>
-                        <a:t> NY</a:t>
-                      </a:r>
-                    </a:p>
-                  </a:txBody>
-                  <a:tcPr marL="6350" marR="6350" marT="6350" marB="0" anchor="b">
-                    <a:lnL w="6350" cap="flat" cmpd="sng" algn="ctr">
-                      <a:solidFill>
-                        <a:srgbClr val="000000"/>
-                      </a:solidFill>
-                      <a:prstDash val="solid"/>
-                      <a:round/>
-                      <a:headEnd type="none" w="med" len="med"/>
-                      <a:tailEnd type="none" w="med" len="med"/>
-                    </a:lnL>
-                    <a:lnR w="6350" cap="flat" cmpd="sng" algn="ctr">
-                      <a:solidFill>
-                        <a:srgbClr val="000000"/>
-                      </a:solidFill>
-                      <a:prstDash val="solid"/>
-                      <a:round/>
-                      <a:headEnd type="none" w="med" len="med"/>
-                      <a:tailEnd type="none" w="med" len="med"/>
-                    </a:lnR>
-                    <a:lnT w="6350" cap="flat" cmpd="sng" algn="ctr">
-                      <a:solidFill>
-                        <a:srgbClr val="000000"/>
-                      </a:solidFill>
-                      <a:prstDash val="solid"/>
-                      <a:round/>
-                      <a:headEnd type="none" w="med" len="med"/>
-                      <a:tailEnd type="none" w="med" len="med"/>
-                    </a:lnT>
-                    <a:lnB w="6350" cap="flat" cmpd="sng" algn="ctr">
-                      <a:solidFill>
-                        <a:srgbClr val="000000"/>
-                      </a:solidFill>
-                      <a:prstDash val="solid"/>
-                      <a:round/>
-                      <a:headEnd type="none" w="med" len="med"/>
-                      <a:tailEnd type="none" w="med" len="med"/>
-                    </a:lnB>
-                  </a:tcPr>
-                </a:tc>
-                <a:tc>
-                  <a:txBody>
-                    <a:bodyPr/>
-                    <a:lstStyle/>
-                    <a:p>
-                      <a:pPr algn="r" fontAlgn="b"/>
-                      <a:r>
-                        <a:rPr lang="en-US" sz="1100" b="0" i="0" u="none" strike="noStrike">
-                          <a:solidFill>
-                            <a:srgbClr val="000000"/>
-                          </a:solidFill>
-                          <a:effectLst/>
-                          <a:latin typeface="Calibri" panose="020F0502020204030204" pitchFamily="34" charset="0"/>
-                        </a:rPr>
-                        <a:t>74</a:t>
-                      </a:r>
-                    </a:p>
-                  </a:txBody>
-                  <a:tcPr marL="6350" marR="6350" marT="6350" marB="0" anchor="b">
-                    <a:lnL w="6350" cap="flat" cmpd="sng" algn="ctr">
-                      <a:solidFill>
-                        <a:srgbClr val="000000"/>
-                      </a:solidFill>
-                      <a:prstDash val="solid"/>
-                      <a:round/>
-                      <a:headEnd type="none" w="med" len="med"/>
-                      <a:tailEnd type="none" w="med" len="med"/>
-                    </a:lnL>
-                    <a:lnR w="6350" cap="flat" cmpd="sng" algn="ctr">
-                      <a:solidFill>
-                        <a:srgbClr val="000000"/>
-                      </a:solidFill>
-                      <a:prstDash val="solid"/>
-                      <a:round/>
-                      <a:headEnd type="none" w="med" len="med"/>
-                      <a:tailEnd type="none" w="med" len="med"/>
-                    </a:lnR>
-                    <a:lnT w="6350" cap="flat" cmpd="sng" algn="ctr">
-                      <a:solidFill>
-                        <a:srgbClr val="000000"/>
-                      </a:solidFill>
-                      <a:prstDash val="solid"/>
-                      <a:round/>
-                      <a:headEnd type="none" w="med" len="med"/>
-                      <a:tailEnd type="none" w="med" len="med"/>
-                    </a:lnT>
-                    <a:lnB w="6350" cap="flat" cmpd="sng" algn="ctr">
-                      <a:solidFill>
-                        <a:srgbClr val="000000"/>
-                      </a:solidFill>
-                      <a:prstDash val="solid"/>
-                      <a:round/>
-                      <a:headEnd type="none" w="med" len="med"/>
-                      <a:tailEnd type="none" w="med" len="med"/>
-                    </a:lnB>
-                  </a:tcPr>
-                </a:tc>
-                <a:tc>
-                  <a:txBody>
-                    <a:bodyPr/>
-                    <a:lstStyle/>
-                    <a:p>
-                      <a:pPr algn="l" fontAlgn="b"/>
-                      <a:r>
-                        <a:rPr lang="en-US" sz="1100" b="0" i="0" u="none" strike="noStrike">
-                          <a:solidFill>
-                            <a:srgbClr val="000000"/>
-                          </a:solidFill>
-                          <a:effectLst/>
-                          <a:latin typeface="Calibri" panose="020F0502020204030204" pitchFamily="34" charset="0"/>
-                        </a:rPr>
-                        <a:t> IA</a:t>
-                      </a:r>
-                    </a:p>
-                  </a:txBody>
-                  <a:tcPr marL="6350" marR="6350" marT="6350" marB="0" anchor="b">
-                    <a:lnL w="6350" cap="flat" cmpd="sng" algn="ctr">
-                      <a:solidFill>
-                        <a:srgbClr val="000000"/>
-                      </a:solidFill>
-                      <a:prstDash val="solid"/>
-                      <a:round/>
-                      <a:headEnd type="none" w="med" len="med"/>
-                      <a:tailEnd type="none" w="med" len="med"/>
-                    </a:lnL>
-                    <a:lnR w="6350" cap="flat" cmpd="sng" algn="ctr">
-                      <a:solidFill>
-                        <a:srgbClr val="000000"/>
-                      </a:solidFill>
-                      <a:prstDash val="solid"/>
-                      <a:round/>
-                      <a:headEnd type="none" w="med" len="med"/>
-                      <a:tailEnd type="none" w="med" len="med"/>
-                    </a:lnR>
-                    <a:lnT w="6350" cap="flat" cmpd="sng" algn="ctr">
-                      <a:solidFill>
-                        <a:srgbClr val="000000"/>
-                      </a:solidFill>
-                      <a:prstDash val="solid"/>
-                      <a:round/>
-                      <a:headEnd type="none" w="med" len="med"/>
-                      <a:tailEnd type="none" w="med" len="med"/>
-                    </a:lnT>
-                    <a:lnB w="6350" cap="flat" cmpd="sng" algn="ctr">
-                      <a:solidFill>
-                        <a:srgbClr val="000000"/>
-                      </a:solidFill>
-                      <a:prstDash val="solid"/>
-                      <a:round/>
-                      <a:headEnd type="none" w="med" len="med"/>
-                      <a:tailEnd type="none" w="med" len="med"/>
-                    </a:lnB>
-                  </a:tcPr>
-                </a:tc>
-                <a:tc>
-                  <a:txBody>
-                    <a:bodyPr/>
-                    <a:lstStyle/>
-                    <a:p>
-                      <a:pPr algn="r" fontAlgn="b"/>
-                      <a:r>
-                        <a:rPr lang="en-US" sz="1100" b="0" i="0" u="none" strike="noStrike">
-                          <a:solidFill>
-                            <a:srgbClr val="000000"/>
-                          </a:solidFill>
-                          <a:effectLst/>
-                          <a:latin typeface="Calibri" panose="020F0502020204030204" pitchFamily="34" charset="0"/>
-                        </a:rPr>
-                        <a:t>30</a:t>
-                      </a:r>
-                    </a:p>
-                  </a:txBody>
-                  <a:tcPr marL="6350" marR="6350" marT="6350" marB="0" anchor="b">
-                    <a:lnL w="6350" cap="flat" cmpd="sng" algn="ctr">
-                      <a:solidFill>
-                        <a:srgbClr val="000000"/>
-                      </a:solidFill>
-                      <a:prstDash val="solid"/>
-                      <a:round/>
-                      <a:headEnd type="none" w="med" len="med"/>
-                      <a:tailEnd type="none" w="med" len="med"/>
-                    </a:lnL>
-                    <a:lnR w="6350" cap="flat" cmpd="sng" algn="ctr">
-                      <a:solidFill>
-                        <a:srgbClr val="000000"/>
-                      </a:solidFill>
-                      <a:prstDash val="solid"/>
-                      <a:round/>
-                      <a:headEnd type="none" w="med" len="med"/>
-                      <a:tailEnd type="none" w="med" len="med"/>
-                    </a:lnR>
-                    <a:lnT w="6350" cap="flat" cmpd="sng" algn="ctr">
-                      <a:solidFill>
-                        <a:srgbClr val="000000"/>
-                      </a:solidFill>
-                      <a:prstDash val="solid"/>
-                      <a:round/>
-                      <a:headEnd type="none" w="med" len="med"/>
-                      <a:tailEnd type="none" w="med" len="med"/>
-                    </a:lnT>
-                    <a:lnB w="6350" cap="flat" cmpd="sng" algn="ctr">
-                      <a:solidFill>
-                        <a:srgbClr val="000000"/>
-                      </a:solidFill>
-                      <a:prstDash val="solid"/>
-                      <a:round/>
-                      <a:headEnd type="none" w="med" len="med"/>
-                      <a:tailEnd type="none" w="med" len="med"/>
-                    </a:lnB>
-                  </a:tcPr>
-                </a:tc>
-                <a:tc>
-                  <a:txBody>
-                    <a:bodyPr/>
-                    <a:lstStyle/>
-                    <a:p>
-                      <a:pPr algn="l" fontAlgn="b"/>
-                      <a:r>
-                        <a:rPr lang="en-US" sz="1100" b="0" i="0" u="none" strike="noStrike">
-                          <a:solidFill>
-                            <a:srgbClr val="000000"/>
-                          </a:solidFill>
-                          <a:effectLst/>
-                          <a:latin typeface="Calibri" panose="020F0502020204030204" pitchFamily="34" charset="0"/>
-                        </a:rPr>
-                        <a:t> KS</a:t>
-                      </a:r>
-                    </a:p>
-                  </a:txBody>
-                  <a:tcPr marL="6350" marR="6350" marT="6350" marB="0" anchor="b">
-                    <a:lnL w="6350" cap="flat" cmpd="sng" algn="ctr">
-                      <a:solidFill>
-                        <a:srgbClr val="000000"/>
-                      </a:solidFill>
-                      <a:prstDash val="solid"/>
-                      <a:round/>
-                      <a:headEnd type="none" w="med" len="med"/>
-                      <a:tailEnd type="none" w="med" len="med"/>
-                    </a:lnL>
-                    <a:lnR w="6350" cap="flat" cmpd="sng" algn="ctr">
-                      <a:solidFill>
-                        <a:srgbClr val="000000"/>
-                      </a:solidFill>
-                      <a:prstDash val="solid"/>
-                      <a:round/>
-                      <a:headEnd type="none" w="med" len="med"/>
-                      <a:tailEnd type="none" w="med" len="med"/>
-                    </a:lnR>
-                    <a:lnT w="6350" cap="flat" cmpd="sng" algn="ctr">
-                      <a:solidFill>
-                        <a:srgbClr val="000000"/>
-                      </a:solidFill>
-                      <a:prstDash val="solid"/>
-                      <a:round/>
-                      <a:headEnd type="none" w="med" len="med"/>
-                      <a:tailEnd type="none" w="med" len="med"/>
-                    </a:lnT>
-                    <a:lnB w="6350" cap="flat" cmpd="sng" algn="ctr">
-                      <a:solidFill>
-                        <a:srgbClr val="000000"/>
-                      </a:solidFill>
-                      <a:prstDash val="solid"/>
-                      <a:round/>
-                      <a:headEnd type="none" w="med" len="med"/>
-                      <a:tailEnd type="none" w="med" len="med"/>
-                    </a:lnB>
-                  </a:tcPr>
-                </a:tc>
-                <a:tc>
-                  <a:txBody>
-                    <a:bodyPr/>
-                    <a:lstStyle/>
-                    <a:p>
-                      <a:pPr algn="r" fontAlgn="b"/>
-                      <a:r>
-                        <a:rPr lang="en-US" sz="1100" b="0" i="0" u="none" strike="noStrike">
-                          <a:solidFill>
-                            <a:srgbClr val="000000"/>
-                          </a:solidFill>
-                          <a:effectLst/>
-                          <a:latin typeface="Calibri" panose="020F0502020204030204" pitchFamily="34" charset="0"/>
-                        </a:rPr>
-                        <a:t>23</a:t>
-                      </a:r>
-                    </a:p>
-                  </a:txBody>
-                  <a:tcPr marL="6350" marR="6350" marT="6350" marB="0" anchor="b">
-                    <a:lnL w="6350" cap="flat" cmpd="sng" algn="ctr">
-                      <a:solidFill>
-                        <a:srgbClr val="000000"/>
-                      </a:solidFill>
-                      <a:prstDash val="solid"/>
-                      <a:round/>
-                      <a:headEnd type="none" w="med" len="med"/>
-                      <a:tailEnd type="none" w="med" len="med"/>
-                    </a:lnL>
-                    <a:lnR w="6350" cap="flat" cmpd="sng" algn="ctr">
-                      <a:solidFill>
-                        <a:srgbClr val="000000"/>
-                      </a:solidFill>
-                      <a:prstDash val="solid"/>
-                      <a:round/>
-                      <a:headEnd type="none" w="med" len="med"/>
-                      <a:tailEnd type="none" w="med" len="med"/>
-                    </a:lnR>
-                    <a:lnT w="6350" cap="flat" cmpd="sng" algn="ctr">
-                      <a:solidFill>
-                        <a:srgbClr val="000000"/>
-                      </a:solidFill>
-                      <a:prstDash val="solid"/>
-                      <a:round/>
-                      <a:headEnd type="none" w="med" len="med"/>
-                      <a:tailEnd type="none" w="med" len="med"/>
-                    </a:lnT>
-                    <a:lnB w="6350" cap="flat" cmpd="sng" algn="ctr">
-                      <a:solidFill>
-                        <a:srgbClr val="000000"/>
-                      </a:solidFill>
-                      <a:prstDash val="solid"/>
-                      <a:round/>
-                      <a:headEnd type="none" w="med" len="med"/>
-                      <a:tailEnd type="none" w="med" len="med"/>
-                    </a:lnB>
-                  </a:tcPr>
-                </a:tc>
-                <a:tc>
-                  <a:txBody>
-                    <a:bodyPr/>
-                    <a:lstStyle/>
-                    <a:p>
-                      <a:pPr algn="l" fontAlgn="b"/>
-                      <a:r>
-                        <a:rPr lang="en-US" sz="1100" b="0" i="0" u="none" strike="noStrike">
-                          <a:solidFill>
-                            <a:srgbClr val="000000"/>
-                          </a:solidFill>
-                          <a:effectLst/>
-                          <a:latin typeface="Calibri" panose="020F0502020204030204" pitchFamily="34" charset="0"/>
-                        </a:rPr>
-                        <a:t> NV</a:t>
-                      </a:r>
-                    </a:p>
-                  </a:txBody>
-                  <a:tcPr marL="6350" marR="6350" marT="6350" marB="0" anchor="b">
-                    <a:lnL w="6350" cap="flat" cmpd="sng" algn="ctr">
-                      <a:solidFill>
-                        <a:srgbClr val="000000"/>
-                      </a:solidFill>
-                      <a:prstDash val="solid"/>
-                      <a:round/>
-                      <a:headEnd type="none" w="med" len="med"/>
-                      <a:tailEnd type="none" w="med" len="med"/>
-                    </a:lnL>
-                    <a:lnR w="6350" cap="flat" cmpd="sng" algn="ctr">
-                      <a:solidFill>
-                        <a:srgbClr val="000000"/>
-                      </a:solidFill>
-                      <a:prstDash val="solid"/>
-                      <a:round/>
-                      <a:headEnd type="none" w="med" len="med"/>
-                      <a:tailEnd type="none" w="med" len="med"/>
-                    </a:lnR>
-                    <a:lnT w="6350" cap="flat" cmpd="sng" algn="ctr">
-                      <a:solidFill>
-                        <a:srgbClr val="000000"/>
-                      </a:solidFill>
-                      <a:prstDash val="solid"/>
-                      <a:round/>
-                      <a:headEnd type="none" w="med" len="med"/>
-                      <a:tailEnd type="none" w="med" len="med"/>
-                    </a:lnT>
-                    <a:lnB w="6350" cap="flat" cmpd="sng" algn="ctr">
-                      <a:solidFill>
-                        <a:srgbClr val="000000"/>
-                      </a:solidFill>
-                      <a:prstDash val="solid"/>
-                      <a:round/>
-                      <a:headEnd type="none" w="med" len="med"/>
-                      <a:tailEnd type="none" w="med" len="med"/>
-                    </a:lnB>
-                  </a:tcPr>
-                </a:tc>
-                <a:tc>
-                  <a:txBody>
-                    <a:bodyPr/>
-                    <a:lstStyle/>
-                    <a:p>
-                      <a:pPr algn="r" fontAlgn="b"/>
-                      <a:r>
-                        <a:rPr lang="en-US" sz="1100" b="0" i="0" u="none" strike="noStrike">
-                          <a:solidFill>
-                            <a:srgbClr val="000000"/>
-                          </a:solidFill>
-                          <a:effectLst/>
-                          <a:latin typeface="Calibri" panose="020F0502020204030204" pitchFamily="34" charset="0"/>
-                        </a:rPr>
-                        <a:t>11</a:t>
-                      </a:r>
-                    </a:p>
-                  </a:txBody>
-                  <a:tcPr marL="6350" marR="6350" marT="6350" marB="0" anchor="b">
-                    <a:lnL w="6350" cap="flat" cmpd="sng" algn="ctr">
-                      <a:solidFill>
-                        <a:srgbClr val="000000"/>
-                      </a:solidFill>
-                      <a:prstDash val="solid"/>
-                      <a:round/>
-                      <a:headEnd type="none" w="med" len="med"/>
-                      <a:tailEnd type="none" w="med" len="med"/>
-                    </a:lnL>
-                    <a:lnR w="6350" cap="flat" cmpd="sng" algn="ctr">
-                      <a:solidFill>
-                        <a:srgbClr val="000000"/>
-                      </a:solidFill>
-                      <a:prstDash val="solid"/>
-                      <a:round/>
-                      <a:headEnd type="none" w="med" len="med"/>
-                      <a:tailEnd type="none" w="med" len="med"/>
-                    </a:lnR>
-                    <a:lnT w="6350" cap="flat" cmpd="sng" algn="ctr">
-                      <a:solidFill>
-                        <a:srgbClr val="000000"/>
-                      </a:solidFill>
-                      <a:prstDash val="solid"/>
-                      <a:round/>
-                      <a:headEnd type="none" w="med" len="med"/>
-                      <a:tailEnd type="none" w="med" len="med"/>
-                    </a:lnT>
-                    <a:lnB w="6350" cap="flat" cmpd="sng" algn="ctr">
-                      <a:solidFill>
-                        <a:srgbClr val="000000"/>
-                      </a:solidFill>
-                      <a:prstDash val="solid"/>
-                      <a:round/>
-                      <a:headEnd type="none" w="med" len="med"/>
-                      <a:tailEnd type="none" w="med" len="med"/>
-                    </a:lnB>
-                  </a:tcPr>
-                </a:tc>
-                <a:extLst>
-                  <a:ext uri="{0D108BD9-81ED-4DB2-BD59-A6C34878D82A}">
-                    <a16:rowId xmlns:a16="http://schemas.microsoft.com/office/drawing/2014/main" val="76097343"/>
-                  </a:ext>
-                </a:extLst>
-              </a:tr>
-              <a:tr h="238472">
-                <a:tc>
-                  <a:txBody>
-                    <a:bodyPr/>
-                    <a:lstStyle/>
-                    <a:p>
-                      <a:pPr algn="l" fontAlgn="b"/>
-                      <a:r>
-                        <a:rPr lang="en-US" sz="1100" b="0" i="0" u="none" strike="noStrike">
-                          <a:solidFill>
-                            <a:srgbClr val="000000"/>
-                          </a:solidFill>
-                          <a:effectLst/>
-                          <a:latin typeface="Calibri" panose="020F0502020204030204" pitchFamily="34" charset="0"/>
-                        </a:rPr>
-                        <a:t> CA</a:t>
-                      </a:r>
-                    </a:p>
-                  </a:txBody>
-                  <a:tcPr marL="6350" marR="6350" marT="6350" marB="0" anchor="b">
-                    <a:lnL w="6350" cap="flat" cmpd="sng" algn="ctr">
-                      <a:solidFill>
-                        <a:srgbClr val="000000"/>
-                      </a:solidFill>
-                      <a:prstDash val="solid"/>
-                      <a:round/>
-                      <a:headEnd type="none" w="med" len="med"/>
-                      <a:tailEnd type="none" w="med" len="med"/>
-                    </a:lnL>
-                    <a:lnR w="6350" cap="flat" cmpd="sng" algn="ctr">
-                      <a:solidFill>
-                        <a:srgbClr val="000000"/>
-                      </a:solidFill>
-                      <a:prstDash val="solid"/>
-                      <a:round/>
-                      <a:headEnd type="none" w="med" len="med"/>
-                      <a:tailEnd type="none" w="med" len="med"/>
-                    </a:lnR>
-                    <a:lnT w="6350" cap="flat" cmpd="sng" algn="ctr">
-                      <a:solidFill>
-                        <a:srgbClr val="000000"/>
-                      </a:solidFill>
-                      <a:prstDash val="solid"/>
-                      <a:round/>
-                      <a:headEnd type="none" w="med" len="med"/>
-                      <a:tailEnd type="none" w="med" len="med"/>
-                    </a:lnT>
-                    <a:lnB w="6350" cap="flat" cmpd="sng" algn="ctr">
-                      <a:solidFill>
-                        <a:srgbClr val="000000"/>
-                      </a:solidFill>
-                      <a:prstDash val="solid"/>
-                      <a:round/>
-                      <a:headEnd type="none" w="med" len="med"/>
-                      <a:tailEnd type="none" w="med" len="med"/>
-                    </a:lnB>
-                  </a:tcPr>
-                </a:tc>
-                <a:tc>
-                  <a:txBody>
-                    <a:bodyPr/>
-                    <a:lstStyle/>
-                    <a:p>
-                      <a:pPr algn="r" fontAlgn="b"/>
-                      <a:r>
-                        <a:rPr lang="en-US" sz="1100" b="0" i="0" u="none" strike="noStrike">
-                          <a:solidFill>
-                            <a:srgbClr val="000000"/>
-                          </a:solidFill>
-                          <a:effectLst/>
-                          <a:latin typeface="Calibri" panose="020F0502020204030204" pitchFamily="34" charset="0"/>
-                        </a:rPr>
-                        <a:t>183</a:t>
-                      </a:r>
-                    </a:p>
-                  </a:txBody>
-                  <a:tcPr marL="6350" marR="6350" marT="6350" marB="0" anchor="b">
-                    <a:lnL w="6350" cap="flat" cmpd="sng" algn="ctr">
-                      <a:solidFill>
-                        <a:srgbClr val="000000"/>
-                      </a:solidFill>
-                      <a:prstDash val="solid"/>
-                      <a:round/>
-                      <a:headEnd type="none" w="med" len="med"/>
-                      <a:tailEnd type="none" w="med" len="med"/>
-                    </a:lnL>
-                    <a:lnR w="6350" cap="flat" cmpd="sng" algn="ctr">
-                      <a:solidFill>
-                        <a:srgbClr val="000000"/>
-                      </a:solidFill>
-                      <a:prstDash val="solid"/>
-                      <a:round/>
-                      <a:headEnd type="none" w="med" len="med"/>
-                      <a:tailEnd type="none" w="med" len="med"/>
-                    </a:lnR>
-                    <a:lnT w="6350" cap="flat" cmpd="sng" algn="ctr">
-                      <a:solidFill>
-                        <a:srgbClr val="000000"/>
-                      </a:solidFill>
-                      <a:prstDash val="solid"/>
-                      <a:round/>
-                      <a:headEnd type="none" w="med" len="med"/>
-                      <a:tailEnd type="none" w="med" len="med"/>
-                    </a:lnT>
-                    <a:lnB w="6350" cap="flat" cmpd="sng" algn="ctr">
-                      <a:solidFill>
-                        <a:srgbClr val="000000"/>
-                      </a:solidFill>
-                      <a:prstDash val="solid"/>
-                      <a:round/>
-                      <a:headEnd type="none" w="med" len="med"/>
-                      <a:tailEnd type="none" w="med" len="med"/>
-                    </a:lnB>
-                  </a:tcPr>
-                </a:tc>
-                <a:tc>
-                  <a:txBody>
-                    <a:bodyPr/>
-                    <a:lstStyle/>
-                    <a:p>
-                      <a:pPr algn="l" fontAlgn="b"/>
-                      <a:r>
-                        <a:rPr lang="en-US" sz="1100" b="0" i="0" u="none" strike="noStrike">
-                          <a:solidFill>
-                            <a:srgbClr val="000000"/>
-                          </a:solidFill>
-                          <a:effectLst/>
-                          <a:latin typeface="Calibri" panose="020F0502020204030204" pitchFamily="34" charset="0"/>
-                        </a:rPr>
-                        <a:t> WA</a:t>
-                      </a:r>
-                    </a:p>
-                  </a:txBody>
-                  <a:tcPr marL="6350" marR="6350" marT="6350" marB="0" anchor="b">
-                    <a:lnL w="6350" cap="flat" cmpd="sng" algn="ctr">
-                      <a:solidFill>
-                        <a:srgbClr val="000000"/>
-                      </a:solidFill>
-                      <a:prstDash val="solid"/>
-                      <a:round/>
-                      <a:headEnd type="none" w="med" len="med"/>
-                      <a:tailEnd type="none" w="med" len="med"/>
-                    </a:lnL>
-                    <a:lnR w="6350" cap="flat" cmpd="sng" algn="ctr">
-                      <a:solidFill>
-                        <a:srgbClr val="000000"/>
-                      </a:solidFill>
-                      <a:prstDash val="solid"/>
-                      <a:round/>
-                      <a:headEnd type="none" w="med" len="med"/>
-                      <a:tailEnd type="none" w="med" len="med"/>
-                    </a:lnR>
-                    <a:lnT w="6350" cap="flat" cmpd="sng" algn="ctr">
-                      <a:solidFill>
-                        <a:srgbClr val="000000"/>
-                      </a:solidFill>
-                      <a:prstDash val="solid"/>
-                      <a:round/>
-                      <a:headEnd type="none" w="med" len="med"/>
-                      <a:tailEnd type="none" w="med" len="med"/>
-                    </a:lnT>
-                    <a:lnB w="6350" cap="flat" cmpd="sng" algn="ctr">
-                      <a:solidFill>
-                        <a:srgbClr val="000000"/>
-                      </a:solidFill>
-                      <a:prstDash val="solid"/>
-                      <a:round/>
-                      <a:headEnd type="none" w="med" len="med"/>
-                      <a:tailEnd type="none" w="med" len="med"/>
-                    </a:lnB>
-                  </a:tcPr>
-                </a:tc>
-                <a:tc>
-                  <a:txBody>
-                    <a:bodyPr/>
-                    <a:lstStyle/>
-                    <a:p>
-                      <a:pPr algn="r" fontAlgn="b"/>
-                      <a:r>
-                        <a:rPr lang="en-US" sz="1100" b="0" i="0" u="none" strike="noStrike">
-                          <a:solidFill>
-                            <a:srgbClr val="000000"/>
-                          </a:solidFill>
-                          <a:effectLst/>
-                          <a:latin typeface="Calibri" panose="020F0502020204030204" pitchFamily="34" charset="0"/>
-                        </a:rPr>
-                        <a:t>68</a:t>
-                      </a:r>
-                    </a:p>
-                  </a:txBody>
-                  <a:tcPr marL="6350" marR="6350" marT="6350" marB="0" anchor="b">
-                    <a:lnL w="6350" cap="flat" cmpd="sng" algn="ctr">
-                      <a:solidFill>
-                        <a:srgbClr val="000000"/>
-                      </a:solidFill>
-                      <a:prstDash val="solid"/>
-                      <a:round/>
-                      <a:headEnd type="none" w="med" len="med"/>
-                      <a:tailEnd type="none" w="med" len="med"/>
-                    </a:lnL>
-                    <a:lnR w="6350" cap="flat" cmpd="sng" algn="ctr">
-                      <a:solidFill>
-                        <a:srgbClr val="000000"/>
-                      </a:solidFill>
-                      <a:prstDash val="solid"/>
-                      <a:round/>
-                      <a:headEnd type="none" w="med" len="med"/>
-                      <a:tailEnd type="none" w="med" len="med"/>
-                    </a:lnR>
-                    <a:lnT w="6350" cap="flat" cmpd="sng" algn="ctr">
-                      <a:solidFill>
-                        <a:srgbClr val="000000"/>
-                      </a:solidFill>
-                      <a:prstDash val="solid"/>
-                      <a:round/>
-                      <a:headEnd type="none" w="med" len="med"/>
-                      <a:tailEnd type="none" w="med" len="med"/>
-                    </a:lnT>
-                    <a:lnB w="6350" cap="flat" cmpd="sng" algn="ctr">
-                      <a:solidFill>
-                        <a:srgbClr val="000000"/>
-                      </a:solidFill>
-                      <a:prstDash val="solid"/>
-                      <a:round/>
-                      <a:headEnd type="none" w="med" len="med"/>
-                      <a:tailEnd type="none" w="med" len="med"/>
-                    </a:lnB>
-                  </a:tcPr>
-                </a:tc>
-                <a:tc>
-                  <a:txBody>
-                    <a:bodyPr/>
-                    <a:lstStyle/>
-                    <a:p>
-                      <a:pPr algn="l" fontAlgn="b"/>
-                      <a:r>
-                        <a:rPr lang="en-US" sz="1100" b="0" i="0" u="none" strike="noStrike">
-                          <a:solidFill>
-                            <a:srgbClr val="000000"/>
-                          </a:solidFill>
-                          <a:effectLst/>
-                          <a:latin typeface="Calibri" panose="020F0502020204030204" pitchFamily="34" charset="0"/>
-                        </a:rPr>
-                        <a:t> ID</a:t>
-                      </a:r>
-                    </a:p>
-                  </a:txBody>
-                  <a:tcPr marL="6350" marR="6350" marT="6350" marB="0" anchor="b">
-                    <a:lnL w="6350" cap="flat" cmpd="sng" algn="ctr">
-                      <a:solidFill>
-                        <a:srgbClr val="000000"/>
-                      </a:solidFill>
-                      <a:prstDash val="solid"/>
-                      <a:round/>
-                      <a:headEnd type="none" w="med" len="med"/>
-                      <a:tailEnd type="none" w="med" len="med"/>
-                    </a:lnL>
-                    <a:lnR w="6350" cap="flat" cmpd="sng" algn="ctr">
-                      <a:solidFill>
-                        <a:srgbClr val="000000"/>
-                      </a:solidFill>
-                      <a:prstDash val="solid"/>
-                      <a:round/>
-                      <a:headEnd type="none" w="med" len="med"/>
-                      <a:tailEnd type="none" w="med" len="med"/>
-                    </a:lnR>
-                    <a:lnT w="6350" cap="flat" cmpd="sng" algn="ctr">
-                      <a:solidFill>
-                        <a:srgbClr val="000000"/>
-                      </a:solidFill>
-                      <a:prstDash val="solid"/>
-                      <a:round/>
-                      <a:headEnd type="none" w="med" len="med"/>
-                      <a:tailEnd type="none" w="med" len="med"/>
-                    </a:lnT>
-                    <a:lnB w="6350" cap="flat" cmpd="sng" algn="ctr">
-                      <a:solidFill>
-                        <a:srgbClr val="000000"/>
-                      </a:solidFill>
-                      <a:prstDash val="solid"/>
-                      <a:round/>
-                      <a:headEnd type="none" w="med" len="med"/>
-                      <a:tailEnd type="none" w="med" len="med"/>
-                    </a:lnB>
-                  </a:tcPr>
-                </a:tc>
-                <a:tc>
-                  <a:txBody>
-                    <a:bodyPr/>
-                    <a:lstStyle/>
-                    <a:p>
-                      <a:pPr algn="r" fontAlgn="b"/>
-                      <a:r>
-                        <a:rPr lang="en-US" sz="1100" b="0" i="0" u="none" strike="noStrike">
-                          <a:solidFill>
-                            <a:srgbClr val="000000"/>
-                          </a:solidFill>
-                          <a:effectLst/>
-                          <a:latin typeface="Calibri" panose="020F0502020204030204" pitchFamily="34" charset="0"/>
-                        </a:rPr>
-                        <a:t>30</a:t>
-                      </a:r>
-                    </a:p>
-                  </a:txBody>
-                  <a:tcPr marL="6350" marR="6350" marT="6350" marB="0" anchor="b">
-                    <a:lnL w="6350" cap="flat" cmpd="sng" algn="ctr">
-                      <a:solidFill>
-                        <a:srgbClr val="000000"/>
-                      </a:solidFill>
-                      <a:prstDash val="solid"/>
-                      <a:round/>
-                      <a:headEnd type="none" w="med" len="med"/>
-                      <a:tailEnd type="none" w="med" len="med"/>
-                    </a:lnL>
-                    <a:lnR w="6350" cap="flat" cmpd="sng" algn="ctr">
-                      <a:solidFill>
-                        <a:srgbClr val="000000"/>
-                      </a:solidFill>
-                      <a:prstDash val="solid"/>
-                      <a:round/>
-                      <a:headEnd type="none" w="med" len="med"/>
-                      <a:tailEnd type="none" w="med" len="med"/>
-                    </a:lnR>
-                    <a:lnT w="6350" cap="flat" cmpd="sng" algn="ctr">
-                      <a:solidFill>
-                        <a:srgbClr val="000000"/>
-                      </a:solidFill>
-                      <a:prstDash val="solid"/>
-                      <a:round/>
-                      <a:headEnd type="none" w="med" len="med"/>
-                      <a:tailEnd type="none" w="med" len="med"/>
-                    </a:lnT>
-                    <a:lnB w="6350" cap="flat" cmpd="sng" algn="ctr">
-                      <a:solidFill>
-                        <a:srgbClr val="000000"/>
-                      </a:solidFill>
-                      <a:prstDash val="solid"/>
-                      <a:round/>
-                      <a:headEnd type="none" w="med" len="med"/>
-                      <a:tailEnd type="none" w="med" len="med"/>
-                    </a:lnB>
-                  </a:tcPr>
-                </a:tc>
-                <a:tc>
-                  <a:txBody>
-                    <a:bodyPr/>
-                    <a:lstStyle/>
-                    <a:p>
-                      <a:pPr algn="l" fontAlgn="b"/>
-                      <a:r>
-                        <a:rPr lang="en-US" sz="1100" b="0" i="0" u="none" strike="noStrike">
-                          <a:solidFill>
-                            <a:srgbClr val="000000"/>
-                          </a:solidFill>
-                          <a:effectLst/>
-                          <a:latin typeface="Calibri" panose="020F0502020204030204" pitchFamily="34" charset="0"/>
-                        </a:rPr>
-                        <a:t> KY</a:t>
-                      </a:r>
-                    </a:p>
-                  </a:txBody>
-                  <a:tcPr marL="6350" marR="6350" marT="6350" marB="0" anchor="b">
-                    <a:lnL w="6350" cap="flat" cmpd="sng" algn="ctr">
-                      <a:solidFill>
-                        <a:srgbClr val="000000"/>
-                      </a:solidFill>
-                      <a:prstDash val="solid"/>
-                      <a:round/>
-                      <a:headEnd type="none" w="med" len="med"/>
-                      <a:tailEnd type="none" w="med" len="med"/>
-                    </a:lnL>
-                    <a:lnR w="6350" cap="flat" cmpd="sng" algn="ctr">
-                      <a:solidFill>
-                        <a:srgbClr val="000000"/>
-                      </a:solidFill>
-                      <a:prstDash val="solid"/>
-                      <a:round/>
-                      <a:headEnd type="none" w="med" len="med"/>
-                      <a:tailEnd type="none" w="med" len="med"/>
-                    </a:lnR>
-                    <a:lnT w="6350" cap="flat" cmpd="sng" algn="ctr">
-                      <a:solidFill>
-                        <a:srgbClr val="000000"/>
-                      </a:solidFill>
-                      <a:prstDash val="solid"/>
-                      <a:round/>
-                      <a:headEnd type="none" w="med" len="med"/>
-                      <a:tailEnd type="none" w="med" len="med"/>
-                    </a:lnT>
-                    <a:lnB w="6350" cap="flat" cmpd="sng" algn="ctr">
-                      <a:solidFill>
-                        <a:srgbClr val="000000"/>
-                      </a:solidFill>
-                      <a:prstDash val="solid"/>
-                      <a:round/>
-                      <a:headEnd type="none" w="med" len="med"/>
-                      <a:tailEnd type="none" w="med" len="med"/>
-                    </a:lnB>
-                  </a:tcPr>
-                </a:tc>
-                <a:tc>
-                  <a:txBody>
-                    <a:bodyPr/>
-                    <a:lstStyle/>
-                    <a:p>
-                      <a:pPr algn="r" fontAlgn="b"/>
-                      <a:r>
-                        <a:rPr lang="en-US" sz="1100" b="0" i="0" u="none" strike="noStrike">
-                          <a:solidFill>
-                            <a:srgbClr val="000000"/>
-                          </a:solidFill>
-                          <a:effectLst/>
-                          <a:latin typeface="Calibri" panose="020F0502020204030204" pitchFamily="34" charset="0"/>
-                        </a:rPr>
-                        <a:t>21</a:t>
-                      </a:r>
-                    </a:p>
-                  </a:txBody>
-                  <a:tcPr marL="6350" marR="6350" marT="6350" marB="0" anchor="b">
-                    <a:lnL w="6350" cap="flat" cmpd="sng" algn="ctr">
-                      <a:solidFill>
-                        <a:srgbClr val="000000"/>
-                      </a:solidFill>
-                      <a:prstDash val="solid"/>
-                      <a:round/>
-                      <a:headEnd type="none" w="med" len="med"/>
-                      <a:tailEnd type="none" w="med" len="med"/>
-                    </a:lnL>
-                    <a:lnR w="6350" cap="flat" cmpd="sng" algn="ctr">
-                      <a:solidFill>
-                        <a:srgbClr val="000000"/>
-                      </a:solidFill>
-                      <a:prstDash val="solid"/>
-                      <a:round/>
-                      <a:headEnd type="none" w="med" len="med"/>
-                      <a:tailEnd type="none" w="med" len="med"/>
-                    </a:lnR>
-                    <a:lnT w="6350" cap="flat" cmpd="sng" algn="ctr">
-                      <a:solidFill>
-                        <a:srgbClr val="000000"/>
-                      </a:solidFill>
-                      <a:prstDash val="solid"/>
-                      <a:round/>
-                      <a:headEnd type="none" w="med" len="med"/>
-                      <a:tailEnd type="none" w="med" len="med"/>
-                    </a:lnT>
-                    <a:lnB w="6350" cap="flat" cmpd="sng" algn="ctr">
-                      <a:solidFill>
-                        <a:srgbClr val="000000"/>
-                      </a:solidFill>
-                      <a:prstDash val="solid"/>
-                      <a:round/>
-                      <a:headEnd type="none" w="med" len="med"/>
-                      <a:tailEnd type="none" w="med" len="med"/>
-                    </a:lnB>
-                  </a:tcPr>
-                </a:tc>
-                <a:tc>
-                  <a:txBody>
-                    <a:bodyPr/>
-                    <a:lstStyle/>
-                    <a:p>
-                      <a:pPr algn="l" fontAlgn="b"/>
-                      <a:r>
-                        <a:rPr lang="en-US" sz="1100" b="0" i="0" u="none" strike="noStrike">
-                          <a:solidFill>
-                            <a:srgbClr val="000000"/>
-                          </a:solidFill>
-                          <a:effectLst/>
-                          <a:latin typeface="Calibri" panose="020F0502020204030204" pitchFamily="34" charset="0"/>
-                        </a:rPr>
-                        <a:t> AL</a:t>
-                      </a:r>
-                    </a:p>
-                  </a:txBody>
-                  <a:tcPr marL="6350" marR="6350" marT="6350" marB="0" anchor="b">
-                    <a:lnL w="6350" cap="flat" cmpd="sng" algn="ctr">
-                      <a:solidFill>
-                        <a:srgbClr val="000000"/>
-                      </a:solidFill>
-                      <a:prstDash val="solid"/>
-                      <a:round/>
-                      <a:headEnd type="none" w="med" len="med"/>
-                      <a:tailEnd type="none" w="med" len="med"/>
-                    </a:lnL>
-                    <a:lnR w="6350" cap="flat" cmpd="sng" algn="ctr">
-                      <a:solidFill>
-                        <a:srgbClr val="000000"/>
-                      </a:solidFill>
-                      <a:prstDash val="solid"/>
-                      <a:round/>
-                      <a:headEnd type="none" w="med" len="med"/>
-                      <a:tailEnd type="none" w="med" len="med"/>
-                    </a:lnR>
-                    <a:lnT w="6350" cap="flat" cmpd="sng" algn="ctr">
-                      <a:solidFill>
-                        <a:srgbClr val="000000"/>
-                      </a:solidFill>
-                      <a:prstDash val="solid"/>
-                      <a:round/>
-                      <a:headEnd type="none" w="med" len="med"/>
-                      <a:tailEnd type="none" w="med" len="med"/>
-                    </a:lnT>
-                    <a:lnB w="6350" cap="flat" cmpd="sng" algn="ctr">
-                      <a:solidFill>
-                        <a:srgbClr val="000000"/>
-                      </a:solidFill>
-                      <a:prstDash val="solid"/>
-                      <a:round/>
-                      <a:headEnd type="none" w="med" len="med"/>
-                      <a:tailEnd type="none" w="med" len="med"/>
-                    </a:lnB>
-                  </a:tcPr>
-                </a:tc>
-                <a:tc>
-                  <a:txBody>
-                    <a:bodyPr/>
-                    <a:lstStyle/>
-                    <a:p>
-                      <a:pPr algn="r" fontAlgn="b"/>
-                      <a:r>
-                        <a:rPr lang="en-US" sz="1100" b="0" i="0" u="none" strike="noStrike">
-                          <a:solidFill>
-                            <a:srgbClr val="000000"/>
-                          </a:solidFill>
-                          <a:effectLst/>
-                          <a:latin typeface="Calibri" panose="020F0502020204030204" pitchFamily="34" charset="0"/>
-                        </a:rPr>
-                        <a:t>10</a:t>
-                      </a:r>
-                    </a:p>
-                  </a:txBody>
-                  <a:tcPr marL="6350" marR="6350" marT="6350" marB="0" anchor="b">
-                    <a:lnL w="6350" cap="flat" cmpd="sng" algn="ctr">
-                      <a:solidFill>
-                        <a:srgbClr val="000000"/>
-                      </a:solidFill>
-                      <a:prstDash val="solid"/>
-                      <a:round/>
-                      <a:headEnd type="none" w="med" len="med"/>
-                      <a:tailEnd type="none" w="med" len="med"/>
-                    </a:lnL>
-                    <a:lnR w="6350" cap="flat" cmpd="sng" algn="ctr">
-                      <a:solidFill>
-                        <a:srgbClr val="000000"/>
-                      </a:solidFill>
-                      <a:prstDash val="solid"/>
-                      <a:round/>
-                      <a:headEnd type="none" w="med" len="med"/>
-                      <a:tailEnd type="none" w="med" len="med"/>
-                    </a:lnR>
-                    <a:lnT w="6350" cap="flat" cmpd="sng" algn="ctr">
-                      <a:solidFill>
-                        <a:srgbClr val="000000"/>
-                      </a:solidFill>
-                      <a:prstDash val="solid"/>
-                      <a:round/>
-                      <a:headEnd type="none" w="med" len="med"/>
-                      <a:tailEnd type="none" w="med" len="med"/>
-                    </a:lnT>
-                    <a:lnB w="6350" cap="flat" cmpd="sng" algn="ctr">
-                      <a:solidFill>
-                        <a:srgbClr val="000000"/>
-                      </a:solidFill>
-                      <a:prstDash val="solid"/>
-                      <a:round/>
-                      <a:headEnd type="none" w="med" len="med"/>
-                      <a:tailEnd type="none" w="med" len="med"/>
-                    </a:lnB>
-                  </a:tcPr>
-                </a:tc>
-                <a:extLst>
-                  <a:ext uri="{0D108BD9-81ED-4DB2-BD59-A6C34878D82A}">
-                    <a16:rowId xmlns:a16="http://schemas.microsoft.com/office/drawing/2014/main" val="703269881"/>
-                  </a:ext>
-                </a:extLst>
-              </a:tr>
-              <a:tr h="238472">
-                <a:tc>
-                  <a:txBody>
-                    <a:bodyPr/>
-                    <a:lstStyle/>
-                    <a:p>
-                      <a:pPr algn="l" fontAlgn="b"/>
-                      <a:r>
-                        <a:rPr lang="en-US" sz="1100" b="0" i="0" u="none" strike="noStrike">
-                          <a:solidFill>
-                            <a:srgbClr val="000000"/>
-                          </a:solidFill>
-                          <a:effectLst/>
-                          <a:latin typeface="Calibri" panose="020F0502020204030204" pitchFamily="34" charset="0"/>
-                        </a:rPr>
-                        <a:t> MI</a:t>
-                      </a:r>
-                    </a:p>
-                  </a:txBody>
-                  <a:tcPr marL="6350" marR="6350" marT="6350" marB="0" anchor="b">
-                    <a:lnL w="6350" cap="flat" cmpd="sng" algn="ctr">
-                      <a:solidFill>
-                        <a:srgbClr val="000000"/>
-                      </a:solidFill>
-                      <a:prstDash val="solid"/>
-                      <a:round/>
-                      <a:headEnd type="none" w="med" len="med"/>
-                      <a:tailEnd type="none" w="med" len="med"/>
-                    </a:lnL>
-                    <a:lnR w="6350" cap="flat" cmpd="sng" algn="ctr">
-                      <a:solidFill>
-                        <a:srgbClr val="000000"/>
-                      </a:solidFill>
-                      <a:prstDash val="solid"/>
-                      <a:round/>
-                      <a:headEnd type="none" w="med" len="med"/>
-                      <a:tailEnd type="none" w="med" len="med"/>
-                    </a:lnR>
-                    <a:lnT w="6350" cap="flat" cmpd="sng" algn="ctr">
-                      <a:solidFill>
-                        <a:srgbClr val="000000"/>
-                      </a:solidFill>
-                      <a:prstDash val="solid"/>
-                      <a:round/>
-                      <a:headEnd type="none" w="med" len="med"/>
-                      <a:tailEnd type="none" w="med" len="med"/>
-                    </a:lnT>
-                    <a:lnB w="6350" cap="flat" cmpd="sng" algn="ctr">
-                      <a:solidFill>
-                        <a:srgbClr val="000000"/>
-                      </a:solidFill>
-                      <a:prstDash val="solid"/>
-                      <a:round/>
-                      <a:headEnd type="none" w="med" len="med"/>
-                      <a:tailEnd type="none" w="med" len="med"/>
-                    </a:lnB>
-                  </a:tcPr>
-                </a:tc>
-                <a:tc>
-                  <a:txBody>
-                    <a:bodyPr/>
-                    <a:lstStyle/>
-                    <a:p>
-                      <a:pPr algn="r" fontAlgn="b"/>
-                      <a:r>
-                        <a:rPr lang="en-US" sz="1100" b="0" i="0" u="none" strike="noStrike">
-                          <a:solidFill>
-                            <a:srgbClr val="000000"/>
-                          </a:solidFill>
-                          <a:effectLst/>
-                          <a:latin typeface="Calibri" panose="020F0502020204030204" pitchFamily="34" charset="0"/>
-                        </a:rPr>
-                        <a:t>162</a:t>
-                      </a:r>
-                    </a:p>
-                  </a:txBody>
-                  <a:tcPr marL="6350" marR="6350" marT="6350" marB="0" anchor="b">
-                    <a:lnL w="6350" cap="flat" cmpd="sng" algn="ctr">
-                      <a:solidFill>
-                        <a:srgbClr val="000000"/>
-                      </a:solidFill>
-                      <a:prstDash val="solid"/>
-                      <a:round/>
-                      <a:headEnd type="none" w="med" len="med"/>
-                      <a:tailEnd type="none" w="med" len="med"/>
-                    </a:lnL>
-                    <a:lnR w="6350" cap="flat" cmpd="sng" algn="ctr">
-                      <a:solidFill>
-                        <a:srgbClr val="000000"/>
-                      </a:solidFill>
-                      <a:prstDash val="solid"/>
-                      <a:round/>
-                      <a:headEnd type="none" w="med" len="med"/>
-                      <a:tailEnd type="none" w="med" len="med"/>
-                    </a:lnR>
-                    <a:lnT w="6350" cap="flat" cmpd="sng" algn="ctr">
-                      <a:solidFill>
-                        <a:srgbClr val="000000"/>
-                      </a:solidFill>
-                      <a:prstDash val="solid"/>
-                      <a:round/>
-                      <a:headEnd type="none" w="med" len="med"/>
-                      <a:tailEnd type="none" w="med" len="med"/>
-                    </a:lnT>
-                    <a:lnB w="6350" cap="flat" cmpd="sng" algn="ctr">
-                      <a:solidFill>
-                        <a:srgbClr val="000000"/>
-                      </a:solidFill>
-                      <a:prstDash val="solid"/>
-                      <a:round/>
-                      <a:headEnd type="none" w="med" len="med"/>
-                      <a:tailEnd type="none" w="med" len="med"/>
-                    </a:lnB>
-                  </a:tcPr>
-                </a:tc>
-                <a:tc>
-                  <a:txBody>
-                    <a:bodyPr/>
-                    <a:lstStyle/>
-                    <a:p>
-                      <a:pPr algn="l" fontAlgn="b"/>
-                      <a:r>
-                        <a:rPr lang="en-US" sz="1100" b="0" i="0" u="none" strike="noStrike">
-                          <a:solidFill>
-                            <a:srgbClr val="000000"/>
-                          </a:solidFill>
-                          <a:effectLst/>
-                          <a:latin typeface="Calibri" panose="020F0502020204030204" pitchFamily="34" charset="0"/>
-                        </a:rPr>
-                        <a:t> NC</a:t>
-                      </a:r>
-                    </a:p>
-                  </a:txBody>
-                  <a:tcPr marL="6350" marR="6350" marT="6350" marB="0" anchor="b">
-                    <a:lnL w="6350" cap="flat" cmpd="sng" algn="ctr">
-                      <a:solidFill>
-                        <a:srgbClr val="000000"/>
-                      </a:solidFill>
-                      <a:prstDash val="solid"/>
-                      <a:round/>
-                      <a:headEnd type="none" w="med" len="med"/>
-                      <a:tailEnd type="none" w="med" len="med"/>
-                    </a:lnL>
-                    <a:lnR w="6350" cap="flat" cmpd="sng" algn="ctr">
-                      <a:solidFill>
-                        <a:srgbClr val="000000"/>
-                      </a:solidFill>
-                      <a:prstDash val="solid"/>
-                      <a:round/>
-                      <a:headEnd type="none" w="med" len="med"/>
-                      <a:tailEnd type="none" w="med" len="med"/>
-                    </a:lnR>
-                    <a:lnT w="6350" cap="flat" cmpd="sng" algn="ctr">
-                      <a:solidFill>
-                        <a:srgbClr val="000000"/>
-                      </a:solidFill>
-                      <a:prstDash val="solid"/>
-                      <a:round/>
-                      <a:headEnd type="none" w="med" len="med"/>
-                      <a:tailEnd type="none" w="med" len="med"/>
-                    </a:lnT>
-                    <a:lnB w="6350" cap="flat" cmpd="sng" algn="ctr">
-                      <a:solidFill>
-                        <a:srgbClr val="000000"/>
-                      </a:solidFill>
-                      <a:prstDash val="solid"/>
-                      <a:round/>
-                      <a:headEnd type="none" w="med" len="med"/>
-                      <a:tailEnd type="none" w="med" len="med"/>
-                    </a:lnB>
-                  </a:tcPr>
-                </a:tc>
-                <a:tc>
-                  <a:txBody>
-                    <a:bodyPr/>
-                    <a:lstStyle/>
-                    <a:p>
-                      <a:pPr algn="r" fontAlgn="b"/>
-                      <a:r>
-                        <a:rPr lang="en-US" sz="1100" b="0" i="0" u="none" strike="noStrike">
-                          <a:solidFill>
-                            <a:srgbClr val="000000"/>
-                          </a:solidFill>
-                          <a:effectLst/>
-                          <a:latin typeface="Calibri" panose="020F0502020204030204" pitchFamily="34" charset="0"/>
-                        </a:rPr>
-                        <a:t>59</a:t>
-                      </a:r>
-                    </a:p>
-                  </a:txBody>
-                  <a:tcPr marL="6350" marR="6350" marT="6350" marB="0" anchor="b">
-                    <a:lnL w="6350" cap="flat" cmpd="sng" algn="ctr">
-                      <a:solidFill>
-                        <a:srgbClr val="000000"/>
-                      </a:solidFill>
-                      <a:prstDash val="solid"/>
-                      <a:round/>
-                      <a:headEnd type="none" w="med" len="med"/>
-                      <a:tailEnd type="none" w="med" len="med"/>
-                    </a:lnL>
-                    <a:lnR w="6350" cap="flat" cmpd="sng" algn="ctr">
-                      <a:solidFill>
-                        <a:srgbClr val="000000"/>
-                      </a:solidFill>
-                      <a:prstDash val="solid"/>
-                      <a:round/>
-                      <a:headEnd type="none" w="med" len="med"/>
-                      <a:tailEnd type="none" w="med" len="med"/>
-                    </a:lnR>
-                    <a:lnT w="6350" cap="flat" cmpd="sng" algn="ctr">
-                      <a:solidFill>
-                        <a:srgbClr val="000000"/>
-                      </a:solidFill>
-                      <a:prstDash val="solid"/>
-                      <a:round/>
-                      <a:headEnd type="none" w="med" len="med"/>
-                      <a:tailEnd type="none" w="med" len="med"/>
-                    </a:lnT>
-                    <a:lnB w="6350" cap="flat" cmpd="sng" algn="ctr">
-                      <a:solidFill>
-                        <a:srgbClr val="000000"/>
-                      </a:solidFill>
-                      <a:prstDash val="solid"/>
-                      <a:round/>
-                      <a:headEnd type="none" w="med" len="med"/>
-                      <a:tailEnd type="none" w="med" len="med"/>
-                    </a:lnB>
-                  </a:tcPr>
-                </a:tc>
-                <a:tc>
-                  <a:txBody>
-                    <a:bodyPr/>
-                    <a:lstStyle/>
-                    <a:p>
-                      <a:pPr algn="l" fontAlgn="b"/>
-                      <a:r>
-                        <a:rPr lang="en-US" sz="1100" b="0" i="0" u="none" strike="noStrike">
-                          <a:solidFill>
-                            <a:srgbClr val="000000"/>
-                          </a:solidFill>
-                          <a:effectLst/>
-                          <a:latin typeface="Calibri" panose="020F0502020204030204" pitchFamily="34" charset="0"/>
-                        </a:rPr>
-                        <a:t> CT</a:t>
-                      </a:r>
-                    </a:p>
-                  </a:txBody>
-                  <a:tcPr marL="6350" marR="6350" marT="6350" marB="0" anchor="b">
-                    <a:lnL w="6350" cap="flat" cmpd="sng" algn="ctr">
-                      <a:solidFill>
-                        <a:srgbClr val="000000"/>
-                      </a:solidFill>
-                      <a:prstDash val="solid"/>
-                      <a:round/>
-                      <a:headEnd type="none" w="med" len="med"/>
-                      <a:tailEnd type="none" w="med" len="med"/>
-                    </a:lnL>
-                    <a:lnR w="6350" cap="flat" cmpd="sng" algn="ctr">
-                      <a:solidFill>
-                        <a:srgbClr val="000000"/>
-                      </a:solidFill>
-                      <a:prstDash val="solid"/>
-                      <a:round/>
-                      <a:headEnd type="none" w="med" len="med"/>
-                      <a:tailEnd type="none" w="med" len="med"/>
-                    </a:lnR>
-                    <a:lnT w="6350" cap="flat" cmpd="sng" algn="ctr">
-                      <a:solidFill>
-                        <a:srgbClr val="000000"/>
-                      </a:solidFill>
-                      <a:prstDash val="solid"/>
-                      <a:round/>
-                      <a:headEnd type="none" w="med" len="med"/>
-                      <a:tailEnd type="none" w="med" len="med"/>
-                    </a:lnT>
-                    <a:lnB w="6350" cap="flat" cmpd="sng" algn="ctr">
-                      <a:solidFill>
-                        <a:srgbClr val="000000"/>
-                      </a:solidFill>
-                      <a:prstDash val="solid"/>
-                      <a:round/>
-                      <a:headEnd type="none" w="med" len="med"/>
-                      <a:tailEnd type="none" w="med" len="med"/>
-                    </a:lnB>
-                  </a:tcPr>
-                </a:tc>
-                <a:tc>
-                  <a:txBody>
-                    <a:bodyPr/>
-                    <a:lstStyle/>
-                    <a:p>
-                      <a:pPr algn="r" fontAlgn="b"/>
-                      <a:r>
-                        <a:rPr lang="en-US" sz="1100" b="0" i="0" u="none" strike="noStrike">
-                          <a:solidFill>
-                            <a:srgbClr val="000000"/>
-                          </a:solidFill>
-                          <a:effectLst/>
-                          <a:latin typeface="Calibri" panose="020F0502020204030204" pitchFamily="34" charset="0"/>
-                        </a:rPr>
-                        <a:t>27</a:t>
-                      </a:r>
-                    </a:p>
-                  </a:txBody>
-                  <a:tcPr marL="6350" marR="6350" marT="6350" marB="0" anchor="b">
-                    <a:lnL w="6350" cap="flat" cmpd="sng" algn="ctr">
-                      <a:solidFill>
-                        <a:srgbClr val="000000"/>
-                      </a:solidFill>
-                      <a:prstDash val="solid"/>
-                      <a:round/>
-                      <a:headEnd type="none" w="med" len="med"/>
-                      <a:tailEnd type="none" w="med" len="med"/>
-                    </a:lnL>
-                    <a:lnR w="6350" cap="flat" cmpd="sng" algn="ctr">
-                      <a:solidFill>
-                        <a:srgbClr val="000000"/>
-                      </a:solidFill>
-                      <a:prstDash val="solid"/>
-                      <a:round/>
-                      <a:headEnd type="none" w="med" len="med"/>
-                      <a:tailEnd type="none" w="med" len="med"/>
-                    </a:lnR>
-                    <a:lnT w="6350" cap="flat" cmpd="sng" algn="ctr">
-                      <a:solidFill>
-                        <a:srgbClr val="000000"/>
-                      </a:solidFill>
-                      <a:prstDash val="solid"/>
-                      <a:round/>
-                      <a:headEnd type="none" w="med" len="med"/>
-                      <a:tailEnd type="none" w="med" len="med"/>
-                    </a:lnT>
-                    <a:lnB w="6350" cap="flat" cmpd="sng" algn="ctr">
-                      <a:solidFill>
-                        <a:srgbClr val="000000"/>
-                      </a:solidFill>
-                      <a:prstDash val="solid"/>
-                      <a:round/>
-                      <a:headEnd type="none" w="med" len="med"/>
-                      <a:tailEnd type="none" w="med" len="med"/>
-                    </a:lnB>
-                  </a:tcPr>
-                </a:tc>
-                <a:tc>
-                  <a:txBody>
-                    <a:bodyPr/>
-                    <a:lstStyle/>
-                    <a:p>
-                      <a:pPr algn="l" fontAlgn="b"/>
-                      <a:r>
-                        <a:rPr lang="en-US" sz="1100" b="0" i="0" u="none" strike="noStrike">
-                          <a:solidFill>
-                            <a:srgbClr val="000000"/>
-                          </a:solidFill>
-                          <a:effectLst/>
-                          <a:latin typeface="Calibri" panose="020F0502020204030204" pitchFamily="34" charset="0"/>
-                        </a:rPr>
-                        <a:t> MD</a:t>
-                      </a:r>
-                    </a:p>
-                  </a:txBody>
-                  <a:tcPr marL="6350" marR="6350" marT="6350" marB="0" anchor="b">
-                    <a:lnL w="6350" cap="flat" cmpd="sng" algn="ctr">
-                      <a:solidFill>
-                        <a:srgbClr val="000000"/>
-                      </a:solidFill>
-                      <a:prstDash val="solid"/>
-                      <a:round/>
-                      <a:headEnd type="none" w="med" len="med"/>
-                      <a:tailEnd type="none" w="med" len="med"/>
-                    </a:lnL>
-                    <a:lnR w="6350" cap="flat" cmpd="sng" algn="ctr">
-                      <a:solidFill>
-                        <a:srgbClr val="000000"/>
-                      </a:solidFill>
-                      <a:prstDash val="solid"/>
-                      <a:round/>
-                      <a:headEnd type="none" w="med" len="med"/>
-                      <a:tailEnd type="none" w="med" len="med"/>
-                    </a:lnR>
-                    <a:lnT w="6350" cap="flat" cmpd="sng" algn="ctr">
-                      <a:solidFill>
-                        <a:srgbClr val="000000"/>
-                      </a:solidFill>
-                      <a:prstDash val="solid"/>
-                      <a:round/>
-                      <a:headEnd type="none" w="med" len="med"/>
-                      <a:tailEnd type="none" w="med" len="med"/>
-                    </a:lnT>
-                    <a:lnB w="6350" cap="flat" cmpd="sng" algn="ctr">
-                      <a:solidFill>
-                        <a:srgbClr val="000000"/>
-                      </a:solidFill>
-                      <a:prstDash val="solid"/>
-                      <a:round/>
-                      <a:headEnd type="none" w="med" len="med"/>
-                      <a:tailEnd type="none" w="med" len="med"/>
-                    </a:lnB>
-                  </a:tcPr>
-                </a:tc>
-                <a:tc>
-                  <a:txBody>
-                    <a:bodyPr/>
-                    <a:lstStyle/>
-                    <a:p>
-                      <a:pPr algn="r" fontAlgn="b"/>
-                      <a:r>
-                        <a:rPr lang="en-US" sz="1100" b="0" i="0" u="none" strike="noStrike">
-                          <a:solidFill>
-                            <a:srgbClr val="000000"/>
-                          </a:solidFill>
-                          <a:effectLst/>
-                          <a:latin typeface="Calibri" panose="020F0502020204030204" pitchFamily="34" charset="0"/>
-                        </a:rPr>
-                        <a:t>21</a:t>
-                      </a:r>
-                    </a:p>
-                  </a:txBody>
-                  <a:tcPr marL="6350" marR="6350" marT="6350" marB="0" anchor="b">
-                    <a:lnL w="6350" cap="flat" cmpd="sng" algn="ctr">
-                      <a:solidFill>
-                        <a:srgbClr val="000000"/>
-                      </a:solidFill>
-                      <a:prstDash val="solid"/>
-                      <a:round/>
-                      <a:headEnd type="none" w="med" len="med"/>
-                      <a:tailEnd type="none" w="med" len="med"/>
-                    </a:lnL>
-                    <a:lnR w="6350" cap="flat" cmpd="sng" algn="ctr">
-                      <a:solidFill>
-                        <a:srgbClr val="000000"/>
-                      </a:solidFill>
-                      <a:prstDash val="solid"/>
-                      <a:round/>
-                      <a:headEnd type="none" w="med" len="med"/>
-                      <a:tailEnd type="none" w="med" len="med"/>
-                    </a:lnR>
-                    <a:lnT w="6350" cap="flat" cmpd="sng" algn="ctr">
-                      <a:solidFill>
-                        <a:srgbClr val="000000"/>
-                      </a:solidFill>
-                      <a:prstDash val="solid"/>
-                      <a:round/>
-                      <a:headEnd type="none" w="med" len="med"/>
-                      <a:tailEnd type="none" w="med" len="med"/>
-                    </a:lnT>
-                    <a:lnB w="6350" cap="flat" cmpd="sng" algn="ctr">
-                      <a:solidFill>
-                        <a:srgbClr val="000000"/>
-                      </a:solidFill>
-                      <a:prstDash val="solid"/>
-                      <a:round/>
-                      <a:headEnd type="none" w="med" len="med"/>
-                      <a:tailEnd type="none" w="med" len="med"/>
-                    </a:lnB>
-                  </a:tcPr>
-                </a:tc>
-                <a:tc>
-                  <a:txBody>
-                    <a:bodyPr/>
-                    <a:lstStyle/>
-                    <a:p>
-                      <a:pPr algn="l" fontAlgn="b"/>
-                      <a:r>
-                        <a:rPr lang="en-US" sz="1100" b="0" i="0" u="none" strike="noStrike">
-                          <a:solidFill>
-                            <a:srgbClr val="000000"/>
-                          </a:solidFill>
-                          <a:effectLst/>
-                          <a:latin typeface="Calibri" panose="020F0502020204030204" pitchFamily="34" charset="0"/>
-                        </a:rPr>
-                        <a:t> NH</a:t>
-                      </a:r>
-                    </a:p>
-                  </a:txBody>
-                  <a:tcPr marL="6350" marR="6350" marT="6350" marB="0" anchor="b">
-                    <a:lnL w="6350" cap="flat" cmpd="sng" algn="ctr">
-                      <a:solidFill>
-                        <a:srgbClr val="000000"/>
-                      </a:solidFill>
-                      <a:prstDash val="solid"/>
-                      <a:round/>
-                      <a:headEnd type="none" w="med" len="med"/>
-                      <a:tailEnd type="none" w="med" len="med"/>
-                    </a:lnL>
-                    <a:lnR w="6350" cap="flat" cmpd="sng" algn="ctr">
-                      <a:solidFill>
-                        <a:srgbClr val="000000"/>
-                      </a:solidFill>
-                      <a:prstDash val="solid"/>
-                      <a:round/>
-                      <a:headEnd type="none" w="med" len="med"/>
-                      <a:tailEnd type="none" w="med" len="med"/>
-                    </a:lnR>
-                    <a:lnT w="6350" cap="flat" cmpd="sng" algn="ctr">
-                      <a:solidFill>
-                        <a:srgbClr val="000000"/>
-                      </a:solidFill>
-                      <a:prstDash val="solid"/>
-                      <a:round/>
-                      <a:headEnd type="none" w="med" len="med"/>
-                      <a:tailEnd type="none" w="med" len="med"/>
-                    </a:lnT>
-                    <a:lnB w="6350" cap="flat" cmpd="sng" algn="ctr">
-                      <a:solidFill>
-                        <a:srgbClr val="000000"/>
-                      </a:solidFill>
-                      <a:prstDash val="solid"/>
-                      <a:round/>
-                      <a:headEnd type="none" w="med" len="med"/>
-                      <a:tailEnd type="none" w="med" len="med"/>
-                    </a:lnB>
-                  </a:tcPr>
-                </a:tc>
-                <a:tc>
-                  <a:txBody>
-                    <a:bodyPr/>
-                    <a:lstStyle/>
-                    <a:p>
-                      <a:pPr algn="r" fontAlgn="b"/>
-                      <a:r>
-                        <a:rPr lang="en-US" sz="1100" b="0" i="0" u="none" strike="noStrike">
-                          <a:solidFill>
-                            <a:srgbClr val="000000"/>
-                          </a:solidFill>
-                          <a:effectLst/>
-                          <a:latin typeface="Calibri" panose="020F0502020204030204" pitchFamily="34" charset="0"/>
-                        </a:rPr>
-                        <a:t>8</a:t>
-                      </a:r>
-                    </a:p>
-                  </a:txBody>
-                  <a:tcPr marL="6350" marR="6350" marT="6350" marB="0" anchor="b">
-                    <a:lnL w="6350" cap="flat" cmpd="sng" algn="ctr">
-                      <a:solidFill>
-                        <a:srgbClr val="000000"/>
-                      </a:solidFill>
-                      <a:prstDash val="solid"/>
-                      <a:round/>
-                      <a:headEnd type="none" w="med" len="med"/>
-                      <a:tailEnd type="none" w="med" len="med"/>
-                    </a:lnL>
-                    <a:lnR w="6350" cap="flat" cmpd="sng" algn="ctr">
-                      <a:solidFill>
-                        <a:srgbClr val="000000"/>
-                      </a:solidFill>
-                      <a:prstDash val="solid"/>
-                      <a:round/>
-                      <a:headEnd type="none" w="med" len="med"/>
-                      <a:tailEnd type="none" w="med" len="med"/>
-                    </a:lnR>
-                    <a:lnT w="6350" cap="flat" cmpd="sng" algn="ctr">
-                      <a:solidFill>
-                        <a:srgbClr val="000000"/>
-                      </a:solidFill>
-                      <a:prstDash val="solid"/>
-                      <a:round/>
-                      <a:headEnd type="none" w="med" len="med"/>
-                      <a:tailEnd type="none" w="med" len="med"/>
-                    </a:lnT>
-                    <a:lnB w="6350" cap="flat" cmpd="sng" algn="ctr">
-                      <a:solidFill>
-                        <a:srgbClr val="000000"/>
-                      </a:solidFill>
-                      <a:prstDash val="solid"/>
-                      <a:round/>
-                      <a:headEnd type="none" w="med" len="med"/>
-                      <a:tailEnd type="none" w="med" len="med"/>
-                    </a:lnB>
-                  </a:tcPr>
-                </a:tc>
-                <a:extLst>
-                  <a:ext uri="{0D108BD9-81ED-4DB2-BD59-A6C34878D82A}">
-                    <a16:rowId xmlns:a16="http://schemas.microsoft.com/office/drawing/2014/main" val="3045188786"/>
-                  </a:ext>
-                </a:extLst>
-              </a:tr>
-              <a:tr h="238472">
-                <a:tc>
-                  <a:txBody>
-                    <a:bodyPr/>
-                    <a:lstStyle/>
-                    <a:p>
-                      <a:pPr algn="l" fontAlgn="b"/>
-                      <a:r>
-                        <a:rPr lang="en-US" sz="1100" b="0" i="0" u="none" strike="noStrike">
-                          <a:solidFill>
-                            <a:srgbClr val="000000"/>
-                          </a:solidFill>
-                          <a:effectLst/>
-                          <a:latin typeface="Calibri" panose="020F0502020204030204" pitchFamily="34" charset="0"/>
-                        </a:rPr>
-                        <a:t> IN</a:t>
-                      </a:r>
-                    </a:p>
-                  </a:txBody>
-                  <a:tcPr marL="6350" marR="6350" marT="6350" marB="0" anchor="b">
-                    <a:lnL w="6350" cap="flat" cmpd="sng" algn="ctr">
-                      <a:solidFill>
-                        <a:srgbClr val="000000"/>
-                      </a:solidFill>
-                      <a:prstDash val="solid"/>
-                      <a:round/>
-                      <a:headEnd type="none" w="med" len="med"/>
-                      <a:tailEnd type="none" w="med" len="med"/>
-                    </a:lnL>
-                    <a:lnR w="6350" cap="flat" cmpd="sng" algn="ctr">
-                      <a:solidFill>
-                        <a:srgbClr val="000000"/>
-                      </a:solidFill>
-                      <a:prstDash val="solid"/>
-                      <a:round/>
-                      <a:headEnd type="none" w="med" len="med"/>
-                      <a:tailEnd type="none" w="med" len="med"/>
-                    </a:lnR>
-                    <a:lnT w="6350" cap="flat" cmpd="sng" algn="ctr">
-                      <a:solidFill>
-                        <a:srgbClr val="000000"/>
-                      </a:solidFill>
-                      <a:prstDash val="solid"/>
-                      <a:round/>
-                      <a:headEnd type="none" w="med" len="med"/>
-                      <a:tailEnd type="none" w="med" len="med"/>
-                    </a:lnT>
-                    <a:lnB w="6350" cap="flat" cmpd="sng" algn="ctr">
-                      <a:solidFill>
-                        <a:srgbClr val="000000"/>
-                      </a:solidFill>
-                      <a:prstDash val="solid"/>
-                      <a:round/>
-                      <a:headEnd type="none" w="med" len="med"/>
-                      <a:tailEnd type="none" w="med" len="med"/>
-                    </a:lnB>
-                  </a:tcPr>
-                </a:tc>
-                <a:tc>
-                  <a:txBody>
-                    <a:bodyPr/>
-                    <a:lstStyle/>
-                    <a:p>
-                      <a:pPr algn="r" fontAlgn="b"/>
-                      <a:r>
-                        <a:rPr lang="en-US" sz="1100" b="0" i="0" u="none" strike="noStrike">
-                          <a:solidFill>
-                            <a:srgbClr val="000000"/>
-                          </a:solidFill>
-                          <a:effectLst/>
-                          <a:latin typeface="Calibri" panose="020F0502020204030204" pitchFamily="34" charset="0"/>
-                        </a:rPr>
-                        <a:t>139</a:t>
-                      </a:r>
-                    </a:p>
-                  </a:txBody>
-                  <a:tcPr marL="6350" marR="6350" marT="6350" marB="0" anchor="b">
-                    <a:lnL w="6350" cap="flat" cmpd="sng" algn="ctr">
-                      <a:solidFill>
-                        <a:srgbClr val="000000"/>
-                      </a:solidFill>
-                      <a:prstDash val="solid"/>
-                      <a:round/>
-                      <a:headEnd type="none" w="med" len="med"/>
-                      <a:tailEnd type="none" w="med" len="med"/>
-                    </a:lnL>
-                    <a:lnR w="6350" cap="flat" cmpd="sng" algn="ctr">
-                      <a:solidFill>
-                        <a:srgbClr val="000000"/>
-                      </a:solidFill>
-                      <a:prstDash val="solid"/>
-                      <a:round/>
-                      <a:headEnd type="none" w="med" len="med"/>
-                      <a:tailEnd type="none" w="med" len="med"/>
-                    </a:lnR>
-                    <a:lnT w="6350" cap="flat" cmpd="sng" algn="ctr">
-                      <a:solidFill>
-                        <a:srgbClr val="000000"/>
-                      </a:solidFill>
-                      <a:prstDash val="solid"/>
-                      <a:round/>
-                      <a:headEnd type="none" w="med" len="med"/>
-                      <a:tailEnd type="none" w="med" len="med"/>
-                    </a:lnT>
-                    <a:lnB w="6350" cap="flat" cmpd="sng" algn="ctr">
-                      <a:solidFill>
-                        <a:srgbClr val="000000"/>
-                      </a:solidFill>
-                      <a:prstDash val="solid"/>
-                      <a:round/>
-                      <a:headEnd type="none" w="med" len="med"/>
-                      <a:tailEnd type="none" w="med" len="med"/>
-                    </a:lnB>
-                  </a:tcPr>
-                </a:tc>
-                <a:tc>
-                  <a:txBody>
-                    <a:bodyPr/>
-                    <a:lstStyle/>
-                    <a:p>
-                      <a:pPr algn="l" fontAlgn="b"/>
-                      <a:r>
-                        <a:rPr lang="en-US" sz="1100" b="0" i="0" u="none" strike="noStrike">
-                          <a:solidFill>
-                            <a:srgbClr val="000000"/>
-                          </a:solidFill>
-                          <a:effectLst/>
-                          <a:latin typeface="Calibri" panose="020F0502020204030204" pitchFamily="34" charset="0"/>
-                        </a:rPr>
-                        <a:t> FL</a:t>
-                      </a:r>
-                    </a:p>
-                  </a:txBody>
-                  <a:tcPr marL="6350" marR="6350" marT="6350" marB="0" anchor="b">
-                    <a:lnL w="6350" cap="flat" cmpd="sng" algn="ctr">
-                      <a:solidFill>
-                        <a:srgbClr val="000000"/>
-                      </a:solidFill>
-                      <a:prstDash val="solid"/>
-                      <a:round/>
-                      <a:headEnd type="none" w="med" len="med"/>
-                      <a:tailEnd type="none" w="med" len="med"/>
-                    </a:lnL>
-                    <a:lnR w="6350" cap="flat" cmpd="sng" algn="ctr">
-                      <a:solidFill>
-                        <a:srgbClr val="000000"/>
-                      </a:solidFill>
-                      <a:prstDash val="solid"/>
-                      <a:round/>
-                      <a:headEnd type="none" w="med" len="med"/>
-                      <a:tailEnd type="none" w="med" len="med"/>
-                    </a:lnR>
-                    <a:lnT w="6350" cap="flat" cmpd="sng" algn="ctr">
-                      <a:solidFill>
-                        <a:srgbClr val="000000"/>
-                      </a:solidFill>
-                      <a:prstDash val="solid"/>
-                      <a:round/>
-                      <a:headEnd type="none" w="med" len="med"/>
-                      <a:tailEnd type="none" w="med" len="med"/>
-                    </a:lnT>
-                    <a:lnB w="6350" cap="flat" cmpd="sng" algn="ctr">
-                      <a:solidFill>
-                        <a:srgbClr val="000000"/>
-                      </a:solidFill>
-                      <a:prstDash val="solid"/>
-                      <a:round/>
-                      <a:headEnd type="none" w="med" len="med"/>
-                      <a:tailEnd type="none" w="med" len="med"/>
-                    </a:lnB>
-                  </a:tcPr>
-                </a:tc>
-                <a:tc>
-                  <a:txBody>
-                    <a:bodyPr/>
-                    <a:lstStyle/>
-                    <a:p>
-                      <a:pPr algn="r" fontAlgn="b"/>
-                      <a:r>
-                        <a:rPr lang="en-US" sz="1100" b="0" i="0" u="none" strike="noStrike">
-                          <a:solidFill>
-                            <a:srgbClr val="000000"/>
-                          </a:solidFill>
-                          <a:effectLst/>
-                          <a:latin typeface="Calibri" panose="020F0502020204030204" pitchFamily="34" charset="0"/>
-                        </a:rPr>
-                        <a:t>58</a:t>
-                      </a:r>
-                    </a:p>
-                  </a:txBody>
-                  <a:tcPr marL="6350" marR="6350" marT="6350" marB="0" anchor="b">
-                    <a:lnL w="6350" cap="flat" cmpd="sng" algn="ctr">
-                      <a:solidFill>
-                        <a:srgbClr val="000000"/>
-                      </a:solidFill>
-                      <a:prstDash val="solid"/>
-                      <a:round/>
-                      <a:headEnd type="none" w="med" len="med"/>
-                      <a:tailEnd type="none" w="med" len="med"/>
-                    </a:lnL>
-                    <a:lnR w="6350" cap="flat" cmpd="sng" algn="ctr">
-                      <a:solidFill>
-                        <a:srgbClr val="000000"/>
-                      </a:solidFill>
-                      <a:prstDash val="solid"/>
-                      <a:round/>
-                      <a:headEnd type="none" w="med" len="med"/>
-                      <a:tailEnd type="none" w="med" len="med"/>
-                    </a:lnR>
-                    <a:lnT w="6350" cap="flat" cmpd="sng" algn="ctr">
-                      <a:solidFill>
-                        <a:srgbClr val="000000"/>
-                      </a:solidFill>
-                      <a:prstDash val="solid"/>
-                      <a:round/>
-                      <a:headEnd type="none" w="med" len="med"/>
-                      <a:tailEnd type="none" w="med" len="med"/>
-                    </a:lnT>
-                    <a:lnB w="6350" cap="flat" cmpd="sng" algn="ctr">
-                      <a:solidFill>
-                        <a:srgbClr val="000000"/>
-                      </a:solidFill>
-                      <a:prstDash val="solid"/>
-                      <a:round/>
-                      <a:headEnd type="none" w="med" len="med"/>
-                      <a:tailEnd type="none" w="med" len="med"/>
-                    </a:lnB>
-                  </a:tcPr>
-                </a:tc>
-                <a:tc>
-                  <a:txBody>
-                    <a:bodyPr/>
-                    <a:lstStyle/>
-                    <a:p>
-                      <a:pPr algn="l" fontAlgn="b"/>
-                      <a:r>
-                        <a:rPr lang="en-US" sz="1100" b="0" i="0" u="none" strike="noStrike">
-                          <a:solidFill>
-                            <a:srgbClr val="000000"/>
-                          </a:solidFill>
-                          <a:effectLst/>
-                          <a:latin typeface="Calibri" panose="020F0502020204030204" pitchFamily="34" charset="0"/>
-                        </a:rPr>
-                        <a:t> HI</a:t>
-                      </a:r>
-                    </a:p>
-                  </a:txBody>
-                  <a:tcPr marL="6350" marR="6350" marT="6350" marB="0" anchor="b">
-                    <a:lnL w="6350" cap="flat" cmpd="sng" algn="ctr">
-                      <a:solidFill>
-                        <a:srgbClr val="000000"/>
-                      </a:solidFill>
-                      <a:prstDash val="solid"/>
-                      <a:round/>
-                      <a:headEnd type="none" w="med" len="med"/>
-                      <a:tailEnd type="none" w="med" len="med"/>
-                    </a:lnL>
-                    <a:lnR w="6350" cap="flat" cmpd="sng" algn="ctr">
-                      <a:solidFill>
-                        <a:srgbClr val="000000"/>
-                      </a:solidFill>
-                      <a:prstDash val="solid"/>
-                      <a:round/>
-                      <a:headEnd type="none" w="med" len="med"/>
-                      <a:tailEnd type="none" w="med" len="med"/>
-                    </a:lnR>
-                    <a:lnT w="6350" cap="flat" cmpd="sng" algn="ctr">
-                      <a:solidFill>
-                        <a:srgbClr val="000000"/>
-                      </a:solidFill>
-                      <a:prstDash val="solid"/>
-                      <a:round/>
-                      <a:headEnd type="none" w="med" len="med"/>
-                      <a:tailEnd type="none" w="med" len="med"/>
-                    </a:lnT>
-                    <a:lnB w="6350" cap="flat" cmpd="sng" algn="ctr">
-                      <a:solidFill>
-                        <a:srgbClr val="000000"/>
-                      </a:solidFill>
-                      <a:prstDash val="solid"/>
-                      <a:round/>
-                      <a:headEnd type="none" w="med" len="med"/>
-                      <a:tailEnd type="none" w="med" len="med"/>
-                    </a:lnB>
-                  </a:tcPr>
-                </a:tc>
-                <a:tc>
-                  <a:txBody>
-                    <a:bodyPr/>
-                    <a:lstStyle/>
-                    <a:p>
-                      <a:pPr algn="r" fontAlgn="b"/>
-                      <a:r>
-                        <a:rPr lang="en-US" sz="1100" b="0" i="0" u="none" strike="noStrike">
-                          <a:solidFill>
-                            <a:srgbClr val="000000"/>
-                          </a:solidFill>
-                          <a:effectLst/>
-                          <a:latin typeface="Calibri" panose="020F0502020204030204" pitchFamily="34" charset="0"/>
-                        </a:rPr>
-                        <a:t>27</a:t>
-                      </a:r>
-                    </a:p>
-                  </a:txBody>
-                  <a:tcPr marL="6350" marR="6350" marT="6350" marB="0" anchor="b">
-                    <a:lnL w="6350" cap="flat" cmpd="sng" algn="ctr">
-                      <a:solidFill>
-                        <a:srgbClr val="000000"/>
-                      </a:solidFill>
-                      <a:prstDash val="solid"/>
-                      <a:round/>
-                      <a:headEnd type="none" w="med" len="med"/>
-                      <a:tailEnd type="none" w="med" len="med"/>
-                    </a:lnL>
-                    <a:lnR w="6350" cap="flat" cmpd="sng" algn="ctr">
-                      <a:solidFill>
-                        <a:srgbClr val="000000"/>
-                      </a:solidFill>
-                      <a:prstDash val="solid"/>
-                      <a:round/>
-                      <a:headEnd type="none" w="med" len="med"/>
-                      <a:tailEnd type="none" w="med" len="med"/>
-                    </a:lnR>
-                    <a:lnT w="6350" cap="flat" cmpd="sng" algn="ctr">
-                      <a:solidFill>
-                        <a:srgbClr val="000000"/>
-                      </a:solidFill>
-                      <a:prstDash val="solid"/>
-                      <a:round/>
-                      <a:headEnd type="none" w="med" len="med"/>
-                      <a:tailEnd type="none" w="med" len="med"/>
-                    </a:lnT>
-                    <a:lnB w="6350" cap="flat" cmpd="sng" algn="ctr">
-                      <a:solidFill>
-                        <a:srgbClr val="000000"/>
-                      </a:solidFill>
-                      <a:prstDash val="solid"/>
-                      <a:round/>
-                      <a:headEnd type="none" w="med" len="med"/>
-                      <a:tailEnd type="none" w="med" len="med"/>
-                    </a:lnB>
-                  </a:tcPr>
-                </a:tc>
-                <a:tc>
-                  <a:txBody>
-                    <a:bodyPr/>
-                    <a:lstStyle/>
-                    <a:p>
-                      <a:pPr algn="l" fontAlgn="b"/>
-                      <a:r>
-                        <a:rPr lang="en-US" sz="1100" b="0" i="0" u="none" strike="noStrike">
-                          <a:solidFill>
-                            <a:srgbClr val="000000"/>
-                          </a:solidFill>
-                          <a:effectLst/>
-                          <a:latin typeface="Calibri" panose="020F0502020204030204" pitchFamily="34" charset="0"/>
-                        </a:rPr>
-                        <a:t> LA</a:t>
-                      </a:r>
-                    </a:p>
-                  </a:txBody>
-                  <a:tcPr marL="6350" marR="6350" marT="6350" marB="0" anchor="b">
-                    <a:lnL w="6350" cap="flat" cmpd="sng" algn="ctr">
-                      <a:solidFill>
-                        <a:srgbClr val="000000"/>
-                      </a:solidFill>
-                      <a:prstDash val="solid"/>
-                      <a:round/>
-                      <a:headEnd type="none" w="med" len="med"/>
-                      <a:tailEnd type="none" w="med" len="med"/>
-                    </a:lnL>
-                    <a:lnR w="6350" cap="flat" cmpd="sng" algn="ctr">
-                      <a:solidFill>
-                        <a:srgbClr val="000000"/>
-                      </a:solidFill>
-                      <a:prstDash val="solid"/>
-                      <a:round/>
-                      <a:headEnd type="none" w="med" len="med"/>
-                      <a:tailEnd type="none" w="med" len="med"/>
-                    </a:lnR>
-                    <a:lnT w="6350" cap="flat" cmpd="sng" algn="ctr">
-                      <a:solidFill>
-                        <a:srgbClr val="000000"/>
-                      </a:solidFill>
-                      <a:prstDash val="solid"/>
-                      <a:round/>
-                      <a:headEnd type="none" w="med" len="med"/>
-                      <a:tailEnd type="none" w="med" len="med"/>
-                    </a:lnT>
-                    <a:lnB w="6350" cap="flat" cmpd="sng" algn="ctr">
-                      <a:solidFill>
-                        <a:srgbClr val="000000"/>
-                      </a:solidFill>
-                      <a:prstDash val="solid"/>
-                      <a:round/>
-                      <a:headEnd type="none" w="med" len="med"/>
-                      <a:tailEnd type="none" w="med" len="med"/>
-                    </a:lnB>
-                  </a:tcPr>
-                </a:tc>
-                <a:tc>
-                  <a:txBody>
-                    <a:bodyPr/>
-                    <a:lstStyle/>
-                    <a:p>
-                      <a:pPr algn="r" fontAlgn="b"/>
-                      <a:r>
-                        <a:rPr lang="en-US" sz="1100" b="0" i="0" u="none" strike="noStrike">
-                          <a:solidFill>
-                            <a:srgbClr val="000000"/>
-                          </a:solidFill>
-                          <a:effectLst/>
-                          <a:latin typeface="Calibri" panose="020F0502020204030204" pitchFamily="34" charset="0"/>
-                        </a:rPr>
-                        <a:t>19</a:t>
-                      </a:r>
-                    </a:p>
-                  </a:txBody>
-                  <a:tcPr marL="6350" marR="6350" marT="6350" marB="0" anchor="b">
-                    <a:lnL w="6350" cap="flat" cmpd="sng" algn="ctr">
-                      <a:solidFill>
-                        <a:srgbClr val="000000"/>
-                      </a:solidFill>
-                      <a:prstDash val="solid"/>
-                      <a:round/>
-                      <a:headEnd type="none" w="med" len="med"/>
-                      <a:tailEnd type="none" w="med" len="med"/>
-                    </a:lnL>
-                    <a:lnR w="6350" cap="flat" cmpd="sng" algn="ctr">
-                      <a:solidFill>
-                        <a:srgbClr val="000000"/>
-                      </a:solidFill>
-                      <a:prstDash val="solid"/>
-                      <a:round/>
-                      <a:headEnd type="none" w="med" len="med"/>
-                      <a:tailEnd type="none" w="med" len="med"/>
-                    </a:lnR>
-                    <a:lnT w="6350" cap="flat" cmpd="sng" algn="ctr">
-                      <a:solidFill>
-                        <a:srgbClr val="000000"/>
-                      </a:solidFill>
-                      <a:prstDash val="solid"/>
-                      <a:round/>
-                      <a:headEnd type="none" w="med" len="med"/>
-                      <a:tailEnd type="none" w="med" len="med"/>
-                    </a:lnT>
-                    <a:lnB w="6350" cap="flat" cmpd="sng" algn="ctr">
-                      <a:solidFill>
-                        <a:srgbClr val="000000"/>
-                      </a:solidFill>
-                      <a:prstDash val="solid"/>
-                      <a:round/>
-                      <a:headEnd type="none" w="med" len="med"/>
-                      <a:tailEnd type="none" w="med" len="med"/>
-                    </a:lnB>
-                  </a:tcPr>
-                </a:tc>
-                <a:tc>
-                  <a:txBody>
-                    <a:bodyPr/>
-                    <a:lstStyle/>
-                    <a:p>
-                      <a:pPr algn="l" fontAlgn="b"/>
-                      <a:r>
-                        <a:rPr lang="en-US" sz="1100" b="0" i="0" u="none" strike="noStrike">
-                          <a:solidFill>
-                            <a:srgbClr val="000000"/>
-                          </a:solidFill>
-                          <a:effectLst/>
-                          <a:latin typeface="Calibri" panose="020F0502020204030204" pitchFamily="34" charset="0"/>
-                        </a:rPr>
-                        <a:t> NJ</a:t>
-                      </a:r>
-                    </a:p>
-                  </a:txBody>
-                  <a:tcPr marL="6350" marR="6350" marT="6350" marB="0" anchor="b">
-                    <a:lnL w="6350" cap="flat" cmpd="sng" algn="ctr">
-                      <a:solidFill>
-                        <a:srgbClr val="000000"/>
-                      </a:solidFill>
-                      <a:prstDash val="solid"/>
-                      <a:round/>
-                      <a:headEnd type="none" w="med" len="med"/>
-                      <a:tailEnd type="none" w="med" len="med"/>
-                    </a:lnL>
-                    <a:lnR w="6350" cap="flat" cmpd="sng" algn="ctr">
-                      <a:solidFill>
-                        <a:srgbClr val="000000"/>
-                      </a:solidFill>
-                      <a:prstDash val="solid"/>
-                      <a:round/>
-                      <a:headEnd type="none" w="med" len="med"/>
-                      <a:tailEnd type="none" w="med" len="med"/>
-                    </a:lnR>
-                    <a:lnT w="6350" cap="flat" cmpd="sng" algn="ctr">
-                      <a:solidFill>
-                        <a:srgbClr val="000000"/>
-                      </a:solidFill>
-                      <a:prstDash val="solid"/>
-                      <a:round/>
-                      <a:headEnd type="none" w="med" len="med"/>
-                      <a:tailEnd type="none" w="med" len="med"/>
-                    </a:lnT>
-                    <a:lnB w="6350" cap="flat" cmpd="sng" algn="ctr">
-                      <a:solidFill>
-                        <a:srgbClr val="000000"/>
-                      </a:solidFill>
-                      <a:prstDash val="solid"/>
-                      <a:round/>
-                      <a:headEnd type="none" w="med" len="med"/>
-                      <a:tailEnd type="none" w="med" len="med"/>
-                    </a:lnB>
-                  </a:tcPr>
-                </a:tc>
-                <a:tc>
-                  <a:txBody>
-                    <a:bodyPr/>
-                    <a:lstStyle/>
-                    <a:p>
-                      <a:pPr algn="r" fontAlgn="b"/>
-                      <a:r>
-                        <a:rPr lang="en-US" sz="1100" b="0" i="0" u="none" strike="noStrike">
-                          <a:solidFill>
-                            <a:srgbClr val="000000"/>
-                          </a:solidFill>
-                          <a:effectLst/>
-                          <a:latin typeface="Calibri" panose="020F0502020204030204" pitchFamily="34" charset="0"/>
-                        </a:rPr>
-                        <a:t>8</a:t>
-                      </a:r>
-                    </a:p>
-                  </a:txBody>
-                  <a:tcPr marL="6350" marR="6350" marT="6350" marB="0" anchor="b">
-                    <a:lnL w="6350" cap="flat" cmpd="sng" algn="ctr">
-                      <a:solidFill>
-                        <a:srgbClr val="000000"/>
-                      </a:solidFill>
-                      <a:prstDash val="solid"/>
-                      <a:round/>
-                      <a:headEnd type="none" w="med" len="med"/>
-                      <a:tailEnd type="none" w="med" len="med"/>
-                    </a:lnL>
-                    <a:lnR w="6350" cap="flat" cmpd="sng" algn="ctr">
-                      <a:solidFill>
-                        <a:srgbClr val="000000"/>
-                      </a:solidFill>
-                      <a:prstDash val="solid"/>
-                      <a:round/>
-                      <a:headEnd type="none" w="med" len="med"/>
-                      <a:tailEnd type="none" w="med" len="med"/>
-                    </a:lnR>
-                    <a:lnT w="6350" cap="flat" cmpd="sng" algn="ctr">
-                      <a:solidFill>
-                        <a:srgbClr val="000000"/>
-                      </a:solidFill>
-                      <a:prstDash val="solid"/>
-                      <a:round/>
-                      <a:headEnd type="none" w="med" len="med"/>
-                      <a:tailEnd type="none" w="med" len="med"/>
-                    </a:lnT>
-                    <a:lnB w="6350" cap="flat" cmpd="sng" algn="ctr">
-                      <a:solidFill>
-                        <a:srgbClr val="000000"/>
-                      </a:solidFill>
-                      <a:prstDash val="solid"/>
-                      <a:round/>
-                      <a:headEnd type="none" w="med" len="med"/>
-                      <a:tailEnd type="none" w="med" len="med"/>
-                    </a:lnB>
-                  </a:tcPr>
-                </a:tc>
-                <a:extLst>
-                  <a:ext uri="{0D108BD9-81ED-4DB2-BD59-A6C34878D82A}">
-                    <a16:rowId xmlns:a16="http://schemas.microsoft.com/office/drawing/2014/main" val="431243273"/>
-                  </a:ext>
-                </a:extLst>
-              </a:tr>
-              <a:tr h="238472">
-                <a:tc>
-                  <a:txBody>
-                    <a:bodyPr/>
-                    <a:lstStyle/>
-                    <a:p>
-                      <a:pPr algn="l" fontAlgn="b"/>
-                      <a:r>
-                        <a:rPr lang="en-US" sz="1100" b="0" i="0" u="none" strike="noStrike">
-                          <a:solidFill>
-                            <a:srgbClr val="000000"/>
-                          </a:solidFill>
-                          <a:effectLst/>
-                          <a:latin typeface="Calibri" panose="020F0502020204030204" pitchFamily="34" charset="0"/>
-                        </a:rPr>
-                        <a:t> TX</a:t>
-                      </a:r>
-                    </a:p>
-                  </a:txBody>
-                  <a:tcPr marL="6350" marR="6350" marT="6350" marB="0" anchor="b">
-                    <a:lnL w="6350" cap="flat" cmpd="sng" algn="ctr">
-                      <a:solidFill>
-                        <a:srgbClr val="000000"/>
-                      </a:solidFill>
-                      <a:prstDash val="solid"/>
-                      <a:round/>
-                      <a:headEnd type="none" w="med" len="med"/>
-                      <a:tailEnd type="none" w="med" len="med"/>
-                    </a:lnL>
-                    <a:lnR w="6350" cap="flat" cmpd="sng" algn="ctr">
-                      <a:solidFill>
-                        <a:srgbClr val="000000"/>
-                      </a:solidFill>
-                      <a:prstDash val="solid"/>
-                      <a:round/>
-                      <a:headEnd type="none" w="med" len="med"/>
-                      <a:tailEnd type="none" w="med" len="med"/>
-                    </a:lnR>
-                    <a:lnT w="6350" cap="flat" cmpd="sng" algn="ctr">
-                      <a:solidFill>
-                        <a:srgbClr val="000000"/>
-                      </a:solidFill>
-                      <a:prstDash val="solid"/>
-                      <a:round/>
-                      <a:headEnd type="none" w="med" len="med"/>
-                      <a:tailEnd type="none" w="med" len="med"/>
-                    </a:lnT>
-                    <a:lnB w="6350" cap="flat" cmpd="sng" algn="ctr">
-                      <a:solidFill>
-                        <a:srgbClr val="000000"/>
-                      </a:solidFill>
-                      <a:prstDash val="solid"/>
-                      <a:round/>
-                      <a:headEnd type="none" w="med" len="med"/>
-                      <a:tailEnd type="none" w="med" len="med"/>
-                    </a:lnB>
-                  </a:tcPr>
-                </a:tc>
-                <a:tc>
-                  <a:txBody>
-                    <a:bodyPr/>
-                    <a:lstStyle/>
-                    <a:p>
-                      <a:pPr algn="r" fontAlgn="b"/>
-                      <a:r>
-                        <a:rPr lang="en-US" sz="1100" b="0" i="0" u="none" strike="noStrike">
-                          <a:solidFill>
-                            <a:srgbClr val="000000"/>
-                          </a:solidFill>
-                          <a:effectLst/>
-                          <a:latin typeface="Calibri" panose="020F0502020204030204" pitchFamily="34" charset="0"/>
-                        </a:rPr>
-                        <a:t>130</a:t>
-                      </a:r>
-                    </a:p>
-                  </a:txBody>
-                  <a:tcPr marL="6350" marR="6350" marT="6350" marB="0" anchor="b">
-                    <a:lnL w="6350" cap="flat" cmpd="sng" algn="ctr">
-                      <a:solidFill>
-                        <a:srgbClr val="000000"/>
-                      </a:solidFill>
-                      <a:prstDash val="solid"/>
-                      <a:round/>
-                      <a:headEnd type="none" w="med" len="med"/>
-                      <a:tailEnd type="none" w="med" len="med"/>
-                    </a:lnL>
-                    <a:lnR w="6350" cap="flat" cmpd="sng" algn="ctr">
-                      <a:solidFill>
-                        <a:srgbClr val="000000"/>
-                      </a:solidFill>
-                      <a:prstDash val="solid"/>
-                      <a:round/>
-                      <a:headEnd type="none" w="med" len="med"/>
-                      <a:tailEnd type="none" w="med" len="med"/>
-                    </a:lnR>
-                    <a:lnT w="6350" cap="flat" cmpd="sng" algn="ctr">
-                      <a:solidFill>
-                        <a:srgbClr val="000000"/>
-                      </a:solidFill>
-                      <a:prstDash val="solid"/>
-                      <a:round/>
-                      <a:headEnd type="none" w="med" len="med"/>
-                      <a:tailEnd type="none" w="med" len="med"/>
-                    </a:lnT>
-                    <a:lnB w="6350" cap="flat" cmpd="sng" algn="ctr">
-                      <a:solidFill>
-                        <a:srgbClr val="000000"/>
-                      </a:solidFill>
-                      <a:prstDash val="solid"/>
-                      <a:round/>
-                      <a:headEnd type="none" w="med" len="med"/>
-                      <a:tailEnd type="none" w="med" len="med"/>
-                    </a:lnB>
-                  </a:tcPr>
-                </a:tc>
-                <a:tc>
-                  <a:txBody>
-                    <a:bodyPr/>
-                    <a:lstStyle/>
-                    <a:p>
-                      <a:pPr algn="l" fontAlgn="b"/>
-                      <a:r>
-                        <a:rPr lang="en-US" sz="1100" b="0" i="0" u="none" strike="noStrike">
-                          <a:solidFill>
-                            <a:srgbClr val="000000"/>
-                          </a:solidFill>
-                          <a:effectLst/>
-                          <a:latin typeface="Calibri" panose="020F0502020204030204" pitchFamily="34" charset="0"/>
-                        </a:rPr>
-                        <a:t> MN</a:t>
-                      </a:r>
-                    </a:p>
-                  </a:txBody>
-                  <a:tcPr marL="6350" marR="6350" marT="6350" marB="0" anchor="b">
-                    <a:lnL w="6350" cap="flat" cmpd="sng" algn="ctr">
-                      <a:solidFill>
-                        <a:srgbClr val="000000"/>
-                      </a:solidFill>
-                      <a:prstDash val="solid"/>
-                      <a:round/>
-                      <a:headEnd type="none" w="med" len="med"/>
-                      <a:tailEnd type="none" w="med" len="med"/>
-                    </a:lnL>
-                    <a:lnR w="6350" cap="flat" cmpd="sng" algn="ctr">
-                      <a:solidFill>
-                        <a:srgbClr val="000000"/>
-                      </a:solidFill>
-                      <a:prstDash val="solid"/>
-                      <a:round/>
-                      <a:headEnd type="none" w="med" len="med"/>
-                      <a:tailEnd type="none" w="med" len="med"/>
-                    </a:lnR>
-                    <a:lnT w="6350" cap="flat" cmpd="sng" algn="ctr">
-                      <a:solidFill>
-                        <a:srgbClr val="000000"/>
-                      </a:solidFill>
-                      <a:prstDash val="solid"/>
-                      <a:round/>
-                      <a:headEnd type="none" w="med" len="med"/>
-                      <a:tailEnd type="none" w="med" len="med"/>
-                    </a:lnT>
-                    <a:lnB w="6350" cap="flat" cmpd="sng" algn="ctr">
-                      <a:solidFill>
-                        <a:srgbClr val="000000"/>
-                      </a:solidFill>
-                      <a:prstDash val="solid"/>
-                      <a:round/>
-                      <a:headEnd type="none" w="med" len="med"/>
-                      <a:tailEnd type="none" w="med" len="med"/>
-                    </a:lnB>
-                  </a:tcPr>
-                </a:tc>
-                <a:tc>
-                  <a:txBody>
-                    <a:bodyPr/>
-                    <a:lstStyle/>
-                    <a:p>
-                      <a:pPr algn="r" fontAlgn="b"/>
-                      <a:r>
-                        <a:rPr lang="en-US" sz="1100" b="0" i="0" u="none" strike="noStrike">
-                          <a:solidFill>
-                            <a:srgbClr val="000000"/>
-                          </a:solidFill>
-                          <a:effectLst/>
-                          <a:latin typeface="Calibri" panose="020F0502020204030204" pitchFamily="34" charset="0"/>
-                        </a:rPr>
-                        <a:t>55</a:t>
-                      </a:r>
-                    </a:p>
-                  </a:txBody>
-                  <a:tcPr marL="6350" marR="6350" marT="6350" marB="0" anchor="b">
-                    <a:lnL w="6350" cap="flat" cmpd="sng" algn="ctr">
-                      <a:solidFill>
-                        <a:srgbClr val="000000"/>
-                      </a:solidFill>
-                      <a:prstDash val="solid"/>
-                      <a:round/>
-                      <a:headEnd type="none" w="med" len="med"/>
-                      <a:tailEnd type="none" w="med" len="med"/>
-                    </a:lnL>
-                    <a:lnR w="6350" cap="flat" cmpd="sng" algn="ctr">
-                      <a:solidFill>
-                        <a:srgbClr val="000000"/>
-                      </a:solidFill>
-                      <a:prstDash val="solid"/>
-                      <a:round/>
-                      <a:headEnd type="none" w="med" len="med"/>
-                      <a:tailEnd type="none" w="med" len="med"/>
-                    </a:lnR>
-                    <a:lnT w="6350" cap="flat" cmpd="sng" algn="ctr">
-                      <a:solidFill>
-                        <a:srgbClr val="000000"/>
-                      </a:solidFill>
-                      <a:prstDash val="solid"/>
-                      <a:round/>
-                      <a:headEnd type="none" w="med" len="med"/>
-                      <a:tailEnd type="none" w="med" len="med"/>
-                    </a:lnT>
-                    <a:lnB w="6350" cap="flat" cmpd="sng" algn="ctr">
-                      <a:solidFill>
-                        <a:srgbClr val="000000"/>
-                      </a:solidFill>
-                      <a:prstDash val="solid"/>
-                      <a:round/>
-                      <a:headEnd type="none" w="med" len="med"/>
-                      <a:tailEnd type="none" w="med" len="med"/>
-                    </a:lnB>
-                  </a:tcPr>
-                </a:tc>
-                <a:tc>
-                  <a:txBody>
-                    <a:bodyPr/>
-                    <a:lstStyle/>
-                    <a:p>
-                      <a:pPr algn="l" fontAlgn="b"/>
-                      <a:r>
-                        <a:rPr lang="en-US" sz="1100" b="0" i="0" u="none" strike="noStrike">
-                          <a:solidFill>
-                            <a:srgbClr val="000000"/>
-                          </a:solidFill>
-                          <a:effectLst/>
-                          <a:latin typeface="Calibri" panose="020F0502020204030204" pitchFamily="34" charset="0"/>
-                        </a:rPr>
-                        <a:t> ME</a:t>
-                      </a:r>
-                    </a:p>
-                  </a:txBody>
-                  <a:tcPr marL="6350" marR="6350" marT="6350" marB="0" anchor="b">
-                    <a:lnL w="6350" cap="flat" cmpd="sng" algn="ctr">
-                      <a:solidFill>
-                        <a:srgbClr val="000000"/>
-                      </a:solidFill>
-                      <a:prstDash val="solid"/>
-                      <a:round/>
-                      <a:headEnd type="none" w="med" len="med"/>
-                      <a:tailEnd type="none" w="med" len="med"/>
-                    </a:lnL>
-                    <a:lnR w="6350" cap="flat" cmpd="sng" algn="ctr">
-                      <a:solidFill>
-                        <a:srgbClr val="000000"/>
-                      </a:solidFill>
-                      <a:prstDash val="solid"/>
-                      <a:round/>
-                      <a:headEnd type="none" w="med" len="med"/>
-                      <a:tailEnd type="none" w="med" len="med"/>
-                    </a:lnR>
-                    <a:lnT w="6350" cap="flat" cmpd="sng" algn="ctr">
-                      <a:solidFill>
-                        <a:srgbClr val="000000"/>
-                      </a:solidFill>
-                      <a:prstDash val="solid"/>
-                      <a:round/>
-                      <a:headEnd type="none" w="med" len="med"/>
-                      <a:tailEnd type="none" w="med" len="med"/>
-                    </a:lnT>
-                    <a:lnB w="6350" cap="flat" cmpd="sng" algn="ctr">
-                      <a:solidFill>
-                        <a:srgbClr val="000000"/>
-                      </a:solidFill>
-                      <a:prstDash val="solid"/>
-                      <a:round/>
-                      <a:headEnd type="none" w="med" len="med"/>
-                      <a:tailEnd type="none" w="med" len="med"/>
-                    </a:lnB>
-                  </a:tcPr>
-                </a:tc>
-                <a:tc>
-                  <a:txBody>
-                    <a:bodyPr/>
-                    <a:lstStyle/>
-                    <a:p>
-                      <a:pPr algn="r" fontAlgn="b"/>
-                      <a:r>
-                        <a:rPr lang="en-US" sz="1100" b="0" i="0" u="none" strike="noStrike">
-                          <a:solidFill>
-                            <a:srgbClr val="000000"/>
-                          </a:solidFill>
-                          <a:effectLst/>
-                          <a:latin typeface="Calibri" panose="020F0502020204030204" pitchFamily="34" charset="0"/>
-                        </a:rPr>
-                        <a:t>27</a:t>
-                      </a:r>
-                    </a:p>
-                  </a:txBody>
-                  <a:tcPr marL="6350" marR="6350" marT="6350" marB="0" anchor="b">
-                    <a:lnL w="6350" cap="flat" cmpd="sng" algn="ctr">
-                      <a:solidFill>
-                        <a:srgbClr val="000000"/>
-                      </a:solidFill>
-                      <a:prstDash val="solid"/>
-                      <a:round/>
-                      <a:headEnd type="none" w="med" len="med"/>
-                      <a:tailEnd type="none" w="med" len="med"/>
-                    </a:lnL>
-                    <a:lnR w="6350" cap="flat" cmpd="sng" algn="ctr">
-                      <a:solidFill>
-                        <a:srgbClr val="000000"/>
-                      </a:solidFill>
-                      <a:prstDash val="solid"/>
-                      <a:round/>
-                      <a:headEnd type="none" w="med" len="med"/>
-                      <a:tailEnd type="none" w="med" len="med"/>
-                    </a:lnR>
-                    <a:lnT w="6350" cap="flat" cmpd="sng" algn="ctr">
-                      <a:solidFill>
-                        <a:srgbClr val="000000"/>
-                      </a:solidFill>
-                      <a:prstDash val="solid"/>
-                      <a:round/>
-                      <a:headEnd type="none" w="med" len="med"/>
-                      <a:tailEnd type="none" w="med" len="med"/>
-                    </a:lnT>
-                    <a:lnB w="6350" cap="flat" cmpd="sng" algn="ctr">
-                      <a:solidFill>
-                        <a:srgbClr val="000000"/>
-                      </a:solidFill>
-                      <a:prstDash val="solid"/>
-                      <a:round/>
-                      <a:headEnd type="none" w="med" len="med"/>
-                      <a:tailEnd type="none" w="med" len="med"/>
-                    </a:lnB>
-                  </a:tcPr>
-                </a:tc>
-                <a:tc>
-                  <a:txBody>
-                    <a:bodyPr/>
-                    <a:lstStyle/>
-                    <a:p>
-                      <a:pPr algn="l" fontAlgn="b"/>
-                      <a:r>
-                        <a:rPr lang="en-US" sz="1100" b="0" i="0" u="none" strike="noStrike">
-                          <a:solidFill>
-                            <a:srgbClr val="000000"/>
-                          </a:solidFill>
-                          <a:effectLst/>
-                          <a:latin typeface="Calibri" panose="020F0502020204030204" pitchFamily="34" charset="0"/>
-                        </a:rPr>
-                        <a:t> OK</a:t>
-                      </a:r>
-                    </a:p>
-                  </a:txBody>
-                  <a:tcPr marL="6350" marR="6350" marT="6350" marB="0" anchor="b">
-                    <a:lnL w="6350" cap="flat" cmpd="sng" algn="ctr">
-                      <a:solidFill>
-                        <a:srgbClr val="000000"/>
-                      </a:solidFill>
-                      <a:prstDash val="solid"/>
-                      <a:round/>
-                      <a:headEnd type="none" w="med" len="med"/>
-                      <a:tailEnd type="none" w="med" len="med"/>
-                    </a:lnL>
-                    <a:lnR w="6350" cap="flat" cmpd="sng" algn="ctr">
-                      <a:solidFill>
-                        <a:srgbClr val="000000"/>
-                      </a:solidFill>
-                      <a:prstDash val="solid"/>
-                      <a:round/>
-                      <a:headEnd type="none" w="med" len="med"/>
-                      <a:tailEnd type="none" w="med" len="med"/>
-                    </a:lnR>
-                    <a:lnT w="6350" cap="flat" cmpd="sng" algn="ctr">
-                      <a:solidFill>
-                        <a:srgbClr val="000000"/>
-                      </a:solidFill>
-                      <a:prstDash val="solid"/>
-                      <a:round/>
-                      <a:headEnd type="none" w="med" len="med"/>
-                      <a:tailEnd type="none" w="med" len="med"/>
-                    </a:lnT>
-                    <a:lnB w="6350" cap="flat" cmpd="sng" algn="ctr">
-                      <a:solidFill>
-                        <a:srgbClr val="000000"/>
-                      </a:solidFill>
-                      <a:prstDash val="solid"/>
-                      <a:round/>
-                      <a:headEnd type="none" w="med" len="med"/>
-                      <a:tailEnd type="none" w="med" len="med"/>
-                    </a:lnB>
-                  </a:tcPr>
-                </a:tc>
-                <a:tc>
-                  <a:txBody>
-                    <a:bodyPr/>
-                    <a:lstStyle/>
-                    <a:p>
-                      <a:pPr algn="r" fontAlgn="b"/>
-                      <a:r>
-                        <a:rPr lang="en-US" sz="1100" b="0" i="0" u="none" strike="noStrike">
-                          <a:solidFill>
-                            <a:srgbClr val="000000"/>
-                          </a:solidFill>
-                          <a:effectLst/>
-                          <a:latin typeface="Calibri" panose="020F0502020204030204" pitchFamily="34" charset="0"/>
-                        </a:rPr>
-                        <a:t>19</a:t>
-                      </a:r>
-                    </a:p>
-                  </a:txBody>
-                  <a:tcPr marL="6350" marR="6350" marT="6350" marB="0" anchor="b">
-                    <a:lnL w="6350" cap="flat" cmpd="sng" algn="ctr">
-                      <a:solidFill>
-                        <a:srgbClr val="000000"/>
-                      </a:solidFill>
-                      <a:prstDash val="solid"/>
-                      <a:round/>
-                      <a:headEnd type="none" w="med" len="med"/>
-                      <a:tailEnd type="none" w="med" len="med"/>
-                    </a:lnL>
-                    <a:lnR w="6350" cap="flat" cmpd="sng" algn="ctr">
-                      <a:solidFill>
-                        <a:srgbClr val="000000"/>
-                      </a:solidFill>
-                      <a:prstDash val="solid"/>
-                      <a:round/>
-                      <a:headEnd type="none" w="med" len="med"/>
-                      <a:tailEnd type="none" w="med" len="med"/>
-                    </a:lnR>
-                    <a:lnT w="6350" cap="flat" cmpd="sng" algn="ctr">
-                      <a:solidFill>
-                        <a:srgbClr val="000000"/>
-                      </a:solidFill>
-                      <a:prstDash val="solid"/>
-                      <a:round/>
-                      <a:headEnd type="none" w="med" len="med"/>
-                      <a:tailEnd type="none" w="med" len="med"/>
-                    </a:lnT>
-                    <a:lnB w="6350" cap="flat" cmpd="sng" algn="ctr">
-                      <a:solidFill>
-                        <a:srgbClr val="000000"/>
-                      </a:solidFill>
-                      <a:prstDash val="solid"/>
-                      <a:round/>
-                      <a:headEnd type="none" w="med" len="med"/>
-                      <a:tailEnd type="none" w="med" len="med"/>
-                    </a:lnB>
-                  </a:tcPr>
-                </a:tc>
-                <a:tc>
-                  <a:txBody>
-                    <a:bodyPr/>
-                    <a:lstStyle/>
-                    <a:p>
-                      <a:pPr algn="l" fontAlgn="b"/>
-                      <a:r>
-                        <a:rPr lang="en-US" sz="1100" b="0" i="0" u="none" strike="noStrike">
-                          <a:solidFill>
-                            <a:srgbClr val="000000"/>
-                          </a:solidFill>
-                          <a:effectLst/>
-                          <a:latin typeface="Calibri" panose="020F0502020204030204" pitchFamily="34" charset="0"/>
-                        </a:rPr>
-                        <a:t> SD</a:t>
-                      </a:r>
-                    </a:p>
-                  </a:txBody>
-                  <a:tcPr marL="6350" marR="6350" marT="6350" marB="0" anchor="b">
-                    <a:lnL w="6350" cap="flat" cmpd="sng" algn="ctr">
-                      <a:solidFill>
-                        <a:srgbClr val="000000"/>
-                      </a:solidFill>
-                      <a:prstDash val="solid"/>
-                      <a:round/>
-                      <a:headEnd type="none" w="med" len="med"/>
-                      <a:tailEnd type="none" w="med" len="med"/>
-                    </a:lnL>
-                    <a:lnR w="6350" cap="flat" cmpd="sng" algn="ctr">
-                      <a:solidFill>
-                        <a:srgbClr val="000000"/>
-                      </a:solidFill>
-                      <a:prstDash val="solid"/>
-                      <a:round/>
-                      <a:headEnd type="none" w="med" len="med"/>
-                      <a:tailEnd type="none" w="med" len="med"/>
-                    </a:lnR>
-                    <a:lnT w="6350" cap="flat" cmpd="sng" algn="ctr">
-                      <a:solidFill>
-                        <a:srgbClr val="000000"/>
-                      </a:solidFill>
-                      <a:prstDash val="solid"/>
-                      <a:round/>
-                      <a:headEnd type="none" w="med" len="med"/>
-                      <a:tailEnd type="none" w="med" len="med"/>
-                    </a:lnT>
-                    <a:lnB w="6350" cap="flat" cmpd="sng" algn="ctr">
-                      <a:solidFill>
-                        <a:srgbClr val="000000"/>
-                      </a:solidFill>
-                      <a:prstDash val="solid"/>
-                      <a:round/>
-                      <a:headEnd type="none" w="med" len="med"/>
-                      <a:tailEnd type="none" w="med" len="med"/>
-                    </a:lnB>
-                  </a:tcPr>
-                </a:tc>
-                <a:tc>
-                  <a:txBody>
-                    <a:bodyPr/>
-                    <a:lstStyle/>
-                    <a:p>
-                      <a:pPr algn="r" fontAlgn="b"/>
-                      <a:r>
-                        <a:rPr lang="en-US" sz="1100" b="0" i="0" u="none" strike="noStrike">
-                          <a:solidFill>
-                            <a:srgbClr val="000000"/>
-                          </a:solidFill>
-                          <a:effectLst/>
-                          <a:latin typeface="Calibri" panose="020F0502020204030204" pitchFamily="34" charset="0"/>
-                        </a:rPr>
-                        <a:t>7</a:t>
-                      </a:r>
-                    </a:p>
-                  </a:txBody>
-                  <a:tcPr marL="6350" marR="6350" marT="6350" marB="0" anchor="b">
-                    <a:lnL w="6350" cap="flat" cmpd="sng" algn="ctr">
-                      <a:solidFill>
-                        <a:srgbClr val="000000"/>
-                      </a:solidFill>
-                      <a:prstDash val="solid"/>
-                      <a:round/>
-                      <a:headEnd type="none" w="med" len="med"/>
-                      <a:tailEnd type="none" w="med" len="med"/>
-                    </a:lnL>
-                    <a:lnR w="6350" cap="flat" cmpd="sng" algn="ctr">
-                      <a:solidFill>
-                        <a:srgbClr val="000000"/>
-                      </a:solidFill>
-                      <a:prstDash val="solid"/>
-                      <a:round/>
-                      <a:headEnd type="none" w="med" len="med"/>
-                      <a:tailEnd type="none" w="med" len="med"/>
-                    </a:lnR>
-                    <a:lnT w="6350" cap="flat" cmpd="sng" algn="ctr">
-                      <a:solidFill>
-                        <a:srgbClr val="000000"/>
-                      </a:solidFill>
-                      <a:prstDash val="solid"/>
-                      <a:round/>
-                      <a:headEnd type="none" w="med" len="med"/>
-                      <a:tailEnd type="none" w="med" len="med"/>
-                    </a:lnT>
-                    <a:lnB w="6350" cap="flat" cmpd="sng" algn="ctr">
-                      <a:solidFill>
-                        <a:srgbClr val="000000"/>
-                      </a:solidFill>
-                      <a:prstDash val="solid"/>
-                      <a:round/>
-                      <a:headEnd type="none" w="med" len="med"/>
-                      <a:tailEnd type="none" w="med" len="med"/>
-                    </a:lnB>
-                  </a:tcPr>
-                </a:tc>
-                <a:extLst>
-                  <a:ext uri="{0D108BD9-81ED-4DB2-BD59-A6C34878D82A}">
-                    <a16:rowId xmlns:a16="http://schemas.microsoft.com/office/drawing/2014/main" val="3919744288"/>
-                  </a:ext>
-                </a:extLst>
-              </a:tr>
-              <a:tr h="276284">
-                <a:tc>
-                  <a:txBody>
-                    <a:bodyPr/>
-                    <a:lstStyle/>
-                    <a:p>
-                      <a:pPr algn="l" fontAlgn="b"/>
-                      <a:r>
-                        <a:rPr lang="en-US" sz="1100" b="0" i="0" u="none" strike="noStrike">
-                          <a:solidFill>
-                            <a:srgbClr val="000000"/>
-                          </a:solidFill>
-                          <a:effectLst/>
-                          <a:latin typeface="Calibri" panose="020F0502020204030204" pitchFamily="34" charset="0"/>
-                        </a:rPr>
-                        <a:t> OR</a:t>
-                      </a:r>
-                    </a:p>
-                  </a:txBody>
-                  <a:tcPr marL="6350" marR="6350" marT="6350" marB="0" anchor="b">
-                    <a:lnL w="6350" cap="flat" cmpd="sng" algn="ctr">
-                      <a:solidFill>
-                        <a:srgbClr val="000000"/>
-                      </a:solidFill>
-                      <a:prstDash val="solid"/>
-                      <a:round/>
-                      <a:headEnd type="none" w="med" len="med"/>
-                      <a:tailEnd type="none" w="med" len="med"/>
-                    </a:lnL>
-                    <a:lnR w="6350" cap="flat" cmpd="sng" algn="ctr">
-                      <a:solidFill>
-                        <a:srgbClr val="000000"/>
-                      </a:solidFill>
-                      <a:prstDash val="solid"/>
-                      <a:round/>
-                      <a:headEnd type="none" w="med" len="med"/>
-                      <a:tailEnd type="none" w="med" len="med"/>
-                    </a:lnR>
-                    <a:lnT w="6350" cap="flat" cmpd="sng" algn="ctr">
-                      <a:solidFill>
-                        <a:srgbClr val="000000"/>
-                      </a:solidFill>
-                      <a:prstDash val="solid"/>
-                      <a:round/>
-                      <a:headEnd type="none" w="med" len="med"/>
-                      <a:tailEnd type="none" w="med" len="med"/>
-                    </a:lnT>
-                    <a:lnB w="6350" cap="flat" cmpd="sng" algn="ctr">
-                      <a:solidFill>
-                        <a:srgbClr val="000000"/>
-                      </a:solidFill>
-                      <a:prstDash val="solid"/>
-                      <a:round/>
-                      <a:headEnd type="none" w="med" len="med"/>
-                      <a:tailEnd type="none" w="med" len="med"/>
-                    </a:lnB>
-                  </a:tcPr>
-                </a:tc>
-                <a:tc>
-                  <a:txBody>
-                    <a:bodyPr/>
-                    <a:lstStyle/>
-                    <a:p>
-                      <a:pPr algn="r" fontAlgn="b"/>
-                      <a:r>
-                        <a:rPr lang="en-US" sz="1100" b="0" i="0" u="none" strike="noStrike">
-                          <a:solidFill>
-                            <a:srgbClr val="000000"/>
-                          </a:solidFill>
-                          <a:effectLst/>
-                          <a:latin typeface="Calibri" panose="020F0502020204030204" pitchFamily="34" charset="0"/>
-                        </a:rPr>
-                        <a:t>125</a:t>
-                      </a:r>
-                    </a:p>
-                  </a:txBody>
-                  <a:tcPr marL="6350" marR="6350" marT="6350" marB="0" anchor="b">
-                    <a:lnL w="6350" cap="flat" cmpd="sng" algn="ctr">
-                      <a:solidFill>
-                        <a:srgbClr val="000000"/>
-                      </a:solidFill>
-                      <a:prstDash val="solid"/>
-                      <a:round/>
-                      <a:headEnd type="none" w="med" len="med"/>
-                      <a:tailEnd type="none" w="med" len="med"/>
-                    </a:lnL>
-                    <a:lnR w="6350" cap="flat" cmpd="sng" algn="ctr">
-                      <a:solidFill>
-                        <a:srgbClr val="000000"/>
-                      </a:solidFill>
-                      <a:prstDash val="solid"/>
-                      <a:round/>
-                      <a:headEnd type="none" w="med" len="med"/>
-                      <a:tailEnd type="none" w="med" len="med"/>
-                    </a:lnR>
-                    <a:lnT w="6350" cap="flat" cmpd="sng" algn="ctr">
-                      <a:solidFill>
-                        <a:srgbClr val="000000"/>
-                      </a:solidFill>
-                      <a:prstDash val="solid"/>
-                      <a:round/>
-                      <a:headEnd type="none" w="med" len="med"/>
-                      <a:tailEnd type="none" w="med" len="med"/>
-                    </a:lnT>
-                    <a:lnB w="6350" cap="flat" cmpd="sng" algn="ctr">
-                      <a:solidFill>
-                        <a:srgbClr val="000000"/>
-                      </a:solidFill>
-                      <a:prstDash val="solid"/>
-                      <a:round/>
-                      <a:headEnd type="none" w="med" len="med"/>
-                      <a:tailEnd type="none" w="med" len="med"/>
-                    </a:lnB>
-                  </a:tcPr>
-                </a:tc>
-                <a:tc>
-                  <a:txBody>
-                    <a:bodyPr/>
-                    <a:lstStyle/>
-                    <a:p>
-                      <a:pPr algn="l" fontAlgn="b"/>
-                      <a:r>
-                        <a:rPr lang="en-US" sz="1100" b="0" i="0" u="none" strike="noStrike">
-                          <a:solidFill>
-                            <a:srgbClr val="000000"/>
-                          </a:solidFill>
-                          <a:effectLst/>
-                          <a:latin typeface="Calibri" panose="020F0502020204030204" pitchFamily="34" charset="0"/>
-                        </a:rPr>
-                        <a:t> OH</a:t>
-                      </a:r>
-                    </a:p>
-                  </a:txBody>
-                  <a:tcPr marL="6350" marR="6350" marT="6350" marB="0" anchor="b">
-                    <a:lnL w="6350" cap="flat" cmpd="sng" algn="ctr">
-                      <a:solidFill>
-                        <a:srgbClr val="000000"/>
-                      </a:solidFill>
-                      <a:prstDash val="solid"/>
-                      <a:round/>
-                      <a:headEnd type="none" w="med" len="med"/>
-                      <a:tailEnd type="none" w="med" len="med"/>
-                    </a:lnL>
-                    <a:lnR w="6350" cap="flat" cmpd="sng" algn="ctr">
-                      <a:solidFill>
-                        <a:srgbClr val="000000"/>
-                      </a:solidFill>
-                      <a:prstDash val="solid"/>
-                      <a:round/>
-                      <a:headEnd type="none" w="med" len="med"/>
-                      <a:tailEnd type="none" w="med" len="med"/>
-                    </a:lnR>
-                    <a:lnT w="6350" cap="flat" cmpd="sng" algn="ctr">
-                      <a:solidFill>
-                        <a:srgbClr val="000000"/>
-                      </a:solidFill>
-                      <a:prstDash val="solid"/>
-                      <a:round/>
-                      <a:headEnd type="none" w="med" len="med"/>
-                      <a:tailEnd type="none" w="med" len="med"/>
-                    </a:lnT>
-                    <a:lnB w="6350" cap="flat" cmpd="sng" algn="ctr">
-                      <a:solidFill>
-                        <a:srgbClr val="000000"/>
-                      </a:solidFill>
-                      <a:prstDash val="solid"/>
-                      <a:round/>
-                      <a:headEnd type="none" w="med" len="med"/>
-                      <a:tailEnd type="none" w="med" len="med"/>
-                    </a:lnB>
-                  </a:tcPr>
-                </a:tc>
-                <a:tc>
-                  <a:txBody>
-                    <a:bodyPr/>
-                    <a:lstStyle/>
-                    <a:p>
-                      <a:pPr algn="r" fontAlgn="b"/>
-                      <a:r>
-                        <a:rPr lang="en-US" sz="1100" b="0" i="0" u="none" strike="noStrike">
-                          <a:solidFill>
-                            <a:srgbClr val="000000"/>
-                          </a:solidFill>
-                          <a:effectLst/>
-                          <a:latin typeface="Calibri" panose="020F0502020204030204" pitchFamily="34" charset="0"/>
-                        </a:rPr>
-                        <a:t>49</a:t>
-                      </a:r>
-                    </a:p>
-                  </a:txBody>
-                  <a:tcPr marL="6350" marR="6350" marT="6350" marB="0" anchor="b">
-                    <a:lnL w="6350" cap="flat" cmpd="sng" algn="ctr">
-                      <a:solidFill>
-                        <a:srgbClr val="000000"/>
-                      </a:solidFill>
-                      <a:prstDash val="solid"/>
-                      <a:round/>
-                      <a:headEnd type="none" w="med" len="med"/>
-                      <a:tailEnd type="none" w="med" len="med"/>
-                    </a:lnL>
-                    <a:lnR w="6350" cap="flat" cmpd="sng" algn="ctr">
-                      <a:solidFill>
-                        <a:srgbClr val="000000"/>
-                      </a:solidFill>
-                      <a:prstDash val="solid"/>
-                      <a:round/>
-                      <a:headEnd type="none" w="med" len="med"/>
-                      <a:tailEnd type="none" w="med" len="med"/>
-                    </a:lnR>
-                    <a:lnT w="6350" cap="flat" cmpd="sng" algn="ctr">
-                      <a:solidFill>
-                        <a:srgbClr val="000000"/>
-                      </a:solidFill>
-                      <a:prstDash val="solid"/>
-                      <a:round/>
-                      <a:headEnd type="none" w="med" len="med"/>
-                      <a:tailEnd type="none" w="med" len="med"/>
-                    </a:lnT>
-                    <a:lnB w="6350" cap="flat" cmpd="sng" algn="ctr">
-                      <a:solidFill>
-                        <a:srgbClr val="000000"/>
-                      </a:solidFill>
-                      <a:prstDash val="solid"/>
-                      <a:round/>
-                      <a:headEnd type="none" w="med" len="med"/>
-                      <a:tailEnd type="none" w="med" len="med"/>
-                    </a:lnB>
-                  </a:tcPr>
-                </a:tc>
-                <a:tc>
-                  <a:txBody>
-                    <a:bodyPr/>
-                    <a:lstStyle/>
-                    <a:p>
-                      <a:pPr algn="l" fontAlgn="b"/>
-                      <a:r>
-                        <a:rPr lang="en-US" sz="1100" b="0" i="0" u="none" strike="noStrike">
-                          <a:solidFill>
-                            <a:srgbClr val="000000"/>
-                          </a:solidFill>
-                          <a:effectLst/>
-                          <a:latin typeface="Calibri" panose="020F0502020204030204" pitchFamily="34" charset="0"/>
-                        </a:rPr>
-                        <a:t> RI</a:t>
-                      </a:r>
-                    </a:p>
-                  </a:txBody>
-                  <a:tcPr marL="6350" marR="6350" marT="6350" marB="0" anchor="b">
-                    <a:lnL w="6350" cap="flat" cmpd="sng" algn="ctr">
-                      <a:solidFill>
-                        <a:srgbClr val="000000"/>
-                      </a:solidFill>
-                      <a:prstDash val="solid"/>
-                      <a:round/>
-                      <a:headEnd type="none" w="med" len="med"/>
-                      <a:tailEnd type="none" w="med" len="med"/>
-                    </a:lnL>
-                    <a:lnR w="6350" cap="flat" cmpd="sng" algn="ctr">
-                      <a:solidFill>
-                        <a:srgbClr val="000000"/>
-                      </a:solidFill>
-                      <a:prstDash val="solid"/>
-                      <a:round/>
-                      <a:headEnd type="none" w="med" len="med"/>
-                      <a:tailEnd type="none" w="med" len="med"/>
-                    </a:lnR>
-                    <a:lnT w="6350" cap="flat" cmpd="sng" algn="ctr">
-                      <a:solidFill>
-                        <a:srgbClr val="000000"/>
-                      </a:solidFill>
-                      <a:prstDash val="solid"/>
-                      <a:round/>
-                      <a:headEnd type="none" w="med" len="med"/>
-                      <a:tailEnd type="none" w="med" len="med"/>
-                    </a:lnT>
-                    <a:lnB w="6350" cap="flat" cmpd="sng" algn="ctr">
-                      <a:solidFill>
-                        <a:srgbClr val="000000"/>
-                      </a:solidFill>
-                      <a:prstDash val="solid"/>
-                      <a:round/>
-                      <a:headEnd type="none" w="med" len="med"/>
-                      <a:tailEnd type="none" w="med" len="med"/>
-                    </a:lnB>
-                  </a:tcPr>
-                </a:tc>
-                <a:tc>
-                  <a:txBody>
-                    <a:bodyPr/>
-                    <a:lstStyle/>
-                    <a:p>
-                      <a:pPr algn="r" fontAlgn="b"/>
-                      <a:r>
-                        <a:rPr lang="en-US" sz="1100" b="0" i="0" u="none" strike="noStrike">
-                          <a:solidFill>
-                            <a:srgbClr val="000000"/>
-                          </a:solidFill>
-                          <a:effectLst/>
-                          <a:latin typeface="Calibri" panose="020F0502020204030204" pitchFamily="34" charset="0"/>
-                        </a:rPr>
-                        <a:t>27</a:t>
-                      </a:r>
-                    </a:p>
-                  </a:txBody>
-                  <a:tcPr marL="6350" marR="6350" marT="6350" marB="0" anchor="b">
-                    <a:lnL w="6350" cap="flat" cmpd="sng" algn="ctr">
-                      <a:solidFill>
-                        <a:srgbClr val="000000"/>
-                      </a:solidFill>
-                      <a:prstDash val="solid"/>
-                      <a:round/>
-                      <a:headEnd type="none" w="med" len="med"/>
-                      <a:tailEnd type="none" w="med" len="med"/>
-                    </a:lnL>
-                    <a:lnR w="6350" cap="flat" cmpd="sng" algn="ctr">
-                      <a:solidFill>
-                        <a:srgbClr val="000000"/>
-                      </a:solidFill>
-                      <a:prstDash val="solid"/>
-                      <a:round/>
-                      <a:headEnd type="none" w="med" len="med"/>
-                      <a:tailEnd type="none" w="med" len="med"/>
-                    </a:lnR>
-                    <a:lnT w="6350" cap="flat" cmpd="sng" algn="ctr">
-                      <a:solidFill>
-                        <a:srgbClr val="000000"/>
-                      </a:solidFill>
-                      <a:prstDash val="solid"/>
-                      <a:round/>
-                      <a:headEnd type="none" w="med" len="med"/>
-                      <a:tailEnd type="none" w="med" len="med"/>
-                    </a:lnT>
-                    <a:lnB w="6350" cap="flat" cmpd="sng" algn="ctr">
-                      <a:solidFill>
-                        <a:srgbClr val="000000"/>
-                      </a:solidFill>
-                      <a:prstDash val="solid"/>
-                      <a:round/>
-                      <a:headEnd type="none" w="med" len="med"/>
-                      <a:tailEnd type="none" w="med" len="med"/>
-                    </a:lnB>
-                  </a:tcPr>
-                </a:tc>
-                <a:tc>
-                  <a:txBody>
-                    <a:bodyPr/>
-                    <a:lstStyle/>
-                    <a:p>
-                      <a:pPr algn="l" fontAlgn="b"/>
-                      <a:r>
-                        <a:rPr lang="en-US" sz="1100" b="0" i="0" u="none" strike="noStrike">
-                          <a:solidFill>
-                            <a:srgbClr val="000000"/>
-                          </a:solidFill>
-                          <a:effectLst/>
-                          <a:latin typeface="Calibri" panose="020F0502020204030204" pitchFamily="34" charset="0"/>
-                        </a:rPr>
-                        <a:t> GA</a:t>
-                      </a:r>
-                    </a:p>
-                  </a:txBody>
-                  <a:tcPr marL="6350" marR="6350" marT="6350" marB="0" anchor="b">
-                    <a:lnL w="6350" cap="flat" cmpd="sng" algn="ctr">
-                      <a:solidFill>
-                        <a:srgbClr val="000000"/>
-                      </a:solidFill>
-                      <a:prstDash val="solid"/>
-                      <a:round/>
-                      <a:headEnd type="none" w="med" len="med"/>
-                      <a:tailEnd type="none" w="med" len="med"/>
-                    </a:lnL>
-                    <a:lnR w="6350" cap="flat" cmpd="sng" algn="ctr">
-                      <a:solidFill>
-                        <a:srgbClr val="000000"/>
-                      </a:solidFill>
-                      <a:prstDash val="solid"/>
-                      <a:round/>
-                      <a:headEnd type="none" w="med" len="med"/>
-                      <a:tailEnd type="none" w="med" len="med"/>
-                    </a:lnR>
-                    <a:lnT w="6350" cap="flat" cmpd="sng" algn="ctr">
-                      <a:solidFill>
-                        <a:srgbClr val="000000"/>
-                      </a:solidFill>
-                      <a:prstDash val="solid"/>
-                      <a:round/>
-                      <a:headEnd type="none" w="med" len="med"/>
-                      <a:tailEnd type="none" w="med" len="med"/>
-                    </a:lnT>
-                    <a:lnB w="6350" cap="flat" cmpd="sng" algn="ctr">
-                      <a:solidFill>
-                        <a:srgbClr val="000000"/>
-                      </a:solidFill>
-                      <a:prstDash val="solid"/>
-                      <a:round/>
-                      <a:headEnd type="none" w="med" len="med"/>
-                      <a:tailEnd type="none" w="med" len="med"/>
-                    </a:lnB>
-                  </a:tcPr>
-                </a:tc>
-                <a:tc>
-                  <a:txBody>
-                    <a:bodyPr/>
-                    <a:lstStyle/>
-                    <a:p>
-                      <a:pPr algn="r" fontAlgn="b"/>
-                      <a:r>
-                        <a:rPr lang="en-US" sz="1100" b="0" i="0" u="none" strike="noStrike" dirty="0">
-                          <a:solidFill>
-                            <a:srgbClr val="000000"/>
-                          </a:solidFill>
-                          <a:effectLst/>
-                          <a:latin typeface="Calibri" panose="020F0502020204030204" pitchFamily="34" charset="0"/>
-                        </a:rPr>
-                        <a:t>16</a:t>
-                      </a:r>
-                    </a:p>
-                  </a:txBody>
-                  <a:tcPr marL="6350" marR="6350" marT="6350" marB="0" anchor="b">
-                    <a:lnL w="6350" cap="flat" cmpd="sng" algn="ctr">
-                      <a:solidFill>
-                        <a:srgbClr val="000000"/>
-                      </a:solidFill>
-                      <a:prstDash val="solid"/>
-                      <a:round/>
-                      <a:headEnd type="none" w="med" len="med"/>
-                      <a:tailEnd type="none" w="med" len="med"/>
-                    </a:lnL>
-                    <a:lnR w="6350" cap="flat" cmpd="sng" algn="ctr">
-                      <a:solidFill>
-                        <a:srgbClr val="000000"/>
-                      </a:solidFill>
-                      <a:prstDash val="solid"/>
-                      <a:round/>
-                      <a:headEnd type="none" w="med" len="med"/>
-                      <a:tailEnd type="none" w="med" len="med"/>
-                    </a:lnR>
-                    <a:lnT w="6350" cap="flat" cmpd="sng" algn="ctr">
-                      <a:solidFill>
-                        <a:srgbClr val="000000"/>
-                      </a:solidFill>
-                      <a:prstDash val="solid"/>
-                      <a:round/>
-                      <a:headEnd type="none" w="med" len="med"/>
-                      <a:tailEnd type="none" w="med" len="med"/>
-                    </a:lnT>
-                    <a:lnB w="6350" cap="flat" cmpd="sng" algn="ctr">
-                      <a:solidFill>
-                        <a:srgbClr val="000000"/>
-                      </a:solidFill>
-                      <a:prstDash val="solid"/>
-                      <a:round/>
-                      <a:headEnd type="none" w="med" len="med"/>
-                      <a:tailEnd type="none" w="med" len="med"/>
-                    </a:lnB>
-                  </a:tcPr>
-                </a:tc>
-                <a:tc>
-                  <a:txBody>
-                    <a:bodyPr/>
-                    <a:lstStyle/>
-                    <a:p>
-                      <a:pPr algn="l" fontAlgn="b"/>
-                      <a:r>
-                        <a:rPr lang="en-US" sz="1100" b="0" i="0" u="none" strike="noStrike">
-                          <a:solidFill>
-                            <a:srgbClr val="000000"/>
-                          </a:solidFill>
-                          <a:effectLst/>
-                          <a:latin typeface="Calibri" panose="020F0502020204030204" pitchFamily="34" charset="0"/>
-                        </a:rPr>
-                        <a:t> TN</a:t>
-                      </a:r>
-                    </a:p>
-                  </a:txBody>
-                  <a:tcPr marL="6350" marR="6350" marT="6350" marB="0" anchor="b">
-                    <a:lnL w="6350" cap="flat" cmpd="sng" algn="ctr">
-                      <a:solidFill>
-                        <a:srgbClr val="000000"/>
-                      </a:solidFill>
-                      <a:prstDash val="solid"/>
-                      <a:round/>
-                      <a:headEnd type="none" w="med" len="med"/>
-                      <a:tailEnd type="none" w="med" len="med"/>
-                    </a:lnL>
-                    <a:lnR w="6350" cap="flat" cmpd="sng" algn="ctr">
-                      <a:solidFill>
-                        <a:srgbClr val="000000"/>
-                      </a:solidFill>
-                      <a:prstDash val="solid"/>
-                      <a:round/>
-                      <a:headEnd type="none" w="med" len="med"/>
-                      <a:tailEnd type="none" w="med" len="med"/>
-                    </a:lnR>
-                    <a:lnT w="6350" cap="flat" cmpd="sng" algn="ctr">
-                      <a:solidFill>
-                        <a:srgbClr val="000000"/>
-                      </a:solidFill>
-                      <a:prstDash val="solid"/>
-                      <a:round/>
-                      <a:headEnd type="none" w="med" len="med"/>
-                      <a:tailEnd type="none" w="med" len="med"/>
-                    </a:lnT>
-                    <a:lnB w="6350" cap="flat" cmpd="sng" algn="ctr">
-                      <a:solidFill>
-                        <a:srgbClr val="000000"/>
-                      </a:solidFill>
-                      <a:prstDash val="solid"/>
-                      <a:round/>
-                      <a:headEnd type="none" w="med" len="med"/>
-                      <a:tailEnd type="none" w="med" len="med"/>
-                    </a:lnB>
-                  </a:tcPr>
-                </a:tc>
-                <a:tc>
-                  <a:txBody>
-                    <a:bodyPr/>
-                    <a:lstStyle/>
-                    <a:p>
-                      <a:pPr algn="r" fontAlgn="b"/>
-                      <a:r>
-                        <a:rPr lang="en-US" sz="1100" b="0" i="0" u="none" strike="noStrike">
-                          <a:solidFill>
-                            <a:srgbClr val="000000"/>
-                          </a:solidFill>
-                          <a:effectLst/>
-                          <a:latin typeface="Calibri" panose="020F0502020204030204" pitchFamily="34" charset="0"/>
-                        </a:rPr>
-                        <a:t>6</a:t>
-                      </a:r>
-                    </a:p>
-                  </a:txBody>
-                  <a:tcPr marL="6350" marR="6350" marT="6350" marB="0" anchor="b">
-                    <a:lnL w="6350" cap="flat" cmpd="sng" algn="ctr">
-                      <a:solidFill>
-                        <a:srgbClr val="000000"/>
-                      </a:solidFill>
-                      <a:prstDash val="solid"/>
-                      <a:round/>
-                      <a:headEnd type="none" w="med" len="med"/>
-                      <a:tailEnd type="none" w="med" len="med"/>
-                    </a:lnL>
-                    <a:lnR w="6350" cap="flat" cmpd="sng" algn="ctr">
-                      <a:solidFill>
-                        <a:srgbClr val="000000"/>
-                      </a:solidFill>
-                      <a:prstDash val="solid"/>
-                      <a:round/>
-                      <a:headEnd type="none" w="med" len="med"/>
-                      <a:tailEnd type="none" w="med" len="med"/>
-                    </a:lnR>
-                    <a:lnT w="6350" cap="flat" cmpd="sng" algn="ctr">
-                      <a:solidFill>
-                        <a:srgbClr val="000000"/>
-                      </a:solidFill>
-                      <a:prstDash val="solid"/>
-                      <a:round/>
-                      <a:headEnd type="none" w="med" len="med"/>
-                      <a:tailEnd type="none" w="med" len="med"/>
-                    </a:lnT>
-                    <a:lnB w="6350" cap="flat" cmpd="sng" algn="ctr">
-                      <a:solidFill>
-                        <a:srgbClr val="000000"/>
-                      </a:solidFill>
-                      <a:prstDash val="solid"/>
-                      <a:round/>
-                      <a:headEnd type="none" w="med" len="med"/>
-                      <a:tailEnd type="none" w="med" len="med"/>
-                    </a:lnB>
-                  </a:tcPr>
-                </a:tc>
-                <a:extLst>
-                  <a:ext uri="{0D108BD9-81ED-4DB2-BD59-A6C34878D82A}">
-                    <a16:rowId xmlns:a16="http://schemas.microsoft.com/office/drawing/2014/main" val="914401312"/>
-                  </a:ext>
-                </a:extLst>
-              </a:tr>
-              <a:tr h="238472">
-                <a:tc>
-                  <a:txBody>
-                    <a:bodyPr/>
-                    <a:lstStyle/>
-                    <a:p>
-                      <a:pPr algn="l" fontAlgn="b"/>
-                      <a:r>
-                        <a:rPr lang="en-US" sz="1100" b="0" i="0" u="none" strike="noStrike">
-                          <a:solidFill>
-                            <a:srgbClr val="000000"/>
-                          </a:solidFill>
-                          <a:effectLst/>
-                          <a:latin typeface="Calibri" panose="020F0502020204030204" pitchFamily="34" charset="0"/>
-                        </a:rPr>
-                        <a:t> PA</a:t>
-                      </a:r>
-                    </a:p>
-                  </a:txBody>
-                  <a:tcPr marL="6350" marR="6350" marT="6350" marB="0" anchor="b">
-                    <a:lnL w="6350" cap="flat" cmpd="sng" algn="ctr">
-                      <a:solidFill>
-                        <a:srgbClr val="000000"/>
-                      </a:solidFill>
-                      <a:prstDash val="solid"/>
-                      <a:round/>
-                      <a:headEnd type="none" w="med" len="med"/>
-                      <a:tailEnd type="none" w="med" len="med"/>
-                    </a:lnL>
-                    <a:lnR w="6350" cap="flat" cmpd="sng" algn="ctr">
-                      <a:solidFill>
-                        <a:srgbClr val="000000"/>
-                      </a:solidFill>
-                      <a:prstDash val="solid"/>
-                      <a:round/>
-                      <a:headEnd type="none" w="med" len="med"/>
-                      <a:tailEnd type="none" w="med" len="med"/>
-                    </a:lnR>
-                    <a:lnT w="6350" cap="flat" cmpd="sng" algn="ctr">
-                      <a:solidFill>
-                        <a:srgbClr val="000000"/>
-                      </a:solidFill>
-                      <a:prstDash val="solid"/>
-                      <a:round/>
-                      <a:headEnd type="none" w="med" len="med"/>
-                      <a:tailEnd type="none" w="med" len="med"/>
-                    </a:lnT>
-                    <a:lnB w="6350" cap="flat" cmpd="sng" algn="ctr">
-                      <a:solidFill>
-                        <a:srgbClr val="000000"/>
-                      </a:solidFill>
-                      <a:prstDash val="solid"/>
-                      <a:round/>
-                      <a:headEnd type="none" w="med" len="med"/>
-                      <a:tailEnd type="none" w="med" len="med"/>
-                    </a:lnB>
-                  </a:tcPr>
-                </a:tc>
-                <a:tc>
-                  <a:txBody>
-                    <a:bodyPr/>
-                    <a:lstStyle/>
-                    <a:p>
-                      <a:pPr algn="r" fontAlgn="b"/>
-                      <a:r>
-                        <a:rPr lang="en-US" sz="1100" b="0" i="0" u="none" strike="noStrike">
-                          <a:solidFill>
-                            <a:srgbClr val="000000"/>
-                          </a:solidFill>
-                          <a:effectLst/>
-                          <a:latin typeface="Calibri" panose="020F0502020204030204" pitchFamily="34" charset="0"/>
-                        </a:rPr>
-                        <a:t>100</a:t>
-                      </a:r>
-                    </a:p>
-                  </a:txBody>
-                  <a:tcPr marL="6350" marR="6350" marT="6350" marB="0" anchor="b">
-                    <a:lnL w="6350" cap="flat" cmpd="sng" algn="ctr">
-                      <a:solidFill>
-                        <a:srgbClr val="000000"/>
-                      </a:solidFill>
-                      <a:prstDash val="solid"/>
-                      <a:round/>
-                      <a:headEnd type="none" w="med" len="med"/>
-                      <a:tailEnd type="none" w="med" len="med"/>
-                    </a:lnL>
-                    <a:lnR w="6350" cap="flat" cmpd="sng" algn="ctr">
-                      <a:solidFill>
-                        <a:srgbClr val="000000"/>
-                      </a:solidFill>
-                      <a:prstDash val="solid"/>
-                      <a:round/>
-                      <a:headEnd type="none" w="med" len="med"/>
-                      <a:tailEnd type="none" w="med" len="med"/>
-                    </a:lnR>
-                    <a:lnT w="6350" cap="flat" cmpd="sng" algn="ctr">
-                      <a:solidFill>
-                        <a:srgbClr val="000000"/>
-                      </a:solidFill>
-                      <a:prstDash val="solid"/>
-                      <a:round/>
-                      <a:headEnd type="none" w="med" len="med"/>
-                      <a:tailEnd type="none" w="med" len="med"/>
-                    </a:lnT>
-                    <a:lnB w="6350" cap="flat" cmpd="sng" algn="ctr">
-                      <a:solidFill>
-                        <a:srgbClr val="000000"/>
-                      </a:solidFill>
-                      <a:prstDash val="solid"/>
-                      <a:round/>
-                      <a:headEnd type="none" w="med" len="med"/>
-                      <a:tailEnd type="none" w="med" len="med"/>
-                    </a:lnB>
-                  </a:tcPr>
-                </a:tc>
-                <a:tc>
-                  <a:txBody>
-                    <a:bodyPr/>
-                    <a:lstStyle/>
-                    <a:p>
-                      <a:pPr algn="l" fontAlgn="b"/>
-                      <a:r>
-                        <a:rPr lang="en-US" sz="1100" b="0" i="0" u="none" strike="noStrike">
-                          <a:solidFill>
-                            <a:srgbClr val="000000"/>
-                          </a:solidFill>
-                          <a:effectLst/>
-                          <a:latin typeface="Calibri" panose="020F0502020204030204" pitchFamily="34" charset="0"/>
-                        </a:rPr>
-                        <a:t> AZ</a:t>
-                      </a:r>
-                    </a:p>
-                  </a:txBody>
-                  <a:tcPr marL="6350" marR="6350" marT="6350" marB="0" anchor="b">
-                    <a:lnL w="6350" cap="flat" cmpd="sng" algn="ctr">
-                      <a:solidFill>
-                        <a:srgbClr val="000000"/>
-                      </a:solidFill>
-                      <a:prstDash val="solid"/>
-                      <a:round/>
-                      <a:headEnd type="none" w="med" len="med"/>
-                      <a:tailEnd type="none" w="med" len="med"/>
-                    </a:lnL>
-                    <a:lnR w="6350" cap="flat" cmpd="sng" algn="ctr">
-                      <a:solidFill>
-                        <a:srgbClr val="000000"/>
-                      </a:solidFill>
-                      <a:prstDash val="solid"/>
-                      <a:round/>
-                      <a:headEnd type="none" w="med" len="med"/>
-                      <a:tailEnd type="none" w="med" len="med"/>
-                    </a:lnR>
-                    <a:lnT w="6350" cap="flat" cmpd="sng" algn="ctr">
-                      <a:solidFill>
-                        <a:srgbClr val="000000"/>
-                      </a:solidFill>
-                      <a:prstDash val="solid"/>
-                      <a:round/>
-                      <a:headEnd type="none" w="med" len="med"/>
-                      <a:tailEnd type="none" w="med" len="med"/>
-                    </a:lnT>
-                    <a:lnB w="6350" cap="flat" cmpd="sng" algn="ctr">
-                      <a:solidFill>
-                        <a:srgbClr val="000000"/>
-                      </a:solidFill>
-                      <a:prstDash val="solid"/>
-                      <a:round/>
-                      <a:headEnd type="none" w="med" len="med"/>
-                      <a:tailEnd type="none" w="med" len="med"/>
-                    </a:lnB>
-                  </a:tcPr>
-                </a:tc>
-                <a:tc>
-                  <a:txBody>
-                    <a:bodyPr/>
-                    <a:lstStyle/>
-                    <a:p>
-                      <a:pPr algn="r" fontAlgn="b"/>
-                      <a:r>
-                        <a:rPr lang="en-US" sz="1100" b="0" i="0" u="none" strike="noStrike">
-                          <a:solidFill>
-                            <a:srgbClr val="000000"/>
-                          </a:solidFill>
-                          <a:effectLst/>
-                          <a:latin typeface="Calibri" panose="020F0502020204030204" pitchFamily="34" charset="0"/>
-                        </a:rPr>
-                        <a:t>47</a:t>
-                      </a:r>
-                    </a:p>
-                  </a:txBody>
-                  <a:tcPr marL="6350" marR="6350" marT="6350" marB="0" anchor="b">
-                    <a:lnL w="6350" cap="flat" cmpd="sng" algn="ctr">
-                      <a:solidFill>
-                        <a:srgbClr val="000000"/>
-                      </a:solidFill>
-                      <a:prstDash val="solid"/>
-                      <a:round/>
-                      <a:headEnd type="none" w="med" len="med"/>
-                      <a:tailEnd type="none" w="med" len="med"/>
-                    </a:lnL>
-                    <a:lnR w="6350" cap="flat" cmpd="sng" algn="ctr">
-                      <a:solidFill>
-                        <a:srgbClr val="000000"/>
-                      </a:solidFill>
-                      <a:prstDash val="solid"/>
-                      <a:round/>
-                      <a:headEnd type="none" w="med" len="med"/>
-                      <a:tailEnd type="none" w="med" len="med"/>
-                    </a:lnR>
-                    <a:lnT w="6350" cap="flat" cmpd="sng" algn="ctr">
-                      <a:solidFill>
-                        <a:srgbClr val="000000"/>
-                      </a:solidFill>
-                      <a:prstDash val="solid"/>
-                      <a:round/>
-                      <a:headEnd type="none" w="med" len="med"/>
-                      <a:tailEnd type="none" w="med" len="med"/>
-                    </a:lnT>
-                    <a:lnB w="6350" cap="flat" cmpd="sng" algn="ctr">
-                      <a:solidFill>
-                        <a:srgbClr val="000000"/>
-                      </a:solidFill>
-                      <a:prstDash val="solid"/>
-                      <a:round/>
-                      <a:headEnd type="none" w="med" len="med"/>
-                      <a:tailEnd type="none" w="med" len="med"/>
-                    </a:lnB>
-                  </a:tcPr>
-                </a:tc>
-                <a:tc>
-                  <a:txBody>
-                    <a:bodyPr/>
-                    <a:lstStyle/>
-                    <a:p>
-                      <a:pPr algn="l" fontAlgn="b"/>
-                      <a:r>
-                        <a:rPr lang="en-US" sz="1100" b="0" i="0" u="none" strike="noStrike">
-                          <a:solidFill>
-                            <a:srgbClr val="000000"/>
-                          </a:solidFill>
-                          <a:effectLst/>
-                          <a:latin typeface="Calibri" panose="020F0502020204030204" pitchFamily="34" charset="0"/>
-                        </a:rPr>
-                        <a:t> VT</a:t>
-                      </a:r>
-                    </a:p>
-                  </a:txBody>
-                  <a:tcPr marL="6350" marR="6350" marT="6350" marB="0" anchor="b">
-                    <a:lnL w="6350" cap="flat" cmpd="sng" algn="ctr">
-                      <a:solidFill>
-                        <a:srgbClr val="000000"/>
-                      </a:solidFill>
-                      <a:prstDash val="solid"/>
-                      <a:round/>
-                      <a:headEnd type="none" w="med" len="med"/>
-                      <a:tailEnd type="none" w="med" len="med"/>
-                    </a:lnL>
-                    <a:lnR w="6350" cap="flat" cmpd="sng" algn="ctr">
-                      <a:solidFill>
-                        <a:srgbClr val="000000"/>
-                      </a:solidFill>
-                      <a:prstDash val="solid"/>
-                      <a:round/>
-                      <a:headEnd type="none" w="med" len="med"/>
-                      <a:tailEnd type="none" w="med" len="med"/>
-                    </a:lnR>
-                    <a:lnT w="6350" cap="flat" cmpd="sng" algn="ctr">
-                      <a:solidFill>
-                        <a:srgbClr val="000000"/>
-                      </a:solidFill>
-                      <a:prstDash val="solid"/>
-                      <a:round/>
-                      <a:headEnd type="none" w="med" len="med"/>
-                      <a:tailEnd type="none" w="med" len="med"/>
-                    </a:lnT>
-                    <a:lnB w="6350" cap="flat" cmpd="sng" algn="ctr">
-                      <a:solidFill>
-                        <a:srgbClr val="000000"/>
-                      </a:solidFill>
-                      <a:prstDash val="solid"/>
-                      <a:round/>
-                      <a:headEnd type="none" w="med" len="med"/>
-                      <a:tailEnd type="none" w="med" len="med"/>
-                    </a:lnB>
-                  </a:tcPr>
-                </a:tc>
-                <a:tc>
-                  <a:txBody>
-                    <a:bodyPr/>
-                    <a:lstStyle/>
-                    <a:p>
-                      <a:pPr algn="r" fontAlgn="b"/>
-                      <a:r>
-                        <a:rPr lang="en-US" sz="1100" b="0" i="0" u="none" strike="noStrike">
-                          <a:solidFill>
-                            <a:srgbClr val="000000"/>
-                          </a:solidFill>
-                          <a:effectLst/>
-                          <a:latin typeface="Calibri" panose="020F0502020204030204" pitchFamily="34" charset="0"/>
-                        </a:rPr>
-                        <a:t>27</a:t>
-                      </a:r>
-                    </a:p>
-                  </a:txBody>
-                  <a:tcPr marL="6350" marR="6350" marT="6350" marB="0" anchor="b">
-                    <a:lnL w="6350" cap="flat" cmpd="sng" algn="ctr">
-                      <a:solidFill>
-                        <a:srgbClr val="000000"/>
-                      </a:solidFill>
-                      <a:prstDash val="solid"/>
-                      <a:round/>
-                      <a:headEnd type="none" w="med" len="med"/>
-                      <a:tailEnd type="none" w="med" len="med"/>
-                    </a:lnL>
-                    <a:lnR w="6350" cap="flat" cmpd="sng" algn="ctr">
-                      <a:solidFill>
-                        <a:srgbClr val="000000"/>
-                      </a:solidFill>
-                      <a:prstDash val="solid"/>
-                      <a:round/>
-                      <a:headEnd type="none" w="med" len="med"/>
-                      <a:tailEnd type="none" w="med" len="med"/>
-                    </a:lnR>
-                    <a:lnT w="6350" cap="flat" cmpd="sng" algn="ctr">
-                      <a:solidFill>
-                        <a:srgbClr val="000000"/>
-                      </a:solidFill>
-                      <a:prstDash val="solid"/>
-                      <a:round/>
-                      <a:headEnd type="none" w="med" len="med"/>
-                      <a:tailEnd type="none" w="med" len="med"/>
-                    </a:lnT>
-                    <a:lnB w="6350" cap="flat" cmpd="sng" algn="ctr">
-                      <a:solidFill>
-                        <a:srgbClr val="000000"/>
-                      </a:solidFill>
-                      <a:prstDash val="solid"/>
-                      <a:round/>
-                      <a:headEnd type="none" w="med" len="med"/>
-                      <a:tailEnd type="none" w="med" len="med"/>
-                    </a:lnB>
-                  </a:tcPr>
-                </a:tc>
-                <a:tc>
-                  <a:txBody>
-                    <a:bodyPr/>
-                    <a:lstStyle/>
-                    <a:p>
-                      <a:pPr algn="l" fontAlgn="b"/>
-                      <a:r>
-                        <a:rPr lang="en-US" sz="1100" b="0" i="0" u="none" strike="noStrike">
-                          <a:solidFill>
-                            <a:srgbClr val="000000"/>
-                          </a:solidFill>
-                          <a:effectLst/>
-                          <a:latin typeface="Calibri" panose="020F0502020204030204" pitchFamily="34" charset="0"/>
-                        </a:rPr>
-                        <a:t> WY</a:t>
-                      </a:r>
-                    </a:p>
-                  </a:txBody>
-                  <a:tcPr marL="6350" marR="6350" marT="6350" marB="0" anchor="b">
-                    <a:lnL w="6350" cap="flat" cmpd="sng" algn="ctr">
-                      <a:solidFill>
-                        <a:srgbClr val="000000"/>
-                      </a:solidFill>
-                      <a:prstDash val="solid"/>
-                      <a:round/>
-                      <a:headEnd type="none" w="med" len="med"/>
-                      <a:tailEnd type="none" w="med" len="med"/>
-                    </a:lnL>
-                    <a:lnR w="6350" cap="flat" cmpd="sng" algn="ctr">
-                      <a:solidFill>
-                        <a:srgbClr val="000000"/>
-                      </a:solidFill>
-                      <a:prstDash val="solid"/>
-                      <a:round/>
-                      <a:headEnd type="none" w="med" len="med"/>
-                      <a:tailEnd type="none" w="med" len="med"/>
-                    </a:lnR>
-                    <a:lnT w="6350" cap="flat" cmpd="sng" algn="ctr">
-                      <a:solidFill>
-                        <a:srgbClr val="000000"/>
-                      </a:solidFill>
-                      <a:prstDash val="solid"/>
-                      <a:round/>
-                      <a:headEnd type="none" w="med" len="med"/>
-                      <a:tailEnd type="none" w="med" len="med"/>
-                    </a:lnT>
-                    <a:lnB w="6350" cap="flat" cmpd="sng" algn="ctr">
-                      <a:solidFill>
-                        <a:srgbClr val="000000"/>
-                      </a:solidFill>
-                      <a:prstDash val="solid"/>
-                      <a:round/>
-                      <a:headEnd type="none" w="med" len="med"/>
-                      <a:tailEnd type="none" w="med" len="med"/>
-                    </a:lnB>
-                  </a:tcPr>
-                </a:tc>
-                <a:tc>
-                  <a:txBody>
-                    <a:bodyPr/>
-                    <a:lstStyle/>
-                    <a:p>
-                      <a:pPr algn="r" fontAlgn="b"/>
-                      <a:r>
-                        <a:rPr lang="en-US" sz="1100" b="0" i="0" u="none" strike="noStrike">
-                          <a:solidFill>
-                            <a:srgbClr val="000000"/>
-                          </a:solidFill>
-                          <a:effectLst/>
-                          <a:latin typeface="Calibri" panose="020F0502020204030204" pitchFamily="34" charset="0"/>
-                        </a:rPr>
-                        <a:t>15</a:t>
-                      </a:r>
-                    </a:p>
-                  </a:txBody>
-                  <a:tcPr marL="6350" marR="6350" marT="6350" marB="0" anchor="b">
-                    <a:lnL w="6350" cap="flat" cmpd="sng" algn="ctr">
-                      <a:solidFill>
-                        <a:srgbClr val="000000"/>
-                      </a:solidFill>
-                      <a:prstDash val="solid"/>
-                      <a:round/>
-                      <a:headEnd type="none" w="med" len="med"/>
-                      <a:tailEnd type="none" w="med" len="med"/>
-                    </a:lnL>
-                    <a:lnR w="6350" cap="flat" cmpd="sng" algn="ctr">
-                      <a:solidFill>
-                        <a:srgbClr val="000000"/>
-                      </a:solidFill>
-                      <a:prstDash val="solid"/>
-                      <a:round/>
-                      <a:headEnd type="none" w="med" len="med"/>
-                      <a:tailEnd type="none" w="med" len="med"/>
-                    </a:lnR>
-                    <a:lnT w="6350" cap="flat" cmpd="sng" algn="ctr">
-                      <a:solidFill>
-                        <a:srgbClr val="000000"/>
-                      </a:solidFill>
-                      <a:prstDash val="solid"/>
-                      <a:round/>
-                      <a:headEnd type="none" w="med" len="med"/>
-                      <a:tailEnd type="none" w="med" len="med"/>
-                    </a:lnT>
-                    <a:lnB w="6350" cap="flat" cmpd="sng" algn="ctr">
-                      <a:solidFill>
-                        <a:srgbClr val="000000"/>
-                      </a:solidFill>
-                      <a:prstDash val="solid"/>
-                      <a:round/>
-                      <a:headEnd type="none" w="med" len="med"/>
-                      <a:tailEnd type="none" w="med" len="med"/>
-                    </a:lnB>
-                  </a:tcPr>
-                </a:tc>
-                <a:tc>
-                  <a:txBody>
-                    <a:bodyPr/>
-                    <a:lstStyle/>
-                    <a:p>
-                      <a:pPr algn="l" fontAlgn="b"/>
-                      <a:r>
-                        <a:rPr lang="en-US" sz="1100" b="0" i="0" u="none" strike="noStrike">
-                          <a:solidFill>
-                            <a:srgbClr val="000000"/>
-                          </a:solidFill>
-                          <a:effectLst/>
-                          <a:latin typeface="Calibri" panose="020F0502020204030204" pitchFamily="34" charset="0"/>
-                        </a:rPr>
-                        <a:t> AR</a:t>
-                      </a:r>
-                    </a:p>
-                  </a:txBody>
-                  <a:tcPr marL="6350" marR="6350" marT="6350" marB="0" anchor="b">
-                    <a:lnL w="6350" cap="flat" cmpd="sng" algn="ctr">
-                      <a:solidFill>
-                        <a:srgbClr val="000000"/>
-                      </a:solidFill>
-                      <a:prstDash val="solid"/>
-                      <a:round/>
-                      <a:headEnd type="none" w="med" len="med"/>
-                      <a:tailEnd type="none" w="med" len="med"/>
-                    </a:lnL>
-                    <a:lnR w="6350" cap="flat" cmpd="sng" algn="ctr">
-                      <a:solidFill>
-                        <a:srgbClr val="000000"/>
-                      </a:solidFill>
-                      <a:prstDash val="solid"/>
-                      <a:round/>
-                      <a:headEnd type="none" w="med" len="med"/>
-                      <a:tailEnd type="none" w="med" len="med"/>
-                    </a:lnR>
-                    <a:lnT w="6350" cap="flat" cmpd="sng" algn="ctr">
-                      <a:solidFill>
-                        <a:srgbClr val="000000"/>
-                      </a:solidFill>
-                      <a:prstDash val="solid"/>
-                      <a:round/>
-                      <a:headEnd type="none" w="med" len="med"/>
-                      <a:tailEnd type="none" w="med" len="med"/>
-                    </a:lnT>
-                    <a:lnB w="6350" cap="flat" cmpd="sng" algn="ctr">
-                      <a:solidFill>
-                        <a:srgbClr val="000000"/>
-                      </a:solidFill>
-                      <a:prstDash val="solid"/>
-                      <a:round/>
-                      <a:headEnd type="none" w="med" len="med"/>
-                      <a:tailEnd type="none" w="med" len="med"/>
-                    </a:lnB>
-                  </a:tcPr>
-                </a:tc>
-                <a:tc>
-                  <a:txBody>
-                    <a:bodyPr/>
-                    <a:lstStyle/>
-                    <a:p>
-                      <a:pPr algn="r" fontAlgn="b"/>
-                      <a:r>
-                        <a:rPr lang="en-US" sz="1100" b="0" i="0" u="none" strike="noStrike">
-                          <a:solidFill>
-                            <a:srgbClr val="000000"/>
-                          </a:solidFill>
-                          <a:effectLst/>
-                          <a:latin typeface="Calibri" panose="020F0502020204030204" pitchFamily="34" charset="0"/>
-                        </a:rPr>
-                        <a:t>5</a:t>
-                      </a:r>
-                    </a:p>
-                  </a:txBody>
-                  <a:tcPr marL="6350" marR="6350" marT="6350" marB="0" anchor="b">
-                    <a:lnL w="6350" cap="flat" cmpd="sng" algn="ctr">
-                      <a:solidFill>
-                        <a:srgbClr val="000000"/>
-                      </a:solidFill>
-                      <a:prstDash val="solid"/>
-                      <a:round/>
-                      <a:headEnd type="none" w="med" len="med"/>
-                      <a:tailEnd type="none" w="med" len="med"/>
-                    </a:lnL>
-                    <a:lnR w="6350" cap="flat" cmpd="sng" algn="ctr">
-                      <a:solidFill>
-                        <a:srgbClr val="000000"/>
-                      </a:solidFill>
-                      <a:prstDash val="solid"/>
-                      <a:round/>
-                      <a:headEnd type="none" w="med" len="med"/>
-                      <a:tailEnd type="none" w="med" len="med"/>
-                    </a:lnR>
-                    <a:lnT w="6350" cap="flat" cmpd="sng" algn="ctr">
-                      <a:solidFill>
-                        <a:srgbClr val="000000"/>
-                      </a:solidFill>
-                      <a:prstDash val="solid"/>
-                      <a:round/>
-                      <a:headEnd type="none" w="med" len="med"/>
-                      <a:tailEnd type="none" w="med" len="med"/>
-                    </a:lnT>
-                    <a:lnB w="6350" cap="flat" cmpd="sng" algn="ctr">
-                      <a:solidFill>
-                        <a:srgbClr val="000000"/>
-                      </a:solidFill>
-                      <a:prstDash val="solid"/>
-                      <a:round/>
-                      <a:headEnd type="none" w="med" len="med"/>
-                      <a:tailEnd type="none" w="med" len="med"/>
-                    </a:lnB>
-                  </a:tcPr>
-                </a:tc>
-                <a:extLst>
-                  <a:ext uri="{0D108BD9-81ED-4DB2-BD59-A6C34878D82A}">
-                    <a16:rowId xmlns:a16="http://schemas.microsoft.com/office/drawing/2014/main" val="3721106200"/>
-                  </a:ext>
-                </a:extLst>
-              </a:tr>
-              <a:tr h="238472">
-                <a:tc>
-                  <a:txBody>
-                    <a:bodyPr/>
-                    <a:lstStyle/>
-                    <a:p>
-                      <a:pPr algn="l" fontAlgn="b"/>
-                      <a:r>
-                        <a:rPr lang="en-US" sz="1100" b="0" i="0" u="none" strike="noStrike">
-                          <a:solidFill>
-                            <a:srgbClr val="000000"/>
-                          </a:solidFill>
-                          <a:effectLst/>
-                          <a:latin typeface="Calibri" panose="020F0502020204030204" pitchFamily="34" charset="0"/>
-                        </a:rPr>
-                        <a:t> IL</a:t>
-                      </a:r>
-                    </a:p>
-                  </a:txBody>
-                  <a:tcPr marL="6350" marR="6350" marT="6350" marB="0" anchor="b">
-                    <a:lnL w="6350" cap="flat" cmpd="sng" algn="ctr">
-                      <a:solidFill>
-                        <a:srgbClr val="000000"/>
-                      </a:solidFill>
-                      <a:prstDash val="solid"/>
-                      <a:round/>
-                      <a:headEnd type="none" w="med" len="med"/>
-                      <a:tailEnd type="none" w="med" len="med"/>
-                    </a:lnL>
-                    <a:lnR w="6350" cap="flat" cmpd="sng" algn="ctr">
-                      <a:solidFill>
-                        <a:srgbClr val="000000"/>
-                      </a:solidFill>
-                      <a:prstDash val="solid"/>
-                      <a:round/>
-                      <a:headEnd type="none" w="med" len="med"/>
-                      <a:tailEnd type="none" w="med" len="med"/>
-                    </a:lnR>
-                    <a:lnT w="6350" cap="flat" cmpd="sng" algn="ctr">
-                      <a:solidFill>
-                        <a:srgbClr val="000000"/>
-                      </a:solidFill>
-                      <a:prstDash val="solid"/>
-                      <a:round/>
-                      <a:headEnd type="none" w="med" len="med"/>
-                      <a:tailEnd type="none" w="med" len="med"/>
-                    </a:lnT>
-                    <a:lnB w="6350" cap="flat" cmpd="sng" algn="ctr">
-                      <a:solidFill>
-                        <a:srgbClr val="000000"/>
-                      </a:solidFill>
-                      <a:prstDash val="solid"/>
-                      <a:round/>
-                      <a:headEnd type="none" w="med" len="med"/>
-                      <a:tailEnd type="none" w="med" len="med"/>
-                    </a:lnB>
-                  </a:tcPr>
-                </a:tc>
-                <a:tc>
-                  <a:txBody>
-                    <a:bodyPr/>
-                    <a:lstStyle/>
-                    <a:p>
-                      <a:pPr algn="r" fontAlgn="b"/>
-                      <a:r>
-                        <a:rPr lang="en-US" sz="1100" b="0" i="0" u="none" strike="noStrike">
-                          <a:solidFill>
-                            <a:srgbClr val="000000"/>
-                          </a:solidFill>
-                          <a:effectLst/>
-                          <a:latin typeface="Calibri" panose="020F0502020204030204" pitchFamily="34" charset="0"/>
-                        </a:rPr>
-                        <a:t>91</a:t>
-                      </a:r>
-                    </a:p>
-                  </a:txBody>
-                  <a:tcPr marL="6350" marR="6350" marT="6350" marB="0" anchor="b">
-                    <a:lnL w="6350" cap="flat" cmpd="sng" algn="ctr">
-                      <a:solidFill>
-                        <a:srgbClr val="000000"/>
-                      </a:solidFill>
-                      <a:prstDash val="solid"/>
-                      <a:round/>
-                      <a:headEnd type="none" w="med" len="med"/>
-                      <a:tailEnd type="none" w="med" len="med"/>
-                    </a:lnL>
-                    <a:lnR w="6350" cap="flat" cmpd="sng" algn="ctr">
-                      <a:solidFill>
-                        <a:srgbClr val="000000"/>
-                      </a:solidFill>
-                      <a:prstDash val="solid"/>
-                      <a:round/>
-                      <a:headEnd type="none" w="med" len="med"/>
-                      <a:tailEnd type="none" w="med" len="med"/>
-                    </a:lnR>
-                    <a:lnT w="6350" cap="flat" cmpd="sng" algn="ctr">
-                      <a:solidFill>
-                        <a:srgbClr val="000000"/>
-                      </a:solidFill>
-                      <a:prstDash val="solid"/>
-                      <a:round/>
-                      <a:headEnd type="none" w="med" len="med"/>
-                      <a:tailEnd type="none" w="med" len="med"/>
-                    </a:lnT>
-                    <a:lnB w="6350" cap="flat" cmpd="sng" algn="ctr">
-                      <a:solidFill>
-                        <a:srgbClr val="000000"/>
-                      </a:solidFill>
-                      <a:prstDash val="solid"/>
-                      <a:round/>
-                      <a:headEnd type="none" w="med" len="med"/>
-                      <a:tailEnd type="none" w="med" len="med"/>
-                    </a:lnB>
-                  </a:tcPr>
-                </a:tc>
-                <a:tc>
-                  <a:txBody>
-                    <a:bodyPr/>
-                    <a:lstStyle/>
-                    <a:p>
-                      <a:pPr algn="l" fontAlgn="b"/>
-                      <a:r>
-                        <a:rPr lang="en-US" sz="1100" b="0" i="0" u="none" strike="noStrike">
-                          <a:solidFill>
-                            <a:srgbClr val="000000"/>
-                          </a:solidFill>
-                          <a:effectLst/>
-                          <a:latin typeface="Calibri" panose="020F0502020204030204" pitchFamily="34" charset="0"/>
-                        </a:rPr>
-                        <a:t> MO</a:t>
-                      </a:r>
-                    </a:p>
-                  </a:txBody>
-                  <a:tcPr marL="6350" marR="6350" marT="6350" marB="0" anchor="b">
-                    <a:lnL w="6350" cap="flat" cmpd="sng" algn="ctr">
-                      <a:solidFill>
-                        <a:srgbClr val="000000"/>
-                      </a:solidFill>
-                      <a:prstDash val="solid"/>
-                      <a:round/>
-                      <a:headEnd type="none" w="med" len="med"/>
-                      <a:tailEnd type="none" w="med" len="med"/>
-                    </a:lnL>
-                    <a:lnR w="6350" cap="flat" cmpd="sng" algn="ctr">
-                      <a:solidFill>
-                        <a:srgbClr val="000000"/>
-                      </a:solidFill>
-                      <a:prstDash val="solid"/>
-                      <a:round/>
-                      <a:headEnd type="none" w="med" len="med"/>
-                      <a:tailEnd type="none" w="med" len="med"/>
-                    </a:lnR>
-                    <a:lnT w="6350" cap="flat" cmpd="sng" algn="ctr">
-                      <a:solidFill>
-                        <a:srgbClr val="000000"/>
-                      </a:solidFill>
-                      <a:prstDash val="solid"/>
-                      <a:round/>
-                      <a:headEnd type="none" w="med" len="med"/>
-                      <a:tailEnd type="none" w="med" len="med"/>
-                    </a:lnT>
-                    <a:lnB w="6350" cap="flat" cmpd="sng" algn="ctr">
-                      <a:solidFill>
-                        <a:srgbClr val="000000"/>
-                      </a:solidFill>
-                      <a:prstDash val="solid"/>
-                      <a:round/>
-                      <a:headEnd type="none" w="med" len="med"/>
-                      <a:tailEnd type="none" w="med" len="med"/>
-                    </a:lnB>
-                  </a:tcPr>
-                </a:tc>
-                <a:tc>
-                  <a:txBody>
-                    <a:bodyPr/>
-                    <a:lstStyle/>
-                    <a:p>
-                      <a:pPr algn="r" fontAlgn="b"/>
-                      <a:r>
-                        <a:rPr lang="en-US" sz="1100" b="0" i="0" u="none" strike="noStrike">
-                          <a:solidFill>
-                            <a:srgbClr val="000000"/>
-                          </a:solidFill>
-                          <a:effectLst/>
-                          <a:latin typeface="Calibri" panose="020F0502020204030204" pitchFamily="34" charset="0"/>
-                        </a:rPr>
-                        <a:t>42</a:t>
-                      </a:r>
-                    </a:p>
-                  </a:txBody>
-                  <a:tcPr marL="6350" marR="6350" marT="6350" marB="0" anchor="b">
-                    <a:lnL w="6350" cap="flat" cmpd="sng" algn="ctr">
-                      <a:solidFill>
-                        <a:srgbClr val="000000"/>
-                      </a:solidFill>
-                      <a:prstDash val="solid"/>
-                      <a:round/>
-                      <a:headEnd type="none" w="med" len="med"/>
-                      <a:tailEnd type="none" w="med" len="med"/>
-                    </a:lnL>
-                    <a:lnR w="6350" cap="flat" cmpd="sng" algn="ctr">
-                      <a:solidFill>
-                        <a:srgbClr val="000000"/>
-                      </a:solidFill>
-                      <a:prstDash val="solid"/>
-                      <a:round/>
-                      <a:headEnd type="none" w="med" len="med"/>
-                      <a:tailEnd type="none" w="med" len="med"/>
-                    </a:lnR>
-                    <a:lnT w="6350" cap="flat" cmpd="sng" algn="ctr">
-                      <a:solidFill>
-                        <a:srgbClr val="000000"/>
-                      </a:solidFill>
-                      <a:prstDash val="solid"/>
-                      <a:round/>
-                      <a:headEnd type="none" w="med" len="med"/>
-                      <a:tailEnd type="none" w="med" len="med"/>
-                    </a:lnT>
-                    <a:lnB w="6350" cap="flat" cmpd="sng" algn="ctr">
-                      <a:solidFill>
-                        <a:srgbClr val="000000"/>
-                      </a:solidFill>
-                      <a:prstDash val="solid"/>
-                      <a:round/>
-                      <a:headEnd type="none" w="med" len="med"/>
-                      <a:tailEnd type="none" w="med" len="med"/>
-                    </a:lnB>
-                  </a:tcPr>
-                </a:tc>
-                <a:tc>
-                  <a:txBody>
-                    <a:bodyPr/>
-                    <a:lstStyle/>
-                    <a:p>
-                      <a:pPr algn="l" fontAlgn="b"/>
-                      <a:r>
-                        <a:rPr lang="en-US" sz="1100" b="0" i="0" u="none" strike="noStrike">
-                          <a:solidFill>
-                            <a:srgbClr val="000000"/>
-                          </a:solidFill>
-                          <a:effectLst/>
-                          <a:latin typeface="Calibri" panose="020F0502020204030204" pitchFamily="34" charset="0"/>
-                        </a:rPr>
-                        <a:t> UT</a:t>
-                      </a:r>
-                    </a:p>
-                  </a:txBody>
-                  <a:tcPr marL="6350" marR="6350" marT="6350" marB="0" anchor="b">
-                    <a:lnL w="6350" cap="flat" cmpd="sng" algn="ctr">
-                      <a:solidFill>
-                        <a:srgbClr val="000000"/>
-                      </a:solidFill>
-                      <a:prstDash val="solid"/>
-                      <a:round/>
-                      <a:headEnd type="none" w="med" len="med"/>
-                      <a:tailEnd type="none" w="med" len="med"/>
-                    </a:lnL>
-                    <a:lnR w="6350" cap="flat" cmpd="sng" algn="ctr">
-                      <a:solidFill>
-                        <a:srgbClr val="000000"/>
-                      </a:solidFill>
-                      <a:prstDash val="solid"/>
-                      <a:round/>
-                      <a:headEnd type="none" w="med" len="med"/>
-                      <a:tailEnd type="none" w="med" len="med"/>
-                    </a:lnR>
-                    <a:lnT w="6350" cap="flat" cmpd="sng" algn="ctr">
-                      <a:solidFill>
-                        <a:srgbClr val="000000"/>
-                      </a:solidFill>
-                      <a:prstDash val="solid"/>
-                      <a:round/>
-                      <a:headEnd type="none" w="med" len="med"/>
-                      <a:tailEnd type="none" w="med" len="med"/>
-                    </a:lnT>
-                    <a:lnB w="6350" cap="flat" cmpd="sng" algn="ctr">
-                      <a:solidFill>
-                        <a:srgbClr val="000000"/>
-                      </a:solidFill>
-                      <a:prstDash val="solid"/>
-                      <a:round/>
-                      <a:headEnd type="none" w="med" len="med"/>
-                      <a:tailEnd type="none" w="med" len="med"/>
-                    </a:lnB>
-                  </a:tcPr>
-                </a:tc>
-                <a:tc>
-                  <a:txBody>
-                    <a:bodyPr/>
-                    <a:lstStyle/>
-                    <a:p>
-                      <a:pPr algn="r" fontAlgn="b"/>
-                      <a:r>
-                        <a:rPr lang="en-US" sz="1100" b="0" i="0" u="none" strike="noStrike">
-                          <a:solidFill>
-                            <a:srgbClr val="000000"/>
-                          </a:solidFill>
-                          <a:effectLst/>
-                          <a:latin typeface="Calibri" panose="020F0502020204030204" pitchFamily="34" charset="0"/>
-                        </a:rPr>
-                        <a:t>26</a:t>
-                      </a:r>
-                    </a:p>
-                  </a:txBody>
-                  <a:tcPr marL="6350" marR="6350" marT="6350" marB="0" anchor="b">
-                    <a:lnL w="6350" cap="flat" cmpd="sng" algn="ctr">
-                      <a:solidFill>
-                        <a:srgbClr val="000000"/>
-                      </a:solidFill>
-                      <a:prstDash val="solid"/>
-                      <a:round/>
-                      <a:headEnd type="none" w="med" len="med"/>
-                      <a:tailEnd type="none" w="med" len="med"/>
-                    </a:lnL>
-                    <a:lnR w="6350" cap="flat" cmpd="sng" algn="ctr">
-                      <a:solidFill>
-                        <a:srgbClr val="000000"/>
-                      </a:solidFill>
-                      <a:prstDash val="solid"/>
-                      <a:round/>
-                      <a:headEnd type="none" w="med" len="med"/>
-                      <a:tailEnd type="none" w="med" len="med"/>
-                    </a:lnR>
-                    <a:lnT w="6350" cap="flat" cmpd="sng" algn="ctr">
-                      <a:solidFill>
-                        <a:srgbClr val="000000"/>
-                      </a:solidFill>
-                      <a:prstDash val="solid"/>
-                      <a:round/>
-                      <a:headEnd type="none" w="med" len="med"/>
-                      <a:tailEnd type="none" w="med" len="med"/>
-                    </a:lnT>
-                    <a:lnB w="6350" cap="flat" cmpd="sng" algn="ctr">
-                      <a:solidFill>
-                        <a:srgbClr val="000000"/>
-                      </a:solidFill>
-                      <a:prstDash val="solid"/>
-                      <a:round/>
-                      <a:headEnd type="none" w="med" len="med"/>
-                      <a:tailEnd type="none" w="med" len="med"/>
-                    </a:lnB>
-                  </a:tcPr>
-                </a:tc>
-                <a:tc>
-                  <a:txBody>
-                    <a:bodyPr/>
-                    <a:lstStyle/>
-                    <a:p>
-                      <a:pPr algn="l" fontAlgn="b"/>
-                      <a:r>
-                        <a:rPr lang="en-US" sz="1100" b="0" i="0" u="none" strike="noStrike">
-                          <a:solidFill>
-                            <a:srgbClr val="000000"/>
-                          </a:solidFill>
-                          <a:effectLst/>
-                          <a:latin typeface="Calibri" panose="020F0502020204030204" pitchFamily="34" charset="0"/>
-                        </a:rPr>
-                        <a:t> NM</a:t>
-                      </a:r>
-                    </a:p>
-                  </a:txBody>
-                  <a:tcPr marL="6350" marR="6350" marT="6350" marB="0" anchor="b">
-                    <a:lnL w="6350" cap="flat" cmpd="sng" algn="ctr">
-                      <a:solidFill>
-                        <a:srgbClr val="000000"/>
-                      </a:solidFill>
-                      <a:prstDash val="solid"/>
-                      <a:round/>
-                      <a:headEnd type="none" w="med" len="med"/>
-                      <a:tailEnd type="none" w="med" len="med"/>
-                    </a:lnL>
-                    <a:lnR w="6350" cap="flat" cmpd="sng" algn="ctr">
-                      <a:solidFill>
-                        <a:srgbClr val="000000"/>
-                      </a:solidFill>
-                      <a:prstDash val="solid"/>
-                      <a:round/>
-                      <a:headEnd type="none" w="med" len="med"/>
-                      <a:tailEnd type="none" w="med" len="med"/>
-                    </a:lnR>
-                    <a:lnT w="6350" cap="flat" cmpd="sng" algn="ctr">
-                      <a:solidFill>
-                        <a:srgbClr val="000000"/>
-                      </a:solidFill>
-                      <a:prstDash val="solid"/>
-                      <a:round/>
-                      <a:headEnd type="none" w="med" len="med"/>
-                      <a:tailEnd type="none" w="med" len="med"/>
-                    </a:lnT>
-                    <a:lnB w="6350" cap="flat" cmpd="sng" algn="ctr">
-                      <a:solidFill>
-                        <a:srgbClr val="000000"/>
-                      </a:solidFill>
-                      <a:prstDash val="solid"/>
-                      <a:round/>
-                      <a:headEnd type="none" w="med" len="med"/>
-                      <a:tailEnd type="none" w="med" len="med"/>
-                    </a:lnB>
-                  </a:tcPr>
-                </a:tc>
-                <a:tc>
-                  <a:txBody>
-                    <a:bodyPr/>
-                    <a:lstStyle/>
-                    <a:p>
-                      <a:pPr algn="r" fontAlgn="b"/>
-                      <a:r>
-                        <a:rPr lang="en-US" sz="1100" b="0" i="0" u="none" strike="noStrike">
-                          <a:solidFill>
-                            <a:srgbClr val="000000"/>
-                          </a:solidFill>
-                          <a:effectLst/>
-                          <a:latin typeface="Calibri" panose="020F0502020204030204" pitchFamily="34" charset="0"/>
-                        </a:rPr>
-                        <a:t>14</a:t>
-                      </a:r>
-                    </a:p>
-                  </a:txBody>
-                  <a:tcPr marL="6350" marR="6350" marT="6350" marB="0" anchor="b">
-                    <a:lnL w="6350" cap="flat" cmpd="sng" algn="ctr">
-                      <a:solidFill>
-                        <a:srgbClr val="000000"/>
-                      </a:solidFill>
-                      <a:prstDash val="solid"/>
-                      <a:round/>
-                      <a:headEnd type="none" w="med" len="med"/>
-                      <a:tailEnd type="none" w="med" len="med"/>
-                    </a:lnL>
-                    <a:lnR w="6350" cap="flat" cmpd="sng" algn="ctr">
-                      <a:solidFill>
-                        <a:srgbClr val="000000"/>
-                      </a:solidFill>
-                      <a:prstDash val="solid"/>
-                      <a:round/>
-                      <a:headEnd type="none" w="med" len="med"/>
-                      <a:tailEnd type="none" w="med" len="med"/>
-                    </a:lnR>
-                    <a:lnT w="6350" cap="flat" cmpd="sng" algn="ctr">
-                      <a:solidFill>
-                        <a:srgbClr val="000000"/>
-                      </a:solidFill>
-                      <a:prstDash val="solid"/>
-                      <a:round/>
-                      <a:headEnd type="none" w="med" len="med"/>
-                      <a:tailEnd type="none" w="med" len="med"/>
-                    </a:lnT>
-                    <a:lnB w="6350" cap="flat" cmpd="sng" algn="ctr">
-                      <a:solidFill>
-                        <a:srgbClr val="000000"/>
-                      </a:solidFill>
-                      <a:prstDash val="solid"/>
-                      <a:round/>
-                      <a:headEnd type="none" w="med" len="med"/>
-                      <a:tailEnd type="none" w="med" len="med"/>
-                    </a:lnB>
-                  </a:tcPr>
-                </a:tc>
-                <a:tc>
-                  <a:txBody>
-                    <a:bodyPr/>
-                    <a:lstStyle/>
-                    <a:p>
-                      <a:pPr algn="l" fontAlgn="b"/>
-                      <a:r>
-                        <a:rPr lang="en-US" sz="1100" b="0" i="0" u="none" strike="noStrike">
-                          <a:solidFill>
-                            <a:srgbClr val="000000"/>
-                          </a:solidFill>
-                          <a:effectLst/>
-                          <a:latin typeface="Calibri" panose="020F0502020204030204" pitchFamily="34" charset="0"/>
-                        </a:rPr>
-                        <a:t> ND</a:t>
-                      </a:r>
-                    </a:p>
-                  </a:txBody>
-                  <a:tcPr marL="6350" marR="6350" marT="6350" marB="0" anchor="b">
-                    <a:lnL w="6350" cap="flat" cmpd="sng" algn="ctr">
-                      <a:solidFill>
-                        <a:srgbClr val="000000"/>
-                      </a:solidFill>
-                      <a:prstDash val="solid"/>
-                      <a:round/>
-                      <a:headEnd type="none" w="med" len="med"/>
-                      <a:tailEnd type="none" w="med" len="med"/>
-                    </a:lnL>
-                    <a:lnR w="6350" cap="flat" cmpd="sng" algn="ctr">
-                      <a:solidFill>
-                        <a:srgbClr val="000000"/>
-                      </a:solidFill>
-                      <a:prstDash val="solid"/>
-                      <a:round/>
-                      <a:headEnd type="none" w="med" len="med"/>
-                      <a:tailEnd type="none" w="med" len="med"/>
-                    </a:lnR>
-                    <a:lnT w="6350" cap="flat" cmpd="sng" algn="ctr">
-                      <a:solidFill>
-                        <a:srgbClr val="000000"/>
-                      </a:solidFill>
-                      <a:prstDash val="solid"/>
-                      <a:round/>
-                      <a:headEnd type="none" w="med" len="med"/>
-                      <a:tailEnd type="none" w="med" len="med"/>
-                    </a:lnT>
-                    <a:lnB w="6350" cap="flat" cmpd="sng" algn="ctr">
-                      <a:solidFill>
-                        <a:srgbClr val="000000"/>
-                      </a:solidFill>
-                      <a:prstDash val="solid"/>
-                      <a:round/>
-                      <a:headEnd type="none" w="med" len="med"/>
-                      <a:tailEnd type="none" w="med" len="med"/>
-                    </a:lnB>
-                  </a:tcPr>
-                </a:tc>
-                <a:tc>
-                  <a:txBody>
-                    <a:bodyPr/>
-                    <a:lstStyle/>
-                    <a:p>
-                      <a:pPr algn="r" fontAlgn="b"/>
-                      <a:r>
-                        <a:rPr lang="en-US" sz="1100" b="0" i="0" u="none" strike="noStrike">
-                          <a:solidFill>
-                            <a:srgbClr val="000000"/>
-                          </a:solidFill>
-                          <a:effectLst/>
-                          <a:latin typeface="Calibri" panose="020F0502020204030204" pitchFamily="34" charset="0"/>
-                        </a:rPr>
-                        <a:t>3</a:t>
-                      </a:r>
-                    </a:p>
-                  </a:txBody>
-                  <a:tcPr marL="6350" marR="6350" marT="6350" marB="0" anchor="b">
-                    <a:lnL w="6350" cap="flat" cmpd="sng" algn="ctr">
-                      <a:solidFill>
-                        <a:srgbClr val="000000"/>
-                      </a:solidFill>
-                      <a:prstDash val="solid"/>
-                      <a:round/>
-                      <a:headEnd type="none" w="med" len="med"/>
-                      <a:tailEnd type="none" w="med" len="med"/>
-                    </a:lnL>
-                    <a:lnR w="6350" cap="flat" cmpd="sng" algn="ctr">
-                      <a:solidFill>
-                        <a:srgbClr val="000000"/>
-                      </a:solidFill>
-                      <a:prstDash val="solid"/>
-                      <a:round/>
-                      <a:headEnd type="none" w="med" len="med"/>
-                      <a:tailEnd type="none" w="med" len="med"/>
-                    </a:lnR>
-                    <a:lnT w="6350" cap="flat" cmpd="sng" algn="ctr">
-                      <a:solidFill>
-                        <a:srgbClr val="000000"/>
-                      </a:solidFill>
-                      <a:prstDash val="solid"/>
-                      <a:round/>
-                      <a:headEnd type="none" w="med" len="med"/>
-                      <a:tailEnd type="none" w="med" len="med"/>
-                    </a:lnT>
-                    <a:lnB w="6350" cap="flat" cmpd="sng" algn="ctr">
-                      <a:solidFill>
-                        <a:srgbClr val="000000"/>
-                      </a:solidFill>
-                      <a:prstDash val="solid"/>
-                      <a:round/>
-                      <a:headEnd type="none" w="med" len="med"/>
-                      <a:tailEnd type="none" w="med" len="med"/>
-                    </a:lnB>
-                  </a:tcPr>
-                </a:tc>
-                <a:extLst>
-                  <a:ext uri="{0D108BD9-81ED-4DB2-BD59-A6C34878D82A}">
-                    <a16:rowId xmlns:a16="http://schemas.microsoft.com/office/drawing/2014/main" val="816190145"/>
-                  </a:ext>
-                </a:extLst>
-              </a:tr>
-              <a:tr h="238472">
-                <a:tc>
-                  <a:txBody>
-                    <a:bodyPr/>
-                    <a:lstStyle/>
-                    <a:p>
-                      <a:pPr algn="l" fontAlgn="b"/>
-                      <a:r>
-                        <a:rPr lang="en-US" sz="1100" b="0" i="0" u="none" strike="noStrike">
-                          <a:solidFill>
-                            <a:srgbClr val="000000"/>
-                          </a:solidFill>
-                          <a:effectLst/>
-                          <a:latin typeface="Calibri" panose="020F0502020204030204" pitchFamily="34" charset="0"/>
-                        </a:rPr>
-                        <a:t> WI</a:t>
-                      </a:r>
-                    </a:p>
-                  </a:txBody>
-                  <a:tcPr marL="6350" marR="6350" marT="6350" marB="0" anchor="b">
-                    <a:lnL w="6350" cap="flat" cmpd="sng" algn="ctr">
-                      <a:solidFill>
-                        <a:srgbClr val="000000"/>
-                      </a:solidFill>
-                      <a:prstDash val="solid"/>
-                      <a:round/>
-                      <a:headEnd type="none" w="med" len="med"/>
-                      <a:tailEnd type="none" w="med" len="med"/>
-                    </a:lnL>
-                    <a:lnR w="6350" cap="flat" cmpd="sng" algn="ctr">
-                      <a:solidFill>
-                        <a:srgbClr val="000000"/>
-                      </a:solidFill>
-                      <a:prstDash val="solid"/>
-                      <a:round/>
-                      <a:headEnd type="none" w="med" len="med"/>
-                      <a:tailEnd type="none" w="med" len="med"/>
-                    </a:lnR>
-                    <a:lnT w="6350" cap="flat" cmpd="sng" algn="ctr">
-                      <a:solidFill>
-                        <a:srgbClr val="000000"/>
-                      </a:solidFill>
-                      <a:prstDash val="solid"/>
-                      <a:round/>
-                      <a:headEnd type="none" w="med" len="med"/>
-                      <a:tailEnd type="none" w="med" len="med"/>
-                    </a:lnT>
-                    <a:lnB w="6350" cap="flat" cmpd="sng" algn="ctr">
-                      <a:solidFill>
-                        <a:srgbClr val="000000"/>
-                      </a:solidFill>
-                      <a:prstDash val="solid"/>
-                      <a:round/>
-                      <a:headEnd type="none" w="med" len="med"/>
-                      <a:tailEnd type="none" w="med" len="med"/>
-                    </a:lnB>
-                  </a:tcPr>
-                </a:tc>
-                <a:tc>
-                  <a:txBody>
-                    <a:bodyPr/>
-                    <a:lstStyle/>
-                    <a:p>
-                      <a:pPr algn="r" fontAlgn="b"/>
-                      <a:r>
-                        <a:rPr lang="en-US" sz="1100" b="0" i="0" u="none" strike="noStrike">
-                          <a:solidFill>
-                            <a:srgbClr val="000000"/>
-                          </a:solidFill>
-                          <a:effectLst/>
-                          <a:latin typeface="Calibri" panose="020F0502020204030204" pitchFamily="34" charset="0"/>
-                        </a:rPr>
-                        <a:t>87</a:t>
-                      </a:r>
-                    </a:p>
-                  </a:txBody>
-                  <a:tcPr marL="6350" marR="6350" marT="6350" marB="0" anchor="b">
-                    <a:lnL w="6350" cap="flat" cmpd="sng" algn="ctr">
-                      <a:solidFill>
-                        <a:srgbClr val="000000"/>
-                      </a:solidFill>
-                      <a:prstDash val="solid"/>
-                      <a:round/>
-                      <a:headEnd type="none" w="med" len="med"/>
-                      <a:tailEnd type="none" w="med" len="med"/>
-                    </a:lnL>
-                    <a:lnR w="6350" cap="flat" cmpd="sng" algn="ctr">
-                      <a:solidFill>
-                        <a:srgbClr val="000000"/>
-                      </a:solidFill>
-                      <a:prstDash val="solid"/>
-                      <a:round/>
-                      <a:headEnd type="none" w="med" len="med"/>
-                      <a:tailEnd type="none" w="med" len="med"/>
-                    </a:lnR>
-                    <a:lnT w="6350" cap="flat" cmpd="sng" algn="ctr">
-                      <a:solidFill>
-                        <a:srgbClr val="000000"/>
-                      </a:solidFill>
-                      <a:prstDash val="solid"/>
-                      <a:round/>
-                      <a:headEnd type="none" w="med" len="med"/>
-                      <a:tailEnd type="none" w="med" len="med"/>
-                    </a:lnT>
-                    <a:lnB w="6350" cap="flat" cmpd="sng" algn="ctr">
-                      <a:solidFill>
-                        <a:srgbClr val="000000"/>
-                      </a:solidFill>
-                      <a:prstDash val="solid"/>
-                      <a:round/>
-                      <a:headEnd type="none" w="med" len="med"/>
-                      <a:tailEnd type="none" w="med" len="med"/>
-                    </a:lnB>
-                  </a:tcPr>
-                </a:tc>
-                <a:tc>
-                  <a:txBody>
-                    <a:bodyPr/>
-                    <a:lstStyle/>
-                    <a:p>
-                      <a:pPr algn="l" fontAlgn="b"/>
-                      <a:r>
-                        <a:rPr lang="en-US" sz="1100" b="0" i="0" u="none" strike="noStrike">
-                          <a:solidFill>
-                            <a:srgbClr val="000000"/>
-                          </a:solidFill>
-                          <a:effectLst/>
-                          <a:latin typeface="Calibri" panose="020F0502020204030204" pitchFamily="34" charset="0"/>
-                        </a:rPr>
-                        <a:t> MT</a:t>
-                      </a:r>
-                    </a:p>
-                  </a:txBody>
-                  <a:tcPr marL="6350" marR="6350" marT="6350" marB="0" anchor="b">
-                    <a:lnL w="6350" cap="flat" cmpd="sng" algn="ctr">
-                      <a:solidFill>
-                        <a:srgbClr val="000000"/>
-                      </a:solidFill>
-                      <a:prstDash val="solid"/>
-                      <a:round/>
-                      <a:headEnd type="none" w="med" len="med"/>
-                      <a:tailEnd type="none" w="med" len="med"/>
-                    </a:lnL>
-                    <a:lnR w="6350" cap="flat" cmpd="sng" algn="ctr">
-                      <a:solidFill>
-                        <a:srgbClr val="000000"/>
-                      </a:solidFill>
-                      <a:prstDash val="solid"/>
-                      <a:round/>
-                      <a:headEnd type="none" w="med" len="med"/>
-                      <a:tailEnd type="none" w="med" len="med"/>
-                    </a:lnR>
-                    <a:lnT w="6350" cap="flat" cmpd="sng" algn="ctr">
-                      <a:solidFill>
-                        <a:srgbClr val="000000"/>
-                      </a:solidFill>
-                      <a:prstDash val="solid"/>
-                      <a:round/>
-                      <a:headEnd type="none" w="med" len="med"/>
-                      <a:tailEnd type="none" w="med" len="med"/>
-                    </a:lnT>
-                    <a:lnB w="6350" cap="flat" cmpd="sng" algn="ctr">
-                      <a:solidFill>
-                        <a:srgbClr val="000000"/>
-                      </a:solidFill>
-                      <a:prstDash val="solid"/>
-                      <a:round/>
-                      <a:headEnd type="none" w="med" len="med"/>
-                      <a:tailEnd type="none" w="med" len="med"/>
-                    </a:lnB>
-                  </a:tcPr>
-                </a:tc>
-                <a:tc>
-                  <a:txBody>
-                    <a:bodyPr/>
-                    <a:lstStyle/>
-                    <a:p>
-                      <a:pPr algn="r" fontAlgn="b"/>
-                      <a:r>
-                        <a:rPr lang="en-US" sz="1100" b="0" i="0" u="none" strike="noStrike">
-                          <a:solidFill>
-                            <a:srgbClr val="000000"/>
-                          </a:solidFill>
-                          <a:effectLst/>
-                          <a:latin typeface="Calibri" panose="020F0502020204030204" pitchFamily="34" charset="0"/>
-                        </a:rPr>
-                        <a:t>40</a:t>
-                      </a:r>
-                    </a:p>
-                  </a:txBody>
-                  <a:tcPr marL="6350" marR="6350" marT="6350" marB="0" anchor="b">
-                    <a:lnL w="6350" cap="flat" cmpd="sng" algn="ctr">
-                      <a:solidFill>
-                        <a:srgbClr val="000000"/>
-                      </a:solidFill>
-                      <a:prstDash val="solid"/>
-                      <a:round/>
-                      <a:headEnd type="none" w="med" len="med"/>
-                      <a:tailEnd type="none" w="med" len="med"/>
-                    </a:lnL>
-                    <a:lnR w="6350" cap="flat" cmpd="sng" algn="ctr">
-                      <a:solidFill>
-                        <a:srgbClr val="000000"/>
-                      </a:solidFill>
-                      <a:prstDash val="solid"/>
-                      <a:round/>
-                      <a:headEnd type="none" w="med" len="med"/>
-                      <a:tailEnd type="none" w="med" len="med"/>
-                    </a:lnR>
-                    <a:lnT w="6350" cap="flat" cmpd="sng" algn="ctr">
-                      <a:solidFill>
-                        <a:srgbClr val="000000"/>
-                      </a:solidFill>
-                      <a:prstDash val="solid"/>
-                      <a:round/>
-                      <a:headEnd type="none" w="med" len="med"/>
-                      <a:tailEnd type="none" w="med" len="med"/>
-                    </a:lnT>
-                    <a:lnB w="6350" cap="flat" cmpd="sng" algn="ctr">
-                      <a:solidFill>
-                        <a:srgbClr val="000000"/>
-                      </a:solidFill>
-                      <a:prstDash val="solid"/>
-                      <a:round/>
-                      <a:headEnd type="none" w="med" len="med"/>
-                      <a:tailEnd type="none" w="med" len="med"/>
-                    </a:lnB>
-                  </a:tcPr>
-                </a:tc>
-                <a:tc>
-                  <a:txBody>
-                    <a:bodyPr/>
-                    <a:lstStyle/>
-                    <a:p>
-                      <a:pPr algn="l" fontAlgn="b"/>
-                      <a:r>
-                        <a:rPr lang="en-US" sz="1100" b="0" i="0" u="none" strike="noStrike">
-                          <a:solidFill>
-                            <a:srgbClr val="000000"/>
-                          </a:solidFill>
-                          <a:effectLst/>
-                          <a:latin typeface="Calibri" panose="020F0502020204030204" pitchFamily="34" charset="0"/>
-                        </a:rPr>
-                        <a:t> AK</a:t>
-                      </a:r>
-                    </a:p>
-                  </a:txBody>
-                  <a:tcPr marL="6350" marR="6350" marT="6350" marB="0" anchor="b">
-                    <a:lnL w="6350" cap="flat" cmpd="sng" algn="ctr">
-                      <a:solidFill>
-                        <a:srgbClr val="000000"/>
-                      </a:solidFill>
-                      <a:prstDash val="solid"/>
-                      <a:round/>
-                      <a:headEnd type="none" w="med" len="med"/>
-                      <a:tailEnd type="none" w="med" len="med"/>
-                    </a:lnL>
-                    <a:lnR w="6350" cap="flat" cmpd="sng" algn="ctr">
-                      <a:solidFill>
-                        <a:srgbClr val="000000"/>
-                      </a:solidFill>
-                      <a:prstDash val="solid"/>
-                      <a:round/>
-                      <a:headEnd type="none" w="med" len="med"/>
-                      <a:tailEnd type="none" w="med" len="med"/>
-                    </a:lnR>
-                    <a:lnT w="6350" cap="flat" cmpd="sng" algn="ctr">
-                      <a:solidFill>
-                        <a:srgbClr val="000000"/>
-                      </a:solidFill>
-                      <a:prstDash val="solid"/>
-                      <a:round/>
-                      <a:headEnd type="none" w="med" len="med"/>
-                      <a:tailEnd type="none" w="med" len="med"/>
-                    </a:lnT>
-                    <a:lnB w="6350" cap="flat" cmpd="sng" algn="ctr">
-                      <a:solidFill>
-                        <a:srgbClr val="000000"/>
-                      </a:solidFill>
-                      <a:prstDash val="solid"/>
-                      <a:round/>
-                      <a:headEnd type="none" w="med" len="med"/>
-                      <a:tailEnd type="none" w="med" len="med"/>
-                    </a:lnB>
-                  </a:tcPr>
-                </a:tc>
-                <a:tc>
-                  <a:txBody>
-                    <a:bodyPr/>
-                    <a:lstStyle/>
-                    <a:p>
-                      <a:pPr algn="r" fontAlgn="b"/>
-                      <a:r>
-                        <a:rPr lang="en-US" sz="1100" b="0" i="0" u="none" strike="noStrike">
-                          <a:solidFill>
-                            <a:srgbClr val="000000"/>
-                          </a:solidFill>
-                          <a:effectLst/>
-                          <a:latin typeface="Calibri" panose="020F0502020204030204" pitchFamily="34" charset="0"/>
-                        </a:rPr>
-                        <a:t>25</a:t>
-                      </a:r>
-                    </a:p>
-                  </a:txBody>
-                  <a:tcPr marL="6350" marR="6350" marT="6350" marB="0" anchor="b">
-                    <a:lnL w="6350" cap="flat" cmpd="sng" algn="ctr">
-                      <a:solidFill>
-                        <a:srgbClr val="000000"/>
-                      </a:solidFill>
-                      <a:prstDash val="solid"/>
-                      <a:round/>
-                      <a:headEnd type="none" w="med" len="med"/>
-                      <a:tailEnd type="none" w="med" len="med"/>
-                    </a:lnL>
-                    <a:lnR w="6350" cap="flat" cmpd="sng" algn="ctr">
-                      <a:solidFill>
-                        <a:srgbClr val="000000"/>
-                      </a:solidFill>
-                      <a:prstDash val="solid"/>
-                      <a:round/>
-                      <a:headEnd type="none" w="med" len="med"/>
-                      <a:tailEnd type="none" w="med" len="med"/>
-                    </a:lnR>
-                    <a:lnT w="6350" cap="flat" cmpd="sng" algn="ctr">
-                      <a:solidFill>
-                        <a:srgbClr val="000000"/>
-                      </a:solidFill>
-                      <a:prstDash val="solid"/>
-                      <a:round/>
-                      <a:headEnd type="none" w="med" len="med"/>
-                      <a:tailEnd type="none" w="med" len="med"/>
-                    </a:lnT>
-                    <a:lnB w="6350" cap="flat" cmpd="sng" algn="ctr">
-                      <a:solidFill>
-                        <a:srgbClr val="000000"/>
-                      </a:solidFill>
-                      <a:prstDash val="solid"/>
-                      <a:round/>
-                      <a:headEnd type="none" w="med" len="med"/>
-                      <a:tailEnd type="none" w="med" len="med"/>
-                    </a:lnB>
-                  </a:tcPr>
-                </a:tc>
-                <a:tc>
-                  <a:txBody>
-                    <a:bodyPr/>
-                    <a:lstStyle/>
-                    <a:p>
-                      <a:pPr algn="l" fontAlgn="b"/>
-                      <a:r>
-                        <a:rPr lang="en-US" sz="1100" b="0" i="0" u="none" strike="noStrike">
-                          <a:solidFill>
-                            <a:srgbClr val="000000"/>
-                          </a:solidFill>
-                          <a:effectLst/>
-                          <a:latin typeface="Calibri" panose="020F0502020204030204" pitchFamily="34" charset="0"/>
-                        </a:rPr>
-                        <a:t> SC</a:t>
-                      </a:r>
-                    </a:p>
-                  </a:txBody>
-                  <a:tcPr marL="6350" marR="6350" marT="6350" marB="0" anchor="b">
-                    <a:lnL w="6350" cap="flat" cmpd="sng" algn="ctr">
-                      <a:solidFill>
-                        <a:srgbClr val="000000"/>
-                      </a:solidFill>
-                      <a:prstDash val="solid"/>
-                      <a:round/>
-                      <a:headEnd type="none" w="med" len="med"/>
-                      <a:tailEnd type="none" w="med" len="med"/>
-                    </a:lnL>
-                    <a:lnR w="6350" cap="flat" cmpd="sng" algn="ctr">
-                      <a:solidFill>
-                        <a:srgbClr val="000000"/>
-                      </a:solidFill>
-                      <a:prstDash val="solid"/>
-                      <a:round/>
-                      <a:headEnd type="none" w="med" len="med"/>
-                      <a:tailEnd type="none" w="med" len="med"/>
-                    </a:lnR>
-                    <a:lnT w="6350" cap="flat" cmpd="sng" algn="ctr">
-                      <a:solidFill>
-                        <a:srgbClr val="000000"/>
-                      </a:solidFill>
-                      <a:prstDash val="solid"/>
-                      <a:round/>
-                      <a:headEnd type="none" w="med" len="med"/>
-                      <a:tailEnd type="none" w="med" len="med"/>
-                    </a:lnT>
-                    <a:lnB w="6350" cap="flat" cmpd="sng" algn="ctr">
-                      <a:solidFill>
-                        <a:srgbClr val="000000"/>
-                      </a:solidFill>
-                      <a:prstDash val="solid"/>
-                      <a:round/>
-                      <a:headEnd type="none" w="med" len="med"/>
-                      <a:tailEnd type="none" w="med" len="med"/>
-                    </a:lnB>
-                  </a:tcPr>
-                </a:tc>
-                <a:tc>
-                  <a:txBody>
-                    <a:bodyPr/>
-                    <a:lstStyle/>
-                    <a:p>
-                      <a:pPr algn="r" fontAlgn="b"/>
-                      <a:r>
-                        <a:rPr lang="en-US" sz="1100" b="0" i="0" u="none" strike="noStrike">
-                          <a:solidFill>
-                            <a:srgbClr val="000000"/>
-                          </a:solidFill>
-                          <a:effectLst/>
-                          <a:latin typeface="Calibri" panose="020F0502020204030204" pitchFamily="34" charset="0"/>
-                        </a:rPr>
-                        <a:t>14</a:t>
-                      </a:r>
-                    </a:p>
-                  </a:txBody>
-                  <a:tcPr marL="6350" marR="6350" marT="6350" marB="0" anchor="b">
-                    <a:lnL w="6350" cap="flat" cmpd="sng" algn="ctr">
-                      <a:solidFill>
-                        <a:srgbClr val="000000"/>
-                      </a:solidFill>
-                      <a:prstDash val="solid"/>
-                      <a:round/>
-                      <a:headEnd type="none" w="med" len="med"/>
-                      <a:tailEnd type="none" w="med" len="med"/>
-                    </a:lnL>
-                    <a:lnR w="6350" cap="flat" cmpd="sng" algn="ctr">
-                      <a:solidFill>
-                        <a:srgbClr val="000000"/>
-                      </a:solidFill>
-                      <a:prstDash val="solid"/>
-                      <a:round/>
-                      <a:headEnd type="none" w="med" len="med"/>
-                      <a:tailEnd type="none" w="med" len="med"/>
-                    </a:lnR>
-                    <a:lnT w="6350" cap="flat" cmpd="sng" algn="ctr">
-                      <a:solidFill>
-                        <a:srgbClr val="000000"/>
-                      </a:solidFill>
-                      <a:prstDash val="solid"/>
-                      <a:round/>
-                      <a:headEnd type="none" w="med" len="med"/>
-                      <a:tailEnd type="none" w="med" len="med"/>
-                    </a:lnT>
-                    <a:lnB w="6350" cap="flat" cmpd="sng" algn="ctr">
-                      <a:solidFill>
-                        <a:srgbClr val="000000"/>
-                      </a:solidFill>
-                      <a:prstDash val="solid"/>
-                      <a:round/>
-                      <a:headEnd type="none" w="med" len="med"/>
-                      <a:tailEnd type="none" w="med" len="med"/>
-                    </a:lnB>
-                  </a:tcPr>
-                </a:tc>
-                <a:tc>
-                  <a:txBody>
-                    <a:bodyPr/>
-                    <a:lstStyle/>
-                    <a:p>
-                      <a:pPr algn="l" fontAlgn="b"/>
-                      <a:r>
-                        <a:rPr lang="en-US" sz="1100" b="0" i="0" u="none" strike="noStrike">
-                          <a:solidFill>
-                            <a:srgbClr val="000000"/>
-                          </a:solidFill>
-                          <a:effectLst/>
-                          <a:latin typeface="Calibri" panose="020F0502020204030204" pitchFamily="34" charset="0"/>
-                        </a:rPr>
-                        <a:t> DE</a:t>
-                      </a:r>
-                    </a:p>
-                  </a:txBody>
-                  <a:tcPr marL="6350" marR="6350" marT="6350" marB="0" anchor="b">
-                    <a:lnL w="6350" cap="flat" cmpd="sng" algn="ctr">
-                      <a:solidFill>
-                        <a:srgbClr val="000000"/>
-                      </a:solidFill>
-                      <a:prstDash val="solid"/>
-                      <a:round/>
-                      <a:headEnd type="none" w="med" len="med"/>
-                      <a:tailEnd type="none" w="med" len="med"/>
-                    </a:lnL>
-                    <a:lnR w="6350" cap="flat" cmpd="sng" algn="ctr">
-                      <a:solidFill>
-                        <a:srgbClr val="000000"/>
-                      </a:solidFill>
-                      <a:prstDash val="solid"/>
-                      <a:round/>
-                      <a:headEnd type="none" w="med" len="med"/>
-                      <a:tailEnd type="none" w="med" len="med"/>
-                    </a:lnR>
-                    <a:lnT w="6350" cap="flat" cmpd="sng" algn="ctr">
-                      <a:solidFill>
-                        <a:srgbClr val="000000"/>
-                      </a:solidFill>
-                      <a:prstDash val="solid"/>
-                      <a:round/>
-                      <a:headEnd type="none" w="med" len="med"/>
-                      <a:tailEnd type="none" w="med" len="med"/>
-                    </a:lnT>
-                    <a:lnB w="6350" cap="flat" cmpd="sng" algn="ctr">
-                      <a:solidFill>
-                        <a:srgbClr val="000000"/>
-                      </a:solidFill>
-                      <a:prstDash val="solid"/>
-                      <a:round/>
-                      <a:headEnd type="none" w="med" len="med"/>
-                      <a:tailEnd type="none" w="med" len="med"/>
-                    </a:lnB>
-                  </a:tcPr>
-                </a:tc>
-                <a:tc>
-                  <a:txBody>
-                    <a:bodyPr/>
-                    <a:lstStyle/>
-                    <a:p>
-                      <a:pPr algn="r" fontAlgn="b"/>
-                      <a:r>
-                        <a:rPr lang="en-US" sz="1100" b="0" i="0" u="none" strike="noStrike">
-                          <a:solidFill>
-                            <a:srgbClr val="000000"/>
-                          </a:solidFill>
-                          <a:effectLst/>
-                          <a:latin typeface="Calibri" panose="020F0502020204030204" pitchFamily="34" charset="0"/>
-                        </a:rPr>
-                        <a:t>2</a:t>
-                      </a:r>
-                    </a:p>
-                  </a:txBody>
-                  <a:tcPr marL="6350" marR="6350" marT="6350" marB="0" anchor="b">
-                    <a:lnL w="6350" cap="flat" cmpd="sng" algn="ctr">
-                      <a:solidFill>
-                        <a:srgbClr val="000000"/>
-                      </a:solidFill>
-                      <a:prstDash val="solid"/>
-                      <a:round/>
-                      <a:headEnd type="none" w="med" len="med"/>
-                      <a:tailEnd type="none" w="med" len="med"/>
-                    </a:lnL>
-                    <a:lnR w="6350" cap="flat" cmpd="sng" algn="ctr">
-                      <a:solidFill>
-                        <a:srgbClr val="000000"/>
-                      </a:solidFill>
-                      <a:prstDash val="solid"/>
-                      <a:round/>
-                      <a:headEnd type="none" w="med" len="med"/>
-                      <a:tailEnd type="none" w="med" len="med"/>
-                    </a:lnR>
-                    <a:lnT w="6350" cap="flat" cmpd="sng" algn="ctr">
-                      <a:solidFill>
-                        <a:srgbClr val="000000"/>
-                      </a:solidFill>
-                      <a:prstDash val="solid"/>
-                      <a:round/>
-                      <a:headEnd type="none" w="med" len="med"/>
-                      <a:tailEnd type="none" w="med" len="med"/>
-                    </a:lnT>
-                    <a:lnB w="6350" cap="flat" cmpd="sng" algn="ctr">
-                      <a:solidFill>
-                        <a:srgbClr val="000000"/>
-                      </a:solidFill>
-                      <a:prstDash val="solid"/>
-                      <a:round/>
-                      <a:headEnd type="none" w="med" len="med"/>
-                      <a:tailEnd type="none" w="med" len="med"/>
-                    </a:lnB>
-                  </a:tcPr>
-                </a:tc>
-                <a:extLst>
-                  <a:ext uri="{0D108BD9-81ED-4DB2-BD59-A6C34878D82A}">
-                    <a16:rowId xmlns:a16="http://schemas.microsoft.com/office/drawing/2014/main" val="69153005"/>
-                  </a:ext>
-                </a:extLst>
-              </a:tr>
-              <a:tr h="238472">
-                <a:tc>
-                  <a:txBody>
-                    <a:bodyPr/>
-                    <a:lstStyle/>
-                    <a:p>
-                      <a:pPr algn="l" fontAlgn="b"/>
-                      <a:r>
-                        <a:rPr lang="en-US" sz="1100" b="0" i="0" u="none" strike="noStrike">
-                          <a:solidFill>
-                            <a:srgbClr val="000000"/>
-                          </a:solidFill>
-                          <a:effectLst/>
-                          <a:latin typeface="Calibri" panose="020F0502020204030204" pitchFamily="34" charset="0"/>
-                        </a:rPr>
-                        <a:t> MA</a:t>
-                      </a:r>
-                    </a:p>
-                  </a:txBody>
-                  <a:tcPr marL="6350" marR="6350" marT="6350" marB="0" anchor="b">
-                    <a:lnL w="6350" cap="flat" cmpd="sng" algn="ctr">
-                      <a:solidFill>
-                        <a:srgbClr val="000000"/>
-                      </a:solidFill>
-                      <a:prstDash val="solid"/>
-                      <a:round/>
-                      <a:headEnd type="none" w="med" len="med"/>
-                      <a:tailEnd type="none" w="med" len="med"/>
-                    </a:lnL>
-                    <a:lnR w="6350" cap="flat" cmpd="sng" algn="ctr">
-                      <a:solidFill>
-                        <a:srgbClr val="000000"/>
-                      </a:solidFill>
-                      <a:prstDash val="solid"/>
-                      <a:round/>
-                      <a:headEnd type="none" w="med" len="med"/>
-                      <a:tailEnd type="none" w="med" len="med"/>
-                    </a:lnR>
-                    <a:lnT w="6350" cap="flat" cmpd="sng" algn="ctr">
-                      <a:solidFill>
-                        <a:srgbClr val="000000"/>
-                      </a:solidFill>
-                      <a:prstDash val="solid"/>
-                      <a:round/>
-                      <a:headEnd type="none" w="med" len="med"/>
-                      <a:tailEnd type="none" w="med" len="med"/>
-                    </a:lnT>
-                    <a:lnB w="6350" cap="flat" cmpd="sng" algn="ctr">
-                      <a:solidFill>
-                        <a:srgbClr val="000000"/>
-                      </a:solidFill>
-                      <a:prstDash val="solid"/>
-                      <a:round/>
-                      <a:headEnd type="none" w="med" len="med"/>
-                      <a:tailEnd type="none" w="med" len="med"/>
-                    </a:lnB>
-                  </a:tcPr>
-                </a:tc>
-                <a:tc>
-                  <a:txBody>
-                    <a:bodyPr/>
-                    <a:lstStyle/>
-                    <a:p>
-                      <a:pPr algn="r" fontAlgn="b"/>
-                      <a:r>
-                        <a:rPr lang="en-US" sz="1100" b="0" i="0" u="none" strike="noStrike">
-                          <a:solidFill>
-                            <a:srgbClr val="000000"/>
-                          </a:solidFill>
-                          <a:effectLst/>
-                          <a:latin typeface="Calibri" panose="020F0502020204030204" pitchFamily="34" charset="0"/>
-                        </a:rPr>
-                        <a:t>82</a:t>
-                      </a:r>
-                    </a:p>
-                  </a:txBody>
-                  <a:tcPr marL="6350" marR="6350" marT="6350" marB="0" anchor="b">
-                    <a:lnL w="6350" cap="flat" cmpd="sng" algn="ctr">
-                      <a:solidFill>
-                        <a:srgbClr val="000000"/>
-                      </a:solidFill>
-                      <a:prstDash val="solid"/>
-                      <a:round/>
-                      <a:headEnd type="none" w="med" len="med"/>
-                      <a:tailEnd type="none" w="med" len="med"/>
-                    </a:lnL>
-                    <a:lnR w="6350" cap="flat" cmpd="sng" algn="ctr">
-                      <a:solidFill>
-                        <a:srgbClr val="000000"/>
-                      </a:solidFill>
-                      <a:prstDash val="solid"/>
-                      <a:round/>
-                      <a:headEnd type="none" w="med" len="med"/>
-                      <a:tailEnd type="none" w="med" len="med"/>
-                    </a:lnR>
-                    <a:lnT w="6350" cap="flat" cmpd="sng" algn="ctr">
-                      <a:solidFill>
-                        <a:srgbClr val="000000"/>
-                      </a:solidFill>
-                      <a:prstDash val="solid"/>
-                      <a:round/>
-                      <a:headEnd type="none" w="med" len="med"/>
-                      <a:tailEnd type="none" w="med" len="med"/>
-                    </a:lnT>
-                    <a:lnB w="6350" cap="flat" cmpd="sng" algn="ctr">
-                      <a:solidFill>
-                        <a:srgbClr val="000000"/>
-                      </a:solidFill>
-                      <a:prstDash val="solid"/>
-                      <a:round/>
-                      <a:headEnd type="none" w="med" len="med"/>
-                      <a:tailEnd type="none" w="med" len="med"/>
-                    </a:lnB>
-                  </a:tcPr>
-                </a:tc>
-                <a:tc>
-                  <a:txBody>
-                    <a:bodyPr/>
-                    <a:lstStyle/>
-                    <a:p>
-                      <a:pPr algn="l" fontAlgn="b"/>
-                      <a:r>
-                        <a:rPr lang="en-US" sz="1100" b="0" i="0" u="none" strike="noStrike">
-                          <a:solidFill>
-                            <a:srgbClr val="000000"/>
-                          </a:solidFill>
-                          <a:effectLst/>
-                          <a:latin typeface="Calibri" panose="020F0502020204030204" pitchFamily="34" charset="0"/>
-                        </a:rPr>
-                        <a:t> VA</a:t>
-                      </a:r>
-                    </a:p>
-                  </a:txBody>
-                  <a:tcPr marL="6350" marR="6350" marT="6350" marB="0" anchor="b">
-                    <a:lnL w="6350" cap="flat" cmpd="sng" algn="ctr">
-                      <a:solidFill>
-                        <a:srgbClr val="000000"/>
-                      </a:solidFill>
-                      <a:prstDash val="solid"/>
-                      <a:round/>
-                      <a:headEnd type="none" w="med" len="med"/>
-                      <a:tailEnd type="none" w="med" len="med"/>
-                    </a:lnL>
-                    <a:lnR w="6350" cap="flat" cmpd="sng" algn="ctr">
-                      <a:solidFill>
-                        <a:srgbClr val="000000"/>
-                      </a:solidFill>
-                      <a:prstDash val="solid"/>
-                      <a:round/>
-                      <a:headEnd type="none" w="med" len="med"/>
-                      <a:tailEnd type="none" w="med" len="med"/>
-                    </a:lnR>
-                    <a:lnT w="6350" cap="flat" cmpd="sng" algn="ctr">
-                      <a:solidFill>
-                        <a:srgbClr val="000000"/>
-                      </a:solidFill>
-                      <a:prstDash val="solid"/>
-                      <a:round/>
-                      <a:headEnd type="none" w="med" len="med"/>
-                      <a:tailEnd type="none" w="med" len="med"/>
-                    </a:lnT>
-                    <a:lnB w="6350" cap="flat" cmpd="sng" algn="ctr">
-                      <a:solidFill>
-                        <a:srgbClr val="000000"/>
-                      </a:solidFill>
-                      <a:prstDash val="solid"/>
-                      <a:round/>
-                      <a:headEnd type="none" w="med" len="med"/>
-                      <a:tailEnd type="none" w="med" len="med"/>
-                    </a:lnB>
-                  </a:tcPr>
-                </a:tc>
-                <a:tc>
-                  <a:txBody>
-                    <a:bodyPr/>
-                    <a:lstStyle/>
-                    <a:p>
-                      <a:pPr algn="r" fontAlgn="b"/>
-                      <a:r>
-                        <a:rPr lang="en-US" sz="1100" b="0" i="0" u="none" strike="noStrike">
-                          <a:solidFill>
-                            <a:srgbClr val="000000"/>
-                          </a:solidFill>
-                          <a:effectLst/>
-                          <a:latin typeface="Calibri" panose="020F0502020204030204" pitchFamily="34" charset="0"/>
-                        </a:rPr>
-                        <a:t>40</a:t>
-                      </a:r>
-                    </a:p>
-                  </a:txBody>
-                  <a:tcPr marL="6350" marR="6350" marT="6350" marB="0" anchor="b">
-                    <a:lnL w="6350" cap="flat" cmpd="sng" algn="ctr">
-                      <a:solidFill>
-                        <a:srgbClr val="000000"/>
-                      </a:solidFill>
-                      <a:prstDash val="solid"/>
-                      <a:round/>
-                      <a:headEnd type="none" w="med" len="med"/>
-                      <a:tailEnd type="none" w="med" len="med"/>
-                    </a:lnL>
-                    <a:lnR w="6350" cap="flat" cmpd="sng" algn="ctr">
-                      <a:solidFill>
-                        <a:srgbClr val="000000"/>
-                      </a:solidFill>
-                      <a:prstDash val="solid"/>
-                      <a:round/>
-                      <a:headEnd type="none" w="med" len="med"/>
-                      <a:tailEnd type="none" w="med" len="med"/>
-                    </a:lnR>
-                    <a:lnT w="6350" cap="flat" cmpd="sng" algn="ctr">
-                      <a:solidFill>
-                        <a:srgbClr val="000000"/>
-                      </a:solidFill>
-                      <a:prstDash val="solid"/>
-                      <a:round/>
-                      <a:headEnd type="none" w="med" len="med"/>
-                      <a:tailEnd type="none" w="med" len="med"/>
-                    </a:lnT>
-                    <a:lnB w="6350" cap="flat" cmpd="sng" algn="ctr">
-                      <a:solidFill>
-                        <a:srgbClr val="000000"/>
-                      </a:solidFill>
-                      <a:prstDash val="solid"/>
-                      <a:round/>
-                      <a:headEnd type="none" w="med" len="med"/>
-                      <a:tailEnd type="none" w="med" len="med"/>
-                    </a:lnB>
-                  </a:tcPr>
-                </a:tc>
-                <a:tc>
-                  <a:txBody>
-                    <a:bodyPr/>
-                    <a:lstStyle/>
-                    <a:p>
-                      <a:pPr algn="l" fontAlgn="b"/>
-                      <a:r>
-                        <a:rPr lang="en-US" sz="1100" b="0" i="0" u="none" strike="noStrike">
-                          <a:solidFill>
-                            <a:srgbClr val="000000"/>
-                          </a:solidFill>
-                          <a:effectLst/>
-                          <a:latin typeface="Calibri" panose="020F0502020204030204" pitchFamily="34" charset="0"/>
-                        </a:rPr>
-                        <a:t> NE</a:t>
-                      </a:r>
-                    </a:p>
-                  </a:txBody>
-                  <a:tcPr marL="6350" marR="6350" marT="6350" marB="0" anchor="b">
-                    <a:lnL w="6350" cap="flat" cmpd="sng" algn="ctr">
-                      <a:solidFill>
-                        <a:srgbClr val="000000"/>
-                      </a:solidFill>
-                      <a:prstDash val="solid"/>
-                      <a:round/>
-                      <a:headEnd type="none" w="med" len="med"/>
-                      <a:tailEnd type="none" w="med" len="med"/>
-                    </a:lnL>
-                    <a:lnR w="6350" cap="flat" cmpd="sng" algn="ctr">
-                      <a:solidFill>
-                        <a:srgbClr val="000000"/>
-                      </a:solidFill>
-                      <a:prstDash val="solid"/>
-                      <a:round/>
-                      <a:headEnd type="none" w="med" len="med"/>
-                      <a:tailEnd type="none" w="med" len="med"/>
-                    </a:lnR>
-                    <a:lnT w="6350" cap="flat" cmpd="sng" algn="ctr">
-                      <a:solidFill>
-                        <a:srgbClr val="000000"/>
-                      </a:solidFill>
-                      <a:prstDash val="solid"/>
-                      <a:round/>
-                      <a:headEnd type="none" w="med" len="med"/>
-                      <a:tailEnd type="none" w="med" len="med"/>
-                    </a:lnT>
-                    <a:lnB w="6350" cap="flat" cmpd="sng" algn="ctr">
-                      <a:solidFill>
-                        <a:srgbClr val="000000"/>
-                      </a:solidFill>
-                      <a:prstDash val="solid"/>
-                      <a:round/>
-                      <a:headEnd type="none" w="med" len="med"/>
-                      <a:tailEnd type="none" w="med" len="med"/>
-                    </a:lnB>
-                  </a:tcPr>
-                </a:tc>
-                <a:tc>
-                  <a:txBody>
-                    <a:bodyPr/>
-                    <a:lstStyle/>
-                    <a:p>
-                      <a:pPr algn="r" fontAlgn="b"/>
-                      <a:r>
-                        <a:rPr lang="en-US" sz="1100" b="0" i="0" u="none" strike="noStrike">
-                          <a:solidFill>
-                            <a:srgbClr val="000000"/>
-                          </a:solidFill>
-                          <a:effectLst/>
-                          <a:latin typeface="Calibri" panose="020F0502020204030204" pitchFamily="34" charset="0"/>
-                        </a:rPr>
-                        <a:t>25</a:t>
-                      </a:r>
-                    </a:p>
-                  </a:txBody>
-                  <a:tcPr marL="6350" marR="6350" marT="6350" marB="0" anchor="b">
-                    <a:lnL w="6350" cap="flat" cmpd="sng" algn="ctr">
-                      <a:solidFill>
-                        <a:srgbClr val="000000"/>
-                      </a:solidFill>
-                      <a:prstDash val="solid"/>
-                      <a:round/>
-                      <a:headEnd type="none" w="med" len="med"/>
-                      <a:tailEnd type="none" w="med" len="med"/>
-                    </a:lnL>
-                    <a:lnR w="6350" cap="flat" cmpd="sng" algn="ctr">
-                      <a:solidFill>
-                        <a:srgbClr val="000000"/>
-                      </a:solidFill>
-                      <a:prstDash val="solid"/>
-                      <a:round/>
-                      <a:headEnd type="none" w="med" len="med"/>
-                      <a:tailEnd type="none" w="med" len="med"/>
-                    </a:lnR>
-                    <a:lnT w="6350" cap="flat" cmpd="sng" algn="ctr">
-                      <a:solidFill>
-                        <a:srgbClr val="000000"/>
-                      </a:solidFill>
-                      <a:prstDash val="solid"/>
-                      <a:round/>
-                      <a:headEnd type="none" w="med" len="med"/>
-                      <a:tailEnd type="none" w="med" len="med"/>
-                    </a:lnT>
-                    <a:lnB w="6350" cap="flat" cmpd="sng" algn="ctr">
-                      <a:solidFill>
-                        <a:srgbClr val="000000"/>
-                      </a:solidFill>
-                      <a:prstDash val="solid"/>
-                      <a:round/>
-                      <a:headEnd type="none" w="med" len="med"/>
-                      <a:tailEnd type="none" w="med" len="med"/>
-                    </a:lnB>
-                  </a:tcPr>
-                </a:tc>
-                <a:tc>
-                  <a:txBody>
-                    <a:bodyPr/>
-                    <a:lstStyle/>
-                    <a:p>
-                      <a:pPr algn="l" fontAlgn="b"/>
-                      <a:r>
-                        <a:rPr lang="en-US" sz="1100" b="0" i="0" u="none" strike="noStrike">
-                          <a:solidFill>
-                            <a:srgbClr val="000000"/>
-                          </a:solidFill>
-                          <a:effectLst/>
-                          <a:latin typeface="Calibri" panose="020F0502020204030204" pitchFamily="34" charset="0"/>
-                        </a:rPr>
-                        <a:t> MS</a:t>
-                      </a:r>
-                    </a:p>
-                  </a:txBody>
-                  <a:tcPr marL="6350" marR="6350" marT="6350" marB="0" anchor="b">
-                    <a:lnL w="6350" cap="flat" cmpd="sng" algn="ctr">
-                      <a:solidFill>
-                        <a:srgbClr val="000000"/>
-                      </a:solidFill>
-                      <a:prstDash val="solid"/>
-                      <a:round/>
-                      <a:headEnd type="none" w="med" len="med"/>
-                      <a:tailEnd type="none" w="med" len="med"/>
-                    </a:lnL>
-                    <a:lnR w="6350" cap="flat" cmpd="sng" algn="ctr">
-                      <a:solidFill>
-                        <a:srgbClr val="000000"/>
-                      </a:solidFill>
-                      <a:prstDash val="solid"/>
-                      <a:round/>
-                      <a:headEnd type="none" w="med" len="med"/>
-                      <a:tailEnd type="none" w="med" len="med"/>
-                    </a:lnR>
-                    <a:lnT w="6350" cap="flat" cmpd="sng" algn="ctr">
-                      <a:solidFill>
-                        <a:srgbClr val="000000"/>
-                      </a:solidFill>
-                      <a:prstDash val="solid"/>
-                      <a:round/>
-                      <a:headEnd type="none" w="med" len="med"/>
-                      <a:tailEnd type="none" w="med" len="med"/>
-                    </a:lnT>
-                    <a:lnB w="6350" cap="flat" cmpd="sng" algn="ctr">
-                      <a:solidFill>
-                        <a:srgbClr val="000000"/>
-                      </a:solidFill>
-                      <a:prstDash val="solid"/>
-                      <a:round/>
-                      <a:headEnd type="none" w="med" len="med"/>
-                      <a:tailEnd type="none" w="med" len="med"/>
-                    </a:lnB>
-                  </a:tcPr>
-                </a:tc>
-                <a:tc>
-                  <a:txBody>
-                    <a:bodyPr/>
-                    <a:lstStyle/>
-                    <a:p>
-                      <a:pPr algn="r" fontAlgn="b"/>
-                      <a:r>
-                        <a:rPr lang="en-US" sz="1100" b="0" i="0" u="none" strike="noStrike">
-                          <a:solidFill>
-                            <a:srgbClr val="000000"/>
-                          </a:solidFill>
-                          <a:effectLst/>
-                          <a:latin typeface="Calibri" panose="020F0502020204030204" pitchFamily="34" charset="0"/>
-                        </a:rPr>
-                        <a:t>11</a:t>
-                      </a:r>
-                    </a:p>
-                  </a:txBody>
-                  <a:tcPr marL="6350" marR="6350" marT="6350" marB="0" anchor="b">
-                    <a:lnL w="6350" cap="flat" cmpd="sng" algn="ctr">
-                      <a:solidFill>
-                        <a:srgbClr val="000000"/>
-                      </a:solidFill>
-                      <a:prstDash val="solid"/>
-                      <a:round/>
-                      <a:headEnd type="none" w="med" len="med"/>
-                      <a:tailEnd type="none" w="med" len="med"/>
-                    </a:lnL>
-                    <a:lnR w="6350" cap="flat" cmpd="sng" algn="ctr">
-                      <a:solidFill>
-                        <a:srgbClr val="000000"/>
-                      </a:solidFill>
-                      <a:prstDash val="solid"/>
-                      <a:round/>
-                      <a:headEnd type="none" w="med" len="med"/>
-                      <a:tailEnd type="none" w="med" len="med"/>
-                    </a:lnR>
-                    <a:lnT w="6350" cap="flat" cmpd="sng" algn="ctr">
-                      <a:solidFill>
-                        <a:srgbClr val="000000"/>
-                      </a:solidFill>
-                      <a:prstDash val="solid"/>
-                      <a:round/>
-                      <a:headEnd type="none" w="med" len="med"/>
-                      <a:tailEnd type="none" w="med" len="med"/>
-                    </a:lnT>
-                    <a:lnB w="6350" cap="flat" cmpd="sng" algn="ctr">
-                      <a:solidFill>
-                        <a:srgbClr val="000000"/>
-                      </a:solidFill>
-                      <a:prstDash val="solid"/>
-                      <a:round/>
-                      <a:headEnd type="none" w="med" len="med"/>
-                      <a:tailEnd type="none" w="med" len="med"/>
-                    </a:lnB>
-                  </a:tcPr>
-                </a:tc>
-                <a:tc>
-                  <a:txBody>
-                    <a:bodyPr/>
-                    <a:lstStyle/>
-                    <a:p>
-                      <a:pPr algn="l" fontAlgn="b"/>
-                      <a:r>
-                        <a:rPr lang="en-US" sz="1100" b="0" i="0" u="none" strike="noStrike">
-                          <a:solidFill>
-                            <a:srgbClr val="000000"/>
-                          </a:solidFill>
-                          <a:effectLst/>
-                          <a:latin typeface="Calibri" panose="020F0502020204030204" pitchFamily="34" charset="0"/>
-                        </a:rPr>
-                        <a:t> WV</a:t>
-                      </a:r>
-                    </a:p>
-                  </a:txBody>
-                  <a:tcPr marL="6350" marR="6350" marT="6350" marB="0" anchor="b">
-                    <a:lnL w="6350" cap="flat" cmpd="sng" algn="ctr">
-                      <a:solidFill>
-                        <a:srgbClr val="000000"/>
-                      </a:solidFill>
-                      <a:prstDash val="solid"/>
-                      <a:round/>
-                      <a:headEnd type="none" w="med" len="med"/>
-                      <a:tailEnd type="none" w="med" len="med"/>
-                    </a:lnL>
-                    <a:lnR w="6350" cap="flat" cmpd="sng" algn="ctr">
-                      <a:solidFill>
-                        <a:srgbClr val="000000"/>
-                      </a:solidFill>
-                      <a:prstDash val="solid"/>
-                      <a:round/>
-                      <a:headEnd type="none" w="med" len="med"/>
-                      <a:tailEnd type="none" w="med" len="med"/>
-                    </a:lnR>
-                    <a:lnT w="6350" cap="flat" cmpd="sng" algn="ctr">
-                      <a:solidFill>
-                        <a:srgbClr val="000000"/>
-                      </a:solidFill>
-                      <a:prstDash val="solid"/>
-                      <a:round/>
-                      <a:headEnd type="none" w="med" len="med"/>
-                      <a:tailEnd type="none" w="med" len="med"/>
-                    </a:lnT>
-                    <a:lnB w="6350" cap="flat" cmpd="sng" algn="ctr">
-                      <a:solidFill>
-                        <a:srgbClr val="000000"/>
-                      </a:solidFill>
-                      <a:prstDash val="solid"/>
-                      <a:round/>
-                      <a:headEnd type="none" w="med" len="med"/>
-                      <a:tailEnd type="none" w="med" len="med"/>
-                    </a:lnB>
-                  </a:tcPr>
-                </a:tc>
-                <a:tc>
-                  <a:txBody>
-                    <a:bodyPr/>
-                    <a:lstStyle/>
-                    <a:p>
-                      <a:pPr algn="r" fontAlgn="b"/>
-                      <a:r>
-                        <a:rPr lang="en-US" sz="1100" b="0" i="0" u="none" strike="noStrike">
-                          <a:solidFill>
-                            <a:srgbClr val="000000"/>
-                          </a:solidFill>
-                          <a:effectLst/>
-                          <a:latin typeface="Calibri" panose="020F0502020204030204" pitchFamily="34" charset="0"/>
-                        </a:rPr>
-                        <a:t>2</a:t>
-                      </a:r>
-                    </a:p>
-                  </a:txBody>
-                  <a:tcPr marL="6350" marR="6350" marT="6350" marB="0" anchor="b">
-                    <a:lnL w="6350" cap="flat" cmpd="sng" algn="ctr">
-                      <a:solidFill>
-                        <a:srgbClr val="000000"/>
-                      </a:solidFill>
-                      <a:prstDash val="solid"/>
-                      <a:round/>
-                      <a:headEnd type="none" w="med" len="med"/>
-                      <a:tailEnd type="none" w="med" len="med"/>
-                    </a:lnL>
-                    <a:lnR w="6350" cap="flat" cmpd="sng" algn="ctr">
-                      <a:solidFill>
-                        <a:srgbClr val="000000"/>
-                      </a:solidFill>
-                      <a:prstDash val="solid"/>
-                      <a:round/>
-                      <a:headEnd type="none" w="med" len="med"/>
-                      <a:tailEnd type="none" w="med" len="med"/>
-                    </a:lnR>
-                    <a:lnT w="6350" cap="flat" cmpd="sng" algn="ctr">
-                      <a:solidFill>
-                        <a:srgbClr val="000000"/>
-                      </a:solidFill>
-                      <a:prstDash val="solid"/>
-                      <a:round/>
-                      <a:headEnd type="none" w="med" len="med"/>
-                      <a:tailEnd type="none" w="med" len="med"/>
-                    </a:lnT>
-                    <a:lnB w="6350" cap="flat" cmpd="sng" algn="ctr">
-                      <a:solidFill>
-                        <a:srgbClr val="000000"/>
-                      </a:solidFill>
-                      <a:prstDash val="solid"/>
-                      <a:round/>
-                      <a:headEnd type="none" w="med" len="med"/>
-                      <a:tailEnd type="none" w="med" len="med"/>
-                    </a:lnB>
-                  </a:tcPr>
-                </a:tc>
-                <a:extLst>
-                  <a:ext uri="{0D108BD9-81ED-4DB2-BD59-A6C34878D82A}">
-                    <a16:rowId xmlns:a16="http://schemas.microsoft.com/office/drawing/2014/main" val="3220578478"/>
-                  </a:ext>
-                </a:extLst>
-              </a:tr>
-              <a:tr h="238472">
-                <a:tc>
-                  <a:txBody>
-                    <a:bodyPr/>
-                    <a:lstStyle/>
-                    <a:p>
-                      <a:pPr algn="l" fontAlgn="b"/>
-                      <a:endParaRPr lang="en-US" sz="1100" b="0" i="0" u="none" strike="noStrike">
-                        <a:solidFill>
-                          <a:srgbClr val="000000"/>
-                        </a:solidFill>
-                        <a:effectLst/>
-                        <a:latin typeface="Calibri" panose="020F0502020204030204" pitchFamily="34" charset="0"/>
-                      </a:endParaRPr>
-                    </a:p>
-                  </a:txBody>
-                  <a:tcPr marL="6350" marR="6350" marT="6350" marB="0" anchor="b">
-                    <a:lnL>
-                      <a:noFill/>
-                    </a:lnL>
-                    <a:lnR>
-                      <a:noFill/>
-                    </a:lnR>
-                    <a:lnT w="6350" cap="flat" cmpd="sng" algn="ctr">
-                      <a:solidFill>
-                        <a:srgbClr val="000000"/>
-                      </a:solidFill>
-                      <a:prstDash val="solid"/>
-                      <a:round/>
-                      <a:headEnd type="none" w="med" len="med"/>
-                      <a:tailEnd type="none" w="med" len="med"/>
-                    </a:lnT>
-                    <a:lnB>
-                      <a:noFill/>
-                    </a:lnB>
-                  </a:tcPr>
-                </a:tc>
-                <a:tc>
-                  <a:txBody>
-                    <a:bodyPr/>
-                    <a:lstStyle/>
-                    <a:p>
-                      <a:pPr algn="l" fontAlgn="b"/>
-                      <a:endParaRPr lang="en-US" sz="1100" b="0" i="0" u="none" strike="noStrike">
-                        <a:solidFill>
-                          <a:srgbClr val="000000"/>
-                        </a:solidFill>
-                        <a:effectLst/>
-                        <a:latin typeface="Calibri" panose="020F0502020204030204" pitchFamily="34" charset="0"/>
-                      </a:endParaRPr>
-                    </a:p>
-                  </a:txBody>
-                  <a:tcPr marL="6350" marR="6350" marT="6350" marB="0" anchor="b">
-                    <a:lnL>
-                      <a:noFill/>
-                    </a:lnL>
-                    <a:lnR>
-                      <a:noFill/>
-                    </a:lnR>
-                    <a:lnT w="6350" cap="flat" cmpd="sng" algn="ctr">
-                      <a:solidFill>
-                        <a:srgbClr val="000000"/>
-                      </a:solidFill>
-                      <a:prstDash val="solid"/>
-                      <a:round/>
-                      <a:headEnd type="none" w="med" len="med"/>
-                      <a:tailEnd type="none" w="med" len="med"/>
-                    </a:lnT>
-                    <a:lnB>
-                      <a:noFill/>
-                    </a:lnB>
-                  </a:tcPr>
-                </a:tc>
-                <a:tc>
-                  <a:txBody>
-                    <a:bodyPr/>
-                    <a:lstStyle/>
-                    <a:p>
-                      <a:pPr algn="l" fontAlgn="b"/>
-                      <a:endParaRPr lang="en-US" sz="1100" b="0" i="0" u="none" strike="noStrike">
-                        <a:solidFill>
-                          <a:srgbClr val="000000"/>
-                        </a:solidFill>
-                        <a:effectLst/>
-                        <a:latin typeface="Calibri" panose="020F0502020204030204" pitchFamily="34" charset="0"/>
-                      </a:endParaRPr>
-                    </a:p>
-                  </a:txBody>
-                  <a:tcPr marL="6350" marR="6350" marT="6350" marB="0" anchor="b">
-                    <a:lnL>
-                      <a:noFill/>
-                    </a:lnL>
-                    <a:lnR>
-                      <a:noFill/>
-                    </a:lnR>
-                    <a:lnT w="6350" cap="flat" cmpd="sng" algn="ctr">
-                      <a:solidFill>
-                        <a:srgbClr val="000000"/>
-                      </a:solidFill>
-                      <a:prstDash val="solid"/>
-                      <a:round/>
-                      <a:headEnd type="none" w="med" len="med"/>
-                      <a:tailEnd type="none" w="med" len="med"/>
-                    </a:lnT>
-                    <a:lnB>
-                      <a:noFill/>
-                    </a:lnB>
-                  </a:tcPr>
-                </a:tc>
-                <a:tc>
-                  <a:txBody>
-                    <a:bodyPr/>
-                    <a:lstStyle/>
-                    <a:p>
-                      <a:pPr algn="l" fontAlgn="b"/>
-                      <a:endParaRPr lang="en-US" sz="1100" b="0" i="0" u="none" strike="noStrike">
-                        <a:solidFill>
-                          <a:srgbClr val="000000"/>
-                        </a:solidFill>
-                        <a:effectLst/>
-                        <a:latin typeface="Calibri" panose="020F0502020204030204" pitchFamily="34" charset="0"/>
-                      </a:endParaRPr>
-                    </a:p>
-                  </a:txBody>
-                  <a:tcPr marL="6350" marR="6350" marT="6350" marB="0" anchor="b">
-                    <a:lnL>
-                      <a:noFill/>
-                    </a:lnL>
-                    <a:lnR>
-                      <a:noFill/>
-                    </a:lnR>
-                    <a:lnT w="6350" cap="flat" cmpd="sng" algn="ctr">
-                      <a:solidFill>
-                        <a:srgbClr val="000000"/>
-                      </a:solidFill>
-                      <a:prstDash val="solid"/>
-                      <a:round/>
-                      <a:headEnd type="none" w="med" len="med"/>
-                      <a:tailEnd type="none" w="med" len="med"/>
-                    </a:lnT>
-                    <a:lnB>
-                      <a:noFill/>
-                    </a:lnB>
-                  </a:tcPr>
-                </a:tc>
-                <a:tc>
-                  <a:txBody>
-                    <a:bodyPr/>
-                    <a:lstStyle/>
-                    <a:p>
-                      <a:pPr algn="l" fontAlgn="b"/>
-                      <a:endParaRPr lang="en-US" sz="1100" b="0" i="0" u="none" strike="noStrike">
-                        <a:solidFill>
-                          <a:srgbClr val="000000"/>
-                        </a:solidFill>
-                        <a:effectLst/>
-                        <a:latin typeface="Calibri" panose="020F0502020204030204" pitchFamily="34" charset="0"/>
-                      </a:endParaRPr>
-                    </a:p>
-                  </a:txBody>
-                  <a:tcPr marL="6350" marR="6350" marT="6350" marB="0" anchor="b">
-                    <a:lnL>
-                      <a:noFill/>
-                    </a:lnL>
-                    <a:lnR>
-                      <a:noFill/>
-                    </a:lnR>
-                    <a:lnT w="6350" cap="flat" cmpd="sng" algn="ctr">
-                      <a:solidFill>
-                        <a:srgbClr val="000000"/>
-                      </a:solidFill>
-                      <a:prstDash val="solid"/>
-                      <a:round/>
-                      <a:headEnd type="none" w="med" len="med"/>
-                      <a:tailEnd type="none" w="med" len="med"/>
-                    </a:lnT>
-                    <a:lnB>
-                      <a:noFill/>
-                    </a:lnB>
-                  </a:tcPr>
-                </a:tc>
-                <a:tc>
-                  <a:txBody>
-                    <a:bodyPr/>
-                    <a:lstStyle/>
-                    <a:p>
-                      <a:pPr algn="l" fontAlgn="b"/>
-                      <a:endParaRPr lang="en-US" sz="1100" b="0" i="0" u="none" strike="noStrike">
-                        <a:solidFill>
-                          <a:srgbClr val="000000"/>
-                        </a:solidFill>
-                        <a:effectLst/>
-                        <a:latin typeface="Calibri" panose="020F0502020204030204" pitchFamily="34" charset="0"/>
-                      </a:endParaRPr>
-                    </a:p>
-                  </a:txBody>
-                  <a:tcPr marL="6350" marR="6350" marT="6350" marB="0" anchor="b">
-                    <a:lnL>
-                      <a:noFill/>
-                    </a:lnL>
-                    <a:lnR>
-                      <a:noFill/>
-                    </a:lnR>
-                    <a:lnT w="6350" cap="flat" cmpd="sng" algn="ctr">
-                      <a:solidFill>
-                        <a:srgbClr val="000000"/>
-                      </a:solidFill>
-                      <a:prstDash val="solid"/>
-                      <a:round/>
-                      <a:headEnd type="none" w="med" len="med"/>
-                      <a:tailEnd type="none" w="med" len="med"/>
-                    </a:lnT>
-                    <a:lnB>
-                      <a:noFill/>
-                    </a:lnB>
-                  </a:tcPr>
-                </a:tc>
-                <a:tc>
-                  <a:txBody>
-                    <a:bodyPr/>
-                    <a:lstStyle/>
-                    <a:p>
-                      <a:pPr algn="l" fontAlgn="b"/>
-                      <a:endParaRPr lang="en-US" sz="1100" b="0" i="0" u="none" strike="noStrike">
-                        <a:solidFill>
-                          <a:srgbClr val="000000"/>
-                        </a:solidFill>
-                        <a:effectLst/>
-                        <a:latin typeface="Calibri" panose="020F0502020204030204" pitchFamily="34" charset="0"/>
-                      </a:endParaRPr>
-                    </a:p>
-                  </a:txBody>
-                  <a:tcPr marL="6350" marR="6350" marT="6350" marB="0" anchor="b">
-                    <a:lnL>
-                      <a:noFill/>
-                    </a:lnL>
-                    <a:lnR>
-                      <a:noFill/>
-                    </a:lnR>
-                    <a:lnT w="6350" cap="flat" cmpd="sng" algn="ctr">
-                      <a:solidFill>
-                        <a:srgbClr val="000000"/>
-                      </a:solidFill>
-                      <a:prstDash val="solid"/>
-                      <a:round/>
-                      <a:headEnd type="none" w="med" len="med"/>
-                      <a:tailEnd type="none" w="med" len="med"/>
-                    </a:lnT>
-                    <a:lnB>
-                      <a:noFill/>
-                    </a:lnB>
-                  </a:tcPr>
-                </a:tc>
-                <a:tc>
-                  <a:txBody>
-                    <a:bodyPr/>
-                    <a:lstStyle/>
-                    <a:p>
-                      <a:pPr algn="l" fontAlgn="b"/>
-                      <a:endParaRPr lang="en-US" sz="1100" b="0" i="0" u="none" strike="noStrike">
-                        <a:solidFill>
-                          <a:srgbClr val="000000"/>
-                        </a:solidFill>
-                        <a:effectLst/>
-                        <a:latin typeface="Calibri" panose="020F0502020204030204" pitchFamily="34" charset="0"/>
-                      </a:endParaRPr>
-                    </a:p>
-                  </a:txBody>
-                  <a:tcPr marL="6350" marR="6350" marT="6350" marB="0" anchor="b">
-                    <a:lnL>
-                      <a:noFill/>
-                    </a:lnL>
-                    <a:lnR w="6350" cap="flat" cmpd="sng" algn="ctr">
-                      <a:solidFill>
-                        <a:srgbClr val="000000"/>
-                      </a:solidFill>
-                      <a:prstDash val="solid"/>
-                      <a:round/>
-                      <a:headEnd type="none" w="med" len="med"/>
-                      <a:tailEnd type="none" w="med" len="med"/>
-                    </a:lnR>
-                    <a:lnT w="6350" cap="flat" cmpd="sng" algn="ctr">
-                      <a:solidFill>
-                        <a:srgbClr val="000000"/>
-                      </a:solidFill>
-                      <a:prstDash val="solid"/>
-                      <a:round/>
-                      <a:headEnd type="none" w="med" len="med"/>
-                      <a:tailEnd type="none" w="med" len="med"/>
-                    </a:lnT>
-                    <a:lnB>
-                      <a:noFill/>
-                    </a:lnB>
-                  </a:tcPr>
-                </a:tc>
-                <a:tc>
-                  <a:txBody>
-                    <a:bodyPr/>
-                    <a:lstStyle/>
-                    <a:p>
-                      <a:pPr algn="l" fontAlgn="b"/>
-                      <a:r>
-                        <a:rPr lang="en-US" sz="1100" b="0" i="0" u="none" strike="noStrike">
-                          <a:solidFill>
-                            <a:srgbClr val="000000"/>
-                          </a:solidFill>
-                          <a:effectLst/>
-                          <a:latin typeface="Calibri" panose="020F0502020204030204" pitchFamily="34" charset="0"/>
-                        </a:rPr>
-                        <a:t> DC</a:t>
-                      </a:r>
-                    </a:p>
-                  </a:txBody>
-                  <a:tcPr marL="6350" marR="6350" marT="6350" marB="0" anchor="b">
-                    <a:lnL w="6350" cap="flat" cmpd="sng" algn="ctr">
-                      <a:solidFill>
-                        <a:srgbClr val="000000"/>
-                      </a:solidFill>
-                      <a:prstDash val="solid"/>
-                      <a:round/>
-                      <a:headEnd type="none" w="med" len="med"/>
-                      <a:tailEnd type="none" w="med" len="med"/>
-                    </a:lnL>
-                    <a:lnR w="6350" cap="flat" cmpd="sng" algn="ctr">
-                      <a:solidFill>
-                        <a:srgbClr val="000000"/>
-                      </a:solidFill>
-                      <a:prstDash val="solid"/>
-                      <a:round/>
-                      <a:headEnd type="none" w="med" len="med"/>
-                      <a:tailEnd type="none" w="med" len="med"/>
-                    </a:lnR>
-                    <a:lnT w="6350" cap="flat" cmpd="sng" algn="ctr">
-                      <a:solidFill>
-                        <a:srgbClr val="000000"/>
-                      </a:solidFill>
-                      <a:prstDash val="solid"/>
-                      <a:round/>
-                      <a:headEnd type="none" w="med" len="med"/>
-                      <a:tailEnd type="none" w="med" len="med"/>
-                    </a:lnT>
-                    <a:lnB w="6350" cap="flat" cmpd="sng" algn="ctr">
-                      <a:solidFill>
-                        <a:srgbClr val="000000"/>
-                      </a:solidFill>
-                      <a:prstDash val="solid"/>
-                      <a:round/>
-                      <a:headEnd type="none" w="med" len="med"/>
-                      <a:tailEnd type="none" w="med" len="med"/>
-                    </a:lnB>
-                    <a:solidFill>
-                      <a:srgbClr val="E7E6E6"/>
-                    </a:solidFill>
-                  </a:tcPr>
-                </a:tc>
-                <a:tc>
-                  <a:txBody>
-                    <a:bodyPr/>
-                    <a:lstStyle/>
-                    <a:p>
-                      <a:pPr algn="r" fontAlgn="b"/>
-                      <a:r>
-                        <a:rPr lang="en-US" sz="1100" b="0" i="0" u="none" strike="noStrike" dirty="0">
-                          <a:solidFill>
-                            <a:srgbClr val="000000"/>
-                          </a:solidFill>
-                          <a:effectLst/>
-                          <a:latin typeface="Calibri" panose="020F0502020204030204" pitchFamily="34" charset="0"/>
-                        </a:rPr>
-                        <a:t>8</a:t>
-                      </a:r>
-                    </a:p>
-                  </a:txBody>
-                  <a:tcPr marL="6350" marR="6350" marT="6350" marB="0" anchor="b">
-                    <a:lnL w="6350" cap="flat" cmpd="sng" algn="ctr">
-                      <a:solidFill>
-                        <a:srgbClr val="000000"/>
-                      </a:solidFill>
-                      <a:prstDash val="solid"/>
-                      <a:round/>
-                      <a:headEnd type="none" w="med" len="med"/>
-                      <a:tailEnd type="none" w="med" len="med"/>
-                    </a:lnL>
-                    <a:lnR w="6350" cap="flat" cmpd="sng" algn="ctr">
-                      <a:solidFill>
-                        <a:srgbClr val="000000"/>
-                      </a:solidFill>
-                      <a:prstDash val="solid"/>
-                      <a:round/>
-                      <a:headEnd type="none" w="med" len="med"/>
-                      <a:tailEnd type="none" w="med" len="med"/>
-                    </a:lnR>
-                    <a:lnT w="6350" cap="flat" cmpd="sng" algn="ctr">
-                      <a:solidFill>
-                        <a:srgbClr val="000000"/>
-                      </a:solidFill>
-                      <a:prstDash val="solid"/>
-                      <a:round/>
-                      <a:headEnd type="none" w="med" len="med"/>
-                      <a:tailEnd type="none" w="med" len="med"/>
-                    </a:lnT>
-                    <a:lnB w="6350" cap="flat" cmpd="sng" algn="ctr">
-                      <a:solidFill>
-                        <a:srgbClr val="000000"/>
-                      </a:solidFill>
-                      <a:prstDash val="solid"/>
-                      <a:round/>
-                      <a:headEnd type="none" w="med" len="med"/>
-                      <a:tailEnd type="none" w="med" len="med"/>
-                    </a:lnB>
-                    <a:solidFill>
-                      <a:srgbClr val="E7E6E6"/>
-                    </a:solidFill>
-                  </a:tcPr>
-                </a:tc>
-                <a:extLst>
-                  <a:ext uri="{0D108BD9-81ED-4DB2-BD59-A6C34878D82A}">
-                    <a16:rowId xmlns:a16="http://schemas.microsoft.com/office/drawing/2014/main" val="4261975936"/>
-                  </a:ext>
-                </a:extLst>
-              </a:tr>
-            </a:tbl>
-          </a:graphicData>
-        </a:graphic>
-      </p:graphicFrame>
+          <p:cNvPicPr>
+            <a:picLocks noChangeAspect="1"/>
+          </p:cNvPicPr>
+          <p:nvPr/>
+        </p:nvPicPr>
+        <p:blipFill>
+          <a:blip r:embed="rId3"/>
+          <a:stretch>
+            <a:fillRect/>
+          </a:stretch>
+        </p:blipFill>
+        <p:spPr>
+          <a:xfrm>
+            <a:off x="889266" y="1930400"/>
+            <a:ext cx="3546150" cy="3096117"/>
+          </a:xfrm>
+          <a:prstGeom prst="rect">
+            <a:avLst/>
+          </a:prstGeom>
+        </p:spPr>
+      </p:pic>
     </p:spTree>
     <p:extLst>
       <p:ext uri="{BB962C8B-B14F-4D97-AF65-F5344CB8AC3E}">
@@ -13245,6 +7368,7 @@
           <a:bodyPr/>
           <a:lstStyle/>
           <a:p>
+            <a:pPr algn="ctr"/>
             <a:r>
               <a:rPr lang="en-US" dirty="0">
                 <a:latin typeface="Arial" panose="020B0604020202020204" pitchFamily="34" charset="0"/>
@@ -13278,39 +7402,27 @@
           </a:bodyPr>
           <a:lstStyle/>
           <a:p>
-            <a:pPr marL="0" indent="0">
-              <a:buNone/>
-            </a:pPr>
-            <a:r>
-              <a:rPr lang="en-US" dirty="0">
-                <a:latin typeface="Arial" panose="020B0604020202020204" pitchFamily="34" charset="0"/>
-                <a:cs typeface="Arial" panose="020B0604020202020204" pitchFamily="34" charset="0"/>
-              </a:rPr>
-              <a:t>The ABV and IBU were missing ABV(62) and IBU(1005) values which needed to be resolved to get more accurate data analysis.  </a:t>
-            </a:r>
-          </a:p>
-          <a:p>
-            <a:pPr marL="0" indent="0">
-              <a:buNone/>
-            </a:pPr>
-            <a:r>
-              <a:rPr lang="en-US" dirty="0">
-                <a:latin typeface="Arial" panose="020B0604020202020204" pitchFamily="34" charset="0"/>
-                <a:cs typeface="Arial" panose="020B0604020202020204" pitchFamily="34" charset="0"/>
-              </a:rPr>
-              <a:t>The mice library(Multivariate Imputation by Chained Equations) was chosen to address the missing values.  </a:t>
-            </a:r>
-          </a:p>
-          <a:p>
-            <a:pPr marL="0" indent="0">
-              <a:buNone/>
-            </a:pPr>
-            <a:r>
-              <a:rPr lang="en-US" dirty="0">
-                <a:latin typeface="Arial" panose="020B0604020202020204" pitchFamily="34" charset="0"/>
-                <a:cs typeface="Arial" panose="020B0604020202020204" pitchFamily="34" charset="0"/>
-              </a:rPr>
-              <a:t>MICE uses chosen columns to simulate plausible values for the missing data.</a:t>
+            <a:r>
+              <a:rPr lang="en-US" dirty="0"/>
+              <a:t>Using a function called “MICE” or </a:t>
+            </a:r>
+            <a:r>
+              <a:rPr lang="en-US" b="1" dirty="0"/>
+              <a:t>Multivariate Imputation by Chained Equations</a:t>
+            </a:r>
+            <a:r>
+              <a:rPr lang="en-US" dirty="0"/>
+              <a:t> we were able to infer values for Alcohol by Volume (ABV-62 NA) and  International Bitterness Units (IBU-1005) where missing.</a:t>
+            </a:r>
+            <a:endParaRPr lang="en-US" dirty="0">
+              <a:latin typeface="Arial" panose="020B0604020202020204" pitchFamily="34" charset="0"/>
+              <a:cs typeface="Arial" panose="020B0604020202020204" pitchFamily="34" charset="0"/>
+            </a:endParaRPr>
+          </a:p>
+          <a:p>
+            <a:r>
+              <a:rPr lang="en-US" dirty="0"/>
+              <a:t>The MICE algorithm imputes an incomplete column (the target column) by generating 'plausible' synthetic values given other columns in the data.</a:t>
             </a:r>
           </a:p>
           <a:p>
@@ -13359,7 +7471,7 @@
           <p:cNvPr id="2" name="Title 1">
             <a:extLst>
               <a:ext uri="{FF2B5EF4-FFF2-40B4-BE49-F238E27FC236}">
-                <a16:creationId xmlns:a16="http://schemas.microsoft.com/office/drawing/2014/main" id="{D5415634-8235-4049-8DF4-D9247E4A570D}"/>
+                <a16:creationId xmlns:a16="http://schemas.microsoft.com/office/drawing/2014/main" id="{288CE608-A1DE-45A7-9C83-DAF08AB9DA67}"/>
               </a:ext>
             </a:extLst>
           </p:cNvPr>
@@ -13375,22 +7487,20 @@
           <a:bodyPr/>
           <a:lstStyle/>
           <a:p>
-            <a:r>
-              <a:rPr lang="en-US" dirty="0">
-                <a:latin typeface="Arial" panose="020B0604020202020204" pitchFamily="34" charset="0"/>
-                <a:cs typeface="Arial" panose="020B0604020202020204" pitchFamily="34" charset="0"/>
-              </a:rPr>
-              <a:t>Median Alcohol by Volume</a:t>
+            <a:pPr algn="ctr"/>
+            <a:r>
+              <a:rPr lang="en-US" dirty="0"/>
+              <a:t>Median Alcohol by Volume (ABV) by State</a:t>
             </a:r>
           </a:p>
         </p:txBody>
       </p:sp>
       <p:pic>
         <p:nvPicPr>
-          <p:cNvPr id="4" name="Picture 3">
+          <p:cNvPr id="3" name="Picture 2">
             <a:extLst>
               <a:ext uri="{FF2B5EF4-FFF2-40B4-BE49-F238E27FC236}">
-                <a16:creationId xmlns:a16="http://schemas.microsoft.com/office/drawing/2014/main" id="{C5B30003-7FF8-4186-9A40-56C86794CABC}"/>
+                <a16:creationId xmlns:a16="http://schemas.microsoft.com/office/drawing/2014/main" id="{29912360-7E3D-469E-85D2-B0D221304D0E}"/>
               </a:ext>
             </a:extLst>
           </p:cNvPr>
@@ -13407,48 +7517,53 @@
         </p:blipFill>
         <p:spPr>
           <a:xfrm>
-            <a:off x="5701358" y="1481511"/>
-            <a:ext cx="4583013" cy="2828374"/>
+            <a:off x="1413763" y="2190029"/>
+            <a:ext cx="7123809" cy="4393651"/>
           </a:xfrm>
           <a:prstGeom prst="rect">
             <a:avLst/>
           </a:prstGeom>
         </p:spPr>
       </p:pic>
-      <p:pic>
-        <p:nvPicPr>
-          <p:cNvPr id="6" name="Picture 5">
+      <p:sp>
+        <p:nvSpPr>
+          <p:cNvPr id="5" name="TextBox 4">
             <a:extLst>
               <a:ext uri="{FF2B5EF4-FFF2-40B4-BE49-F238E27FC236}">
-                <a16:creationId xmlns:a16="http://schemas.microsoft.com/office/drawing/2014/main" id="{C4DFF84A-CA38-4426-9310-67023A079140}"/>
+                <a16:creationId xmlns:a16="http://schemas.microsoft.com/office/drawing/2014/main" id="{357AE9C0-4040-415A-BFFA-A601253CB11B}"/>
               </a:ext>
             </a:extLst>
           </p:cNvPr>
-          <p:cNvPicPr>
-            <a:picLocks noChangeAspect="1"/>
-          </p:cNvPicPr>
+          <p:cNvSpPr txBox="1"/>
           <p:nvPr/>
-        </p:nvPicPr>
-        <p:blipFill>
-          <a:blip r:embed="rId3"/>
-          <a:stretch>
-            <a:fillRect/>
-          </a:stretch>
-        </p:blipFill>
+        </p:nvSpPr>
         <p:spPr>
           <a:xfrm>
-            <a:off x="782319" y="1564836"/>
-            <a:ext cx="4447996" cy="2745049"/>
+            <a:off x="1772095" y="5940623"/>
+            <a:ext cx="1452369" cy="307777"/>
           </a:xfrm>
           <a:prstGeom prst="rect">
             <a:avLst/>
           </a:prstGeom>
+          <a:noFill/>
         </p:spPr>
-      </p:pic>
+        <p:txBody>
+          <a:bodyPr wrap="square" rtlCol="0">
+            <a:spAutoFit/>
+          </a:bodyPr>
+          <a:lstStyle/>
+          <a:p>
+            <a:r>
+              <a:rPr lang="en-US" sz="1400" dirty="0"/>
+              <a:t>Bud ABV:5%</a:t>
+            </a:r>
+          </a:p>
+        </p:txBody>
+      </p:sp>
     </p:spTree>
     <p:extLst>
       <p:ext uri="{BB962C8B-B14F-4D97-AF65-F5344CB8AC3E}">
-        <p14:creationId xmlns:p14="http://schemas.microsoft.com/office/powerpoint/2010/main" val="1510032252"/>
+        <p14:creationId xmlns:p14="http://schemas.microsoft.com/office/powerpoint/2010/main" val="3980475663"/>
       </p:ext>
     </p:extLst>
   </p:cSld>
@@ -13480,7 +7595,7 @@
           <p:cNvPr id="2" name="Title 1">
             <a:extLst>
               <a:ext uri="{FF2B5EF4-FFF2-40B4-BE49-F238E27FC236}">
-                <a16:creationId xmlns:a16="http://schemas.microsoft.com/office/drawing/2014/main" id="{288CE608-A1DE-45A7-9C83-DAF08AB9DA67}"/>
+                <a16:creationId xmlns:a16="http://schemas.microsoft.com/office/drawing/2014/main" id="{D5415634-8235-4049-8DF4-D9247E4A570D}"/>
               </a:ext>
             </a:extLst>
           </p:cNvPr>
@@ -13496,19 +7611,23 @@
           <a:bodyPr/>
           <a:lstStyle/>
           <a:p>
-            <a:r>
-              <a:rPr lang="en-US" dirty="0"/>
-              <a:t>Median IBU by State</a:t>
+            <a:pPr algn="ctr"/>
+            <a:r>
+              <a:rPr lang="en-US" dirty="0">
+                <a:latin typeface="Arial" panose="020B0604020202020204" pitchFamily="34" charset="0"/>
+                <a:cs typeface="Arial" panose="020B0604020202020204" pitchFamily="34" charset="0"/>
+              </a:rPr>
+              <a:t>Median International Bitterness Units (IBU) by State</a:t>
             </a:r>
           </a:p>
         </p:txBody>
       </p:sp>
       <p:pic>
         <p:nvPicPr>
-          <p:cNvPr id="4" name="Picture 3">
+          <p:cNvPr id="7" name="Picture 6">
             <a:extLst>
               <a:ext uri="{FF2B5EF4-FFF2-40B4-BE49-F238E27FC236}">
-                <a16:creationId xmlns:a16="http://schemas.microsoft.com/office/drawing/2014/main" id="{5B7839B6-655A-4AE6-887A-6AD3F90F2177}"/>
+                <a16:creationId xmlns:a16="http://schemas.microsoft.com/office/drawing/2014/main" id="{6E3BC9A4-EB62-47D8-B952-675FE3FCF1AA}"/>
               </a:ext>
             </a:extLst>
           </p:cNvPr>
@@ -13525,38 +7644,8 @@
         </p:blipFill>
         <p:spPr>
           <a:xfrm>
-            <a:off x="6220074" y="2413000"/>
-            <a:ext cx="4982925" cy="3075176"/>
-          </a:xfrm>
-          <a:prstGeom prst="rect">
-            <a:avLst/>
-          </a:prstGeom>
-        </p:spPr>
-      </p:pic>
-      <p:pic>
-        <p:nvPicPr>
-          <p:cNvPr id="7" name="Picture 6">
-            <a:extLst>
-              <a:ext uri="{FF2B5EF4-FFF2-40B4-BE49-F238E27FC236}">
-                <a16:creationId xmlns:a16="http://schemas.microsoft.com/office/drawing/2014/main" id="{5817296D-14D1-4EAA-9767-D2351006BB91}"/>
-              </a:ext>
-            </a:extLst>
-          </p:cNvPr>
-          <p:cNvPicPr>
-            <a:picLocks noChangeAspect="1"/>
-          </p:cNvPicPr>
-          <p:nvPr/>
-        </p:nvPicPr>
-        <p:blipFill>
-          <a:blip r:embed="rId3"/>
-          <a:stretch>
-            <a:fillRect/>
-          </a:stretch>
-        </p:blipFill>
-        <p:spPr>
-          <a:xfrm>
-            <a:off x="581661" y="2413000"/>
-            <a:ext cx="5390266" cy="3326564"/>
+            <a:off x="1429638" y="2562050"/>
+            <a:ext cx="5977002" cy="3686350"/>
           </a:xfrm>
           <a:prstGeom prst="rect">
             <a:avLst/>
@@ -13566,7 +7655,7 @@
     </p:spTree>
     <p:extLst>
       <p:ext uri="{BB962C8B-B14F-4D97-AF65-F5344CB8AC3E}">
-        <p14:creationId xmlns:p14="http://schemas.microsoft.com/office/powerpoint/2010/main" val="3980475663"/>
+        <p14:creationId xmlns:p14="http://schemas.microsoft.com/office/powerpoint/2010/main" val="1510032252"/>
       </p:ext>
     </p:extLst>
   </p:cSld>
@@ -13616,6 +7705,7 @@
           </a:bodyPr>
           <a:lstStyle/>
           <a:p>
+            <a:pPr algn="ctr"/>
             <a:r>
               <a:rPr lang="en-US" dirty="0">
                 <a:latin typeface="Arial" panose="020B0604020202020204" pitchFamily="34" charset="0"/>
@@ -13626,238 +7716,66 @@
           </a:p>
         </p:txBody>
       </p:sp>
-      <p:graphicFrame>
-        <p:nvGraphicFramePr>
-          <p:cNvPr id="6" name="Table 5">
+      <p:pic>
+        <p:nvPicPr>
+          <p:cNvPr id="4" name="Picture 3">
             <a:extLst>
               <a:ext uri="{FF2B5EF4-FFF2-40B4-BE49-F238E27FC236}">
-                <a16:creationId xmlns:a16="http://schemas.microsoft.com/office/drawing/2014/main" id="{55E6E44D-332D-479B-833C-B546A5F76FD1}"/>
+                <a16:creationId xmlns:a16="http://schemas.microsoft.com/office/drawing/2014/main" id="{AE15A708-3137-424D-AC8C-D39F65C24E07}"/>
               </a:ext>
             </a:extLst>
           </p:cNvPr>
-          <p:cNvGraphicFramePr>
-            <a:graphicFrameLocks noGrp="1"/>
-          </p:cNvGraphicFramePr>
-          <p:nvPr>
-            <p:extLst>
-              <p:ext uri="{D42A27DB-BD31-4B8C-83A1-F6EECF244321}">
-                <p14:modId xmlns:p14="http://schemas.microsoft.com/office/powerpoint/2010/main" val="1150861079"/>
-              </p:ext>
-            </p:extLst>
-          </p:nvPr>
-        </p:nvGraphicFramePr>
-        <p:xfrm>
-          <a:off x="889739" y="2489063"/>
-          <a:ext cx="4578905" cy="1010920"/>
-        </p:xfrm>
-        <a:graphic>
-          <a:graphicData uri="http://schemas.openxmlformats.org/drawingml/2006/table">
-            <a:tbl>
-              <a:tblPr firstRow="1" bandRow="1">
-                <a:tableStyleId>{5C22544A-7EE6-4342-B048-85BDC9FD1C3A}</a:tableStyleId>
-              </a:tblPr>
-              <a:tblGrid>
-                <a:gridCol w="3059947">
-                  <a:extLst>
-                    <a:ext uri="{9D8B030D-6E8A-4147-A177-3AD203B41FA5}">
-                      <a16:colId xmlns:a16="http://schemas.microsoft.com/office/drawing/2014/main" val="3890387489"/>
-                    </a:ext>
-                  </a:extLst>
-                </a:gridCol>
-                <a:gridCol w="1518958">
-                  <a:extLst>
-                    <a:ext uri="{9D8B030D-6E8A-4147-A177-3AD203B41FA5}">
-                      <a16:colId xmlns:a16="http://schemas.microsoft.com/office/drawing/2014/main" val="134722026"/>
-                    </a:ext>
-                  </a:extLst>
-                </a:gridCol>
-              </a:tblGrid>
-              <a:tr h="370840">
-                <a:tc>
-                  <a:txBody>
-                    <a:bodyPr/>
-                    <a:lstStyle/>
-                    <a:p>
-                      <a:r>
-                        <a:rPr lang="en-US" dirty="0"/>
-                        <a:t>State</a:t>
-                      </a:r>
-                    </a:p>
-                  </a:txBody>
-                  <a:tcPr/>
-                </a:tc>
-                <a:tc>
-                  <a:txBody>
-                    <a:bodyPr/>
-                    <a:lstStyle/>
-                    <a:p>
-                      <a:r>
-                        <a:rPr lang="en-US" dirty="0"/>
-                        <a:t>Alcohol by Volume</a:t>
-                      </a:r>
-                    </a:p>
-                  </a:txBody>
-                  <a:tcPr/>
-                </a:tc>
-                <a:extLst>
-                  <a:ext uri="{0D108BD9-81ED-4DB2-BD59-A6C34878D82A}">
-                    <a16:rowId xmlns:a16="http://schemas.microsoft.com/office/drawing/2014/main" val="836809358"/>
-                  </a:ext>
-                </a:extLst>
-              </a:tr>
-              <a:tr h="370840">
-                <a:tc>
-                  <a:txBody>
-                    <a:bodyPr/>
-                    <a:lstStyle/>
-                    <a:p>
-                      <a:r>
-                        <a:rPr lang="en-US" dirty="0"/>
-                        <a:t>Colorado</a:t>
-                      </a:r>
-                    </a:p>
-                  </a:txBody>
-                  <a:tcPr/>
-                </a:tc>
-                <a:tc>
-                  <a:txBody>
-                    <a:bodyPr/>
-                    <a:lstStyle/>
-                    <a:p>
-                      <a:r>
-                        <a:rPr lang="en-US" dirty="0"/>
-                        <a:t>13%</a:t>
-                      </a:r>
-                    </a:p>
-                  </a:txBody>
-                  <a:tcPr/>
-                </a:tc>
-                <a:extLst>
-                  <a:ext uri="{0D108BD9-81ED-4DB2-BD59-A6C34878D82A}">
-                    <a16:rowId xmlns:a16="http://schemas.microsoft.com/office/drawing/2014/main" val="2380199904"/>
-                  </a:ext>
-                </a:extLst>
-              </a:tr>
-            </a:tbl>
-          </a:graphicData>
-        </a:graphic>
-      </p:graphicFrame>
-      <p:graphicFrame>
-        <p:nvGraphicFramePr>
-          <p:cNvPr id="7" name="Table 6">
+          <p:cNvPicPr>
+            <a:picLocks noChangeAspect="1"/>
+          </p:cNvPicPr>
+          <p:nvPr/>
+        </p:nvPicPr>
+        <p:blipFill>
+          <a:blip r:embed="rId2"/>
+          <a:stretch>
+            <a:fillRect/>
+          </a:stretch>
+        </p:blipFill>
+        <p:spPr>
+          <a:xfrm>
+            <a:off x="1523465" y="2162610"/>
+            <a:ext cx="3767626" cy="2323705"/>
+          </a:xfrm>
+          <a:prstGeom prst="rect">
+            <a:avLst/>
+          </a:prstGeom>
+        </p:spPr>
+      </p:pic>
+      <p:pic>
+        <p:nvPicPr>
+          <p:cNvPr id="5" name="Picture 4">
             <a:extLst>
               <a:ext uri="{FF2B5EF4-FFF2-40B4-BE49-F238E27FC236}">
-                <a16:creationId xmlns:a16="http://schemas.microsoft.com/office/drawing/2014/main" id="{435346F6-D5C1-4B52-B9B8-F09D349B8282}"/>
+                <a16:creationId xmlns:a16="http://schemas.microsoft.com/office/drawing/2014/main" id="{0BAE1DD6-FB34-4538-9C6B-1FB1486DFFA5}"/>
               </a:ext>
             </a:extLst>
           </p:cNvPr>
-          <p:cNvGraphicFramePr>
-            <a:graphicFrameLocks noGrp="1"/>
-          </p:cNvGraphicFramePr>
-          <p:nvPr>
-            <p:extLst>
-              <p:ext uri="{D42A27DB-BD31-4B8C-83A1-F6EECF244321}">
-                <p14:modId xmlns:p14="http://schemas.microsoft.com/office/powerpoint/2010/main" val="2849353981"/>
-              </p:ext>
-            </p:extLst>
-          </p:nvPr>
-        </p:nvGraphicFramePr>
-        <p:xfrm>
-          <a:off x="5648170" y="2489063"/>
-          <a:ext cx="4578906" cy="1010920"/>
-        </p:xfrm>
-        <a:graphic>
-          <a:graphicData uri="http://schemas.openxmlformats.org/drawingml/2006/table">
-            <a:tbl>
-              <a:tblPr firstRow="1" bandRow="1">
-                <a:tableStyleId>{5C22544A-7EE6-4342-B048-85BDC9FD1C3A}</a:tableStyleId>
-              </a:tblPr>
-              <a:tblGrid>
-                <a:gridCol w="2289453">
-                  <a:extLst>
-                    <a:ext uri="{9D8B030D-6E8A-4147-A177-3AD203B41FA5}">
-                      <a16:colId xmlns:a16="http://schemas.microsoft.com/office/drawing/2014/main" val="3890387489"/>
-                    </a:ext>
-                  </a:extLst>
-                </a:gridCol>
-                <a:gridCol w="2289453">
-                  <a:extLst>
-                    <a:ext uri="{9D8B030D-6E8A-4147-A177-3AD203B41FA5}">
-                      <a16:colId xmlns:a16="http://schemas.microsoft.com/office/drawing/2014/main" val="134722026"/>
-                    </a:ext>
-                  </a:extLst>
-                </a:gridCol>
-              </a:tblGrid>
-              <a:tr h="296761">
-                <a:tc>
-                  <a:txBody>
-                    <a:bodyPr/>
-                    <a:lstStyle/>
-                    <a:p>
-                      <a:r>
-                        <a:rPr lang="en-US" dirty="0"/>
-                        <a:t>State</a:t>
-                      </a:r>
-                    </a:p>
-                  </a:txBody>
-                  <a:tcPr/>
-                </a:tc>
-                <a:tc>
-                  <a:txBody>
-                    <a:bodyPr/>
-                    <a:lstStyle/>
-                    <a:p>
-                      <a:r>
-                        <a:rPr lang="en-US" dirty="0"/>
-                        <a:t>International Bitterness Units</a:t>
-                      </a:r>
-                    </a:p>
-                  </a:txBody>
-                  <a:tcPr/>
-                </a:tc>
-                <a:extLst>
-                  <a:ext uri="{0D108BD9-81ED-4DB2-BD59-A6C34878D82A}">
-                    <a16:rowId xmlns:a16="http://schemas.microsoft.com/office/drawing/2014/main" val="836809358"/>
-                  </a:ext>
-                </a:extLst>
-              </a:tr>
-              <a:tr h="370840">
-                <a:tc>
-                  <a:txBody>
-                    <a:bodyPr/>
-                    <a:lstStyle/>
-                    <a:p>
-                      <a:r>
-                        <a:rPr lang="en-US" dirty="0"/>
-                        <a:t>Colorado</a:t>
-                      </a:r>
-                    </a:p>
-                  </a:txBody>
-                  <a:tcPr/>
-                </a:tc>
-                <a:tc>
-                  <a:txBody>
-                    <a:bodyPr/>
-                    <a:lstStyle/>
-                    <a:p>
-                      <a:r>
-                        <a:rPr lang="en-US" dirty="0"/>
-                        <a:t>138</a:t>
-                      </a:r>
-                    </a:p>
-                  </a:txBody>
-                  <a:tcPr/>
-                </a:tc>
-                <a:extLst>
-                  <a:ext uri="{0D108BD9-81ED-4DB2-BD59-A6C34878D82A}">
-                    <a16:rowId xmlns:a16="http://schemas.microsoft.com/office/drawing/2014/main" val="2380199904"/>
-                  </a:ext>
-                </a:extLst>
-              </a:tr>
-            </a:tbl>
-          </a:graphicData>
-        </a:graphic>
-      </p:graphicFrame>
+          <p:cNvPicPr>
+            <a:picLocks noChangeAspect="1"/>
+          </p:cNvPicPr>
+          <p:nvPr/>
+        </p:nvPicPr>
+        <p:blipFill>
+          <a:blip r:embed="rId3"/>
+          <a:stretch>
+            <a:fillRect/>
+          </a:stretch>
+        </p:blipFill>
+        <p:spPr>
+          <a:xfrm>
+            <a:off x="5777294" y="2278020"/>
+            <a:ext cx="3767626" cy="2323705"/>
+          </a:xfrm>
+          <a:prstGeom prst="rect">
+            <a:avLst/>
+          </a:prstGeom>
+        </p:spPr>
+      </p:pic>
     </p:spTree>
     <p:extLst>
       <p:ext uri="{BB962C8B-B14F-4D97-AF65-F5344CB8AC3E}">
@@ -13872,6 +7790,95 @@
 </file>
 
 <file path=ppt/slides/slide7.xml><?xml version="1.0" encoding="utf-8"?>
+<p:sld xmlns:a="http://schemas.openxmlformats.org/drawingml/2006/main" xmlns:r="http://schemas.openxmlformats.org/officeDocument/2006/relationships" xmlns:p="http://schemas.openxmlformats.org/presentationml/2006/main">
+  <p:cSld>
+    <p:spTree>
+      <p:nvGrpSpPr>
+        <p:cNvPr id="1" name=""/>
+        <p:cNvGrpSpPr/>
+        <p:nvPr/>
+      </p:nvGrpSpPr>
+      <p:grpSpPr>
+        <a:xfrm>
+          <a:off x="0" y="0"/>
+          <a:ext cx="0" cy="0"/>
+          <a:chOff x="0" y="0"/>
+          <a:chExt cx="0" cy="0"/>
+        </a:xfrm>
+      </p:grpSpPr>
+      <p:sp>
+        <p:nvSpPr>
+          <p:cNvPr id="2" name="Title 1">
+            <a:extLst>
+              <a:ext uri="{FF2B5EF4-FFF2-40B4-BE49-F238E27FC236}">
+                <a16:creationId xmlns:a16="http://schemas.microsoft.com/office/drawing/2014/main" id="{76B3D8BA-14D0-4F95-89EB-CA134159C737}"/>
+              </a:ext>
+            </a:extLst>
+          </p:cNvPr>
+          <p:cNvSpPr>
+            <a:spLocks noGrp="1"/>
+          </p:cNvSpPr>
+          <p:nvPr>
+            <p:ph type="title"/>
+          </p:nvPr>
+        </p:nvSpPr>
+        <p:spPr/>
+        <p:txBody>
+          <a:bodyPr/>
+          <a:lstStyle/>
+          <a:p>
+            <a:pPr algn="ctr"/>
+            <a:r>
+              <a:rPr lang="en-US" dirty="0"/>
+              <a:t>Histogram of Alcohol by Volumes</a:t>
+            </a:r>
+          </a:p>
+        </p:txBody>
+      </p:sp>
+      <p:pic>
+        <p:nvPicPr>
+          <p:cNvPr id="4" name="Picture 3">
+            <a:extLst>
+              <a:ext uri="{FF2B5EF4-FFF2-40B4-BE49-F238E27FC236}">
+                <a16:creationId xmlns:a16="http://schemas.microsoft.com/office/drawing/2014/main" id="{8944F54C-3F58-422A-A3CD-4D1F16502C30}"/>
+              </a:ext>
+            </a:extLst>
+          </p:cNvPr>
+          <p:cNvPicPr>
+            <a:picLocks noChangeAspect="1"/>
+          </p:cNvPicPr>
+          <p:nvPr/>
+        </p:nvPicPr>
+        <p:blipFill>
+          <a:blip r:embed="rId2"/>
+          <a:stretch>
+            <a:fillRect/>
+          </a:stretch>
+        </p:blipFill>
+        <p:spPr>
+          <a:xfrm>
+            <a:off x="2534095" y="1930400"/>
+            <a:ext cx="7123809" cy="4393651"/>
+          </a:xfrm>
+          <a:prstGeom prst="rect">
+            <a:avLst/>
+          </a:prstGeom>
+        </p:spPr>
+      </p:pic>
+    </p:spTree>
+    <p:extLst>
+      <p:ext uri="{BB962C8B-B14F-4D97-AF65-F5344CB8AC3E}">
+        <p14:creationId xmlns:p14="http://schemas.microsoft.com/office/powerpoint/2010/main" val="435391461"/>
+      </p:ext>
+    </p:extLst>
+  </p:cSld>
+  <p:clrMapOvr>
+    <a:masterClrMapping/>
+  </p:clrMapOvr>
+</p:sld>
+</file>
+
+<file path=ppt/slides/slide8.xml><?xml version="1.0" encoding="utf-8"?>
 <p:sld xmlns:a="http://schemas.openxmlformats.org/drawingml/2006/main" xmlns:r="http://schemas.openxmlformats.org/officeDocument/2006/relationships" xmlns:p="http://schemas.openxmlformats.org/presentationml/2006/main">
   <p:cSld>
     <p:bg>
@@ -13929,94 +7936,8 @@
                 <a:latin typeface="Arial" panose="020B0604020202020204" pitchFamily="34" charset="0"/>
                 <a:cs typeface="Arial" panose="020B0604020202020204" pitchFamily="34" charset="0"/>
               </a:rPr>
-              <a:t>Alcohol by Volume Analysis</a:t>
-            </a:r>
-          </a:p>
-        </p:txBody>
-      </p:sp>
-      <p:sp>
-        <p:nvSpPr>
-          <p:cNvPr id="3" name="Content Placeholder 2">
-            <a:extLst>
-              <a:ext uri="{FF2B5EF4-FFF2-40B4-BE49-F238E27FC236}">
-                <a16:creationId xmlns:a16="http://schemas.microsoft.com/office/drawing/2014/main" id="{DC6E1BD9-C6A8-4188-96C8-92F135EC577A}"/>
-              </a:ext>
-            </a:extLst>
-          </p:cNvPr>
-          <p:cNvSpPr>
-            <a:spLocks noGrp="1"/>
-          </p:cNvSpPr>
-          <p:nvPr>
-            <p:ph idx="1"/>
-          </p:nvPr>
-        </p:nvSpPr>
-        <p:spPr>
-          <a:xfrm>
-            <a:off x="74555" y="2160589"/>
-            <a:ext cx="4260687" cy="4534125"/>
-          </a:xfrm>
-        </p:spPr>
-        <p:txBody>
-          <a:bodyPr>
-            <a:normAutofit/>
-          </a:bodyPr>
-          <a:lstStyle/>
-          <a:p>
-            <a:pPr marL="0" indent="0">
-              <a:buNone/>
-            </a:pPr>
-            <a:r>
-              <a:rPr lang="en-US" dirty="0">
-                <a:latin typeface="Arial" panose="020B0604020202020204" pitchFamily="34" charset="0"/>
-                <a:cs typeface="Arial" panose="020B0604020202020204" pitchFamily="34" charset="0"/>
-              </a:rPr>
-              <a:t>The sample distribution of Alcohol by Volume is large enough to ensure any departure from normality can be overcome by the Central Limit Theorem.  The distribution does appear to be mostly normal but slightly right skewed.</a:t>
-            </a:r>
-          </a:p>
-          <a:p>
-            <a:pPr marL="0" indent="0">
-              <a:buNone/>
-            </a:pPr>
-            <a:endParaRPr lang="en-US" dirty="0">
-              <a:latin typeface="Arial" panose="020B0604020202020204" pitchFamily="34" charset="0"/>
-              <a:cs typeface="Arial" panose="020B0604020202020204" pitchFamily="34" charset="0"/>
-            </a:endParaRPr>
-          </a:p>
-          <a:p>
-            <a:pPr marL="0" indent="0">
-              <a:buNone/>
-            </a:pPr>
-            <a:endParaRPr lang="en-US" dirty="0">
-              <a:latin typeface="Arial" panose="020B0604020202020204" pitchFamily="34" charset="0"/>
-              <a:cs typeface="Arial" panose="020B0604020202020204" pitchFamily="34" charset="0"/>
-            </a:endParaRPr>
-          </a:p>
-          <a:p>
-            <a:pPr marL="0" indent="0">
-              <a:buNone/>
-            </a:pPr>
-            <a:endParaRPr lang="en-US" dirty="0">
-              <a:latin typeface="Arial" panose="020B0604020202020204" pitchFamily="34" charset="0"/>
-              <a:cs typeface="Arial" panose="020B0604020202020204" pitchFamily="34" charset="0"/>
-            </a:endParaRPr>
-          </a:p>
-          <a:p>
-            <a:pPr marL="0" indent="0">
-              <a:buNone/>
-            </a:pPr>
-            <a:endParaRPr lang="en-US" dirty="0">
-              <a:latin typeface="Arial" panose="020B0604020202020204" pitchFamily="34" charset="0"/>
-              <a:cs typeface="Arial" panose="020B0604020202020204" pitchFamily="34" charset="0"/>
-            </a:endParaRPr>
-          </a:p>
-          <a:p>
-            <a:pPr marL="0" indent="0">
-              <a:buNone/>
-            </a:pPr>
-            <a:endParaRPr lang="en-US" dirty="0">
-              <a:latin typeface="Arial" panose="020B0604020202020204" pitchFamily="34" charset="0"/>
-              <a:cs typeface="Arial" panose="020B0604020202020204" pitchFamily="34" charset="0"/>
-            </a:endParaRPr>
+              <a:t>ABV Summary Statistics</a:t>
+            </a:r>
           </a:p>
         </p:txBody>
       </p:sp>
@@ -14647,36 +8568,6 @@
           </a:fontRef>
         </p:style>
       </p:sp>
-      <p:pic>
-        <p:nvPicPr>
-          <p:cNvPr id="14" name="Picture 13">
-            <a:extLst>
-              <a:ext uri="{FF2B5EF4-FFF2-40B4-BE49-F238E27FC236}">
-                <a16:creationId xmlns:a16="http://schemas.microsoft.com/office/drawing/2014/main" id="{C8553E9F-D6F6-4950-9C68-F52193BCA7CA}"/>
-              </a:ext>
-            </a:extLst>
-          </p:cNvPr>
-          <p:cNvPicPr>
-            <a:picLocks noChangeAspect="1"/>
-          </p:cNvPicPr>
-          <p:nvPr/>
-        </p:nvPicPr>
-        <p:blipFill>
-          <a:blip r:embed="rId2"/>
-          <a:stretch>
-            <a:fillRect/>
-          </a:stretch>
-        </p:blipFill>
-        <p:spPr>
-          <a:xfrm>
-            <a:off x="8082549" y="3539904"/>
-            <a:ext cx="4054088" cy="2501458"/>
-          </a:xfrm>
-          <a:prstGeom prst="rect">
-            <a:avLst/>
-          </a:prstGeom>
-        </p:spPr>
-      </p:pic>
       <p:graphicFrame>
         <p:nvGraphicFramePr>
           <p:cNvPr id="4" name="Table 3">
@@ -14692,13 +8583,13 @@
           <p:nvPr>
             <p:extLst>
               <p:ext uri="{D42A27DB-BD31-4B8C-83A1-F6EECF244321}">
-                <p14:modId xmlns:p14="http://schemas.microsoft.com/office/powerpoint/2010/main" val="4098428260"/>
+                <p14:modId xmlns:p14="http://schemas.microsoft.com/office/powerpoint/2010/main" val="2291421806"/>
               </p:ext>
             </p:extLst>
           </p:nvPr>
         </p:nvGraphicFramePr>
         <p:xfrm>
-          <a:off x="4801469" y="2004977"/>
+          <a:off x="602331" y="2309707"/>
           <a:ext cx="2842528" cy="2560320"/>
         </p:xfrm>
         <a:graphic>
@@ -14778,7 +8669,7 @@
                           <a:latin typeface="Arial" panose="020B0604020202020204" pitchFamily="34" charset="0"/>
                           <a:cs typeface="Arial" panose="020B0604020202020204" pitchFamily="34" charset="0"/>
                         </a:rPr>
-                        <a:t>.00100</a:t>
+                        <a:t>.001</a:t>
                       </a:r>
                       <a:endParaRPr lang="en-US" b="1" dirty="0"/>
                     </a:p>
@@ -14823,7 +8714,7 @@
                           <a:latin typeface="Arial" panose="020B0604020202020204" pitchFamily="34" charset="0"/>
                           <a:cs typeface="Arial" panose="020B0604020202020204" pitchFamily="34" charset="0"/>
                         </a:rPr>
-                        <a:t>.05600</a:t>
+                        <a:t>.050</a:t>
                       </a:r>
                       <a:endParaRPr lang="en-US" dirty="0"/>
                     </a:p>
@@ -14860,7 +8751,7 @@
                           <a:latin typeface="Arial" panose="020B0604020202020204" pitchFamily="34" charset="0"/>
                           <a:cs typeface="Arial" panose="020B0604020202020204" pitchFamily="34" charset="0"/>
                         </a:rPr>
-                        <a:t>.05600 </a:t>
+                        <a:t>.056 </a:t>
                       </a:r>
                       <a:endParaRPr lang="en-US" dirty="0"/>
                     </a:p>
@@ -14914,7 +8805,7 @@
                           <a:latin typeface="Arial" panose="020B0604020202020204" pitchFamily="34" charset="0"/>
                           <a:cs typeface="Arial" panose="020B0604020202020204" pitchFamily="34" charset="0"/>
                         </a:rPr>
-                        <a:t>.05933</a:t>
+                        <a:t>.059</a:t>
                       </a:r>
                       <a:endParaRPr lang="en-US" dirty="0"/>
                     </a:p>
@@ -14976,7 +8867,7 @@
                           <a:latin typeface="Arial" panose="020B0604020202020204" pitchFamily="34" charset="0"/>
                           <a:cs typeface="Arial" panose="020B0604020202020204" pitchFamily="34" charset="0"/>
                         </a:rPr>
-                        <a:t>.06700</a:t>
+                        <a:t>.067</a:t>
                       </a:r>
                       <a:endParaRPr lang="en-US" dirty="0"/>
                     </a:p>
@@ -15030,7 +8921,7 @@
                           <a:latin typeface="Arial" panose="020B0604020202020204" pitchFamily="34" charset="0"/>
                           <a:cs typeface="Arial" panose="020B0604020202020204" pitchFamily="34" charset="0"/>
                         </a:rPr>
-                        <a:t>.12800</a:t>
+                        <a:t>.128</a:t>
                       </a:r>
                       <a:endParaRPr lang="en-US" dirty="0"/>
                     </a:p>
@@ -15049,10 +8940,10 @@
       </p:graphicFrame>
       <p:pic>
         <p:nvPicPr>
-          <p:cNvPr id="6" name="Picture 5">
+          <p:cNvPr id="10" name="Picture 9">
             <a:extLst>
               <a:ext uri="{FF2B5EF4-FFF2-40B4-BE49-F238E27FC236}">
-                <a16:creationId xmlns:a16="http://schemas.microsoft.com/office/drawing/2014/main" id="{9215E3CF-0FB1-4FE6-BD19-55B6AEB18A49}"/>
+                <a16:creationId xmlns:a16="http://schemas.microsoft.com/office/drawing/2014/main" id="{845FAB86-6A34-4609-8646-09AEEC84B804}"/>
               </a:ext>
             </a:extLst>
           </p:cNvPr>
@@ -15062,15 +8953,15 @@
           <p:nvPr/>
         </p:nvPicPr>
         <p:blipFill>
-          <a:blip r:embed="rId3"/>
+          <a:blip r:embed="rId2"/>
           <a:stretch>
             <a:fillRect/>
           </a:stretch>
         </p:blipFill>
         <p:spPr>
           <a:xfrm>
-            <a:off x="8110224" y="332044"/>
-            <a:ext cx="4001428" cy="2469453"/>
+            <a:off x="4334318" y="1914618"/>
+            <a:ext cx="5472728" cy="3375337"/>
           </a:xfrm>
           <a:prstGeom prst="rect">
             <a:avLst/>
@@ -15090,7 +8981,7 @@
 </p:sld>
 </file>
 
-<file path=ppt/slides/slide8.xml><?xml version="1.0" encoding="utf-8"?>
+<file path=ppt/slides/slide9.xml><?xml version="1.0" encoding="utf-8"?>
 <p:sld xmlns:a="http://schemas.openxmlformats.org/drawingml/2006/main" xmlns:r="http://schemas.openxmlformats.org/officeDocument/2006/relationships" xmlns:p="http://schemas.openxmlformats.org/presentationml/2006/main">
   <p:cSld>
     <p:spTree>
@@ -15148,42 +9039,6 @@
           </a:p>
         </p:txBody>
       </p:sp>
-      <p:sp>
-        <p:nvSpPr>
-          <p:cNvPr id="3" name="Content Placeholder 2">
-            <a:extLst>
-              <a:ext uri="{FF2B5EF4-FFF2-40B4-BE49-F238E27FC236}">
-                <a16:creationId xmlns:a16="http://schemas.microsoft.com/office/drawing/2014/main" id="{F93A736B-886F-4010-8A71-6CDA2D06B444}"/>
-              </a:ext>
-            </a:extLst>
-          </p:cNvPr>
-          <p:cNvSpPr>
-            <a:spLocks noGrp="1"/>
-          </p:cNvSpPr>
-          <p:nvPr>
-            <p:ph idx="1"/>
-          </p:nvPr>
-        </p:nvSpPr>
-        <p:spPr>
-          <a:xfrm>
-            <a:off x="677334" y="2160589"/>
-            <a:ext cx="2971388" cy="3880773"/>
-          </a:xfrm>
-        </p:spPr>
-        <p:txBody>
-          <a:bodyPr/>
-          <a:lstStyle/>
-          <a:p>
-            <a:pPr marL="0" indent="0">
-              <a:buNone/>
-            </a:pPr>
-            <a:r>
-              <a:rPr lang="en-US" dirty="0"/>
-              <a:t>The distribution for IBU is very right skewed but could also be cleaned up by CLT.</a:t>
-            </a:r>
-          </a:p>
-        </p:txBody>
-      </p:sp>
       <p:graphicFrame>
         <p:nvGraphicFramePr>
           <p:cNvPr id="4" name="Table 3">
@@ -15199,13 +9054,13 @@
           <p:nvPr>
             <p:extLst>
               <p:ext uri="{D42A27DB-BD31-4B8C-83A1-F6EECF244321}">
-                <p14:modId xmlns:p14="http://schemas.microsoft.com/office/powerpoint/2010/main" val="3878271384"/>
+                <p14:modId xmlns:p14="http://schemas.microsoft.com/office/powerpoint/2010/main" val="414285796"/>
               </p:ext>
             </p:extLst>
           </p:nvPr>
         </p:nvGraphicFramePr>
         <p:xfrm>
-          <a:off x="3950108" y="2310326"/>
+          <a:off x="597435" y="2307011"/>
           <a:ext cx="2842528" cy="2560320"/>
         </p:xfrm>
         <a:graphic>
@@ -15556,10 +9411,10 @@
       </p:graphicFrame>
       <p:pic>
         <p:nvPicPr>
-          <p:cNvPr id="7" name="Picture 6">
+          <p:cNvPr id="8" name="Picture 7">
             <a:extLst>
               <a:ext uri="{FF2B5EF4-FFF2-40B4-BE49-F238E27FC236}">
-                <a16:creationId xmlns:a16="http://schemas.microsoft.com/office/drawing/2014/main" id="{59B81C43-9BDB-41ED-913A-CCA5B28956F6}"/>
+                <a16:creationId xmlns:a16="http://schemas.microsoft.com/office/drawing/2014/main" id="{7061A442-0C36-416F-BF24-523EC4917969}"/>
               </a:ext>
             </a:extLst>
           </p:cNvPr>
@@ -15576,38 +9431,8 @@
         </p:blipFill>
         <p:spPr>
           <a:xfrm>
-            <a:off x="7269786" y="1026851"/>
-            <a:ext cx="4148667" cy="2560320"/>
-          </a:xfrm>
-          <a:prstGeom prst="rect">
-            <a:avLst/>
-          </a:prstGeom>
-        </p:spPr>
-      </p:pic>
-      <p:pic>
-        <p:nvPicPr>
-          <p:cNvPr id="10" name="Picture 9">
-            <a:extLst>
-              <a:ext uri="{FF2B5EF4-FFF2-40B4-BE49-F238E27FC236}">
-                <a16:creationId xmlns:a16="http://schemas.microsoft.com/office/drawing/2014/main" id="{3945883C-5700-4968-A4AE-F46379B8A2EB}"/>
-              </a:ext>
-            </a:extLst>
-          </p:cNvPr>
-          <p:cNvPicPr>
-            <a:picLocks noChangeAspect="1"/>
-          </p:cNvPicPr>
-          <p:nvPr/>
-        </p:nvPicPr>
-        <p:blipFill>
-          <a:blip r:embed="rId3"/>
-          <a:stretch>
-            <a:fillRect/>
-          </a:stretch>
-        </p:blipFill>
-        <p:spPr>
-          <a:xfrm>
-            <a:off x="7445551" y="3861306"/>
-            <a:ext cx="4000439" cy="2468842"/>
+            <a:off x="4533997" y="1992718"/>
+            <a:ext cx="5141662" cy="3171150"/>
           </a:xfrm>
           <a:prstGeom prst="rect">
             <a:avLst/>
@@ -15627,168 +9452,10 @@
 </p:sld>
 </file>
 
-<file path=ppt/slides/slide9.xml><?xml version="1.0" encoding="utf-8"?>
-<p:sld xmlns:a="http://schemas.openxmlformats.org/drawingml/2006/main" xmlns:r="http://schemas.openxmlformats.org/officeDocument/2006/relationships" xmlns:p="http://schemas.openxmlformats.org/presentationml/2006/main">
-  <p:cSld>
-    <p:spTree>
-      <p:nvGrpSpPr>
-        <p:cNvPr id="1" name=""/>
-        <p:cNvGrpSpPr/>
-        <p:nvPr/>
-      </p:nvGrpSpPr>
-      <p:grpSpPr>
-        <a:xfrm>
-          <a:off x="0" y="0"/>
-          <a:ext cx="0" cy="0"/>
-          <a:chOff x="0" y="0"/>
-          <a:chExt cx="0" cy="0"/>
-        </a:xfrm>
-      </p:grpSpPr>
-      <p:sp>
-        <p:nvSpPr>
-          <p:cNvPr id="2" name="Title 1">
-            <a:extLst>
-              <a:ext uri="{FF2B5EF4-FFF2-40B4-BE49-F238E27FC236}">
-                <a16:creationId xmlns:a16="http://schemas.microsoft.com/office/drawing/2014/main" id="{2A8A4ABE-5343-4348-8236-6BC0C27406A1}"/>
-              </a:ext>
-            </a:extLst>
-          </p:cNvPr>
-          <p:cNvSpPr>
-            <a:spLocks noGrp="1"/>
-          </p:cNvSpPr>
-          <p:nvPr>
-            <p:ph type="title"/>
-          </p:nvPr>
-        </p:nvSpPr>
-        <p:spPr/>
-        <p:txBody>
-          <a:bodyPr>
-            <a:normAutofit fontScale="90000"/>
-          </a:bodyPr>
-          <a:lstStyle/>
-          <a:p>
-            <a:r>
-              <a:rPr lang="en-US" dirty="0">
-                <a:latin typeface="Arial" panose="020B0604020202020204" pitchFamily="34" charset="0"/>
-                <a:cs typeface="Arial" panose="020B0604020202020204" pitchFamily="34" charset="0"/>
-              </a:rPr>
-              <a:t>Question of Interest:  A relationship exists between Alcohol by Volume and International Bitterness Units.</a:t>
-            </a:r>
-          </a:p>
-        </p:txBody>
-      </p:sp>
-      <p:sp>
-        <p:nvSpPr>
-          <p:cNvPr id="3" name="Content Placeholder 2">
-            <a:extLst>
-              <a:ext uri="{FF2B5EF4-FFF2-40B4-BE49-F238E27FC236}">
-                <a16:creationId xmlns:a16="http://schemas.microsoft.com/office/drawing/2014/main" id="{20F2F60B-6F4B-4E43-8E80-7EE872BE35CF}"/>
-              </a:ext>
-            </a:extLst>
-          </p:cNvPr>
-          <p:cNvSpPr>
-            <a:spLocks noGrp="1"/>
-          </p:cNvSpPr>
-          <p:nvPr>
-            <p:ph idx="1"/>
-          </p:nvPr>
-        </p:nvSpPr>
-        <p:spPr>
-          <a:xfrm>
-            <a:off x="677334" y="2160589"/>
-            <a:ext cx="3491895" cy="3379077"/>
-          </a:xfrm>
-        </p:spPr>
-        <p:txBody>
-          <a:bodyPr>
-            <a:normAutofit/>
-          </a:bodyPr>
-          <a:lstStyle/>
-          <a:p>
-            <a:pPr marL="0" indent="0">
-              <a:buNone/>
-            </a:pPr>
-            <a:r>
-              <a:rPr lang="en-US" dirty="0">
-                <a:latin typeface="Arial" panose="020B0604020202020204" pitchFamily="34" charset="0"/>
-                <a:cs typeface="Arial" panose="020B0604020202020204" pitchFamily="34" charset="0"/>
-              </a:rPr>
-              <a:t>A scatter plot of Alcohol by Volume and International Bitterness Unit does not appear to have a relationship.  </a:t>
-            </a:r>
-          </a:p>
-          <a:p>
-            <a:pPr marL="0" indent="0">
-              <a:buNone/>
-            </a:pPr>
-            <a:r>
-              <a:rPr lang="en-US" dirty="0">
-                <a:latin typeface="Arial" panose="020B0604020202020204" pitchFamily="34" charset="0"/>
-                <a:cs typeface="Arial" panose="020B0604020202020204" pitchFamily="34" charset="0"/>
-              </a:rPr>
-              <a:t>The scatter plots of ABV and IBU do not show much of a pattern.</a:t>
-            </a:r>
-          </a:p>
-          <a:p>
-            <a:pPr marL="0" indent="0">
-              <a:buNone/>
-            </a:pPr>
-            <a:r>
-              <a:rPr lang="en-US" dirty="0">
-                <a:latin typeface="Arial" panose="020B0604020202020204" pitchFamily="34" charset="0"/>
-                <a:cs typeface="Arial" panose="020B0604020202020204" pitchFamily="34" charset="0"/>
-              </a:rPr>
-              <a:t>A linear regression was used to test if there was a relationship between ABV and IBU. </a:t>
-            </a:r>
-          </a:p>
-        </p:txBody>
-      </p:sp>
-      <p:pic>
-        <p:nvPicPr>
-          <p:cNvPr id="4" name="Picture 3">
-            <a:extLst>
-              <a:ext uri="{FF2B5EF4-FFF2-40B4-BE49-F238E27FC236}">
-                <a16:creationId xmlns:a16="http://schemas.microsoft.com/office/drawing/2014/main" id="{DF0AE0DA-992B-4C8E-86CB-ACE29FC114AD}"/>
-              </a:ext>
-            </a:extLst>
-          </p:cNvPr>
-          <p:cNvPicPr>
-            <a:picLocks noChangeAspect="1"/>
-          </p:cNvPicPr>
-          <p:nvPr/>
-        </p:nvPicPr>
-        <p:blipFill>
-          <a:blip r:embed="rId2"/>
-          <a:stretch>
-            <a:fillRect/>
-          </a:stretch>
-        </p:blipFill>
-        <p:spPr>
-          <a:xfrm>
-            <a:off x="4528458" y="2160589"/>
-            <a:ext cx="5741536" cy="3542649"/>
-          </a:xfrm>
-          <a:prstGeom prst="rect">
-            <a:avLst/>
-          </a:prstGeom>
-        </p:spPr>
-      </p:pic>
-    </p:spTree>
-    <p:extLst>
-      <p:ext uri="{BB962C8B-B14F-4D97-AF65-F5344CB8AC3E}">
-        <p14:creationId xmlns:p14="http://schemas.microsoft.com/office/powerpoint/2010/main" val="3504272927"/>
-      </p:ext>
-    </p:extLst>
-  </p:cSld>
-  <p:clrMapOvr>
-    <a:masterClrMapping/>
-  </p:clrMapOvr>
-</p:sld>
-</file>
-
 <file path=ppt/theme/theme1.xml><?xml version="1.0" encoding="utf-8"?>
 <a:theme xmlns:a="http://schemas.openxmlformats.org/drawingml/2006/main" name="Facet">
   <a:themeElements>
-    <a:clrScheme name="Facet">
+    <a:clrScheme name="Blue Warm">
       <a:dk1>
         <a:sysClr val="windowText" lastClr="000000"/>
       </a:dk1>
@@ -15796,34 +9463,34 @@
         <a:sysClr val="window" lastClr="FFFFFF"/>
       </a:lt1>
       <a:dk2>
-        <a:srgbClr val="2C3C43"/>
+        <a:srgbClr val="242852"/>
       </a:dk2>
       <a:lt2>
-        <a:srgbClr val="EBEBEB"/>
+        <a:srgbClr val="ACCBF9"/>
       </a:lt2>
       <a:accent1>
-        <a:srgbClr val="90C226"/>
+        <a:srgbClr val="4A66AC"/>
       </a:accent1>
       <a:accent2>
-        <a:srgbClr val="54A021"/>
+        <a:srgbClr val="629DD1"/>
       </a:accent2>
       <a:accent3>
-        <a:srgbClr val="E6B91E"/>
+        <a:srgbClr val="297FD5"/>
       </a:accent3>
       <a:accent4>
-        <a:srgbClr val="E76618"/>
+        <a:srgbClr val="7F8FA9"/>
       </a:accent4>
       <a:accent5>
-        <a:srgbClr val="C42F1A"/>
+        <a:srgbClr val="5AA2AE"/>
       </a:accent5>
       <a:accent6>
-        <a:srgbClr val="918655"/>
+        <a:srgbClr val="9D90A0"/>
       </a:accent6>
       <a:hlink>
-        <a:srgbClr val="99CA3C"/>
+        <a:srgbClr val="9454C3"/>
       </a:hlink>
       <a:folHlink>
-        <a:srgbClr val="B9D181"/>
+        <a:srgbClr val="3EBBF0"/>
       </a:folHlink>
     </a:clrScheme>
     <a:fontScheme name="Facet">

--- a/MalcolmCarlsonBeerDataEDA.DDS6306.pptx
+++ b/MalcolmCarlsonBeerDataEDA.DDS6306.pptx
@@ -5,7 +5,7 @@
     <p:sldMasterId id="2147483648" r:id="rId1"/>
   </p:sldMasterIdLst>
   <p:notesMasterIdLst>
-    <p:notesMasterId r:id="rId20"/>
+    <p:notesMasterId r:id="rId23"/>
   </p:notesMasterIdLst>
   <p:sldIdLst>
     <p:sldId id="256" r:id="rId2"/>
@@ -16,16 +16,19 @@
     <p:sldId id="261" r:id="rId7"/>
     <p:sldId id="274" r:id="rId8"/>
     <p:sldId id="262" r:id="rId9"/>
-    <p:sldId id="269" r:id="rId10"/>
-    <p:sldId id="271" r:id="rId11"/>
-    <p:sldId id="272" r:id="rId12"/>
-    <p:sldId id="273" r:id="rId13"/>
-    <p:sldId id="265" r:id="rId14"/>
-    <p:sldId id="270" r:id="rId15"/>
-    <p:sldId id="266" r:id="rId16"/>
-    <p:sldId id="264" r:id="rId17"/>
-    <p:sldId id="263" r:id="rId18"/>
-    <p:sldId id="267" r:id="rId19"/>
+    <p:sldId id="271" r:id="rId10"/>
+    <p:sldId id="272" r:id="rId11"/>
+    <p:sldId id="275" r:id="rId12"/>
+    <p:sldId id="276" r:id="rId13"/>
+    <p:sldId id="277" r:id="rId14"/>
+    <p:sldId id="273" r:id="rId15"/>
+    <p:sldId id="265" r:id="rId16"/>
+    <p:sldId id="270" r:id="rId17"/>
+    <p:sldId id="266" r:id="rId18"/>
+    <p:sldId id="264" r:id="rId19"/>
+    <p:sldId id="263" r:id="rId20"/>
+    <p:sldId id="269" r:id="rId21"/>
+    <p:sldId id="267" r:id="rId22"/>
   </p:sldIdLst>
   <p:sldSz cx="12192000" cy="6858000"/>
   <p:notesSz cx="6858000" cy="9144000"/>
@@ -226,7 +229,7 @@
           <a:p>
             <a:fld id="{A6D10619-A5AD-4FBE-8267-47BE2B1199F7}" type="datetimeFigureOut">
               <a:rPr lang="en-US" smtClean="0"/>
-              <a:t>10/21/2019</a:t>
+              <a:t>10/23/2019</a:t>
             </a:fld>
             <a:endParaRPr lang="en-US"/>
           </a:p>
@@ -1216,7 +1219,7 @@
             <a:fld id="{B61BEF0D-F0BB-DE4B-95CE-6DB70DBA9567}" type="datetimeFigureOut">
               <a:rPr lang="en-US" dirty="0"/>
               <a:pPr/>
-              <a:t>10/21/2019</a:t>
+              <a:t>10/23/2019</a:t>
             </a:fld>
             <a:endParaRPr lang="en-US" dirty="0"/>
           </a:p>
@@ -1464,7 +1467,7 @@
             <a:fld id="{B61BEF0D-F0BB-DE4B-95CE-6DB70DBA9567}" type="datetimeFigureOut">
               <a:rPr lang="en-US" dirty="0"/>
               <a:pPr/>
-              <a:t>10/21/2019</a:t>
+              <a:t>10/23/2019</a:t>
             </a:fld>
             <a:endParaRPr lang="en-US" dirty="0"/>
           </a:p>
@@ -1775,7 +1778,7 @@
             <a:fld id="{B61BEF0D-F0BB-DE4B-95CE-6DB70DBA9567}" type="datetimeFigureOut">
               <a:rPr lang="en-US" dirty="0"/>
               <a:pPr/>
-              <a:t>10/21/2019</a:t>
+              <a:t>10/23/2019</a:t>
             </a:fld>
             <a:endParaRPr lang="en-US" dirty="0"/>
           </a:p>
@@ -2113,7 +2116,7 @@
             <a:fld id="{B61BEF0D-F0BB-DE4B-95CE-6DB70DBA9567}" type="datetimeFigureOut">
               <a:rPr lang="en-US" dirty="0"/>
               <a:pPr/>
-              <a:t>10/21/2019</a:t>
+              <a:t>10/23/2019</a:t>
             </a:fld>
             <a:endParaRPr lang="en-US" dirty="0"/>
           </a:p>
@@ -2424,7 +2427,7 @@
             <a:fld id="{B61BEF0D-F0BB-DE4B-95CE-6DB70DBA9567}" type="datetimeFigureOut">
               <a:rPr lang="en-US" dirty="0"/>
               <a:pPr/>
-              <a:t>10/21/2019</a:t>
+              <a:t>10/23/2019</a:t>
             </a:fld>
             <a:endParaRPr lang="en-US" dirty="0"/>
           </a:p>
@@ -2814,7 +2817,7 @@
             <a:fld id="{B61BEF0D-F0BB-DE4B-95CE-6DB70DBA9567}" type="datetimeFigureOut">
               <a:rPr lang="en-US" dirty="0"/>
               <a:pPr/>
-              <a:t>10/21/2019</a:t>
+              <a:t>10/23/2019</a:t>
             </a:fld>
             <a:endParaRPr lang="en-US" dirty="0"/>
           </a:p>
@@ -2980,7 +2983,7 @@
           <a:p>
             <a:fld id="{55C6B4A9-1611-4792-9094-5F34BCA07E0B}" type="datetimeFigureOut">
               <a:rPr lang="en-US" dirty="0"/>
-              <a:t>10/21/2019</a:t>
+              <a:t>10/23/2019</a:t>
             </a:fld>
             <a:endParaRPr lang="en-US" dirty="0"/>
           </a:p>
@@ -3156,7 +3159,7 @@
             <a:fld id="{B61BEF0D-F0BB-DE4B-95CE-6DB70DBA9567}" type="datetimeFigureOut">
               <a:rPr lang="en-US" dirty="0"/>
               <a:pPr/>
-              <a:t>10/21/2019</a:t>
+              <a:t>10/23/2019</a:t>
             </a:fld>
             <a:endParaRPr lang="en-US" dirty="0"/>
           </a:p>
@@ -3329,7 +3332,7 @@
             <a:fld id="{B61BEF0D-F0BB-DE4B-95CE-6DB70DBA9567}" type="datetimeFigureOut">
               <a:rPr lang="en-US" dirty="0"/>
               <a:pPr/>
-              <a:t>10/21/2019</a:t>
+              <a:t>10/23/2019</a:t>
             </a:fld>
             <a:endParaRPr lang="en-US" dirty="0"/>
           </a:p>
@@ -3573,7 +3576,7 @@
             <a:fld id="{B61BEF0D-F0BB-DE4B-95CE-6DB70DBA9567}" type="datetimeFigureOut">
               <a:rPr lang="en-US" dirty="0"/>
               <a:pPr/>
-              <a:t>10/21/2019</a:t>
+              <a:t>10/23/2019</a:t>
             </a:fld>
             <a:endParaRPr lang="en-US" dirty="0"/>
           </a:p>
@@ -3801,7 +3804,7 @@
           <a:p>
             <a:fld id="{EB712588-04B1-427B-82EE-E8DB90309F08}" type="datetimeFigureOut">
               <a:rPr lang="en-US" dirty="0"/>
-              <a:t>10/21/2019</a:t>
+              <a:t>10/23/2019</a:t>
             </a:fld>
             <a:endParaRPr lang="en-US" dirty="0"/>
           </a:p>
@@ -4171,7 +4174,7 @@
             <a:fld id="{B61BEF0D-F0BB-DE4B-95CE-6DB70DBA9567}" type="datetimeFigureOut">
               <a:rPr lang="en-US" dirty="0"/>
               <a:pPr/>
-              <a:t>10/21/2019</a:t>
+              <a:t>10/23/2019</a:t>
             </a:fld>
             <a:endParaRPr lang="en-US" dirty="0"/>
           </a:p>
@@ -4291,7 +4294,7 @@
             <a:fld id="{B61BEF0D-F0BB-DE4B-95CE-6DB70DBA9567}" type="datetimeFigureOut">
               <a:rPr lang="en-US" dirty="0"/>
               <a:pPr/>
-              <a:t>10/21/2019</a:t>
+              <a:t>10/23/2019</a:t>
             </a:fld>
             <a:endParaRPr lang="en-US" dirty="0"/>
           </a:p>
@@ -4383,7 +4386,7 @@
             <a:fld id="{B61BEF0D-F0BB-DE4B-95CE-6DB70DBA9567}" type="datetimeFigureOut">
               <a:rPr lang="en-US" dirty="0"/>
               <a:pPr/>
-              <a:t>10/21/2019</a:t>
+              <a:t>10/23/2019</a:t>
             </a:fld>
             <a:endParaRPr lang="en-US" dirty="0"/>
           </a:p>
@@ -4634,7 +4637,7 @@
           <a:p>
             <a:fld id="{42A54C80-263E-416B-A8E0-580EDEADCBDC}" type="datetimeFigureOut">
               <a:rPr lang="en-US" dirty="0"/>
-              <a:t>10/21/2019</a:t>
+              <a:t>10/23/2019</a:t>
             </a:fld>
             <a:endParaRPr lang="en-US" dirty="0"/>
           </a:p>
@@ -4893,7 +4896,7 @@
             <a:fld id="{B61BEF0D-F0BB-DE4B-95CE-6DB70DBA9567}" type="datetimeFigureOut">
               <a:rPr lang="en-US" dirty="0"/>
               <a:pPr/>
-              <a:t>10/21/2019</a:t>
+              <a:t>10/23/2019</a:t>
             </a:fld>
             <a:endParaRPr lang="en-US" dirty="0"/>
           </a:p>
@@ -5633,7 +5636,7 @@
             <a:fld id="{B61BEF0D-F0BB-DE4B-95CE-6DB70DBA9567}" type="datetimeFigureOut">
               <a:rPr lang="en-US" dirty="0"/>
               <a:pPr/>
-              <a:t>10/21/2019</a:t>
+              <a:t>10/23/2019</a:t>
             </a:fld>
             <a:endParaRPr lang="en-US" dirty="0"/>
           </a:p>
@@ -6275,7 +6278,7 @@
           <p:cNvPr id="2" name="Title 1">
             <a:extLst>
               <a:ext uri="{FF2B5EF4-FFF2-40B4-BE49-F238E27FC236}">
-                <a16:creationId xmlns:a16="http://schemas.microsoft.com/office/drawing/2014/main" id="{9A80211F-D10D-461A-9C13-62348DA09BF3}"/>
+                <a16:creationId xmlns:a16="http://schemas.microsoft.com/office/drawing/2014/main" id="{60F64C4D-1802-413A-ABAD-782AE74CB4A4}"/>
               </a:ext>
             </a:extLst>
           </p:cNvPr>
@@ -6293,57 +6296,40 @@
           <a:p>
             <a:r>
               <a:rPr lang="en-US" dirty="0"/>
-              <a:t>Alcohol by Volume and </a:t>
-            </a:r>
-            <a:br>
-              <a:rPr lang="en-US" dirty="0"/>
-            </a:br>
-            <a:r>
-              <a:rPr lang="en-US" dirty="0"/>
-              <a:t>International Bitterness Units by Style</a:t>
-            </a:r>
-          </a:p>
-        </p:txBody>
-      </p:sp>
-      <p:pic>
-        <p:nvPicPr>
-          <p:cNvPr id="4" name="Content Placeholder 4" descr="A screenshot of a cell phone&#10;&#10;Description automatically generated">
+              <a:t>KNN Investigation between IPAs and other ALEs</a:t>
+            </a:r>
+          </a:p>
+        </p:txBody>
+      </p:sp>
+      <p:sp>
+        <p:nvSpPr>
+          <p:cNvPr id="3" name="Content Placeholder 2">
             <a:extLst>
               <a:ext uri="{FF2B5EF4-FFF2-40B4-BE49-F238E27FC236}">
-                <a16:creationId xmlns:a16="http://schemas.microsoft.com/office/drawing/2014/main" id="{636F93D3-8DBE-411A-BFEE-DAE8908DD57E}"/>
+                <a16:creationId xmlns:a16="http://schemas.microsoft.com/office/drawing/2014/main" id="{794A5E61-C420-444D-94D9-9A1CEBF3B1C1}"/>
               </a:ext>
             </a:extLst>
           </p:cNvPr>
-          <p:cNvPicPr>
-            <a:picLocks noGrp="1" noChangeAspect="1"/>
-          </p:cNvPicPr>
+          <p:cNvSpPr>
+            <a:spLocks noGrp="1"/>
+          </p:cNvSpPr>
           <p:nvPr>
             <p:ph idx="1"/>
           </p:nvPr>
-        </p:nvPicPr>
-        <p:blipFill>
-          <a:blip r:embed="rId2">
-            <a:extLst>
-              <a:ext uri="{28A0092B-C50C-407E-A947-70E740481C1C}">
-                <a14:useLocalDpi xmlns:a14="http://schemas.microsoft.com/office/drawing/2010/main" val="0"/>
-              </a:ext>
-            </a:extLst>
-          </a:blip>
-          <a:stretch>
-            <a:fillRect/>
-          </a:stretch>
-        </p:blipFill>
-        <p:spPr>
-          <a:xfrm>
-            <a:off x="1692075" y="2450661"/>
-            <a:ext cx="6567185" cy="3797739"/>
-          </a:xfrm>
-        </p:spPr>
-      </p:pic>
+        </p:nvSpPr>
+        <p:spPr/>
+        <p:txBody>
+          <a:bodyPr/>
+          <a:lstStyle/>
+          <a:p>
+            <a:endParaRPr lang="en-US" dirty="0"/>
+          </a:p>
+        </p:txBody>
+      </p:sp>
     </p:spTree>
     <p:extLst>
       <p:ext uri="{BB962C8B-B14F-4D97-AF65-F5344CB8AC3E}">
-        <p14:creationId xmlns:p14="http://schemas.microsoft.com/office/powerpoint/2010/main" val="1598884026"/>
+        <p14:creationId xmlns:p14="http://schemas.microsoft.com/office/powerpoint/2010/main" val="2540766281"/>
       </p:ext>
     </p:extLst>
   </p:cSld>
@@ -6375,7 +6361,7 @@
           <p:cNvPr id="2" name="Title 1">
             <a:extLst>
               <a:ext uri="{FF2B5EF4-FFF2-40B4-BE49-F238E27FC236}">
-                <a16:creationId xmlns:a16="http://schemas.microsoft.com/office/drawing/2014/main" id="{60F64C4D-1802-413A-ABAD-782AE74CB4A4}"/>
+                <a16:creationId xmlns:a16="http://schemas.microsoft.com/office/drawing/2014/main" id="{BFB958DD-223E-42B2-AC6E-8A7A97B29625}"/>
               </a:ext>
             </a:extLst>
           </p:cNvPr>
@@ -6391,42 +6377,78 @@
           <a:bodyPr/>
           <a:lstStyle/>
           <a:p>
+            <a:pPr algn="ctr"/>
             <a:r>
               <a:rPr lang="en-US" dirty="0"/>
-              <a:t>KNN Investigation between IPAs and other ALEs</a:t>
-            </a:r>
-          </a:p>
-        </p:txBody>
-      </p:sp>
-      <p:sp>
-        <p:nvSpPr>
-          <p:cNvPr id="3" name="Content Placeholder 2">
+              <a:t>North Eastern Region – Top Ten Beer Styles</a:t>
+            </a:r>
+          </a:p>
+        </p:txBody>
+      </p:sp>
+      <p:pic>
+        <p:nvPicPr>
+          <p:cNvPr id="4" name="Picture 3">
             <a:extLst>
               <a:ext uri="{FF2B5EF4-FFF2-40B4-BE49-F238E27FC236}">
-                <a16:creationId xmlns:a16="http://schemas.microsoft.com/office/drawing/2014/main" id="{794A5E61-C420-444D-94D9-9A1CEBF3B1C1}"/>
+                <a16:creationId xmlns:a16="http://schemas.microsoft.com/office/drawing/2014/main" id="{8C214703-6ECE-48B9-8C45-87F9E8BC0816}"/>
               </a:ext>
             </a:extLst>
           </p:cNvPr>
-          <p:cNvSpPr>
-            <a:spLocks noGrp="1"/>
-          </p:cNvSpPr>
-          <p:nvPr>
-            <p:ph idx="1"/>
-          </p:nvPr>
-        </p:nvSpPr>
-        <p:spPr/>
-        <p:txBody>
-          <a:bodyPr/>
-          <a:lstStyle/>
-          <a:p>
-            <a:endParaRPr lang="en-US" dirty="0"/>
-          </a:p>
-        </p:txBody>
-      </p:sp>
+          <p:cNvPicPr>
+            <a:picLocks noChangeAspect="1"/>
+          </p:cNvPicPr>
+          <p:nvPr/>
+        </p:nvPicPr>
+        <p:blipFill>
+          <a:blip r:embed="rId2"/>
+          <a:stretch>
+            <a:fillRect/>
+          </a:stretch>
+        </p:blipFill>
+        <p:spPr>
+          <a:xfrm>
+            <a:off x="1792150" y="2108818"/>
+            <a:ext cx="2092377" cy="2932076"/>
+          </a:xfrm>
+          <a:prstGeom prst="rect">
+            <a:avLst/>
+          </a:prstGeom>
+        </p:spPr>
+      </p:pic>
+      <p:pic>
+        <p:nvPicPr>
+          <p:cNvPr id="5" name="Picture 4">
+            <a:extLst>
+              <a:ext uri="{FF2B5EF4-FFF2-40B4-BE49-F238E27FC236}">
+                <a16:creationId xmlns:a16="http://schemas.microsoft.com/office/drawing/2014/main" id="{3B657AA3-5204-43D5-84C5-2D85BBAECD54}"/>
+              </a:ext>
+            </a:extLst>
+          </p:cNvPr>
+          <p:cNvPicPr>
+            <a:picLocks noChangeAspect="1"/>
+          </p:cNvPicPr>
+          <p:nvPr/>
+        </p:nvPicPr>
+        <p:blipFill>
+          <a:blip r:embed="rId3"/>
+          <a:stretch>
+            <a:fillRect/>
+          </a:stretch>
+        </p:blipFill>
+        <p:spPr>
+          <a:xfrm>
+            <a:off x="4494239" y="2108818"/>
+            <a:ext cx="4779763" cy="2952489"/>
+          </a:xfrm>
+          <a:prstGeom prst="rect">
+            <a:avLst/>
+          </a:prstGeom>
+        </p:spPr>
+      </p:pic>
     </p:spTree>
     <p:extLst>
       <p:ext uri="{BB962C8B-B14F-4D97-AF65-F5344CB8AC3E}">
-        <p14:creationId xmlns:p14="http://schemas.microsoft.com/office/powerpoint/2010/main" val="2540766281"/>
+        <p14:creationId xmlns:p14="http://schemas.microsoft.com/office/powerpoint/2010/main" val="2643732790"/>
       </p:ext>
     </p:extLst>
   </p:cSld>
@@ -6458,7 +6480,7 @@
           <p:cNvPr id="2" name="Title 1">
             <a:extLst>
               <a:ext uri="{FF2B5EF4-FFF2-40B4-BE49-F238E27FC236}">
-                <a16:creationId xmlns:a16="http://schemas.microsoft.com/office/drawing/2014/main" id="{7D6FC849-78FF-4EAD-9778-F385D6B86F75}"/>
+                <a16:creationId xmlns:a16="http://schemas.microsoft.com/office/drawing/2014/main" id="{3A523DE7-CA85-4037-9A22-B2BA58B78361}"/>
               </a:ext>
             </a:extLst>
           </p:cNvPr>
@@ -6476,70 +6498,75 @@
           <a:p>
             <a:r>
               <a:rPr lang="en-US" dirty="0"/>
-              <a:t>Regional Study:  Beer Styles, ABV and IBU</a:t>
-            </a:r>
-          </a:p>
-        </p:txBody>
-      </p:sp>
-      <p:sp>
-        <p:nvSpPr>
-          <p:cNvPr id="3" name="Content Placeholder 2">
+              <a:t>Midwest Region: Top 10 Beer Styles</a:t>
+            </a:r>
+          </a:p>
+        </p:txBody>
+      </p:sp>
+      <p:pic>
+        <p:nvPicPr>
+          <p:cNvPr id="4" name="Picture 3">
             <a:extLst>
               <a:ext uri="{FF2B5EF4-FFF2-40B4-BE49-F238E27FC236}">
-                <a16:creationId xmlns:a16="http://schemas.microsoft.com/office/drawing/2014/main" id="{7BBB27BC-A03B-4BBB-BF11-48DDB5D54DDA}"/>
+                <a16:creationId xmlns:a16="http://schemas.microsoft.com/office/drawing/2014/main" id="{D21277BD-9A59-4CFE-8F47-AAFFC542EC06}"/>
               </a:ext>
             </a:extLst>
           </p:cNvPr>
-          <p:cNvSpPr>
-            <a:spLocks noGrp="1"/>
-          </p:cNvSpPr>
-          <p:nvPr>
-            <p:ph idx="1"/>
-          </p:nvPr>
-        </p:nvSpPr>
-        <p:spPr/>
-        <p:txBody>
-          <a:bodyPr/>
-          <a:lstStyle/>
-          <a:p>
-            <a:r>
-              <a:rPr lang="en-US" dirty="0"/>
-              <a:t>The beer data was broken up into five regions:  Northeast, North Central, Midwest, South and West.</a:t>
-            </a:r>
-          </a:p>
-          <a:p>
-            <a:r>
-              <a:rPr lang="en-US" dirty="0"/>
-              <a:t>Key metrics</a:t>
-            </a:r>
-          </a:p>
-          <a:p>
-            <a:pPr lvl="1"/>
-            <a:r>
-              <a:rPr lang="en-US" dirty="0"/>
-              <a:t>Northeast</a:t>
-            </a:r>
-          </a:p>
-          <a:p>
-            <a:pPr lvl="2"/>
-            <a:r>
-              <a:rPr lang="en-US" dirty="0"/>
-              <a:t>Most popular beer style(as measured by number of offerings)</a:t>
-            </a:r>
-          </a:p>
-          <a:p>
-            <a:pPr lvl="2"/>
-            <a:r>
-              <a:rPr lang="en-US" dirty="0"/>
-              <a:t>Leas popular</a:t>
-            </a:r>
-          </a:p>
-        </p:txBody>
-      </p:sp>
+          <p:cNvPicPr>
+            <a:picLocks noChangeAspect="1"/>
+          </p:cNvPicPr>
+          <p:nvPr/>
+        </p:nvPicPr>
+        <p:blipFill>
+          <a:blip r:embed="rId2"/>
+          <a:stretch>
+            <a:fillRect/>
+          </a:stretch>
+        </p:blipFill>
+        <p:spPr>
+          <a:xfrm>
+            <a:off x="4308277" y="1989110"/>
+            <a:ext cx="5140524" cy="3175334"/>
+          </a:xfrm>
+          <a:prstGeom prst="rect">
+            <a:avLst/>
+          </a:prstGeom>
+        </p:spPr>
+      </p:pic>
+      <p:pic>
+        <p:nvPicPr>
+          <p:cNvPr id="5" name="Picture 4">
+            <a:extLst>
+              <a:ext uri="{FF2B5EF4-FFF2-40B4-BE49-F238E27FC236}">
+                <a16:creationId xmlns:a16="http://schemas.microsoft.com/office/drawing/2014/main" id="{6C132B9E-7ED1-49DD-80D4-98B9263EB9DC}"/>
+              </a:ext>
+            </a:extLst>
+          </p:cNvPr>
+          <p:cNvPicPr>
+            <a:picLocks noChangeAspect="1"/>
+          </p:cNvPicPr>
+          <p:nvPr/>
+        </p:nvPicPr>
+        <p:blipFill>
+          <a:blip r:embed="rId3"/>
+          <a:stretch>
+            <a:fillRect/>
+          </a:stretch>
+        </p:blipFill>
+        <p:spPr>
+          <a:xfrm>
+            <a:off x="1748753" y="2178916"/>
+            <a:ext cx="2130521" cy="2985528"/>
+          </a:xfrm>
+          <a:prstGeom prst="rect">
+            <a:avLst/>
+          </a:prstGeom>
+        </p:spPr>
+      </p:pic>
     </p:spTree>
     <p:extLst>
       <p:ext uri="{BB962C8B-B14F-4D97-AF65-F5344CB8AC3E}">
-        <p14:creationId xmlns:p14="http://schemas.microsoft.com/office/powerpoint/2010/main" val="625987431"/>
+        <p14:creationId xmlns:p14="http://schemas.microsoft.com/office/powerpoint/2010/main" val="916509845"/>
       </p:ext>
     </p:extLst>
   </p:cSld>
@@ -6571,7 +6598,7 @@
           <p:cNvPr id="2" name="Title 1">
             <a:extLst>
               <a:ext uri="{FF2B5EF4-FFF2-40B4-BE49-F238E27FC236}">
-                <a16:creationId xmlns:a16="http://schemas.microsoft.com/office/drawing/2014/main" id="{F69C8142-A23F-4F98-A5BB-4318843625FA}"/>
+                <a16:creationId xmlns:a16="http://schemas.microsoft.com/office/drawing/2014/main" id="{98AEDA8E-1111-461D-9BDC-ABEE8E229C11}"/>
               </a:ext>
             </a:extLst>
           </p:cNvPr>
@@ -6589,40 +6616,75 @@
           <a:p>
             <a:r>
               <a:rPr lang="en-US" dirty="0"/>
-              <a:t>Thank You for your Time!</a:t>
-            </a:r>
-          </a:p>
-        </p:txBody>
-      </p:sp>
-      <p:sp>
-        <p:nvSpPr>
-          <p:cNvPr id="3" name="Content Placeholder 2">
+              <a:t>South Region:  Top Ten Beer Styles</a:t>
+            </a:r>
+          </a:p>
+        </p:txBody>
+      </p:sp>
+      <p:pic>
+        <p:nvPicPr>
+          <p:cNvPr id="4" name="Picture 3">
             <a:extLst>
               <a:ext uri="{FF2B5EF4-FFF2-40B4-BE49-F238E27FC236}">
-                <a16:creationId xmlns:a16="http://schemas.microsoft.com/office/drawing/2014/main" id="{8C0C09CA-ACFC-4500-92FC-07CAF0572B09}"/>
+                <a16:creationId xmlns:a16="http://schemas.microsoft.com/office/drawing/2014/main" id="{2DFE0069-AD9E-48EF-9784-7CC69F29ACD3}"/>
               </a:ext>
             </a:extLst>
           </p:cNvPr>
-          <p:cNvSpPr>
-            <a:spLocks noGrp="1"/>
-          </p:cNvSpPr>
-          <p:nvPr>
-            <p:ph idx="1"/>
-          </p:nvPr>
-        </p:nvSpPr>
-        <p:spPr/>
-        <p:txBody>
-          <a:bodyPr/>
-          <a:lstStyle/>
-          <a:p>
-            <a:endParaRPr lang="en-US"/>
-          </a:p>
-        </p:txBody>
-      </p:sp>
+          <p:cNvPicPr>
+            <a:picLocks noChangeAspect="1"/>
+          </p:cNvPicPr>
+          <p:nvPr/>
+        </p:nvPicPr>
+        <p:blipFill>
+          <a:blip r:embed="rId2"/>
+          <a:stretch>
+            <a:fillRect/>
+          </a:stretch>
+        </p:blipFill>
+        <p:spPr>
+          <a:xfrm>
+            <a:off x="4468150" y="2321622"/>
+            <a:ext cx="4931187" cy="3046025"/>
+          </a:xfrm>
+          <a:prstGeom prst="rect">
+            <a:avLst/>
+          </a:prstGeom>
+        </p:spPr>
+      </p:pic>
+      <p:pic>
+        <p:nvPicPr>
+          <p:cNvPr id="5" name="Picture 4">
+            <a:extLst>
+              <a:ext uri="{FF2B5EF4-FFF2-40B4-BE49-F238E27FC236}">
+                <a16:creationId xmlns:a16="http://schemas.microsoft.com/office/drawing/2014/main" id="{B1079D20-055D-481D-AA2E-CBDD98EC701D}"/>
+              </a:ext>
+            </a:extLst>
+          </p:cNvPr>
+          <p:cNvPicPr>
+            <a:picLocks noChangeAspect="1"/>
+          </p:cNvPicPr>
+          <p:nvPr/>
+        </p:nvPicPr>
+        <p:blipFill>
+          <a:blip r:embed="rId3"/>
+          <a:stretch>
+            <a:fillRect/>
+          </a:stretch>
+        </p:blipFill>
+        <p:spPr>
+          <a:xfrm>
+            <a:off x="1672710" y="2226337"/>
+            <a:ext cx="2239906" cy="3236593"/>
+          </a:xfrm>
+          <a:prstGeom prst="rect">
+            <a:avLst/>
+          </a:prstGeom>
+        </p:spPr>
+      </p:pic>
     </p:spTree>
     <p:extLst>
       <p:ext uri="{BB962C8B-B14F-4D97-AF65-F5344CB8AC3E}">
-        <p14:creationId xmlns:p14="http://schemas.microsoft.com/office/powerpoint/2010/main" val="2620854637"/>
+        <p14:creationId xmlns:p14="http://schemas.microsoft.com/office/powerpoint/2010/main" val="547640249"/>
       </p:ext>
     </p:extLst>
   </p:cSld>
@@ -6654,7 +6716,7 @@
           <p:cNvPr id="2" name="Title 1">
             <a:extLst>
               <a:ext uri="{FF2B5EF4-FFF2-40B4-BE49-F238E27FC236}">
-                <a16:creationId xmlns:a16="http://schemas.microsoft.com/office/drawing/2014/main" id="{A51CAD72-9D39-4447-9D33-E6C0849A74F0}"/>
+                <a16:creationId xmlns:a16="http://schemas.microsoft.com/office/drawing/2014/main" id="{7D6FC849-78FF-4EAD-9778-F385D6B86F75}"/>
               </a:ext>
             </a:extLst>
           </p:cNvPr>
@@ -6670,42 +6732,78 @@
           <a:bodyPr/>
           <a:lstStyle/>
           <a:p>
+            <a:pPr algn="ctr"/>
             <a:r>
               <a:rPr lang="en-US" dirty="0"/>
-              <a:t>Backup</a:t>
-            </a:r>
-          </a:p>
-        </p:txBody>
-      </p:sp>
-      <p:sp>
-        <p:nvSpPr>
-          <p:cNvPr id="3" name="Content Placeholder 2">
+              <a:t>Western Region – Top 10 Beer Styles</a:t>
+            </a:r>
+          </a:p>
+        </p:txBody>
+      </p:sp>
+      <p:pic>
+        <p:nvPicPr>
+          <p:cNvPr id="6" name="Picture 5">
             <a:extLst>
               <a:ext uri="{FF2B5EF4-FFF2-40B4-BE49-F238E27FC236}">
-                <a16:creationId xmlns:a16="http://schemas.microsoft.com/office/drawing/2014/main" id="{161CB13F-AB08-4B5E-B535-EDEE9F95A8D1}"/>
+                <a16:creationId xmlns:a16="http://schemas.microsoft.com/office/drawing/2014/main" id="{AC3B3065-FA90-4FAA-8457-281FBC1A377A}"/>
               </a:ext>
             </a:extLst>
           </p:cNvPr>
-          <p:cNvSpPr>
-            <a:spLocks noGrp="1"/>
-          </p:cNvSpPr>
-          <p:nvPr>
-            <p:ph idx="1"/>
-          </p:nvPr>
-        </p:nvSpPr>
-        <p:spPr/>
-        <p:txBody>
-          <a:bodyPr/>
-          <a:lstStyle/>
-          <a:p>
-            <a:endParaRPr lang="en-US"/>
-          </a:p>
-        </p:txBody>
-      </p:sp>
+          <p:cNvPicPr>
+            <a:picLocks noChangeAspect="1"/>
+          </p:cNvPicPr>
+          <p:nvPr/>
+        </p:nvPicPr>
+        <p:blipFill>
+          <a:blip r:embed="rId2"/>
+          <a:stretch>
+            <a:fillRect/>
+          </a:stretch>
+        </p:blipFill>
+        <p:spPr>
+          <a:xfrm>
+            <a:off x="3723382" y="1930400"/>
+            <a:ext cx="5550620" cy="3428653"/>
+          </a:xfrm>
+          <a:prstGeom prst="rect">
+            <a:avLst/>
+          </a:prstGeom>
+        </p:spPr>
+      </p:pic>
+      <p:pic>
+        <p:nvPicPr>
+          <p:cNvPr id="9" name="Picture 8">
+            <a:extLst>
+              <a:ext uri="{FF2B5EF4-FFF2-40B4-BE49-F238E27FC236}">
+                <a16:creationId xmlns:a16="http://schemas.microsoft.com/office/drawing/2014/main" id="{CAAC9CC9-1E4E-479D-9D9E-300FD90FBA0A}"/>
+              </a:ext>
+            </a:extLst>
+          </p:cNvPr>
+          <p:cNvPicPr>
+            <a:picLocks noChangeAspect="1"/>
+          </p:cNvPicPr>
+          <p:nvPr/>
+        </p:nvPicPr>
+        <p:blipFill>
+          <a:blip r:embed="rId3"/>
+          <a:stretch>
+            <a:fillRect/>
+          </a:stretch>
+        </p:blipFill>
+        <p:spPr>
+          <a:xfrm>
+            <a:off x="1818826" y="2054349"/>
+            <a:ext cx="2072193" cy="2903792"/>
+          </a:xfrm>
+          <a:prstGeom prst="rect">
+            <a:avLst/>
+          </a:prstGeom>
+        </p:spPr>
+      </p:pic>
     </p:spTree>
     <p:extLst>
       <p:ext uri="{BB962C8B-B14F-4D97-AF65-F5344CB8AC3E}">
-        <p14:creationId xmlns:p14="http://schemas.microsoft.com/office/powerpoint/2010/main" val="798485300"/>
+        <p14:creationId xmlns:p14="http://schemas.microsoft.com/office/powerpoint/2010/main" val="625987431"/>
       </p:ext>
     </p:extLst>
   </p:cSld>
@@ -6737,6 +6835,172 @@
           <p:cNvPr id="2" name="Title 1">
             <a:extLst>
               <a:ext uri="{FF2B5EF4-FFF2-40B4-BE49-F238E27FC236}">
+                <a16:creationId xmlns:a16="http://schemas.microsoft.com/office/drawing/2014/main" id="{F69C8142-A23F-4F98-A5BB-4318843625FA}"/>
+              </a:ext>
+            </a:extLst>
+          </p:cNvPr>
+          <p:cNvSpPr>
+            <a:spLocks noGrp="1"/>
+          </p:cNvSpPr>
+          <p:nvPr>
+            <p:ph type="title"/>
+          </p:nvPr>
+        </p:nvSpPr>
+        <p:spPr/>
+        <p:txBody>
+          <a:bodyPr/>
+          <a:lstStyle/>
+          <a:p>
+            <a:r>
+              <a:rPr lang="en-US" dirty="0"/>
+              <a:t>Thank You for your Time!</a:t>
+            </a:r>
+          </a:p>
+        </p:txBody>
+      </p:sp>
+      <p:sp>
+        <p:nvSpPr>
+          <p:cNvPr id="3" name="Content Placeholder 2">
+            <a:extLst>
+              <a:ext uri="{FF2B5EF4-FFF2-40B4-BE49-F238E27FC236}">
+                <a16:creationId xmlns:a16="http://schemas.microsoft.com/office/drawing/2014/main" id="{8C0C09CA-ACFC-4500-92FC-07CAF0572B09}"/>
+              </a:ext>
+            </a:extLst>
+          </p:cNvPr>
+          <p:cNvSpPr>
+            <a:spLocks noGrp="1"/>
+          </p:cNvSpPr>
+          <p:nvPr>
+            <p:ph idx="1"/>
+          </p:nvPr>
+        </p:nvSpPr>
+        <p:spPr/>
+        <p:txBody>
+          <a:bodyPr/>
+          <a:lstStyle/>
+          <a:p>
+            <a:endParaRPr lang="en-US"/>
+          </a:p>
+        </p:txBody>
+      </p:sp>
+    </p:spTree>
+    <p:extLst>
+      <p:ext uri="{BB962C8B-B14F-4D97-AF65-F5344CB8AC3E}">
+        <p14:creationId xmlns:p14="http://schemas.microsoft.com/office/powerpoint/2010/main" val="2620854637"/>
+      </p:ext>
+    </p:extLst>
+  </p:cSld>
+  <p:clrMapOvr>
+    <a:masterClrMapping/>
+  </p:clrMapOvr>
+</p:sld>
+</file>
+
+<file path=ppt/slides/slide16.xml><?xml version="1.0" encoding="utf-8"?>
+<p:sld xmlns:a="http://schemas.openxmlformats.org/drawingml/2006/main" xmlns:r="http://schemas.openxmlformats.org/officeDocument/2006/relationships" xmlns:p="http://schemas.openxmlformats.org/presentationml/2006/main">
+  <p:cSld>
+    <p:spTree>
+      <p:nvGrpSpPr>
+        <p:cNvPr id="1" name=""/>
+        <p:cNvGrpSpPr/>
+        <p:nvPr/>
+      </p:nvGrpSpPr>
+      <p:grpSpPr>
+        <a:xfrm>
+          <a:off x="0" y="0"/>
+          <a:ext cx="0" cy="0"/>
+          <a:chOff x="0" y="0"/>
+          <a:chExt cx="0" cy="0"/>
+        </a:xfrm>
+      </p:grpSpPr>
+      <p:sp>
+        <p:nvSpPr>
+          <p:cNvPr id="2" name="Title 1">
+            <a:extLst>
+              <a:ext uri="{FF2B5EF4-FFF2-40B4-BE49-F238E27FC236}">
+                <a16:creationId xmlns:a16="http://schemas.microsoft.com/office/drawing/2014/main" id="{A51CAD72-9D39-4447-9D33-E6C0849A74F0}"/>
+              </a:ext>
+            </a:extLst>
+          </p:cNvPr>
+          <p:cNvSpPr>
+            <a:spLocks noGrp="1"/>
+          </p:cNvSpPr>
+          <p:nvPr>
+            <p:ph type="title"/>
+          </p:nvPr>
+        </p:nvSpPr>
+        <p:spPr/>
+        <p:txBody>
+          <a:bodyPr/>
+          <a:lstStyle/>
+          <a:p>
+            <a:r>
+              <a:rPr lang="en-US" dirty="0"/>
+              <a:t>Backup</a:t>
+            </a:r>
+          </a:p>
+        </p:txBody>
+      </p:sp>
+      <p:sp>
+        <p:nvSpPr>
+          <p:cNvPr id="3" name="Content Placeholder 2">
+            <a:extLst>
+              <a:ext uri="{FF2B5EF4-FFF2-40B4-BE49-F238E27FC236}">
+                <a16:creationId xmlns:a16="http://schemas.microsoft.com/office/drawing/2014/main" id="{161CB13F-AB08-4B5E-B535-EDEE9F95A8D1}"/>
+              </a:ext>
+            </a:extLst>
+          </p:cNvPr>
+          <p:cNvSpPr>
+            <a:spLocks noGrp="1"/>
+          </p:cNvSpPr>
+          <p:nvPr>
+            <p:ph idx="1"/>
+          </p:nvPr>
+        </p:nvSpPr>
+        <p:spPr/>
+        <p:txBody>
+          <a:bodyPr/>
+          <a:lstStyle/>
+          <a:p>
+            <a:endParaRPr lang="en-US"/>
+          </a:p>
+        </p:txBody>
+      </p:sp>
+    </p:spTree>
+    <p:extLst>
+      <p:ext uri="{BB962C8B-B14F-4D97-AF65-F5344CB8AC3E}">
+        <p14:creationId xmlns:p14="http://schemas.microsoft.com/office/powerpoint/2010/main" val="798485300"/>
+      </p:ext>
+    </p:extLst>
+  </p:cSld>
+  <p:clrMapOvr>
+    <a:masterClrMapping/>
+  </p:clrMapOvr>
+</p:sld>
+</file>
+
+<file path=ppt/slides/slide17.xml><?xml version="1.0" encoding="utf-8"?>
+<p:sld xmlns:a="http://schemas.openxmlformats.org/drawingml/2006/main" xmlns:r="http://schemas.openxmlformats.org/officeDocument/2006/relationships" xmlns:p="http://schemas.openxmlformats.org/presentationml/2006/main">
+  <p:cSld>
+    <p:spTree>
+      <p:nvGrpSpPr>
+        <p:cNvPr id="1" name=""/>
+        <p:cNvGrpSpPr/>
+        <p:nvPr/>
+      </p:nvGrpSpPr>
+      <p:grpSpPr>
+        <a:xfrm>
+          <a:off x="0" y="0"/>
+          <a:ext cx="0" cy="0"/>
+          <a:chOff x="0" y="0"/>
+          <a:chExt cx="0" cy="0"/>
+        </a:xfrm>
+      </p:grpSpPr>
+      <p:sp>
+        <p:nvSpPr>
+          <p:cNvPr id="2" name="Title 1">
+            <a:extLst>
+              <a:ext uri="{FF2B5EF4-FFF2-40B4-BE49-F238E27FC236}">
                 <a16:creationId xmlns:a16="http://schemas.microsoft.com/office/drawing/2014/main" id="{D9D0F948-B4C6-422F-9E04-43BB3ED65E27}"/>
               </a:ext>
             </a:extLst>
@@ -6823,7 +7087,7 @@
 </p:sld>
 </file>
 
-<file path=ppt/slides/slide16.xml><?xml version="1.0" encoding="utf-8"?>
+<file path=ppt/slides/slide18.xml><?xml version="1.0" encoding="utf-8"?>
 <p:sld xmlns:a="http://schemas.openxmlformats.org/drawingml/2006/main" xmlns:r="http://schemas.openxmlformats.org/officeDocument/2006/relationships" xmlns:p="http://schemas.openxmlformats.org/presentationml/2006/main">
   <p:cSld>
     <p:spTree>
@@ -6964,7 +7228,7 @@
 </p:sld>
 </file>
 
-<file path=ppt/slides/slide17.xml><?xml version="1.0" encoding="utf-8"?>
+<file path=ppt/slides/slide19.xml><?xml version="1.0" encoding="utf-8"?>
 <p:sld xmlns:a="http://schemas.openxmlformats.org/drawingml/2006/main" xmlns:r="http://schemas.openxmlformats.org/officeDocument/2006/relationships" xmlns:p="http://schemas.openxmlformats.org/presentationml/2006/main">
   <p:cSld>
     <p:spTree>
@@ -7113,92 +7377,6 @@
     <p:extLst>
       <p:ext uri="{BB962C8B-B14F-4D97-AF65-F5344CB8AC3E}">
         <p14:creationId xmlns:p14="http://schemas.microsoft.com/office/powerpoint/2010/main" val="3504272927"/>
-      </p:ext>
-    </p:extLst>
-  </p:cSld>
-  <p:clrMapOvr>
-    <a:masterClrMapping/>
-  </p:clrMapOvr>
-</p:sld>
-</file>
-
-<file path=ppt/slides/slide18.xml><?xml version="1.0" encoding="utf-8"?>
-<p:sld xmlns:a="http://schemas.openxmlformats.org/drawingml/2006/main" xmlns:r="http://schemas.openxmlformats.org/officeDocument/2006/relationships" xmlns:p="http://schemas.openxmlformats.org/presentationml/2006/main">
-  <p:cSld>
-    <p:spTree>
-      <p:nvGrpSpPr>
-        <p:cNvPr id="1" name=""/>
-        <p:cNvGrpSpPr/>
-        <p:nvPr/>
-      </p:nvGrpSpPr>
-      <p:grpSpPr>
-        <a:xfrm>
-          <a:off x="0" y="0"/>
-          <a:ext cx="0" cy="0"/>
-          <a:chOff x="0" y="0"/>
-          <a:chExt cx="0" cy="0"/>
-        </a:xfrm>
-      </p:grpSpPr>
-      <p:sp>
-        <p:nvSpPr>
-          <p:cNvPr id="2" name="Title 1">
-            <a:extLst>
-              <a:ext uri="{FF2B5EF4-FFF2-40B4-BE49-F238E27FC236}">
-                <a16:creationId xmlns:a16="http://schemas.microsoft.com/office/drawing/2014/main" id="{BA749432-A29A-4F12-8BE8-C8FBC3068259}"/>
-              </a:ext>
-            </a:extLst>
-          </p:cNvPr>
-          <p:cNvSpPr>
-            <a:spLocks noGrp="1"/>
-          </p:cNvSpPr>
-          <p:nvPr>
-            <p:ph type="title"/>
-          </p:nvPr>
-        </p:nvSpPr>
-        <p:spPr/>
-        <p:txBody>
-          <a:bodyPr/>
-          <a:lstStyle/>
-          <a:p>
-            <a:r>
-              <a:rPr lang="en-US" dirty="0"/>
-              <a:t>Feedback</a:t>
-            </a:r>
-          </a:p>
-        </p:txBody>
-      </p:sp>
-      <p:sp>
-        <p:nvSpPr>
-          <p:cNvPr id="3" name="Content Placeholder 2">
-            <a:extLst>
-              <a:ext uri="{FF2B5EF4-FFF2-40B4-BE49-F238E27FC236}">
-                <a16:creationId xmlns:a16="http://schemas.microsoft.com/office/drawing/2014/main" id="{C18616BF-1EE1-4D1D-B109-7232B6B652F3}"/>
-              </a:ext>
-            </a:extLst>
-          </p:cNvPr>
-          <p:cNvSpPr>
-            <a:spLocks noGrp="1"/>
-          </p:cNvSpPr>
-          <p:nvPr>
-            <p:ph idx="1"/>
-          </p:nvPr>
-        </p:nvSpPr>
-        <p:spPr/>
-        <p:txBody>
-          <a:bodyPr/>
-          <a:lstStyle/>
-          <a:p>
-            <a:r>
-              <a:rPr lang="en-US" dirty="0"/>
-              <a:t>Box plot for summary data</a:t>
-            </a:r>
-          </a:p>
-        </p:txBody>
-      </p:sp>
-    </p:spTree>
-    <p:extLst>
-      <p:ext uri="{BB962C8B-B14F-4D97-AF65-F5344CB8AC3E}">
-        <p14:creationId xmlns:p14="http://schemas.microsoft.com/office/powerpoint/2010/main" val="746624713"/>
       </p:ext>
     </p:extLst>
   </p:cSld>
@@ -7330,6 +7508,563 @@
 </p:sld>
 </file>
 
+<file path=ppt/slides/slide20.xml><?xml version="1.0" encoding="utf-8"?>
+<p:sld xmlns:a="http://schemas.openxmlformats.org/drawingml/2006/main" xmlns:r="http://schemas.openxmlformats.org/officeDocument/2006/relationships" xmlns:p="http://schemas.openxmlformats.org/presentationml/2006/main">
+  <p:cSld>
+    <p:spTree>
+      <p:nvGrpSpPr>
+        <p:cNvPr id="1" name=""/>
+        <p:cNvGrpSpPr/>
+        <p:nvPr/>
+      </p:nvGrpSpPr>
+      <p:grpSpPr>
+        <a:xfrm>
+          <a:off x="0" y="0"/>
+          <a:ext cx="0" cy="0"/>
+          <a:chOff x="0" y="0"/>
+          <a:chExt cx="0" cy="0"/>
+        </a:xfrm>
+      </p:grpSpPr>
+      <p:sp>
+        <p:nvSpPr>
+          <p:cNvPr id="2" name="Title 1">
+            <a:extLst>
+              <a:ext uri="{FF2B5EF4-FFF2-40B4-BE49-F238E27FC236}">
+                <a16:creationId xmlns:a16="http://schemas.microsoft.com/office/drawing/2014/main" id="{356AB69A-AA1C-4A9C-B97E-8E133BA197AB}"/>
+              </a:ext>
+            </a:extLst>
+          </p:cNvPr>
+          <p:cNvSpPr>
+            <a:spLocks noGrp="1"/>
+          </p:cNvSpPr>
+          <p:nvPr>
+            <p:ph type="title"/>
+          </p:nvPr>
+        </p:nvSpPr>
+        <p:spPr>
+          <a:xfrm>
+            <a:off x="677334" y="609600"/>
+            <a:ext cx="5075396" cy="1320800"/>
+          </a:xfrm>
+        </p:spPr>
+        <p:txBody>
+          <a:bodyPr/>
+          <a:lstStyle/>
+          <a:p>
+            <a:r>
+              <a:rPr lang="en-US" dirty="0"/>
+              <a:t>IBU </a:t>
+            </a:r>
+            <a:r>
+              <a:rPr lang="en-US" dirty="0">
+                <a:latin typeface="Arial" panose="020B0604020202020204" pitchFamily="34" charset="0"/>
+                <a:cs typeface="Arial" panose="020B0604020202020204" pitchFamily="34" charset="0"/>
+              </a:rPr>
+              <a:t>Analysis</a:t>
+            </a:r>
+            <a:endParaRPr lang="en-US" dirty="0"/>
+          </a:p>
+        </p:txBody>
+      </p:sp>
+      <p:graphicFrame>
+        <p:nvGraphicFramePr>
+          <p:cNvPr id="4" name="Table 3">
+            <a:extLst>
+              <a:ext uri="{FF2B5EF4-FFF2-40B4-BE49-F238E27FC236}">
+                <a16:creationId xmlns:a16="http://schemas.microsoft.com/office/drawing/2014/main" id="{A7D88474-FF05-4603-833D-36DE785E26E1}"/>
+              </a:ext>
+            </a:extLst>
+          </p:cNvPr>
+          <p:cNvGraphicFramePr>
+            <a:graphicFrameLocks noGrp="1"/>
+          </p:cNvGraphicFramePr>
+          <p:nvPr>
+            <p:extLst>
+              <p:ext uri="{D42A27DB-BD31-4B8C-83A1-F6EECF244321}">
+                <p14:modId xmlns:p14="http://schemas.microsoft.com/office/powerpoint/2010/main" val="414285796"/>
+              </p:ext>
+            </p:extLst>
+          </p:nvPr>
+        </p:nvGraphicFramePr>
+        <p:xfrm>
+          <a:off x="597435" y="2307011"/>
+          <a:ext cx="2842528" cy="2560320"/>
+        </p:xfrm>
+        <a:graphic>
+          <a:graphicData uri="http://schemas.openxmlformats.org/drawingml/2006/table">
+            <a:tbl>
+              <a:tblPr firstRow="1" bandRow="1">
+                <a:tableStyleId>{5C22544A-7EE6-4342-B048-85BDC9FD1C3A}</a:tableStyleId>
+              </a:tblPr>
+              <a:tblGrid>
+                <a:gridCol w="1421264">
+                  <a:extLst>
+                    <a:ext uri="{9D8B030D-6E8A-4147-A177-3AD203B41FA5}">
+                      <a16:colId xmlns:a16="http://schemas.microsoft.com/office/drawing/2014/main" val="461675407"/>
+                    </a:ext>
+                  </a:extLst>
+                </a:gridCol>
+                <a:gridCol w="1421264">
+                  <a:extLst>
+                    <a:ext uri="{9D8B030D-6E8A-4147-A177-3AD203B41FA5}">
+                      <a16:colId xmlns:a16="http://schemas.microsoft.com/office/drawing/2014/main" val="4033762415"/>
+                    </a:ext>
+                  </a:extLst>
+                </a:gridCol>
+              </a:tblGrid>
+              <a:tr h="293145">
+                <a:tc gridSpan="2">
+                  <a:txBody>
+                    <a:bodyPr/>
+                    <a:lstStyle/>
+                    <a:p>
+                      <a:pPr algn="ctr"/>
+                      <a:r>
+                        <a:rPr lang="en-US" dirty="0"/>
+                        <a:t>Summary Statistics</a:t>
+                      </a:r>
+                    </a:p>
+                  </a:txBody>
+                  <a:tcPr/>
+                </a:tc>
+                <a:tc hMerge="1">
+                  <a:txBody>
+                    <a:bodyPr/>
+                    <a:lstStyle/>
+                    <a:p>
+                      <a:endParaRPr lang="en-US" dirty="0"/>
+                    </a:p>
+                  </a:txBody>
+                  <a:tcPr/>
+                </a:tc>
+                <a:extLst>
+                  <a:ext uri="{0D108BD9-81ED-4DB2-BD59-A6C34878D82A}">
+                    <a16:rowId xmlns:a16="http://schemas.microsoft.com/office/drawing/2014/main" val="2309065376"/>
+                  </a:ext>
+                </a:extLst>
+              </a:tr>
+              <a:tr h="293145">
+                <a:tc>
+                  <a:txBody>
+                    <a:bodyPr/>
+                    <a:lstStyle/>
+                    <a:p>
+                      <a:r>
+                        <a:rPr lang="en-US" dirty="0"/>
+                        <a:t>Min</a:t>
+                      </a:r>
+                    </a:p>
+                  </a:txBody>
+                  <a:tcPr/>
+                </a:tc>
+                <a:tc>
+                  <a:txBody>
+                    <a:bodyPr/>
+                    <a:lstStyle/>
+                    <a:p>
+                      <a:r>
+                        <a:rPr lang="en-US" sz="1800" dirty="0">
+                          <a:latin typeface="Arial" panose="020B0604020202020204" pitchFamily="34" charset="0"/>
+                          <a:cs typeface="Arial" panose="020B0604020202020204" pitchFamily="34" charset="0"/>
+                        </a:rPr>
+                        <a:t>4</a:t>
+                      </a:r>
+                      <a:endParaRPr lang="en-US" b="1" dirty="0"/>
+                    </a:p>
+                  </a:txBody>
+                  <a:tcPr/>
+                </a:tc>
+                <a:extLst>
+                  <a:ext uri="{0D108BD9-81ED-4DB2-BD59-A6C34878D82A}">
+                    <a16:rowId xmlns:a16="http://schemas.microsoft.com/office/drawing/2014/main" val="3552336859"/>
+                  </a:ext>
+                </a:extLst>
+              </a:tr>
+              <a:tr h="293145">
+                <a:tc>
+                  <a:txBody>
+                    <a:bodyPr/>
+                    <a:lstStyle/>
+                    <a:p>
+                      <a:r>
+                        <a:rPr lang="en-US" dirty="0"/>
+                        <a:t>1</a:t>
+                      </a:r>
+                      <a:r>
+                        <a:rPr lang="en-US" baseline="30000" dirty="0"/>
+                        <a:t>st</a:t>
+                      </a:r>
+                      <a:r>
+                        <a:rPr lang="en-US" dirty="0"/>
+                        <a:t> Quartile</a:t>
+                      </a:r>
+                    </a:p>
+                  </a:txBody>
+                  <a:tcPr/>
+                </a:tc>
+                <a:tc>
+                  <a:txBody>
+                    <a:bodyPr/>
+                    <a:lstStyle/>
+                    <a:p>
+                      <a:r>
+                        <a:rPr lang="en-US" sz="1800" dirty="0">
+                          <a:latin typeface="Arial" panose="020B0604020202020204" pitchFamily="34" charset="0"/>
+                          <a:cs typeface="Arial" panose="020B0604020202020204" pitchFamily="34" charset="0"/>
+                        </a:rPr>
+                        <a:t>20</a:t>
+                      </a:r>
+                      <a:endParaRPr lang="en-US" dirty="0"/>
+                    </a:p>
+                  </a:txBody>
+                  <a:tcPr/>
+                </a:tc>
+                <a:extLst>
+                  <a:ext uri="{0D108BD9-81ED-4DB2-BD59-A6C34878D82A}">
+                    <a16:rowId xmlns:a16="http://schemas.microsoft.com/office/drawing/2014/main" val="1464203332"/>
+                  </a:ext>
+                </a:extLst>
+              </a:tr>
+              <a:tr h="293145">
+                <a:tc>
+                  <a:txBody>
+                    <a:bodyPr/>
+                    <a:lstStyle/>
+                    <a:p>
+                      <a:r>
+                        <a:rPr lang="en-US" dirty="0"/>
+                        <a:t>Median</a:t>
+                      </a:r>
+                    </a:p>
+                  </a:txBody>
+                  <a:tcPr/>
+                </a:tc>
+                <a:tc>
+                  <a:txBody>
+                    <a:bodyPr/>
+                    <a:lstStyle/>
+                    <a:p>
+                      <a:r>
+                        <a:rPr lang="en-US" sz="1800" dirty="0">
+                          <a:latin typeface="Arial" panose="020B0604020202020204" pitchFamily="34" charset="0"/>
+                          <a:cs typeface="Arial" panose="020B0604020202020204" pitchFamily="34" charset="0"/>
+                        </a:rPr>
+                        <a:t>38</a:t>
+                      </a:r>
+                      <a:endParaRPr lang="en-US" dirty="0"/>
+                    </a:p>
+                  </a:txBody>
+                  <a:tcPr/>
+                </a:tc>
+                <a:extLst>
+                  <a:ext uri="{0D108BD9-81ED-4DB2-BD59-A6C34878D82A}">
+                    <a16:rowId xmlns:a16="http://schemas.microsoft.com/office/drawing/2014/main" val="675258789"/>
+                  </a:ext>
+                </a:extLst>
+              </a:tr>
+              <a:tr h="293145">
+                <a:tc>
+                  <a:txBody>
+                    <a:bodyPr/>
+                    <a:lstStyle/>
+                    <a:p>
+                      <a:r>
+                        <a:rPr lang="en-US" dirty="0"/>
+                        <a:t>Mean</a:t>
+                      </a:r>
+                    </a:p>
+                  </a:txBody>
+                  <a:tcPr/>
+                </a:tc>
+                <a:tc>
+                  <a:txBody>
+                    <a:bodyPr/>
+                    <a:lstStyle/>
+                    <a:p>
+                      <a:pPr marL="0" marR="0" lvl="0" indent="0" algn="l" defTabSz="457200" rtl="0" eaLnBrk="1" fontAlgn="auto" latinLnBrk="0" hangingPunct="1">
+                        <a:lnSpc>
+                          <a:spcPct val="100000"/>
+                        </a:lnSpc>
+                        <a:spcBef>
+                          <a:spcPts val="0"/>
+                        </a:spcBef>
+                        <a:spcAft>
+                          <a:spcPts val="0"/>
+                        </a:spcAft>
+                        <a:buClrTx/>
+                        <a:buSzTx/>
+                        <a:buFontTx/>
+                        <a:buNone/>
+                        <a:tabLst/>
+                        <a:defRPr/>
+                      </a:pPr>
+                      <a:r>
+                        <a:rPr lang="en-US" sz="1800" dirty="0">
+                          <a:latin typeface="Arial" panose="020B0604020202020204" pitchFamily="34" charset="0"/>
+                          <a:cs typeface="Arial" panose="020B0604020202020204" pitchFamily="34" charset="0"/>
+                        </a:rPr>
+                        <a:t>47</a:t>
+                      </a:r>
+                      <a:endParaRPr lang="en-US" dirty="0"/>
+                    </a:p>
+                  </a:txBody>
+                  <a:tcPr/>
+                </a:tc>
+                <a:extLst>
+                  <a:ext uri="{0D108BD9-81ED-4DB2-BD59-A6C34878D82A}">
+                    <a16:rowId xmlns:a16="http://schemas.microsoft.com/office/drawing/2014/main" val="4206532118"/>
+                  </a:ext>
+                </a:extLst>
+              </a:tr>
+              <a:tr h="293145">
+                <a:tc>
+                  <a:txBody>
+                    <a:bodyPr/>
+                    <a:lstStyle/>
+                    <a:p>
+                      <a:r>
+                        <a:rPr lang="en-US" dirty="0"/>
+                        <a:t>3</a:t>
+                      </a:r>
+                      <a:r>
+                        <a:rPr lang="en-US" baseline="30000" dirty="0"/>
+                        <a:t>rd</a:t>
+                      </a:r>
+                      <a:r>
+                        <a:rPr lang="en-US" dirty="0"/>
+                        <a:t> Quartile</a:t>
+                      </a:r>
+                    </a:p>
+                  </a:txBody>
+                  <a:tcPr/>
+                </a:tc>
+                <a:tc>
+                  <a:txBody>
+                    <a:bodyPr/>
+                    <a:lstStyle/>
+                    <a:p>
+                      <a:pPr marL="0" marR="0" lvl="0" indent="0" algn="l" defTabSz="457200" rtl="0" eaLnBrk="1" fontAlgn="auto" latinLnBrk="0" hangingPunct="1">
+                        <a:lnSpc>
+                          <a:spcPct val="100000"/>
+                        </a:lnSpc>
+                        <a:spcBef>
+                          <a:spcPts val="0"/>
+                        </a:spcBef>
+                        <a:spcAft>
+                          <a:spcPts val="0"/>
+                        </a:spcAft>
+                        <a:buClrTx/>
+                        <a:buSzTx/>
+                        <a:buFontTx/>
+                        <a:buNone/>
+                        <a:tabLst/>
+                        <a:defRPr/>
+                      </a:pPr>
+                      <a:r>
+                        <a:rPr lang="en-US" sz="1800" dirty="0">
+                          <a:latin typeface="Arial" panose="020B0604020202020204" pitchFamily="34" charset="0"/>
+                          <a:cs typeface="Arial" panose="020B0604020202020204" pitchFamily="34" charset="0"/>
+                        </a:rPr>
+                        <a:t>66</a:t>
+                      </a:r>
+                      <a:endParaRPr lang="en-US" dirty="0"/>
+                    </a:p>
+                  </a:txBody>
+                  <a:tcPr/>
+                </a:tc>
+                <a:extLst>
+                  <a:ext uri="{0D108BD9-81ED-4DB2-BD59-A6C34878D82A}">
+                    <a16:rowId xmlns:a16="http://schemas.microsoft.com/office/drawing/2014/main" val="1762085853"/>
+                  </a:ext>
+                </a:extLst>
+              </a:tr>
+              <a:tr h="293145">
+                <a:tc>
+                  <a:txBody>
+                    <a:bodyPr/>
+                    <a:lstStyle/>
+                    <a:p>
+                      <a:r>
+                        <a:rPr lang="en-US" dirty="0"/>
+                        <a:t>Max</a:t>
+                      </a:r>
+                    </a:p>
+                  </a:txBody>
+                  <a:tcPr/>
+                </a:tc>
+                <a:tc>
+                  <a:txBody>
+                    <a:bodyPr/>
+                    <a:lstStyle/>
+                    <a:p>
+                      <a:pPr marL="0" marR="0" lvl="0" indent="0" algn="l" defTabSz="457200" rtl="0" eaLnBrk="1" fontAlgn="auto" latinLnBrk="0" hangingPunct="1">
+                        <a:lnSpc>
+                          <a:spcPct val="100000"/>
+                        </a:lnSpc>
+                        <a:spcBef>
+                          <a:spcPts val="0"/>
+                        </a:spcBef>
+                        <a:spcAft>
+                          <a:spcPts val="0"/>
+                        </a:spcAft>
+                        <a:buClrTx/>
+                        <a:buSzTx/>
+                        <a:buFontTx/>
+                        <a:buNone/>
+                        <a:tabLst/>
+                        <a:defRPr/>
+                      </a:pPr>
+                      <a:r>
+                        <a:rPr lang="en-US" sz="1800" dirty="0">
+                          <a:latin typeface="Arial" panose="020B0604020202020204" pitchFamily="34" charset="0"/>
+                          <a:cs typeface="Arial" panose="020B0604020202020204" pitchFamily="34" charset="0"/>
+                        </a:rPr>
+                        <a:t>138</a:t>
+                      </a:r>
+                      <a:endParaRPr lang="en-US" dirty="0"/>
+                    </a:p>
+                  </a:txBody>
+                  <a:tcPr/>
+                </a:tc>
+                <a:extLst>
+                  <a:ext uri="{0D108BD9-81ED-4DB2-BD59-A6C34878D82A}">
+                    <a16:rowId xmlns:a16="http://schemas.microsoft.com/office/drawing/2014/main" val="56146931"/>
+                  </a:ext>
+                </a:extLst>
+              </a:tr>
+            </a:tbl>
+          </a:graphicData>
+        </a:graphic>
+      </p:graphicFrame>
+      <p:pic>
+        <p:nvPicPr>
+          <p:cNvPr id="8" name="Picture 7">
+            <a:extLst>
+              <a:ext uri="{FF2B5EF4-FFF2-40B4-BE49-F238E27FC236}">
+                <a16:creationId xmlns:a16="http://schemas.microsoft.com/office/drawing/2014/main" id="{7061A442-0C36-416F-BF24-523EC4917969}"/>
+              </a:ext>
+            </a:extLst>
+          </p:cNvPr>
+          <p:cNvPicPr>
+            <a:picLocks noChangeAspect="1"/>
+          </p:cNvPicPr>
+          <p:nvPr/>
+        </p:nvPicPr>
+        <p:blipFill>
+          <a:blip r:embed="rId2"/>
+          <a:stretch>
+            <a:fillRect/>
+          </a:stretch>
+        </p:blipFill>
+        <p:spPr>
+          <a:xfrm>
+            <a:off x="4533997" y="1992718"/>
+            <a:ext cx="5141662" cy="3171150"/>
+          </a:xfrm>
+          <a:prstGeom prst="rect">
+            <a:avLst/>
+          </a:prstGeom>
+        </p:spPr>
+      </p:pic>
+    </p:spTree>
+    <p:extLst>
+      <p:ext uri="{BB962C8B-B14F-4D97-AF65-F5344CB8AC3E}">
+        <p14:creationId xmlns:p14="http://schemas.microsoft.com/office/powerpoint/2010/main" val="4108676287"/>
+      </p:ext>
+    </p:extLst>
+  </p:cSld>
+  <p:clrMapOvr>
+    <a:masterClrMapping/>
+  </p:clrMapOvr>
+</p:sld>
+</file>
+
+<file path=ppt/slides/slide21.xml><?xml version="1.0" encoding="utf-8"?>
+<p:sld xmlns:a="http://schemas.openxmlformats.org/drawingml/2006/main" xmlns:r="http://schemas.openxmlformats.org/officeDocument/2006/relationships" xmlns:p="http://schemas.openxmlformats.org/presentationml/2006/main">
+  <p:cSld>
+    <p:spTree>
+      <p:nvGrpSpPr>
+        <p:cNvPr id="1" name=""/>
+        <p:cNvGrpSpPr/>
+        <p:nvPr/>
+      </p:nvGrpSpPr>
+      <p:grpSpPr>
+        <a:xfrm>
+          <a:off x="0" y="0"/>
+          <a:ext cx="0" cy="0"/>
+          <a:chOff x="0" y="0"/>
+          <a:chExt cx="0" cy="0"/>
+        </a:xfrm>
+      </p:grpSpPr>
+      <p:sp>
+        <p:nvSpPr>
+          <p:cNvPr id="2" name="Title 1">
+            <a:extLst>
+              <a:ext uri="{FF2B5EF4-FFF2-40B4-BE49-F238E27FC236}">
+                <a16:creationId xmlns:a16="http://schemas.microsoft.com/office/drawing/2014/main" id="{BA749432-A29A-4F12-8BE8-C8FBC3068259}"/>
+              </a:ext>
+            </a:extLst>
+          </p:cNvPr>
+          <p:cNvSpPr>
+            <a:spLocks noGrp="1"/>
+          </p:cNvSpPr>
+          <p:nvPr>
+            <p:ph type="title"/>
+          </p:nvPr>
+        </p:nvSpPr>
+        <p:spPr/>
+        <p:txBody>
+          <a:bodyPr/>
+          <a:lstStyle/>
+          <a:p>
+            <a:r>
+              <a:rPr lang="en-US" dirty="0"/>
+              <a:t>Feedback</a:t>
+            </a:r>
+          </a:p>
+        </p:txBody>
+      </p:sp>
+      <p:sp>
+        <p:nvSpPr>
+          <p:cNvPr id="3" name="Content Placeholder 2">
+            <a:extLst>
+              <a:ext uri="{FF2B5EF4-FFF2-40B4-BE49-F238E27FC236}">
+                <a16:creationId xmlns:a16="http://schemas.microsoft.com/office/drawing/2014/main" id="{C18616BF-1EE1-4D1D-B109-7232B6B652F3}"/>
+              </a:ext>
+            </a:extLst>
+          </p:cNvPr>
+          <p:cNvSpPr>
+            <a:spLocks noGrp="1"/>
+          </p:cNvSpPr>
+          <p:nvPr>
+            <p:ph idx="1"/>
+          </p:nvPr>
+        </p:nvSpPr>
+        <p:spPr/>
+        <p:txBody>
+          <a:bodyPr/>
+          <a:lstStyle/>
+          <a:p>
+            <a:r>
+              <a:rPr lang="en-US" dirty="0"/>
+              <a:t>Box plot for summary data</a:t>
+            </a:r>
+          </a:p>
+        </p:txBody>
+      </p:sp>
+    </p:spTree>
+    <p:extLst>
+      <p:ext uri="{BB962C8B-B14F-4D97-AF65-F5344CB8AC3E}">
+        <p14:creationId xmlns:p14="http://schemas.microsoft.com/office/powerpoint/2010/main" val="746624713"/>
+      </p:ext>
+    </p:extLst>
+  </p:cSld>
+  <p:clrMapOvr>
+    <a:masterClrMapping/>
+  </p:clrMapOvr>
+</p:sld>
+</file>
+
 <file path=ppt/slides/slide3.xml><?xml version="1.0" encoding="utf-8"?>
 <p:sld xmlns:a="http://schemas.openxmlformats.org/drawingml/2006/main" xmlns:r="http://schemas.openxmlformats.org/officeDocument/2006/relationships" xmlns:p="http://schemas.openxmlformats.org/presentationml/2006/main">
   <p:cSld>
@@ -7497,10 +8232,10 @@
       </p:sp>
       <p:pic>
         <p:nvPicPr>
-          <p:cNvPr id="3" name="Picture 2">
+          <p:cNvPr id="4" name="Picture 3">
             <a:extLst>
               <a:ext uri="{FF2B5EF4-FFF2-40B4-BE49-F238E27FC236}">
-                <a16:creationId xmlns:a16="http://schemas.microsoft.com/office/drawing/2014/main" id="{29912360-7E3D-469E-85D2-B0D221304D0E}"/>
+                <a16:creationId xmlns:a16="http://schemas.microsoft.com/office/drawing/2014/main" id="{87CF92D8-8DED-4FB3-A8EF-D94409BB4682}"/>
               </a:ext>
             </a:extLst>
           </p:cNvPr>
@@ -7517,8 +8252,8 @@
         </p:blipFill>
         <p:spPr>
           <a:xfrm>
-            <a:off x="1413763" y="2190029"/>
-            <a:ext cx="7123809" cy="4393651"/>
+            <a:off x="1499658" y="2398113"/>
+            <a:ext cx="6311111" cy="3898413"/>
           </a:xfrm>
           <a:prstGeom prst="rect">
             <a:avLst/>
@@ -7539,7 +8274,7 @@
         </p:nvSpPr>
         <p:spPr>
           <a:xfrm>
-            <a:off x="1772095" y="5940623"/>
+            <a:off x="1683198" y="5940623"/>
             <a:ext cx="1452369" cy="307777"/>
           </a:xfrm>
           <a:prstGeom prst="rect">
@@ -7738,7 +8473,7 @@
         </p:blipFill>
         <p:spPr>
           <a:xfrm>
-            <a:off x="1523465" y="2162610"/>
+            <a:off x="6496298" y="2513339"/>
             <a:ext cx="3767626" cy="2323705"/>
           </a:xfrm>
           <a:prstGeom prst="rect">
@@ -7748,10 +8483,10 @@
       </p:pic>
       <p:pic>
         <p:nvPicPr>
-          <p:cNvPr id="5" name="Picture 4">
+          <p:cNvPr id="3" name="Picture 2">
             <a:extLst>
               <a:ext uri="{FF2B5EF4-FFF2-40B4-BE49-F238E27FC236}">
-                <a16:creationId xmlns:a16="http://schemas.microsoft.com/office/drawing/2014/main" id="{0BAE1DD6-FB34-4538-9C6B-1FB1486DFFA5}"/>
+                <a16:creationId xmlns:a16="http://schemas.microsoft.com/office/drawing/2014/main" id="{D127A0E3-2199-4659-A1A3-7CA1FE8851C5}"/>
               </a:ext>
             </a:extLst>
           </p:cNvPr>
@@ -7768,8 +8503,8 @@
         </p:blipFill>
         <p:spPr>
           <a:xfrm>
-            <a:off x="5777294" y="2278020"/>
-            <a:ext cx="3767626" cy="2323705"/>
+            <a:off x="1928076" y="2513339"/>
+            <a:ext cx="3761828" cy="2323705"/>
           </a:xfrm>
           <a:prstGeom prst="rect">
             <a:avLst/>
@@ -9003,7 +9738,7 @@
           <p:cNvPr id="2" name="Title 1">
             <a:extLst>
               <a:ext uri="{FF2B5EF4-FFF2-40B4-BE49-F238E27FC236}">
-                <a16:creationId xmlns:a16="http://schemas.microsoft.com/office/drawing/2014/main" id="{356AB69A-AA1C-4A9C-B97E-8E133BA197AB}"/>
+                <a16:creationId xmlns:a16="http://schemas.microsoft.com/office/drawing/2014/main" id="{9A80211F-D10D-461A-9C13-62348DA09BF3}"/>
               </a:ext>
             </a:extLst>
           </p:cNvPr>
@@ -9014,435 +9749,64 @@
             <p:ph type="title"/>
           </p:nvPr>
         </p:nvSpPr>
-        <p:spPr>
-          <a:xfrm>
-            <a:off x="677334" y="609600"/>
-            <a:ext cx="5075396" cy="1320800"/>
-          </a:xfrm>
-        </p:spPr>
+        <p:spPr/>
         <p:txBody>
           <a:bodyPr/>
           <a:lstStyle/>
           <a:p>
             <a:r>
               <a:rPr lang="en-US" dirty="0"/>
-              <a:t>IBU </a:t>
-            </a:r>
-            <a:r>
-              <a:rPr lang="en-US" dirty="0">
-                <a:latin typeface="Arial" panose="020B0604020202020204" pitchFamily="34" charset="0"/>
-                <a:cs typeface="Arial" panose="020B0604020202020204" pitchFamily="34" charset="0"/>
-              </a:rPr>
-              <a:t>Analysis</a:t>
-            </a:r>
-            <a:endParaRPr lang="en-US" dirty="0"/>
-          </a:p>
-        </p:txBody>
-      </p:sp>
-      <p:graphicFrame>
-        <p:nvGraphicFramePr>
-          <p:cNvPr id="4" name="Table 3">
+              <a:t>Alcohol by Volume and </a:t>
+            </a:r>
+            <a:br>
+              <a:rPr lang="en-US" dirty="0"/>
+            </a:br>
+            <a:r>
+              <a:rPr lang="en-US" dirty="0"/>
+              <a:t>International Bitterness Units by Style</a:t>
+            </a:r>
+          </a:p>
+        </p:txBody>
+      </p:sp>
+      <p:pic>
+        <p:nvPicPr>
+          <p:cNvPr id="4" name="Content Placeholder 4" descr="A screenshot of a cell phone&#10;&#10;Description automatically generated">
             <a:extLst>
               <a:ext uri="{FF2B5EF4-FFF2-40B4-BE49-F238E27FC236}">
-                <a16:creationId xmlns:a16="http://schemas.microsoft.com/office/drawing/2014/main" id="{A7D88474-FF05-4603-833D-36DE785E26E1}"/>
-              </a:ext>
-            </a:extLst>
-          </p:cNvPr>
-          <p:cNvGraphicFramePr>
-            <a:graphicFrameLocks noGrp="1"/>
-          </p:cNvGraphicFramePr>
-          <p:nvPr>
-            <p:extLst>
-              <p:ext uri="{D42A27DB-BD31-4B8C-83A1-F6EECF244321}">
-                <p14:modId xmlns:p14="http://schemas.microsoft.com/office/powerpoint/2010/main" val="414285796"/>
-              </p:ext>
-            </p:extLst>
-          </p:nvPr>
-        </p:nvGraphicFramePr>
-        <p:xfrm>
-          <a:off x="597435" y="2307011"/>
-          <a:ext cx="2842528" cy="2560320"/>
-        </p:xfrm>
-        <a:graphic>
-          <a:graphicData uri="http://schemas.openxmlformats.org/drawingml/2006/table">
-            <a:tbl>
-              <a:tblPr firstRow="1" bandRow="1">
-                <a:tableStyleId>{5C22544A-7EE6-4342-B048-85BDC9FD1C3A}</a:tableStyleId>
-              </a:tblPr>
-              <a:tblGrid>
-                <a:gridCol w="1421264">
-                  <a:extLst>
-                    <a:ext uri="{9D8B030D-6E8A-4147-A177-3AD203B41FA5}">
-                      <a16:colId xmlns:a16="http://schemas.microsoft.com/office/drawing/2014/main" val="461675407"/>
-                    </a:ext>
-                  </a:extLst>
-                </a:gridCol>
-                <a:gridCol w="1421264">
-                  <a:extLst>
-                    <a:ext uri="{9D8B030D-6E8A-4147-A177-3AD203B41FA5}">
-                      <a16:colId xmlns:a16="http://schemas.microsoft.com/office/drawing/2014/main" val="4033762415"/>
-                    </a:ext>
-                  </a:extLst>
-                </a:gridCol>
-              </a:tblGrid>
-              <a:tr h="293145">
-                <a:tc gridSpan="2">
-                  <a:txBody>
-                    <a:bodyPr/>
-                    <a:lstStyle/>
-                    <a:p>
-                      <a:pPr algn="ctr"/>
-                      <a:r>
-                        <a:rPr lang="en-US" dirty="0"/>
-                        <a:t>Summary Statistics</a:t>
-                      </a:r>
-                    </a:p>
-                  </a:txBody>
-                  <a:tcPr/>
-                </a:tc>
-                <a:tc hMerge="1">
-                  <a:txBody>
-                    <a:bodyPr/>
-                    <a:lstStyle/>
-                    <a:p>
-                      <a:endParaRPr lang="en-US" dirty="0"/>
-                    </a:p>
-                  </a:txBody>
-                  <a:tcPr/>
-                </a:tc>
-                <a:extLst>
-                  <a:ext uri="{0D108BD9-81ED-4DB2-BD59-A6C34878D82A}">
-                    <a16:rowId xmlns:a16="http://schemas.microsoft.com/office/drawing/2014/main" val="2309065376"/>
-                  </a:ext>
-                </a:extLst>
-              </a:tr>
-              <a:tr h="293145">
-                <a:tc>
-                  <a:txBody>
-                    <a:bodyPr/>
-                    <a:lstStyle/>
-                    <a:p>
-                      <a:r>
-                        <a:rPr lang="en-US" dirty="0"/>
-                        <a:t>Min</a:t>
-                      </a:r>
-                    </a:p>
-                  </a:txBody>
-                  <a:tcPr/>
-                </a:tc>
-                <a:tc>
-                  <a:txBody>
-                    <a:bodyPr/>
-                    <a:lstStyle/>
-                    <a:p>
-                      <a:r>
-                        <a:rPr lang="en-US" sz="1800" dirty="0">
-                          <a:latin typeface="Arial" panose="020B0604020202020204" pitchFamily="34" charset="0"/>
-                          <a:cs typeface="Arial" panose="020B0604020202020204" pitchFamily="34" charset="0"/>
-                        </a:rPr>
-                        <a:t>4</a:t>
-                      </a:r>
-                      <a:endParaRPr lang="en-US" b="1" dirty="0"/>
-                    </a:p>
-                  </a:txBody>
-                  <a:tcPr/>
-                </a:tc>
-                <a:extLst>
-                  <a:ext uri="{0D108BD9-81ED-4DB2-BD59-A6C34878D82A}">
-                    <a16:rowId xmlns:a16="http://schemas.microsoft.com/office/drawing/2014/main" val="3552336859"/>
-                  </a:ext>
-                </a:extLst>
-              </a:tr>
-              <a:tr h="293145">
-                <a:tc>
-                  <a:txBody>
-                    <a:bodyPr/>
-                    <a:lstStyle/>
-                    <a:p>
-                      <a:r>
-                        <a:rPr lang="en-US" dirty="0"/>
-                        <a:t>1</a:t>
-                      </a:r>
-                      <a:r>
-                        <a:rPr lang="en-US" baseline="30000" dirty="0"/>
-                        <a:t>st</a:t>
-                      </a:r>
-                      <a:r>
-                        <a:rPr lang="en-US" dirty="0"/>
-                        <a:t> Quartile</a:t>
-                      </a:r>
-                    </a:p>
-                  </a:txBody>
-                  <a:tcPr/>
-                </a:tc>
-                <a:tc>
-                  <a:txBody>
-                    <a:bodyPr/>
-                    <a:lstStyle/>
-                    <a:p>
-                      <a:r>
-                        <a:rPr lang="en-US" sz="1800" dirty="0">
-                          <a:latin typeface="Arial" panose="020B0604020202020204" pitchFamily="34" charset="0"/>
-                          <a:cs typeface="Arial" panose="020B0604020202020204" pitchFamily="34" charset="0"/>
-                        </a:rPr>
-                        <a:t>20</a:t>
-                      </a:r>
-                      <a:endParaRPr lang="en-US" dirty="0"/>
-                    </a:p>
-                  </a:txBody>
-                  <a:tcPr/>
-                </a:tc>
-                <a:extLst>
-                  <a:ext uri="{0D108BD9-81ED-4DB2-BD59-A6C34878D82A}">
-                    <a16:rowId xmlns:a16="http://schemas.microsoft.com/office/drawing/2014/main" val="1464203332"/>
-                  </a:ext>
-                </a:extLst>
-              </a:tr>
-              <a:tr h="293145">
-                <a:tc>
-                  <a:txBody>
-                    <a:bodyPr/>
-                    <a:lstStyle/>
-                    <a:p>
-                      <a:r>
-                        <a:rPr lang="en-US" dirty="0"/>
-                        <a:t>Median</a:t>
-                      </a:r>
-                    </a:p>
-                  </a:txBody>
-                  <a:tcPr/>
-                </a:tc>
-                <a:tc>
-                  <a:txBody>
-                    <a:bodyPr/>
-                    <a:lstStyle/>
-                    <a:p>
-                      <a:r>
-                        <a:rPr lang="en-US" sz="1800" dirty="0">
-                          <a:latin typeface="Arial" panose="020B0604020202020204" pitchFamily="34" charset="0"/>
-                          <a:cs typeface="Arial" panose="020B0604020202020204" pitchFamily="34" charset="0"/>
-                        </a:rPr>
-                        <a:t>38</a:t>
-                      </a:r>
-                      <a:endParaRPr lang="en-US" dirty="0"/>
-                    </a:p>
-                  </a:txBody>
-                  <a:tcPr/>
-                </a:tc>
-                <a:extLst>
-                  <a:ext uri="{0D108BD9-81ED-4DB2-BD59-A6C34878D82A}">
-                    <a16:rowId xmlns:a16="http://schemas.microsoft.com/office/drawing/2014/main" val="675258789"/>
-                  </a:ext>
-                </a:extLst>
-              </a:tr>
-              <a:tr h="293145">
-                <a:tc>
-                  <a:txBody>
-                    <a:bodyPr/>
-                    <a:lstStyle/>
-                    <a:p>
-                      <a:r>
-                        <a:rPr lang="en-US" dirty="0"/>
-                        <a:t>Mean</a:t>
-                      </a:r>
-                    </a:p>
-                  </a:txBody>
-                  <a:tcPr/>
-                </a:tc>
-                <a:tc>
-                  <a:txBody>
-                    <a:bodyPr/>
-                    <a:lstStyle/>
-                    <a:p>
-                      <a:pPr marL="0" marR="0" lvl="0" indent="0" algn="l" defTabSz="457200" rtl="0" eaLnBrk="1" fontAlgn="auto" latinLnBrk="0" hangingPunct="1">
-                        <a:lnSpc>
-                          <a:spcPct val="100000"/>
-                        </a:lnSpc>
-                        <a:spcBef>
-                          <a:spcPts val="0"/>
-                        </a:spcBef>
-                        <a:spcAft>
-                          <a:spcPts val="0"/>
-                        </a:spcAft>
-                        <a:buClrTx/>
-                        <a:buSzTx/>
-                        <a:buFontTx/>
-                        <a:buNone/>
-                        <a:tabLst/>
-                        <a:defRPr/>
-                      </a:pPr>
-                      <a:r>
-                        <a:rPr lang="en-US" sz="1800" dirty="0">
-                          <a:latin typeface="Arial" panose="020B0604020202020204" pitchFamily="34" charset="0"/>
-                          <a:cs typeface="Arial" panose="020B0604020202020204" pitchFamily="34" charset="0"/>
-                        </a:rPr>
-                        <a:t>47</a:t>
-                      </a:r>
-                      <a:endParaRPr lang="en-US" dirty="0"/>
-                    </a:p>
-                  </a:txBody>
-                  <a:tcPr/>
-                </a:tc>
-                <a:extLst>
-                  <a:ext uri="{0D108BD9-81ED-4DB2-BD59-A6C34878D82A}">
-                    <a16:rowId xmlns:a16="http://schemas.microsoft.com/office/drawing/2014/main" val="4206532118"/>
-                  </a:ext>
-                </a:extLst>
-              </a:tr>
-              <a:tr h="293145">
-                <a:tc>
-                  <a:txBody>
-                    <a:bodyPr/>
-                    <a:lstStyle/>
-                    <a:p>
-                      <a:r>
-                        <a:rPr lang="en-US" dirty="0"/>
-                        <a:t>3</a:t>
-                      </a:r>
-                      <a:r>
-                        <a:rPr lang="en-US" baseline="30000" dirty="0"/>
-                        <a:t>rd</a:t>
-                      </a:r>
-                      <a:r>
-                        <a:rPr lang="en-US" dirty="0"/>
-                        <a:t> Quartile</a:t>
-                      </a:r>
-                    </a:p>
-                  </a:txBody>
-                  <a:tcPr/>
-                </a:tc>
-                <a:tc>
-                  <a:txBody>
-                    <a:bodyPr/>
-                    <a:lstStyle/>
-                    <a:p>
-                      <a:pPr marL="0" marR="0" lvl="0" indent="0" algn="l" defTabSz="457200" rtl="0" eaLnBrk="1" fontAlgn="auto" latinLnBrk="0" hangingPunct="1">
-                        <a:lnSpc>
-                          <a:spcPct val="100000"/>
-                        </a:lnSpc>
-                        <a:spcBef>
-                          <a:spcPts val="0"/>
-                        </a:spcBef>
-                        <a:spcAft>
-                          <a:spcPts val="0"/>
-                        </a:spcAft>
-                        <a:buClrTx/>
-                        <a:buSzTx/>
-                        <a:buFontTx/>
-                        <a:buNone/>
-                        <a:tabLst/>
-                        <a:defRPr/>
-                      </a:pPr>
-                      <a:r>
-                        <a:rPr lang="en-US" sz="1800" dirty="0">
-                          <a:latin typeface="Arial" panose="020B0604020202020204" pitchFamily="34" charset="0"/>
-                          <a:cs typeface="Arial" panose="020B0604020202020204" pitchFamily="34" charset="0"/>
-                        </a:rPr>
-                        <a:t>66</a:t>
-                      </a:r>
-                      <a:endParaRPr lang="en-US" dirty="0"/>
-                    </a:p>
-                  </a:txBody>
-                  <a:tcPr/>
-                </a:tc>
-                <a:extLst>
-                  <a:ext uri="{0D108BD9-81ED-4DB2-BD59-A6C34878D82A}">
-                    <a16:rowId xmlns:a16="http://schemas.microsoft.com/office/drawing/2014/main" val="1762085853"/>
-                  </a:ext>
-                </a:extLst>
-              </a:tr>
-              <a:tr h="293145">
-                <a:tc>
-                  <a:txBody>
-                    <a:bodyPr/>
-                    <a:lstStyle/>
-                    <a:p>
-                      <a:r>
-                        <a:rPr lang="en-US" dirty="0"/>
-                        <a:t>Max</a:t>
-                      </a:r>
-                    </a:p>
-                  </a:txBody>
-                  <a:tcPr/>
-                </a:tc>
-                <a:tc>
-                  <a:txBody>
-                    <a:bodyPr/>
-                    <a:lstStyle/>
-                    <a:p>
-                      <a:pPr marL="0" marR="0" lvl="0" indent="0" algn="l" defTabSz="457200" rtl="0" eaLnBrk="1" fontAlgn="auto" latinLnBrk="0" hangingPunct="1">
-                        <a:lnSpc>
-                          <a:spcPct val="100000"/>
-                        </a:lnSpc>
-                        <a:spcBef>
-                          <a:spcPts val="0"/>
-                        </a:spcBef>
-                        <a:spcAft>
-                          <a:spcPts val="0"/>
-                        </a:spcAft>
-                        <a:buClrTx/>
-                        <a:buSzTx/>
-                        <a:buFontTx/>
-                        <a:buNone/>
-                        <a:tabLst/>
-                        <a:defRPr/>
-                      </a:pPr>
-                      <a:r>
-                        <a:rPr lang="en-US" sz="1800" dirty="0">
-                          <a:latin typeface="Arial" panose="020B0604020202020204" pitchFamily="34" charset="0"/>
-                          <a:cs typeface="Arial" panose="020B0604020202020204" pitchFamily="34" charset="0"/>
-                        </a:rPr>
-                        <a:t>138</a:t>
-                      </a:r>
-                      <a:endParaRPr lang="en-US" dirty="0"/>
-                    </a:p>
-                  </a:txBody>
-                  <a:tcPr/>
-                </a:tc>
-                <a:extLst>
-                  <a:ext uri="{0D108BD9-81ED-4DB2-BD59-A6C34878D82A}">
-                    <a16:rowId xmlns:a16="http://schemas.microsoft.com/office/drawing/2014/main" val="56146931"/>
-                  </a:ext>
-                </a:extLst>
-              </a:tr>
-            </a:tbl>
-          </a:graphicData>
-        </a:graphic>
-      </p:graphicFrame>
-      <p:pic>
-        <p:nvPicPr>
-          <p:cNvPr id="8" name="Picture 7">
-            <a:extLst>
-              <a:ext uri="{FF2B5EF4-FFF2-40B4-BE49-F238E27FC236}">
-                <a16:creationId xmlns:a16="http://schemas.microsoft.com/office/drawing/2014/main" id="{7061A442-0C36-416F-BF24-523EC4917969}"/>
+                <a16:creationId xmlns:a16="http://schemas.microsoft.com/office/drawing/2014/main" id="{636F93D3-8DBE-411A-BFEE-DAE8908DD57E}"/>
               </a:ext>
             </a:extLst>
           </p:cNvPr>
           <p:cNvPicPr>
-            <a:picLocks noChangeAspect="1"/>
+            <a:picLocks noGrp="1" noChangeAspect="1"/>
           </p:cNvPicPr>
-          <p:nvPr/>
+          <p:nvPr>
+            <p:ph idx="1"/>
+          </p:nvPr>
         </p:nvPicPr>
         <p:blipFill>
-          <a:blip r:embed="rId2"/>
+          <a:blip r:embed="rId2">
+            <a:extLst>
+              <a:ext uri="{28A0092B-C50C-407E-A947-70E740481C1C}">
+                <a14:useLocalDpi xmlns:a14="http://schemas.microsoft.com/office/drawing/2010/main" val="0"/>
+              </a:ext>
+            </a:extLst>
+          </a:blip>
           <a:stretch>
             <a:fillRect/>
           </a:stretch>
         </p:blipFill>
         <p:spPr>
           <a:xfrm>
-            <a:off x="4533997" y="1992718"/>
-            <a:ext cx="5141662" cy="3171150"/>
+            <a:off x="1692075" y="2450661"/>
+            <a:ext cx="6567185" cy="3797739"/>
           </a:xfrm>
-          <a:prstGeom prst="rect">
-            <a:avLst/>
-          </a:prstGeom>
         </p:spPr>
       </p:pic>
     </p:spTree>
     <p:extLst>
       <p:ext uri="{BB962C8B-B14F-4D97-AF65-F5344CB8AC3E}">
-        <p14:creationId xmlns:p14="http://schemas.microsoft.com/office/powerpoint/2010/main" val="4108676287"/>
+        <p14:creationId xmlns:p14="http://schemas.microsoft.com/office/powerpoint/2010/main" val="1598884026"/>
       </p:ext>
     </p:extLst>
   </p:cSld>

--- a/MalcolmCarlsonBeerDataEDA.DDS6306.pptx
+++ b/MalcolmCarlsonBeerDataEDA.DDS6306.pptx
@@ -229,7 +229,7 @@
           <a:p>
             <a:fld id="{A6D10619-A5AD-4FBE-8267-47BE2B1199F7}" type="datetimeFigureOut">
               <a:rPr lang="en-US" smtClean="0"/>
-              <a:t>10/23/2019</a:t>
+              <a:t>10/25/2019</a:t>
             </a:fld>
             <a:endParaRPr lang="en-US"/>
           </a:p>
@@ -1219,7 +1219,7 @@
             <a:fld id="{B61BEF0D-F0BB-DE4B-95CE-6DB70DBA9567}" type="datetimeFigureOut">
               <a:rPr lang="en-US" dirty="0"/>
               <a:pPr/>
-              <a:t>10/23/2019</a:t>
+              <a:t>10/25/2019</a:t>
             </a:fld>
             <a:endParaRPr lang="en-US" dirty="0"/>
           </a:p>
@@ -1467,7 +1467,7 @@
             <a:fld id="{B61BEF0D-F0BB-DE4B-95CE-6DB70DBA9567}" type="datetimeFigureOut">
               <a:rPr lang="en-US" dirty="0"/>
               <a:pPr/>
-              <a:t>10/23/2019</a:t>
+              <a:t>10/25/2019</a:t>
             </a:fld>
             <a:endParaRPr lang="en-US" dirty="0"/>
           </a:p>
@@ -1778,7 +1778,7 @@
             <a:fld id="{B61BEF0D-F0BB-DE4B-95CE-6DB70DBA9567}" type="datetimeFigureOut">
               <a:rPr lang="en-US" dirty="0"/>
               <a:pPr/>
-              <a:t>10/23/2019</a:t>
+              <a:t>10/25/2019</a:t>
             </a:fld>
             <a:endParaRPr lang="en-US" dirty="0"/>
           </a:p>
@@ -2116,7 +2116,7 @@
             <a:fld id="{B61BEF0D-F0BB-DE4B-95CE-6DB70DBA9567}" type="datetimeFigureOut">
               <a:rPr lang="en-US" dirty="0"/>
               <a:pPr/>
-              <a:t>10/23/2019</a:t>
+              <a:t>10/25/2019</a:t>
             </a:fld>
             <a:endParaRPr lang="en-US" dirty="0"/>
           </a:p>
@@ -2427,7 +2427,7 @@
             <a:fld id="{B61BEF0D-F0BB-DE4B-95CE-6DB70DBA9567}" type="datetimeFigureOut">
               <a:rPr lang="en-US" dirty="0"/>
               <a:pPr/>
-              <a:t>10/23/2019</a:t>
+              <a:t>10/25/2019</a:t>
             </a:fld>
             <a:endParaRPr lang="en-US" dirty="0"/>
           </a:p>
@@ -2817,7 +2817,7 @@
             <a:fld id="{B61BEF0D-F0BB-DE4B-95CE-6DB70DBA9567}" type="datetimeFigureOut">
               <a:rPr lang="en-US" dirty="0"/>
               <a:pPr/>
-              <a:t>10/23/2019</a:t>
+              <a:t>10/25/2019</a:t>
             </a:fld>
             <a:endParaRPr lang="en-US" dirty="0"/>
           </a:p>
@@ -2983,7 +2983,7 @@
           <a:p>
             <a:fld id="{55C6B4A9-1611-4792-9094-5F34BCA07E0B}" type="datetimeFigureOut">
               <a:rPr lang="en-US" dirty="0"/>
-              <a:t>10/23/2019</a:t>
+              <a:t>10/25/2019</a:t>
             </a:fld>
             <a:endParaRPr lang="en-US" dirty="0"/>
           </a:p>
@@ -3159,7 +3159,7 @@
             <a:fld id="{B61BEF0D-F0BB-DE4B-95CE-6DB70DBA9567}" type="datetimeFigureOut">
               <a:rPr lang="en-US" dirty="0"/>
               <a:pPr/>
-              <a:t>10/23/2019</a:t>
+              <a:t>10/25/2019</a:t>
             </a:fld>
             <a:endParaRPr lang="en-US" dirty="0"/>
           </a:p>
@@ -3332,7 +3332,7 @@
             <a:fld id="{B61BEF0D-F0BB-DE4B-95CE-6DB70DBA9567}" type="datetimeFigureOut">
               <a:rPr lang="en-US" dirty="0"/>
               <a:pPr/>
-              <a:t>10/23/2019</a:t>
+              <a:t>10/25/2019</a:t>
             </a:fld>
             <a:endParaRPr lang="en-US" dirty="0"/>
           </a:p>
@@ -3576,7 +3576,7 @@
             <a:fld id="{B61BEF0D-F0BB-DE4B-95CE-6DB70DBA9567}" type="datetimeFigureOut">
               <a:rPr lang="en-US" dirty="0"/>
               <a:pPr/>
-              <a:t>10/23/2019</a:t>
+              <a:t>10/25/2019</a:t>
             </a:fld>
             <a:endParaRPr lang="en-US" dirty="0"/>
           </a:p>
@@ -3804,7 +3804,7 @@
           <a:p>
             <a:fld id="{EB712588-04B1-427B-82EE-E8DB90309F08}" type="datetimeFigureOut">
               <a:rPr lang="en-US" dirty="0"/>
-              <a:t>10/23/2019</a:t>
+              <a:t>10/25/2019</a:t>
             </a:fld>
             <a:endParaRPr lang="en-US" dirty="0"/>
           </a:p>
@@ -4174,7 +4174,7 @@
             <a:fld id="{B61BEF0D-F0BB-DE4B-95CE-6DB70DBA9567}" type="datetimeFigureOut">
               <a:rPr lang="en-US" dirty="0"/>
               <a:pPr/>
-              <a:t>10/23/2019</a:t>
+              <a:t>10/25/2019</a:t>
             </a:fld>
             <a:endParaRPr lang="en-US" dirty="0"/>
           </a:p>
@@ -4294,7 +4294,7 @@
             <a:fld id="{B61BEF0D-F0BB-DE4B-95CE-6DB70DBA9567}" type="datetimeFigureOut">
               <a:rPr lang="en-US" dirty="0"/>
               <a:pPr/>
-              <a:t>10/23/2019</a:t>
+              <a:t>10/25/2019</a:t>
             </a:fld>
             <a:endParaRPr lang="en-US" dirty="0"/>
           </a:p>
@@ -4386,7 +4386,7 @@
             <a:fld id="{B61BEF0D-F0BB-DE4B-95CE-6DB70DBA9567}" type="datetimeFigureOut">
               <a:rPr lang="en-US" dirty="0"/>
               <a:pPr/>
-              <a:t>10/23/2019</a:t>
+              <a:t>10/25/2019</a:t>
             </a:fld>
             <a:endParaRPr lang="en-US" dirty="0"/>
           </a:p>
@@ -4637,7 +4637,7 @@
           <a:p>
             <a:fld id="{42A54C80-263E-416B-A8E0-580EDEADCBDC}" type="datetimeFigureOut">
               <a:rPr lang="en-US" dirty="0"/>
-              <a:t>10/23/2019</a:t>
+              <a:t>10/25/2019</a:t>
             </a:fld>
             <a:endParaRPr lang="en-US" dirty="0"/>
           </a:p>
@@ -4896,7 +4896,7 @@
             <a:fld id="{B61BEF0D-F0BB-DE4B-95CE-6DB70DBA9567}" type="datetimeFigureOut">
               <a:rPr lang="en-US" dirty="0"/>
               <a:pPr/>
-              <a:t>10/23/2019</a:t>
+              <a:t>10/25/2019</a:t>
             </a:fld>
             <a:endParaRPr lang="en-US" dirty="0"/>
           </a:p>
@@ -5636,7 +5636,7 @@
             <a:fld id="{B61BEF0D-F0BB-DE4B-95CE-6DB70DBA9567}" type="datetimeFigureOut">
               <a:rPr lang="en-US" dirty="0"/>
               <a:pPr/>
-              <a:t>10/23/2019</a:t>
+              <a:t>10/25/2019</a:t>
             </a:fld>
             <a:endParaRPr lang="en-US" dirty="0"/>
           </a:p>
@@ -6294,38 +6294,240 @@
           <a:bodyPr/>
           <a:lstStyle/>
           <a:p>
+            <a:pPr algn="ctr"/>
             <a:r>
               <a:rPr lang="en-US" dirty="0"/>
-              <a:t>KNN Investigation between IPAs and other ALEs</a:t>
-            </a:r>
-          </a:p>
-        </p:txBody>
-      </p:sp>
-      <p:sp>
-        <p:nvSpPr>
-          <p:cNvPr id="3" name="Content Placeholder 2">
+              <a:t>KNN results between IPAs and other ALEs, classifying ABV and IBU</a:t>
+            </a:r>
+          </a:p>
+        </p:txBody>
+      </p:sp>
+      <p:graphicFrame>
+        <p:nvGraphicFramePr>
+          <p:cNvPr id="5" name="Content Placeholder 4">
             <a:extLst>
               <a:ext uri="{FF2B5EF4-FFF2-40B4-BE49-F238E27FC236}">
-                <a16:creationId xmlns:a16="http://schemas.microsoft.com/office/drawing/2014/main" id="{794A5E61-C420-444D-94D9-9A1CEBF3B1C1}"/>
+                <a16:creationId xmlns:a16="http://schemas.microsoft.com/office/drawing/2014/main" id="{1A3C2356-8EB1-459E-AF81-737CDEDD411C}"/>
               </a:ext>
             </a:extLst>
           </p:cNvPr>
-          <p:cNvSpPr>
-            <a:spLocks noGrp="1"/>
-          </p:cNvSpPr>
+          <p:cNvGraphicFramePr>
+            <a:graphicFrameLocks noGrp="1"/>
+          </p:cNvGraphicFramePr>
           <p:nvPr>
             <p:ph idx="1"/>
-          </p:nvPr>
-        </p:nvSpPr>
-        <p:spPr/>
-        <p:txBody>
-          <a:bodyPr/>
-          <a:lstStyle/>
-          <a:p>
-            <a:endParaRPr lang="en-US" dirty="0"/>
-          </a:p>
-        </p:txBody>
-      </p:sp>
+            <p:extLst>
+              <p:ext uri="{D42A27DB-BD31-4B8C-83A1-F6EECF244321}">
+                <p14:modId xmlns:p14="http://schemas.microsoft.com/office/powerpoint/2010/main" val="1887992867"/>
+              </p:ext>
+            </p:extLst>
+          </p:nvPr>
+        </p:nvGraphicFramePr>
+        <p:xfrm>
+          <a:off x="1334196" y="5737248"/>
+          <a:ext cx="7282944" cy="741680"/>
+        </p:xfrm>
+        <a:graphic>
+          <a:graphicData uri="http://schemas.openxmlformats.org/drawingml/2006/table">
+            <a:tbl>
+              <a:tblPr firstRow="1" bandRow="1">
+                <a:tableStyleId>{5C22544A-7EE6-4342-B048-85BDC9FD1C3A}</a:tableStyleId>
+              </a:tblPr>
+              <a:tblGrid>
+                <a:gridCol w="1353878">
+                  <a:extLst>
+                    <a:ext uri="{9D8B030D-6E8A-4147-A177-3AD203B41FA5}">
+                      <a16:colId xmlns:a16="http://schemas.microsoft.com/office/drawing/2014/main" val="3174116389"/>
+                    </a:ext>
+                  </a:extLst>
+                </a:gridCol>
+                <a:gridCol w="2264331">
+                  <a:extLst>
+                    <a:ext uri="{9D8B030D-6E8A-4147-A177-3AD203B41FA5}">
+                      <a16:colId xmlns:a16="http://schemas.microsoft.com/office/drawing/2014/main" val="2572968694"/>
+                    </a:ext>
+                  </a:extLst>
+                </a:gridCol>
+                <a:gridCol w="1809104">
+                  <a:extLst>
+                    <a:ext uri="{9D8B030D-6E8A-4147-A177-3AD203B41FA5}">
+                      <a16:colId xmlns:a16="http://schemas.microsoft.com/office/drawing/2014/main" val="3619162727"/>
+                    </a:ext>
+                  </a:extLst>
+                </a:gridCol>
+                <a:gridCol w="1855631">
+                  <a:extLst>
+                    <a:ext uri="{9D8B030D-6E8A-4147-A177-3AD203B41FA5}">
+                      <a16:colId xmlns:a16="http://schemas.microsoft.com/office/drawing/2014/main" val="2428075734"/>
+                    </a:ext>
+                  </a:extLst>
+                </a:gridCol>
+              </a:tblGrid>
+              <a:tr h="370840">
+                <a:tc>
+                  <a:txBody>
+                    <a:bodyPr/>
+                    <a:lstStyle/>
+                    <a:p>
+                      <a:pPr algn="ctr"/>
+                      <a:r>
+                        <a:rPr lang="en-US" sz="1600" dirty="0"/>
+                        <a:t>Best K</a:t>
+                      </a:r>
+                    </a:p>
+                  </a:txBody>
+                  <a:tcPr/>
+                </a:tc>
+                <a:tc>
+                  <a:txBody>
+                    <a:bodyPr/>
+                    <a:lstStyle/>
+                    <a:p>
+                      <a:pPr algn="ctr"/>
+                      <a:r>
+                        <a:rPr lang="en-US" sz="1600" dirty="0"/>
+                        <a:t>Specificity</a:t>
+                      </a:r>
+                    </a:p>
+                  </a:txBody>
+                  <a:tcPr/>
+                </a:tc>
+                <a:tc>
+                  <a:txBody>
+                    <a:bodyPr/>
+                    <a:lstStyle/>
+                    <a:p>
+                      <a:pPr algn="ctr"/>
+                      <a:r>
+                        <a:rPr lang="en-US" sz="1600" dirty="0"/>
+                        <a:t>Sensitivity</a:t>
+                      </a:r>
+                    </a:p>
+                  </a:txBody>
+                  <a:tcPr/>
+                </a:tc>
+                <a:tc>
+                  <a:txBody>
+                    <a:bodyPr/>
+                    <a:lstStyle/>
+                    <a:p>
+                      <a:pPr algn="ctr"/>
+                      <a:r>
+                        <a:rPr lang="en-US" sz="1600" dirty="0"/>
+                        <a:t>Accuracy</a:t>
+                      </a:r>
+                    </a:p>
+                  </a:txBody>
+                  <a:tcPr/>
+                </a:tc>
+                <a:extLst>
+                  <a:ext uri="{0D108BD9-81ED-4DB2-BD59-A6C34878D82A}">
+                    <a16:rowId xmlns:a16="http://schemas.microsoft.com/office/drawing/2014/main" val="3022534811"/>
+                  </a:ext>
+                </a:extLst>
+              </a:tr>
+              <a:tr h="370840">
+                <a:tc>
+                  <a:txBody>
+                    <a:bodyPr/>
+                    <a:lstStyle/>
+                    <a:p>
+                      <a:pPr algn="ctr"/>
+                      <a:r>
+                        <a:rPr lang="en-US" dirty="0"/>
+                        <a:t>5</a:t>
+                      </a:r>
+                    </a:p>
+                  </a:txBody>
+                  <a:tcPr/>
+                </a:tc>
+                <a:tc>
+                  <a:txBody>
+                    <a:bodyPr/>
+                    <a:lstStyle/>
+                    <a:p>
+                      <a:pPr algn="ctr"/>
+                      <a:r>
+                        <a:rPr lang="en-US" dirty="0"/>
+                        <a:t>72%</a:t>
+                      </a:r>
+                    </a:p>
+                  </a:txBody>
+                  <a:tcPr/>
+                </a:tc>
+                <a:tc>
+                  <a:txBody>
+                    <a:bodyPr/>
+                    <a:lstStyle/>
+                    <a:p>
+                      <a:pPr algn="ctr"/>
+                      <a:r>
+                        <a:rPr lang="en-US" dirty="0"/>
+                        <a:t>90%</a:t>
+                      </a:r>
+                    </a:p>
+                  </a:txBody>
+                  <a:tcPr/>
+                </a:tc>
+                <a:tc>
+                  <a:txBody>
+                    <a:bodyPr/>
+                    <a:lstStyle/>
+                    <a:p>
+                      <a:pPr algn="ctr"/>
+                      <a:r>
+                        <a:rPr lang="en-US" dirty="0"/>
+                        <a:t>83%</a:t>
+                      </a:r>
+                    </a:p>
+                  </a:txBody>
+                  <a:tcPr/>
+                </a:tc>
+                <a:extLst>
+                  <a:ext uri="{0D108BD9-81ED-4DB2-BD59-A6C34878D82A}">
+                    <a16:rowId xmlns:a16="http://schemas.microsoft.com/office/drawing/2014/main" val="4085454544"/>
+                  </a:ext>
+                </a:extLst>
+              </a:tr>
+            </a:tbl>
+          </a:graphicData>
+        </a:graphic>
+      </p:graphicFrame>
+      <p:pic>
+        <p:nvPicPr>
+          <p:cNvPr id="6" name="Picture 5">
+            <a:extLst>
+              <a:ext uri="{FF2B5EF4-FFF2-40B4-BE49-F238E27FC236}">
+                <a16:creationId xmlns:a16="http://schemas.microsoft.com/office/drawing/2014/main" id="{50494600-E250-47B3-98E8-1046C6CAF1E0}"/>
+              </a:ext>
+            </a:extLst>
+          </p:cNvPr>
+          <p:cNvPicPr>
+            <a:picLocks noChangeAspect="1"/>
+          </p:cNvPicPr>
+          <p:nvPr/>
+        </p:nvPicPr>
+        <p:blipFill>
+          <a:blip r:embed="rId2"/>
+          <a:stretch>
+            <a:fillRect/>
+          </a:stretch>
+        </p:blipFill>
+        <p:spPr>
+          <a:xfrm>
+            <a:off x="1334196" y="1928290"/>
+            <a:ext cx="7282944" cy="3808958"/>
+          </a:xfrm>
+          <a:prstGeom prst="rect">
+            <a:avLst/>
+          </a:prstGeom>
+          <a:ln>
+            <a:solidFill>
+              <a:schemeClr val="accent1"/>
+            </a:solidFill>
+          </a:ln>
+        </p:spPr>
+      </p:pic>
     </p:spTree>
     <p:extLst>
       <p:ext uri="{BB962C8B-B14F-4D97-AF65-F5344CB8AC3E}">
@@ -6445,6 +6647,45 @@
           </a:prstGeom>
         </p:spPr>
       </p:pic>
+      <p:sp>
+        <p:nvSpPr>
+          <p:cNvPr id="3" name="TextBox 2">
+            <a:extLst>
+              <a:ext uri="{FF2B5EF4-FFF2-40B4-BE49-F238E27FC236}">
+                <a16:creationId xmlns:a16="http://schemas.microsoft.com/office/drawing/2014/main" id="{94B4D8DC-9206-4B90-B9F7-636D210871B7}"/>
+              </a:ext>
+            </a:extLst>
+          </p:cNvPr>
+          <p:cNvSpPr txBox="1"/>
+          <p:nvPr/>
+        </p:nvSpPr>
+        <p:spPr>
+          <a:xfrm>
+            <a:off x="1792150" y="5423770"/>
+            <a:ext cx="2092377" cy="584775"/>
+          </a:xfrm>
+          <a:prstGeom prst="rect">
+            <a:avLst/>
+          </a:prstGeom>
+          <a:noFill/>
+        </p:spPr>
+        <p:txBody>
+          <a:bodyPr wrap="square" rtlCol="0">
+            <a:spAutoFit/>
+          </a:bodyPr>
+          <a:lstStyle/>
+          <a:p>
+            <a:r>
+              <a:rPr lang="en-US" sz="1600" dirty="0" err="1"/>
+              <a:t>Budweizer</a:t>
+            </a:r>
+            <a:r>
+              <a:rPr lang="en-US" sz="1600" dirty="0"/>
+              <a:t> and Bud Light or Lagers</a:t>
+            </a:r>
+          </a:p>
+        </p:txBody>
+      </p:sp>
     </p:spTree>
     <p:extLst>
       <p:ext uri="{BB962C8B-B14F-4D97-AF65-F5344CB8AC3E}">
@@ -6496,6 +6737,7 @@
           <a:bodyPr/>
           <a:lstStyle/>
           <a:p>
+            <a:pPr algn="ctr"/>
             <a:r>
               <a:rPr lang="en-US" dirty="0"/>
               <a:t>Midwest Region: Top 10 Beer Styles</a:t>
@@ -8252,7 +8494,7 @@
         </p:blipFill>
         <p:spPr>
           <a:xfrm>
-            <a:off x="1499658" y="2398113"/>
+            <a:off x="1499658" y="2407349"/>
             <a:ext cx="6311111" cy="3898413"/>
           </a:xfrm>
           <a:prstGeom prst="rect">
@@ -8274,8 +8516,8 @@
         </p:nvSpPr>
         <p:spPr>
           <a:xfrm>
-            <a:off x="1683198" y="5940623"/>
-            <a:ext cx="1452369" cy="307777"/>
+            <a:off x="1665962" y="5940623"/>
+            <a:ext cx="1469605" cy="307777"/>
           </a:xfrm>
           <a:prstGeom prst="rect">
             <a:avLst/>
@@ -8379,8 +8621,38 @@
         </p:blipFill>
         <p:spPr>
           <a:xfrm>
-            <a:off x="1429638" y="2562050"/>
+            <a:off x="1429638" y="2571286"/>
             <a:ext cx="5977002" cy="3686350"/>
+          </a:xfrm>
+          <a:prstGeom prst="rect">
+            <a:avLst/>
+          </a:prstGeom>
+        </p:spPr>
+      </p:pic>
+      <p:pic>
+        <p:nvPicPr>
+          <p:cNvPr id="3" name="Picture 2">
+            <a:extLst>
+              <a:ext uri="{FF2B5EF4-FFF2-40B4-BE49-F238E27FC236}">
+                <a16:creationId xmlns:a16="http://schemas.microsoft.com/office/drawing/2014/main" id="{D3022B7F-293C-4F79-890F-D16EB4D3C82B}"/>
+              </a:ext>
+            </a:extLst>
+          </p:cNvPr>
+          <p:cNvPicPr>
+            <a:picLocks noChangeAspect="1"/>
+          </p:cNvPicPr>
+          <p:nvPr/>
+        </p:nvPicPr>
+        <p:blipFill>
+          <a:blip r:embed="rId3"/>
+          <a:stretch>
+            <a:fillRect/>
+          </a:stretch>
+        </p:blipFill>
+        <p:spPr>
+          <a:xfrm>
+            <a:off x="1429638" y="6001490"/>
+            <a:ext cx="1658256" cy="493819"/>
           </a:xfrm>
           <a:prstGeom prst="rect">
             <a:avLst/>
@@ -8473,7 +8745,7 @@
         </p:blipFill>
         <p:spPr>
           <a:xfrm>
-            <a:off x="6496298" y="2513339"/>
+            <a:off x="5886698" y="2513338"/>
             <a:ext cx="3767626" cy="2323705"/>
           </a:xfrm>
           <a:prstGeom prst="rect">
@@ -8503,7 +8775,7 @@
         </p:blipFill>
         <p:spPr>
           <a:xfrm>
-            <a:off x="1928076" y="2513339"/>
+            <a:off x="1069094" y="2513338"/>
             <a:ext cx="3761828" cy="2323705"/>
           </a:xfrm>
           <a:prstGeom prst="rect">
@@ -9695,7 +9967,7 @@
         </p:blipFill>
         <p:spPr>
           <a:xfrm>
-            <a:off x="4334318" y="1914618"/>
+            <a:off x="4014499" y="1938867"/>
             <a:ext cx="5472728" cy="3375337"/>
           </a:xfrm>
           <a:prstGeom prst="rect">

--- a/MalcolmCarlsonBeerDataEDA.DDS6306.pptx
+++ b/MalcolmCarlsonBeerDataEDA.DDS6306.pptx
@@ -5,7 +5,7 @@
     <p:sldMasterId id="2147483648" r:id="rId1"/>
   </p:sldMasterIdLst>
   <p:notesMasterIdLst>
-    <p:notesMasterId r:id="rId23"/>
+    <p:notesMasterId r:id="rId24"/>
   </p:notesMasterIdLst>
   <p:sldIdLst>
     <p:sldId id="256" r:id="rId2"/>
@@ -17,18 +17,19 @@
     <p:sldId id="274" r:id="rId8"/>
     <p:sldId id="262" r:id="rId9"/>
     <p:sldId id="271" r:id="rId10"/>
-    <p:sldId id="272" r:id="rId11"/>
-    <p:sldId id="275" r:id="rId12"/>
-    <p:sldId id="276" r:id="rId13"/>
-    <p:sldId id="277" r:id="rId14"/>
-    <p:sldId id="273" r:id="rId15"/>
-    <p:sldId id="265" r:id="rId16"/>
-    <p:sldId id="270" r:id="rId17"/>
-    <p:sldId id="266" r:id="rId18"/>
-    <p:sldId id="264" r:id="rId19"/>
-    <p:sldId id="263" r:id="rId20"/>
-    <p:sldId id="269" r:id="rId21"/>
-    <p:sldId id="267" r:id="rId22"/>
+    <p:sldId id="278" r:id="rId11"/>
+    <p:sldId id="272" r:id="rId12"/>
+    <p:sldId id="275" r:id="rId13"/>
+    <p:sldId id="276" r:id="rId14"/>
+    <p:sldId id="277" r:id="rId15"/>
+    <p:sldId id="273" r:id="rId16"/>
+    <p:sldId id="265" r:id="rId17"/>
+    <p:sldId id="270" r:id="rId18"/>
+    <p:sldId id="266" r:id="rId19"/>
+    <p:sldId id="264" r:id="rId20"/>
+    <p:sldId id="263" r:id="rId21"/>
+    <p:sldId id="269" r:id="rId22"/>
+    <p:sldId id="267" r:id="rId23"/>
   </p:sldIdLst>
   <p:sldSz cx="12192000" cy="6858000"/>
   <p:notesSz cx="6858000" cy="9144000"/>
@@ -6278,6 +6279,94 @@
           <p:cNvPr id="2" name="Title 1">
             <a:extLst>
               <a:ext uri="{FF2B5EF4-FFF2-40B4-BE49-F238E27FC236}">
+                <a16:creationId xmlns:a16="http://schemas.microsoft.com/office/drawing/2014/main" id="{39500BED-7B1D-4791-B590-2714E6014A7E}"/>
+              </a:ext>
+            </a:extLst>
+          </p:cNvPr>
+          <p:cNvSpPr>
+            <a:spLocks noGrp="1"/>
+          </p:cNvSpPr>
+          <p:nvPr>
+            <p:ph type="title"/>
+          </p:nvPr>
+        </p:nvSpPr>
+        <p:spPr/>
+        <p:txBody>
+          <a:bodyPr/>
+          <a:lstStyle/>
+          <a:p>
+            <a:r>
+              <a:rPr lang="en-US" dirty="0"/>
+              <a:t>Scatter Plot of ABV and IBU for all Ales</a:t>
+            </a:r>
+          </a:p>
+        </p:txBody>
+      </p:sp>
+      <p:pic>
+        <p:nvPicPr>
+          <p:cNvPr id="7" name="Picture 6">
+            <a:extLst>
+              <a:ext uri="{FF2B5EF4-FFF2-40B4-BE49-F238E27FC236}">
+                <a16:creationId xmlns:a16="http://schemas.microsoft.com/office/drawing/2014/main" id="{5A1DD4FF-BC1D-489D-9F7A-4707B5CC7B59}"/>
+              </a:ext>
+            </a:extLst>
+          </p:cNvPr>
+          <p:cNvPicPr>
+            <a:picLocks noChangeAspect="1"/>
+          </p:cNvPicPr>
+          <p:nvPr/>
+        </p:nvPicPr>
+        <p:blipFill>
+          <a:blip r:embed="rId2"/>
+          <a:stretch>
+            <a:fillRect/>
+          </a:stretch>
+        </p:blipFill>
+        <p:spPr>
+          <a:xfrm>
+            <a:off x="505268" y="1628136"/>
+            <a:ext cx="8940800" cy="3878819"/>
+          </a:xfrm>
+          <a:prstGeom prst="rect">
+            <a:avLst/>
+          </a:prstGeom>
+        </p:spPr>
+      </p:pic>
+    </p:spTree>
+    <p:extLst>
+      <p:ext uri="{BB962C8B-B14F-4D97-AF65-F5344CB8AC3E}">
+        <p14:creationId xmlns:p14="http://schemas.microsoft.com/office/powerpoint/2010/main" val="3651669500"/>
+      </p:ext>
+    </p:extLst>
+  </p:cSld>
+  <p:clrMapOvr>
+    <a:masterClrMapping/>
+  </p:clrMapOvr>
+</p:sld>
+</file>
+
+<file path=ppt/slides/slide11.xml><?xml version="1.0" encoding="utf-8"?>
+<p:sld xmlns:a="http://schemas.openxmlformats.org/drawingml/2006/main" xmlns:r="http://schemas.openxmlformats.org/officeDocument/2006/relationships" xmlns:p="http://schemas.openxmlformats.org/presentationml/2006/main">
+  <p:cSld>
+    <p:spTree>
+      <p:nvGrpSpPr>
+        <p:cNvPr id="1" name=""/>
+        <p:cNvGrpSpPr/>
+        <p:nvPr/>
+      </p:nvGrpSpPr>
+      <p:grpSpPr>
+        <a:xfrm>
+          <a:off x="0" y="0"/>
+          <a:ext cx="0" cy="0"/>
+          <a:chOff x="0" y="0"/>
+          <a:chExt cx="0" cy="0"/>
+        </a:xfrm>
+      </p:grpSpPr>
+      <p:sp>
+        <p:nvSpPr>
+          <p:cNvPr id="2" name="Title 1">
+            <a:extLst>
+              <a:ext uri="{FF2B5EF4-FFF2-40B4-BE49-F238E27FC236}">
                 <a16:creationId xmlns:a16="http://schemas.microsoft.com/office/drawing/2014/main" id="{60F64C4D-1802-413A-ABAD-782AE74CB4A4}"/>
               </a:ext>
             </a:extLst>
@@ -6297,7 +6386,7 @@
             <a:pPr algn="ctr"/>
             <a:r>
               <a:rPr lang="en-US" dirty="0"/>
-              <a:t>KNN results between IPAs and other ALEs, classifying ABV and IBU</a:t>
+              <a:t>KNN results classifying IPAs or ALEs, using ABV and IBU</a:t>
             </a:r>
           </a:p>
         </p:txBody>
@@ -6541,7 +6630,7 @@
 </p:sld>
 </file>
 
-<file path=ppt/slides/slide11.xml><?xml version="1.0" encoding="utf-8"?>
+<file path=ppt/slides/slide12.xml><?xml version="1.0" encoding="utf-8"?>
 <p:sld xmlns:a="http://schemas.openxmlformats.org/drawingml/2006/main" xmlns:r="http://schemas.openxmlformats.org/officeDocument/2006/relationships" xmlns:p="http://schemas.openxmlformats.org/presentationml/2006/main">
   <p:cSld>
     <p:spTree>
@@ -6699,7 +6788,7 @@
 </p:sld>
 </file>
 
-<file path=ppt/slides/slide12.xml><?xml version="1.0" encoding="utf-8"?>
+<file path=ppt/slides/slide13.xml><?xml version="1.0" encoding="utf-8"?>
 <p:sld xmlns:a="http://schemas.openxmlformats.org/drawingml/2006/main" xmlns:r="http://schemas.openxmlformats.org/officeDocument/2006/relationships" xmlns:p="http://schemas.openxmlformats.org/presentationml/2006/main">
   <p:cSld>
     <p:spTree>
@@ -6818,7 +6907,7 @@
 </p:sld>
 </file>
 
-<file path=ppt/slides/slide13.xml><?xml version="1.0" encoding="utf-8"?>
+<file path=ppt/slides/slide14.xml><?xml version="1.0" encoding="utf-8"?>
 <p:sld xmlns:a="http://schemas.openxmlformats.org/drawingml/2006/main" xmlns:r="http://schemas.openxmlformats.org/officeDocument/2006/relationships" xmlns:p="http://schemas.openxmlformats.org/presentationml/2006/main">
   <p:cSld>
     <p:spTree>
@@ -6936,7 +7025,7 @@
 </p:sld>
 </file>
 
-<file path=ppt/slides/slide14.xml><?xml version="1.0" encoding="utf-8"?>
+<file path=ppt/slides/slide15.xml><?xml version="1.0" encoding="utf-8"?>
 <p:sld xmlns:a="http://schemas.openxmlformats.org/drawingml/2006/main" xmlns:r="http://schemas.openxmlformats.org/officeDocument/2006/relationships" xmlns:p="http://schemas.openxmlformats.org/presentationml/2006/main">
   <p:cSld>
     <p:spTree>
@@ -7055,89 +7144,6 @@
 </p:sld>
 </file>
 
-<file path=ppt/slides/slide15.xml><?xml version="1.0" encoding="utf-8"?>
-<p:sld xmlns:a="http://schemas.openxmlformats.org/drawingml/2006/main" xmlns:r="http://schemas.openxmlformats.org/officeDocument/2006/relationships" xmlns:p="http://schemas.openxmlformats.org/presentationml/2006/main">
-  <p:cSld>
-    <p:spTree>
-      <p:nvGrpSpPr>
-        <p:cNvPr id="1" name=""/>
-        <p:cNvGrpSpPr/>
-        <p:nvPr/>
-      </p:nvGrpSpPr>
-      <p:grpSpPr>
-        <a:xfrm>
-          <a:off x="0" y="0"/>
-          <a:ext cx="0" cy="0"/>
-          <a:chOff x="0" y="0"/>
-          <a:chExt cx="0" cy="0"/>
-        </a:xfrm>
-      </p:grpSpPr>
-      <p:sp>
-        <p:nvSpPr>
-          <p:cNvPr id="2" name="Title 1">
-            <a:extLst>
-              <a:ext uri="{FF2B5EF4-FFF2-40B4-BE49-F238E27FC236}">
-                <a16:creationId xmlns:a16="http://schemas.microsoft.com/office/drawing/2014/main" id="{F69C8142-A23F-4F98-A5BB-4318843625FA}"/>
-              </a:ext>
-            </a:extLst>
-          </p:cNvPr>
-          <p:cNvSpPr>
-            <a:spLocks noGrp="1"/>
-          </p:cNvSpPr>
-          <p:nvPr>
-            <p:ph type="title"/>
-          </p:nvPr>
-        </p:nvSpPr>
-        <p:spPr/>
-        <p:txBody>
-          <a:bodyPr/>
-          <a:lstStyle/>
-          <a:p>
-            <a:r>
-              <a:rPr lang="en-US" dirty="0"/>
-              <a:t>Thank You for your Time!</a:t>
-            </a:r>
-          </a:p>
-        </p:txBody>
-      </p:sp>
-      <p:sp>
-        <p:nvSpPr>
-          <p:cNvPr id="3" name="Content Placeholder 2">
-            <a:extLst>
-              <a:ext uri="{FF2B5EF4-FFF2-40B4-BE49-F238E27FC236}">
-                <a16:creationId xmlns:a16="http://schemas.microsoft.com/office/drawing/2014/main" id="{8C0C09CA-ACFC-4500-92FC-07CAF0572B09}"/>
-              </a:ext>
-            </a:extLst>
-          </p:cNvPr>
-          <p:cNvSpPr>
-            <a:spLocks noGrp="1"/>
-          </p:cNvSpPr>
-          <p:nvPr>
-            <p:ph idx="1"/>
-          </p:nvPr>
-        </p:nvSpPr>
-        <p:spPr/>
-        <p:txBody>
-          <a:bodyPr/>
-          <a:lstStyle/>
-          <a:p>
-            <a:endParaRPr lang="en-US"/>
-          </a:p>
-        </p:txBody>
-      </p:sp>
-    </p:spTree>
-    <p:extLst>
-      <p:ext uri="{BB962C8B-B14F-4D97-AF65-F5344CB8AC3E}">
-        <p14:creationId xmlns:p14="http://schemas.microsoft.com/office/powerpoint/2010/main" val="2620854637"/>
-      </p:ext>
-    </p:extLst>
-  </p:cSld>
-  <p:clrMapOvr>
-    <a:masterClrMapping/>
-  </p:clrMapOvr>
-</p:sld>
-</file>
-
 <file path=ppt/slides/slide16.xml><?xml version="1.0" encoding="utf-8"?>
 <p:sld xmlns:a="http://schemas.openxmlformats.org/drawingml/2006/main" xmlns:r="http://schemas.openxmlformats.org/officeDocument/2006/relationships" xmlns:p="http://schemas.openxmlformats.org/presentationml/2006/main">
   <p:cSld>
@@ -7160,7 +7166,7 @@
           <p:cNvPr id="2" name="Title 1">
             <a:extLst>
               <a:ext uri="{FF2B5EF4-FFF2-40B4-BE49-F238E27FC236}">
-                <a16:creationId xmlns:a16="http://schemas.microsoft.com/office/drawing/2014/main" id="{A51CAD72-9D39-4447-9D33-E6C0849A74F0}"/>
+                <a16:creationId xmlns:a16="http://schemas.microsoft.com/office/drawing/2014/main" id="{F69C8142-A23F-4F98-A5BB-4318843625FA}"/>
               </a:ext>
             </a:extLst>
           </p:cNvPr>
@@ -7178,7 +7184,7 @@
           <a:p>
             <a:r>
               <a:rPr lang="en-US" dirty="0"/>
-              <a:t>Backup</a:t>
+              <a:t>Thank You for your Time!</a:t>
             </a:r>
           </a:p>
         </p:txBody>
@@ -7188,7 +7194,7 @@
           <p:cNvPr id="3" name="Content Placeholder 2">
             <a:extLst>
               <a:ext uri="{FF2B5EF4-FFF2-40B4-BE49-F238E27FC236}">
-                <a16:creationId xmlns:a16="http://schemas.microsoft.com/office/drawing/2014/main" id="{161CB13F-AB08-4B5E-B535-EDEE9F95A8D1}"/>
+                <a16:creationId xmlns:a16="http://schemas.microsoft.com/office/drawing/2014/main" id="{8C0C09CA-ACFC-4500-92FC-07CAF0572B09}"/>
               </a:ext>
             </a:extLst>
           </p:cNvPr>
@@ -7211,7 +7217,7 @@
     </p:spTree>
     <p:extLst>
       <p:ext uri="{BB962C8B-B14F-4D97-AF65-F5344CB8AC3E}">
-        <p14:creationId xmlns:p14="http://schemas.microsoft.com/office/powerpoint/2010/main" val="798485300"/>
+        <p14:creationId xmlns:p14="http://schemas.microsoft.com/office/powerpoint/2010/main" val="2620854637"/>
       </p:ext>
     </p:extLst>
   </p:cSld>
@@ -7243,6 +7249,89 @@
           <p:cNvPr id="2" name="Title 1">
             <a:extLst>
               <a:ext uri="{FF2B5EF4-FFF2-40B4-BE49-F238E27FC236}">
+                <a16:creationId xmlns:a16="http://schemas.microsoft.com/office/drawing/2014/main" id="{A51CAD72-9D39-4447-9D33-E6C0849A74F0}"/>
+              </a:ext>
+            </a:extLst>
+          </p:cNvPr>
+          <p:cNvSpPr>
+            <a:spLocks noGrp="1"/>
+          </p:cNvSpPr>
+          <p:nvPr>
+            <p:ph type="title"/>
+          </p:nvPr>
+        </p:nvSpPr>
+        <p:spPr/>
+        <p:txBody>
+          <a:bodyPr/>
+          <a:lstStyle/>
+          <a:p>
+            <a:r>
+              <a:rPr lang="en-US" dirty="0"/>
+              <a:t>Backup</a:t>
+            </a:r>
+          </a:p>
+        </p:txBody>
+      </p:sp>
+      <p:sp>
+        <p:nvSpPr>
+          <p:cNvPr id="3" name="Content Placeholder 2">
+            <a:extLst>
+              <a:ext uri="{FF2B5EF4-FFF2-40B4-BE49-F238E27FC236}">
+                <a16:creationId xmlns:a16="http://schemas.microsoft.com/office/drawing/2014/main" id="{161CB13F-AB08-4B5E-B535-EDEE9F95A8D1}"/>
+              </a:ext>
+            </a:extLst>
+          </p:cNvPr>
+          <p:cNvSpPr>
+            <a:spLocks noGrp="1"/>
+          </p:cNvSpPr>
+          <p:nvPr>
+            <p:ph idx="1"/>
+          </p:nvPr>
+        </p:nvSpPr>
+        <p:spPr/>
+        <p:txBody>
+          <a:bodyPr/>
+          <a:lstStyle/>
+          <a:p>
+            <a:endParaRPr lang="en-US"/>
+          </a:p>
+        </p:txBody>
+      </p:sp>
+    </p:spTree>
+    <p:extLst>
+      <p:ext uri="{BB962C8B-B14F-4D97-AF65-F5344CB8AC3E}">
+        <p14:creationId xmlns:p14="http://schemas.microsoft.com/office/powerpoint/2010/main" val="798485300"/>
+      </p:ext>
+    </p:extLst>
+  </p:cSld>
+  <p:clrMapOvr>
+    <a:masterClrMapping/>
+  </p:clrMapOvr>
+</p:sld>
+</file>
+
+<file path=ppt/slides/slide18.xml><?xml version="1.0" encoding="utf-8"?>
+<p:sld xmlns:a="http://schemas.openxmlformats.org/drawingml/2006/main" xmlns:r="http://schemas.openxmlformats.org/officeDocument/2006/relationships" xmlns:p="http://schemas.openxmlformats.org/presentationml/2006/main">
+  <p:cSld>
+    <p:spTree>
+      <p:nvGrpSpPr>
+        <p:cNvPr id="1" name=""/>
+        <p:cNvGrpSpPr/>
+        <p:nvPr/>
+      </p:nvGrpSpPr>
+      <p:grpSpPr>
+        <a:xfrm>
+          <a:off x="0" y="0"/>
+          <a:ext cx="0" cy="0"/>
+          <a:chOff x="0" y="0"/>
+          <a:chExt cx="0" cy="0"/>
+        </a:xfrm>
+      </p:grpSpPr>
+      <p:sp>
+        <p:nvSpPr>
+          <p:cNvPr id="2" name="Title 1">
+            <a:extLst>
+              <a:ext uri="{FF2B5EF4-FFF2-40B4-BE49-F238E27FC236}">
                 <a16:creationId xmlns:a16="http://schemas.microsoft.com/office/drawing/2014/main" id="{D9D0F948-B4C6-422F-9E04-43BB3ED65E27}"/>
               </a:ext>
             </a:extLst>
@@ -7329,7 +7418,7 @@
 </p:sld>
 </file>
 
-<file path=ppt/slides/slide18.xml><?xml version="1.0" encoding="utf-8"?>
+<file path=ppt/slides/slide19.xml><?xml version="1.0" encoding="utf-8"?>
 <p:sld xmlns:a="http://schemas.openxmlformats.org/drawingml/2006/main" xmlns:r="http://schemas.openxmlformats.org/officeDocument/2006/relationships" xmlns:p="http://schemas.openxmlformats.org/presentationml/2006/main">
   <p:cSld>
     <p:spTree>
@@ -7461,164 +7550,6 @@
     <p:extLst>
       <p:ext uri="{BB962C8B-B14F-4D97-AF65-F5344CB8AC3E}">
         <p14:creationId xmlns:p14="http://schemas.microsoft.com/office/powerpoint/2010/main" val="4059305275"/>
-      </p:ext>
-    </p:extLst>
-  </p:cSld>
-  <p:clrMapOvr>
-    <a:masterClrMapping/>
-  </p:clrMapOvr>
-</p:sld>
-</file>
-
-<file path=ppt/slides/slide19.xml><?xml version="1.0" encoding="utf-8"?>
-<p:sld xmlns:a="http://schemas.openxmlformats.org/drawingml/2006/main" xmlns:r="http://schemas.openxmlformats.org/officeDocument/2006/relationships" xmlns:p="http://schemas.openxmlformats.org/presentationml/2006/main">
-  <p:cSld>
-    <p:spTree>
-      <p:nvGrpSpPr>
-        <p:cNvPr id="1" name=""/>
-        <p:cNvGrpSpPr/>
-        <p:nvPr/>
-      </p:nvGrpSpPr>
-      <p:grpSpPr>
-        <a:xfrm>
-          <a:off x="0" y="0"/>
-          <a:ext cx="0" cy="0"/>
-          <a:chOff x="0" y="0"/>
-          <a:chExt cx="0" cy="0"/>
-        </a:xfrm>
-      </p:grpSpPr>
-      <p:sp>
-        <p:nvSpPr>
-          <p:cNvPr id="2" name="Title 1">
-            <a:extLst>
-              <a:ext uri="{FF2B5EF4-FFF2-40B4-BE49-F238E27FC236}">
-                <a16:creationId xmlns:a16="http://schemas.microsoft.com/office/drawing/2014/main" id="{2A8A4ABE-5343-4348-8236-6BC0C27406A1}"/>
-              </a:ext>
-            </a:extLst>
-          </p:cNvPr>
-          <p:cNvSpPr>
-            <a:spLocks noGrp="1"/>
-          </p:cNvSpPr>
-          <p:nvPr>
-            <p:ph type="title"/>
-          </p:nvPr>
-        </p:nvSpPr>
-        <p:spPr/>
-        <p:txBody>
-          <a:bodyPr>
-            <a:normAutofit fontScale="90000"/>
-          </a:bodyPr>
-          <a:lstStyle/>
-          <a:p>
-            <a:r>
-              <a:rPr lang="en-US" dirty="0">
-                <a:latin typeface="Arial" panose="020B0604020202020204" pitchFamily="34" charset="0"/>
-                <a:cs typeface="Arial" panose="020B0604020202020204" pitchFamily="34" charset="0"/>
-              </a:rPr>
-              <a:t>Question of Interest:  A relationship exists between Alcohol by Volume and International Bitterness Units.</a:t>
-            </a:r>
-          </a:p>
-        </p:txBody>
-      </p:sp>
-      <p:sp>
-        <p:nvSpPr>
-          <p:cNvPr id="3" name="Content Placeholder 2">
-            <a:extLst>
-              <a:ext uri="{FF2B5EF4-FFF2-40B4-BE49-F238E27FC236}">
-                <a16:creationId xmlns:a16="http://schemas.microsoft.com/office/drawing/2014/main" id="{20F2F60B-6F4B-4E43-8E80-7EE872BE35CF}"/>
-              </a:ext>
-            </a:extLst>
-          </p:cNvPr>
-          <p:cNvSpPr>
-            <a:spLocks noGrp="1"/>
-          </p:cNvSpPr>
-          <p:nvPr>
-            <p:ph idx="1"/>
-          </p:nvPr>
-        </p:nvSpPr>
-        <p:spPr>
-          <a:xfrm>
-            <a:off x="677334" y="2160589"/>
-            <a:ext cx="3491895" cy="3379077"/>
-          </a:xfrm>
-        </p:spPr>
-        <p:txBody>
-          <a:bodyPr>
-            <a:normAutofit/>
-          </a:bodyPr>
-          <a:lstStyle/>
-          <a:p>
-            <a:pPr marL="0" indent="0">
-              <a:buNone/>
-            </a:pPr>
-            <a:r>
-              <a:rPr lang="en-US" dirty="0">
-                <a:latin typeface="Arial" panose="020B0604020202020204" pitchFamily="34" charset="0"/>
-                <a:cs typeface="Arial" panose="020B0604020202020204" pitchFamily="34" charset="0"/>
-              </a:rPr>
-              <a:t>A scatter plot of Alcohol by Volume and International Bitterness Unit does not appear to have a relationship.  </a:t>
-            </a:r>
-          </a:p>
-          <a:p>
-            <a:pPr marL="0" indent="0">
-              <a:buNone/>
-            </a:pPr>
-            <a:r>
-              <a:rPr lang="en-US" dirty="0">
-                <a:latin typeface="Arial" panose="020B0604020202020204" pitchFamily="34" charset="0"/>
-                <a:cs typeface="Arial" panose="020B0604020202020204" pitchFamily="34" charset="0"/>
-              </a:rPr>
-              <a:t>The scatter plots of ABV and IBU do not show much of a pattern.</a:t>
-            </a:r>
-          </a:p>
-          <a:p>
-            <a:pPr marL="0" indent="0">
-              <a:buNone/>
-            </a:pPr>
-            <a:r>
-              <a:rPr lang="en-US" dirty="0">
-                <a:latin typeface="Arial" panose="020B0604020202020204" pitchFamily="34" charset="0"/>
-                <a:cs typeface="Arial" panose="020B0604020202020204" pitchFamily="34" charset="0"/>
-              </a:rPr>
-              <a:t>A linear regression was used to test if there was a relationship between ABV and IBU. </a:t>
-            </a:r>
-          </a:p>
-        </p:txBody>
-      </p:sp>
-      <p:pic>
-        <p:nvPicPr>
-          <p:cNvPr id="4" name="Picture 3">
-            <a:extLst>
-              <a:ext uri="{FF2B5EF4-FFF2-40B4-BE49-F238E27FC236}">
-                <a16:creationId xmlns:a16="http://schemas.microsoft.com/office/drawing/2014/main" id="{DF0AE0DA-992B-4C8E-86CB-ACE29FC114AD}"/>
-              </a:ext>
-            </a:extLst>
-          </p:cNvPr>
-          <p:cNvPicPr>
-            <a:picLocks noChangeAspect="1"/>
-          </p:cNvPicPr>
-          <p:nvPr/>
-        </p:nvPicPr>
-        <p:blipFill>
-          <a:blip r:embed="rId2"/>
-          <a:stretch>
-            <a:fillRect/>
-          </a:stretch>
-        </p:blipFill>
-        <p:spPr>
-          <a:xfrm>
-            <a:off x="4528458" y="2160589"/>
-            <a:ext cx="5741536" cy="3542649"/>
-          </a:xfrm>
-          <a:prstGeom prst="rect">
-            <a:avLst/>
-          </a:prstGeom>
-        </p:spPr>
-      </p:pic>
-    </p:spTree>
-    <p:extLst>
-      <p:ext uri="{BB962C8B-B14F-4D97-AF65-F5344CB8AC3E}">
-        <p14:creationId xmlns:p14="http://schemas.microsoft.com/office/powerpoint/2010/main" val="3504272927"/>
       </p:ext>
     </p:extLst>
   </p:cSld>
@@ -7751,6 +7682,164 @@
 </file>
 
 <file path=ppt/slides/slide20.xml><?xml version="1.0" encoding="utf-8"?>
+<p:sld xmlns:a="http://schemas.openxmlformats.org/drawingml/2006/main" xmlns:r="http://schemas.openxmlformats.org/officeDocument/2006/relationships" xmlns:p="http://schemas.openxmlformats.org/presentationml/2006/main">
+  <p:cSld>
+    <p:spTree>
+      <p:nvGrpSpPr>
+        <p:cNvPr id="1" name=""/>
+        <p:cNvGrpSpPr/>
+        <p:nvPr/>
+      </p:nvGrpSpPr>
+      <p:grpSpPr>
+        <a:xfrm>
+          <a:off x="0" y="0"/>
+          <a:ext cx="0" cy="0"/>
+          <a:chOff x="0" y="0"/>
+          <a:chExt cx="0" cy="0"/>
+        </a:xfrm>
+      </p:grpSpPr>
+      <p:sp>
+        <p:nvSpPr>
+          <p:cNvPr id="2" name="Title 1">
+            <a:extLst>
+              <a:ext uri="{FF2B5EF4-FFF2-40B4-BE49-F238E27FC236}">
+                <a16:creationId xmlns:a16="http://schemas.microsoft.com/office/drawing/2014/main" id="{2A8A4ABE-5343-4348-8236-6BC0C27406A1}"/>
+              </a:ext>
+            </a:extLst>
+          </p:cNvPr>
+          <p:cNvSpPr>
+            <a:spLocks noGrp="1"/>
+          </p:cNvSpPr>
+          <p:nvPr>
+            <p:ph type="title"/>
+          </p:nvPr>
+        </p:nvSpPr>
+        <p:spPr/>
+        <p:txBody>
+          <a:bodyPr>
+            <a:normAutofit fontScale="90000"/>
+          </a:bodyPr>
+          <a:lstStyle/>
+          <a:p>
+            <a:r>
+              <a:rPr lang="en-US" dirty="0">
+                <a:latin typeface="Arial" panose="020B0604020202020204" pitchFamily="34" charset="0"/>
+                <a:cs typeface="Arial" panose="020B0604020202020204" pitchFamily="34" charset="0"/>
+              </a:rPr>
+              <a:t>Question of Interest:  A relationship exists between Alcohol by Volume and International Bitterness Units.</a:t>
+            </a:r>
+          </a:p>
+        </p:txBody>
+      </p:sp>
+      <p:sp>
+        <p:nvSpPr>
+          <p:cNvPr id="3" name="Content Placeholder 2">
+            <a:extLst>
+              <a:ext uri="{FF2B5EF4-FFF2-40B4-BE49-F238E27FC236}">
+                <a16:creationId xmlns:a16="http://schemas.microsoft.com/office/drawing/2014/main" id="{20F2F60B-6F4B-4E43-8E80-7EE872BE35CF}"/>
+              </a:ext>
+            </a:extLst>
+          </p:cNvPr>
+          <p:cNvSpPr>
+            <a:spLocks noGrp="1"/>
+          </p:cNvSpPr>
+          <p:nvPr>
+            <p:ph idx="1"/>
+          </p:nvPr>
+        </p:nvSpPr>
+        <p:spPr>
+          <a:xfrm>
+            <a:off x="677334" y="2160589"/>
+            <a:ext cx="3491895" cy="3379077"/>
+          </a:xfrm>
+        </p:spPr>
+        <p:txBody>
+          <a:bodyPr>
+            <a:normAutofit/>
+          </a:bodyPr>
+          <a:lstStyle/>
+          <a:p>
+            <a:pPr marL="0" indent="0">
+              <a:buNone/>
+            </a:pPr>
+            <a:r>
+              <a:rPr lang="en-US" dirty="0">
+                <a:latin typeface="Arial" panose="020B0604020202020204" pitchFamily="34" charset="0"/>
+                <a:cs typeface="Arial" panose="020B0604020202020204" pitchFamily="34" charset="0"/>
+              </a:rPr>
+              <a:t>A scatter plot of Alcohol by Volume and International Bitterness Unit does not appear to have a relationship.  </a:t>
+            </a:r>
+          </a:p>
+          <a:p>
+            <a:pPr marL="0" indent="0">
+              <a:buNone/>
+            </a:pPr>
+            <a:r>
+              <a:rPr lang="en-US" dirty="0">
+                <a:latin typeface="Arial" panose="020B0604020202020204" pitchFamily="34" charset="0"/>
+                <a:cs typeface="Arial" panose="020B0604020202020204" pitchFamily="34" charset="0"/>
+              </a:rPr>
+              <a:t>The scatter plots of ABV and IBU do not show much of a pattern.</a:t>
+            </a:r>
+          </a:p>
+          <a:p>
+            <a:pPr marL="0" indent="0">
+              <a:buNone/>
+            </a:pPr>
+            <a:r>
+              <a:rPr lang="en-US" dirty="0">
+                <a:latin typeface="Arial" panose="020B0604020202020204" pitchFamily="34" charset="0"/>
+                <a:cs typeface="Arial" panose="020B0604020202020204" pitchFamily="34" charset="0"/>
+              </a:rPr>
+              <a:t>A linear regression was used to test if there was a relationship between ABV and IBU. </a:t>
+            </a:r>
+          </a:p>
+        </p:txBody>
+      </p:sp>
+      <p:pic>
+        <p:nvPicPr>
+          <p:cNvPr id="4" name="Picture 3">
+            <a:extLst>
+              <a:ext uri="{FF2B5EF4-FFF2-40B4-BE49-F238E27FC236}">
+                <a16:creationId xmlns:a16="http://schemas.microsoft.com/office/drawing/2014/main" id="{DF0AE0DA-992B-4C8E-86CB-ACE29FC114AD}"/>
+              </a:ext>
+            </a:extLst>
+          </p:cNvPr>
+          <p:cNvPicPr>
+            <a:picLocks noChangeAspect="1"/>
+          </p:cNvPicPr>
+          <p:nvPr/>
+        </p:nvPicPr>
+        <p:blipFill>
+          <a:blip r:embed="rId2"/>
+          <a:stretch>
+            <a:fillRect/>
+          </a:stretch>
+        </p:blipFill>
+        <p:spPr>
+          <a:xfrm>
+            <a:off x="4528458" y="2160589"/>
+            <a:ext cx="5741536" cy="3542649"/>
+          </a:xfrm>
+          <a:prstGeom prst="rect">
+            <a:avLst/>
+          </a:prstGeom>
+        </p:spPr>
+      </p:pic>
+    </p:spTree>
+    <p:extLst>
+      <p:ext uri="{BB962C8B-B14F-4D97-AF65-F5344CB8AC3E}">
+        <p14:creationId xmlns:p14="http://schemas.microsoft.com/office/powerpoint/2010/main" val="3504272927"/>
+      </p:ext>
+    </p:extLst>
+  </p:cSld>
+  <p:clrMapOvr>
+    <a:masterClrMapping/>
+  </p:clrMapOvr>
+</p:sld>
+</file>
+
+<file path=ppt/slides/slide21.xml><?xml version="1.0" encoding="utf-8"?>
 <p:sld xmlns:a="http://schemas.openxmlformats.org/drawingml/2006/main" xmlns:r="http://schemas.openxmlformats.org/officeDocument/2006/relationships" xmlns:p="http://schemas.openxmlformats.org/presentationml/2006/main">
   <p:cSld>
     <p:spTree>
@@ -8221,7 +8310,7 @@
 </p:sld>
 </file>
 
-<file path=ppt/slides/slide21.xml><?xml version="1.0" encoding="utf-8"?>
+<file path=ppt/slides/slide22.xml><?xml version="1.0" encoding="utf-8"?>
 <p:sld xmlns:a="http://schemas.openxmlformats.org/drawingml/2006/main" xmlns:r="http://schemas.openxmlformats.org/officeDocument/2006/relationships" xmlns:p="http://schemas.openxmlformats.org/presentationml/2006/main">
   <p:cSld>
     <p:spTree>

--- a/MalcolmCarlsonBeerDataEDA.DDS6306.pptx
+++ b/MalcolmCarlsonBeerDataEDA.DDS6306.pptx
@@ -230,7 +230,7 @@
           <a:p>
             <a:fld id="{A6D10619-A5AD-4FBE-8267-47BE2B1199F7}" type="datetimeFigureOut">
               <a:rPr lang="en-US" smtClean="0"/>
-              <a:t>10/25/2019</a:t>
+              <a:t>10/26/2019</a:t>
             </a:fld>
             <a:endParaRPr lang="en-US"/>
           </a:p>
@@ -495,6 +495,1492 @@
     </a:lvl9pPr>
   </p:notesStyle>
 </p:notesMaster>
+</file>
+
+<file path=ppt/notesSlides/notesSlide1.xml><?xml version="1.0" encoding="utf-8"?>
+<p:notes xmlns:a="http://schemas.openxmlformats.org/drawingml/2006/main" xmlns:r="http://schemas.openxmlformats.org/officeDocument/2006/relationships" xmlns:p="http://schemas.openxmlformats.org/presentationml/2006/main">
+  <p:cSld>
+    <p:spTree>
+      <p:nvGrpSpPr>
+        <p:cNvPr id="1" name=""/>
+        <p:cNvGrpSpPr/>
+        <p:nvPr/>
+      </p:nvGrpSpPr>
+      <p:grpSpPr>
+        <a:xfrm>
+          <a:off x="0" y="0"/>
+          <a:ext cx="0" cy="0"/>
+          <a:chOff x="0" y="0"/>
+          <a:chExt cx="0" cy="0"/>
+        </a:xfrm>
+      </p:grpSpPr>
+      <p:sp>
+        <p:nvSpPr>
+          <p:cNvPr id="2" name="Slide Image Placeholder 1"/>
+          <p:cNvSpPr>
+            <a:spLocks noGrp="1" noRot="1" noChangeAspect="1"/>
+          </p:cNvSpPr>
+          <p:nvPr>
+            <p:ph type="sldImg"/>
+          </p:nvPr>
+        </p:nvSpPr>
+        <p:spPr/>
+      </p:sp>
+      <p:sp>
+        <p:nvSpPr>
+          <p:cNvPr id="3" name="Notes Placeholder 2"/>
+          <p:cNvSpPr>
+            <a:spLocks noGrp="1"/>
+          </p:cNvSpPr>
+          <p:nvPr>
+            <p:ph type="body" idx="1"/>
+          </p:nvPr>
+        </p:nvSpPr>
+        <p:spPr/>
+        <p:txBody>
+          <a:bodyPr/>
+          <a:lstStyle/>
+          <a:p>
+            <a:r>
+              <a:rPr lang="en-US" dirty="0"/>
+              <a:t>Hello,</a:t>
+            </a:r>
+          </a:p>
+          <a:p>
+            <a:r>
+              <a:rPr lang="en-US" dirty="0"/>
+              <a:t>I’m Malcolm Carlson and I will be presenting a case study that Jason Burk and I worked on about Craft Beer in the United States.</a:t>
+            </a:r>
+          </a:p>
+        </p:txBody>
+      </p:sp>
+      <p:sp>
+        <p:nvSpPr>
+          <p:cNvPr id="4" name="Slide Number Placeholder 3"/>
+          <p:cNvSpPr>
+            <a:spLocks noGrp="1"/>
+          </p:cNvSpPr>
+          <p:nvPr>
+            <p:ph type="sldNum" sz="quarter" idx="5"/>
+          </p:nvPr>
+        </p:nvSpPr>
+        <p:spPr/>
+        <p:txBody>
+          <a:bodyPr/>
+          <a:lstStyle/>
+          <a:p>
+            <a:fld id="{F5C4DEE2-34CF-4AC0-92C7-876E2D6A0326}" type="slidenum">
+              <a:rPr lang="en-US" smtClean="0"/>
+              <a:t>1</a:t>
+            </a:fld>
+            <a:endParaRPr lang="en-US"/>
+          </a:p>
+        </p:txBody>
+      </p:sp>
+    </p:spTree>
+    <p:extLst>
+      <p:ext uri="{BB962C8B-B14F-4D97-AF65-F5344CB8AC3E}">
+        <p14:creationId xmlns:p14="http://schemas.microsoft.com/office/powerpoint/2010/main" val="3008007699"/>
+      </p:ext>
+    </p:extLst>
+  </p:cSld>
+  <p:clrMapOvr>
+    <a:masterClrMapping/>
+  </p:clrMapOvr>
+</p:notes>
+</file>
+
+<file path=ppt/notesSlides/notesSlide10.xml><?xml version="1.0" encoding="utf-8"?>
+<p:notes xmlns:a="http://schemas.openxmlformats.org/drawingml/2006/main" xmlns:r="http://schemas.openxmlformats.org/officeDocument/2006/relationships" xmlns:p="http://schemas.openxmlformats.org/presentationml/2006/main">
+  <p:cSld>
+    <p:spTree>
+      <p:nvGrpSpPr>
+        <p:cNvPr id="1" name=""/>
+        <p:cNvGrpSpPr/>
+        <p:nvPr/>
+      </p:nvGrpSpPr>
+      <p:grpSpPr>
+        <a:xfrm>
+          <a:off x="0" y="0"/>
+          <a:ext cx="0" cy="0"/>
+          <a:chOff x="0" y="0"/>
+          <a:chExt cx="0" cy="0"/>
+        </a:xfrm>
+      </p:grpSpPr>
+      <p:sp>
+        <p:nvSpPr>
+          <p:cNvPr id="2" name="Slide Image Placeholder 1"/>
+          <p:cNvSpPr>
+            <a:spLocks noGrp="1" noRot="1" noChangeAspect="1"/>
+          </p:cNvSpPr>
+          <p:nvPr>
+            <p:ph type="sldImg"/>
+          </p:nvPr>
+        </p:nvSpPr>
+        <p:spPr/>
+      </p:sp>
+      <p:sp>
+        <p:nvSpPr>
+          <p:cNvPr id="3" name="Notes Placeholder 2"/>
+          <p:cNvSpPr>
+            <a:spLocks noGrp="1"/>
+          </p:cNvSpPr>
+          <p:nvPr>
+            <p:ph type="body" idx="1"/>
+          </p:nvPr>
+        </p:nvSpPr>
+        <p:spPr/>
+        <p:txBody>
+          <a:bodyPr/>
+          <a:lstStyle/>
+          <a:p>
+            <a:r>
+              <a:rPr lang="en-US" dirty="0"/>
+              <a:t>This table has the top 10 most popular beer styles by region.  We are looking at the North Eastern states here.  We have a map of the North East regions by both ABV and IBU.</a:t>
+            </a:r>
+          </a:p>
+        </p:txBody>
+      </p:sp>
+      <p:sp>
+        <p:nvSpPr>
+          <p:cNvPr id="4" name="Slide Number Placeholder 3"/>
+          <p:cNvSpPr>
+            <a:spLocks noGrp="1"/>
+          </p:cNvSpPr>
+          <p:nvPr>
+            <p:ph type="sldNum" sz="quarter" idx="5"/>
+          </p:nvPr>
+        </p:nvSpPr>
+        <p:spPr/>
+        <p:txBody>
+          <a:bodyPr/>
+          <a:lstStyle/>
+          <a:p>
+            <a:fld id="{F5C4DEE2-34CF-4AC0-92C7-876E2D6A0326}" type="slidenum">
+              <a:rPr lang="en-US" smtClean="0"/>
+              <a:t>12</a:t>
+            </a:fld>
+            <a:endParaRPr lang="en-US"/>
+          </a:p>
+        </p:txBody>
+      </p:sp>
+    </p:spTree>
+    <p:extLst>
+      <p:ext uri="{BB962C8B-B14F-4D97-AF65-F5344CB8AC3E}">
+        <p14:creationId xmlns:p14="http://schemas.microsoft.com/office/powerpoint/2010/main" val="3451594776"/>
+      </p:ext>
+    </p:extLst>
+  </p:cSld>
+  <p:clrMapOvr>
+    <a:masterClrMapping/>
+  </p:clrMapOvr>
+</p:notes>
+</file>
+
+<file path=ppt/notesSlides/notesSlide11.xml><?xml version="1.0" encoding="utf-8"?>
+<p:notes xmlns:a="http://schemas.openxmlformats.org/drawingml/2006/main" xmlns:r="http://schemas.openxmlformats.org/officeDocument/2006/relationships" xmlns:p="http://schemas.openxmlformats.org/presentationml/2006/main">
+  <p:cSld>
+    <p:spTree>
+      <p:nvGrpSpPr>
+        <p:cNvPr id="1" name=""/>
+        <p:cNvGrpSpPr/>
+        <p:nvPr/>
+      </p:nvGrpSpPr>
+      <p:grpSpPr>
+        <a:xfrm>
+          <a:off x="0" y="0"/>
+          <a:ext cx="0" cy="0"/>
+          <a:chOff x="0" y="0"/>
+          <a:chExt cx="0" cy="0"/>
+        </a:xfrm>
+      </p:grpSpPr>
+      <p:sp>
+        <p:nvSpPr>
+          <p:cNvPr id="2" name="Slide Image Placeholder 1"/>
+          <p:cNvSpPr>
+            <a:spLocks noGrp="1" noRot="1" noChangeAspect="1"/>
+          </p:cNvSpPr>
+          <p:nvPr>
+            <p:ph type="sldImg"/>
+          </p:nvPr>
+        </p:nvSpPr>
+        <p:spPr/>
+      </p:sp>
+      <p:sp>
+        <p:nvSpPr>
+          <p:cNvPr id="3" name="Notes Placeholder 2"/>
+          <p:cNvSpPr>
+            <a:spLocks noGrp="1"/>
+          </p:cNvSpPr>
+          <p:nvPr>
+            <p:ph type="body" idx="1"/>
+          </p:nvPr>
+        </p:nvSpPr>
+        <p:spPr/>
+        <p:txBody>
+          <a:bodyPr/>
+          <a:lstStyle/>
+          <a:p>
+            <a:r>
+              <a:rPr lang="en-US" dirty="0"/>
+              <a:t>In the Midwest part of the country, the same trend holds true in that craft beer drinkers prefer IPAs and most other Ales.</a:t>
+            </a:r>
+          </a:p>
+        </p:txBody>
+      </p:sp>
+      <p:sp>
+        <p:nvSpPr>
+          <p:cNvPr id="4" name="Slide Number Placeholder 3"/>
+          <p:cNvSpPr>
+            <a:spLocks noGrp="1"/>
+          </p:cNvSpPr>
+          <p:nvPr>
+            <p:ph type="sldNum" sz="quarter" idx="5"/>
+          </p:nvPr>
+        </p:nvSpPr>
+        <p:spPr/>
+        <p:txBody>
+          <a:bodyPr/>
+          <a:lstStyle/>
+          <a:p>
+            <a:fld id="{F5C4DEE2-34CF-4AC0-92C7-876E2D6A0326}" type="slidenum">
+              <a:rPr lang="en-US" smtClean="0"/>
+              <a:t>13</a:t>
+            </a:fld>
+            <a:endParaRPr lang="en-US"/>
+          </a:p>
+        </p:txBody>
+      </p:sp>
+    </p:spTree>
+    <p:extLst>
+      <p:ext uri="{BB962C8B-B14F-4D97-AF65-F5344CB8AC3E}">
+        <p14:creationId xmlns:p14="http://schemas.microsoft.com/office/powerpoint/2010/main" val="1733717563"/>
+      </p:ext>
+    </p:extLst>
+  </p:cSld>
+  <p:clrMapOvr>
+    <a:masterClrMapping/>
+  </p:clrMapOvr>
+</p:notes>
+</file>
+
+<file path=ppt/notesSlides/notesSlide12.xml><?xml version="1.0" encoding="utf-8"?>
+<p:notes xmlns:a="http://schemas.openxmlformats.org/drawingml/2006/main" xmlns:r="http://schemas.openxmlformats.org/officeDocument/2006/relationships" xmlns:p="http://schemas.openxmlformats.org/presentationml/2006/main">
+  <p:cSld>
+    <p:spTree>
+      <p:nvGrpSpPr>
+        <p:cNvPr id="1" name=""/>
+        <p:cNvGrpSpPr/>
+        <p:nvPr/>
+      </p:nvGrpSpPr>
+      <p:grpSpPr>
+        <a:xfrm>
+          <a:off x="0" y="0"/>
+          <a:ext cx="0" cy="0"/>
+          <a:chOff x="0" y="0"/>
+          <a:chExt cx="0" cy="0"/>
+        </a:xfrm>
+      </p:grpSpPr>
+      <p:sp>
+        <p:nvSpPr>
+          <p:cNvPr id="2" name="Slide Image Placeholder 1"/>
+          <p:cNvSpPr>
+            <a:spLocks noGrp="1" noRot="1" noChangeAspect="1"/>
+          </p:cNvSpPr>
+          <p:nvPr>
+            <p:ph type="sldImg"/>
+          </p:nvPr>
+        </p:nvSpPr>
+        <p:spPr/>
+      </p:sp>
+      <p:sp>
+        <p:nvSpPr>
+          <p:cNvPr id="3" name="Notes Placeholder 2"/>
+          <p:cNvSpPr>
+            <a:spLocks noGrp="1"/>
+          </p:cNvSpPr>
+          <p:nvPr>
+            <p:ph type="body" idx="1"/>
+          </p:nvPr>
+        </p:nvSpPr>
+        <p:spPr/>
+        <p:txBody>
+          <a:bodyPr/>
+          <a:lstStyle/>
+          <a:p>
+            <a:r>
+              <a:rPr lang="en-US" dirty="0"/>
+              <a:t>Here in the South, we also prefer IPAs and Ales but do not have as many choices as the Midwest and the Western states. </a:t>
+            </a:r>
+          </a:p>
+        </p:txBody>
+      </p:sp>
+      <p:sp>
+        <p:nvSpPr>
+          <p:cNvPr id="4" name="Slide Number Placeholder 3"/>
+          <p:cNvSpPr>
+            <a:spLocks noGrp="1"/>
+          </p:cNvSpPr>
+          <p:nvPr>
+            <p:ph type="sldNum" sz="quarter" idx="5"/>
+          </p:nvPr>
+        </p:nvSpPr>
+        <p:spPr/>
+        <p:txBody>
+          <a:bodyPr/>
+          <a:lstStyle/>
+          <a:p>
+            <a:fld id="{F5C4DEE2-34CF-4AC0-92C7-876E2D6A0326}" type="slidenum">
+              <a:rPr lang="en-US" smtClean="0"/>
+              <a:t>14</a:t>
+            </a:fld>
+            <a:endParaRPr lang="en-US"/>
+          </a:p>
+        </p:txBody>
+      </p:sp>
+    </p:spTree>
+    <p:extLst>
+      <p:ext uri="{BB962C8B-B14F-4D97-AF65-F5344CB8AC3E}">
+        <p14:creationId xmlns:p14="http://schemas.microsoft.com/office/powerpoint/2010/main" val="929405846"/>
+      </p:ext>
+    </p:extLst>
+  </p:cSld>
+  <p:clrMapOvr>
+    <a:masterClrMapping/>
+  </p:clrMapOvr>
+</p:notes>
+</file>
+
+<file path=ppt/notesSlides/notesSlide13.xml><?xml version="1.0" encoding="utf-8"?>
+<p:notes xmlns:a="http://schemas.openxmlformats.org/drawingml/2006/main" xmlns:r="http://schemas.openxmlformats.org/officeDocument/2006/relationships" xmlns:p="http://schemas.openxmlformats.org/presentationml/2006/main">
+  <p:cSld>
+    <p:spTree>
+      <p:nvGrpSpPr>
+        <p:cNvPr id="1" name=""/>
+        <p:cNvGrpSpPr/>
+        <p:nvPr/>
+      </p:nvGrpSpPr>
+      <p:grpSpPr>
+        <a:xfrm>
+          <a:off x="0" y="0"/>
+          <a:ext cx="0" cy="0"/>
+          <a:chOff x="0" y="0"/>
+          <a:chExt cx="0" cy="0"/>
+        </a:xfrm>
+      </p:grpSpPr>
+      <p:sp>
+        <p:nvSpPr>
+          <p:cNvPr id="2" name="Slide Image Placeholder 1"/>
+          <p:cNvSpPr>
+            <a:spLocks noGrp="1" noRot="1" noChangeAspect="1"/>
+          </p:cNvSpPr>
+          <p:nvPr>
+            <p:ph type="sldImg"/>
+          </p:nvPr>
+        </p:nvSpPr>
+        <p:spPr/>
+      </p:sp>
+      <p:sp>
+        <p:nvSpPr>
+          <p:cNvPr id="3" name="Notes Placeholder 2"/>
+          <p:cNvSpPr>
+            <a:spLocks noGrp="1"/>
+          </p:cNvSpPr>
+          <p:nvPr>
+            <p:ph type="body" idx="1"/>
+          </p:nvPr>
+        </p:nvSpPr>
+        <p:spPr/>
+        <p:txBody>
+          <a:bodyPr/>
+          <a:lstStyle/>
+          <a:p>
+            <a:r>
+              <a:rPr lang="en-US" dirty="0"/>
+              <a:t>The Wester part of the country really loves IPA’s and Ales in general and they have the most option when it comes to those beers.  California and Colorado, both very popular craft brew hubs, account for a large part of these result.</a:t>
+            </a:r>
+          </a:p>
+        </p:txBody>
+      </p:sp>
+      <p:sp>
+        <p:nvSpPr>
+          <p:cNvPr id="4" name="Slide Number Placeholder 3"/>
+          <p:cNvSpPr>
+            <a:spLocks noGrp="1"/>
+          </p:cNvSpPr>
+          <p:nvPr>
+            <p:ph type="sldNum" sz="quarter" idx="5"/>
+          </p:nvPr>
+        </p:nvSpPr>
+        <p:spPr/>
+        <p:txBody>
+          <a:bodyPr/>
+          <a:lstStyle/>
+          <a:p>
+            <a:fld id="{F5C4DEE2-34CF-4AC0-92C7-876E2D6A0326}" type="slidenum">
+              <a:rPr lang="en-US" smtClean="0"/>
+              <a:t>15</a:t>
+            </a:fld>
+            <a:endParaRPr lang="en-US"/>
+          </a:p>
+        </p:txBody>
+      </p:sp>
+    </p:spTree>
+    <p:extLst>
+      <p:ext uri="{BB962C8B-B14F-4D97-AF65-F5344CB8AC3E}">
+        <p14:creationId xmlns:p14="http://schemas.microsoft.com/office/powerpoint/2010/main" val="2561837474"/>
+      </p:ext>
+    </p:extLst>
+  </p:cSld>
+  <p:clrMapOvr>
+    <a:masterClrMapping/>
+  </p:clrMapOvr>
+</p:notes>
+</file>
+
+<file path=ppt/notesSlides/notesSlide14.xml><?xml version="1.0" encoding="utf-8"?>
+<p:notes xmlns:a="http://schemas.openxmlformats.org/drawingml/2006/main" xmlns:r="http://schemas.openxmlformats.org/officeDocument/2006/relationships" xmlns:p="http://schemas.openxmlformats.org/presentationml/2006/main">
+  <p:cSld>
+    <p:spTree>
+      <p:nvGrpSpPr>
+        <p:cNvPr id="1" name=""/>
+        <p:cNvGrpSpPr/>
+        <p:nvPr/>
+      </p:nvGrpSpPr>
+      <p:grpSpPr>
+        <a:xfrm>
+          <a:off x="0" y="0"/>
+          <a:ext cx="0" cy="0"/>
+          <a:chOff x="0" y="0"/>
+          <a:chExt cx="0" cy="0"/>
+        </a:xfrm>
+      </p:grpSpPr>
+      <p:sp>
+        <p:nvSpPr>
+          <p:cNvPr id="2" name="Slide Image Placeholder 1"/>
+          <p:cNvSpPr>
+            <a:spLocks noGrp="1" noRot="1" noChangeAspect="1"/>
+          </p:cNvSpPr>
+          <p:nvPr>
+            <p:ph type="sldImg"/>
+          </p:nvPr>
+        </p:nvSpPr>
+        <p:spPr/>
+      </p:sp>
+      <p:sp>
+        <p:nvSpPr>
+          <p:cNvPr id="3" name="Notes Placeholder 2"/>
+          <p:cNvSpPr>
+            <a:spLocks noGrp="1"/>
+          </p:cNvSpPr>
+          <p:nvPr>
+            <p:ph type="body" idx="1"/>
+          </p:nvPr>
+        </p:nvSpPr>
+        <p:spPr/>
+        <p:txBody>
+          <a:bodyPr/>
+          <a:lstStyle/>
+          <a:p>
+            <a:r>
+              <a:rPr lang="en-US" dirty="0"/>
+              <a:t>From this study, </a:t>
+            </a:r>
+            <a:r>
+              <a:rPr lang="en-US" dirty="0" err="1"/>
+              <a:t>Budwiezer</a:t>
+            </a:r>
+            <a:r>
+              <a:rPr lang="en-US" dirty="0"/>
+              <a:t> may want to consider investing in beer offerings that have higher bitterness and ABV levels, particularly in IPAs and Ales to reach more of the craft beer market.  There is definitely opportunities for growth in those segments.</a:t>
+            </a:r>
+          </a:p>
+          <a:p>
+            <a:endParaRPr lang="en-US" dirty="0"/>
+          </a:p>
+          <a:p>
+            <a:r>
+              <a:rPr lang="en-US" dirty="0"/>
+              <a:t>Thank you for your time and let me know if you have any questions.</a:t>
+            </a:r>
+          </a:p>
+          <a:p>
+            <a:endParaRPr lang="en-US" dirty="0"/>
+          </a:p>
+          <a:p>
+            <a:endParaRPr lang="en-US" dirty="0"/>
+          </a:p>
+        </p:txBody>
+      </p:sp>
+      <p:sp>
+        <p:nvSpPr>
+          <p:cNvPr id="4" name="Slide Number Placeholder 3"/>
+          <p:cNvSpPr>
+            <a:spLocks noGrp="1"/>
+          </p:cNvSpPr>
+          <p:nvPr>
+            <p:ph type="sldNum" sz="quarter" idx="5"/>
+          </p:nvPr>
+        </p:nvSpPr>
+        <p:spPr/>
+        <p:txBody>
+          <a:bodyPr/>
+          <a:lstStyle/>
+          <a:p>
+            <a:fld id="{F5C4DEE2-34CF-4AC0-92C7-876E2D6A0326}" type="slidenum">
+              <a:rPr lang="en-US" smtClean="0"/>
+              <a:t>16</a:t>
+            </a:fld>
+            <a:endParaRPr lang="en-US"/>
+          </a:p>
+        </p:txBody>
+      </p:sp>
+    </p:spTree>
+    <p:extLst>
+      <p:ext uri="{BB962C8B-B14F-4D97-AF65-F5344CB8AC3E}">
+        <p14:creationId xmlns:p14="http://schemas.microsoft.com/office/powerpoint/2010/main" val="3815116851"/>
+      </p:ext>
+    </p:extLst>
+  </p:cSld>
+  <p:clrMapOvr>
+    <a:masterClrMapping/>
+  </p:clrMapOvr>
+</p:notes>
+</file>
+
+<file path=ppt/notesSlides/notesSlide2.xml><?xml version="1.0" encoding="utf-8"?>
+<p:notes xmlns:a="http://schemas.openxmlformats.org/drawingml/2006/main" xmlns:r="http://schemas.openxmlformats.org/officeDocument/2006/relationships" xmlns:p="http://schemas.openxmlformats.org/presentationml/2006/main">
+  <p:cSld>
+    <p:spTree>
+      <p:nvGrpSpPr>
+        <p:cNvPr id="1" name=""/>
+        <p:cNvGrpSpPr/>
+        <p:nvPr/>
+      </p:nvGrpSpPr>
+      <p:grpSpPr>
+        <a:xfrm>
+          <a:off x="0" y="0"/>
+          <a:ext cx="0" cy="0"/>
+          <a:chOff x="0" y="0"/>
+          <a:chExt cx="0" cy="0"/>
+        </a:xfrm>
+      </p:grpSpPr>
+      <p:sp>
+        <p:nvSpPr>
+          <p:cNvPr id="2" name="Slide Image Placeholder 1"/>
+          <p:cNvSpPr>
+            <a:spLocks noGrp="1" noRot="1" noChangeAspect="1"/>
+          </p:cNvSpPr>
+          <p:nvPr>
+            <p:ph type="sldImg"/>
+          </p:nvPr>
+        </p:nvSpPr>
+        <p:spPr/>
+      </p:sp>
+      <p:sp>
+        <p:nvSpPr>
+          <p:cNvPr id="3" name="Notes Placeholder 2"/>
+          <p:cNvSpPr>
+            <a:spLocks noGrp="1"/>
+          </p:cNvSpPr>
+          <p:nvPr>
+            <p:ph type="body" idx="1"/>
+          </p:nvPr>
+        </p:nvSpPr>
+        <p:spPr/>
+        <p:txBody>
+          <a:bodyPr/>
+          <a:lstStyle/>
+          <a:p>
+            <a:r>
+              <a:rPr lang="en-US" dirty="0"/>
+              <a:t>On the left we are showing a sorted list in ascending order of craft breweries by state.  </a:t>
+            </a:r>
+          </a:p>
+          <a:p>
+            <a:r>
+              <a:rPr lang="en-US" dirty="0"/>
+              <a:t>On the right we have a map of all the states color shaded by number of breweries.  The lighter the color, the more breweries the </a:t>
+            </a:r>
+            <a:r>
+              <a:rPr lang="en-US"/>
+              <a:t>state has.  </a:t>
+            </a:r>
+            <a:endParaRPr lang="en-US" dirty="0"/>
+          </a:p>
+          <a:p>
+            <a:endParaRPr lang="en-US" dirty="0"/>
+          </a:p>
+          <a:p>
+            <a:r>
+              <a:rPr lang="en-US" dirty="0"/>
+              <a:t>My home state of Texas is in the Top 5  with 28 and Jason’s home state of Colorado has the highest number of craft breweries.</a:t>
+            </a:r>
+          </a:p>
+        </p:txBody>
+      </p:sp>
+      <p:sp>
+        <p:nvSpPr>
+          <p:cNvPr id="4" name="Slide Number Placeholder 3"/>
+          <p:cNvSpPr>
+            <a:spLocks noGrp="1"/>
+          </p:cNvSpPr>
+          <p:nvPr>
+            <p:ph type="sldNum" sz="quarter" idx="5"/>
+          </p:nvPr>
+        </p:nvSpPr>
+        <p:spPr/>
+        <p:txBody>
+          <a:bodyPr/>
+          <a:lstStyle/>
+          <a:p>
+            <a:fld id="{F5C4DEE2-34CF-4AC0-92C7-876E2D6A0326}" type="slidenum">
+              <a:rPr lang="en-US" smtClean="0"/>
+              <a:t>2</a:t>
+            </a:fld>
+            <a:endParaRPr lang="en-US"/>
+          </a:p>
+        </p:txBody>
+      </p:sp>
+    </p:spTree>
+    <p:extLst>
+      <p:ext uri="{BB962C8B-B14F-4D97-AF65-F5344CB8AC3E}">
+        <p14:creationId xmlns:p14="http://schemas.microsoft.com/office/powerpoint/2010/main" val="572783984"/>
+      </p:ext>
+    </p:extLst>
+  </p:cSld>
+  <p:clrMapOvr>
+    <a:masterClrMapping/>
+  </p:clrMapOvr>
+</p:notes>
+</file>
+
+<file path=ppt/notesSlides/notesSlide3.xml><?xml version="1.0" encoding="utf-8"?>
+<p:notes xmlns:a="http://schemas.openxmlformats.org/drawingml/2006/main" xmlns:r="http://schemas.openxmlformats.org/officeDocument/2006/relationships" xmlns:p="http://schemas.openxmlformats.org/presentationml/2006/main">
+  <p:cSld>
+    <p:spTree>
+      <p:nvGrpSpPr>
+        <p:cNvPr id="1" name=""/>
+        <p:cNvGrpSpPr/>
+        <p:nvPr/>
+      </p:nvGrpSpPr>
+      <p:grpSpPr>
+        <a:xfrm>
+          <a:off x="0" y="0"/>
+          <a:ext cx="0" cy="0"/>
+          <a:chOff x="0" y="0"/>
+          <a:chExt cx="0" cy="0"/>
+        </a:xfrm>
+      </p:grpSpPr>
+      <p:sp>
+        <p:nvSpPr>
+          <p:cNvPr id="2" name="Slide Image Placeholder 1"/>
+          <p:cNvSpPr>
+            <a:spLocks noGrp="1" noRot="1" noChangeAspect="1"/>
+          </p:cNvSpPr>
+          <p:nvPr>
+            <p:ph type="sldImg"/>
+          </p:nvPr>
+        </p:nvSpPr>
+        <p:spPr/>
+      </p:sp>
+      <p:sp>
+        <p:nvSpPr>
+          <p:cNvPr id="3" name="Notes Placeholder 2"/>
+          <p:cNvSpPr>
+            <a:spLocks noGrp="1"/>
+          </p:cNvSpPr>
+          <p:nvPr>
+            <p:ph type="body" idx="1"/>
+          </p:nvPr>
+        </p:nvSpPr>
+        <p:spPr/>
+        <p:txBody>
+          <a:bodyPr/>
+          <a:lstStyle/>
+          <a:p>
+            <a:r>
+              <a:rPr lang="en-US" dirty="0"/>
+              <a:t>For this study we had to properly address missing data.  There were missing values in the Alcohol By Volume and IBU columns which were important to our study so we used the mice library(or </a:t>
+            </a:r>
+            <a:r>
+              <a:rPr lang="en-US" b="1" dirty="0"/>
+              <a:t>Multivariate Imputation by Chained Equations)</a:t>
+            </a:r>
+            <a:r>
+              <a:rPr lang="en-US" dirty="0"/>
+              <a:t> to synthesize missing values using other columns in the data.  This was important because the IBU data was missing over a thousand values which would have impacted the accuracy of our results.</a:t>
+            </a:r>
+          </a:p>
+        </p:txBody>
+      </p:sp>
+      <p:sp>
+        <p:nvSpPr>
+          <p:cNvPr id="4" name="Slide Number Placeholder 3"/>
+          <p:cNvSpPr>
+            <a:spLocks noGrp="1"/>
+          </p:cNvSpPr>
+          <p:nvPr>
+            <p:ph type="sldNum" sz="quarter" idx="5"/>
+          </p:nvPr>
+        </p:nvSpPr>
+        <p:spPr/>
+        <p:txBody>
+          <a:bodyPr/>
+          <a:lstStyle/>
+          <a:p>
+            <a:fld id="{F5C4DEE2-34CF-4AC0-92C7-876E2D6A0326}" type="slidenum">
+              <a:rPr lang="en-US" smtClean="0"/>
+              <a:t>3</a:t>
+            </a:fld>
+            <a:endParaRPr lang="en-US"/>
+          </a:p>
+        </p:txBody>
+      </p:sp>
+    </p:spTree>
+    <p:extLst>
+      <p:ext uri="{BB962C8B-B14F-4D97-AF65-F5344CB8AC3E}">
+        <p14:creationId xmlns:p14="http://schemas.microsoft.com/office/powerpoint/2010/main" val="449705682"/>
+      </p:ext>
+    </p:extLst>
+  </p:cSld>
+  <p:clrMapOvr>
+    <a:masterClrMapping/>
+  </p:clrMapOvr>
+</p:notes>
+</file>
+
+<file path=ppt/notesSlides/notesSlide4.xml><?xml version="1.0" encoding="utf-8"?>
+<p:notes xmlns:a="http://schemas.openxmlformats.org/drawingml/2006/main" xmlns:r="http://schemas.openxmlformats.org/officeDocument/2006/relationships" xmlns:p="http://schemas.openxmlformats.org/presentationml/2006/main">
+  <p:cSld>
+    <p:spTree>
+      <p:nvGrpSpPr>
+        <p:cNvPr id="1" name=""/>
+        <p:cNvGrpSpPr/>
+        <p:nvPr/>
+      </p:nvGrpSpPr>
+      <p:grpSpPr>
+        <a:xfrm>
+          <a:off x="0" y="0"/>
+          <a:ext cx="0" cy="0"/>
+          <a:chOff x="0" y="0"/>
+          <a:chExt cx="0" cy="0"/>
+        </a:xfrm>
+      </p:grpSpPr>
+      <p:sp>
+        <p:nvSpPr>
+          <p:cNvPr id="2" name="Slide Image Placeholder 1"/>
+          <p:cNvSpPr>
+            <a:spLocks noGrp="1" noRot="1" noChangeAspect="1"/>
+          </p:cNvSpPr>
+          <p:nvPr>
+            <p:ph type="sldImg"/>
+          </p:nvPr>
+        </p:nvSpPr>
+        <p:spPr/>
+      </p:sp>
+      <p:sp>
+        <p:nvSpPr>
+          <p:cNvPr id="3" name="Notes Placeholder 2"/>
+          <p:cNvSpPr>
+            <a:spLocks noGrp="1"/>
+          </p:cNvSpPr>
+          <p:nvPr>
+            <p:ph type="body" idx="1"/>
+          </p:nvPr>
+        </p:nvSpPr>
+        <p:spPr/>
+        <p:txBody>
+          <a:bodyPr/>
+          <a:lstStyle/>
+          <a:p>
+            <a:r>
+              <a:rPr lang="en-US" dirty="0"/>
+              <a:t>This slide shows the median alcohol by volume across all the states where we have the top 10 states on the left and on the right, we have map of all the states shaded by median ABV. The bluest states have craft beers with the highest ABV.  </a:t>
+            </a:r>
+            <a:r>
+              <a:rPr lang="en-US" dirty="0" err="1"/>
+              <a:t>Budweizer</a:t>
+            </a:r>
+            <a:r>
+              <a:rPr lang="en-US" dirty="0"/>
+              <a:t> has an ABV of .05 or 5%</a:t>
+            </a:r>
+          </a:p>
+          <a:p>
+            <a:r>
+              <a:rPr lang="pt-BR" b="1" dirty="0">
+                <a:effectLst/>
+              </a:rPr>
+              <a:t>DE</a:t>
+            </a:r>
+            <a:r>
+              <a:rPr lang="pt-BR" dirty="0">
+                <a:effectLst/>
+              </a:rPr>
+              <a:t> %6.3</a:t>
+            </a:r>
+            <a:r>
+              <a:rPr lang="pt-BR" u="sng" dirty="0">
+                <a:effectLst/>
+              </a:rPr>
+              <a:t>5,</a:t>
+            </a:r>
+            <a:r>
+              <a:rPr lang="pt-BR" b="1" dirty="0">
+                <a:effectLst/>
+              </a:rPr>
+              <a:t>CA</a:t>
+            </a:r>
+            <a:r>
+              <a:rPr lang="pt-BR" dirty="0">
+                <a:effectLst/>
+              </a:rPr>
+              <a:t> %6 ,</a:t>
+            </a:r>
+            <a:r>
+              <a:rPr lang="pt-BR" b="1" dirty="0">
+                <a:effectLst/>
+              </a:rPr>
+              <a:t>AR</a:t>
+            </a:r>
+            <a:r>
+              <a:rPr lang="pt-BR" dirty="0">
+                <a:effectLst/>
+              </a:rPr>
+              <a:t> %5,</a:t>
+            </a:r>
+            <a:r>
+              <a:rPr lang="pt-BR" b="1" dirty="0">
+                <a:effectLst/>
+              </a:rPr>
+              <a:t>AK</a:t>
+            </a:r>
+            <a:r>
+              <a:rPr lang="pt-BR" dirty="0">
+                <a:effectLst/>
+              </a:rPr>
+              <a:t> %5.6,</a:t>
+            </a:r>
+            <a:r>
+              <a:rPr lang="pt-BR" b="1" dirty="0">
+                <a:effectLst/>
+              </a:rPr>
+              <a:t>AL</a:t>
+            </a:r>
+            <a:r>
+              <a:rPr lang="pt-BR" dirty="0">
+                <a:effectLst/>
+              </a:rPr>
+              <a:t> %6 </a:t>
+            </a:r>
+            <a:endParaRPr lang="en-US" dirty="0"/>
+          </a:p>
+        </p:txBody>
+      </p:sp>
+      <p:sp>
+        <p:nvSpPr>
+          <p:cNvPr id="4" name="Slide Number Placeholder 3"/>
+          <p:cNvSpPr>
+            <a:spLocks noGrp="1"/>
+          </p:cNvSpPr>
+          <p:nvPr>
+            <p:ph type="sldNum" sz="quarter" idx="5"/>
+          </p:nvPr>
+        </p:nvSpPr>
+        <p:spPr/>
+        <p:txBody>
+          <a:bodyPr/>
+          <a:lstStyle/>
+          <a:p>
+            <a:fld id="{F5C4DEE2-34CF-4AC0-92C7-876E2D6A0326}" type="slidenum">
+              <a:rPr lang="en-US" smtClean="0"/>
+              <a:t>4</a:t>
+            </a:fld>
+            <a:endParaRPr lang="en-US"/>
+          </a:p>
+        </p:txBody>
+      </p:sp>
+    </p:spTree>
+    <p:extLst>
+      <p:ext uri="{BB962C8B-B14F-4D97-AF65-F5344CB8AC3E}">
+        <p14:creationId xmlns:p14="http://schemas.microsoft.com/office/powerpoint/2010/main" val="2090369450"/>
+      </p:ext>
+    </p:extLst>
+  </p:cSld>
+  <p:clrMapOvr>
+    <a:masterClrMapping/>
+  </p:clrMapOvr>
+</p:notes>
+</file>
+
+<file path=ppt/notesSlides/notesSlide5.xml><?xml version="1.0" encoding="utf-8"?>
+<p:notes xmlns:a="http://schemas.openxmlformats.org/drawingml/2006/main" xmlns:r="http://schemas.openxmlformats.org/officeDocument/2006/relationships" xmlns:p="http://schemas.openxmlformats.org/presentationml/2006/main">
+  <p:cSld>
+    <p:spTree>
+      <p:nvGrpSpPr>
+        <p:cNvPr id="1" name=""/>
+        <p:cNvGrpSpPr/>
+        <p:nvPr/>
+      </p:nvGrpSpPr>
+      <p:grpSpPr>
+        <a:xfrm>
+          <a:off x="0" y="0"/>
+          <a:ext cx="0" cy="0"/>
+          <a:chOff x="0" y="0"/>
+          <a:chExt cx="0" cy="0"/>
+        </a:xfrm>
+      </p:grpSpPr>
+      <p:sp>
+        <p:nvSpPr>
+          <p:cNvPr id="2" name="Slide Image Placeholder 1"/>
+          <p:cNvSpPr>
+            <a:spLocks noGrp="1" noRot="1" noChangeAspect="1"/>
+          </p:cNvSpPr>
+          <p:nvPr>
+            <p:ph type="sldImg"/>
+          </p:nvPr>
+        </p:nvSpPr>
+        <p:spPr/>
+      </p:sp>
+      <p:sp>
+        <p:nvSpPr>
+          <p:cNvPr id="3" name="Notes Placeholder 2"/>
+          <p:cNvSpPr>
+            <a:spLocks noGrp="1"/>
+          </p:cNvSpPr>
+          <p:nvPr>
+            <p:ph type="body" idx="1"/>
+          </p:nvPr>
+        </p:nvSpPr>
+        <p:spPr/>
+        <p:txBody>
+          <a:bodyPr/>
+          <a:lstStyle/>
+          <a:p>
+            <a:pPr marL="0" marR="0" lvl="0" indent="0" algn="l" defTabSz="914400" rtl="0" eaLnBrk="1" fontAlgn="auto" latinLnBrk="0" hangingPunct="1">
+              <a:lnSpc>
+                <a:spcPct val="100000"/>
+              </a:lnSpc>
+              <a:spcBef>
+                <a:spcPts val="0"/>
+              </a:spcBef>
+              <a:spcAft>
+                <a:spcPts val="0"/>
+              </a:spcAft>
+              <a:buClrTx/>
+              <a:buSzTx/>
+              <a:buFontTx/>
+              <a:buNone/>
+              <a:tabLst/>
+              <a:defRPr/>
+            </a:pPr>
+            <a:r>
+              <a:rPr lang="en-US" dirty="0"/>
+              <a:t>This slide shows the median international bitterness units across all the states with a top 10 bar chart on the left and a map of all the states by IBU on the right.. The lightest blue states have craft beers with the highest IBU. </a:t>
+            </a:r>
+            <a:r>
+              <a:rPr lang="en-US" dirty="0" err="1"/>
+              <a:t>Budweizer</a:t>
+            </a:r>
+            <a:r>
+              <a:rPr lang="en-US" dirty="0"/>
+              <a:t> has an IBU of 7.</a:t>
+            </a:r>
+          </a:p>
+          <a:p>
+            <a:r>
+              <a:rPr lang="en-US" b="1" dirty="0"/>
+              <a:t>DE</a:t>
+            </a:r>
+            <a:r>
+              <a:rPr lang="en-US" dirty="0"/>
+              <a:t> 70, </a:t>
+            </a:r>
+            <a:r>
+              <a:rPr lang="en-US" b="1" dirty="0"/>
+              <a:t>CA</a:t>
+            </a:r>
+            <a:r>
+              <a:rPr lang="en-US" dirty="0"/>
+              <a:t> 47, </a:t>
+            </a:r>
+            <a:r>
+              <a:rPr lang="en-US" b="1" dirty="0"/>
+              <a:t>AR</a:t>
+            </a:r>
+            <a:r>
+              <a:rPr lang="en-US" dirty="0"/>
+              <a:t> 45, </a:t>
+            </a:r>
+            <a:r>
+              <a:rPr lang="en-US" b="1" dirty="0"/>
+              <a:t>AK</a:t>
+            </a:r>
+            <a:r>
+              <a:rPr lang="en-US" dirty="0"/>
+              <a:t> 40, </a:t>
+            </a:r>
+            <a:r>
+              <a:rPr lang="en-US" b="1" dirty="0"/>
+              <a:t>AL</a:t>
+            </a:r>
+            <a:r>
+              <a:rPr lang="en-US" dirty="0"/>
+              <a:t> 39.5, </a:t>
+            </a:r>
+            <a:r>
+              <a:rPr lang="en-US" b="1" dirty="0"/>
+              <a:t>CO</a:t>
+            </a:r>
+            <a:r>
+              <a:rPr lang="en-US" dirty="0"/>
+              <a:t> 37, </a:t>
+            </a:r>
+            <a:r>
+              <a:rPr lang="en-US" b="1" dirty="0"/>
+              <a:t>FL</a:t>
+            </a:r>
+            <a:r>
+              <a:rPr lang="en-US" dirty="0"/>
+              <a:t> 29.5, </a:t>
+            </a:r>
+            <a:r>
+              <a:rPr lang="en-US" b="1" dirty="0"/>
+              <a:t>AZ</a:t>
+            </a:r>
+            <a:r>
+              <a:rPr lang="en-US" dirty="0"/>
+              <a:t> 20, </a:t>
+            </a:r>
+            <a:r>
+              <a:rPr lang="en-US" b="1" dirty="0"/>
+              <a:t>CT</a:t>
+            </a:r>
+            <a:r>
+              <a:rPr lang="en-US" dirty="0"/>
+              <a:t> 17, </a:t>
+            </a:r>
+            <a:r>
+              <a:rPr lang="en-US" b="1" dirty="0"/>
+              <a:t>DC</a:t>
+            </a:r>
+            <a:r>
+              <a:rPr lang="en-US" dirty="0"/>
+              <a:t> 16</a:t>
+            </a:r>
+          </a:p>
+        </p:txBody>
+      </p:sp>
+      <p:sp>
+        <p:nvSpPr>
+          <p:cNvPr id="4" name="Slide Number Placeholder 3"/>
+          <p:cNvSpPr>
+            <a:spLocks noGrp="1"/>
+          </p:cNvSpPr>
+          <p:nvPr>
+            <p:ph type="sldNum" sz="quarter" idx="5"/>
+          </p:nvPr>
+        </p:nvSpPr>
+        <p:spPr/>
+        <p:txBody>
+          <a:bodyPr/>
+          <a:lstStyle/>
+          <a:p>
+            <a:fld id="{F5C4DEE2-34CF-4AC0-92C7-876E2D6A0326}" type="slidenum">
+              <a:rPr lang="en-US" smtClean="0"/>
+              <a:t>5</a:t>
+            </a:fld>
+            <a:endParaRPr lang="en-US"/>
+          </a:p>
+        </p:txBody>
+      </p:sp>
+    </p:spTree>
+    <p:extLst>
+      <p:ext uri="{BB962C8B-B14F-4D97-AF65-F5344CB8AC3E}">
+        <p14:creationId xmlns:p14="http://schemas.microsoft.com/office/powerpoint/2010/main" val="1246851044"/>
+      </p:ext>
+    </p:extLst>
+  </p:cSld>
+  <p:clrMapOvr>
+    <a:masterClrMapping/>
+  </p:clrMapOvr>
+</p:notes>
+</file>
+
+<file path=ppt/notesSlides/notesSlide6.xml><?xml version="1.0" encoding="utf-8"?>
+<p:notes xmlns:a="http://schemas.openxmlformats.org/drawingml/2006/main" xmlns:r="http://schemas.openxmlformats.org/officeDocument/2006/relationships" xmlns:p="http://schemas.openxmlformats.org/presentationml/2006/main">
+  <p:cSld>
+    <p:spTree>
+      <p:nvGrpSpPr>
+        <p:cNvPr id="1" name=""/>
+        <p:cNvGrpSpPr/>
+        <p:nvPr/>
+      </p:nvGrpSpPr>
+      <p:grpSpPr>
+        <a:xfrm>
+          <a:off x="0" y="0"/>
+          <a:ext cx="0" cy="0"/>
+          <a:chOff x="0" y="0"/>
+          <a:chExt cx="0" cy="0"/>
+        </a:xfrm>
+      </p:grpSpPr>
+      <p:sp>
+        <p:nvSpPr>
+          <p:cNvPr id="2" name="Slide Image Placeholder 1"/>
+          <p:cNvSpPr>
+            <a:spLocks noGrp="1" noRot="1" noChangeAspect="1"/>
+          </p:cNvSpPr>
+          <p:nvPr>
+            <p:ph type="sldImg"/>
+          </p:nvPr>
+        </p:nvSpPr>
+        <p:spPr/>
+      </p:sp>
+      <p:sp>
+        <p:nvSpPr>
+          <p:cNvPr id="3" name="Notes Placeholder 2"/>
+          <p:cNvSpPr>
+            <a:spLocks noGrp="1"/>
+          </p:cNvSpPr>
+          <p:nvPr>
+            <p:ph type="body" idx="1"/>
+          </p:nvPr>
+        </p:nvSpPr>
+        <p:spPr/>
+        <p:txBody>
+          <a:bodyPr/>
+          <a:lstStyle/>
+          <a:p>
+            <a:r>
+              <a:rPr lang="en-US" dirty="0"/>
+              <a:t>CO ABV Max =~13%, CO IBU=138</a:t>
+            </a:r>
+          </a:p>
+        </p:txBody>
+      </p:sp>
+      <p:sp>
+        <p:nvSpPr>
+          <p:cNvPr id="4" name="Slide Number Placeholder 3"/>
+          <p:cNvSpPr>
+            <a:spLocks noGrp="1"/>
+          </p:cNvSpPr>
+          <p:nvPr>
+            <p:ph type="sldNum" sz="quarter" idx="5"/>
+          </p:nvPr>
+        </p:nvSpPr>
+        <p:spPr/>
+        <p:txBody>
+          <a:bodyPr/>
+          <a:lstStyle/>
+          <a:p>
+            <a:fld id="{F5C4DEE2-34CF-4AC0-92C7-876E2D6A0326}" type="slidenum">
+              <a:rPr lang="en-US" smtClean="0"/>
+              <a:t>6</a:t>
+            </a:fld>
+            <a:endParaRPr lang="en-US"/>
+          </a:p>
+        </p:txBody>
+      </p:sp>
+    </p:spTree>
+    <p:extLst>
+      <p:ext uri="{BB962C8B-B14F-4D97-AF65-F5344CB8AC3E}">
+        <p14:creationId xmlns:p14="http://schemas.microsoft.com/office/powerpoint/2010/main" val="414669882"/>
+      </p:ext>
+    </p:extLst>
+  </p:cSld>
+  <p:clrMapOvr>
+    <a:masterClrMapping/>
+  </p:clrMapOvr>
+</p:notes>
+</file>
+
+<file path=ppt/notesSlides/notesSlide7.xml><?xml version="1.0" encoding="utf-8"?>
+<p:notes xmlns:a="http://schemas.openxmlformats.org/drawingml/2006/main" xmlns:r="http://schemas.openxmlformats.org/officeDocument/2006/relationships" xmlns:p="http://schemas.openxmlformats.org/presentationml/2006/main">
+  <p:cSld>
+    <p:spTree>
+      <p:nvGrpSpPr>
+        <p:cNvPr id="1" name=""/>
+        <p:cNvGrpSpPr/>
+        <p:nvPr/>
+      </p:nvGrpSpPr>
+      <p:grpSpPr>
+        <a:xfrm>
+          <a:off x="0" y="0"/>
+          <a:ext cx="0" cy="0"/>
+          <a:chOff x="0" y="0"/>
+          <a:chExt cx="0" cy="0"/>
+        </a:xfrm>
+      </p:grpSpPr>
+      <p:sp>
+        <p:nvSpPr>
+          <p:cNvPr id="2" name="Slide Image Placeholder 1"/>
+          <p:cNvSpPr>
+            <a:spLocks noGrp="1" noRot="1" noChangeAspect="1"/>
+          </p:cNvSpPr>
+          <p:nvPr>
+            <p:ph type="sldImg"/>
+          </p:nvPr>
+        </p:nvSpPr>
+        <p:spPr/>
+      </p:sp>
+      <p:sp>
+        <p:nvSpPr>
+          <p:cNvPr id="3" name="Notes Placeholder 2"/>
+          <p:cNvSpPr>
+            <a:spLocks noGrp="1"/>
+          </p:cNvSpPr>
+          <p:nvPr>
+            <p:ph type="body" idx="1"/>
+          </p:nvPr>
+        </p:nvSpPr>
+        <p:spPr/>
+        <p:txBody>
+          <a:bodyPr/>
+          <a:lstStyle/>
+          <a:p>
+            <a:r>
+              <a:rPr lang="en-US" dirty="0"/>
+              <a:t>This plot shows Alcohol by volume on the x axis with the bitterness units on the y axis.  The styles of beers are listed in the legend on the right with counts of beer styles represented by the size of dot on this plot.  What this tells us is what beers have the most representation and what their IBU and ABV levels are.</a:t>
+            </a:r>
+          </a:p>
+          <a:p>
+            <a:endParaRPr lang="en-US" dirty="0"/>
+          </a:p>
+          <a:p>
+            <a:r>
+              <a:rPr lang="en-US" dirty="0"/>
+              <a:t>Highest bitterness and alcohol by volume are the IPAs in the upper right hand corner of the plot.  The IPAs have the largest circle, meaning there are more IPAs than the other beers.  Stout beers, the orange dot on the right below IPAs are high in ABV and IBU but not as many offerings as their circle is smaller.</a:t>
+            </a:r>
+          </a:p>
+          <a:p>
+            <a:endParaRPr lang="en-US" dirty="0"/>
+          </a:p>
+          <a:p>
+            <a:r>
+              <a:rPr lang="en-US" dirty="0"/>
+              <a:t>Regular Ales are the second most popular in terms of count and are in the mid range in ABV and lower than the middle in bitterness.</a:t>
+            </a:r>
+          </a:p>
+          <a:p>
+            <a:endParaRPr lang="en-US" dirty="0"/>
+          </a:p>
+          <a:p>
+            <a:r>
+              <a:rPr lang="en-US" dirty="0"/>
+              <a:t>Lowest ABV and IBU beers seem to be the least popular with the craft brew producers (Lagers, Blonde Ale, Pilsner, hefeweizen)</a:t>
+            </a:r>
+          </a:p>
+        </p:txBody>
+      </p:sp>
+      <p:sp>
+        <p:nvSpPr>
+          <p:cNvPr id="4" name="Slide Number Placeholder 3"/>
+          <p:cNvSpPr>
+            <a:spLocks noGrp="1"/>
+          </p:cNvSpPr>
+          <p:nvPr>
+            <p:ph type="sldNum" sz="quarter" idx="5"/>
+          </p:nvPr>
+        </p:nvSpPr>
+        <p:spPr/>
+        <p:txBody>
+          <a:bodyPr/>
+          <a:lstStyle/>
+          <a:p>
+            <a:fld id="{F5C4DEE2-34CF-4AC0-92C7-876E2D6A0326}" type="slidenum">
+              <a:rPr lang="en-US" smtClean="0"/>
+              <a:t>9</a:t>
+            </a:fld>
+            <a:endParaRPr lang="en-US"/>
+          </a:p>
+        </p:txBody>
+      </p:sp>
+    </p:spTree>
+    <p:extLst>
+      <p:ext uri="{BB962C8B-B14F-4D97-AF65-F5344CB8AC3E}">
+        <p14:creationId xmlns:p14="http://schemas.microsoft.com/office/powerpoint/2010/main" val="1105539044"/>
+      </p:ext>
+    </p:extLst>
+  </p:cSld>
+  <p:clrMapOvr>
+    <a:masterClrMapping/>
+  </p:clrMapOvr>
+</p:notes>
+</file>
+
+<file path=ppt/notesSlides/notesSlide8.xml><?xml version="1.0" encoding="utf-8"?>
+<p:notes xmlns:a="http://schemas.openxmlformats.org/drawingml/2006/main" xmlns:r="http://schemas.openxmlformats.org/officeDocument/2006/relationships" xmlns:p="http://schemas.openxmlformats.org/presentationml/2006/main">
+  <p:cSld>
+    <p:spTree>
+      <p:nvGrpSpPr>
+        <p:cNvPr id="1" name=""/>
+        <p:cNvGrpSpPr/>
+        <p:nvPr/>
+      </p:nvGrpSpPr>
+      <p:grpSpPr>
+        <a:xfrm>
+          <a:off x="0" y="0"/>
+          <a:ext cx="0" cy="0"/>
+          <a:chOff x="0" y="0"/>
+          <a:chExt cx="0" cy="0"/>
+        </a:xfrm>
+      </p:grpSpPr>
+      <p:sp>
+        <p:nvSpPr>
+          <p:cNvPr id="2" name="Slide Image Placeholder 1"/>
+          <p:cNvSpPr>
+            <a:spLocks noGrp="1" noRot="1" noChangeAspect="1"/>
+          </p:cNvSpPr>
+          <p:nvPr>
+            <p:ph type="sldImg"/>
+          </p:nvPr>
+        </p:nvSpPr>
+        <p:spPr/>
+      </p:sp>
+      <p:sp>
+        <p:nvSpPr>
+          <p:cNvPr id="3" name="Notes Placeholder 2"/>
+          <p:cNvSpPr>
+            <a:spLocks noGrp="1"/>
+          </p:cNvSpPr>
+          <p:nvPr>
+            <p:ph type="body" idx="1"/>
+          </p:nvPr>
+        </p:nvSpPr>
+        <p:spPr/>
+        <p:txBody>
+          <a:bodyPr/>
+          <a:lstStyle/>
+          <a:p>
+            <a:r>
+              <a:rPr lang="en-US" dirty="0"/>
+              <a:t>This plot has ABV across the x axis and IBU on the y axis and is plotting division between IPAs colored in the blue green color and regular Ales, colored in orange.</a:t>
+            </a:r>
+          </a:p>
+        </p:txBody>
+      </p:sp>
+      <p:sp>
+        <p:nvSpPr>
+          <p:cNvPr id="4" name="Slide Number Placeholder 3"/>
+          <p:cNvSpPr>
+            <a:spLocks noGrp="1"/>
+          </p:cNvSpPr>
+          <p:nvPr>
+            <p:ph type="sldNum" sz="quarter" idx="5"/>
+          </p:nvPr>
+        </p:nvSpPr>
+        <p:spPr/>
+        <p:txBody>
+          <a:bodyPr/>
+          <a:lstStyle/>
+          <a:p>
+            <a:fld id="{F5C4DEE2-34CF-4AC0-92C7-876E2D6A0326}" type="slidenum">
+              <a:rPr lang="en-US" smtClean="0"/>
+              <a:t>10</a:t>
+            </a:fld>
+            <a:endParaRPr lang="en-US"/>
+          </a:p>
+        </p:txBody>
+      </p:sp>
+    </p:spTree>
+    <p:extLst>
+      <p:ext uri="{BB962C8B-B14F-4D97-AF65-F5344CB8AC3E}">
+        <p14:creationId xmlns:p14="http://schemas.microsoft.com/office/powerpoint/2010/main" val="143257541"/>
+      </p:ext>
+    </p:extLst>
+  </p:cSld>
+  <p:clrMapOvr>
+    <a:masterClrMapping/>
+  </p:clrMapOvr>
+</p:notes>
+</file>
+
+<file path=ppt/notesSlides/notesSlide9.xml><?xml version="1.0" encoding="utf-8"?>
+<p:notes xmlns:a="http://schemas.openxmlformats.org/drawingml/2006/main" xmlns:r="http://schemas.openxmlformats.org/officeDocument/2006/relationships" xmlns:p="http://schemas.openxmlformats.org/presentationml/2006/main">
+  <p:cSld>
+    <p:spTree>
+      <p:nvGrpSpPr>
+        <p:cNvPr id="1" name=""/>
+        <p:cNvGrpSpPr/>
+        <p:nvPr/>
+      </p:nvGrpSpPr>
+      <p:grpSpPr>
+        <a:xfrm>
+          <a:off x="0" y="0"/>
+          <a:ext cx="0" cy="0"/>
+          <a:chOff x="0" y="0"/>
+          <a:chExt cx="0" cy="0"/>
+        </a:xfrm>
+      </p:grpSpPr>
+      <p:sp>
+        <p:nvSpPr>
+          <p:cNvPr id="2" name="Slide Image Placeholder 1"/>
+          <p:cNvSpPr>
+            <a:spLocks noGrp="1" noRot="1" noChangeAspect="1"/>
+          </p:cNvSpPr>
+          <p:nvPr>
+            <p:ph type="sldImg"/>
+          </p:nvPr>
+        </p:nvSpPr>
+        <p:spPr/>
+      </p:sp>
+      <p:sp>
+        <p:nvSpPr>
+          <p:cNvPr id="3" name="Notes Placeholder 2"/>
+          <p:cNvSpPr>
+            <a:spLocks noGrp="1"/>
+          </p:cNvSpPr>
+          <p:nvPr>
+            <p:ph type="body" idx="1"/>
+          </p:nvPr>
+        </p:nvSpPr>
+        <p:spPr/>
+        <p:txBody>
+          <a:bodyPr/>
+          <a:lstStyle/>
+          <a:p>
+            <a:r>
+              <a:rPr lang="en-US" dirty="0"/>
+              <a:t>This plot and table of the K Nearest Neighbor classifier describes how the Ales vs IPAs were classified using ABV and IBU.  The best K value is the value the generates the most accurate classifications. We were able to classify our subset of all Ales as either IPA or other Ales.</a:t>
+            </a:r>
+          </a:p>
+        </p:txBody>
+      </p:sp>
+      <p:sp>
+        <p:nvSpPr>
+          <p:cNvPr id="4" name="Slide Number Placeholder 3"/>
+          <p:cNvSpPr>
+            <a:spLocks noGrp="1"/>
+          </p:cNvSpPr>
+          <p:nvPr>
+            <p:ph type="sldNum" sz="quarter" idx="5"/>
+          </p:nvPr>
+        </p:nvSpPr>
+        <p:spPr/>
+        <p:txBody>
+          <a:bodyPr/>
+          <a:lstStyle/>
+          <a:p>
+            <a:fld id="{F5C4DEE2-34CF-4AC0-92C7-876E2D6A0326}" type="slidenum">
+              <a:rPr lang="en-US" smtClean="0"/>
+              <a:t>11</a:t>
+            </a:fld>
+            <a:endParaRPr lang="en-US"/>
+          </a:p>
+        </p:txBody>
+      </p:sp>
+    </p:spTree>
+    <p:extLst>
+      <p:ext uri="{BB962C8B-B14F-4D97-AF65-F5344CB8AC3E}">
+        <p14:creationId xmlns:p14="http://schemas.microsoft.com/office/powerpoint/2010/main" val="3502404967"/>
+      </p:ext>
+    </p:extLst>
+  </p:cSld>
+  <p:clrMapOvr>
+    <a:masterClrMapping/>
+  </p:clrMapOvr>
+</p:notes>
 </file>
 
 <file path=ppt/slideLayouts/slideLayout1.xml><?xml version="1.0" encoding="utf-8"?>
@@ -1220,7 +2706,7 @@
             <a:fld id="{B61BEF0D-F0BB-DE4B-95CE-6DB70DBA9567}" type="datetimeFigureOut">
               <a:rPr lang="en-US" dirty="0"/>
               <a:pPr/>
-              <a:t>10/25/2019</a:t>
+              <a:t>10/26/2019</a:t>
             </a:fld>
             <a:endParaRPr lang="en-US" dirty="0"/>
           </a:p>
@@ -1468,7 +2954,7 @@
             <a:fld id="{B61BEF0D-F0BB-DE4B-95CE-6DB70DBA9567}" type="datetimeFigureOut">
               <a:rPr lang="en-US" dirty="0"/>
               <a:pPr/>
-              <a:t>10/25/2019</a:t>
+              <a:t>10/26/2019</a:t>
             </a:fld>
             <a:endParaRPr lang="en-US" dirty="0"/>
           </a:p>
@@ -1779,7 +3265,7 @@
             <a:fld id="{B61BEF0D-F0BB-DE4B-95CE-6DB70DBA9567}" type="datetimeFigureOut">
               <a:rPr lang="en-US" dirty="0"/>
               <a:pPr/>
-              <a:t>10/25/2019</a:t>
+              <a:t>10/26/2019</a:t>
             </a:fld>
             <a:endParaRPr lang="en-US" dirty="0"/>
           </a:p>
@@ -2117,7 +3603,7 @@
             <a:fld id="{B61BEF0D-F0BB-DE4B-95CE-6DB70DBA9567}" type="datetimeFigureOut">
               <a:rPr lang="en-US" dirty="0"/>
               <a:pPr/>
-              <a:t>10/25/2019</a:t>
+              <a:t>10/26/2019</a:t>
             </a:fld>
             <a:endParaRPr lang="en-US" dirty="0"/>
           </a:p>
@@ -2428,7 +3914,7 @@
             <a:fld id="{B61BEF0D-F0BB-DE4B-95CE-6DB70DBA9567}" type="datetimeFigureOut">
               <a:rPr lang="en-US" dirty="0"/>
               <a:pPr/>
-              <a:t>10/25/2019</a:t>
+              <a:t>10/26/2019</a:t>
             </a:fld>
             <a:endParaRPr lang="en-US" dirty="0"/>
           </a:p>
@@ -2818,7 +4304,7 @@
             <a:fld id="{B61BEF0D-F0BB-DE4B-95CE-6DB70DBA9567}" type="datetimeFigureOut">
               <a:rPr lang="en-US" dirty="0"/>
               <a:pPr/>
-              <a:t>10/25/2019</a:t>
+              <a:t>10/26/2019</a:t>
             </a:fld>
             <a:endParaRPr lang="en-US" dirty="0"/>
           </a:p>
@@ -2984,7 +4470,7 @@
           <a:p>
             <a:fld id="{55C6B4A9-1611-4792-9094-5F34BCA07E0B}" type="datetimeFigureOut">
               <a:rPr lang="en-US" dirty="0"/>
-              <a:t>10/25/2019</a:t>
+              <a:t>10/26/2019</a:t>
             </a:fld>
             <a:endParaRPr lang="en-US" dirty="0"/>
           </a:p>
@@ -3160,7 +4646,7 @@
             <a:fld id="{B61BEF0D-F0BB-DE4B-95CE-6DB70DBA9567}" type="datetimeFigureOut">
               <a:rPr lang="en-US" dirty="0"/>
               <a:pPr/>
-              <a:t>10/25/2019</a:t>
+              <a:t>10/26/2019</a:t>
             </a:fld>
             <a:endParaRPr lang="en-US" dirty="0"/>
           </a:p>
@@ -3333,7 +4819,7 @@
             <a:fld id="{B61BEF0D-F0BB-DE4B-95CE-6DB70DBA9567}" type="datetimeFigureOut">
               <a:rPr lang="en-US" dirty="0"/>
               <a:pPr/>
-              <a:t>10/25/2019</a:t>
+              <a:t>10/26/2019</a:t>
             </a:fld>
             <a:endParaRPr lang="en-US" dirty="0"/>
           </a:p>
@@ -3577,7 +5063,7 @@
             <a:fld id="{B61BEF0D-F0BB-DE4B-95CE-6DB70DBA9567}" type="datetimeFigureOut">
               <a:rPr lang="en-US" dirty="0"/>
               <a:pPr/>
-              <a:t>10/25/2019</a:t>
+              <a:t>10/26/2019</a:t>
             </a:fld>
             <a:endParaRPr lang="en-US" dirty="0"/>
           </a:p>
@@ -3805,7 +5291,7 @@
           <a:p>
             <a:fld id="{EB712588-04B1-427B-82EE-E8DB90309F08}" type="datetimeFigureOut">
               <a:rPr lang="en-US" dirty="0"/>
-              <a:t>10/25/2019</a:t>
+              <a:t>10/26/2019</a:t>
             </a:fld>
             <a:endParaRPr lang="en-US" dirty="0"/>
           </a:p>
@@ -4175,7 +5661,7 @@
             <a:fld id="{B61BEF0D-F0BB-DE4B-95CE-6DB70DBA9567}" type="datetimeFigureOut">
               <a:rPr lang="en-US" dirty="0"/>
               <a:pPr/>
-              <a:t>10/25/2019</a:t>
+              <a:t>10/26/2019</a:t>
             </a:fld>
             <a:endParaRPr lang="en-US" dirty="0"/>
           </a:p>
@@ -4295,7 +5781,7 @@
             <a:fld id="{B61BEF0D-F0BB-DE4B-95CE-6DB70DBA9567}" type="datetimeFigureOut">
               <a:rPr lang="en-US" dirty="0"/>
               <a:pPr/>
-              <a:t>10/25/2019</a:t>
+              <a:t>10/26/2019</a:t>
             </a:fld>
             <a:endParaRPr lang="en-US" dirty="0"/>
           </a:p>
@@ -4387,7 +5873,7 @@
             <a:fld id="{B61BEF0D-F0BB-DE4B-95CE-6DB70DBA9567}" type="datetimeFigureOut">
               <a:rPr lang="en-US" dirty="0"/>
               <a:pPr/>
-              <a:t>10/25/2019</a:t>
+              <a:t>10/26/2019</a:t>
             </a:fld>
             <a:endParaRPr lang="en-US" dirty="0"/>
           </a:p>
@@ -4638,7 +6124,7 @@
           <a:p>
             <a:fld id="{42A54C80-263E-416B-A8E0-580EDEADCBDC}" type="datetimeFigureOut">
               <a:rPr lang="en-US" dirty="0"/>
-              <a:t>10/25/2019</a:t>
+              <a:t>10/26/2019</a:t>
             </a:fld>
             <a:endParaRPr lang="en-US" dirty="0"/>
           </a:p>
@@ -4897,7 +6383,7 @@
             <a:fld id="{B61BEF0D-F0BB-DE4B-95CE-6DB70DBA9567}" type="datetimeFigureOut">
               <a:rPr lang="en-US" dirty="0"/>
               <a:pPr/>
-              <a:t>10/25/2019</a:t>
+              <a:t>10/26/2019</a:t>
             </a:fld>
             <a:endParaRPr lang="en-US" dirty="0"/>
           </a:p>
@@ -5637,7 +7123,7 @@
             <a:fld id="{B61BEF0D-F0BB-DE4B-95CE-6DB70DBA9567}" type="datetimeFigureOut">
               <a:rPr lang="en-US" dirty="0"/>
               <a:pPr/>
-              <a:t>10/25/2019</a:t>
+              <a:t>10/26/2019</a:t>
             </a:fld>
             <a:endParaRPr lang="en-US" dirty="0"/>
           </a:p>
@@ -6304,10 +7790,10 @@
       </p:sp>
       <p:pic>
         <p:nvPicPr>
-          <p:cNvPr id="7" name="Picture 6">
+          <p:cNvPr id="4" name="Picture 3">
             <a:extLst>
               <a:ext uri="{FF2B5EF4-FFF2-40B4-BE49-F238E27FC236}">
-                <a16:creationId xmlns:a16="http://schemas.microsoft.com/office/drawing/2014/main" id="{5A1DD4FF-BC1D-489D-9F7A-4707B5CC7B59}"/>
+                <a16:creationId xmlns:a16="http://schemas.microsoft.com/office/drawing/2014/main" id="{E7453A86-E8B0-469F-9E88-14067E02E948}"/>
               </a:ext>
             </a:extLst>
           </p:cNvPr>
@@ -6317,15 +7803,15 @@
           <p:nvPr/>
         </p:nvPicPr>
         <p:blipFill>
-          <a:blip r:embed="rId2"/>
+          <a:blip r:embed="rId3"/>
           <a:stretch>
             <a:fillRect/>
           </a:stretch>
         </p:blipFill>
         <p:spPr>
           <a:xfrm>
-            <a:off x="505268" y="1628136"/>
-            <a:ext cx="8940800" cy="3878819"/>
+            <a:off x="468782" y="1566444"/>
+            <a:ext cx="8768622" cy="3471112"/>
           </a:xfrm>
           <a:prstGeom prst="rect">
             <a:avLst/>
@@ -6597,7 +8083,7 @@
           <p:nvPr/>
         </p:nvPicPr>
         <p:blipFill>
-          <a:blip r:embed="rId2"/>
+          <a:blip r:embed="rId3"/>
           <a:stretch>
             <a:fillRect/>
           </a:stretch>
@@ -6691,7 +8177,7 @@
           <p:nvPr/>
         </p:nvPicPr>
         <p:blipFill>
-          <a:blip r:embed="rId2"/>
+          <a:blip r:embed="rId3"/>
           <a:stretch>
             <a:fillRect/>
           </a:stretch>
@@ -6708,10 +8194,10 @@
       </p:pic>
       <p:pic>
         <p:nvPicPr>
-          <p:cNvPr id="5" name="Picture 4">
+          <p:cNvPr id="6" name="Picture 5">
             <a:extLst>
               <a:ext uri="{FF2B5EF4-FFF2-40B4-BE49-F238E27FC236}">
-                <a16:creationId xmlns:a16="http://schemas.microsoft.com/office/drawing/2014/main" id="{3B657AA3-5204-43D5-84C5-2D85BBAECD54}"/>
+                <a16:creationId xmlns:a16="http://schemas.microsoft.com/office/drawing/2014/main" id="{0F086295-894F-4999-8B92-C85F4B266CEC}"/>
               </a:ext>
             </a:extLst>
           </p:cNvPr>
@@ -6721,60 +8207,51 @@
           <p:nvPr/>
         </p:nvPicPr>
         <p:blipFill>
-          <a:blip r:embed="rId3"/>
+          <a:blip r:embed="rId4"/>
           <a:stretch>
             <a:fillRect/>
           </a:stretch>
         </p:blipFill>
         <p:spPr>
           <a:xfrm>
-            <a:off x="4494239" y="2108818"/>
-            <a:ext cx="4779763" cy="2952489"/>
+            <a:off x="5217245" y="1930400"/>
+            <a:ext cx="2851488" cy="1710893"/>
           </a:xfrm>
           <a:prstGeom prst="rect">
             <a:avLst/>
           </a:prstGeom>
         </p:spPr>
       </p:pic>
-      <p:sp>
-        <p:nvSpPr>
-          <p:cNvPr id="3" name="TextBox 2">
+      <p:pic>
+        <p:nvPicPr>
+          <p:cNvPr id="7" name="Picture 6">
             <a:extLst>
               <a:ext uri="{FF2B5EF4-FFF2-40B4-BE49-F238E27FC236}">
-                <a16:creationId xmlns:a16="http://schemas.microsoft.com/office/drawing/2014/main" id="{94B4D8DC-9206-4B90-B9F7-636D210871B7}"/>
+                <a16:creationId xmlns:a16="http://schemas.microsoft.com/office/drawing/2014/main" id="{803665DE-6182-45A2-80C5-87E9270E85CD}"/>
               </a:ext>
             </a:extLst>
           </p:cNvPr>
-          <p:cNvSpPr txBox="1"/>
+          <p:cNvPicPr>
+            <a:picLocks noChangeAspect="1"/>
+          </p:cNvPicPr>
           <p:nvPr/>
-        </p:nvSpPr>
+        </p:nvPicPr>
+        <p:blipFill>
+          <a:blip r:embed="rId5"/>
+          <a:stretch>
+            <a:fillRect/>
+          </a:stretch>
+        </p:blipFill>
         <p:spPr>
           <a:xfrm>
-            <a:off x="1792150" y="5423770"/>
-            <a:ext cx="2092377" cy="584775"/>
+            <a:off x="5217245" y="4005264"/>
+            <a:ext cx="2851488" cy="1710893"/>
           </a:xfrm>
           <a:prstGeom prst="rect">
             <a:avLst/>
           </a:prstGeom>
-          <a:noFill/>
         </p:spPr>
-        <p:txBody>
-          <a:bodyPr wrap="square" rtlCol="0">
-            <a:spAutoFit/>
-          </a:bodyPr>
-          <a:lstStyle/>
-          <a:p>
-            <a:r>
-              <a:rPr lang="en-US" sz="1600" dirty="0" err="1"/>
-              <a:t>Budweizer</a:t>
-            </a:r>
-            <a:r>
-              <a:rPr lang="en-US" sz="1600" dirty="0"/>
-              <a:t> and Bud Light or Lagers</a:t>
-            </a:r>
-          </a:p>
-        </p:txBody>
-      </p:sp>
+      </p:pic>
     </p:spTree>
     <p:extLst>
       <p:ext uri="{BB962C8B-B14F-4D97-AF65-F5344CB8AC3E}">
@@ -6836,36 +8313,6 @@
       </p:sp>
       <p:pic>
         <p:nvPicPr>
-          <p:cNvPr id="4" name="Picture 3">
-            <a:extLst>
-              <a:ext uri="{FF2B5EF4-FFF2-40B4-BE49-F238E27FC236}">
-                <a16:creationId xmlns:a16="http://schemas.microsoft.com/office/drawing/2014/main" id="{D21277BD-9A59-4CFE-8F47-AAFFC542EC06}"/>
-              </a:ext>
-            </a:extLst>
-          </p:cNvPr>
-          <p:cNvPicPr>
-            <a:picLocks noChangeAspect="1"/>
-          </p:cNvPicPr>
-          <p:nvPr/>
-        </p:nvPicPr>
-        <p:blipFill>
-          <a:blip r:embed="rId2"/>
-          <a:stretch>
-            <a:fillRect/>
-          </a:stretch>
-        </p:blipFill>
-        <p:spPr>
-          <a:xfrm>
-            <a:off x="4308277" y="1989110"/>
-            <a:ext cx="5140524" cy="3175334"/>
-          </a:xfrm>
-          <a:prstGeom prst="rect">
-            <a:avLst/>
-          </a:prstGeom>
-        </p:spPr>
-      </p:pic>
-      <p:pic>
-        <p:nvPicPr>
           <p:cNvPr id="5" name="Picture 4">
             <a:extLst>
               <a:ext uri="{FF2B5EF4-FFF2-40B4-BE49-F238E27FC236}">
@@ -6888,6 +8335,66 @@
           <a:xfrm>
             <a:off x="1748753" y="2178916"/>
             <a:ext cx="2130521" cy="2985528"/>
+          </a:xfrm>
+          <a:prstGeom prst="rect">
+            <a:avLst/>
+          </a:prstGeom>
+        </p:spPr>
+      </p:pic>
+      <p:pic>
+        <p:nvPicPr>
+          <p:cNvPr id="3" name="Picture 2">
+            <a:extLst>
+              <a:ext uri="{FF2B5EF4-FFF2-40B4-BE49-F238E27FC236}">
+                <a16:creationId xmlns:a16="http://schemas.microsoft.com/office/drawing/2014/main" id="{2F21EE0F-4F4E-4760-A836-4F59349099CD}"/>
+              </a:ext>
+            </a:extLst>
+          </p:cNvPr>
+          <p:cNvPicPr>
+            <a:picLocks noChangeAspect="1"/>
+          </p:cNvPicPr>
+          <p:nvPr/>
+        </p:nvPicPr>
+        <p:blipFill>
+          <a:blip r:embed="rId4"/>
+          <a:stretch>
+            <a:fillRect/>
+          </a:stretch>
+        </p:blipFill>
+        <p:spPr>
+          <a:xfrm>
+            <a:off x="4975668" y="1848716"/>
+            <a:ext cx="3225988" cy="1935593"/>
+          </a:xfrm>
+          <a:prstGeom prst="rect">
+            <a:avLst/>
+          </a:prstGeom>
+        </p:spPr>
+      </p:pic>
+      <p:pic>
+        <p:nvPicPr>
+          <p:cNvPr id="6" name="Picture 5">
+            <a:extLst>
+              <a:ext uri="{FF2B5EF4-FFF2-40B4-BE49-F238E27FC236}">
+                <a16:creationId xmlns:a16="http://schemas.microsoft.com/office/drawing/2014/main" id="{8A3365C1-3856-4B71-92EC-D57DB02877BC}"/>
+              </a:ext>
+            </a:extLst>
+          </p:cNvPr>
+          <p:cNvPicPr>
+            <a:picLocks noChangeAspect="1"/>
+          </p:cNvPicPr>
+          <p:nvPr/>
+        </p:nvPicPr>
+        <p:blipFill>
+          <a:blip r:embed="rId5"/>
+          <a:stretch>
+            <a:fillRect/>
+          </a:stretch>
+        </p:blipFill>
+        <p:spPr>
+          <a:xfrm>
+            <a:off x="4975668" y="4312807"/>
+            <a:ext cx="3225988" cy="1935593"/>
           </a:xfrm>
           <a:prstGeom prst="rect">
             <a:avLst/>
@@ -6954,36 +8461,6 @@
       </p:sp>
       <p:pic>
         <p:nvPicPr>
-          <p:cNvPr id="4" name="Picture 3">
-            <a:extLst>
-              <a:ext uri="{FF2B5EF4-FFF2-40B4-BE49-F238E27FC236}">
-                <a16:creationId xmlns:a16="http://schemas.microsoft.com/office/drawing/2014/main" id="{2DFE0069-AD9E-48EF-9784-7CC69F29ACD3}"/>
-              </a:ext>
-            </a:extLst>
-          </p:cNvPr>
-          <p:cNvPicPr>
-            <a:picLocks noChangeAspect="1"/>
-          </p:cNvPicPr>
-          <p:nvPr/>
-        </p:nvPicPr>
-        <p:blipFill>
-          <a:blip r:embed="rId2"/>
-          <a:stretch>
-            <a:fillRect/>
-          </a:stretch>
-        </p:blipFill>
-        <p:spPr>
-          <a:xfrm>
-            <a:off x="4468150" y="2321622"/>
-            <a:ext cx="4931187" cy="3046025"/>
-          </a:xfrm>
-          <a:prstGeom prst="rect">
-            <a:avLst/>
-          </a:prstGeom>
-        </p:spPr>
-      </p:pic>
-      <p:pic>
-        <p:nvPicPr>
           <p:cNvPr id="5" name="Picture 4">
             <a:extLst>
               <a:ext uri="{FF2B5EF4-FFF2-40B4-BE49-F238E27FC236}">
@@ -7006,6 +8483,66 @@
           <a:xfrm>
             <a:off x="1672710" y="2226337"/>
             <a:ext cx="2239906" cy="3236593"/>
+          </a:xfrm>
+          <a:prstGeom prst="rect">
+            <a:avLst/>
+          </a:prstGeom>
+        </p:spPr>
+      </p:pic>
+      <p:pic>
+        <p:nvPicPr>
+          <p:cNvPr id="3" name="Picture 2">
+            <a:extLst>
+              <a:ext uri="{FF2B5EF4-FFF2-40B4-BE49-F238E27FC236}">
+                <a16:creationId xmlns:a16="http://schemas.microsoft.com/office/drawing/2014/main" id="{81DB26EC-5A2A-4164-B43B-934E53E05E7B}"/>
+              </a:ext>
+            </a:extLst>
+          </p:cNvPr>
+          <p:cNvPicPr>
+            <a:picLocks noChangeAspect="1"/>
+          </p:cNvPicPr>
+          <p:nvPr/>
+        </p:nvPicPr>
+        <p:blipFill>
+          <a:blip r:embed="rId4"/>
+          <a:stretch>
+            <a:fillRect/>
+          </a:stretch>
+        </p:blipFill>
+        <p:spPr>
+          <a:xfrm>
+            <a:off x="4989254" y="1828799"/>
+            <a:ext cx="3290132" cy="1974079"/>
+          </a:xfrm>
+          <a:prstGeom prst="rect">
+            <a:avLst/>
+          </a:prstGeom>
+        </p:spPr>
+      </p:pic>
+      <p:pic>
+        <p:nvPicPr>
+          <p:cNvPr id="6" name="Picture 5">
+            <a:extLst>
+              <a:ext uri="{FF2B5EF4-FFF2-40B4-BE49-F238E27FC236}">
+                <a16:creationId xmlns:a16="http://schemas.microsoft.com/office/drawing/2014/main" id="{D5646DDC-FE45-42B1-861F-4FC1D79FE5B5}"/>
+              </a:ext>
+            </a:extLst>
+          </p:cNvPr>
+          <p:cNvPicPr>
+            <a:picLocks noChangeAspect="1"/>
+          </p:cNvPicPr>
+          <p:nvPr/>
+        </p:nvPicPr>
+        <p:blipFill>
+          <a:blip r:embed="rId5"/>
+          <a:stretch>
+            <a:fillRect/>
+          </a:stretch>
+        </p:blipFill>
+        <p:spPr>
+          <a:xfrm>
+            <a:off x="4989254" y="4325120"/>
+            <a:ext cx="3205467" cy="1923280"/>
           </a:xfrm>
           <a:prstGeom prst="rect">
             <a:avLst/>
@@ -7073,36 +8610,6 @@
       </p:sp>
       <p:pic>
         <p:nvPicPr>
-          <p:cNvPr id="6" name="Picture 5">
-            <a:extLst>
-              <a:ext uri="{FF2B5EF4-FFF2-40B4-BE49-F238E27FC236}">
-                <a16:creationId xmlns:a16="http://schemas.microsoft.com/office/drawing/2014/main" id="{AC3B3065-FA90-4FAA-8457-281FBC1A377A}"/>
-              </a:ext>
-            </a:extLst>
-          </p:cNvPr>
-          <p:cNvPicPr>
-            <a:picLocks noChangeAspect="1"/>
-          </p:cNvPicPr>
-          <p:nvPr/>
-        </p:nvPicPr>
-        <p:blipFill>
-          <a:blip r:embed="rId2"/>
-          <a:stretch>
-            <a:fillRect/>
-          </a:stretch>
-        </p:blipFill>
-        <p:spPr>
-          <a:xfrm>
-            <a:off x="3723382" y="1930400"/>
-            <a:ext cx="5550620" cy="3428653"/>
-          </a:xfrm>
-          <a:prstGeom prst="rect">
-            <a:avLst/>
-          </a:prstGeom>
-        </p:spPr>
-      </p:pic>
-      <p:pic>
-        <p:nvPicPr>
           <p:cNvPr id="9" name="Picture 8">
             <a:extLst>
               <a:ext uri="{FF2B5EF4-FFF2-40B4-BE49-F238E27FC236}">
@@ -7125,6 +8632,66 @@
           <a:xfrm>
             <a:off x="1818826" y="2054349"/>
             <a:ext cx="2072193" cy="2903792"/>
+          </a:xfrm>
+          <a:prstGeom prst="rect">
+            <a:avLst/>
+          </a:prstGeom>
+        </p:spPr>
+      </p:pic>
+      <p:pic>
+        <p:nvPicPr>
+          <p:cNvPr id="3" name="Picture 2">
+            <a:extLst>
+              <a:ext uri="{FF2B5EF4-FFF2-40B4-BE49-F238E27FC236}">
+                <a16:creationId xmlns:a16="http://schemas.microsoft.com/office/drawing/2014/main" id="{A67A30F8-A6D4-4F0B-91B2-6838871293E6}"/>
+              </a:ext>
+            </a:extLst>
+          </p:cNvPr>
+          <p:cNvPicPr>
+            <a:picLocks noChangeAspect="1"/>
+          </p:cNvPicPr>
+          <p:nvPr/>
+        </p:nvPicPr>
+        <p:blipFill>
+          <a:blip r:embed="rId4"/>
+          <a:stretch>
+            <a:fillRect/>
+          </a:stretch>
+        </p:blipFill>
+        <p:spPr>
+          <a:xfrm>
+            <a:off x="4817533" y="1556179"/>
+            <a:ext cx="3565974" cy="2139585"/>
+          </a:xfrm>
+          <a:prstGeom prst="rect">
+            <a:avLst/>
+          </a:prstGeom>
+        </p:spPr>
+      </p:pic>
+      <p:pic>
+        <p:nvPicPr>
+          <p:cNvPr id="4" name="Picture 3">
+            <a:extLst>
+              <a:ext uri="{FF2B5EF4-FFF2-40B4-BE49-F238E27FC236}">
+                <a16:creationId xmlns:a16="http://schemas.microsoft.com/office/drawing/2014/main" id="{A5E8E59E-BBD6-4DF7-AEE5-D192B0956251}"/>
+              </a:ext>
+            </a:extLst>
+          </p:cNvPr>
+          <p:cNvPicPr>
+            <a:picLocks noChangeAspect="1"/>
+          </p:cNvPicPr>
+          <p:nvPr/>
+        </p:nvPicPr>
+        <p:blipFill>
+          <a:blip r:embed="rId5"/>
+          <a:stretch>
+            <a:fillRect/>
+          </a:stretch>
+        </p:blipFill>
+        <p:spPr>
+          <a:xfrm>
+            <a:off x="4817533" y="4232028"/>
+            <a:ext cx="3565975" cy="2139586"/>
           </a:xfrm>
           <a:prstGeom prst="rect">
             <a:avLst/>
@@ -7210,7 +8777,7 @@
           <a:bodyPr/>
           <a:lstStyle/>
           <a:p>
-            <a:endParaRPr lang="en-US"/>
+            <a:endParaRPr lang="en-US" dirty="0"/>
           </a:p>
         </p:txBody>
       </p:sp>
@@ -7623,7 +9190,7 @@
           <p:nvPr/>
         </p:nvPicPr>
         <p:blipFill>
-          <a:blip r:embed="rId2"/>
+          <a:blip r:embed="rId3"/>
           <a:stretch>
             <a:fillRect/>
           </a:stretch>
@@ -7653,14 +9220,14 @@
           <p:nvPr/>
         </p:nvPicPr>
         <p:blipFill>
-          <a:blip r:embed="rId3"/>
+          <a:blip r:embed="rId4"/>
           <a:stretch>
             <a:fillRect/>
           </a:stretch>
         </p:blipFill>
         <p:spPr>
           <a:xfrm>
-            <a:off x="889266" y="1930400"/>
+            <a:off x="796132" y="1930400"/>
             <a:ext cx="3546150" cy="3096117"/>
           </a:xfrm>
           <a:prstGeom prst="rect">
@@ -8440,7 +10007,7 @@
                 <a:latin typeface="Arial" panose="020B0604020202020204" pitchFamily="34" charset="0"/>
                 <a:cs typeface="Arial" panose="020B0604020202020204" pitchFamily="34" charset="0"/>
               </a:rPr>
-              <a:t>Data Imputation</a:t>
+              <a:t>Addressing Missing Data</a:t>
             </a:r>
           </a:p>
         </p:txBody>
@@ -8576,15 +10143,15 @@
           <p:nvPr/>
         </p:nvPicPr>
         <p:blipFill>
-          <a:blip r:embed="rId2"/>
+          <a:blip r:embed="rId3"/>
           <a:stretch>
             <a:fillRect/>
           </a:stretch>
         </p:blipFill>
         <p:spPr>
           <a:xfrm>
-            <a:off x="1499658" y="2407349"/>
-            <a:ext cx="6311111" cy="3898413"/>
+            <a:off x="7167034" y="1930400"/>
+            <a:ext cx="4572269" cy="2824319"/>
           </a:xfrm>
           <a:prstGeom prst="rect">
             <a:avLst/>
@@ -8605,7 +10172,7 @@
         </p:nvSpPr>
         <p:spPr>
           <a:xfrm>
-            <a:off x="1665962" y="5940623"/>
+            <a:off x="7167034" y="4856320"/>
             <a:ext cx="1469605" cy="307777"/>
           </a:xfrm>
           <a:prstGeom prst="rect">
@@ -8621,11 +10188,41 @@
           <a:p>
             <a:r>
               <a:rPr lang="en-US" sz="1400" dirty="0"/>
-              <a:t>Bud ABV:5%</a:t>
-            </a:r>
-          </a:p>
-        </p:txBody>
-      </p:sp>
+              <a:t>Bud ABV: .05</a:t>
+            </a:r>
+          </a:p>
+        </p:txBody>
+      </p:sp>
+      <p:pic>
+        <p:nvPicPr>
+          <p:cNvPr id="3" name="Picture 2">
+            <a:extLst>
+              <a:ext uri="{FF2B5EF4-FFF2-40B4-BE49-F238E27FC236}">
+                <a16:creationId xmlns:a16="http://schemas.microsoft.com/office/drawing/2014/main" id="{E8F8E485-EBC9-4B5C-B1E1-7E496D1716BF}"/>
+              </a:ext>
+            </a:extLst>
+          </p:cNvPr>
+          <p:cNvPicPr>
+            <a:picLocks noChangeAspect="1"/>
+          </p:cNvPicPr>
+          <p:nvPr/>
+        </p:nvPicPr>
+        <p:blipFill>
+          <a:blip r:embed="rId4"/>
+          <a:stretch>
+            <a:fillRect/>
+          </a:stretch>
+        </p:blipFill>
+        <p:spPr>
+          <a:xfrm>
+            <a:off x="550334" y="1991063"/>
+            <a:ext cx="5774266" cy="3562649"/>
+          </a:xfrm>
+          <a:prstGeom prst="rect">
+            <a:avLst/>
+          </a:prstGeom>
+        </p:spPr>
+      </p:pic>
     </p:spTree>
     <p:extLst>
       <p:ext uri="{BB962C8B-B14F-4D97-AF65-F5344CB8AC3E}">
@@ -8703,15 +10300,15 @@
           <p:nvPr/>
         </p:nvPicPr>
         <p:blipFill>
-          <a:blip r:embed="rId2"/>
+          <a:blip r:embed="rId3"/>
           <a:stretch>
             <a:fillRect/>
           </a:stretch>
         </p:blipFill>
         <p:spPr>
           <a:xfrm>
-            <a:off x="1429638" y="2571286"/>
-            <a:ext cx="5977002" cy="3686350"/>
+            <a:off x="7124700" y="1904846"/>
+            <a:ext cx="4584700" cy="2827640"/>
           </a:xfrm>
           <a:prstGeom prst="rect">
             <a:avLst/>
@@ -8733,15 +10330,45 @@
           <p:nvPr/>
         </p:nvPicPr>
         <p:blipFill>
-          <a:blip r:embed="rId3"/>
+          <a:blip r:embed="rId4"/>
           <a:stretch>
             <a:fillRect/>
           </a:stretch>
         </p:blipFill>
         <p:spPr>
           <a:xfrm>
-            <a:off x="1429638" y="6001490"/>
+            <a:off x="7124700" y="4732486"/>
             <a:ext cx="1658256" cy="493819"/>
+          </a:xfrm>
+          <a:prstGeom prst="rect">
+            <a:avLst/>
+          </a:prstGeom>
+        </p:spPr>
+      </p:pic>
+      <p:pic>
+        <p:nvPicPr>
+          <p:cNvPr id="4" name="Picture 3">
+            <a:extLst>
+              <a:ext uri="{FF2B5EF4-FFF2-40B4-BE49-F238E27FC236}">
+                <a16:creationId xmlns:a16="http://schemas.microsoft.com/office/drawing/2014/main" id="{0E28B4AE-CD82-4EF0-9036-D82C9F78AC1D}"/>
+              </a:ext>
+            </a:extLst>
+          </p:cNvPr>
+          <p:cNvPicPr>
+            <a:picLocks noChangeAspect="1"/>
+          </p:cNvPicPr>
+          <p:nvPr/>
+        </p:nvPicPr>
+        <p:blipFill>
+          <a:blip r:embed="rId5"/>
+          <a:stretch>
+            <a:fillRect/>
+          </a:stretch>
+        </p:blipFill>
+        <p:spPr>
+          <a:xfrm>
+            <a:off x="494292" y="1904846"/>
+            <a:ext cx="5804907" cy="3581554"/>
           </a:xfrm>
           <a:prstGeom prst="rect">
             <a:avLst/>
@@ -8827,7 +10454,7 @@
           <p:nvPr/>
         </p:nvPicPr>
         <p:blipFill>
-          <a:blip r:embed="rId2"/>
+          <a:blip r:embed="rId3"/>
           <a:stretch>
             <a:fillRect/>
           </a:stretch>
@@ -8857,7 +10484,7 @@
           <p:nvPr/>
         </p:nvPicPr>
         <p:blipFill>
-          <a:blip r:embed="rId3"/>
+          <a:blip r:embed="rId4"/>
           <a:stretch>
             <a:fillRect/>
           </a:stretch>
@@ -10036,10 +11663,10 @@
       </p:graphicFrame>
       <p:pic>
         <p:nvPicPr>
-          <p:cNvPr id="10" name="Picture 9">
+          <p:cNvPr id="3" name="Picture 2">
             <a:extLst>
               <a:ext uri="{FF2B5EF4-FFF2-40B4-BE49-F238E27FC236}">
-                <a16:creationId xmlns:a16="http://schemas.microsoft.com/office/drawing/2014/main" id="{845FAB86-6A34-4609-8646-09AEEC84B804}"/>
+                <a16:creationId xmlns:a16="http://schemas.microsoft.com/office/drawing/2014/main" id="{74D6463F-F5B9-4DEE-B8C2-E2616729314F}"/>
               </a:ext>
             </a:extLst>
           </p:cNvPr>
@@ -10056,8 +11683,8 @@
         </p:blipFill>
         <p:spPr>
           <a:xfrm>
-            <a:off x="4014499" y="1938867"/>
-            <a:ext cx="5472728" cy="3375337"/>
+            <a:off x="3987750" y="2021946"/>
+            <a:ext cx="5570223" cy="3342134"/>
           </a:xfrm>
           <a:prstGeom prst="rect">
             <a:avLst/>
@@ -10146,7 +11773,7 @@
           </p:nvPr>
         </p:nvPicPr>
         <p:blipFill>
-          <a:blip r:embed="rId2">
+          <a:blip r:embed="rId3">
             <a:extLst>
               <a:ext uri="{28A0092B-C50C-407E-A947-70E740481C1C}">
                 <a14:useLocalDpi xmlns:a14="http://schemas.microsoft.com/office/drawing/2010/main" val="0"/>
